--- a/exp_img/instructions.pptx
+++ b/exp_img/instructions.pptx
@@ -7,10 +7,29 @@
   <p:sldIdLst>
     <p:sldId id="256" r:id="rId2"/>
     <p:sldId id="257" r:id="rId3"/>
-    <p:sldId id="258" r:id="rId4"/>
-    <p:sldId id="259" r:id="rId5"/>
-    <p:sldId id="260" r:id="rId6"/>
-    <p:sldId id="261" r:id="rId7"/>
+    <p:sldId id="263" r:id="rId4"/>
+    <p:sldId id="281" r:id="rId5"/>
+    <p:sldId id="264" r:id="rId6"/>
+    <p:sldId id="258" r:id="rId7"/>
+    <p:sldId id="259" r:id="rId8"/>
+    <p:sldId id="260" r:id="rId9"/>
+    <p:sldId id="261" r:id="rId10"/>
+    <p:sldId id="262" r:id="rId11"/>
+    <p:sldId id="273" r:id="rId12"/>
+    <p:sldId id="265" r:id="rId13"/>
+    <p:sldId id="266" r:id="rId14"/>
+    <p:sldId id="268" r:id="rId15"/>
+    <p:sldId id="269" r:id="rId16"/>
+    <p:sldId id="274" r:id="rId17"/>
+    <p:sldId id="270" r:id="rId18"/>
+    <p:sldId id="271" r:id="rId19"/>
+    <p:sldId id="272" r:id="rId20"/>
+    <p:sldId id="276" r:id="rId21"/>
+    <p:sldId id="275" r:id="rId22"/>
+    <p:sldId id="277" r:id="rId23"/>
+    <p:sldId id="278" r:id="rId24"/>
+    <p:sldId id="280" r:id="rId25"/>
+    <p:sldId id="279" r:id="rId26"/>
   </p:sldIdLst>
   <p:sldSz cx="12192000" cy="6858000"/>
   <p:notesSz cx="6858000" cy="9144000"/>
@@ -117,118 +136,6 @@
 </p:presentation>
 </file>
 
-<file path=ppt/ink/ink1.xml><?xml version="1.0" encoding="utf-8"?>
-<inkml:ink xmlns:inkml="http://www.w3.org/2003/InkML">
-  <inkml:definitions>
-    <inkml:context xml:id="ctx0">
-      <inkml:inkSource xml:id="inkSrc0">
-        <inkml:traceFormat>
-          <inkml:channel name="X" type="integer" min="-2.14748E9" max="2.14748E9" units="cm"/>
-          <inkml:channel name="Y" type="integer" min="-2.14748E9" max="2.14748E9" units="cm"/>
-          <inkml:channel name="F" type="integer" max="32767" units="dev"/>
-        </inkml:traceFormat>
-        <inkml:channelProperties>
-          <inkml:channelProperty channel="X" name="resolution" value="1000" units="1/cm"/>
-          <inkml:channelProperty channel="Y" name="resolution" value="1000" units="1/cm"/>
-          <inkml:channelProperty channel="F" name="resolution" value="0" units="1/dev"/>
-        </inkml:channelProperties>
-      </inkml:inkSource>
-      <inkml:timestamp xml:id="ts0" timeString="2024-02-23T07:48:08.014"/>
-    </inkml:context>
-    <inkml:brush xml:id="br0">
-      <inkml:brushProperty name="width" value="0.1" units="cm"/>
-      <inkml:brushProperty name="height" value="0.1" units="cm"/>
-      <inkml:brushProperty name="color" value="#5B2D90"/>
-    </inkml:brush>
-  </inkml:definitions>
-  <inkml:trace contextRef="#ctx0" brushRef="#br0">28 570 24575,'126'2'0,"135"-5"0,-258 3 0,0-1 0,0 1 0,0-1 0,0 0 0,0 0 0,0 0 0,-1-1 0,1 1 0,0-1 0,0 1 0,-1-1 0,1 0 0,-1 0 0,0 0 0,1 0 0,-1 0 0,0-1 0,0 1 0,-1-1 0,1 1 0,0-1 0,-1 0 0,0 0 0,1 0 0,0-5 0,3-8 0,-1 0 0,-1 0 0,1-32 0,2-3 0,1 26 0,-2 0 0,-1-1 0,0 1 0,-2-1 0,-1 0 0,-2 1 0,0-1 0,-5-28 0,5 51 0,0 0 0,0 1 0,0-1 0,0 0 0,0 0 0,0 1 0,-1-1 0,1 1 0,-1 0 0,0-1 0,0 1 0,1 0 0,-2 0 0,1 0 0,0 0 0,0 0 0,-1 0 0,1 1 0,-1-1 0,-3-1 0,-3 1 0,1-1 0,-1 1 0,0 1 0,1 0 0,-13-1 0,13 2 0,0 0 0,0-1 0,0 0 0,1-1 0,-1 1 0,0-2 0,1 1 0,-9-4 0,5 0 0,-1 1 0,1 0 0,-1 1 0,0 1 0,-1 0 0,1 0 0,-1 1 0,-14 0 0,-6 1 0,-62 6 0,91-4 0,0-1 0,1 1 0,-1 1 0,1-1 0,-1 0 0,1 1 0,0 0 0,-1 0 0,1 0 0,0 0 0,0 0 0,0 1 0,1-1 0,-1 1 0,1 0 0,-1 0 0,1 0 0,0 0 0,0 0 0,0 0 0,0 1 0,1-1 0,0 1 0,-1-1 0,1 1 0,0-1 0,1 1 0,-2 6 0,-1 12 0,0 1 0,2 0 0,1 34 0,1-37 0,1 243-1365,-2-241-5461</inkml:trace>
-</inkml:ink>
-</file>
-
-<file path=ppt/ink/ink2.xml><?xml version="1.0" encoding="utf-8"?>
-<inkml:ink xmlns:inkml="http://www.w3.org/2003/InkML">
-  <inkml:definitions>
-    <inkml:context xml:id="ctx0">
-      <inkml:inkSource xml:id="inkSrc0">
-        <inkml:traceFormat>
-          <inkml:channel name="X" type="integer" min="-2.14748E9" max="2.14748E9" units="cm"/>
-          <inkml:channel name="Y" type="integer" min="-2.14748E9" max="2.14748E9" units="cm"/>
-          <inkml:channel name="F" type="integer" max="32767" units="dev"/>
-        </inkml:traceFormat>
-        <inkml:channelProperties>
-          <inkml:channelProperty channel="X" name="resolution" value="1000" units="1/cm"/>
-          <inkml:channelProperty channel="Y" name="resolution" value="1000" units="1/cm"/>
-          <inkml:channelProperty channel="F" name="resolution" value="0" units="1/dev"/>
-        </inkml:channelProperties>
-      </inkml:inkSource>
-      <inkml:timestamp xml:id="ts0" timeString="2024-02-23T07:48:16.971"/>
-    </inkml:context>
-    <inkml:brush xml:id="br0">
-      <inkml:brushProperty name="width" value="0.1" units="cm"/>
-      <inkml:brushProperty name="height" value="0.1" units="cm"/>
-      <inkml:brushProperty name="color" value="#5B2D90"/>
-    </inkml:brush>
-  </inkml:definitions>
-  <inkml:trace contextRef="#ctx0" brushRef="#br0">77 597 24575,'32'0'0,"-1"1"0,0 2 0,39 8 0,-33-5 0,-1-2 0,1-1 0,0-2 0,64-6 0,-99 5 0,1 0 0,-1 0 0,0-1 0,0 1 0,0-1 0,1 0 0,-1 0 0,0 0 0,0 0 0,0 0 0,0 0 0,0 0 0,-1-1 0,1 1 0,0 0 0,-1-1 0,1 0 0,0 1 0,-1-1 0,0 0 0,1 0 0,-1 0 0,0 0 0,0 0 0,0 0 0,0 0 0,-1 0 0,1 0 0,-1-1 0,1 1 0,-1 0 0,0 0 0,1-1 0,-1 1 0,-1 0 0,1 0 0,-1-5 0,-1-10 0,-1 1 0,0-1 0,-1 1 0,-8-19 0,6 16 0,-1-10 0,1 0 0,2 1 0,1-1 0,1-1 0,1 1 0,6-51 0,1 47 0,-5 29 0,0-1 0,0 1 0,0 0 0,0-1 0,-1 1 0,0-1 0,0 1 0,-1-6 0,1 8 0,-1 0 0,0 0 0,0 0 0,0 0 0,0 0 0,-1 0 0,1 0 0,0 0 0,-1 1 0,0-1 0,1 0 0,-1 1 0,0 0 0,1-1 0,-1 1 0,0 0 0,0 0 0,0 0 0,0 0 0,-4-1 0,-112-40 0,101 36 0,0 0 0,0 1 0,0 1 0,-1 1 0,1 1 0,-1 0 0,0 1 0,0 1 0,0 1 0,-24 3 0,38-3 0,-1 0 0,1 0 0,0 0 0,-1 0 0,1 1 0,0-1 0,0 1 0,0 0 0,0 0 0,0 1 0,1-1 0,-1 1 0,1 0 0,0 0 0,-4 4 0,1 0 0,1 1 0,0-1 0,1 0 0,-1 1 0,2 0 0,-1 0 0,-3 11 0,1 7 0,0 0 0,2 0 0,0 0 0,1 32 0,2-22-341,2 0 0,2 0-1,9 51 1,-7-65-6485</inkml:trace>
-</inkml:ink>
-</file>
-
-<file path=ppt/ink/ink3.xml><?xml version="1.0" encoding="utf-8"?>
-<inkml:ink xmlns:inkml="http://www.w3.org/2003/InkML">
-  <inkml:definitions>
-    <inkml:context xml:id="ctx0">
-      <inkml:inkSource xml:id="inkSrc0">
-        <inkml:traceFormat>
-          <inkml:channel name="X" type="integer" min="-2.14748E9" max="2.14748E9" units="cm"/>
-          <inkml:channel name="Y" type="integer" min="-2.14748E9" max="2.14748E9" units="cm"/>
-          <inkml:channel name="F" type="integer" max="32767" units="dev"/>
-        </inkml:traceFormat>
-        <inkml:channelProperties>
-          <inkml:channelProperty channel="X" name="resolution" value="1000" units="1/cm"/>
-          <inkml:channelProperty channel="Y" name="resolution" value="1000" units="1/cm"/>
-          <inkml:channelProperty channel="F" name="resolution" value="0" units="1/dev"/>
-        </inkml:channelProperties>
-      </inkml:inkSource>
-      <inkml:timestamp xml:id="ts0" timeString="2024-02-23T07:48:56.894"/>
-    </inkml:context>
-    <inkml:brush xml:id="br0">
-      <inkml:brushProperty name="width" value="0.1" units="cm"/>
-      <inkml:brushProperty name="height" value="0.1" units="cm"/>
-      <inkml:brushProperty name="color" value="#33CCFF"/>
-    </inkml:brush>
-  </inkml:definitions>
-  <inkml:trace contextRef="#ctx0" brushRef="#br0">4340 718 24575,'-51'0'0,"2"1"0,1-2 0,-96-14 0,109 10 0,0 1 0,0 2 0,-49 4 0,-52-3 0,67-12 0,50 8 0,0 2 0,-28-3 0,-27 8 0,-129 17 0,58 3 0,-49 3 0,156-19 0,-1-2 0,1-1 0,-1-3 0,0 0 0,1-3 0,-66-13 0,55 9 0,-1 2 0,-100 4 0,98 2 0,-1-2 0,-80-11 0,64 4 0,0 2 0,-126 8 0,67 0 0,20-4 0,-117 5 0,204 0 0,-1 1 0,1 1 0,-22 8 0,25-7 0,0 0 0,0-2 0,0 0 0,-34 2 0,-308-7 0,331 0 0,-58-11 0,57 6 0,-55-2 0,-82 11 0,-127-6 0,292 3 0,-1 0 0,1-1 0,-1 1 0,1-1 0,0 1 0,-1-1 0,1 0 0,0 0 0,0 0 0,-1 0 0,1-1 0,0 1 0,0-1 0,0 1 0,1-1 0,-1 0 0,0 1 0,1-1 0,-1 0 0,1 0 0,-1 0 0,1 0 0,0 0 0,0-1 0,0 1 0,0 0 0,0-1 0,1 1 0,-1 0 0,0-1 0,1 1 0,0-1 0,0 1 0,0 0 0,0-4 0,1-10 0,0 0 0,1 0 0,1 0 0,5-20 0,-2 14 0,-1-14 0,-1 1 0,-2-1 0,-5-63 0,4-49 0,-1 145 0,0 0 0,1 1 0,0-1 0,0 1 0,0-1 0,0 0 0,0 1 0,0 0 0,1-1 0,-1 1 0,1 0 0,0-1 0,-1 1 0,1 0 0,0 0 0,0 1 0,0-1 0,1 0 0,-1 1 0,0-1 0,1 1 0,-1 0 0,1-1 0,-1 1 0,1 1 0,0-1 0,-1 0 0,1 1 0,0-1 0,5 1 0,11-2 0,0 1 0,0 1 0,30 4 0,-13-1 0,-14-2 0,0 2 0,23 6 0,-23-4 0,0-2 0,25 2 0,-29-3 0,1 0 0,24 7 0,32 3 0,9 2 0,-62-9 0,0-1 0,28 1 0,-9-6 0,77-12 0,-74 6 0,62 0 0,-57 7 0,-26 2 0,-1-1 0,1-2 0,0 0 0,-1-1 0,0-1 0,1-2 0,32-10 0,-27 4 0,0 1 0,0 2 0,0 1 0,1 0 0,0 3 0,0 0 0,49 1 0,563 5 0,-622-3 0,0-1 0,35-9 0,-34 7 0,1 0 0,25-1 0,94-7 0,29-1 0,1165 14 0,-1315-2 0,0-1 0,35-9 0,-34 7 0,0 0 0,27-1 0,81-8 0,-50 3 0,-76 9 0,0 1 0,0 0 0,0-1 0,0 1 0,0 0 0,0 0 0,0 0 0,0 0 0,0 1 0,0-1 0,0 1 0,0-1 0,0 1 0,0-1 0,0 1 0,0 0 0,-1 0 0,1 0 0,0 0 0,0 0 0,-1 1 0,1-1 0,-1 0 0,3 4 0,-2-1 0,-1 0 0,1 0 0,-1 0 0,0 0 0,0 1 0,-1-1 0,1 0 0,-1 1 0,0-1 0,0 0 0,-1 5 0,0 15 0,-1 20 0,-1-1 0,-14 67 0,10-67 0,2 0 0,1 0 0,3 1 0,5 54 0,-1 6 0,-3-54-1365,0-28-5461</inkml:trace>
-</inkml:ink>
-</file>
-
-<file path=ppt/ink/ink4.xml><?xml version="1.0" encoding="utf-8"?>
-<inkml:ink xmlns:inkml="http://www.w3.org/2003/InkML">
-  <inkml:definitions>
-    <inkml:context xml:id="ctx0">
-      <inkml:inkSource xml:id="inkSrc0">
-        <inkml:traceFormat>
-          <inkml:channel name="X" type="integer" min="-2.14748E9" max="2.14748E9" units="cm"/>
-          <inkml:channel name="Y" type="integer" min="-2.14748E9" max="2.14748E9" units="cm"/>
-          <inkml:channel name="F" type="integer" max="32767" units="dev"/>
-        </inkml:traceFormat>
-        <inkml:channelProperties>
-          <inkml:channelProperty channel="X" name="resolution" value="1000" units="1/cm"/>
-          <inkml:channelProperty channel="Y" name="resolution" value="1000" units="1/cm"/>
-          <inkml:channelProperty channel="F" name="resolution" value="0" units="1/dev"/>
-        </inkml:channelProperties>
-      </inkml:inkSource>
-      <inkml:timestamp xml:id="ts0" timeString="2024-02-23T07:49:12.540"/>
-    </inkml:context>
-    <inkml:brush xml:id="br0">
-      <inkml:brushProperty name="width" value="0.1" units="cm"/>
-      <inkml:brushProperty name="height" value="0.1" units="cm"/>
-      <inkml:brushProperty name="color" value="#CC0066"/>
-    </inkml:brush>
-  </inkml:definitions>
-  <inkml:trace contextRef="#ctx0" brushRef="#br0">1 747 24575,'8'1'0,"0"0"0,0 0 0,0 1 0,13 5 0,25 4 0,258-6 0,-167-7 0,-118 1 0,-1-1 0,37-8 0,-35 5 0,0 1 0,27-1 0,156 8 0,81-6 0,-274 2 0,0 0 0,0 0 0,0-1 0,0-1 0,0 0 0,-1 0 0,1-1 0,-1 0 0,0 0 0,17-12 0,-21 12 0,-1 0 0,1-1 0,-1 1 0,1-1 0,-1 0 0,-1-1 0,1 1 0,-1-1 0,0 1 0,0-1 0,-1 0 0,1 0 0,-1 0 0,-1-1 0,1 1 0,-1 0 0,0-1 0,0-6 0,2-52 0,-7-98 0,2 154 0,0 0 0,-1 0 0,0 1 0,0-1 0,-1 1 0,0 0 0,-1 0 0,0 0 0,0 1 0,-6-8 0,-25-44 0,32 51 0,-1-5 0,-1 0 0,0 0 0,-1 0 0,-11-14 0,15 24 0,0-1 0,0 1 0,0 0 0,-1 0 0,1 0 0,-1 0 0,0 0 0,0 1 0,0 0 0,0 0 0,0 0 0,-1 0 0,1 1 0,0-1 0,-1 1 0,1 0 0,-7 0 0,-60-2 0,47 3 0,0-1 0,-47-9 0,-7-9 0,-1 3 0,0 4 0,-138-3 0,72 13 0,-119 5 0,260-2 0,0-1 0,1 1 0,-1 0 0,0 0 0,1 0 0,-1 0 0,1 1 0,-1 0 0,1-1 0,-1 1 0,1 0 0,0 1 0,0-1 0,0 0 0,0 1 0,-3 4 0,2-1 0,0 0 0,0 0 0,1 0 0,-1 1 0,1-1 0,1 1 0,0-1 0,-3 10 0,1 11 0,0-1 0,2 1 0,1 43 0,1-62 0,2 429 0,-2-429-105,0-1 0,1 0 0,0 0 0,0 0 0,0 0 0,1 0 0,0 0 0,1 0 0,0-1 0,0 1 0,0-1 0,6 9 0</inkml:trace>
-</inkml:ink>
-</file>
-
 <file path=ppt/slideLayouts/slideLayout1.xml><?xml version="1.0" encoding="utf-8"?>
 <p:sldLayout xmlns:a="http://schemas.openxmlformats.org/drawingml/2006/main" xmlns:r="http://schemas.openxmlformats.org/officeDocument/2006/relationships" xmlns:p="http://schemas.openxmlformats.org/presentationml/2006/main" type="title" preserve="1">
   <p:cSld name="Titelfolie">
@@ -376,7 +283,7 @@
           <a:p>
             <a:fld id="{9583AF26-4D68-42D5-A917-CD55DA578274}" type="datetimeFigureOut">
               <a:rPr lang="de-DE" smtClean="0"/>
-              <a:t>23.02.2024</a:t>
+              <a:t>22.07.2024</a:t>
             </a:fld>
             <a:endParaRPr lang="de-DE"/>
           </a:p>
@@ -574,7 +481,7 @@
           <a:p>
             <a:fld id="{9583AF26-4D68-42D5-A917-CD55DA578274}" type="datetimeFigureOut">
               <a:rPr lang="de-DE" smtClean="0"/>
-              <a:t>23.02.2024</a:t>
+              <a:t>22.07.2024</a:t>
             </a:fld>
             <a:endParaRPr lang="de-DE"/>
           </a:p>
@@ -782,7 +689,7 @@
           <a:p>
             <a:fld id="{9583AF26-4D68-42D5-A917-CD55DA578274}" type="datetimeFigureOut">
               <a:rPr lang="de-DE" smtClean="0"/>
-              <a:t>23.02.2024</a:t>
+              <a:t>22.07.2024</a:t>
             </a:fld>
             <a:endParaRPr lang="de-DE"/>
           </a:p>
@@ -980,7 +887,7 @@
           <a:p>
             <a:fld id="{9583AF26-4D68-42D5-A917-CD55DA578274}" type="datetimeFigureOut">
               <a:rPr lang="de-DE" smtClean="0"/>
-              <a:t>23.02.2024</a:t>
+              <a:t>22.07.2024</a:t>
             </a:fld>
             <a:endParaRPr lang="de-DE"/>
           </a:p>
@@ -1255,7 +1162,7 @@
           <a:p>
             <a:fld id="{9583AF26-4D68-42D5-A917-CD55DA578274}" type="datetimeFigureOut">
               <a:rPr lang="de-DE" smtClean="0"/>
-              <a:t>23.02.2024</a:t>
+              <a:t>22.07.2024</a:t>
             </a:fld>
             <a:endParaRPr lang="de-DE"/>
           </a:p>
@@ -1520,7 +1427,7 @@
           <a:p>
             <a:fld id="{9583AF26-4D68-42D5-A917-CD55DA578274}" type="datetimeFigureOut">
               <a:rPr lang="de-DE" smtClean="0"/>
-              <a:t>23.02.2024</a:t>
+              <a:t>22.07.2024</a:t>
             </a:fld>
             <a:endParaRPr lang="de-DE"/>
           </a:p>
@@ -1932,7 +1839,7 @@
           <a:p>
             <a:fld id="{9583AF26-4D68-42D5-A917-CD55DA578274}" type="datetimeFigureOut">
               <a:rPr lang="de-DE" smtClean="0"/>
-              <a:t>23.02.2024</a:t>
+              <a:t>22.07.2024</a:t>
             </a:fld>
             <a:endParaRPr lang="de-DE"/>
           </a:p>
@@ -2073,7 +1980,7 @@
           <a:p>
             <a:fld id="{9583AF26-4D68-42D5-A917-CD55DA578274}" type="datetimeFigureOut">
               <a:rPr lang="de-DE" smtClean="0"/>
-              <a:t>23.02.2024</a:t>
+              <a:t>22.07.2024</a:t>
             </a:fld>
             <a:endParaRPr lang="de-DE"/>
           </a:p>
@@ -2186,7 +2093,7 @@
           <a:p>
             <a:fld id="{9583AF26-4D68-42D5-A917-CD55DA578274}" type="datetimeFigureOut">
               <a:rPr lang="de-DE" smtClean="0"/>
-              <a:t>23.02.2024</a:t>
+              <a:t>22.07.2024</a:t>
             </a:fld>
             <a:endParaRPr lang="de-DE"/>
           </a:p>
@@ -2497,7 +2404,7 @@
           <a:p>
             <a:fld id="{9583AF26-4D68-42D5-A917-CD55DA578274}" type="datetimeFigureOut">
               <a:rPr lang="de-DE" smtClean="0"/>
-              <a:t>23.02.2024</a:t>
+              <a:t>22.07.2024</a:t>
             </a:fld>
             <a:endParaRPr lang="de-DE"/>
           </a:p>
@@ -2785,7 +2692,7 @@
           <a:p>
             <a:fld id="{9583AF26-4D68-42D5-A917-CD55DA578274}" type="datetimeFigureOut">
               <a:rPr lang="de-DE" smtClean="0"/>
-              <a:t>23.02.2024</a:t>
+              <a:t>22.07.2024</a:t>
             </a:fld>
             <a:endParaRPr lang="de-DE"/>
           </a:p>
@@ -3026,7 +2933,7 @@
           <a:p>
             <a:fld id="{9583AF26-4D68-42D5-A917-CD55DA578274}" type="datetimeFigureOut">
               <a:rPr lang="de-DE" smtClean="0"/>
-              <a:t>23.02.2024</a:t>
+              <a:t>22.07.2024</a:t>
             </a:fld>
             <a:endParaRPr lang="de-DE"/>
           </a:p>
@@ -3575,6 +3482,3081 @@
 </p:sld>
 </file>
 
+<file path=ppt/slides/slide10.xml><?xml version="1.0" encoding="utf-8"?>
+<p:sld xmlns:a="http://schemas.openxmlformats.org/drawingml/2006/main" xmlns:r="http://schemas.openxmlformats.org/officeDocument/2006/relationships" xmlns:p="http://schemas.openxmlformats.org/presentationml/2006/main">
+  <p:cSld>
+    <p:bg>
+      <p:bgPr>
+        <a:solidFill>
+          <a:schemeClr val="tx1"/>
+        </a:solidFill>
+        <a:effectLst/>
+      </p:bgPr>
+    </p:bg>
+    <p:spTree>
+      <p:nvGrpSpPr>
+        <p:cNvPr id="1" name="">
+          <a:extLst>
+            <a:ext uri="{FF2B5EF4-FFF2-40B4-BE49-F238E27FC236}">
+              <a16:creationId xmlns:a16="http://schemas.microsoft.com/office/drawing/2014/main" id="{2F555E54-302D-FAF5-8B61-33E8328B6B4F}"/>
+            </a:ext>
+          </a:extLst>
+        </p:cNvPr>
+        <p:cNvGrpSpPr/>
+        <p:nvPr/>
+      </p:nvGrpSpPr>
+      <p:grpSpPr>
+        <a:xfrm>
+          <a:off x="0" y="0"/>
+          <a:ext cx="0" cy="0"/>
+          <a:chOff x="0" y="0"/>
+          <a:chExt cx="0" cy="0"/>
+        </a:xfrm>
+      </p:grpSpPr>
+      <p:sp>
+        <p:nvSpPr>
+          <p:cNvPr id="4" name="Textfeld 3">
+            <a:extLst>
+              <a:ext uri="{FF2B5EF4-FFF2-40B4-BE49-F238E27FC236}">
+                <a16:creationId xmlns:a16="http://schemas.microsoft.com/office/drawing/2014/main" id="{7BAA204B-745F-1A14-8016-08FF53D32972}"/>
+              </a:ext>
+            </a:extLst>
+          </p:cNvPr>
+          <p:cNvSpPr txBox="1"/>
+          <p:nvPr/>
+        </p:nvSpPr>
+        <p:spPr>
+          <a:xfrm>
+            <a:off x="1603889" y="1751291"/>
+            <a:ext cx="7682846" cy="2585323"/>
+          </a:xfrm>
+          <a:prstGeom prst="rect">
+            <a:avLst/>
+          </a:prstGeom>
+          <a:noFill/>
+        </p:spPr>
+        <p:txBody>
+          <a:bodyPr wrap="square" rtlCol="0">
+            <a:spAutoFit/>
+          </a:bodyPr>
+          <a:lstStyle/>
+          <a:p>
+            <a:pPr algn="ctr"/>
+            <a:r>
+              <a:rPr lang="de-DE" sz="4400" dirty="0">
+                <a:solidFill>
+                  <a:schemeClr val="bg1"/>
+                </a:solidFill>
+                <a:latin typeface="Consolas" panose="020B0609020204030204" pitchFamily="49" charset="0"/>
+              </a:rPr>
+              <a:t>Gut gemacht!</a:t>
+            </a:r>
+          </a:p>
+          <a:p>
+            <a:pPr algn="ctr"/>
+            <a:r>
+              <a:rPr lang="de-DE" sz="4400" b="0" dirty="0">
+                <a:solidFill>
+                  <a:schemeClr val="bg1"/>
+                </a:solidFill>
+                <a:effectLst/>
+                <a:latin typeface="Consolas" panose="020B0609020204030204" pitchFamily="49" charset="0"/>
+              </a:rPr>
+              <a:t>Das war das erste Spiel.</a:t>
+            </a:r>
+          </a:p>
+          <a:p>
+            <a:pPr algn="ctr"/>
+            <a:endParaRPr lang="de-DE" dirty="0">
+              <a:solidFill>
+                <a:schemeClr val="bg1"/>
+              </a:solidFill>
+              <a:sym typeface="Wingdings" panose="05000000000000000000" pitchFamily="2" charset="2"/>
+            </a:endParaRPr>
+          </a:p>
+          <a:p>
+            <a:pPr algn="ctr"/>
+            <a:endParaRPr lang="de-DE" dirty="0">
+              <a:solidFill>
+                <a:schemeClr val="bg1"/>
+              </a:solidFill>
+              <a:sym typeface="Wingdings" panose="05000000000000000000" pitchFamily="2" charset="2"/>
+            </a:endParaRPr>
+          </a:p>
+          <a:p>
+            <a:pPr algn="ctr"/>
+            <a:endParaRPr lang="de-DE" dirty="0">
+              <a:solidFill>
+                <a:schemeClr val="bg1"/>
+              </a:solidFill>
+              <a:sym typeface="Wingdings" panose="05000000000000000000" pitchFamily="2" charset="2"/>
+            </a:endParaRPr>
+          </a:p>
+          <a:p>
+            <a:pPr algn="ctr"/>
+            <a:r>
+              <a:rPr lang="de-DE" sz="2000" dirty="0">
+                <a:solidFill>
+                  <a:schemeClr val="bg1"/>
+                </a:solidFill>
+                <a:sym typeface="Wingdings" panose="05000000000000000000" pitchFamily="2" charset="2"/>
+              </a:rPr>
+              <a:t>Bitte die </a:t>
+            </a:r>
+            <a:r>
+              <a:rPr lang="de-DE" sz="2000" b="1" dirty="0">
+                <a:solidFill>
+                  <a:schemeClr val="bg1"/>
+                </a:solidFill>
+                <a:sym typeface="Wingdings" panose="05000000000000000000" pitchFamily="2" charset="2"/>
+              </a:rPr>
+              <a:t>LEERTASTE</a:t>
+            </a:r>
+            <a:r>
+              <a:rPr lang="de-DE" sz="2000" dirty="0">
+                <a:solidFill>
+                  <a:schemeClr val="bg1"/>
+                </a:solidFill>
+                <a:sym typeface="Wingdings" panose="05000000000000000000" pitchFamily="2" charset="2"/>
+              </a:rPr>
+              <a:t> drücken, um fortzufahren</a:t>
+            </a:r>
+            <a:endParaRPr lang="de-DE" sz="2000" dirty="0">
+              <a:solidFill>
+                <a:schemeClr val="bg1"/>
+              </a:solidFill>
+            </a:endParaRPr>
+          </a:p>
+        </p:txBody>
+      </p:sp>
+    </p:spTree>
+    <p:extLst>
+      <p:ext uri="{BB962C8B-B14F-4D97-AF65-F5344CB8AC3E}">
+        <p14:creationId xmlns:p14="http://schemas.microsoft.com/office/powerpoint/2010/main" val="1277864588"/>
+      </p:ext>
+    </p:extLst>
+  </p:cSld>
+  <p:clrMapOvr>
+    <a:masterClrMapping/>
+  </p:clrMapOvr>
+</p:sld>
+</file>
+
+<file path=ppt/slides/slide11.xml><?xml version="1.0" encoding="utf-8"?>
+<p:sld xmlns:a="http://schemas.openxmlformats.org/drawingml/2006/main" xmlns:r="http://schemas.openxmlformats.org/officeDocument/2006/relationships" xmlns:p="http://schemas.openxmlformats.org/presentationml/2006/main">
+  <p:cSld>
+    <p:bg>
+      <p:bgPr>
+        <a:solidFill>
+          <a:schemeClr val="tx1"/>
+        </a:solidFill>
+        <a:effectLst/>
+      </p:bgPr>
+    </p:bg>
+    <p:spTree>
+      <p:nvGrpSpPr>
+        <p:cNvPr id="1" name="">
+          <a:extLst>
+            <a:ext uri="{FF2B5EF4-FFF2-40B4-BE49-F238E27FC236}">
+              <a16:creationId xmlns:a16="http://schemas.microsoft.com/office/drawing/2014/main" id="{2F555E54-302D-FAF5-8B61-33E8328B6B4F}"/>
+            </a:ext>
+          </a:extLst>
+        </p:cNvPr>
+        <p:cNvGrpSpPr/>
+        <p:nvPr/>
+      </p:nvGrpSpPr>
+      <p:grpSpPr>
+        <a:xfrm>
+          <a:off x="0" y="0"/>
+          <a:ext cx="0" cy="0"/>
+          <a:chOff x="0" y="0"/>
+          <a:chExt cx="0" cy="0"/>
+        </a:xfrm>
+      </p:grpSpPr>
+      <p:sp>
+        <p:nvSpPr>
+          <p:cNvPr id="4" name="Textfeld 3">
+            <a:extLst>
+              <a:ext uri="{FF2B5EF4-FFF2-40B4-BE49-F238E27FC236}">
+                <a16:creationId xmlns:a16="http://schemas.microsoft.com/office/drawing/2014/main" id="{7BAA204B-745F-1A14-8016-08FF53D32972}"/>
+              </a:ext>
+            </a:extLst>
+          </p:cNvPr>
+          <p:cNvSpPr txBox="1"/>
+          <p:nvPr/>
+        </p:nvSpPr>
+        <p:spPr>
+          <a:xfrm>
+            <a:off x="1603888" y="1751291"/>
+            <a:ext cx="7954179" cy="3262432"/>
+          </a:xfrm>
+          <a:prstGeom prst="rect">
+            <a:avLst/>
+          </a:prstGeom>
+          <a:noFill/>
+        </p:spPr>
+        <p:txBody>
+          <a:bodyPr wrap="square" rtlCol="0">
+            <a:spAutoFit/>
+          </a:bodyPr>
+          <a:lstStyle/>
+          <a:p>
+            <a:pPr algn="ctr"/>
+            <a:r>
+              <a:rPr lang="de-DE" sz="4400" b="0" dirty="0">
+                <a:solidFill>
+                  <a:schemeClr val="bg1"/>
+                </a:solidFill>
+                <a:effectLst/>
+                <a:latin typeface="Consolas" panose="020B0609020204030204" pitchFamily="49" charset="0"/>
+              </a:rPr>
+              <a:t>Wenn Sie möchten, machen Sie eine kurze Pause und fahren dann fort.</a:t>
+            </a:r>
+          </a:p>
+          <a:p>
+            <a:pPr algn="ctr"/>
+            <a:endParaRPr lang="de-DE" dirty="0">
+              <a:solidFill>
+                <a:schemeClr val="bg1"/>
+              </a:solidFill>
+              <a:sym typeface="Wingdings" panose="05000000000000000000" pitchFamily="2" charset="2"/>
+            </a:endParaRPr>
+          </a:p>
+          <a:p>
+            <a:pPr algn="ctr"/>
+            <a:endParaRPr lang="de-DE" dirty="0">
+              <a:solidFill>
+                <a:schemeClr val="bg1"/>
+              </a:solidFill>
+              <a:sym typeface="Wingdings" panose="05000000000000000000" pitchFamily="2" charset="2"/>
+            </a:endParaRPr>
+          </a:p>
+          <a:p>
+            <a:pPr algn="ctr"/>
+            <a:endParaRPr lang="de-DE" dirty="0">
+              <a:solidFill>
+                <a:schemeClr val="bg1"/>
+              </a:solidFill>
+              <a:sym typeface="Wingdings" panose="05000000000000000000" pitchFamily="2" charset="2"/>
+            </a:endParaRPr>
+          </a:p>
+          <a:p>
+            <a:pPr algn="ctr"/>
+            <a:r>
+              <a:rPr lang="de-DE" sz="2000" dirty="0">
+                <a:solidFill>
+                  <a:schemeClr val="bg1"/>
+                </a:solidFill>
+                <a:sym typeface="Wingdings" panose="05000000000000000000" pitchFamily="2" charset="2"/>
+              </a:rPr>
+              <a:t>Bitte die </a:t>
+            </a:r>
+            <a:r>
+              <a:rPr lang="de-DE" sz="2000" b="1" dirty="0">
+                <a:solidFill>
+                  <a:schemeClr val="bg1"/>
+                </a:solidFill>
+                <a:sym typeface="Wingdings" panose="05000000000000000000" pitchFamily="2" charset="2"/>
+              </a:rPr>
+              <a:t>LEERTASTE</a:t>
+            </a:r>
+            <a:r>
+              <a:rPr lang="de-DE" sz="2000" dirty="0">
+                <a:solidFill>
+                  <a:schemeClr val="bg1"/>
+                </a:solidFill>
+                <a:sym typeface="Wingdings" panose="05000000000000000000" pitchFamily="2" charset="2"/>
+              </a:rPr>
+              <a:t> drücken, um fortzufahren</a:t>
+            </a:r>
+            <a:endParaRPr lang="de-DE" sz="2000" dirty="0">
+              <a:solidFill>
+                <a:schemeClr val="bg1"/>
+              </a:solidFill>
+            </a:endParaRPr>
+          </a:p>
+        </p:txBody>
+      </p:sp>
+    </p:spTree>
+    <p:extLst>
+      <p:ext uri="{BB962C8B-B14F-4D97-AF65-F5344CB8AC3E}">
+        <p14:creationId xmlns:p14="http://schemas.microsoft.com/office/powerpoint/2010/main" val="478037220"/>
+      </p:ext>
+    </p:extLst>
+  </p:cSld>
+  <p:clrMapOvr>
+    <a:masterClrMapping/>
+  </p:clrMapOvr>
+</p:sld>
+</file>
+
+<file path=ppt/slides/slide12.xml><?xml version="1.0" encoding="utf-8"?>
+<p:sld xmlns:a="http://schemas.openxmlformats.org/drawingml/2006/main" xmlns:r="http://schemas.openxmlformats.org/officeDocument/2006/relationships" xmlns:p="http://schemas.openxmlformats.org/presentationml/2006/main">
+  <p:cSld>
+    <p:bg>
+      <p:bgPr>
+        <a:solidFill>
+          <a:schemeClr val="tx1"/>
+        </a:solidFill>
+        <a:effectLst/>
+      </p:bgPr>
+    </p:bg>
+    <p:spTree>
+      <p:nvGrpSpPr>
+        <p:cNvPr id="1" name="">
+          <a:extLst>
+            <a:ext uri="{FF2B5EF4-FFF2-40B4-BE49-F238E27FC236}">
+              <a16:creationId xmlns:a16="http://schemas.microsoft.com/office/drawing/2014/main" id="{2F555E54-302D-FAF5-8B61-33E8328B6B4F}"/>
+            </a:ext>
+          </a:extLst>
+        </p:cNvPr>
+        <p:cNvGrpSpPr/>
+        <p:nvPr/>
+      </p:nvGrpSpPr>
+      <p:grpSpPr>
+        <a:xfrm>
+          <a:off x="0" y="0"/>
+          <a:ext cx="0" cy="0"/>
+          <a:chOff x="0" y="0"/>
+          <a:chExt cx="0" cy="0"/>
+        </a:xfrm>
+      </p:grpSpPr>
+      <p:sp>
+        <p:nvSpPr>
+          <p:cNvPr id="4" name="Textfeld 3">
+            <a:extLst>
+              <a:ext uri="{FF2B5EF4-FFF2-40B4-BE49-F238E27FC236}">
+                <a16:creationId xmlns:a16="http://schemas.microsoft.com/office/drawing/2014/main" id="{7BAA204B-745F-1A14-8016-08FF53D32972}"/>
+              </a:ext>
+            </a:extLst>
+          </p:cNvPr>
+          <p:cNvSpPr txBox="1"/>
+          <p:nvPr/>
+        </p:nvSpPr>
+        <p:spPr>
+          <a:xfrm>
+            <a:off x="1603888" y="1751291"/>
+            <a:ext cx="8325115" cy="1908215"/>
+          </a:xfrm>
+          <a:prstGeom prst="rect">
+            <a:avLst/>
+          </a:prstGeom>
+          <a:noFill/>
+        </p:spPr>
+        <p:txBody>
+          <a:bodyPr wrap="square" rtlCol="0">
+            <a:spAutoFit/>
+          </a:bodyPr>
+          <a:lstStyle/>
+          <a:p>
+            <a:pPr algn="ctr"/>
+            <a:r>
+              <a:rPr lang="de-DE" sz="4400" dirty="0">
+                <a:solidFill>
+                  <a:schemeClr val="bg1"/>
+                </a:solidFill>
+                <a:latin typeface="Consolas" panose="020B0609020204030204" pitchFamily="49" charset="0"/>
+              </a:rPr>
+              <a:t>Weiter geht es zu Spiel 2!</a:t>
+            </a:r>
+            <a:endParaRPr lang="de-DE" sz="4400" b="0" dirty="0">
+              <a:solidFill>
+                <a:schemeClr val="bg1"/>
+              </a:solidFill>
+              <a:effectLst/>
+              <a:latin typeface="Consolas" panose="020B0609020204030204" pitchFamily="49" charset="0"/>
+            </a:endParaRPr>
+          </a:p>
+          <a:p>
+            <a:pPr algn="ctr"/>
+            <a:endParaRPr lang="de-DE" dirty="0">
+              <a:solidFill>
+                <a:schemeClr val="bg1"/>
+              </a:solidFill>
+              <a:sym typeface="Wingdings" panose="05000000000000000000" pitchFamily="2" charset="2"/>
+            </a:endParaRPr>
+          </a:p>
+          <a:p>
+            <a:pPr algn="ctr"/>
+            <a:endParaRPr lang="de-DE" dirty="0">
+              <a:solidFill>
+                <a:schemeClr val="bg1"/>
+              </a:solidFill>
+              <a:sym typeface="Wingdings" panose="05000000000000000000" pitchFamily="2" charset="2"/>
+            </a:endParaRPr>
+          </a:p>
+          <a:p>
+            <a:pPr algn="ctr"/>
+            <a:endParaRPr lang="de-DE" dirty="0">
+              <a:solidFill>
+                <a:schemeClr val="bg1"/>
+              </a:solidFill>
+              <a:sym typeface="Wingdings" panose="05000000000000000000" pitchFamily="2" charset="2"/>
+            </a:endParaRPr>
+          </a:p>
+          <a:p>
+            <a:pPr algn="ctr"/>
+            <a:r>
+              <a:rPr lang="de-DE" sz="2000" dirty="0">
+                <a:solidFill>
+                  <a:schemeClr val="bg1"/>
+                </a:solidFill>
+                <a:sym typeface="Wingdings" panose="05000000000000000000" pitchFamily="2" charset="2"/>
+              </a:rPr>
+              <a:t>Bitte die </a:t>
+            </a:r>
+            <a:r>
+              <a:rPr lang="de-DE" sz="2000" b="1" dirty="0">
+                <a:solidFill>
+                  <a:schemeClr val="bg1"/>
+                </a:solidFill>
+                <a:sym typeface="Wingdings" panose="05000000000000000000" pitchFamily="2" charset="2"/>
+              </a:rPr>
+              <a:t>LEERTASTE</a:t>
+            </a:r>
+            <a:r>
+              <a:rPr lang="de-DE" sz="2000" dirty="0">
+                <a:solidFill>
+                  <a:schemeClr val="bg1"/>
+                </a:solidFill>
+                <a:sym typeface="Wingdings" panose="05000000000000000000" pitchFamily="2" charset="2"/>
+              </a:rPr>
+              <a:t> drücken, um fortzufahren</a:t>
+            </a:r>
+            <a:endParaRPr lang="de-DE" sz="2000" dirty="0">
+              <a:solidFill>
+                <a:schemeClr val="bg1"/>
+              </a:solidFill>
+            </a:endParaRPr>
+          </a:p>
+        </p:txBody>
+      </p:sp>
+    </p:spTree>
+    <p:extLst>
+      <p:ext uri="{BB962C8B-B14F-4D97-AF65-F5344CB8AC3E}">
+        <p14:creationId xmlns:p14="http://schemas.microsoft.com/office/powerpoint/2010/main" val="1007176671"/>
+      </p:ext>
+    </p:extLst>
+  </p:cSld>
+  <p:clrMapOvr>
+    <a:masterClrMapping/>
+  </p:clrMapOvr>
+</p:sld>
+</file>
+
+<file path=ppt/slides/slide13.xml><?xml version="1.0" encoding="utf-8"?>
+<p:sld xmlns:a="http://schemas.openxmlformats.org/drawingml/2006/main" xmlns:r="http://schemas.openxmlformats.org/officeDocument/2006/relationships" xmlns:p="http://schemas.openxmlformats.org/presentationml/2006/main">
+  <p:cSld>
+    <p:bg>
+      <p:bgPr>
+        <a:solidFill>
+          <a:schemeClr val="tx1"/>
+        </a:solidFill>
+        <a:effectLst/>
+      </p:bgPr>
+    </p:bg>
+    <p:spTree>
+      <p:nvGrpSpPr>
+        <p:cNvPr id="1" name="">
+          <a:extLst>
+            <a:ext uri="{FF2B5EF4-FFF2-40B4-BE49-F238E27FC236}">
+              <a16:creationId xmlns:a16="http://schemas.microsoft.com/office/drawing/2014/main" id="{B25867C5-31EE-2747-E375-9235E74EB9AD}"/>
+            </a:ext>
+          </a:extLst>
+        </p:cNvPr>
+        <p:cNvGrpSpPr/>
+        <p:nvPr/>
+      </p:nvGrpSpPr>
+      <p:grpSpPr>
+        <a:xfrm>
+          <a:off x="0" y="0"/>
+          <a:ext cx="0" cy="0"/>
+          <a:chOff x="0" y="0"/>
+          <a:chExt cx="0" cy="0"/>
+        </a:xfrm>
+      </p:grpSpPr>
+      <p:sp>
+        <p:nvSpPr>
+          <p:cNvPr id="4" name="Textfeld 3">
+            <a:extLst>
+              <a:ext uri="{FF2B5EF4-FFF2-40B4-BE49-F238E27FC236}">
+                <a16:creationId xmlns:a16="http://schemas.microsoft.com/office/drawing/2014/main" id="{D191F11D-095D-DC95-90F9-C136253207C7}"/>
+              </a:ext>
+            </a:extLst>
+          </p:cNvPr>
+          <p:cNvSpPr txBox="1"/>
+          <p:nvPr/>
+        </p:nvSpPr>
+        <p:spPr>
+          <a:xfrm>
+            <a:off x="1807089" y="181109"/>
+            <a:ext cx="7682846" cy="6032421"/>
+          </a:xfrm>
+          <a:prstGeom prst="rect">
+            <a:avLst/>
+          </a:prstGeom>
+          <a:noFill/>
+        </p:spPr>
+        <p:txBody>
+          <a:bodyPr wrap="square" rtlCol="0">
+            <a:spAutoFit/>
+          </a:bodyPr>
+          <a:lstStyle/>
+          <a:p>
+            <a:pPr algn="ctr"/>
+            <a:r>
+              <a:rPr lang="de-DE" sz="2000" b="0" dirty="0">
+                <a:solidFill>
+                  <a:schemeClr val="bg1"/>
+                </a:solidFill>
+                <a:effectLst/>
+                <a:latin typeface="Consolas" panose="020B0609020204030204" pitchFamily="49" charset="0"/>
+              </a:rPr>
+              <a:t>Ihre Aufgabe ist es, so lange wie möglich zu überleben. Der Boden ist mit einer gefährlichen Flüssigkeit bedeckt, welche Ihnen permanent Schaden zufügt. Heilen können Sie sich über die </a:t>
+            </a:r>
+            <a:r>
+              <a:rPr lang="de-DE" sz="2000" b="0" dirty="0">
+                <a:solidFill>
+                  <a:srgbClr val="00B0F0"/>
+                </a:solidFill>
+                <a:effectLst/>
+                <a:latin typeface="Consolas" panose="020B0609020204030204" pitchFamily="49" charset="0"/>
+              </a:rPr>
+              <a:t>Medizinpakete</a:t>
+            </a:r>
+            <a:r>
+              <a:rPr lang="de-DE" sz="2000" b="0" dirty="0">
+                <a:solidFill>
+                  <a:schemeClr val="bg1"/>
+                </a:solidFill>
+                <a:effectLst/>
+                <a:latin typeface="Consolas" panose="020B0609020204030204" pitchFamily="49" charset="0"/>
+              </a:rPr>
+              <a:t>, aber Vorsicht vor den </a:t>
+            </a:r>
+            <a:r>
+              <a:rPr lang="de-DE" sz="2000" b="0" dirty="0">
+                <a:solidFill>
+                  <a:srgbClr val="FF0000"/>
+                </a:solidFill>
+                <a:effectLst/>
+                <a:latin typeface="Consolas" panose="020B0609020204030204" pitchFamily="49" charset="0"/>
+              </a:rPr>
+              <a:t>Giftflaschen</a:t>
+            </a:r>
+            <a:r>
+              <a:rPr lang="de-DE" sz="2000" b="0" dirty="0">
+                <a:solidFill>
+                  <a:schemeClr val="bg1"/>
+                </a:solidFill>
+                <a:effectLst/>
+                <a:latin typeface="Consolas" panose="020B0609020204030204" pitchFamily="49" charset="0"/>
+              </a:rPr>
+              <a:t>!</a:t>
+            </a:r>
+          </a:p>
+          <a:p>
+            <a:pPr algn="ctr"/>
+            <a:endParaRPr lang="de-DE" sz="3200" dirty="0">
+              <a:solidFill>
+                <a:schemeClr val="bg1"/>
+              </a:solidFill>
+              <a:latin typeface="Consolas" panose="020B0609020204030204" pitchFamily="49" charset="0"/>
+            </a:endParaRPr>
+          </a:p>
+          <a:p>
+            <a:pPr algn="ctr"/>
+            <a:endParaRPr lang="de-DE" sz="3200" b="0" dirty="0">
+              <a:solidFill>
+                <a:schemeClr val="bg1"/>
+              </a:solidFill>
+              <a:effectLst/>
+              <a:latin typeface="Consolas" panose="020B0609020204030204" pitchFamily="49" charset="0"/>
+            </a:endParaRPr>
+          </a:p>
+          <a:p>
+            <a:pPr algn="ctr"/>
+            <a:endParaRPr lang="de-DE" sz="3200" dirty="0">
+              <a:solidFill>
+                <a:schemeClr val="bg1"/>
+              </a:solidFill>
+              <a:latin typeface="Consolas" panose="020B0609020204030204" pitchFamily="49" charset="0"/>
+            </a:endParaRPr>
+          </a:p>
+          <a:p>
+            <a:pPr algn="ctr"/>
+            <a:endParaRPr lang="de-DE" sz="3200" dirty="0">
+              <a:solidFill>
+                <a:schemeClr val="bg1"/>
+              </a:solidFill>
+              <a:latin typeface="Consolas" panose="020B0609020204030204" pitchFamily="49" charset="0"/>
+            </a:endParaRPr>
+          </a:p>
+          <a:p>
+            <a:pPr algn="ctr"/>
+            <a:endParaRPr lang="de-DE" sz="3200" b="0" dirty="0">
+              <a:solidFill>
+                <a:schemeClr val="bg1"/>
+              </a:solidFill>
+              <a:effectLst/>
+              <a:latin typeface="Consolas" panose="020B0609020204030204" pitchFamily="49" charset="0"/>
+            </a:endParaRPr>
+          </a:p>
+          <a:p>
+            <a:pPr algn="ctr"/>
+            <a:endParaRPr lang="de-DE" sz="3200" b="0" dirty="0">
+              <a:solidFill>
+                <a:schemeClr val="bg1"/>
+              </a:solidFill>
+              <a:effectLst/>
+              <a:latin typeface="Consolas" panose="020B0609020204030204" pitchFamily="49" charset="0"/>
+            </a:endParaRPr>
+          </a:p>
+          <a:p>
+            <a:pPr algn="ctr"/>
+            <a:endParaRPr lang="de-DE" dirty="0">
+              <a:solidFill>
+                <a:schemeClr val="bg1"/>
+              </a:solidFill>
+              <a:sym typeface="Wingdings" panose="05000000000000000000" pitchFamily="2" charset="2"/>
+            </a:endParaRPr>
+          </a:p>
+          <a:p>
+            <a:pPr algn="ctr"/>
+            <a:endParaRPr lang="de-DE" dirty="0">
+              <a:solidFill>
+                <a:schemeClr val="bg1"/>
+              </a:solidFill>
+              <a:sym typeface="Wingdings" panose="05000000000000000000" pitchFamily="2" charset="2"/>
+            </a:endParaRPr>
+          </a:p>
+          <a:p>
+            <a:pPr algn="ctr"/>
+            <a:endParaRPr lang="de-DE" dirty="0">
+              <a:solidFill>
+                <a:schemeClr val="bg1"/>
+              </a:solidFill>
+              <a:sym typeface="Wingdings" panose="05000000000000000000" pitchFamily="2" charset="2"/>
+            </a:endParaRPr>
+          </a:p>
+          <a:p>
+            <a:pPr algn="ctr"/>
+            <a:endParaRPr lang="de-DE" sz="2000" dirty="0">
+              <a:solidFill>
+                <a:schemeClr val="bg1"/>
+              </a:solidFill>
+              <a:sym typeface="Wingdings" panose="05000000000000000000" pitchFamily="2" charset="2"/>
+            </a:endParaRPr>
+          </a:p>
+          <a:p>
+            <a:pPr algn="ctr"/>
+            <a:r>
+              <a:rPr lang="de-DE" sz="2000" dirty="0">
+                <a:solidFill>
+                  <a:schemeClr val="bg1"/>
+                </a:solidFill>
+                <a:sym typeface="Wingdings" panose="05000000000000000000" pitchFamily="2" charset="2"/>
+              </a:rPr>
+              <a:t>Bitte die </a:t>
+            </a:r>
+            <a:r>
+              <a:rPr lang="de-DE" sz="2000" b="1" dirty="0">
+                <a:solidFill>
+                  <a:schemeClr val="bg1"/>
+                </a:solidFill>
+                <a:sym typeface="Wingdings" panose="05000000000000000000" pitchFamily="2" charset="2"/>
+              </a:rPr>
+              <a:t>LEERTASTE</a:t>
+            </a:r>
+            <a:r>
+              <a:rPr lang="de-DE" sz="2000" dirty="0">
+                <a:solidFill>
+                  <a:schemeClr val="bg1"/>
+                </a:solidFill>
+                <a:sym typeface="Wingdings" panose="05000000000000000000" pitchFamily="2" charset="2"/>
+              </a:rPr>
+              <a:t> drücken, um fortzufahren</a:t>
+            </a:r>
+            <a:endParaRPr lang="de-DE" sz="2000" dirty="0">
+              <a:solidFill>
+                <a:schemeClr val="bg1"/>
+              </a:solidFill>
+            </a:endParaRPr>
+          </a:p>
+        </p:txBody>
+      </p:sp>
+      <p:pic>
+        <p:nvPicPr>
+          <p:cNvPr id="5" name="Grafik 4" descr="Ein Bild, das Screenshot, PC-Spiel, Spielesoftware, Digitales Compositing enthält.&#10;&#10;Automatisch generierte Beschreibung">
+            <a:extLst>
+              <a:ext uri="{FF2B5EF4-FFF2-40B4-BE49-F238E27FC236}">
+                <a16:creationId xmlns:a16="http://schemas.microsoft.com/office/drawing/2014/main" id="{C6AAD747-5145-5328-29E7-82748426F87B}"/>
+              </a:ext>
+            </a:extLst>
+          </p:cNvPr>
+          <p:cNvPicPr>
+            <a:picLocks noChangeAspect="1"/>
+          </p:cNvPicPr>
+          <p:nvPr/>
+        </p:nvPicPr>
+        <p:blipFill>
+          <a:blip r:embed="rId2">
+            <a:extLst>
+              <a:ext uri="{28A0092B-C50C-407E-A947-70E740481C1C}">
+                <a14:useLocalDpi xmlns:a14="http://schemas.microsoft.com/office/drawing/2010/main" val="0"/>
+              </a:ext>
+            </a:extLst>
+          </a:blip>
+          <a:stretch>
+            <a:fillRect/>
+          </a:stretch>
+        </p:blipFill>
+        <p:spPr>
+          <a:xfrm>
+            <a:off x="3143380" y="1837306"/>
+            <a:ext cx="5010264" cy="3856128"/>
+          </a:xfrm>
+          <a:prstGeom prst="rect">
+            <a:avLst/>
+          </a:prstGeom>
+        </p:spPr>
+      </p:pic>
+      <p:sp>
+        <p:nvSpPr>
+          <p:cNvPr id="7" name="Sechseck 6">
+            <a:extLst>
+              <a:ext uri="{FF2B5EF4-FFF2-40B4-BE49-F238E27FC236}">
+                <a16:creationId xmlns:a16="http://schemas.microsoft.com/office/drawing/2014/main" id="{C51D8EC3-2782-B40D-65B7-4C57DB70E106}"/>
+              </a:ext>
+            </a:extLst>
+          </p:cNvPr>
+          <p:cNvSpPr/>
+          <p:nvPr/>
+        </p:nvSpPr>
+        <p:spPr>
+          <a:xfrm>
+            <a:off x="4580626" y="4175185"/>
+            <a:ext cx="785004" cy="560717"/>
+          </a:xfrm>
+          <a:prstGeom prst="hexagon">
+            <a:avLst/>
+          </a:prstGeom>
+          <a:noFill/>
+          <a:ln w="38100">
+            <a:solidFill>
+              <a:srgbClr val="00B0F0"/>
+            </a:solidFill>
+          </a:ln>
+        </p:spPr>
+        <p:style>
+          <a:lnRef idx="2">
+            <a:schemeClr val="accent1">
+              <a:shade val="15000"/>
+            </a:schemeClr>
+          </a:lnRef>
+          <a:fillRef idx="1">
+            <a:schemeClr val="accent1"/>
+          </a:fillRef>
+          <a:effectRef idx="0">
+            <a:schemeClr val="accent1"/>
+          </a:effectRef>
+          <a:fontRef idx="minor">
+            <a:schemeClr val="lt1"/>
+          </a:fontRef>
+        </p:style>
+        <p:txBody>
+          <a:bodyPr rtlCol="0" anchor="ctr"/>
+          <a:lstStyle/>
+          <a:p>
+            <a:pPr algn="ctr"/>
+            <a:endParaRPr lang="de-DE"/>
+          </a:p>
+        </p:txBody>
+      </p:sp>
+      <p:sp>
+        <p:nvSpPr>
+          <p:cNvPr id="8" name="Ellipse 7">
+            <a:extLst>
+              <a:ext uri="{FF2B5EF4-FFF2-40B4-BE49-F238E27FC236}">
+                <a16:creationId xmlns:a16="http://schemas.microsoft.com/office/drawing/2014/main" id="{F7959DE2-49E8-7E42-9D36-33F26D4287B1}"/>
+              </a:ext>
+            </a:extLst>
+          </p:cNvPr>
+          <p:cNvSpPr/>
+          <p:nvPr/>
+        </p:nvSpPr>
+        <p:spPr>
+          <a:xfrm>
+            <a:off x="5814204" y="4175185"/>
+            <a:ext cx="854015" cy="802257"/>
+          </a:xfrm>
+          <a:prstGeom prst="ellipse">
+            <a:avLst/>
+          </a:prstGeom>
+          <a:noFill/>
+          <a:ln w="38100">
+            <a:solidFill>
+              <a:srgbClr val="FF0000"/>
+            </a:solidFill>
+          </a:ln>
+        </p:spPr>
+        <p:style>
+          <a:lnRef idx="2">
+            <a:schemeClr val="accent1">
+              <a:shade val="15000"/>
+            </a:schemeClr>
+          </a:lnRef>
+          <a:fillRef idx="1">
+            <a:schemeClr val="accent1"/>
+          </a:fillRef>
+          <a:effectRef idx="0">
+            <a:schemeClr val="accent1"/>
+          </a:effectRef>
+          <a:fontRef idx="minor">
+            <a:schemeClr val="lt1"/>
+          </a:fontRef>
+        </p:style>
+        <p:txBody>
+          <a:bodyPr rtlCol="0" anchor="ctr"/>
+          <a:lstStyle/>
+          <a:p>
+            <a:pPr algn="ctr"/>
+            <a:endParaRPr lang="de-DE"/>
+          </a:p>
+        </p:txBody>
+      </p:sp>
+    </p:spTree>
+    <p:extLst>
+      <p:ext uri="{BB962C8B-B14F-4D97-AF65-F5344CB8AC3E}">
+        <p14:creationId xmlns:p14="http://schemas.microsoft.com/office/powerpoint/2010/main" val="3480489692"/>
+      </p:ext>
+    </p:extLst>
+  </p:cSld>
+  <p:clrMapOvr>
+    <a:masterClrMapping/>
+  </p:clrMapOvr>
+</p:sld>
+</file>
+
+<file path=ppt/slides/slide14.xml><?xml version="1.0" encoding="utf-8"?>
+<p:sld xmlns:a="http://schemas.openxmlformats.org/drawingml/2006/main" xmlns:r="http://schemas.openxmlformats.org/officeDocument/2006/relationships" xmlns:p="http://schemas.openxmlformats.org/presentationml/2006/main">
+  <p:cSld>
+    <p:bg>
+      <p:bgPr>
+        <a:solidFill>
+          <a:schemeClr val="tx1"/>
+        </a:solidFill>
+        <a:effectLst/>
+      </p:bgPr>
+    </p:bg>
+    <p:spTree>
+      <p:nvGrpSpPr>
+        <p:cNvPr id="1" name="">
+          <a:extLst>
+            <a:ext uri="{FF2B5EF4-FFF2-40B4-BE49-F238E27FC236}">
+              <a16:creationId xmlns:a16="http://schemas.microsoft.com/office/drawing/2014/main" id="{3EFE3318-6E5D-0A81-F427-A84F2C3E0696}"/>
+            </a:ext>
+          </a:extLst>
+        </p:cNvPr>
+        <p:cNvGrpSpPr/>
+        <p:nvPr/>
+      </p:nvGrpSpPr>
+      <p:grpSpPr>
+        <a:xfrm>
+          <a:off x="0" y="0"/>
+          <a:ext cx="0" cy="0"/>
+          <a:chOff x="0" y="0"/>
+          <a:chExt cx="0" cy="0"/>
+        </a:xfrm>
+      </p:grpSpPr>
+      <p:sp>
+        <p:nvSpPr>
+          <p:cNvPr id="4" name="Textfeld 3">
+            <a:extLst>
+              <a:ext uri="{FF2B5EF4-FFF2-40B4-BE49-F238E27FC236}">
+                <a16:creationId xmlns:a16="http://schemas.microsoft.com/office/drawing/2014/main" id="{A7F7700D-0694-3E3F-F846-2BD42942D96A}"/>
+              </a:ext>
+            </a:extLst>
+          </p:cNvPr>
+          <p:cNvSpPr txBox="1"/>
+          <p:nvPr/>
+        </p:nvSpPr>
+        <p:spPr>
+          <a:xfrm>
+            <a:off x="1240672" y="461250"/>
+            <a:ext cx="9710656" cy="5539978"/>
+          </a:xfrm>
+          <a:prstGeom prst="rect">
+            <a:avLst/>
+          </a:prstGeom>
+          <a:noFill/>
+        </p:spPr>
+        <p:txBody>
+          <a:bodyPr wrap="square" rtlCol="0">
+            <a:spAutoFit/>
+          </a:bodyPr>
+          <a:lstStyle/>
+          <a:p>
+            <a:pPr algn="ctr"/>
+            <a:r>
+              <a:rPr lang="de-DE" sz="2000" b="0" dirty="0">
+                <a:solidFill>
+                  <a:schemeClr val="bg1"/>
+                </a:solidFill>
+                <a:effectLst/>
+                <a:latin typeface="Consolas" panose="020B0609020204030204" pitchFamily="49" charset="0"/>
+              </a:rPr>
+              <a:t>Sie drehen sich mit den Tasten A und D nach links und rechts, mit W bewegen Sie sich vorwärts. </a:t>
+            </a:r>
+          </a:p>
+          <a:p>
+            <a:pPr algn="ctr"/>
+            <a:endParaRPr lang="de-DE" sz="2000" b="0" dirty="0">
+              <a:solidFill>
+                <a:schemeClr val="bg1"/>
+              </a:solidFill>
+              <a:effectLst/>
+              <a:latin typeface="Consolas" panose="020B0609020204030204" pitchFamily="49" charset="0"/>
+            </a:endParaRPr>
+          </a:p>
+          <a:p>
+            <a:pPr algn="ctr"/>
+            <a:r>
+              <a:rPr lang="de-DE" sz="2000" b="0" dirty="0">
+                <a:solidFill>
+                  <a:schemeClr val="bg1"/>
+                </a:solidFill>
+                <a:effectLst/>
+                <a:latin typeface="Consolas" panose="020B0609020204030204" pitchFamily="49" charset="0"/>
+              </a:rPr>
+              <a:t>Legen Sie nun bitte </a:t>
+            </a:r>
+            <a:r>
+              <a:rPr lang="de-DE" sz="2000" b="0" dirty="0">
+                <a:solidFill>
+                  <a:srgbClr val="FFFF00"/>
+                </a:solidFill>
+                <a:effectLst/>
+                <a:latin typeface="Consolas" panose="020B0609020204030204" pitchFamily="49" charset="0"/>
+              </a:rPr>
+              <a:t>Zeige</a:t>
+            </a:r>
+            <a:r>
+              <a:rPr lang="de-DE" sz="2000" b="0" dirty="0">
+                <a:solidFill>
+                  <a:schemeClr val="bg1"/>
+                </a:solidFill>
+                <a:effectLst/>
+                <a:latin typeface="Consolas" panose="020B0609020204030204" pitchFamily="49" charset="0"/>
+              </a:rPr>
+              <a:t>-, </a:t>
+            </a:r>
+            <a:r>
+              <a:rPr lang="de-DE" sz="2000" b="0" dirty="0">
+                <a:solidFill>
+                  <a:schemeClr val="accent6">
+                    <a:lumMod val="75000"/>
+                  </a:schemeClr>
+                </a:solidFill>
+                <a:effectLst/>
+                <a:latin typeface="Consolas" panose="020B0609020204030204" pitchFamily="49" charset="0"/>
+              </a:rPr>
+              <a:t>Mittel</a:t>
+            </a:r>
+            <a:r>
+              <a:rPr lang="de-DE" sz="2000" b="0" dirty="0">
+                <a:solidFill>
+                  <a:schemeClr val="bg1"/>
+                </a:solidFill>
+                <a:effectLst/>
+                <a:latin typeface="Consolas" panose="020B0609020204030204" pitchFamily="49" charset="0"/>
+              </a:rPr>
+              <a:t>- und </a:t>
+            </a:r>
+            <a:r>
+              <a:rPr lang="de-DE" sz="2000" b="0" dirty="0">
+                <a:solidFill>
+                  <a:srgbClr val="FF0000"/>
+                </a:solidFill>
+                <a:effectLst/>
+                <a:latin typeface="Consolas" panose="020B0609020204030204" pitchFamily="49" charset="0"/>
+              </a:rPr>
+              <a:t>Ring</a:t>
+            </a:r>
+            <a:r>
+              <a:rPr lang="de-DE" sz="2000" b="0" dirty="0">
+                <a:solidFill>
+                  <a:schemeClr val="bg1"/>
+                </a:solidFill>
+                <a:effectLst/>
+                <a:latin typeface="Consolas" panose="020B0609020204030204" pitchFamily="49" charset="0"/>
+              </a:rPr>
+              <a:t>finger der </a:t>
+            </a:r>
+            <a:r>
+              <a:rPr lang="de-DE" sz="2000" b="0" u="sng" dirty="0">
+                <a:solidFill>
+                  <a:schemeClr val="bg1"/>
+                </a:solidFill>
+                <a:effectLst/>
+                <a:latin typeface="Consolas" panose="020B0609020204030204" pitchFamily="49" charset="0"/>
+              </a:rPr>
+              <a:t>linken</a:t>
+            </a:r>
+            <a:r>
+              <a:rPr lang="de-DE" sz="2000" b="0" dirty="0">
+                <a:solidFill>
+                  <a:schemeClr val="bg1"/>
+                </a:solidFill>
+                <a:effectLst/>
+                <a:latin typeface="Consolas" panose="020B0609020204030204" pitchFamily="49" charset="0"/>
+              </a:rPr>
+              <a:t> Hand auf die Tasten </a:t>
+            </a:r>
+            <a:r>
+              <a:rPr lang="de-DE" sz="2000" b="0" dirty="0">
+                <a:solidFill>
+                  <a:srgbClr val="FF0000"/>
+                </a:solidFill>
+                <a:effectLst/>
+                <a:latin typeface="Consolas" panose="020B0609020204030204" pitchFamily="49" charset="0"/>
+              </a:rPr>
+              <a:t>A</a:t>
+            </a:r>
+            <a:r>
+              <a:rPr lang="de-DE" sz="2000" b="0" dirty="0">
+                <a:solidFill>
+                  <a:schemeClr val="bg1"/>
+                </a:solidFill>
+                <a:effectLst/>
+                <a:latin typeface="Consolas" panose="020B0609020204030204" pitchFamily="49" charset="0"/>
+              </a:rPr>
+              <a:t>,</a:t>
+            </a:r>
+            <a:r>
+              <a:rPr lang="de-DE" sz="2000" b="0" dirty="0">
+                <a:solidFill>
+                  <a:srgbClr val="7030A0"/>
+                </a:solidFill>
+                <a:effectLst/>
+                <a:latin typeface="Consolas" panose="020B0609020204030204" pitchFamily="49" charset="0"/>
+              </a:rPr>
+              <a:t> </a:t>
+            </a:r>
+            <a:r>
+              <a:rPr lang="de-DE" sz="2000" b="0" dirty="0">
+                <a:solidFill>
+                  <a:schemeClr val="accent6">
+                    <a:lumMod val="75000"/>
+                  </a:schemeClr>
+                </a:solidFill>
+                <a:effectLst/>
+                <a:latin typeface="Consolas" panose="020B0609020204030204" pitchFamily="49" charset="0"/>
+              </a:rPr>
+              <a:t>W</a:t>
+            </a:r>
+            <a:r>
+              <a:rPr lang="de-DE" sz="2000" b="0" dirty="0">
+                <a:solidFill>
+                  <a:schemeClr val="bg1"/>
+                </a:solidFill>
+                <a:effectLst/>
+                <a:latin typeface="Consolas" panose="020B0609020204030204" pitchFamily="49" charset="0"/>
+              </a:rPr>
+              <a:t> und </a:t>
+            </a:r>
+            <a:r>
+              <a:rPr lang="de-DE" sz="2000" b="0" dirty="0">
+                <a:solidFill>
+                  <a:srgbClr val="FFFF00"/>
+                </a:solidFill>
+                <a:effectLst/>
+                <a:latin typeface="Consolas" panose="020B0609020204030204" pitchFamily="49" charset="0"/>
+              </a:rPr>
+              <a:t>D</a:t>
+            </a:r>
+            <a:r>
+              <a:rPr lang="de-DE" sz="2000" b="0" dirty="0">
+                <a:solidFill>
+                  <a:srgbClr val="7030A0"/>
+                </a:solidFill>
+                <a:effectLst/>
+                <a:latin typeface="Consolas" panose="020B0609020204030204" pitchFamily="49" charset="0"/>
+              </a:rPr>
+              <a:t> </a:t>
+            </a:r>
+            <a:r>
+              <a:rPr lang="de-DE" sz="2000" b="0" dirty="0">
+                <a:solidFill>
+                  <a:schemeClr val="bg1"/>
+                </a:solidFill>
+                <a:effectLst/>
+                <a:latin typeface="Consolas" panose="020B0609020204030204" pitchFamily="49" charset="0"/>
+              </a:rPr>
+              <a:t>und den </a:t>
+            </a:r>
+            <a:r>
+              <a:rPr lang="de-DE" sz="2000" b="0" dirty="0">
+                <a:solidFill>
+                  <a:srgbClr val="00B0F0"/>
+                </a:solidFill>
+                <a:effectLst/>
+                <a:latin typeface="Consolas" panose="020B0609020204030204" pitchFamily="49" charset="0"/>
+              </a:rPr>
+              <a:t>Daumen</a:t>
+            </a:r>
+            <a:r>
+              <a:rPr lang="de-DE" sz="2000" b="0" dirty="0">
+                <a:solidFill>
+                  <a:schemeClr val="bg1"/>
+                </a:solidFill>
+                <a:effectLst/>
+                <a:latin typeface="Consolas" panose="020B0609020204030204" pitchFamily="49" charset="0"/>
+              </a:rPr>
+              <a:t> der </a:t>
+            </a:r>
+            <a:r>
+              <a:rPr lang="de-DE" sz="2000" b="0" dirty="0">
+                <a:solidFill>
+                  <a:srgbClr val="00B0F0"/>
+                </a:solidFill>
+                <a:effectLst/>
+                <a:latin typeface="Consolas" panose="020B0609020204030204" pitchFamily="49" charset="0"/>
+              </a:rPr>
+              <a:t>linken</a:t>
+            </a:r>
+            <a:r>
+              <a:rPr lang="de-DE" sz="2000" b="0" dirty="0">
+                <a:solidFill>
+                  <a:schemeClr val="bg1"/>
+                </a:solidFill>
+                <a:effectLst/>
+                <a:latin typeface="Consolas" panose="020B0609020204030204" pitchFamily="49" charset="0"/>
+              </a:rPr>
+              <a:t> Hand auf die </a:t>
+            </a:r>
+            <a:r>
+              <a:rPr lang="de-DE" sz="2000" b="0" dirty="0">
+                <a:solidFill>
+                  <a:srgbClr val="00B0F0"/>
+                </a:solidFill>
+                <a:effectLst/>
+                <a:latin typeface="Consolas" panose="020B0609020204030204" pitchFamily="49" charset="0"/>
+              </a:rPr>
+              <a:t>Leertaste</a:t>
+            </a:r>
+            <a:r>
+              <a:rPr lang="de-DE" sz="2000" b="0" dirty="0">
+                <a:solidFill>
+                  <a:schemeClr val="bg1"/>
+                </a:solidFill>
+                <a:effectLst/>
+                <a:latin typeface="Consolas" panose="020B0609020204030204" pitchFamily="49" charset="0"/>
+              </a:rPr>
+              <a:t>.</a:t>
+            </a:r>
+          </a:p>
+          <a:p>
+            <a:pPr algn="ctr"/>
+            <a:endParaRPr lang="de-DE" dirty="0">
+              <a:solidFill>
+                <a:schemeClr val="bg1"/>
+              </a:solidFill>
+              <a:sym typeface="Wingdings" panose="05000000000000000000" pitchFamily="2" charset="2"/>
+            </a:endParaRPr>
+          </a:p>
+          <a:p>
+            <a:pPr algn="ctr"/>
+            <a:endParaRPr lang="de-DE" dirty="0">
+              <a:solidFill>
+                <a:schemeClr val="bg1"/>
+              </a:solidFill>
+              <a:sym typeface="Wingdings" panose="05000000000000000000" pitchFamily="2" charset="2"/>
+            </a:endParaRPr>
+          </a:p>
+          <a:p>
+            <a:pPr algn="ctr"/>
+            <a:endParaRPr lang="de-DE" dirty="0">
+              <a:solidFill>
+                <a:schemeClr val="bg1"/>
+              </a:solidFill>
+              <a:sym typeface="Wingdings" panose="05000000000000000000" pitchFamily="2" charset="2"/>
+            </a:endParaRPr>
+          </a:p>
+          <a:p>
+            <a:pPr algn="ctr"/>
+            <a:endParaRPr lang="de-DE" sz="2000" dirty="0">
+              <a:solidFill>
+                <a:schemeClr val="bg1"/>
+              </a:solidFill>
+              <a:sym typeface="Wingdings" panose="05000000000000000000" pitchFamily="2" charset="2"/>
+            </a:endParaRPr>
+          </a:p>
+          <a:p>
+            <a:pPr algn="ctr"/>
+            <a:endParaRPr lang="de-DE" sz="2000" dirty="0">
+              <a:solidFill>
+                <a:schemeClr val="bg1"/>
+              </a:solidFill>
+              <a:sym typeface="Wingdings" panose="05000000000000000000" pitchFamily="2" charset="2"/>
+            </a:endParaRPr>
+          </a:p>
+          <a:p>
+            <a:pPr algn="ctr"/>
+            <a:endParaRPr lang="de-DE" sz="2000" dirty="0">
+              <a:solidFill>
+                <a:schemeClr val="bg1"/>
+              </a:solidFill>
+              <a:sym typeface="Wingdings" panose="05000000000000000000" pitchFamily="2" charset="2"/>
+            </a:endParaRPr>
+          </a:p>
+          <a:p>
+            <a:pPr algn="ctr"/>
+            <a:endParaRPr lang="de-DE" sz="2000" dirty="0">
+              <a:solidFill>
+                <a:schemeClr val="bg1"/>
+              </a:solidFill>
+              <a:sym typeface="Wingdings" panose="05000000000000000000" pitchFamily="2" charset="2"/>
+            </a:endParaRPr>
+          </a:p>
+          <a:p>
+            <a:pPr algn="ctr"/>
+            <a:endParaRPr lang="de-DE" sz="2000" dirty="0">
+              <a:solidFill>
+                <a:schemeClr val="bg1"/>
+              </a:solidFill>
+              <a:sym typeface="Wingdings" panose="05000000000000000000" pitchFamily="2" charset="2"/>
+            </a:endParaRPr>
+          </a:p>
+          <a:p>
+            <a:pPr algn="ctr"/>
+            <a:endParaRPr lang="de-DE" sz="2000" dirty="0">
+              <a:solidFill>
+                <a:schemeClr val="bg1"/>
+              </a:solidFill>
+              <a:sym typeface="Wingdings" panose="05000000000000000000" pitchFamily="2" charset="2"/>
+            </a:endParaRPr>
+          </a:p>
+          <a:p>
+            <a:pPr algn="ctr"/>
+            <a:endParaRPr lang="de-DE" sz="2000" dirty="0">
+              <a:solidFill>
+                <a:schemeClr val="bg1"/>
+              </a:solidFill>
+              <a:sym typeface="Wingdings" panose="05000000000000000000" pitchFamily="2" charset="2"/>
+            </a:endParaRPr>
+          </a:p>
+          <a:p>
+            <a:pPr algn="ctr"/>
+            <a:endParaRPr lang="de-DE" sz="2000" dirty="0">
+              <a:solidFill>
+                <a:schemeClr val="bg1"/>
+              </a:solidFill>
+              <a:sym typeface="Wingdings" panose="05000000000000000000" pitchFamily="2" charset="2"/>
+            </a:endParaRPr>
+          </a:p>
+          <a:p>
+            <a:pPr algn="ctr"/>
+            <a:r>
+              <a:rPr lang="de-DE" sz="2000" dirty="0">
+                <a:solidFill>
+                  <a:schemeClr val="bg1"/>
+                </a:solidFill>
+                <a:sym typeface="Wingdings" panose="05000000000000000000" pitchFamily="2" charset="2"/>
+              </a:rPr>
+              <a:t>Bitte die </a:t>
+            </a:r>
+            <a:r>
+              <a:rPr lang="de-DE" sz="2000" b="1" dirty="0">
+                <a:solidFill>
+                  <a:schemeClr val="bg1"/>
+                </a:solidFill>
+                <a:sym typeface="Wingdings" panose="05000000000000000000" pitchFamily="2" charset="2"/>
+              </a:rPr>
+              <a:t>LEERTASTE</a:t>
+            </a:r>
+            <a:r>
+              <a:rPr lang="de-DE" sz="2000" dirty="0">
+                <a:solidFill>
+                  <a:schemeClr val="bg1"/>
+                </a:solidFill>
+                <a:sym typeface="Wingdings" panose="05000000000000000000" pitchFamily="2" charset="2"/>
+              </a:rPr>
+              <a:t> drücken, um fortzufahren</a:t>
+            </a:r>
+            <a:endParaRPr lang="de-DE" sz="2000" dirty="0">
+              <a:solidFill>
+                <a:schemeClr val="bg1"/>
+              </a:solidFill>
+            </a:endParaRPr>
+          </a:p>
+        </p:txBody>
+      </p:sp>
+      <p:pic>
+        <p:nvPicPr>
+          <p:cNvPr id="3" name="Grafik 2">
+            <a:extLst>
+              <a:ext uri="{FF2B5EF4-FFF2-40B4-BE49-F238E27FC236}">
+                <a16:creationId xmlns:a16="http://schemas.microsoft.com/office/drawing/2014/main" id="{4CA607E6-115D-5B54-F6A6-ABBC5C63474C}"/>
+              </a:ext>
+            </a:extLst>
+          </p:cNvPr>
+          <p:cNvPicPr>
+            <a:picLocks noChangeAspect="1"/>
+          </p:cNvPicPr>
+          <p:nvPr/>
+        </p:nvPicPr>
+        <p:blipFill>
+          <a:blip r:embed="rId2">
+            <a:extLst>
+              <a:ext uri="{28A0092B-C50C-407E-A947-70E740481C1C}">
+                <a14:useLocalDpi xmlns:a14="http://schemas.microsoft.com/office/drawing/2010/main" val="0"/>
+              </a:ext>
+            </a:extLst>
+          </a:blip>
+          <a:stretch>
+            <a:fillRect/>
+          </a:stretch>
+        </p:blipFill>
+        <p:spPr>
+          <a:xfrm>
+            <a:off x="2720283" y="3057526"/>
+            <a:ext cx="6502400" cy="2175461"/>
+          </a:xfrm>
+          <a:prstGeom prst="rect">
+            <a:avLst/>
+          </a:prstGeom>
+        </p:spPr>
+      </p:pic>
+      <p:sp>
+        <p:nvSpPr>
+          <p:cNvPr id="2" name="Rechteck: abgerundete Ecken 1">
+            <a:extLst>
+              <a:ext uri="{FF2B5EF4-FFF2-40B4-BE49-F238E27FC236}">
+                <a16:creationId xmlns:a16="http://schemas.microsoft.com/office/drawing/2014/main" id="{218BF682-B81F-9C8B-DA7B-231B96891B09}"/>
+              </a:ext>
+            </a:extLst>
+          </p:cNvPr>
+          <p:cNvSpPr/>
+          <p:nvPr/>
+        </p:nvSpPr>
+        <p:spPr>
+          <a:xfrm>
+            <a:off x="3260785" y="4192438"/>
+            <a:ext cx="232913" cy="224287"/>
+          </a:xfrm>
+          <a:prstGeom prst="roundRect">
+            <a:avLst/>
+          </a:prstGeom>
+          <a:noFill/>
+          <a:ln w="38100">
+            <a:solidFill>
+              <a:srgbClr val="FF0000"/>
+            </a:solidFill>
+          </a:ln>
+        </p:spPr>
+        <p:style>
+          <a:lnRef idx="2">
+            <a:schemeClr val="accent1">
+              <a:shade val="15000"/>
+            </a:schemeClr>
+          </a:lnRef>
+          <a:fillRef idx="1">
+            <a:schemeClr val="accent1"/>
+          </a:fillRef>
+          <a:effectRef idx="0">
+            <a:schemeClr val="accent1"/>
+          </a:effectRef>
+          <a:fontRef idx="minor">
+            <a:schemeClr val="lt1"/>
+          </a:fontRef>
+        </p:style>
+        <p:txBody>
+          <a:bodyPr rtlCol="0" anchor="ctr"/>
+          <a:lstStyle/>
+          <a:p>
+            <a:pPr algn="ctr"/>
+            <a:endParaRPr lang="de-DE"/>
+          </a:p>
+        </p:txBody>
+      </p:sp>
+      <p:sp>
+        <p:nvSpPr>
+          <p:cNvPr id="11" name="Rechteck: abgerundete Ecken 10">
+            <a:extLst>
+              <a:ext uri="{FF2B5EF4-FFF2-40B4-BE49-F238E27FC236}">
+                <a16:creationId xmlns:a16="http://schemas.microsoft.com/office/drawing/2014/main" id="{48634B3C-C26C-D304-43E0-978C5D3ABBED}"/>
+              </a:ext>
+            </a:extLst>
+          </p:cNvPr>
+          <p:cNvSpPr/>
+          <p:nvPr/>
+        </p:nvSpPr>
+        <p:spPr>
+          <a:xfrm>
+            <a:off x="3809913" y="4192438"/>
+            <a:ext cx="232913" cy="224287"/>
+          </a:xfrm>
+          <a:prstGeom prst="roundRect">
+            <a:avLst/>
+          </a:prstGeom>
+          <a:noFill/>
+          <a:ln w="38100">
+            <a:solidFill>
+              <a:srgbClr val="FFFF00"/>
+            </a:solidFill>
+          </a:ln>
+        </p:spPr>
+        <p:style>
+          <a:lnRef idx="2">
+            <a:schemeClr val="accent1">
+              <a:shade val="15000"/>
+            </a:schemeClr>
+          </a:lnRef>
+          <a:fillRef idx="1">
+            <a:schemeClr val="accent1"/>
+          </a:fillRef>
+          <a:effectRef idx="0">
+            <a:schemeClr val="accent1"/>
+          </a:effectRef>
+          <a:fontRef idx="minor">
+            <a:schemeClr val="lt1"/>
+          </a:fontRef>
+        </p:style>
+        <p:txBody>
+          <a:bodyPr rtlCol="0" anchor="ctr"/>
+          <a:lstStyle/>
+          <a:p>
+            <a:pPr algn="ctr"/>
+            <a:endParaRPr lang="de-DE"/>
+          </a:p>
+        </p:txBody>
+      </p:sp>
+      <p:sp>
+        <p:nvSpPr>
+          <p:cNvPr id="12" name="Rechteck: abgerundete Ecken 11">
+            <a:extLst>
+              <a:ext uri="{FF2B5EF4-FFF2-40B4-BE49-F238E27FC236}">
+                <a16:creationId xmlns:a16="http://schemas.microsoft.com/office/drawing/2014/main" id="{EC21962E-6EDB-9B67-597D-15EA88A76E75}"/>
+              </a:ext>
+            </a:extLst>
+          </p:cNvPr>
+          <p:cNvSpPr/>
+          <p:nvPr/>
+        </p:nvSpPr>
+        <p:spPr>
+          <a:xfrm>
+            <a:off x="3926369" y="4744528"/>
+            <a:ext cx="1603163" cy="362310"/>
+          </a:xfrm>
+          <a:prstGeom prst="roundRect">
+            <a:avLst/>
+          </a:prstGeom>
+          <a:noFill/>
+          <a:ln w="38100">
+            <a:solidFill>
+              <a:srgbClr val="00B0F0"/>
+            </a:solidFill>
+          </a:ln>
+        </p:spPr>
+        <p:style>
+          <a:lnRef idx="2">
+            <a:schemeClr val="accent1">
+              <a:shade val="15000"/>
+            </a:schemeClr>
+          </a:lnRef>
+          <a:fillRef idx="1">
+            <a:schemeClr val="accent1"/>
+          </a:fillRef>
+          <a:effectRef idx="0">
+            <a:schemeClr val="accent1"/>
+          </a:effectRef>
+          <a:fontRef idx="minor">
+            <a:schemeClr val="lt1"/>
+          </a:fontRef>
+        </p:style>
+        <p:txBody>
+          <a:bodyPr rtlCol="0" anchor="ctr"/>
+          <a:lstStyle/>
+          <a:p>
+            <a:pPr algn="ctr"/>
+            <a:endParaRPr lang="de-DE"/>
+          </a:p>
+        </p:txBody>
+      </p:sp>
+      <p:sp>
+        <p:nvSpPr>
+          <p:cNvPr id="5" name="Rechteck: abgerundete Ecken 4">
+            <a:extLst>
+              <a:ext uri="{FF2B5EF4-FFF2-40B4-BE49-F238E27FC236}">
+                <a16:creationId xmlns:a16="http://schemas.microsoft.com/office/drawing/2014/main" id="{445D6E5A-120A-BC0B-0445-7A2AF9362238}"/>
+              </a:ext>
+            </a:extLst>
+          </p:cNvPr>
+          <p:cNvSpPr/>
+          <p:nvPr/>
+        </p:nvSpPr>
+        <p:spPr>
+          <a:xfrm>
+            <a:off x="3493698" y="3890513"/>
+            <a:ext cx="232913" cy="224287"/>
+          </a:xfrm>
+          <a:prstGeom prst="roundRect">
+            <a:avLst/>
+          </a:prstGeom>
+          <a:noFill/>
+          <a:ln w="38100">
+            <a:solidFill>
+              <a:schemeClr val="accent6">
+                <a:lumMod val="75000"/>
+              </a:schemeClr>
+            </a:solidFill>
+          </a:ln>
+        </p:spPr>
+        <p:style>
+          <a:lnRef idx="2">
+            <a:schemeClr val="accent1">
+              <a:shade val="15000"/>
+            </a:schemeClr>
+          </a:lnRef>
+          <a:fillRef idx="1">
+            <a:schemeClr val="accent1"/>
+          </a:fillRef>
+          <a:effectRef idx="0">
+            <a:schemeClr val="accent1"/>
+          </a:effectRef>
+          <a:fontRef idx="minor">
+            <a:schemeClr val="lt1"/>
+          </a:fontRef>
+        </p:style>
+        <p:txBody>
+          <a:bodyPr rtlCol="0" anchor="ctr"/>
+          <a:lstStyle/>
+          <a:p>
+            <a:pPr algn="ctr"/>
+            <a:endParaRPr lang="de-DE"/>
+          </a:p>
+        </p:txBody>
+      </p:sp>
+    </p:spTree>
+    <p:extLst>
+      <p:ext uri="{BB962C8B-B14F-4D97-AF65-F5344CB8AC3E}">
+        <p14:creationId xmlns:p14="http://schemas.microsoft.com/office/powerpoint/2010/main" val="3436921464"/>
+      </p:ext>
+    </p:extLst>
+  </p:cSld>
+  <p:clrMapOvr>
+    <a:masterClrMapping/>
+  </p:clrMapOvr>
+</p:sld>
+</file>
+
+<file path=ppt/slides/slide15.xml><?xml version="1.0" encoding="utf-8"?>
+<p:sld xmlns:a="http://schemas.openxmlformats.org/drawingml/2006/main" xmlns:r="http://schemas.openxmlformats.org/officeDocument/2006/relationships" xmlns:p="http://schemas.openxmlformats.org/presentationml/2006/main">
+  <p:cSld>
+    <p:bg>
+      <p:bgPr>
+        <a:solidFill>
+          <a:schemeClr val="tx1"/>
+        </a:solidFill>
+        <a:effectLst/>
+      </p:bgPr>
+    </p:bg>
+    <p:spTree>
+      <p:nvGrpSpPr>
+        <p:cNvPr id="1" name="">
+          <a:extLst>
+            <a:ext uri="{FF2B5EF4-FFF2-40B4-BE49-F238E27FC236}">
+              <a16:creationId xmlns:a16="http://schemas.microsoft.com/office/drawing/2014/main" id="{2F555E54-302D-FAF5-8B61-33E8328B6B4F}"/>
+            </a:ext>
+          </a:extLst>
+        </p:cNvPr>
+        <p:cNvGrpSpPr/>
+        <p:nvPr/>
+      </p:nvGrpSpPr>
+      <p:grpSpPr>
+        <a:xfrm>
+          <a:off x="0" y="0"/>
+          <a:ext cx="0" cy="0"/>
+          <a:chOff x="0" y="0"/>
+          <a:chExt cx="0" cy="0"/>
+        </a:xfrm>
+      </p:grpSpPr>
+      <p:sp>
+        <p:nvSpPr>
+          <p:cNvPr id="4" name="Textfeld 3">
+            <a:extLst>
+              <a:ext uri="{FF2B5EF4-FFF2-40B4-BE49-F238E27FC236}">
+                <a16:creationId xmlns:a16="http://schemas.microsoft.com/office/drawing/2014/main" id="{7BAA204B-745F-1A14-8016-08FF53D32972}"/>
+              </a:ext>
+            </a:extLst>
+          </p:cNvPr>
+          <p:cNvSpPr txBox="1"/>
+          <p:nvPr/>
+        </p:nvSpPr>
+        <p:spPr>
+          <a:xfrm>
+            <a:off x="1603888" y="1751291"/>
+            <a:ext cx="7954179" cy="2585323"/>
+          </a:xfrm>
+          <a:prstGeom prst="rect">
+            <a:avLst/>
+          </a:prstGeom>
+          <a:noFill/>
+        </p:spPr>
+        <p:txBody>
+          <a:bodyPr wrap="square" rtlCol="0">
+            <a:spAutoFit/>
+          </a:bodyPr>
+          <a:lstStyle/>
+          <a:p>
+            <a:pPr algn="ctr"/>
+            <a:r>
+              <a:rPr lang="de-DE" sz="4400" dirty="0">
+                <a:solidFill>
+                  <a:schemeClr val="bg1"/>
+                </a:solidFill>
+                <a:latin typeface="Consolas" panose="020B0609020204030204" pitchFamily="49" charset="0"/>
+              </a:rPr>
+              <a:t>Gut gemacht!</a:t>
+            </a:r>
+          </a:p>
+          <a:p>
+            <a:pPr algn="ctr"/>
+            <a:r>
+              <a:rPr lang="de-DE" sz="4400" b="0" dirty="0">
+                <a:solidFill>
+                  <a:schemeClr val="bg1"/>
+                </a:solidFill>
+                <a:effectLst/>
+                <a:latin typeface="Consolas" panose="020B0609020204030204" pitchFamily="49" charset="0"/>
+              </a:rPr>
+              <a:t>Das war das zweite Spiel.</a:t>
+            </a:r>
+          </a:p>
+          <a:p>
+            <a:pPr algn="ctr"/>
+            <a:endParaRPr lang="de-DE" dirty="0">
+              <a:solidFill>
+                <a:schemeClr val="bg1"/>
+              </a:solidFill>
+              <a:sym typeface="Wingdings" panose="05000000000000000000" pitchFamily="2" charset="2"/>
+            </a:endParaRPr>
+          </a:p>
+          <a:p>
+            <a:pPr algn="ctr"/>
+            <a:endParaRPr lang="de-DE" dirty="0">
+              <a:solidFill>
+                <a:schemeClr val="bg1"/>
+              </a:solidFill>
+              <a:sym typeface="Wingdings" panose="05000000000000000000" pitchFamily="2" charset="2"/>
+            </a:endParaRPr>
+          </a:p>
+          <a:p>
+            <a:pPr algn="ctr"/>
+            <a:endParaRPr lang="de-DE" dirty="0">
+              <a:solidFill>
+                <a:schemeClr val="bg1"/>
+              </a:solidFill>
+              <a:sym typeface="Wingdings" panose="05000000000000000000" pitchFamily="2" charset="2"/>
+            </a:endParaRPr>
+          </a:p>
+          <a:p>
+            <a:pPr algn="ctr"/>
+            <a:r>
+              <a:rPr lang="de-DE" sz="2000" dirty="0">
+                <a:solidFill>
+                  <a:schemeClr val="bg1"/>
+                </a:solidFill>
+                <a:sym typeface="Wingdings" panose="05000000000000000000" pitchFamily="2" charset="2"/>
+              </a:rPr>
+              <a:t>Bitte die </a:t>
+            </a:r>
+            <a:r>
+              <a:rPr lang="de-DE" sz="2000" b="1" dirty="0">
+                <a:solidFill>
+                  <a:schemeClr val="bg1"/>
+                </a:solidFill>
+                <a:sym typeface="Wingdings" panose="05000000000000000000" pitchFamily="2" charset="2"/>
+              </a:rPr>
+              <a:t>LEERTASTE</a:t>
+            </a:r>
+            <a:r>
+              <a:rPr lang="de-DE" sz="2000" dirty="0">
+                <a:solidFill>
+                  <a:schemeClr val="bg1"/>
+                </a:solidFill>
+                <a:sym typeface="Wingdings" panose="05000000000000000000" pitchFamily="2" charset="2"/>
+              </a:rPr>
+              <a:t> drücken, um fortzufahren</a:t>
+            </a:r>
+            <a:endParaRPr lang="de-DE" sz="2000" dirty="0">
+              <a:solidFill>
+                <a:schemeClr val="bg1"/>
+              </a:solidFill>
+            </a:endParaRPr>
+          </a:p>
+        </p:txBody>
+      </p:sp>
+    </p:spTree>
+    <p:extLst>
+      <p:ext uri="{BB962C8B-B14F-4D97-AF65-F5344CB8AC3E}">
+        <p14:creationId xmlns:p14="http://schemas.microsoft.com/office/powerpoint/2010/main" val="177166413"/>
+      </p:ext>
+    </p:extLst>
+  </p:cSld>
+  <p:clrMapOvr>
+    <a:masterClrMapping/>
+  </p:clrMapOvr>
+</p:sld>
+</file>
+
+<file path=ppt/slides/slide16.xml><?xml version="1.0" encoding="utf-8"?>
+<p:sld xmlns:a="http://schemas.openxmlformats.org/drawingml/2006/main" xmlns:r="http://schemas.openxmlformats.org/officeDocument/2006/relationships" xmlns:p="http://schemas.openxmlformats.org/presentationml/2006/main">
+  <p:cSld>
+    <p:bg>
+      <p:bgPr>
+        <a:solidFill>
+          <a:schemeClr val="tx1"/>
+        </a:solidFill>
+        <a:effectLst/>
+      </p:bgPr>
+    </p:bg>
+    <p:spTree>
+      <p:nvGrpSpPr>
+        <p:cNvPr id="1" name="">
+          <a:extLst>
+            <a:ext uri="{FF2B5EF4-FFF2-40B4-BE49-F238E27FC236}">
+              <a16:creationId xmlns:a16="http://schemas.microsoft.com/office/drawing/2014/main" id="{2F555E54-302D-FAF5-8B61-33E8328B6B4F}"/>
+            </a:ext>
+          </a:extLst>
+        </p:cNvPr>
+        <p:cNvGrpSpPr/>
+        <p:nvPr/>
+      </p:nvGrpSpPr>
+      <p:grpSpPr>
+        <a:xfrm>
+          <a:off x="0" y="0"/>
+          <a:ext cx="0" cy="0"/>
+          <a:chOff x="0" y="0"/>
+          <a:chExt cx="0" cy="0"/>
+        </a:xfrm>
+      </p:grpSpPr>
+      <p:sp>
+        <p:nvSpPr>
+          <p:cNvPr id="4" name="Textfeld 3">
+            <a:extLst>
+              <a:ext uri="{FF2B5EF4-FFF2-40B4-BE49-F238E27FC236}">
+                <a16:creationId xmlns:a16="http://schemas.microsoft.com/office/drawing/2014/main" id="{7BAA204B-745F-1A14-8016-08FF53D32972}"/>
+              </a:ext>
+            </a:extLst>
+          </p:cNvPr>
+          <p:cNvSpPr txBox="1"/>
+          <p:nvPr/>
+        </p:nvSpPr>
+        <p:spPr>
+          <a:xfrm>
+            <a:off x="1603888" y="1751291"/>
+            <a:ext cx="7954179" cy="3262432"/>
+          </a:xfrm>
+          <a:prstGeom prst="rect">
+            <a:avLst/>
+          </a:prstGeom>
+          <a:noFill/>
+        </p:spPr>
+        <p:txBody>
+          <a:bodyPr wrap="square" rtlCol="0">
+            <a:spAutoFit/>
+          </a:bodyPr>
+          <a:lstStyle/>
+          <a:p>
+            <a:pPr algn="ctr"/>
+            <a:r>
+              <a:rPr lang="de-DE" sz="4400" b="0" dirty="0">
+                <a:solidFill>
+                  <a:schemeClr val="bg1"/>
+                </a:solidFill>
+                <a:effectLst/>
+                <a:latin typeface="Consolas" panose="020B0609020204030204" pitchFamily="49" charset="0"/>
+              </a:rPr>
+              <a:t>Wenn Sie möchten, machen Sie eine kurze Pause und fahren dann fort.</a:t>
+            </a:r>
+          </a:p>
+          <a:p>
+            <a:pPr algn="ctr"/>
+            <a:endParaRPr lang="de-DE" dirty="0">
+              <a:solidFill>
+                <a:schemeClr val="bg1"/>
+              </a:solidFill>
+              <a:sym typeface="Wingdings" panose="05000000000000000000" pitchFamily="2" charset="2"/>
+            </a:endParaRPr>
+          </a:p>
+          <a:p>
+            <a:pPr algn="ctr"/>
+            <a:endParaRPr lang="de-DE" dirty="0">
+              <a:solidFill>
+                <a:schemeClr val="bg1"/>
+              </a:solidFill>
+              <a:sym typeface="Wingdings" panose="05000000000000000000" pitchFamily="2" charset="2"/>
+            </a:endParaRPr>
+          </a:p>
+          <a:p>
+            <a:pPr algn="ctr"/>
+            <a:endParaRPr lang="de-DE" dirty="0">
+              <a:solidFill>
+                <a:schemeClr val="bg1"/>
+              </a:solidFill>
+              <a:sym typeface="Wingdings" panose="05000000000000000000" pitchFamily="2" charset="2"/>
+            </a:endParaRPr>
+          </a:p>
+          <a:p>
+            <a:pPr algn="ctr"/>
+            <a:r>
+              <a:rPr lang="de-DE" sz="2000" dirty="0">
+                <a:solidFill>
+                  <a:schemeClr val="bg1"/>
+                </a:solidFill>
+                <a:sym typeface="Wingdings" panose="05000000000000000000" pitchFamily="2" charset="2"/>
+              </a:rPr>
+              <a:t>Bitte die </a:t>
+            </a:r>
+            <a:r>
+              <a:rPr lang="de-DE" sz="2000" b="1" dirty="0">
+                <a:solidFill>
+                  <a:schemeClr val="bg1"/>
+                </a:solidFill>
+                <a:sym typeface="Wingdings" panose="05000000000000000000" pitchFamily="2" charset="2"/>
+              </a:rPr>
+              <a:t>LEERTASTE</a:t>
+            </a:r>
+            <a:r>
+              <a:rPr lang="de-DE" sz="2000" dirty="0">
+                <a:solidFill>
+                  <a:schemeClr val="bg1"/>
+                </a:solidFill>
+                <a:sym typeface="Wingdings" panose="05000000000000000000" pitchFamily="2" charset="2"/>
+              </a:rPr>
+              <a:t> drücken, um fortzufahren</a:t>
+            </a:r>
+            <a:endParaRPr lang="de-DE" sz="2000" dirty="0">
+              <a:solidFill>
+                <a:schemeClr val="bg1"/>
+              </a:solidFill>
+            </a:endParaRPr>
+          </a:p>
+        </p:txBody>
+      </p:sp>
+    </p:spTree>
+    <p:extLst>
+      <p:ext uri="{BB962C8B-B14F-4D97-AF65-F5344CB8AC3E}">
+        <p14:creationId xmlns:p14="http://schemas.microsoft.com/office/powerpoint/2010/main" val="2279804044"/>
+      </p:ext>
+    </p:extLst>
+  </p:cSld>
+  <p:clrMapOvr>
+    <a:masterClrMapping/>
+  </p:clrMapOvr>
+</p:sld>
+</file>
+
+<file path=ppt/slides/slide17.xml><?xml version="1.0" encoding="utf-8"?>
+<p:sld xmlns:a="http://schemas.openxmlformats.org/drawingml/2006/main" xmlns:r="http://schemas.openxmlformats.org/officeDocument/2006/relationships" xmlns:p="http://schemas.openxmlformats.org/presentationml/2006/main">
+  <p:cSld>
+    <p:bg>
+      <p:bgPr>
+        <a:solidFill>
+          <a:schemeClr val="tx1"/>
+        </a:solidFill>
+        <a:effectLst/>
+      </p:bgPr>
+    </p:bg>
+    <p:spTree>
+      <p:nvGrpSpPr>
+        <p:cNvPr id="1" name="">
+          <a:extLst>
+            <a:ext uri="{FF2B5EF4-FFF2-40B4-BE49-F238E27FC236}">
+              <a16:creationId xmlns:a16="http://schemas.microsoft.com/office/drawing/2014/main" id="{2F555E54-302D-FAF5-8B61-33E8328B6B4F}"/>
+            </a:ext>
+          </a:extLst>
+        </p:cNvPr>
+        <p:cNvGrpSpPr/>
+        <p:nvPr/>
+      </p:nvGrpSpPr>
+      <p:grpSpPr>
+        <a:xfrm>
+          <a:off x="0" y="0"/>
+          <a:ext cx="0" cy="0"/>
+          <a:chOff x="0" y="0"/>
+          <a:chExt cx="0" cy="0"/>
+        </a:xfrm>
+      </p:grpSpPr>
+      <p:sp>
+        <p:nvSpPr>
+          <p:cNvPr id="4" name="Textfeld 3">
+            <a:extLst>
+              <a:ext uri="{FF2B5EF4-FFF2-40B4-BE49-F238E27FC236}">
+                <a16:creationId xmlns:a16="http://schemas.microsoft.com/office/drawing/2014/main" id="{7BAA204B-745F-1A14-8016-08FF53D32972}"/>
+              </a:ext>
+            </a:extLst>
+          </p:cNvPr>
+          <p:cNvSpPr txBox="1"/>
+          <p:nvPr/>
+        </p:nvSpPr>
+        <p:spPr>
+          <a:xfrm>
+            <a:off x="1603888" y="1751291"/>
+            <a:ext cx="8325115" cy="1908215"/>
+          </a:xfrm>
+          <a:prstGeom prst="rect">
+            <a:avLst/>
+          </a:prstGeom>
+          <a:noFill/>
+        </p:spPr>
+        <p:txBody>
+          <a:bodyPr wrap="square" rtlCol="0">
+            <a:spAutoFit/>
+          </a:bodyPr>
+          <a:lstStyle/>
+          <a:p>
+            <a:pPr algn="ctr"/>
+            <a:r>
+              <a:rPr lang="de-DE" sz="4400" dirty="0">
+                <a:solidFill>
+                  <a:schemeClr val="bg1"/>
+                </a:solidFill>
+                <a:latin typeface="Consolas" panose="020B0609020204030204" pitchFamily="49" charset="0"/>
+              </a:rPr>
+              <a:t>Weiter geht es zu Spiel 3!</a:t>
+            </a:r>
+            <a:endParaRPr lang="de-DE" sz="4400" b="0" dirty="0">
+              <a:solidFill>
+                <a:schemeClr val="bg1"/>
+              </a:solidFill>
+              <a:effectLst/>
+              <a:latin typeface="Consolas" panose="020B0609020204030204" pitchFamily="49" charset="0"/>
+            </a:endParaRPr>
+          </a:p>
+          <a:p>
+            <a:pPr algn="ctr"/>
+            <a:endParaRPr lang="de-DE" dirty="0">
+              <a:solidFill>
+                <a:schemeClr val="bg1"/>
+              </a:solidFill>
+              <a:sym typeface="Wingdings" panose="05000000000000000000" pitchFamily="2" charset="2"/>
+            </a:endParaRPr>
+          </a:p>
+          <a:p>
+            <a:pPr algn="ctr"/>
+            <a:endParaRPr lang="de-DE" dirty="0">
+              <a:solidFill>
+                <a:schemeClr val="bg1"/>
+              </a:solidFill>
+              <a:sym typeface="Wingdings" panose="05000000000000000000" pitchFamily="2" charset="2"/>
+            </a:endParaRPr>
+          </a:p>
+          <a:p>
+            <a:pPr algn="ctr"/>
+            <a:endParaRPr lang="de-DE" dirty="0">
+              <a:solidFill>
+                <a:schemeClr val="bg1"/>
+              </a:solidFill>
+              <a:sym typeface="Wingdings" panose="05000000000000000000" pitchFamily="2" charset="2"/>
+            </a:endParaRPr>
+          </a:p>
+          <a:p>
+            <a:pPr algn="ctr"/>
+            <a:r>
+              <a:rPr lang="de-DE" sz="2000" dirty="0">
+                <a:solidFill>
+                  <a:schemeClr val="bg1"/>
+                </a:solidFill>
+                <a:sym typeface="Wingdings" panose="05000000000000000000" pitchFamily="2" charset="2"/>
+              </a:rPr>
+              <a:t>Bitte die </a:t>
+            </a:r>
+            <a:r>
+              <a:rPr lang="de-DE" sz="2000" b="1" dirty="0">
+                <a:solidFill>
+                  <a:schemeClr val="bg1"/>
+                </a:solidFill>
+                <a:sym typeface="Wingdings" panose="05000000000000000000" pitchFamily="2" charset="2"/>
+              </a:rPr>
+              <a:t>LEERTASTE</a:t>
+            </a:r>
+            <a:r>
+              <a:rPr lang="de-DE" sz="2000" dirty="0">
+                <a:solidFill>
+                  <a:schemeClr val="bg1"/>
+                </a:solidFill>
+                <a:sym typeface="Wingdings" panose="05000000000000000000" pitchFamily="2" charset="2"/>
+              </a:rPr>
+              <a:t> drücken, um fortzufahren</a:t>
+            </a:r>
+            <a:endParaRPr lang="de-DE" sz="2000" dirty="0">
+              <a:solidFill>
+                <a:schemeClr val="bg1"/>
+              </a:solidFill>
+            </a:endParaRPr>
+          </a:p>
+        </p:txBody>
+      </p:sp>
+    </p:spTree>
+    <p:extLst>
+      <p:ext uri="{BB962C8B-B14F-4D97-AF65-F5344CB8AC3E}">
+        <p14:creationId xmlns:p14="http://schemas.microsoft.com/office/powerpoint/2010/main" val="937809638"/>
+      </p:ext>
+    </p:extLst>
+  </p:cSld>
+  <p:clrMapOvr>
+    <a:masterClrMapping/>
+  </p:clrMapOvr>
+</p:sld>
+</file>
+
+<file path=ppt/slides/slide18.xml><?xml version="1.0" encoding="utf-8"?>
+<p:sld xmlns:a="http://schemas.openxmlformats.org/drawingml/2006/main" xmlns:r="http://schemas.openxmlformats.org/officeDocument/2006/relationships" xmlns:p="http://schemas.openxmlformats.org/presentationml/2006/main">
+  <p:cSld>
+    <p:bg>
+      <p:bgPr>
+        <a:solidFill>
+          <a:schemeClr val="tx1"/>
+        </a:solidFill>
+        <a:effectLst/>
+      </p:bgPr>
+    </p:bg>
+    <p:spTree>
+      <p:nvGrpSpPr>
+        <p:cNvPr id="1" name="">
+          <a:extLst>
+            <a:ext uri="{FF2B5EF4-FFF2-40B4-BE49-F238E27FC236}">
+              <a16:creationId xmlns:a16="http://schemas.microsoft.com/office/drawing/2014/main" id="{B25867C5-31EE-2747-E375-9235E74EB9AD}"/>
+            </a:ext>
+          </a:extLst>
+        </p:cNvPr>
+        <p:cNvGrpSpPr/>
+        <p:nvPr/>
+      </p:nvGrpSpPr>
+      <p:grpSpPr>
+        <a:xfrm>
+          <a:off x="0" y="0"/>
+          <a:ext cx="0" cy="0"/>
+          <a:chOff x="0" y="0"/>
+          <a:chExt cx="0" cy="0"/>
+        </a:xfrm>
+      </p:grpSpPr>
+      <p:sp>
+        <p:nvSpPr>
+          <p:cNvPr id="4" name="Textfeld 3">
+            <a:extLst>
+              <a:ext uri="{FF2B5EF4-FFF2-40B4-BE49-F238E27FC236}">
+                <a16:creationId xmlns:a16="http://schemas.microsoft.com/office/drawing/2014/main" id="{D191F11D-095D-DC95-90F9-C136253207C7}"/>
+              </a:ext>
+            </a:extLst>
+          </p:cNvPr>
+          <p:cNvSpPr txBox="1"/>
+          <p:nvPr/>
+        </p:nvSpPr>
+        <p:spPr>
+          <a:xfrm>
+            <a:off x="1807089" y="181109"/>
+            <a:ext cx="7682846" cy="6032421"/>
+          </a:xfrm>
+          <a:prstGeom prst="rect">
+            <a:avLst/>
+          </a:prstGeom>
+          <a:noFill/>
+        </p:spPr>
+        <p:txBody>
+          <a:bodyPr wrap="square" rtlCol="0">
+            <a:spAutoFit/>
+          </a:bodyPr>
+          <a:lstStyle/>
+          <a:p>
+            <a:pPr algn="ctr"/>
+            <a:r>
+              <a:rPr lang="de-DE" sz="2000" b="0" dirty="0">
+                <a:solidFill>
+                  <a:schemeClr val="bg1"/>
+                </a:solidFill>
+                <a:effectLst/>
+                <a:latin typeface="Consolas" panose="020B0609020204030204" pitchFamily="49" charset="0"/>
+              </a:rPr>
+              <a:t>Ihre Aufgabe ist es, das Ziel im Labyrinth zu finden. Das Ziel ist markiert durch ein </a:t>
+            </a:r>
+            <a:r>
+              <a:rPr lang="de-DE" sz="2000" b="0" dirty="0">
+                <a:solidFill>
+                  <a:srgbClr val="FFC000"/>
+                </a:solidFill>
+                <a:effectLst/>
+                <a:latin typeface="Consolas" panose="020B0609020204030204" pitchFamily="49" charset="0"/>
+              </a:rPr>
+              <a:t>Objekt</a:t>
+            </a:r>
+            <a:r>
+              <a:rPr lang="de-DE" sz="2000" b="0" dirty="0">
+                <a:solidFill>
+                  <a:schemeClr val="bg1"/>
+                </a:solidFill>
+                <a:effectLst/>
+                <a:latin typeface="Consolas" panose="020B0609020204030204" pitchFamily="49" charset="0"/>
+              </a:rPr>
+              <a:t>. Laufen Sie bis zum Objekt, endet der Spieldurchlauf. Je schneller Sie dabei sind, desto besser</a:t>
+            </a:r>
+          </a:p>
+          <a:p>
+            <a:pPr algn="ctr"/>
+            <a:endParaRPr lang="de-DE" sz="2000" dirty="0">
+              <a:solidFill>
+                <a:schemeClr val="bg1"/>
+              </a:solidFill>
+              <a:latin typeface="Consolas" panose="020B0609020204030204" pitchFamily="49" charset="0"/>
+            </a:endParaRPr>
+          </a:p>
+          <a:p>
+            <a:pPr algn="ctr"/>
+            <a:endParaRPr lang="de-DE" sz="3200" dirty="0">
+              <a:solidFill>
+                <a:schemeClr val="bg1"/>
+              </a:solidFill>
+              <a:latin typeface="Consolas" panose="020B0609020204030204" pitchFamily="49" charset="0"/>
+            </a:endParaRPr>
+          </a:p>
+          <a:p>
+            <a:pPr algn="ctr"/>
+            <a:endParaRPr lang="de-DE" sz="3200" b="0" dirty="0">
+              <a:solidFill>
+                <a:schemeClr val="bg1"/>
+              </a:solidFill>
+              <a:effectLst/>
+              <a:latin typeface="Consolas" panose="020B0609020204030204" pitchFamily="49" charset="0"/>
+            </a:endParaRPr>
+          </a:p>
+          <a:p>
+            <a:pPr algn="ctr"/>
+            <a:endParaRPr lang="de-DE" sz="3200" dirty="0">
+              <a:solidFill>
+                <a:schemeClr val="bg1"/>
+              </a:solidFill>
+              <a:latin typeface="Consolas" panose="020B0609020204030204" pitchFamily="49" charset="0"/>
+            </a:endParaRPr>
+          </a:p>
+          <a:p>
+            <a:pPr algn="ctr"/>
+            <a:endParaRPr lang="de-DE" sz="3200" dirty="0">
+              <a:solidFill>
+                <a:schemeClr val="bg1"/>
+              </a:solidFill>
+              <a:latin typeface="Consolas" panose="020B0609020204030204" pitchFamily="49" charset="0"/>
+            </a:endParaRPr>
+          </a:p>
+          <a:p>
+            <a:pPr algn="ctr"/>
+            <a:endParaRPr lang="de-DE" sz="3200" b="0" dirty="0">
+              <a:solidFill>
+                <a:schemeClr val="bg1"/>
+              </a:solidFill>
+              <a:effectLst/>
+              <a:latin typeface="Consolas" panose="020B0609020204030204" pitchFamily="49" charset="0"/>
+            </a:endParaRPr>
+          </a:p>
+          <a:p>
+            <a:pPr algn="ctr"/>
+            <a:endParaRPr lang="de-DE" sz="3200" b="0" dirty="0">
+              <a:solidFill>
+                <a:schemeClr val="bg1"/>
+              </a:solidFill>
+              <a:effectLst/>
+              <a:latin typeface="Consolas" panose="020B0609020204030204" pitchFamily="49" charset="0"/>
+            </a:endParaRPr>
+          </a:p>
+          <a:p>
+            <a:pPr algn="ctr"/>
+            <a:endParaRPr lang="de-DE" dirty="0">
+              <a:solidFill>
+                <a:schemeClr val="bg1"/>
+              </a:solidFill>
+              <a:sym typeface="Wingdings" panose="05000000000000000000" pitchFamily="2" charset="2"/>
+            </a:endParaRPr>
+          </a:p>
+          <a:p>
+            <a:pPr algn="ctr"/>
+            <a:endParaRPr lang="de-DE" dirty="0">
+              <a:solidFill>
+                <a:schemeClr val="bg1"/>
+              </a:solidFill>
+              <a:sym typeface="Wingdings" panose="05000000000000000000" pitchFamily="2" charset="2"/>
+            </a:endParaRPr>
+          </a:p>
+          <a:p>
+            <a:pPr algn="ctr"/>
+            <a:endParaRPr lang="de-DE" dirty="0">
+              <a:solidFill>
+                <a:schemeClr val="bg1"/>
+              </a:solidFill>
+              <a:sym typeface="Wingdings" panose="05000000000000000000" pitchFamily="2" charset="2"/>
+            </a:endParaRPr>
+          </a:p>
+          <a:p>
+            <a:pPr algn="ctr"/>
+            <a:endParaRPr lang="de-DE" sz="2000" dirty="0">
+              <a:solidFill>
+                <a:schemeClr val="bg1"/>
+              </a:solidFill>
+              <a:sym typeface="Wingdings" panose="05000000000000000000" pitchFamily="2" charset="2"/>
+            </a:endParaRPr>
+          </a:p>
+          <a:p>
+            <a:pPr algn="ctr"/>
+            <a:r>
+              <a:rPr lang="de-DE" sz="2000" dirty="0">
+                <a:solidFill>
+                  <a:schemeClr val="bg1"/>
+                </a:solidFill>
+                <a:sym typeface="Wingdings" panose="05000000000000000000" pitchFamily="2" charset="2"/>
+              </a:rPr>
+              <a:t>Bitte die </a:t>
+            </a:r>
+            <a:r>
+              <a:rPr lang="de-DE" sz="2000" b="1" dirty="0">
+                <a:solidFill>
+                  <a:schemeClr val="bg1"/>
+                </a:solidFill>
+                <a:sym typeface="Wingdings" panose="05000000000000000000" pitchFamily="2" charset="2"/>
+              </a:rPr>
+              <a:t>LEERTASTE</a:t>
+            </a:r>
+            <a:r>
+              <a:rPr lang="de-DE" sz="2000" dirty="0">
+                <a:solidFill>
+                  <a:schemeClr val="bg1"/>
+                </a:solidFill>
+                <a:sym typeface="Wingdings" panose="05000000000000000000" pitchFamily="2" charset="2"/>
+              </a:rPr>
+              <a:t> drücken, um fortzufahren</a:t>
+            </a:r>
+            <a:endParaRPr lang="de-DE" sz="2000" dirty="0">
+              <a:solidFill>
+                <a:schemeClr val="bg1"/>
+              </a:solidFill>
+            </a:endParaRPr>
+          </a:p>
+        </p:txBody>
+      </p:sp>
+      <p:pic>
+        <p:nvPicPr>
+          <p:cNvPr id="3" name="Grafik 2" descr="Ein Bild, das Screenshot, PC-Spiel, Spielesoftware, 3D-Modellierung enthält.&#10;&#10;Automatisch generierte Beschreibung">
+            <a:extLst>
+              <a:ext uri="{FF2B5EF4-FFF2-40B4-BE49-F238E27FC236}">
+                <a16:creationId xmlns:a16="http://schemas.microsoft.com/office/drawing/2014/main" id="{48849428-493F-6647-35B6-1D6E9A539E87}"/>
+              </a:ext>
+            </a:extLst>
+          </p:cNvPr>
+          <p:cNvPicPr>
+            <a:picLocks noChangeAspect="1"/>
+          </p:cNvPicPr>
+          <p:nvPr/>
+        </p:nvPicPr>
+        <p:blipFill>
+          <a:blip r:embed="rId2">
+            <a:extLst>
+              <a:ext uri="{28A0092B-C50C-407E-A947-70E740481C1C}">
+                <a14:useLocalDpi xmlns:a14="http://schemas.microsoft.com/office/drawing/2010/main" val="0"/>
+              </a:ext>
+            </a:extLst>
+          </a:blip>
+          <a:stretch>
+            <a:fillRect/>
+          </a:stretch>
+        </p:blipFill>
+        <p:spPr>
+          <a:xfrm>
+            <a:off x="2822834" y="1528309"/>
+            <a:ext cx="5424018" cy="4173935"/>
+          </a:xfrm>
+          <a:prstGeom prst="rect">
+            <a:avLst/>
+          </a:prstGeom>
+        </p:spPr>
+      </p:pic>
+      <p:sp>
+        <p:nvSpPr>
+          <p:cNvPr id="6" name="Ellipse 5">
+            <a:extLst>
+              <a:ext uri="{FF2B5EF4-FFF2-40B4-BE49-F238E27FC236}">
+                <a16:creationId xmlns:a16="http://schemas.microsoft.com/office/drawing/2014/main" id="{20ED16D0-8ECA-F477-B5C3-2C4D3021EC8C}"/>
+              </a:ext>
+            </a:extLst>
+          </p:cNvPr>
+          <p:cNvSpPr/>
+          <p:nvPr/>
+        </p:nvSpPr>
+        <p:spPr>
+          <a:xfrm>
+            <a:off x="5030197" y="3982255"/>
+            <a:ext cx="888521" cy="776377"/>
+          </a:xfrm>
+          <a:prstGeom prst="ellipse">
+            <a:avLst/>
+          </a:prstGeom>
+          <a:noFill/>
+          <a:ln w="38100">
+            <a:solidFill>
+              <a:srgbClr val="FFC000"/>
+            </a:solidFill>
+          </a:ln>
+        </p:spPr>
+        <p:style>
+          <a:lnRef idx="2">
+            <a:schemeClr val="accent1">
+              <a:shade val="15000"/>
+            </a:schemeClr>
+          </a:lnRef>
+          <a:fillRef idx="1">
+            <a:schemeClr val="accent1"/>
+          </a:fillRef>
+          <a:effectRef idx="0">
+            <a:schemeClr val="accent1"/>
+          </a:effectRef>
+          <a:fontRef idx="minor">
+            <a:schemeClr val="lt1"/>
+          </a:fontRef>
+        </p:style>
+        <p:txBody>
+          <a:bodyPr rtlCol="0" anchor="ctr"/>
+          <a:lstStyle/>
+          <a:p>
+            <a:pPr algn="ctr"/>
+            <a:endParaRPr lang="de-DE"/>
+          </a:p>
+        </p:txBody>
+      </p:sp>
+    </p:spTree>
+    <p:extLst>
+      <p:ext uri="{BB962C8B-B14F-4D97-AF65-F5344CB8AC3E}">
+        <p14:creationId xmlns:p14="http://schemas.microsoft.com/office/powerpoint/2010/main" val="4244602"/>
+      </p:ext>
+    </p:extLst>
+  </p:cSld>
+  <p:clrMapOvr>
+    <a:masterClrMapping/>
+  </p:clrMapOvr>
+</p:sld>
+</file>
+
+<file path=ppt/slides/slide19.xml><?xml version="1.0" encoding="utf-8"?>
+<p:sld xmlns:a="http://schemas.openxmlformats.org/drawingml/2006/main" xmlns:r="http://schemas.openxmlformats.org/officeDocument/2006/relationships" xmlns:p="http://schemas.openxmlformats.org/presentationml/2006/main">
+  <p:cSld>
+    <p:bg>
+      <p:bgPr>
+        <a:solidFill>
+          <a:schemeClr val="tx1"/>
+        </a:solidFill>
+        <a:effectLst/>
+      </p:bgPr>
+    </p:bg>
+    <p:spTree>
+      <p:nvGrpSpPr>
+        <p:cNvPr id="1" name="">
+          <a:extLst>
+            <a:ext uri="{FF2B5EF4-FFF2-40B4-BE49-F238E27FC236}">
+              <a16:creationId xmlns:a16="http://schemas.microsoft.com/office/drawing/2014/main" id="{3EFE3318-6E5D-0A81-F427-A84F2C3E0696}"/>
+            </a:ext>
+          </a:extLst>
+        </p:cNvPr>
+        <p:cNvGrpSpPr/>
+        <p:nvPr/>
+      </p:nvGrpSpPr>
+      <p:grpSpPr>
+        <a:xfrm>
+          <a:off x="0" y="0"/>
+          <a:ext cx="0" cy="0"/>
+          <a:chOff x="0" y="0"/>
+          <a:chExt cx="0" cy="0"/>
+        </a:xfrm>
+      </p:grpSpPr>
+      <p:sp>
+        <p:nvSpPr>
+          <p:cNvPr id="4" name="Textfeld 3">
+            <a:extLst>
+              <a:ext uri="{FF2B5EF4-FFF2-40B4-BE49-F238E27FC236}">
+                <a16:creationId xmlns:a16="http://schemas.microsoft.com/office/drawing/2014/main" id="{A7F7700D-0694-3E3F-F846-2BD42942D96A}"/>
+              </a:ext>
+            </a:extLst>
+          </p:cNvPr>
+          <p:cNvSpPr txBox="1"/>
+          <p:nvPr/>
+        </p:nvSpPr>
+        <p:spPr>
+          <a:xfrm>
+            <a:off x="1240672" y="461250"/>
+            <a:ext cx="9710656" cy="5539978"/>
+          </a:xfrm>
+          <a:prstGeom prst="rect">
+            <a:avLst/>
+          </a:prstGeom>
+          <a:noFill/>
+        </p:spPr>
+        <p:txBody>
+          <a:bodyPr wrap="square" rtlCol="0">
+            <a:spAutoFit/>
+          </a:bodyPr>
+          <a:lstStyle/>
+          <a:p>
+            <a:pPr algn="ctr"/>
+            <a:r>
+              <a:rPr lang="de-DE" sz="2000" b="0" dirty="0">
+                <a:solidFill>
+                  <a:schemeClr val="bg1"/>
+                </a:solidFill>
+                <a:effectLst/>
+                <a:latin typeface="Consolas" panose="020B0609020204030204" pitchFamily="49" charset="0"/>
+              </a:rPr>
+              <a:t>Sie drehen sich mit den Tasten A und D nach links und rechts, mit W bewegen Sie sich vorwärts. </a:t>
+            </a:r>
+          </a:p>
+          <a:p>
+            <a:pPr algn="ctr"/>
+            <a:endParaRPr lang="de-DE" sz="2000" b="0" dirty="0">
+              <a:solidFill>
+                <a:schemeClr val="bg1"/>
+              </a:solidFill>
+              <a:effectLst/>
+              <a:latin typeface="Consolas" panose="020B0609020204030204" pitchFamily="49" charset="0"/>
+            </a:endParaRPr>
+          </a:p>
+          <a:p>
+            <a:pPr algn="ctr"/>
+            <a:r>
+              <a:rPr lang="de-DE" sz="2000" b="0" dirty="0">
+                <a:solidFill>
+                  <a:schemeClr val="bg1"/>
+                </a:solidFill>
+                <a:effectLst/>
+                <a:latin typeface="Consolas" panose="020B0609020204030204" pitchFamily="49" charset="0"/>
+              </a:rPr>
+              <a:t>Legen Sie nun bitte </a:t>
+            </a:r>
+            <a:r>
+              <a:rPr lang="de-DE" sz="2000" b="0" dirty="0">
+                <a:solidFill>
+                  <a:srgbClr val="FFFF00"/>
+                </a:solidFill>
+                <a:effectLst/>
+                <a:latin typeface="Consolas" panose="020B0609020204030204" pitchFamily="49" charset="0"/>
+              </a:rPr>
+              <a:t>Zeige</a:t>
+            </a:r>
+            <a:r>
+              <a:rPr lang="de-DE" sz="2000" b="0" dirty="0">
+                <a:solidFill>
+                  <a:schemeClr val="bg1"/>
+                </a:solidFill>
+                <a:effectLst/>
+                <a:latin typeface="Consolas" panose="020B0609020204030204" pitchFamily="49" charset="0"/>
+              </a:rPr>
+              <a:t>-, </a:t>
+            </a:r>
+            <a:r>
+              <a:rPr lang="de-DE" sz="2000" b="0" dirty="0">
+                <a:solidFill>
+                  <a:schemeClr val="accent6">
+                    <a:lumMod val="75000"/>
+                  </a:schemeClr>
+                </a:solidFill>
+                <a:effectLst/>
+                <a:latin typeface="Consolas" panose="020B0609020204030204" pitchFamily="49" charset="0"/>
+              </a:rPr>
+              <a:t>Mittel</a:t>
+            </a:r>
+            <a:r>
+              <a:rPr lang="de-DE" sz="2000" b="0" dirty="0">
+                <a:solidFill>
+                  <a:schemeClr val="bg1"/>
+                </a:solidFill>
+                <a:effectLst/>
+                <a:latin typeface="Consolas" panose="020B0609020204030204" pitchFamily="49" charset="0"/>
+              </a:rPr>
+              <a:t>- und </a:t>
+            </a:r>
+            <a:r>
+              <a:rPr lang="de-DE" sz="2000" b="0" dirty="0">
+                <a:solidFill>
+                  <a:srgbClr val="FF0000"/>
+                </a:solidFill>
+                <a:effectLst/>
+                <a:latin typeface="Consolas" panose="020B0609020204030204" pitchFamily="49" charset="0"/>
+              </a:rPr>
+              <a:t>Ring</a:t>
+            </a:r>
+            <a:r>
+              <a:rPr lang="de-DE" sz="2000" b="0" dirty="0">
+                <a:solidFill>
+                  <a:schemeClr val="bg1"/>
+                </a:solidFill>
+                <a:effectLst/>
+                <a:latin typeface="Consolas" panose="020B0609020204030204" pitchFamily="49" charset="0"/>
+              </a:rPr>
+              <a:t>finger der </a:t>
+            </a:r>
+            <a:r>
+              <a:rPr lang="de-DE" sz="2000" b="0" u="sng" dirty="0">
+                <a:solidFill>
+                  <a:schemeClr val="bg1"/>
+                </a:solidFill>
+                <a:effectLst/>
+                <a:latin typeface="Consolas" panose="020B0609020204030204" pitchFamily="49" charset="0"/>
+              </a:rPr>
+              <a:t>linken</a:t>
+            </a:r>
+            <a:r>
+              <a:rPr lang="de-DE" sz="2000" b="0" dirty="0">
+                <a:solidFill>
+                  <a:schemeClr val="bg1"/>
+                </a:solidFill>
+                <a:effectLst/>
+                <a:latin typeface="Consolas" panose="020B0609020204030204" pitchFamily="49" charset="0"/>
+              </a:rPr>
+              <a:t> Hand auf die Tasten </a:t>
+            </a:r>
+            <a:r>
+              <a:rPr lang="de-DE" sz="2000" b="0" dirty="0">
+                <a:solidFill>
+                  <a:srgbClr val="FF0000"/>
+                </a:solidFill>
+                <a:effectLst/>
+                <a:latin typeface="Consolas" panose="020B0609020204030204" pitchFamily="49" charset="0"/>
+              </a:rPr>
+              <a:t>A</a:t>
+            </a:r>
+            <a:r>
+              <a:rPr lang="de-DE" sz="2000" b="0" dirty="0">
+                <a:solidFill>
+                  <a:schemeClr val="bg1"/>
+                </a:solidFill>
+                <a:effectLst/>
+                <a:latin typeface="Consolas" panose="020B0609020204030204" pitchFamily="49" charset="0"/>
+              </a:rPr>
+              <a:t>,</a:t>
+            </a:r>
+            <a:r>
+              <a:rPr lang="de-DE" sz="2000" b="0" dirty="0">
+                <a:solidFill>
+                  <a:srgbClr val="7030A0"/>
+                </a:solidFill>
+                <a:effectLst/>
+                <a:latin typeface="Consolas" panose="020B0609020204030204" pitchFamily="49" charset="0"/>
+              </a:rPr>
+              <a:t> </a:t>
+            </a:r>
+            <a:r>
+              <a:rPr lang="de-DE" sz="2000" b="0" dirty="0">
+                <a:solidFill>
+                  <a:schemeClr val="accent6">
+                    <a:lumMod val="75000"/>
+                  </a:schemeClr>
+                </a:solidFill>
+                <a:effectLst/>
+                <a:latin typeface="Consolas" panose="020B0609020204030204" pitchFamily="49" charset="0"/>
+              </a:rPr>
+              <a:t>W</a:t>
+            </a:r>
+            <a:r>
+              <a:rPr lang="de-DE" sz="2000" b="0" dirty="0">
+                <a:solidFill>
+                  <a:schemeClr val="bg1"/>
+                </a:solidFill>
+                <a:effectLst/>
+                <a:latin typeface="Consolas" panose="020B0609020204030204" pitchFamily="49" charset="0"/>
+              </a:rPr>
+              <a:t> und </a:t>
+            </a:r>
+            <a:r>
+              <a:rPr lang="de-DE" sz="2000" b="0" dirty="0">
+                <a:solidFill>
+                  <a:srgbClr val="FFFF00"/>
+                </a:solidFill>
+                <a:effectLst/>
+                <a:latin typeface="Consolas" panose="020B0609020204030204" pitchFamily="49" charset="0"/>
+              </a:rPr>
+              <a:t>D</a:t>
+            </a:r>
+            <a:r>
+              <a:rPr lang="de-DE" sz="2000" b="0" dirty="0">
+                <a:solidFill>
+                  <a:srgbClr val="7030A0"/>
+                </a:solidFill>
+                <a:effectLst/>
+                <a:latin typeface="Consolas" panose="020B0609020204030204" pitchFamily="49" charset="0"/>
+              </a:rPr>
+              <a:t> </a:t>
+            </a:r>
+            <a:r>
+              <a:rPr lang="de-DE" sz="2000" b="0" dirty="0">
+                <a:solidFill>
+                  <a:schemeClr val="bg1"/>
+                </a:solidFill>
+                <a:effectLst/>
+                <a:latin typeface="Consolas" panose="020B0609020204030204" pitchFamily="49" charset="0"/>
+              </a:rPr>
+              <a:t>und den </a:t>
+            </a:r>
+            <a:r>
+              <a:rPr lang="de-DE" sz="2000" b="0" dirty="0">
+                <a:solidFill>
+                  <a:srgbClr val="00B0F0"/>
+                </a:solidFill>
+                <a:effectLst/>
+                <a:latin typeface="Consolas" panose="020B0609020204030204" pitchFamily="49" charset="0"/>
+              </a:rPr>
+              <a:t>Daumen</a:t>
+            </a:r>
+            <a:r>
+              <a:rPr lang="de-DE" sz="2000" b="0" dirty="0">
+                <a:solidFill>
+                  <a:schemeClr val="bg1"/>
+                </a:solidFill>
+                <a:effectLst/>
+                <a:latin typeface="Consolas" panose="020B0609020204030204" pitchFamily="49" charset="0"/>
+              </a:rPr>
+              <a:t> der </a:t>
+            </a:r>
+            <a:r>
+              <a:rPr lang="de-DE" sz="2000" b="0" dirty="0">
+                <a:solidFill>
+                  <a:srgbClr val="00B0F0"/>
+                </a:solidFill>
+                <a:effectLst/>
+                <a:latin typeface="Consolas" panose="020B0609020204030204" pitchFamily="49" charset="0"/>
+              </a:rPr>
+              <a:t>linken</a:t>
+            </a:r>
+            <a:r>
+              <a:rPr lang="de-DE" sz="2000" b="0" dirty="0">
+                <a:solidFill>
+                  <a:schemeClr val="bg1"/>
+                </a:solidFill>
+                <a:effectLst/>
+                <a:latin typeface="Consolas" panose="020B0609020204030204" pitchFamily="49" charset="0"/>
+              </a:rPr>
+              <a:t> Hand auf die </a:t>
+            </a:r>
+            <a:r>
+              <a:rPr lang="de-DE" sz="2000" b="0" dirty="0">
+                <a:solidFill>
+                  <a:srgbClr val="00B0F0"/>
+                </a:solidFill>
+                <a:effectLst/>
+                <a:latin typeface="Consolas" panose="020B0609020204030204" pitchFamily="49" charset="0"/>
+              </a:rPr>
+              <a:t>Leertaste</a:t>
+            </a:r>
+            <a:r>
+              <a:rPr lang="de-DE" sz="2000" b="0" dirty="0">
+                <a:solidFill>
+                  <a:schemeClr val="bg1"/>
+                </a:solidFill>
+                <a:effectLst/>
+                <a:latin typeface="Consolas" panose="020B0609020204030204" pitchFamily="49" charset="0"/>
+              </a:rPr>
+              <a:t>.</a:t>
+            </a:r>
+          </a:p>
+          <a:p>
+            <a:pPr algn="ctr"/>
+            <a:endParaRPr lang="de-DE" dirty="0">
+              <a:solidFill>
+                <a:schemeClr val="bg1"/>
+              </a:solidFill>
+              <a:sym typeface="Wingdings" panose="05000000000000000000" pitchFamily="2" charset="2"/>
+            </a:endParaRPr>
+          </a:p>
+          <a:p>
+            <a:pPr algn="ctr"/>
+            <a:endParaRPr lang="de-DE" dirty="0">
+              <a:solidFill>
+                <a:schemeClr val="bg1"/>
+              </a:solidFill>
+              <a:sym typeface="Wingdings" panose="05000000000000000000" pitchFamily="2" charset="2"/>
+            </a:endParaRPr>
+          </a:p>
+          <a:p>
+            <a:pPr algn="ctr"/>
+            <a:endParaRPr lang="de-DE" dirty="0">
+              <a:solidFill>
+                <a:schemeClr val="bg1"/>
+              </a:solidFill>
+              <a:sym typeface="Wingdings" panose="05000000000000000000" pitchFamily="2" charset="2"/>
+            </a:endParaRPr>
+          </a:p>
+          <a:p>
+            <a:pPr algn="ctr"/>
+            <a:endParaRPr lang="de-DE" sz="2000" dirty="0">
+              <a:solidFill>
+                <a:schemeClr val="bg1"/>
+              </a:solidFill>
+              <a:sym typeface="Wingdings" panose="05000000000000000000" pitchFamily="2" charset="2"/>
+            </a:endParaRPr>
+          </a:p>
+          <a:p>
+            <a:pPr algn="ctr"/>
+            <a:endParaRPr lang="de-DE" sz="2000" dirty="0">
+              <a:solidFill>
+                <a:schemeClr val="bg1"/>
+              </a:solidFill>
+              <a:sym typeface="Wingdings" panose="05000000000000000000" pitchFamily="2" charset="2"/>
+            </a:endParaRPr>
+          </a:p>
+          <a:p>
+            <a:pPr algn="ctr"/>
+            <a:endParaRPr lang="de-DE" sz="2000" dirty="0">
+              <a:solidFill>
+                <a:schemeClr val="bg1"/>
+              </a:solidFill>
+              <a:sym typeface="Wingdings" panose="05000000000000000000" pitchFamily="2" charset="2"/>
+            </a:endParaRPr>
+          </a:p>
+          <a:p>
+            <a:pPr algn="ctr"/>
+            <a:endParaRPr lang="de-DE" sz="2000" dirty="0">
+              <a:solidFill>
+                <a:schemeClr val="bg1"/>
+              </a:solidFill>
+              <a:sym typeface="Wingdings" panose="05000000000000000000" pitchFamily="2" charset="2"/>
+            </a:endParaRPr>
+          </a:p>
+          <a:p>
+            <a:pPr algn="ctr"/>
+            <a:endParaRPr lang="de-DE" sz="2000" dirty="0">
+              <a:solidFill>
+                <a:schemeClr val="bg1"/>
+              </a:solidFill>
+              <a:sym typeface="Wingdings" panose="05000000000000000000" pitchFamily="2" charset="2"/>
+            </a:endParaRPr>
+          </a:p>
+          <a:p>
+            <a:pPr algn="ctr"/>
+            <a:endParaRPr lang="de-DE" sz="2000" dirty="0">
+              <a:solidFill>
+                <a:schemeClr val="bg1"/>
+              </a:solidFill>
+              <a:sym typeface="Wingdings" panose="05000000000000000000" pitchFamily="2" charset="2"/>
+            </a:endParaRPr>
+          </a:p>
+          <a:p>
+            <a:pPr algn="ctr"/>
+            <a:endParaRPr lang="de-DE" sz="2000" dirty="0">
+              <a:solidFill>
+                <a:schemeClr val="bg1"/>
+              </a:solidFill>
+              <a:sym typeface="Wingdings" panose="05000000000000000000" pitchFamily="2" charset="2"/>
+            </a:endParaRPr>
+          </a:p>
+          <a:p>
+            <a:pPr algn="ctr"/>
+            <a:endParaRPr lang="de-DE" sz="2000" dirty="0">
+              <a:solidFill>
+                <a:schemeClr val="bg1"/>
+              </a:solidFill>
+              <a:sym typeface="Wingdings" panose="05000000000000000000" pitchFamily="2" charset="2"/>
+            </a:endParaRPr>
+          </a:p>
+          <a:p>
+            <a:pPr algn="ctr"/>
+            <a:r>
+              <a:rPr lang="de-DE" sz="2000" dirty="0">
+                <a:solidFill>
+                  <a:schemeClr val="bg1"/>
+                </a:solidFill>
+                <a:sym typeface="Wingdings" panose="05000000000000000000" pitchFamily="2" charset="2"/>
+              </a:rPr>
+              <a:t>Bitte die </a:t>
+            </a:r>
+            <a:r>
+              <a:rPr lang="de-DE" sz="2000" b="1" dirty="0">
+                <a:solidFill>
+                  <a:schemeClr val="bg1"/>
+                </a:solidFill>
+                <a:sym typeface="Wingdings" panose="05000000000000000000" pitchFamily="2" charset="2"/>
+              </a:rPr>
+              <a:t>LEERTASTE</a:t>
+            </a:r>
+            <a:r>
+              <a:rPr lang="de-DE" sz="2000" dirty="0">
+                <a:solidFill>
+                  <a:schemeClr val="bg1"/>
+                </a:solidFill>
+                <a:sym typeface="Wingdings" panose="05000000000000000000" pitchFamily="2" charset="2"/>
+              </a:rPr>
+              <a:t> drücken, um fortzufahren</a:t>
+            </a:r>
+            <a:endParaRPr lang="de-DE" sz="2000" dirty="0">
+              <a:solidFill>
+                <a:schemeClr val="bg1"/>
+              </a:solidFill>
+            </a:endParaRPr>
+          </a:p>
+        </p:txBody>
+      </p:sp>
+      <p:pic>
+        <p:nvPicPr>
+          <p:cNvPr id="3" name="Grafik 2">
+            <a:extLst>
+              <a:ext uri="{FF2B5EF4-FFF2-40B4-BE49-F238E27FC236}">
+                <a16:creationId xmlns:a16="http://schemas.microsoft.com/office/drawing/2014/main" id="{4CA607E6-115D-5B54-F6A6-ABBC5C63474C}"/>
+              </a:ext>
+            </a:extLst>
+          </p:cNvPr>
+          <p:cNvPicPr>
+            <a:picLocks noChangeAspect="1"/>
+          </p:cNvPicPr>
+          <p:nvPr/>
+        </p:nvPicPr>
+        <p:blipFill>
+          <a:blip r:embed="rId2">
+            <a:extLst>
+              <a:ext uri="{28A0092B-C50C-407E-A947-70E740481C1C}">
+                <a14:useLocalDpi xmlns:a14="http://schemas.microsoft.com/office/drawing/2010/main" val="0"/>
+              </a:ext>
+            </a:extLst>
+          </a:blip>
+          <a:stretch>
+            <a:fillRect/>
+          </a:stretch>
+        </p:blipFill>
+        <p:spPr>
+          <a:xfrm>
+            <a:off x="2720283" y="3057526"/>
+            <a:ext cx="6502400" cy="2175461"/>
+          </a:xfrm>
+          <a:prstGeom prst="rect">
+            <a:avLst/>
+          </a:prstGeom>
+        </p:spPr>
+      </p:pic>
+      <p:sp>
+        <p:nvSpPr>
+          <p:cNvPr id="2" name="Rechteck: abgerundete Ecken 1">
+            <a:extLst>
+              <a:ext uri="{FF2B5EF4-FFF2-40B4-BE49-F238E27FC236}">
+                <a16:creationId xmlns:a16="http://schemas.microsoft.com/office/drawing/2014/main" id="{218BF682-B81F-9C8B-DA7B-231B96891B09}"/>
+              </a:ext>
+            </a:extLst>
+          </p:cNvPr>
+          <p:cNvSpPr/>
+          <p:nvPr/>
+        </p:nvSpPr>
+        <p:spPr>
+          <a:xfrm>
+            <a:off x="3260785" y="4192438"/>
+            <a:ext cx="232913" cy="224287"/>
+          </a:xfrm>
+          <a:prstGeom prst="roundRect">
+            <a:avLst/>
+          </a:prstGeom>
+          <a:noFill/>
+          <a:ln w="38100">
+            <a:solidFill>
+              <a:srgbClr val="FF0000"/>
+            </a:solidFill>
+          </a:ln>
+        </p:spPr>
+        <p:style>
+          <a:lnRef idx="2">
+            <a:schemeClr val="accent1">
+              <a:shade val="15000"/>
+            </a:schemeClr>
+          </a:lnRef>
+          <a:fillRef idx="1">
+            <a:schemeClr val="accent1"/>
+          </a:fillRef>
+          <a:effectRef idx="0">
+            <a:schemeClr val="accent1"/>
+          </a:effectRef>
+          <a:fontRef idx="minor">
+            <a:schemeClr val="lt1"/>
+          </a:fontRef>
+        </p:style>
+        <p:txBody>
+          <a:bodyPr rtlCol="0" anchor="ctr"/>
+          <a:lstStyle/>
+          <a:p>
+            <a:pPr algn="ctr"/>
+            <a:endParaRPr lang="de-DE"/>
+          </a:p>
+        </p:txBody>
+      </p:sp>
+      <p:sp>
+        <p:nvSpPr>
+          <p:cNvPr id="11" name="Rechteck: abgerundete Ecken 10">
+            <a:extLst>
+              <a:ext uri="{FF2B5EF4-FFF2-40B4-BE49-F238E27FC236}">
+                <a16:creationId xmlns:a16="http://schemas.microsoft.com/office/drawing/2014/main" id="{48634B3C-C26C-D304-43E0-978C5D3ABBED}"/>
+              </a:ext>
+            </a:extLst>
+          </p:cNvPr>
+          <p:cNvSpPr/>
+          <p:nvPr/>
+        </p:nvSpPr>
+        <p:spPr>
+          <a:xfrm>
+            <a:off x="3809913" y="4192438"/>
+            <a:ext cx="232913" cy="224287"/>
+          </a:xfrm>
+          <a:prstGeom prst="roundRect">
+            <a:avLst/>
+          </a:prstGeom>
+          <a:noFill/>
+          <a:ln w="38100">
+            <a:solidFill>
+              <a:srgbClr val="FFFF00"/>
+            </a:solidFill>
+          </a:ln>
+        </p:spPr>
+        <p:style>
+          <a:lnRef idx="2">
+            <a:schemeClr val="accent1">
+              <a:shade val="15000"/>
+            </a:schemeClr>
+          </a:lnRef>
+          <a:fillRef idx="1">
+            <a:schemeClr val="accent1"/>
+          </a:fillRef>
+          <a:effectRef idx="0">
+            <a:schemeClr val="accent1"/>
+          </a:effectRef>
+          <a:fontRef idx="minor">
+            <a:schemeClr val="lt1"/>
+          </a:fontRef>
+        </p:style>
+        <p:txBody>
+          <a:bodyPr rtlCol="0" anchor="ctr"/>
+          <a:lstStyle/>
+          <a:p>
+            <a:pPr algn="ctr"/>
+            <a:endParaRPr lang="de-DE"/>
+          </a:p>
+        </p:txBody>
+      </p:sp>
+      <p:sp>
+        <p:nvSpPr>
+          <p:cNvPr id="12" name="Rechteck: abgerundete Ecken 11">
+            <a:extLst>
+              <a:ext uri="{FF2B5EF4-FFF2-40B4-BE49-F238E27FC236}">
+                <a16:creationId xmlns:a16="http://schemas.microsoft.com/office/drawing/2014/main" id="{EC21962E-6EDB-9B67-597D-15EA88A76E75}"/>
+              </a:ext>
+            </a:extLst>
+          </p:cNvPr>
+          <p:cNvSpPr/>
+          <p:nvPr/>
+        </p:nvSpPr>
+        <p:spPr>
+          <a:xfrm>
+            <a:off x="3926369" y="4744528"/>
+            <a:ext cx="1603163" cy="362310"/>
+          </a:xfrm>
+          <a:prstGeom prst="roundRect">
+            <a:avLst/>
+          </a:prstGeom>
+          <a:noFill/>
+          <a:ln w="38100">
+            <a:solidFill>
+              <a:srgbClr val="00B0F0"/>
+            </a:solidFill>
+          </a:ln>
+        </p:spPr>
+        <p:style>
+          <a:lnRef idx="2">
+            <a:schemeClr val="accent1">
+              <a:shade val="15000"/>
+            </a:schemeClr>
+          </a:lnRef>
+          <a:fillRef idx="1">
+            <a:schemeClr val="accent1"/>
+          </a:fillRef>
+          <a:effectRef idx="0">
+            <a:schemeClr val="accent1"/>
+          </a:effectRef>
+          <a:fontRef idx="minor">
+            <a:schemeClr val="lt1"/>
+          </a:fontRef>
+        </p:style>
+        <p:txBody>
+          <a:bodyPr rtlCol="0" anchor="ctr"/>
+          <a:lstStyle/>
+          <a:p>
+            <a:pPr algn="ctr"/>
+            <a:endParaRPr lang="de-DE"/>
+          </a:p>
+        </p:txBody>
+      </p:sp>
+      <p:sp>
+        <p:nvSpPr>
+          <p:cNvPr id="5" name="Rechteck: abgerundete Ecken 4">
+            <a:extLst>
+              <a:ext uri="{FF2B5EF4-FFF2-40B4-BE49-F238E27FC236}">
+                <a16:creationId xmlns:a16="http://schemas.microsoft.com/office/drawing/2014/main" id="{445D6E5A-120A-BC0B-0445-7A2AF9362238}"/>
+              </a:ext>
+            </a:extLst>
+          </p:cNvPr>
+          <p:cNvSpPr/>
+          <p:nvPr/>
+        </p:nvSpPr>
+        <p:spPr>
+          <a:xfrm>
+            <a:off x="3493698" y="3890513"/>
+            <a:ext cx="232913" cy="224287"/>
+          </a:xfrm>
+          <a:prstGeom prst="roundRect">
+            <a:avLst/>
+          </a:prstGeom>
+          <a:noFill/>
+          <a:ln w="38100">
+            <a:solidFill>
+              <a:schemeClr val="accent6">
+                <a:lumMod val="75000"/>
+              </a:schemeClr>
+            </a:solidFill>
+          </a:ln>
+        </p:spPr>
+        <p:style>
+          <a:lnRef idx="2">
+            <a:schemeClr val="accent1">
+              <a:shade val="15000"/>
+            </a:schemeClr>
+          </a:lnRef>
+          <a:fillRef idx="1">
+            <a:schemeClr val="accent1"/>
+          </a:fillRef>
+          <a:effectRef idx="0">
+            <a:schemeClr val="accent1"/>
+          </a:effectRef>
+          <a:fontRef idx="minor">
+            <a:schemeClr val="lt1"/>
+          </a:fontRef>
+        </p:style>
+        <p:txBody>
+          <a:bodyPr rtlCol="0" anchor="ctr"/>
+          <a:lstStyle/>
+          <a:p>
+            <a:pPr algn="ctr"/>
+            <a:endParaRPr lang="de-DE"/>
+          </a:p>
+        </p:txBody>
+      </p:sp>
+    </p:spTree>
+    <p:extLst>
+      <p:ext uri="{BB962C8B-B14F-4D97-AF65-F5344CB8AC3E}">
+        <p14:creationId xmlns:p14="http://schemas.microsoft.com/office/powerpoint/2010/main" val="3664070061"/>
+      </p:ext>
+    </p:extLst>
+  </p:cSld>
+  <p:clrMapOvr>
+    <a:masterClrMapping/>
+  </p:clrMapOvr>
+</p:sld>
+</file>
+
 <file path=ppt/slides/slide2.xml><?xml version="1.0" encoding="utf-8"?>
 <p:sld xmlns:a="http://schemas.openxmlformats.org/drawingml/2006/main" xmlns:r="http://schemas.openxmlformats.org/officeDocument/2006/relationships" xmlns:p="http://schemas.openxmlformats.org/presentationml/2006/main">
   <p:cSld>
@@ -3723,7 +6705,469 @@
 </p:sld>
 </file>
 
-<file path=ppt/slides/slide3.xml><?xml version="1.0" encoding="utf-8"?>
+<file path=ppt/slides/slide20.xml><?xml version="1.0" encoding="utf-8"?>
+<p:sld xmlns:a="http://schemas.openxmlformats.org/drawingml/2006/main" xmlns:r="http://schemas.openxmlformats.org/officeDocument/2006/relationships" xmlns:p="http://schemas.openxmlformats.org/presentationml/2006/main">
+  <p:cSld>
+    <p:bg>
+      <p:bgPr>
+        <a:solidFill>
+          <a:schemeClr val="tx1"/>
+        </a:solidFill>
+        <a:effectLst/>
+      </p:bgPr>
+    </p:bg>
+    <p:spTree>
+      <p:nvGrpSpPr>
+        <p:cNvPr id="1" name="">
+          <a:extLst>
+            <a:ext uri="{FF2B5EF4-FFF2-40B4-BE49-F238E27FC236}">
+              <a16:creationId xmlns:a16="http://schemas.microsoft.com/office/drawing/2014/main" id="{2F555E54-302D-FAF5-8B61-33E8328B6B4F}"/>
+            </a:ext>
+          </a:extLst>
+        </p:cNvPr>
+        <p:cNvGrpSpPr/>
+        <p:nvPr/>
+      </p:nvGrpSpPr>
+      <p:grpSpPr>
+        <a:xfrm>
+          <a:off x="0" y="0"/>
+          <a:ext cx="0" cy="0"/>
+          <a:chOff x="0" y="0"/>
+          <a:chExt cx="0" cy="0"/>
+        </a:xfrm>
+      </p:grpSpPr>
+      <p:sp>
+        <p:nvSpPr>
+          <p:cNvPr id="4" name="Textfeld 3">
+            <a:extLst>
+              <a:ext uri="{FF2B5EF4-FFF2-40B4-BE49-F238E27FC236}">
+                <a16:creationId xmlns:a16="http://schemas.microsoft.com/office/drawing/2014/main" id="{7BAA204B-745F-1A14-8016-08FF53D32972}"/>
+              </a:ext>
+            </a:extLst>
+          </p:cNvPr>
+          <p:cNvSpPr txBox="1"/>
+          <p:nvPr/>
+        </p:nvSpPr>
+        <p:spPr>
+          <a:xfrm>
+            <a:off x="1603888" y="1751291"/>
+            <a:ext cx="7954179" cy="2585323"/>
+          </a:xfrm>
+          <a:prstGeom prst="rect">
+            <a:avLst/>
+          </a:prstGeom>
+          <a:noFill/>
+        </p:spPr>
+        <p:txBody>
+          <a:bodyPr wrap="square" rtlCol="0">
+            <a:spAutoFit/>
+          </a:bodyPr>
+          <a:lstStyle/>
+          <a:p>
+            <a:pPr algn="ctr"/>
+            <a:r>
+              <a:rPr lang="de-DE" sz="4400" dirty="0">
+                <a:solidFill>
+                  <a:schemeClr val="bg1"/>
+                </a:solidFill>
+                <a:latin typeface="Consolas" panose="020B0609020204030204" pitchFamily="49" charset="0"/>
+              </a:rPr>
+              <a:t>Gut gemacht!</a:t>
+            </a:r>
+          </a:p>
+          <a:p>
+            <a:pPr algn="ctr"/>
+            <a:r>
+              <a:rPr lang="de-DE" sz="4400" b="0" dirty="0">
+                <a:solidFill>
+                  <a:schemeClr val="bg1"/>
+                </a:solidFill>
+                <a:effectLst/>
+                <a:latin typeface="Consolas" panose="020B0609020204030204" pitchFamily="49" charset="0"/>
+              </a:rPr>
+              <a:t>Das war das dritte Spiel.</a:t>
+            </a:r>
+          </a:p>
+          <a:p>
+            <a:pPr algn="ctr"/>
+            <a:endParaRPr lang="de-DE" dirty="0">
+              <a:solidFill>
+                <a:schemeClr val="bg1"/>
+              </a:solidFill>
+              <a:sym typeface="Wingdings" panose="05000000000000000000" pitchFamily="2" charset="2"/>
+            </a:endParaRPr>
+          </a:p>
+          <a:p>
+            <a:pPr algn="ctr"/>
+            <a:endParaRPr lang="de-DE" dirty="0">
+              <a:solidFill>
+                <a:schemeClr val="bg1"/>
+              </a:solidFill>
+              <a:sym typeface="Wingdings" panose="05000000000000000000" pitchFamily="2" charset="2"/>
+            </a:endParaRPr>
+          </a:p>
+          <a:p>
+            <a:pPr algn="ctr"/>
+            <a:endParaRPr lang="de-DE" dirty="0">
+              <a:solidFill>
+                <a:schemeClr val="bg1"/>
+              </a:solidFill>
+              <a:sym typeface="Wingdings" panose="05000000000000000000" pitchFamily="2" charset="2"/>
+            </a:endParaRPr>
+          </a:p>
+          <a:p>
+            <a:pPr algn="ctr"/>
+            <a:r>
+              <a:rPr lang="de-DE" sz="2000" dirty="0">
+                <a:solidFill>
+                  <a:schemeClr val="bg1"/>
+                </a:solidFill>
+                <a:sym typeface="Wingdings" panose="05000000000000000000" pitchFamily="2" charset="2"/>
+              </a:rPr>
+              <a:t>Bitte die </a:t>
+            </a:r>
+            <a:r>
+              <a:rPr lang="de-DE" sz="2000" b="1" dirty="0">
+                <a:solidFill>
+                  <a:schemeClr val="bg1"/>
+                </a:solidFill>
+                <a:sym typeface="Wingdings" panose="05000000000000000000" pitchFamily="2" charset="2"/>
+              </a:rPr>
+              <a:t>LEERTASTE</a:t>
+            </a:r>
+            <a:r>
+              <a:rPr lang="de-DE" sz="2000" dirty="0">
+                <a:solidFill>
+                  <a:schemeClr val="bg1"/>
+                </a:solidFill>
+                <a:sym typeface="Wingdings" panose="05000000000000000000" pitchFamily="2" charset="2"/>
+              </a:rPr>
+              <a:t> drücken, um fortzufahren</a:t>
+            </a:r>
+            <a:endParaRPr lang="de-DE" sz="2000" dirty="0">
+              <a:solidFill>
+                <a:schemeClr val="bg1"/>
+              </a:solidFill>
+            </a:endParaRPr>
+          </a:p>
+        </p:txBody>
+      </p:sp>
+    </p:spTree>
+    <p:extLst>
+      <p:ext uri="{BB962C8B-B14F-4D97-AF65-F5344CB8AC3E}">
+        <p14:creationId xmlns:p14="http://schemas.microsoft.com/office/powerpoint/2010/main" val="1472450068"/>
+      </p:ext>
+    </p:extLst>
+  </p:cSld>
+  <p:clrMapOvr>
+    <a:masterClrMapping/>
+  </p:clrMapOvr>
+</p:sld>
+</file>
+
+<file path=ppt/slides/slide21.xml><?xml version="1.0" encoding="utf-8"?>
+<p:sld xmlns:a="http://schemas.openxmlformats.org/drawingml/2006/main" xmlns:r="http://schemas.openxmlformats.org/officeDocument/2006/relationships" xmlns:p="http://schemas.openxmlformats.org/presentationml/2006/main">
+  <p:cSld>
+    <p:bg>
+      <p:bgPr>
+        <a:solidFill>
+          <a:schemeClr val="tx1"/>
+        </a:solidFill>
+        <a:effectLst/>
+      </p:bgPr>
+    </p:bg>
+    <p:spTree>
+      <p:nvGrpSpPr>
+        <p:cNvPr id="1" name="">
+          <a:extLst>
+            <a:ext uri="{FF2B5EF4-FFF2-40B4-BE49-F238E27FC236}">
+              <a16:creationId xmlns:a16="http://schemas.microsoft.com/office/drawing/2014/main" id="{2F555E54-302D-FAF5-8B61-33E8328B6B4F}"/>
+            </a:ext>
+          </a:extLst>
+        </p:cNvPr>
+        <p:cNvGrpSpPr/>
+        <p:nvPr/>
+      </p:nvGrpSpPr>
+      <p:grpSpPr>
+        <a:xfrm>
+          <a:off x="0" y="0"/>
+          <a:ext cx="0" cy="0"/>
+          <a:chOff x="0" y="0"/>
+          <a:chExt cx="0" cy="0"/>
+        </a:xfrm>
+      </p:grpSpPr>
+      <p:sp>
+        <p:nvSpPr>
+          <p:cNvPr id="4" name="Textfeld 3">
+            <a:extLst>
+              <a:ext uri="{FF2B5EF4-FFF2-40B4-BE49-F238E27FC236}">
+                <a16:creationId xmlns:a16="http://schemas.microsoft.com/office/drawing/2014/main" id="{7BAA204B-745F-1A14-8016-08FF53D32972}"/>
+              </a:ext>
+            </a:extLst>
+          </p:cNvPr>
+          <p:cNvSpPr txBox="1"/>
+          <p:nvPr/>
+        </p:nvSpPr>
+        <p:spPr>
+          <a:xfrm>
+            <a:off x="1603888" y="1751291"/>
+            <a:ext cx="7954179" cy="3262432"/>
+          </a:xfrm>
+          <a:prstGeom prst="rect">
+            <a:avLst/>
+          </a:prstGeom>
+          <a:noFill/>
+        </p:spPr>
+        <p:txBody>
+          <a:bodyPr wrap="square" rtlCol="0">
+            <a:spAutoFit/>
+          </a:bodyPr>
+          <a:lstStyle/>
+          <a:p>
+            <a:pPr algn="ctr"/>
+            <a:r>
+              <a:rPr lang="de-DE" sz="4400" b="0" dirty="0">
+                <a:solidFill>
+                  <a:schemeClr val="bg1"/>
+                </a:solidFill>
+                <a:effectLst/>
+                <a:latin typeface="Consolas" panose="020B0609020204030204" pitchFamily="49" charset="0"/>
+              </a:rPr>
+              <a:t>Wenn Sie möchten, machen Sie eine kurze Pause und fahren dann fort.</a:t>
+            </a:r>
+          </a:p>
+          <a:p>
+            <a:pPr algn="ctr"/>
+            <a:endParaRPr lang="de-DE" dirty="0">
+              <a:solidFill>
+                <a:schemeClr val="bg1"/>
+              </a:solidFill>
+              <a:sym typeface="Wingdings" panose="05000000000000000000" pitchFamily="2" charset="2"/>
+            </a:endParaRPr>
+          </a:p>
+          <a:p>
+            <a:pPr algn="ctr"/>
+            <a:endParaRPr lang="de-DE" dirty="0">
+              <a:solidFill>
+                <a:schemeClr val="bg1"/>
+              </a:solidFill>
+              <a:sym typeface="Wingdings" panose="05000000000000000000" pitchFamily="2" charset="2"/>
+            </a:endParaRPr>
+          </a:p>
+          <a:p>
+            <a:pPr algn="ctr"/>
+            <a:endParaRPr lang="de-DE" dirty="0">
+              <a:solidFill>
+                <a:schemeClr val="bg1"/>
+              </a:solidFill>
+              <a:sym typeface="Wingdings" panose="05000000000000000000" pitchFamily="2" charset="2"/>
+            </a:endParaRPr>
+          </a:p>
+          <a:p>
+            <a:pPr algn="ctr"/>
+            <a:r>
+              <a:rPr lang="de-DE" sz="2000" dirty="0">
+                <a:solidFill>
+                  <a:schemeClr val="bg1"/>
+                </a:solidFill>
+                <a:sym typeface="Wingdings" panose="05000000000000000000" pitchFamily="2" charset="2"/>
+              </a:rPr>
+              <a:t>Bitte die </a:t>
+            </a:r>
+            <a:r>
+              <a:rPr lang="de-DE" sz="2000" b="1" dirty="0">
+                <a:solidFill>
+                  <a:schemeClr val="bg1"/>
+                </a:solidFill>
+                <a:sym typeface="Wingdings" panose="05000000000000000000" pitchFamily="2" charset="2"/>
+              </a:rPr>
+              <a:t>LEERTASTE</a:t>
+            </a:r>
+            <a:r>
+              <a:rPr lang="de-DE" sz="2000" dirty="0">
+                <a:solidFill>
+                  <a:schemeClr val="bg1"/>
+                </a:solidFill>
+                <a:sym typeface="Wingdings" panose="05000000000000000000" pitchFamily="2" charset="2"/>
+              </a:rPr>
+              <a:t> drücken, um fortzufahren</a:t>
+            </a:r>
+            <a:endParaRPr lang="de-DE" sz="2000" dirty="0">
+              <a:solidFill>
+                <a:schemeClr val="bg1"/>
+              </a:solidFill>
+            </a:endParaRPr>
+          </a:p>
+        </p:txBody>
+      </p:sp>
+    </p:spTree>
+    <p:extLst>
+      <p:ext uri="{BB962C8B-B14F-4D97-AF65-F5344CB8AC3E}">
+        <p14:creationId xmlns:p14="http://schemas.microsoft.com/office/powerpoint/2010/main" val="2621821630"/>
+      </p:ext>
+    </p:extLst>
+  </p:cSld>
+  <p:clrMapOvr>
+    <a:masterClrMapping/>
+  </p:clrMapOvr>
+</p:sld>
+</file>
+
+<file path=ppt/slides/slide22.xml><?xml version="1.0" encoding="utf-8"?>
+<p:sld xmlns:a="http://schemas.openxmlformats.org/drawingml/2006/main" xmlns:r="http://schemas.openxmlformats.org/officeDocument/2006/relationships" xmlns:p="http://schemas.openxmlformats.org/presentationml/2006/main">
+  <p:cSld>
+    <p:bg>
+      <p:bgPr>
+        <a:solidFill>
+          <a:schemeClr val="tx1"/>
+        </a:solidFill>
+        <a:effectLst/>
+      </p:bgPr>
+    </p:bg>
+    <p:spTree>
+      <p:nvGrpSpPr>
+        <p:cNvPr id="1" name="">
+          <a:extLst>
+            <a:ext uri="{FF2B5EF4-FFF2-40B4-BE49-F238E27FC236}">
+              <a16:creationId xmlns:a16="http://schemas.microsoft.com/office/drawing/2014/main" id="{2F555E54-302D-FAF5-8B61-33E8328B6B4F}"/>
+            </a:ext>
+          </a:extLst>
+        </p:cNvPr>
+        <p:cNvGrpSpPr/>
+        <p:nvPr/>
+      </p:nvGrpSpPr>
+      <p:grpSpPr>
+        <a:xfrm>
+          <a:off x="0" y="0"/>
+          <a:ext cx="0" cy="0"/>
+          <a:chOff x="0" y="0"/>
+          <a:chExt cx="0" cy="0"/>
+        </a:xfrm>
+      </p:grpSpPr>
+      <p:sp>
+        <p:nvSpPr>
+          <p:cNvPr id="4" name="Textfeld 3">
+            <a:extLst>
+              <a:ext uri="{FF2B5EF4-FFF2-40B4-BE49-F238E27FC236}">
+                <a16:creationId xmlns:a16="http://schemas.microsoft.com/office/drawing/2014/main" id="{7BAA204B-745F-1A14-8016-08FF53D32972}"/>
+              </a:ext>
+            </a:extLst>
+          </p:cNvPr>
+          <p:cNvSpPr txBox="1"/>
+          <p:nvPr/>
+        </p:nvSpPr>
+        <p:spPr>
+          <a:xfrm>
+            <a:off x="1603888" y="1751291"/>
+            <a:ext cx="8325115" cy="1908215"/>
+          </a:xfrm>
+          <a:prstGeom prst="rect">
+            <a:avLst/>
+          </a:prstGeom>
+          <a:noFill/>
+        </p:spPr>
+        <p:txBody>
+          <a:bodyPr wrap="square" rtlCol="0">
+            <a:spAutoFit/>
+          </a:bodyPr>
+          <a:lstStyle/>
+          <a:p>
+            <a:pPr algn="ctr"/>
+            <a:r>
+              <a:rPr lang="de-DE" sz="4400" dirty="0">
+                <a:solidFill>
+                  <a:schemeClr val="bg1"/>
+                </a:solidFill>
+                <a:latin typeface="Consolas" panose="020B0609020204030204" pitchFamily="49" charset="0"/>
+              </a:rPr>
+              <a:t>Weiter geht es zu Spiel 4!</a:t>
+            </a:r>
+            <a:endParaRPr lang="de-DE" sz="4400" b="0" dirty="0">
+              <a:solidFill>
+                <a:schemeClr val="bg1"/>
+              </a:solidFill>
+              <a:effectLst/>
+              <a:latin typeface="Consolas" panose="020B0609020204030204" pitchFamily="49" charset="0"/>
+            </a:endParaRPr>
+          </a:p>
+          <a:p>
+            <a:pPr algn="ctr"/>
+            <a:endParaRPr lang="de-DE" dirty="0">
+              <a:solidFill>
+                <a:schemeClr val="bg1"/>
+              </a:solidFill>
+              <a:sym typeface="Wingdings" panose="05000000000000000000" pitchFamily="2" charset="2"/>
+            </a:endParaRPr>
+          </a:p>
+          <a:p>
+            <a:pPr algn="ctr"/>
+            <a:endParaRPr lang="de-DE" dirty="0">
+              <a:solidFill>
+                <a:schemeClr val="bg1"/>
+              </a:solidFill>
+              <a:sym typeface="Wingdings" panose="05000000000000000000" pitchFamily="2" charset="2"/>
+            </a:endParaRPr>
+          </a:p>
+          <a:p>
+            <a:pPr algn="ctr"/>
+            <a:endParaRPr lang="de-DE" dirty="0">
+              <a:solidFill>
+                <a:schemeClr val="bg1"/>
+              </a:solidFill>
+              <a:sym typeface="Wingdings" panose="05000000000000000000" pitchFamily="2" charset="2"/>
+            </a:endParaRPr>
+          </a:p>
+          <a:p>
+            <a:pPr algn="ctr"/>
+            <a:r>
+              <a:rPr lang="de-DE" sz="2000" dirty="0">
+                <a:solidFill>
+                  <a:schemeClr val="bg1"/>
+                </a:solidFill>
+                <a:sym typeface="Wingdings" panose="05000000000000000000" pitchFamily="2" charset="2"/>
+              </a:rPr>
+              <a:t>Bitte die </a:t>
+            </a:r>
+            <a:r>
+              <a:rPr lang="de-DE" sz="2000" b="1" dirty="0">
+                <a:solidFill>
+                  <a:schemeClr val="bg1"/>
+                </a:solidFill>
+                <a:sym typeface="Wingdings" panose="05000000000000000000" pitchFamily="2" charset="2"/>
+              </a:rPr>
+              <a:t>LEERTASTE</a:t>
+            </a:r>
+            <a:r>
+              <a:rPr lang="de-DE" sz="2000" dirty="0">
+                <a:solidFill>
+                  <a:schemeClr val="bg1"/>
+                </a:solidFill>
+                <a:sym typeface="Wingdings" panose="05000000000000000000" pitchFamily="2" charset="2"/>
+              </a:rPr>
+              <a:t> drücken, um fortzufahren</a:t>
+            </a:r>
+            <a:endParaRPr lang="de-DE" sz="2000" dirty="0">
+              <a:solidFill>
+                <a:schemeClr val="bg1"/>
+              </a:solidFill>
+            </a:endParaRPr>
+          </a:p>
+        </p:txBody>
+      </p:sp>
+    </p:spTree>
+    <p:extLst>
+      <p:ext uri="{BB962C8B-B14F-4D97-AF65-F5344CB8AC3E}">
+        <p14:creationId xmlns:p14="http://schemas.microsoft.com/office/powerpoint/2010/main" val="2413988690"/>
+      </p:ext>
+    </p:extLst>
+  </p:cSld>
+  <p:clrMapOvr>
+    <a:masterClrMapping/>
+  </p:clrMapOvr>
+</p:sld>
+</file>
+
+<file path=ppt/slides/slide23.xml><?xml version="1.0" encoding="utf-8"?>
 <p:sld xmlns:a="http://schemas.openxmlformats.org/drawingml/2006/main" xmlns:r="http://schemas.openxmlformats.org/officeDocument/2006/relationships" xmlns:p="http://schemas.openxmlformats.org/presentationml/2006/main">
   <p:cSld>
     <p:bg>
@@ -3769,7 +7213,7 @@
         <p:spPr>
           <a:xfrm>
             <a:off x="1807089" y="181109"/>
-            <a:ext cx="7682846" cy="5847755"/>
+            <a:ext cx="7682846" cy="6155531"/>
           </a:xfrm>
           <a:prstGeom prst="rect">
             <a:avLst/>
@@ -3784,15 +7228,130 @@
           <a:p>
             <a:pPr algn="ctr"/>
             <a:r>
-              <a:rPr lang="de-DE" sz="3000" b="0" dirty="0">
-                <a:solidFill>
-                  <a:schemeClr val="bg1"/>
-                </a:solidFill>
-                <a:effectLst/>
-                <a:latin typeface="Consolas" panose="020B0609020204030204" pitchFamily="49" charset="0"/>
-              </a:rPr>
-              <a:t>Es geht darum, dass Sie nach links oder rechts steuern, um das an einer zufälligen Stelle erscheinende Monster zu erschießen.</a:t>
-            </a:r>
+              <a:rPr lang="de-DE" sz="2000" b="0" dirty="0">
+                <a:solidFill>
+                  <a:schemeClr val="bg1"/>
+                </a:solidFill>
+                <a:effectLst/>
+                <a:latin typeface="Consolas" panose="020B0609020204030204" pitchFamily="49" charset="0"/>
+              </a:rPr>
+              <a:t>Ihre Aufgabe ist es, den </a:t>
+            </a:r>
+            <a:r>
+              <a:rPr lang="de-DE" sz="2000" b="0" dirty="0">
+                <a:solidFill>
+                  <a:srgbClr val="FF0000"/>
+                </a:solidFill>
+                <a:effectLst/>
+                <a:latin typeface="Consolas" panose="020B0609020204030204" pitchFamily="49" charset="0"/>
+              </a:rPr>
+              <a:t>Feuerbällen</a:t>
+            </a:r>
+            <a:r>
+              <a:rPr lang="de-DE" sz="2000" b="0" dirty="0">
+                <a:solidFill>
+                  <a:schemeClr val="bg1"/>
+                </a:solidFill>
+                <a:effectLst/>
+                <a:latin typeface="Consolas" panose="020B0609020204030204" pitchFamily="49" charset="0"/>
+              </a:rPr>
+              <a:t> so lange wie möglich auszuweichen. Zu viele Treffer auf Sie und das Spiel ist zu Ende. </a:t>
+            </a:r>
+            <a:r>
+              <a:rPr lang="de-DE" sz="2000" b="0" u="sng" dirty="0">
+                <a:solidFill>
+                  <a:schemeClr val="bg1"/>
+                </a:solidFill>
+                <a:effectLst/>
+                <a:latin typeface="Consolas" panose="020B0609020204030204" pitchFamily="49" charset="0"/>
+              </a:rPr>
+              <a:t>Achtung</a:t>
+            </a:r>
+            <a:r>
+              <a:rPr lang="de-DE" sz="2000" b="0" dirty="0">
+                <a:solidFill>
+                  <a:schemeClr val="bg1"/>
+                </a:solidFill>
+                <a:effectLst/>
+                <a:latin typeface="Consolas" panose="020B0609020204030204" pitchFamily="49" charset="0"/>
+              </a:rPr>
+              <a:t>: Es werden mit der Zeit </a:t>
+            </a:r>
+            <a:r>
+              <a:rPr lang="de-DE" sz="2000" b="1" dirty="0">
+                <a:solidFill>
+                  <a:schemeClr val="bg1"/>
+                </a:solidFill>
+                <a:effectLst/>
+                <a:latin typeface="Consolas" panose="020B0609020204030204" pitchFamily="49" charset="0"/>
+              </a:rPr>
+              <a:t>imme</a:t>
+            </a:r>
+            <a:r>
+              <a:rPr lang="de-DE" sz="2000" b="1" dirty="0">
+                <a:solidFill>
+                  <a:schemeClr val="bg1"/>
+                </a:solidFill>
+                <a:latin typeface="Consolas" panose="020B0609020204030204" pitchFamily="49" charset="0"/>
+              </a:rPr>
+              <a:t>r mehr</a:t>
+            </a:r>
+            <a:r>
+              <a:rPr lang="de-DE" sz="2000" dirty="0">
+                <a:solidFill>
+                  <a:schemeClr val="bg1"/>
+                </a:solidFill>
+                <a:latin typeface="Consolas" panose="020B0609020204030204" pitchFamily="49" charset="0"/>
+              </a:rPr>
+              <a:t> Kreaturen und damit auch </a:t>
+            </a:r>
+            <a:r>
+              <a:rPr lang="de-DE" sz="2000" b="1" dirty="0">
+                <a:solidFill>
+                  <a:schemeClr val="bg1"/>
+                </a:solidFill>
+                <a:latin typeface="Consolas" panose="020B0609020204030204" pitchFamily="49" charset="0"/>
+              </a:rPr>
+              <a:t>immer mehr Feuerbälle</a:t>
+            </a:r>
+            <a:r>
+              <a:rPr lang="de-DE" sz="2000" dirty="0">
+                <a:solidFill>
+                  <a:schemeClr val="bg1"/>
+                </a:solidFill>
+                <a:latin typeface="Consolas" panose="020B0609020204030204" pitchFamily="49" charset="0"/>
+              </a:rPr>
+              <a:t>.</a:t>
+            </a:r>
+          </a:p>
+          <a:p>
+            <a:pPr algn="ctr"/>
+            <a:endParaRPr lang="de-DE" sz="2000" b="0" dirty="0">
+              <a:solidFill>
+                <a:schemeClr val="bg1"/>
+              </a:solidFill>
+              <a:effectLst/>
+              <a:latin typeface="Consolas" panose="020B0609020204030204" pitchFamily="49" charset="0"/>
+            </a:endParaRPr>
+          </a:p>
+          <a:p>
+            <a:pPr algn="ctr"/>
+            <a:endParaRPr lang="de-DE" sz="2000" dirty="0">
+              <a:solidFill>
+                <a:schemeClr val="bg1"/>
+              </a:solidFill>
+              <a:latin typeface="Consolas" panose="020B0609020204030204" pitchFamily="49" charset="0"/>
+            </a:endParaRPr>
+          </a:p>
+          <a:p>
+            <a:pPr algn="ctr"/>
+            <a:endParaRPr lang="de-DE" sz="3200" b="0" dirty="0">
+              <a:solidFill>
+                <a:schemeClr val="bg1"/>
+              </a:solidFill>
+              <a:effectLst/>
+              <a:latin typeface="Consolas" panose="020B0609020204030204" pitchFamily="49" charset="0"/>
+            </a:endParaRPr>
           </a:p>
           <a:p>
             <a:pPr algn="ctr"/>
@@ -3800,16 +7359,6 @@
               <a:solidFill>
                 <a:schemeClr val="bg1"/>
               </a:solidFill>
-              <a:latin typeface="Consolas" panose="020B0609020204030204" pitchFamily="49" charset="0"/>
-            </a:endParaRPr>
-          </a:p>
-          <a:p>
-            <a:pPr algn="ctr"/>
-            <a:endParaRPr lang="de-DE" sz="3200" b="0" dirty="0">
-              <a:solidFill>
-                <a:schemeClr val="bg1"/>
-              </a:solidFill>
-              <a:effectLst/>
               <a:latin typeface="Consolas" panose="020B0609020204030204" pitchFamily="49" charset="0"/>
             </a:endParaRPr>
           </a:p>
@@ -3917,10 +7466,10 @@
       </p:sp>
       <p:pic>
         <p:nvPicPr>
-          <p:cNvPr id="3" name="Grafik 2" descr="Ein Bild, das Screenshot, PC-Spiel, 3D-Modellierung, Digitales Compositing enthält.&#10;&#10;Automatisch generierte Beschreibung">
-            <a:extLst>
-              <a:ext uri="{FF2B5EF4-FFF2-40B4-BE49-F238E27FC236}">
-                <a16:creationId xmlns:a16="http://schemas.microsoft.com/office/drawing/2014/main" id="{0ED68A27-946B-E001-7E1E-A64DC3BC62F9}"/>
+          <p:cNvPr id="3" name="Grafik 2" descr="Ein Bild, das Screenshot, PC-Spiel, Spielesoftware, Kugel enthält.&#10;&#10;Automatisch generierte Beschreibung">
+            <a:extLst>
+              <a:ext uri="{FF2B5EF4-FFF2-40B4-BE49-F238E27FC236}">
+                <a16:creationId xmlns:a16="http://schemas.microsoft.com/office/drawing/2014/main" id="{B1104E6B-BA67-5763-B5DF-F545A38F5291}"/>
               </a:ext>
             </a:extLst>
           </p:cNvPr>
@@ -3943,18 +7492,122 @@
         </p:blipFill>
         <p:spPr>
           <a:xfrm>
-            <a:off x="3287490" y="2124363"/>
-            <a:ext cx="4496815" cy="3477490"/>
+            <a:off x="2941607" y="1789294"/>
+            <a:ext cx="5231052" cy="4033535"/>
           </a:xfrm>
           <a:prstGeom prst="rect">
             <a:avLst/>
           </a:prstGeom>
         </p:spPr>
       </p:pic>
+      <p:sp>
+        <p:nvSpPr>
+          <p:cNvPr id="5" name="Ellipse 4">
+            <a:extLst>
+              <a:ext uri="{FF2B5EF4-FFF2-40B4-BE49-F238E27FC236}">
+                <a16:creationId xmlns:a16="http://schemas.microsoft.com/office/drawing/2014/main" id="{C8BE9D28-2E2C-2FCB-1F97-057682E6CFB2}"/>
+              </a:ext>
+            </a:extLst>
+          </p:cNvPr>
+          <p:cNvSpPr/>
+          <p:nvPr/>
+        </p:nvSpPr>
+        <p:spPr>
+          <a:xfrm>
+            <a:off x="3485072" y="3873260"/>
+            <a:ext cx="1190445" cy="1069676"/>
+          </a:xfrm>
+          <a:prstGeom prst="ellipse">
+            <a:avLst/>
+          </a:prstGeom>
+          <a:noFill/>
+          <a:ln w="38100">
+            <a:solidFill>
+              <a:srgbClr val="FF0000"/>
+            </a:solidFill>
+          </a:ln>
+        </p:spPr>
+        <p:style>
+          <a:lnRef idx="2">
+            <a:schemeClr val="accent1">
+              <a:shade val="15000"/>
+            </a:schemeClr>
+          </a:lnRef>
+          <a:fillRef idx="1">
+            <a:schemeClr val="accent1"/>
+          </a:fillRef>
+          <a:effectRef idx="0">
+            <a:schemeClr val="accent1"/>
+          </a:effectRef>
+          <a:fontRef idx="minor">
+            <a:schemeClr val="lt1"/>
+          </a:fontRef>
+        </p:style>
+        <p:txBody>
+          <a:bodyPr rtlCol="0" anchor="ctr"/>
+          <a:lstStyle/>
+          <a:p>
+            <a:pPr algn="ctr"/>
+            <a:endParaRPr lang="de-DE"/>
+          </a:p>
+        </p:txBody>
+      </p:sp>
+      <p:sp>
+        <p:nvSpPr>
+          <p:cNvPr id="6" name="Ellipse 5">
+            <a:extLst>
+              <a:ext uri="{FF2B5EF4-FFF2-40B4-BE49-F238E27FC236}">
+                <a16:creationId xmlns:a16="http://schemas.microsoft.com/office/drawing/2014/main" id="{9406CBDF-1924-331B-E910-D349FA470AE6}"/>
+              </a:ext>
+            </a:extLst>
+          </p:cNvPr>
+          <p:cNvSpPr/>
+          <p:nvPr/>
+        </p:nvSpPr>
+        <p:spPr>
+          <a:xfrm>
+            <a:off x="7382775" y="3806061"/>
+            <a:ext cx="267419" cy="258793"/>
+          </a:xfrm>
+          <a:prstGeom prst="ellipse">
+            <a:avLst/>
+          </a:prstGeom>
+          <a:noFill/>
+          <a:ln w="28575">
+            <a:solidFill>
+              <a:srgbClr val="FF0000"/>
+            </a:solidFill>
+          </a:ln>
+        </p:spPr>
+        <p:style>
+          <a:lnRef idx="2">
+            <a:schemeClr val="accent1">
+              <a:shade val="15000"/>
+            </a:schemeClr>
+          </a:lnRef>
+          <a:fillRef idx="1">
+            <a:schemeClr val="accent1"/>
+          </a:fillRef>
+          <a:effectRef idx="0">
+            <a:schemeClr val="accent1"/>
+          </a:effectRef>
+          <a:fontRef idx="minor">
+            <a:schemeClr val="lt1"/>
+          </a:fontRef>
+        </p:style>
+        <p:txBody>
+          <a:bodyPr rtlCol="0" anchor="ctr"/>
+          <a:lstStyle/>
+          <a:p>
+            <a:pPr algn="ctr"/>
+            <a:endParaRPr lang="de-DE"/>
+          </a:p>
+        </p:txBody>
+      </p:sp>
     </p:spTree>
     <p:extLst>
       <p:ext uri="{BB962C8B-B14F-4D97-AF65-F5344CB8AC3E}">
-        <p14:creationId xmlns:p14="http://schemas.microsoft.com/office/powerpoint/2010/main" val="2376988713"/>
+        <p14:creationId xmlns:p14="http://schemas.microsoft.com/office/powerpoint/2010/main" val="213496071"/>
       </p:ext>
     </p:extLst>
   </p:cSld>
@@ -3964,7 +7617,7 @@
 </p:sld>
 </file>
 
-<file path=ppt/slides/slide4.xml><?xml version="1.0" encoding="utf-8"?>
+<file path=ppt/slides/slide24.xml><?xml version="1.0" encoding="utf-8"?>
 <p:sld xmlns:a="http://schemas.openxmlformats.org/drawingml/2006/main" xmlns:r="http://schemas.openxmlformats.org/officeDocument/2006/relationships" xmlns:p="http://schemas.openxmlformats.org/presentationml/2006/main">
   <p:cSld>
     <p:bg>
@@ -4010,7 +7663,7 @@
         <p:spPr>
           <a:xfrm>
             <a:off x="1240672" y="461250"/>
-            <a:ext cx="9710656" cy="5847755"/>
+            <a:ext cx="9710656" cy="4924425"/>
           </a:xfrm>
           <a:prstGeom prst="rect">
             <a:avLst/>
@@ -4082,7 +7735,7 @@
                 <a:effectLst/>
                 <a:latin typeface="Consolas" panose="020B0609020204030204" pitchFamily="49" charset="0"/>
               </a:rPr>
-              <a:t>, Sie schießen mit der STRG-Taste. </a:t>
+              <a:t>. </a:t>
             </a:r>
           </a:p>
           <a:p>
@@ -4110,7 +7763,7 @@
             <a:r>
               <a:rPr lang="de-DE" sz="2000" b="0" dirty="0">
                 <a:solidFill>
-                  <a:srgbClr val="7030A0"/>
+                  <a:srgbClr val="FFFF00"/>
                 </a:solidFill>
                 <a:effectLst/>
                 <a:latin typeface="Consolas" panose="020B0609020204030204" pitchFamily="49" charset="0"/>
@@ -4130,12 +7783,92 @@
             <a:r>
               <a:rPr lang="de-DE" sz="2000" b="0" dirty="0">
                 <a:solidFill>
-                  <a:srgbClr val="7030A0"/>
-                </a:solidFill>
-                <a:effectLst/>
-                <a:latin typeface="Consolas" panose="020B0609020204030204" pitchFamily="49" charset="0"/>
-              </a:rPr>
-              <a:t>Mittelfinger</a:t>
+                  <a:srgbClr val="FF0000"/>
+                </a:solidFill>
+                <a:effectLst/>
+                <a:latin typeface="Consolas" panose="020B0609020204030204" pitchFamily="49" charset="0"/>
+              </a:rPr>
+              <a:t>Ring</a:t>
+            </a:r>
+            <a:r>
+              <a:rPr lang="de-DE" sz="2000" b="0" dirty="0">
+                <a:solidFill>
+                  <a:schemeClr val="bg1"/>
+                </a:solidFill>
+                <a:effectLst/>
+                <a:latin typeface="Consolas" panose="020B0609020204030204" pitchFamily="49" charset="0"/>
+              </a:rPr>
+              <a:t>finger der </a:t>
+            </a:r>
+            <a:r>
+              <a:rPr lang="de-DE" sz="2000" b="0" u="sng" dirty="0">
+                <a:solidFill>
+                  <a:schemeClr val="bg1"/>
+                </a:solidFill>
+                <a:effectLst/>
+                <a:latin typeface="Consolas" panose="020B0609020204030204" pitchFamily="49" charset="0"/>
+              </a:rPr>
+              <a:t>linken</a:t>
+            </a:r>
+            <a:r>
+              <a:rPr lang="de-DE" sz="2000" b="0" dirty="0">
+                <a:solidFill>
+                  <a:schemeClr val="bg1"/>
+                </a:solidFill>
+                <a:effectLst/>
+                <a:latin typeface="Consolas" panose="020B0609020204030204" pitchFamily="49" charset="0"/>
+              </a:rPr>
+              <a:t> Hand auf die Tasten </a:t>
+            </a:r>
+            <a:r>
+              <a:rPr lang="de-DE" sz="2000" b="0" dirty="0">
+                <a:solidFill>
+                  <a:srgbClr val="FF0000"/>
+                </a:solidFill>
+                <a:effectLst/>
+                <a:latin typeface="Consolas" panose="020B0609020204030204" pitchFamily="49" charset="0"/>
+              </a:rPr>
+              <a:t>A</a:t>
+            </a:r>
+            <a:r>
+              <a:rPr lang="de-DE" sz="2000" b="0" dirty="0">
+                <a:solidFill>
+                  <a:schemeClr val="bg1"/>
+                </a:solidFill>
+                <a:effectLst/>
+                <a:latin typeface="Consolas" panose="020B0609020204030204" pitchFamily="49" charset="0"/>
+              </a:rPr>
+              <a:t> und </a:t>
+            </a:r>
+            <a:r>
+              <a:rPr lang="de-DE" sz="2000" b="0" dirty="0">
+                <a:solidFill>
+                  <a:srgbClr val="FFFF00"/>
+                </a:solidFill>
+                <a:effectLst/>
+                <a:latin typeface="Consolas" panose="020B0609020204030204" pitchFamily="49" charset="0"/>
+              </a:rPr>
+              <a:t>D</a:t>
+            </a:r>
+            <a:r>
+              <a:rPr lang="de-DE" sz="2000" b="0" dirty="0">
+                <a:solidFill>
+                  <a:schemeClr val="bg1"/>
+                </a:solidFill>
+                <a:effectLst/>
+                <a:latin typeface="Consolas" panose="020B0609020204030204" pitchFamily="49" charset="0"/>
+              </a:rPr>
+              <a:t>, den </a:t>
+            </a:r>
+            <a:r>
+              <a:rPr lang="de-DE" sz="2000" b="0" dirty="0">
+                <a:solidFill>
+                  <a:srgbClr val="00B0F0"/>
+                </a:solidFill>
+                <a:effectLst/>
+                <a:latin typeface="Consolas" panose="020B0609020204030204" pitchFamily="49" charset="0"/>
+              </a:rPr>
+              <a:t>Daumen</a:t>
             </a:r>
             <a:r>
               <a:rPr lang="de-DE" sz="2000" b="0" dirty="0">
@@ -4148,9 +7881,9 @@
               <a:t> der </a:t>
             </a:r>
             <a:r>
-              <a:rPr lang="de-DE" sz="2000" b="0" dirty="0">
-                <a:solidFill>
-                  <a:srgbClr val="7030A0"/>
+              <a:rPr lang="de-DE" sz="2000" b="0" u="sng" dirty="0">
+                <a:solidFill>
+                  <a:schemeClr val="bg1"/>
                 </a:solidFill>
                 <a:effectLst/>
                 <a:latin typeface="Consolas" panose="020B0609020204030204" pitchFamily="49" charset="0"/>
@@ -4165,47 +7898,7 @@
                 <a:effectLst/>
                 <a:latin typeface="Consolas" panose="020B0609020204030204" pitchFamily="49" charset="0"/>
               </a:rPr>
-              <a:t> Hand auf die Tasten </a:t>
-            </a:r>
-            <a:r>
-              <a:rPr lang="de-DE" sz="2000" b="0" dirty="0">
-                <a:solidFill>
-                  <a:srgbClr val="7030A0"/>
-                </a:solidFill>
-                <a:effectLst/>
-                <a:latin typeface="Consolas" panose="020B0609020204030204" pitchFamily="49" charset="0"/>
-              </a:rPr>
-              <a:t>A</a:t>
-            </a:r>
-            <a:r>
-              <a:rPr lang="de-DE" sz="2000" b="0" dirty="0">
-                <a:solidFill>
-                  <a:schemeClr val="bg1"/>
-                </a:solidFill>
-                <a:effectLst/>
-                <a:latin typeface="Consolas" panose="020B0609020204030204" pitchFamily="49" charset="0"/>
-              </a:rPr>
-              <a:t> und </a:t>
-            </a:r>
-            <a:r>
-              <a:rPr lang="de-DE" sz="2000" b="0" dirty="0">
-                <a:solidFill>
-                  <a:srgbClr val="7030A0"/>
-                </a:solidFill>
-                <a:effectLst/>
-                <a:latin typeface="Consolas" panose="020B0609020204030204" pitchFamily="49" charset="0"/>
-              </a:rPr>
-              <a:t>D</a:t>
-            </a:r>
-            <a:r>
-              <a:rPr lang="de-DE" sz="2000" b="0" dirty="0">
-                <a:solidFill>
-                  <a:schemeClr val="bg1"/>
-                </a:solidFill>
-                <a:effectLst/>
-                <a:latin typeface="Consolas" panose="020B0609020204030204" pitchFamily="49" charset="0"/>
-              </a:rPr>
-              <a:t>, den </a:t>
+              <a:t> Hand auf die </a:t>
             </a:r>
             <a:r>
               <a:rPr lang="de-DE" sz="2000" b="0" dirty="0">
@@ -4215,46 +7908,6 @@
                 <a:effectLst/>
                 <a:latin typeface="Consolas" panose="020B0609020204030204" pitchFamily="49" charset="0"/>
               </a:rPr>
-              <a:t>Daumen</a:t>
-            </a:r>
-            <a:r>
-              <a:rPr lang="de-DE" sz="2000" b="0" dirty="0">
-                <a:solidFill>
-                  <a:schemeClr val="bg1"/>
-                </a:solidFill>
-                <a:effectLst/>
-                <a:latin typeface="Consolas" panose="020B0609020204030204" pitchFamily="49" charset="0"/>
-              </a:rPr>
-              <a:t> der </a:t>
-            </a:r>
-            <a:r>
-              <a:rPr lang="de-DE" sz="2000" b="0" dirty="0">
-                <a:solidFill>
-                  <a:srgbClr val="00B0F0"/>
-                </a:solidFill>
-                <a:effectLst/>
-                <a:latin typeface="Consolas" panose="020B0609020204030204" pitchFamily="49" charset="0"/>
-              </a:rPr>
-              <a:t>linken</a:t>
-            </a:r>
-            <a:r>
-              <a:rPr lang="de-DE" sz="2000" b="0" dirty="0">
-                <a:solidFill>
-                  <a:schemeClr val="bg1"/>
-                </a:solidFill>
-                <a:effectLst/>
-                <a:latin typeface="Consolas" panose="020B0609020204030204" pitchFamily="49" charset="0"/>
-              </a:rPr>
-              <a:t> Hand auf die </a:t>
-            </a:r>
-            <a:r>
-              <a:rPr lang="de-DE" sz="2000" b="0" dirty="0">
-                <a:solidFill>
-                  <a:srgbClr val="00B0F0"/>
-                </a:solidFill>
-                <a:effectLst/>
-                <a:latin typeface="Consolas" panose="020B0609020204030204" pitchFamily="49" charset="0"/>
-              </a:rPr>
               <a:t>Leertaste</a:t>
             </a:r>
             <a:r>
@@ -4265,67 +7918,7 @@
                 <a:effectLst/>
                 <a:latin typeface="Consolas" panose="020B0609020204030204" pitchFamily="49" charset="0"/>
               </a:rPr>
-              <a:t> und einen oder zwei </a:t>
-            </a:r>
-            <a:r>
-              <a:rPr lang="de-DE" sz="2000" b="0" dirty="0">
-                <a:solidFill>
-                  <a:srgbClr val="CC0066"/>
-                </a:solidFill>
-                <a:effectLst/>
-                <a:latin typeface="Consolas" panose="020B0609020204030204" pitchFamily="49" charset="0"/>
-              </a:rPr>
-              <a:t>Finger</a:t>
-            </a:r>
-            <a:r>
-              <a:rPr lang="de-DE" sz="2000" b="0" dirty="0">
-                <a:solidFill>
-                  <a:schemeClr val="bg1"/>
-                </a:solidFill>
-                <a:effectLst/>
-                <a:latin typeface="Consolas" panose="020B0609020204030204" pitchFamily="49" charset="0"/>
-              </a:rPr>
-              <a:t> der </a:t>
-            </a:r>
-            <a:r>
-              <a:rPr lang="de-DE" sz="2000" b="0" dirty="0">
-                <a:solidFill>
-                  <a:srgbClr val="CC0066"/>
-                </a:solidFill>
-                <a:effectLst/>
-                <a:latin typeface="Consolas" panose="020B0609020204030204" pitchFamily="49" charset="0"/>
-              </a:rPr>
-              <a:t>rechten</a:t>
-            </a:r>
-            <a:r>
-              <a:rPr lang="de-DE" sz="2000" b="0" dirty="0">
-                <a:solidFill>
-                  <a:schemeClr val="bg1"/>
-                </a:solidFill>
-                <a:effectLst/>
-                <a:latin typeface="Consolas" panose="020B0609020204030204" pitchFamily="49" charset="0"/>
-              </a:rPr>
-              <a:t> Hand auf die </a:t>
-            </a:r>
-            <a:r>
-              <a:rPr lang="de-DE" sz="2000" b="0" dirty="0">
-                <a:solidFill>
-                  <a:srgbClr val="CC0066"/>
-                </a:solidFill>
-                <a:effectLst/>
-                <a:latin typeface="Consolas" panose="020B0609020204030204" pitchFamily="49" charset="0"/>
-              </a:rPr>
-              <a:t>STRG</a:t>
-            </a:r>
-            <a:r>
-              <a:rPr lang="de-DE" sz="2000" b="0" dirty="0">
-                <a:solidFill>
-                  <a:schemeClr val="bg1"/>
-                </a:solidFill>
-                <a:effectLst/>
-                <a:latin typeface="Consolas" panose="020B0609020204030204" pitchFamily="49" charset="0"/>
-              </a:rPr>
-              <a:t>-Taste rechts unten auf der Tastatur.</a:t>
+              <a:t>.</a:t>
             </a:r>
           </a:p>
           <a:p>
@@ -4500,210 +8093,1868 @@
           </a:prstGeom>
         </p:spPr>
       </p:pic>
-      <mc:AlternateContent xmlns:mc="http://schemas.openxmlformats.org/markup-compatibility/2006">
-        <mc:Choice xmlns:p14="http://schemas.microsoft.com/office/powerpoint/2010/main" Requires="p14">
-          <p:contentPart p14:bwMode="auto" r:id="rId3">
-            <p14:nvContentPartPr>
-              <p14:cNvPr id="6" name="Freihand 5">
-                <a:extLst>
-                  <a:ext uri="{FF2B5EF4-FFF2-40B4-BE49-F238E27FC236}">
-                    <a16:creationId xmlns:a16="http://schemas.microsoft.com/office/drawing/2014/main" id="{3663B6BA-23F5-677B-0E5F-7FB19E3F5E7B}"/>
-                  </a:ext>
-                </a:extLst>
-              </p14:cNvPr>
-              <p14:cNvContentPartPr/>
-              <p14:nvPr/>
-            </p14:nvContentPartPr>
-            <p14:xfrm>
-              <a:off x="3265236" y="4166894"/>
-              <a:ext cx="187560" cy="206280"/>
-            </p14:xfrm>
-          </p:contentPart>
-        </mc:Choice>
-        <mc:Fallback>
-          <p:pic>
-            <p:nvPicPr>
-              <p:cNvPr id="6" name="Freihand 5">
-                <a:extLst>
-                  <a:ext uri="{FF2B5EF4-FFF2-40B4-BE49-F238E27FC236}">
-                    <a16:creationId xmlns:a16="http://schemas.microsoft.com/office/drawing/2014/main" id="{3663B6BA-23F5-677B-0E5F-7FB19E3F5E7B}"/>
-                  </a:ext>
-                </a:extLst>
-              </p:cNvPr>
-              <p:cNvPicPr/>
-              <p:nvPr/>
-            </p:nvPicPr>
-            <p:blipFill>
-              <a:blip r:embed="rId4"/>
-              <a:stretch>
-                <a:fillRect/>
-              </a:stretch>
-            </p:blipFill>
-            <p:spPr>
-              <a:xfrm>
-                <a:off x="3247236" y="4148863"/>
-                <a:ext cx="223200" cy="241982"/>
-              </a:xfrm>
-              <a:prstGeom prst="rect">
-                <a:avLst/>
-              </a:prstGeom>
-            </p:spPr>
-          </p:pic>
-        </mc:Fallback>
-      </mc:AlternateContent>
-      <mc:AlternateContent xmlns:mc="http://schemas.openxmlformats.org/markup-compatibility/2006">
-        <mc:Choice xmlns:p14="http://schemas.microsoft.com/office/powerpoint/2010/main" Requires="p14">
-          <p:contentPart p14:bwMode="auto" r:id="rId5">
-            <p14:nvContentPartPr>
-              <p14:cNvPr id="7" name="Freihand 6">
-                <a:extLst>
-                  <a:ext uri="{FF2B5EF4-FFF2-40B4-BE49-F238E27FC236}">
-                    <a16:creationId xmlns:a16="http://schemas.microsoft.com/office/drawing/2014/main" id="{C98BDD5A-DB61-5C81-837E-797A37318663}"/>
-                  </a:ext>
-                </a:extLst>
-              </p14:cNvPr>
-              <p14:cNvContentPartPr/>
-              <p14:nvPr/>
-            </p14:nvContentPartPr>
-            <p14:xfrm>
-              <a:off x="3839953" y="4166894"/>
-              <a:ext cx="194040" cy="225360"/>
-            </p14:xfrm>
-          </p:contentPart>
-        </mc:Choice>
-        <mc:Fallback>
-          <p:pic>
-            <p:nvPicPr>
-              <p:cNvPr id="7" name="Freihand 6">
-                <a:extLst>
-                  <a:ext uri="{FF2B5EF4-FFF2-40B4-BE49-F238E27FC236}">
-                    <a16:creationId xmlns:a16="http://schemas.microsoft.com/office/drawing/2014/main" id="{C98BDD5A-DB61-5C81-837E-797A37318663}"/>
-                  </a:ext>
-                </a:extLst>
-              </p:cNvPr>
-              <p:cNvPicPr/>
-              <p:nvPr/>
-            </p:nvPicPr>
-            <p:blipFill>
-              <a:blip r:embed="rId6"/>
-              <a:stretch>
-                <a:fillRect/>
-              </a:stretch>
-            </p:blipFill>
-            <p:spPr>
-              <a:xfrm>
-                <a:off x="3821986" y="4148894"/>
-                <a:ext cx="229614" cy="261000"/>
-              </a:xfrm>
-              <a:prstGeom prst="rect">
-                <a:avLst/>
-              </a:prstGeom>
-            </p:spPr>
-          </p:pic>
-        </mc:Fallback>
-      </mc:AlternateContent>
-      <mc:AlternateContent xmlns:mc="http://schemas.openxmlformats.org/markup-compatibility/2006">
-        <mc:Choice xmlns:p14="http://schemas.microsoft.com/office/powerpoint/2010/main" Requires="p14">
-          <p:contentPart p14:bwMode="auto" r:id="rId7">
-            <p14:nvContentPartPr>
-              <p14:cNvPr id="9" name="Freihand 8">
-                <a:extLst>
-                  <a:ext uri="{FF2B5EF4-FFF2-40B4-BE49-F238E27FC236}">
-                    <a16:creationId xmlns:a16="http://schemas.microsoft.com/office/drawing/2014/main" id="{C7A23DAD-3D08-177B-CD53-644270F51F8F}"/>
-                  </a:ext>
-                </a:extLst>
-              </p14:cNvPr>
-              <p14:cNvContentPartPr/>
-              <p14:nvPr/>
-            </p14:nvContentPartPr>
-            <p14:xfrm>
-              <a:off x="3936973" y="4743005"/>
-              <a:ext cx="1620720" cy="269280"/>
-            </p14:xfrm>
-          </p:contentPart>
-        </mc:Choice>
-        <mc:Fallback>
-          <p:pic>
-            <p:nvPicPr>
-              <p:cNvPr id="9" name="Freihand 8">
-                <a:extLst>
-                  <a:ext uri="{FF2B5EF4-FFF2-40B4-BE49-F238E27FC236}">
-                    <a16:creationId xmlns:a16="http://schemas.microsoft.com/office/drawing/2014/main" id="{C7A23DAD-3D08-177B-CD53-644270F51F8F}"/>
-                  </a:ext>
-                </a:extLst>
-              </p:cNvPr>
-              <p:cNvPicPr/>
-              <p:nvPr/>
-            </p:nvPicPr>
-            <p:blipFill>
-              <a:blip r:embed="rId8"/>
-              <a:stretch>
-                <a:fillRect/>
-              </a:stretch>
-            </p:blipFill>
-            <p:spPr>
-              <a:xfrm>
-                <a:off x="3918973" y="4725005"/>
-                <a:ext cx="1656360" cy="304920"/>
-              </a:xfrm>
-              <a:prstGeom prst="rect">
-                <a:avLst/>
-              </a:prstGeom>
-            </p:spPr>
-          </p:pic>
-        </mc:Fallback>
-      </mc:AlternateContent>
-      <mc:AlternateContent xmlns:mc="http://schemas.openxmlformats.org/markup-compatibility/2006">
-        <mc:Choice xmlns:p14="http://schemas.microsoft.com/office/powerpoint/2010/main" Requires="p14">
-          <p:contentPart p14:bwMode="auto" r:id="rId9">
-            <p14:nvContentPartPr>
-              <p14:cNvPr id="10" name="Freihand 9">
-                <a:extLst>
-                  <a:ext uri="{FF2B5EF4-FFF2-40B4-BE49-F238E27FC236}">
-                    <a16:creationId xmlns:a16="http://schemas.microsoft.com/office/drawing/2014/main" id="{2D091620-50E3-D124-BAE5-CB43A407BED6}"/>
-                  </a:ext>
-                </a:extLst>
-              </p14:cNvPr>
-              <p14:cNvContentPartPr/>
-              <p14:nvPr/>
-            </p14:nvContentPartPr>
-            <p14:xfrm>
-              <a:off x="6446545" y="4702036"/>
-              <a:ext cx="500400" cy="286200"/>
-            </p14:xfrm>
-          </p:contentPart>
-        </mc:Choice>
-        <mc:Fallback>
-          <p:pic>
-            <p:nvPicPr>
-              <p:cNvPr id="10" name="Freihand 9">
-                <a:extLst>
-                  <a:ext uri="{FF2B5EF4-FFF2-40B4-BE49-F238E27FC236}">
-                    <a16:creationId xmlns:a16="http://schemas.microsoft.com/office/drawing/2014/main" id="{2D091620-50E3-D124-BAE5-CB43A407BED6}"/>
-                  </a:ext>
-                </a:extLst>
-              </p:cNvPr>
-              <p:cNvPicPr/>
-              <p:nvPr/>
-            </p:nvPicPr>
-            <p:blipFill>
-              <a:blip r:embed="rId10"/>
-              <a:stretch>
-                <a:fillRect/>
-              </a:stretch>
-            </p:blipFill>
-            <p:spPr>
-              <a:xfrm>
-                <a:off x="6428532" y="4684036"/>
-                <a:ext cx="536066" cy="321840"/>
-              </a:xfrm>
-              <a:prstGeom prst="rect">
-                <a:avLst/>
-              </a:prstGeom>
-            </p:spPr>
-          </p:pic>
-        </mc:Fallback>
-      </mc:AlternateContent>
+      <p:sp>
+        <p:nvSpPr>
+          <p:cNvPr id="2" name="Rechteck: abgerundete Ecken 1">
+            <a:extLst>
+              <a:ext uri="{FF2B5EF4-FFF2-40B4-BE49-F238E27FC236}">
+                <a16:creationId xmlns:a16="http://schemas.microsoft.com/office/drawing/2014/main" id="{218BF682-B81F-9C8B-DA7B-231B96891B09}"/>
+              </a:ext>
+            </a:extLst>
+          </p:cNvPr>
+          <p:cNvSpPr/>
+          <p:nvPr/>
+        </p:nvSpPr>
+        <p:spPr>
+          <a:xfrm>
+            <a:off x="3260785" y="4192438"/>
+            <a:ext cx="232913" cy="224287"/>
+          </a:xfrm>
+          <a:prstGeom prst="roundRect">
+            <a:avLst/>
+          </a:prstGeom>
+          <a:noFill/>
+          <a:ln w="38100">
+            <a:solidFill>
+              <a:srgbClr val="FF0000"/>
+            </a:solidFill>
+          </a:ln>
+        </p:spPr>
+        <p:style>
+          <a:lnRef idx="2">
+            <a:schemeClr val="accent1">
+              <a:shade val="15000"/>
+            </a:schemeClr>
+          </a:lnRef>
+          <a:fillRef idx="1">
+            <a:schemeClr val="accent1"/>
+          </a:fillRef>
+          <a:effectRef idx="0">
+            <a:schemeClr val="accent1"/>
+          </a:effectRef>
+          <a:fontRef idx="minor">
+            <a:schemeClr val="lt1"/>
+          </a:fontRef>
+        </p:style>
+        <p:txBody>
+          <a:bodyPr rtlCol="0" anchor="ctr"/>
+          <a:lstStyle/>
+          <a:p>
+            <a:pPr algn="ctr"/>
+            <a:endParaRPr lang="de-DE"/>
+          </a:p>
+        </p:txBody>
+      </p:sp>
+      <p:sp>
+        <p:nvSpPr>
+          <p:cNvPr id="11" name="Rechteck: abgerundete Ecken 10">
+            <a:extLst>
+              <a:ext uri="{FF2B5EF4-FFF2-40B4-BE49-F238E27FC236}">
+                <a16:creationId xmlns:a16="http://schemas.microsoft.com/office/drawing/2014/main" id="{48634B3C-C26C-D304-43E0-978C5D3ABBED}"/>
+              </a:ext>
+            </a:extLst>
+          </p:cNvPr>
+          <p:cNvSpPr/>
+          <p:nvPr/>
+        </p:nvSpPr>
+        <p:spPr>
+          <a:xfrm>
+            <a:off x="3809913" y="4192438"/>
+            <a:ext cx="232913" cy="224287"/>
+          </a:xfrm>
+          <a:prstGeom prst="roundRect">
+            <a:avLst/>
+          </a:prstGeom>
+          <a:noFill/>
+          <a:ln w="38100">
+            <a:solidFill>
+              <a:srgbClr val="FFFF00"/>
+            </a:solidFill>
+          </a:ln>
+        </p:spPr>
+        <p:style>
+          <a:lnRef idx="2">
+            <a:schemeClr val="accent1">
+              <a:shade val="15000"/>
+            </a:schemeClr>
+          </a:lnRef>
+          <a:fillRef idx="1">
+            <a:schemeClr val="accent1"/>
+          </a:fillRef>
+          <a:effectRef idx="0">
+            <a:schemeClr val="accent1"/>
+          </a:effectRef>
+          <a:fontRef idx="minor">
+            <a:schemeClr val="lt1"/>
+          </a:fontRef>
+        </p:style>
+        <p:txBody>
+          <a:bodyPr rtlCol="0" anchor="ctr"/>
+          <a:lstStyle/>
+          <a:p>
+            <a:pPr algn="ctr"/>
+            <a:endParaRPr lang="de-DE"/>
+          </a:p>
+        </p:txBody>
+      </p:sp>
+      <p:sp>
+        <p:nvSpPr>
+          <p:cNvPr id="12" name="Rechteck: abgerundete Ecken 11">
+            <a:extLst>
+              <a:ext uri="{FF2B5EF4-FFF2-40B4-BE49-F238E27FC236}">
+                <a16:creationId xmlns:a16="http://schemas.microsoft.com/office/drawing/2014/main" id="{EC21962E-6EDB-9B67-597D-15EA88A76E75}"/>
+              </a:ext>
+            </a:extLst>
+          </p:cNvPr>
+          <p:cNvSpPr/>
+          <p:nvPr/>
+        </p:nvSpPr>
+        <p:spPr>
+          <a:xfrm>
+            <a:off x="3926369" y="4744528"/>
+            <a:ext cx="1603163" cy="362310"/>
+          </a:xfrm>
+          <a:prstGeom prst="roundRect">
+            <a:avLst/>
+          </a:prstGeom>
+          <a:noFill/>
+          <a:ln w="38100">
+            <a:solidFill>
+              <a:srgbClr val="00B0F0"/>
+            </a:solidFill>
+          </a:ln>
+        </p:spPr>
+        <p:style>
+          <a:lnRef idx="2">
+            <a:schemeClr val="accent1">
+              <a:shade val="15000"/>
+            </a:schemeClr>
+          </a:lnRef>
+          <a:fillRef idx="1">
+            <a:schemeClr val="accent1"/>
+          </a:fillRef>
+          <a:effectRef idx="0">
+            <a:schemeClr val="accent1"/>
+          </a:effectRef>
+          <a:fontRef idx="minor">
+            <a:schemeClr val="lt1"/>
+          </a:fontRef>
+        </p:style>
+        <p:txBody>
+          <a:bodyPr rtlCol="0" anchor="ctr"/>
+          <a:lstStyle/>
+          <a:p>
+            <a:pPr algn="ctr"/>
+            <a:endParaRPr lang="de-DE"/>
+          </a:p>
+        </p:txBody>
+      </p:sp>
+    </p:spTree>
+    <p:extLst>
+      <p:ext uri="{BB962C8B-B14F-4D97-AF65-F5344CB8AC3E}">
+        <p14:creationId xmlns:p14="http://schemas.microsoft.com/office/powerpoint/2010/main" val="2329458343"/>
+      </p:ext>
+    </p:extLst>
+  </p:cSld>
+  <p:clrMapOvr>
+    <a:masterClrMapping/>
+  </p:clrMapOvr>
+</p:sld>
+</file>
+
+<file path=ppt/slides/slide25.xml><?xml version="1.0" encoding="utf-8"?>
+<p:sld xmlns:a="http://schemas.openxmlformats.org/drawingml/2006/main" xmlns:r="http://schemas.openxmlformats.org/officeDocument/2006/relationships" xmlns:p="http://schemas.openxmlformats.org/presentationml/2006/main">
+  <p:cSld>
+    <p:bg>
+      <p:bgPr>
+        <a:solidFill>
+          <a:schemeClr val="tx1"/>
+        </a:solidFill>
+        <a:effectLst/>
+      </p:bgPr>
+    </p:bg>
+    <p:spTree>
+      <p:nvGrpSpPr>
+        <p:cNvPr id="1" name="">
+          <a:extLst>
+            <a:ext uri="{FF2B5EF4-FFF2-40B4-BE49-F238E27FC236}">
+              <a16:creationId xmlns:a16="http://schemas.microsoft.com/office/drawing/2014/main" id="{2F555E54-302D-FAF5-8B61-33E8328B6B4F}"/>
+            </a:ext>
+          </a:extLst>
+        </p:cNvPr>
+        <p:cNvGrpSpPr/>
+        <p:nvPr/>
+      </p:nvGrpSpPr>
+      <p:grpSpPr>
+        <a:xfrm>
+          <a:off x="0" y="0"/>
+          <a:ext cx="0" cy="0"/>
+          <a:chOff x="0" y="0"/>
+          <a:chExt cx="0" cy="0"/>
+        </a:xfrm>
+      </p:grpSpPr>
+      <p:sp>
+        <p:nvSpPr>
+          <p:cNvPr id="4" name="Textfeld 3">
+            <a:extLst>
+              <a:ext uri="{FF2B5EF4-FFF2-40B4-BE49-F238E27FC236}">
+                <a16:creationId xmlns:a16="http://schemas.microsoft.com/office/drawing/2014/main" id="{7BAA204B-745F-1A14-8016-08FF53D32972}"/>
+              </a:ext>
+            </a:extLst>
+          </p:cNvPr>
+          <p:cNvSpPr txBox="1"/>
+          <p:nvPr/>
+        </p:nvSpPr>
+        <p:spPr>
+          <a:xfrm>
+            <a:off x="1603888" y="1751291"/>
+            <a:ext cx="7954179" cy="2585323"/>
+          </a:xfrm>
+          <a:prstGeom prst="rect">
+            <a:avLst/>
+          </a:prstGeom>
+          <a:noFill/>
+        </p:spPr>
+        <p:txBody>
+          <a:bodyPr wrap="square" rtlCol="0">
+            <a:spAutoFit/>
+          </a:bodyPr>
+          <a:lstStyle/>
+          <a:p>
+            <a:pPr algn="ctr"/>
+            <a:r>
+              <a:rPr lang="de-DE" sz="4400" dirty="0">
+                <a:solidFill>
+                  <a:schemeClr val="bg1"/>
+                </a:solidFill>
+                <a:latin typeface="Consolas" panose="020B0609020204030204" pitchFamily="49" charset="0"/>
+              </a:rPr>
+              <a:t>Gut gemacht!</a:t>
+            </a:r>
+          </a:p>
+          <a:p>
+            <a:pPr algn="ctr"/>
+            <a:r>
+              <a:rPr lang="de-DE" sz="4400" b="0" dirty="0">
+                <a:solidFill>
+                  <a:schemeClr val="bg1"/>
+                </a:solidFill>
+                <a:effectLst/>
+                <a:latin typeface="Consolas" panose="020B0609020204030204" pitchFamily="49" charset="0"/>
+              </a:rPr>
+              <a:t>Das war das letzte Spiel.</a:t>
+            </a:r>
+          </a:p>
+          <a:p>
+            <a:pPr algn="ctr"/>
+            <a:endParaRPr lang="de-DE" dirty="0">
+              <a:solidFill>
+                <a:schemeClr val="bg1"/>
+              </a:solidFill>
+              <a:sym typeface="Wingdings" panose="05000000000000000000" pitchFamily="2" charset="2"/>
+            </a:endParaRPr>
+          </a:p>
+          <a:p>
+            <a:pPr algn="ctr"/>
+            <a:endParaRPr lang="de-DE" dirty="0">
+              <a:solidFill>
+                <a:schemeClr val="bg1"/>
+              </a:solidFill>
+              <a:sym typeface="Wingdings" panose="05000000000000000000" pitchFamily="2" charset="2"/>
+            </a:endParaRPr>
+          </a:p>
+          <a:p>
+            <a:pPr algn="ctr"/>
+            <a:endParaRPr lang="de-DE" dirty="0">
+              <a:solidFill>
+                <a:schemeClr val="bg1"/>
+              </a:solidFill>
+              <a:sym typeface="Wingdings" panose="05000000000000000000" pitchFamily="2" charset="2"/>
+            </a:endParaRPr>
+          </a:p>
+          <a:p>
+            <a:pPr algn="ctr"/>
+            <a:r>
+              <a:rPr lang="de-DE" sz="2000" dirty="0">
+                <a:solidFill>
+                  <a:schemeClr val="bg1"/>
+                </a:solidFill>
+                <a:sym typeface="Wingdings" panose="05000000000000000000" pitchFamily="2" charset="2"/>
+              </a:rPr>
+              <a:t>Bitte die </a:t>
+            </a:r>
+            <a:r>
+              <a:rPr lang="de-DE" sz="2000" b="1" dirty="0">
+                <a:solidFill>
+                  <a:schemeClr val="bg1"/>
+                </a:solidFill>
+                <a:sym typeface="Wingdings" panose="05000000000000000000" pitchFamily="2" charset="2"/>
+              </a:rPr>
+              <a:t>LEERTASTE</a:t>
+            </a:r>
+            <a:r>
+              <a:rPr lang="de-DE" sz="2000" dirty="0">
+                <a:solidFill>
+                  <a:schemeClr val="bg1"/>
+                </a:solidFill>
+                <a:sym typeface="Wingdings" panose="05000000000000000000" pitchFamily="2" charset="2"/>
+              </a:rPr>
+              <a:t> drücken, um fortzufahren</a:t>
+            </a:r>
+            <a:endParaRPr lang="de-DE" sz="2000" dirty="0">
+              <a:solidFill>
+                <a:schemeClr val="bg1"/>
+              </a:solidFill>
+            </a:endParaRPr>
+          </a:p>
+        </p:txBody>
+      </p:sp>
+    </p:spTree>
+    <p:extLst>
+      <p:ext uri="{BB962C8B-B14F-4D97-AF65-F5344CB8AC3E}">
+        <p14:creationId xmlns:p14="http://schemas.microsoft.com/office/powerpoint/2010/main" val="1620035497"/>
+      </p:ext>
+    </p:extLst>
+  </p:cSld>
+  <p:clrMapOvr>
+    <a:masterClrMapping/>
+  </p:clrMapOvr>
+</p:sld>
+</file>
+
+<file path=ppt/slides/slide3.xml><?xml version="1.0" encoding="utf-8"?>
+<p:sld xmlns:a="http://schemas.openxmlformats.org/drawingml/2006/main" xmlns:r="http://schemas.openxmlformats.org/officeDocument/2006/relationships" xmlns:p="http://schemas.openxmlformats.org/presentationml/2006/main">
+  <p:cSld>
+    <p:bg>
+      <p:bgPr>
+        <a:solidFill>
+          <a:schemeClr val="tx1"/>
+        </a:solidFill>
+        <a:effectLst/>
+      </p:bgPr>
+    </p:bg>
+    <p:spTree>
+      <p:nvGrpSpPr>
+        <p:cNvPr id="1" name="">
+          <a:extLst>
+            <a:ext uri="{FF2B5EF4-FFF2-40B4-BE49-F238E27FC236}">
+              <a16:creationId xmlns:a16="http://schemas.microsoft.com/office/drawing/2014/main" id="{2F555E54-302D-FAF5-8B61-33E8328B6B4F}"/>
+            </a:ext>
+          </a:extLst>
+        </p:cNvPr>
+        <p:cNvGrpSpPr/>
+        <p:nvPr/>
+      </p:nvGrpSpPr>
+      <p:grpSpPr>
+        <a:xfrm>
+          <a:off x="0" y="0"/>
+          <a:ext cx="0" cy="0"/>
+          <a:chOff x="0" y="0"/>
+          <a:chExt cx="0" cy="0"/>
+        </a:xfrm>
+      </p:grpSpPr>
+      <p:sp>
+        <p:nvSpPr>
+          <p:cNvPr id="4" name="Textfeld 3">
+            <a:extLst>
+              <a:ext uri="{FF2B5EF4-FFF2-40B4-BE49-F238E27FC236}">
+                <a16:creationId xmlns:a16="http://schemas.microsoft.com/office/drawing/2014/main" id="{7BAA204B-745F-1A14-8016-08FF53D32972}"/>
+              </a:ext>
+            </a:extLst>
+          </p:cNvPr>
+          <p:cNvSpPr txBox="1"/>
+          <p:nvPr/>
+        </p:nvSpPr>
+        <p:spPr>
+          <a:xfrm>
+            <a:off x="1716032" y="603978"/>
+            <a:ext cx="7682846" cy="5293757"/>
+          </a:xfrm>
+          <a:prstGeom prst="rect">
+            <a:avLst/>
+          </a:prstGeom>
+          <a:noFill/>
+        </p:spPr>
+        <p:txBody>
+          <a:bodyPr wrap="square" rtlCol="0">
+            <a:spAutoFit/>
+          </a:bodyPr>
+          <a:lstStyle/>
+          <a:p>
+            <a:pPr algn="ctr"/>
+            <a:r>
+              <a:rPr lang="de-DE" sz="4400" b="0" dirty="0">
+                <a:solidFill>
+                  <a:schemeClr val="bg1"/>
+                </a:solidFill>
+                <a:effectLst/>
+                <a:latin typeface="Consolas" panose="020B0609020204030204" pitchFamily="49" charset="0"/>
+              </a:rPr>
+              <a:t>Sie werden heute 4 Spiele spielen. Vor jedem Spiel werden Ihnen beispielhaft Bilder gezeigt, aber auch die Steuerung erklärt.</a:t>
+            </a:r>
+          </a:p>
+          <a:p>
+            <a:pPr algn="ctr"/>
+            <a:endParaRPr lang="de-DE" dirty="0">
+              <a:solidFill>
+                <a:schemeClr val="bg1"/>
+              </a:solidFill>
+              <a:sym typeface="Wingdings" panose="05000000000000000000" pitchFamily="2" charset="2"/>
+            </a:endParaRPr>
+          </a:p>
+          <a:p>
+            <a:pPr algn="ctr"/>
+            <a:endParaRPr lang="de-DE" dirty="0">
+              <a:solidFill>
+                <a:schemeClr val="bg1"/>
+              </a:solidFill>
+              <a:sym typeface="Wingdings" panose="05000000000000000000" pitchFamily="2" charset="2"/>
+            </a:endParaRPr>
+          </a:p>
+          <a:p>
+            <a:pPr algn="ctr"/>
+            <a:endParaRPr lang="de-DE" dirty="0">
+              <a:solidFill>
+                <a:schemeClr val="bg1"/>
+              </a:solidFill>
+              <a:sym typeface="Wingdings" panose="05000000000000000000" pitchFamily="2" charset="2"/>
+            </a:endParaRPr>
+          </a:p>
+          <a:p>
+            <a:pPr algn="ctr"/>
+            <a:r>
+              <a:rPr lang="de-DE" sz="2000" dirty="0">
+                <a:solidFill>
+                  <a:schemeClr val="bg1"/>
+                </a:solidFill>
+                <a:sym typeface="Wingdings" panose="05000000000000000000" pitchFamily="2" charset="2"/>
+              </a:rPr>
+              <a:t>Bitte die </a:t>
+            </a:r>
+            <a:r>
+              <a:rPr lang="de-DE" sz="2000" b="1" dirty="0">
+                <a:solidFill>
+                  <a:schemeClr val="bg1"/>
+                </a:solidFill>
+                <a:sym typeface="Wingdings" panose="05000000000000000000" pitchFamily="2" charset="2"/>
+              </a:rPr>
+              <a:t>LEERTASTE</a:t>
+            </a:r>
+            <a:r>
+              <a:rPr lang="de-DE" sz="2000" dirty="0">
+                <a:solidFill>
+                  <a:schemeClr val="bg1"/>
+                </a:solidFill>
+                <a:sym typeface="Wingdings" panose="05000000000000000000" pitchFamily="2" charset="2"/>
+              </a:rPr>
+              <a:t> drücken, um fortzufahren</a:t>
+            </a:r>
+            <a:endParaRPr lang="de-DE" sz="2000" dirty="0">
+              <a:solidFill>
+                <a:schemeClr val="bg1"/>
+              </a:solidFill>
+            </a:endParaRPr>
+          </a:p>
+        </p:txBody>
+      </p:sp>
+    </p:spTree>
+    <p:extLst>
+      <p:ext uri="{BB962C8B-B14F-4D97-AF65-F5344CB8AC3E}">
+        <p14:creationId xmlns:p14="http://schemas.microsoft.com/office/powerpoint/2010/main" val="2135896908"/>
+      </p:ext>
+    </p:extLst>
+  </p:cSld>
+  <p:clrMapOvr>
+    <a:masterClrMapping/>
+  </p:clrMapOvr>
+</p:sld>
+</file>
+
+<file path=ppt/slides/slide4.xml><?xml version="1.0" encoding="utf-8"?>
+<p:sld xmlns:a="http://schemas.openxmlformats.org/drawingml/2006/main" xmlns:r="http://schemas.openxmlformats.org/officeDocument/2006/relationships" xmlns:p="http://schemas.openxmlformats.org/presentationml/2006/main">
+  <p:cSld>
+    <p:bg>
+      <p:bgPr>
+        <a:solidFill>
+          <a:schemeClr val="tx1"/>
+        </a:solidFill>
+        <a:effectLst/>
+      </p:bgPr>
+    </p:bg>
+    <p:spTree>
+      <p:nvGrpSpPr>
+        <p:cNvPr id="1" name="">
+          <a:extLst>
+            <a:ext uri="{FF2B5EF4-FFF2-40B4-BE49-F238E27FC236}">
+              <a16:creationId xmlns:a16="http://schemas.microsoft.com/office/drawing/2014/main" id="{2F555E54-302D-FAF5-8B61-33E8328B6B4F}"/>
+            </a:ext>
+          </a:extLst>
+        </p:cNvPr>
+        <p:cNvGrpSpPr/>
+        <p:nvPr/>
+      </p:nvGrpSpPr>
+      <p:grpSpPr>
+        <a:xfrm>
+          <a:off x="0" y="0"/>
+          <a:ext cx="0" cy="0"/>
+          <a:chOff x="0" y="0"/>
+          <a:chExt cx="0" cy="0"/>
+        </a:xfrm>
+      </p:grpSpPr>
+      <p:sp>
+        <p:nvSpPr>
+          <p:cNvPr id="4" name="Textfeld 3">
+            <a:extLst>
+              <a:ext uri="{FF2B5EF4-FFF2-40B4-BE49-F238E27FC236}">
+                <a16:creationId xmlns:a16="http://schemas.microsoft.com/office/drawing/2014/main" id="{7BAA204B-745F-1A14-8016-08FF53D32972}"/>
+              </a:ext>
+            </a:extLst>
+          </p:cNvPr>
+          <p:cNvSpPr txBox="1"/>
+          <p:nvPr/>
+        </p:nvSpPr>
+        <p:spPr>
+          <a:xfrm>
+            <a:off x="1716032" y="603978"/>
+            <a:ext cx="7682846" cy="5016758"/>
+          </a:xfrm>
+          <a:prstGeom prst="rect">
+            <a:avLst/>
+          </a:prstGeom>
+          <a:noFill/>
+        </p:spPr>
+        <p:txBody>
+          <a:bodyPr wrap="square" rtlCol="0">
+            <a:spAutoFit/>
+          </a:bodyPr>
+          <a:lstStyle/>
+          <a:p>
+            <a:pPr algn="ctr"/>
+            <a:r>
+              <a:rPr lang="de-DE" sz="2800" b="0" u="sng" dirty="0">
+                <a:solidFill>
+                  <a:schemeClr val="bg1"/>
+                </a:solidFill>
+                <a:effectLst/>
+                <a:latin typeface="Consolas" panose="020B0609020204030204" pitchFamily="49" charset="0"/>
+              </a:rPr>
+              <a:t>Allgemeiner Hinweis:</a:t>
+            </a:r>
+          </a:p>
+          <a:p>
+            <a:pPr algn="ctr"/>
+            <a:r>
+              <a:rPr lang="de-DE" sz="2800" dirty="0">
+                <a:solidFill>
+                  <a:schemeClr val="bg1"/>
+                </a:solidFill>
+                <a:latin typeface="Consolas" panose="020B0609020204030204" pitchFamily="49" charset="0"/>
+              </a:rPr>
+              <a:t>Sie werden im Laufe der Spiele immer wieder kurze Zwischenbildschirme sehen, diese sind kein Teil des Spiels an sich, ließen sich aber bis zum jetzigen Zeitpunkt auch nicht vermeiden. Lassen Sie sich dadurch nicht verunsichern</a:t>
+            </a:r>
+            <a:r>
+              <a:rPr lang="de-DE" sz="2800" b="0" dirty="0">
+                <a:solidFill>
+                  <a:schemeClr val="bg1"/>
+                </a:solidFill>
+                <a:effectLst/>
+                <a:latin typeface="Consolas" panose="020B0609020204030204" pitchFamily="49" charset="0"/>
+              </a:rPr>
+              <a:t>.</a:t>
+            </a:r>
+          </a:p>
+          <a:p>
+            <a:pPr algn="ctr"/>
+            <a:endParaRPr lang="de-DE" sz="2400" dirty="0">
+              <a:solidFill>
+                <a:schemeClr val="bg1"/>
+              </a:solidFill>
+              <a:sym typeface="Wingdings" panose="05000000000000000000" pitchFamily="2" charset="2"/>
+            </a:endParaRPr>
+          </a:p>
+          <a:p>
+            <a:pPr algn="ctr"/>
+            <a:endParaRPr lang="de-DE" sz="2400" dirty="0">
+              <a:solidFill>
+                <a:schemeClr val="bg1"/>
+              </a:solidFill>
+              <a:sym typeface="Wingdings" panose="05000000000000000000" pitchFamily="2" charset="2"/>
+            </a:endParaRPr>
+          </a:p>
+          <a:p>
+            <a:pPr algn="ctr"/>
+            <a:endParaRPr lang="de-DE" sz="2400" dirty="0">
+              <a:solidFill>
+                <a:schemeClr val="bg1"/>
+              </a:solidFill>
+              <a:sym typeface="Wingdings" panose="05000000000000000000" pitchFamily="2" charset="2"/>
+            </a:endParaRPr>
+          </a:p>
+          <a:p>
+            <a:pPr algn="ctr"/>
+            <a:r>
+              <a:rPr lang="de-DE" sz="2400" dirty="0">
+                <a:solidFill>
+                  <a:schemeClr val="bg1"/>
+                </a:solidFill>
+                <a:sym typeface="Wingdings" panose="05000000000000000000" pitchFamily="2" charset="2"/>
+              </a:rPr>
+              <a:t>Bitte die </a:t>
+            </a:r>
+            <a:r>
+              <a:rPr lang="de-DE" sz="2400" b="1" dirty="0">
+                <a:solidFill>
+                  <a:schemeClr val="bg1"/>
+                </a:solidFill>
+                <a:sym typeface="Wingdings" panose="05000000000000000000" pitchFamily="2" charset="2"/>
+              </a:rPr>
+              <a:t>LEERTASTE</a:t>
+            </a:r>
+            <a:r>
+              <a:rPr lang="de-DE" sz="2400" dirty="0">
+                <a:solidFill>
+                  <a:schemeClr val="bg1"/>
+                </a:solidFill>
+                <a:sym typeface="Wingdings" panose="05000000000000000000" pitchFamily="2" charset="2"/>
+              </a:rPr>
+              <a:t> drücken, um fortzufahren</a:t>
+            </a:r>
+            <a:endParaRPr lang="de-DE" sz="2400" dirty="0">
+              <a:solidFill>
+                <a:schemeClr val="bg1"/>
+              </a:solidFill>
+            </a:endParaRPr>
+          </a:p>
+        </p:txBody>
+      </p:sp>
+    </p:spTree>
+    <p:extLst>
+      <p:ext uri="{BB962C8B-B14F-4D97-AF65-F5344CB8AC3E}">
+        <p14:creationId xmlns:p14="http://schemas.microsoft.com/office/powerpoint/2010/main" val="3224404698"/>
+      </p:ext>
+    </p:extLst>
+  </p:cSld>
+  <p:clrMapOvr>
+    <a:masterClrMapping/>
+  </p:clrMapOvr>
+</p:sld>
+</file>
+
+<file path=ppt/slides/slide5.xml><?xml version="1.0" encoding="utf-8"?>
+<p:sld xmlns:a="http://schemas.openxmlformats.org/drawingml/2006/main" xmlns:r="http://schemas.openxmlformats.org/officeDocument/2006/relationships" xmlns:p="http://schemas.openxmlformats.org/presentationml/2006/main">
+  <p:cSld>
+    <p:bg>
+      <p:bgPr>
+        <a:solidFill>
+          <a:schemeClr val="tx1"/>
+        </a:solidFill>
+        <a:effectLst/>
+      </p:bgPr>
+    </p:bg>
+    <p:spTree>
+      <p:nvGrpSpPr>
+        <p:cNvPr id="1" name="">
+          <a:extLst>
+            <a:ext uri="{FF2B5EF4-FFF2-40B4-BE49-F238E27FC236}">
+              <a16:creationId xmlns:a16="http://schemas.microsoft.com/office/drawing/2014/main" id="{2F555E54-302D-FAF5-8B61-33E8328B6B4F}"/>
+            </a:ext>
+          </a:extLst>
+        </p:cNvPr>
+        <p:cNvGrpSpPr/>
+        <p:nvPr/>
+      </p:nvGrpSpPr>
+      <p:grpSpPr>
+        <a:xfrm>
+          <a:off x="0" y="0"/>
+          <a:ext cx="0" cy="0"/>
+          <a:chOff x="0" y="0"/>
+          <a:chExt cx="0" cy="0"/>
+        </a:xfrm>
+      </p:grpSpPr>
+      <p:sp>
+        <p:nvSpPr>
+          <p:cNvPr id="4" name="Textfeld 3">
+            <a:extLst>
+              <a:ext uri="{FF2B5EF4-FFF2-40B4-BE49-F238E27FC236}">
+                <a16:creationId xmlns:a16="http://schemas.microsoft.com/office/drawing/2014/main" id="{7BAA204B-745F-1A14-8016-08FF53D32972}"/>
+              </a:ext>
+            </a:extLst>
+          </p:cNvPr>
+          <p:cNvSpPr txBox="1"/>
+          <p:nvPr/>
+        </p:nvSpPr>
+        <p:spPr>
+          <a:xfrm>
+            <a:off x="1603889" y="1751291"/>
+            <a:ext cx="8143960" cy="1908215"/>
+          </a:xfrm>
+          <a:prstGeom prst="rect">
+            <a:avLst/>
+          </a:prstGeom>
+          <a:noFill/>
+        </p:spPr>
+        <p:txBody>
+          <a:bodyPr wrap="square" rtlCol="0">
+            <a:spAutoFit/>
+          </a:bodyPr>
+          <a:lstStyle/>
+          <a:p>
+            <a:pPr algn="ctr"/>
+            <a:r>
+              <a:rPr lang="de-DE" sz="4400" b="0" dirty="0">
+                <a:solidFill>
+                  <a:schemeClr val="bg1"/>
+                </a:solidFill>
+                <a:effectLst/>
+                <a:latin typeface="Consolas" panose="020B0609020204030204" pitchFamily="49" charset="0"/>
+              </a:rPr>
+              <a:t>Beginnen wir mit Spiel 1!</a:t>
+            </a:r>
+          </a:p>
+          <a:p>
+            <a:pPr algn="ctr"/>
+            <a:endParaRPr lang="de-DE" dirty="0">
+              <a:solidFill>
+                <a:schemeClr val="bg1"/>
+              </a:solidFill>
+              <a:sym typeface="Wingdings" panose="05000000000000000000" pitchFamily="2" charset="2"/>
+            </a:endParaRPr>
+          </a:p>
+          <a:p>
+            <a:pPr algn="ctr"/>
+            <a:endParaRPr lang="de-DE" dirty="0">
+              <a:solidFill>
+                <a:schemeClr val="bg1"/>
+              </a:solidFill>
+              <a:sym typeface="Wingdings" panose="05000000000000000000" pitchFamily="2" charset="2"/>
+            </a:endParaRPr>
+          </a:p>
+          <a:p>
+            <a:pPr algn="ctr"/>
+            <a:endParaRPr lang="de-DE" dirty="0">
+              <a:solidFill>
+                <a:schemeClr val="bg1"/>
+              </a:solidFill>
+              <a:sym typeface="Wingdings" panose="05000000000000000000" pitchFamily="2" charset="2"/>
+            </a:endParaRPr>
+          </a:p>
+          <a:p>
+            <a:pPr algn="ctr"/>
+            <a:r>
+              <a:rPr lang="de-DE" sz="2000" dirty="0">
+                <a:solidFill>
+                  <a:schemeClr val="bg1"/>
+                </a:solidFill>
+                <a:sym typeface="Wingdings" panose="05000000000000000000" pitchFamily="2" charset="2"/>
+              </a:rPr>
+              <a:t>Bitte die </a:t>
+            </a:r>
+            <a:r>
+              <a:rPr lang="de-DE" sz="2000" b="1" dirty="0">
+                <a:solidFill>
+                  <a:schemeClr val="bg1"/>
+                </a:solidFill>
+                <a:sym typeface="Wingdings" panose="05000000000000000000" pitchFamily="2" charset="2"/>
+              </a:rPr>
+              <a:t>LEERTASTE</a:t>
+            </a:r>
+            <a:r>
+              <a:rPr lang="de-DE" sz="2000" dirty="0">
+                <a:solidFill>
+                  <a:schemeClr val="bg1"/>
+                </a:solidFill>
+                <a:sym typeface="Wingdings" panose="05000000000000000000" pitchFamily="2" charset="2"/>
+              </a:rPr>
+              <a:t> drücken, um fortzufahren</a:t>
+            </a:r>
+            <a:endParaRPr lang="de-DE" sz="2000" dirty="0">
+              <a:solidFill>
+                <a:schemeClr val="bg1"/>
+              </a:solidFill>
+            </a:endParaRPr>
+          </a:p>
+        </p:txBody>
+      </p:sp>
+    </p:spTree>
+    <p:extLst>
+      <p:ext uri="{BB962C8B-B14F-4D97-AF65-F5344CB8AC3E}">
+        <p14:creationId xmlns:p14="http://schemas.microsoft.com/office/powerpoint/2010/main" val="2432278270"/>
+      </p:ext>
+    </p:extLst>
+  </p:cSld>
+  <p:clrMapOvr>
+    <a:masterClrMapping/>
+  </p:clrMapOvr>
+</p:sld>
+</file>
+
+<file path=ppt/slides/slide6.xml><?xml version="1.0" encoding="utf-8"?>
+<p:sld xmlns:a="http://schemas.openxmlformats.org/drawingml/2006/main" xmlns:r="http://schemas.openxmlformats.org/officeDocument/2006/relationships" xmlns:p="http://schemas.openxmlformats.org/presentationml/2006/main">
+  <p:cSld>
+    <p:bg>
+      <p:bgPr>
+        <a:solidFill>
+          <a:schemeClr val="tx1"/>
+        </a:solidFill>
+        <a:effectLst/>
+      </p:bgPr>
+    </p:bg>
+    <p:spTree>
+      <p:nvGrpSpPr>
+        <p:cNvPr id="1" name="">
+          <a:extLst>
+            <a:ext uri="{FF2B5EF4-FFF2-40B4-BE49-F238E27FC236}">
+              <a16:creationId xmlns:a16="http://schemas.microsoft.com/office/drawing/2014/main" id="{B25867C5-31EE-2747-E375-9235E74EB9AD}"/>
+            </a:ext>
+          </a:extLst>
+        </p:cNvPr>
+        <p:cNvGrpSpPr/>
+        <p:nvPr/>
+      </p:nvGrpSpPr>
+      <p:grpSpPr>
+        <a:xfrm>
+          <a:off x="0" y="0"/>
+          <a:ext cx="0" cy="0"/>
+          <a:chOff x="0" y="0"/>
+          <a:chExt cx="0" cy="0"/>
+        </a:xfrm>
+      </p:grpSpPr>
+      <p:sp>
+        <p:nvSpPr>
+          <p:cNvPr id="4" name="Textfeld 3">
+            <a:extLst>
+              <a:ext uri="{FF2B5EF4-FFF2-40B4-BE49-F238E27FC236}">
+                <a16:creationId xmlns:a16="http://schemas.microsoft.com/office/drawing/2014/main" id="{D191F11D-095D-DC95-90F9-C136253207C7}"/>
+              </a:ext>
+            </a:extLst>
+          </p:cNvPr>
+          <p:cNvSpPr txBox="1"/>
+          <p:nvPr/>
+        </p:nvSpPr>
+        <p:spPr>
+          <a:xfrm>
+            <a:off x="1807089" y="181109"/>
+            <a:ext cx="7682846" cy="5847755"/>
+          </a:xfrm>
+          <a:prstGeom prst="rect">
+            <a:avLst/>
+          </a:prstGeom>
+          <a:noFill/>
+        </p:spPr>
+        <p:txBody>
+          <a:bodyPr wrap="square" rtlCol="0">
+            <a:spAutoFit/>
+          </a:bodyPr>
+          <a:lstStyle/>
+          <a:p>
+            <a:pPr algn="ctr"/>
+            <a:r>
+              <a:rPr lang="de-DE" sz="3200" b="0" dirty="0">
+                <a:solidFill>
+                  <a:schemeClr val="bg1"/>
+                </a:solidFill>
+                <a:effectLst/>
+                <a:latin typeface="Consolas" panose="020B0609020204030204" pitchFamily="49" charset="0"/>
+              </a:rPr>
+              <a:t>Ihre Aufgabe ist es, </a:t>
+            </a:r>
+            <a:r>
+              <a:rPr lang="de-DE" sz="3000" b="0" dirty="0">
+                <a:solidFill>
+                  <a:schemeClr val="bg1"/>
+                </a:solidFill>
+                <a:effectLst/>
+                <a:latin typeface="Consolas" panose="020B0609020204030204" pitchFamily="49" charset="0"/>
+              </a:rPr>
+              <a:t>nach links oder rechts zu steuern, um die an einer zufälligen Stelle erscheinende </a:t>
+            </a:r>
+            <a:r>
+              <a:rPr lang="de-DE" sz="3000" b="0" dirty="0">
+                <a:solidFill>
+                  <a:srgbClr val="FF0000"/>
+                </a:solidFill>
+                <a:effectLst/>
+                <a:latin typeface="Consolas" panose="020B0609020204030204" pitchFamily="49" charset="0"/>
+              </a:rPr>
+              <a:t>Kreatur</a:t>
+            </a:r>
+            <a:r>
+              <a:rPr lang="de-DE" sz="3000" b="0" dirty="0">
+                <a:solidFill>
+                  <a:schemeClr val="bg1"/>
+                </a:solidFill>
+                <a:effectLst/>
+                <a:latin typeface="Consolas" panose="020B0609020204030204" pitchFamily="49" charset="0"/>
+              </a:rPr>
+              <a:t> zu erschießen.</a:t>
+            </a:r>
+          </a:p>
+          <a:p>
+            <a:pPr algn="ctr"/>
+            <a:endParaRPr lang="de-DE" sz="3200" dirty="0">
+              <a:solidFill>
+                <a:schemeClr val="bg1"/>
+              </a:solidFill>
+              <a:latin typeface="Consolas" panose="020B0609020204030204" pitchFamily="49" charset="0"/>
+            </a:endParaRPr>
+          </a:p>
+          <a:p>
+            <a:pPr algn="ctr"/>
+            <a:endParaRPr lang="de-DE" sz="3200" b="0" dirty="0">
+              <a:solidFill>
+                <a:schemeClr val="bg1"/>
+              </a:solidFill>
+              <a:effectLst/>
+              <a:latin typeface="Consolas" panose="020B0609020204030204" pitchFamily="49" charset="0"/>
+            </a:endParaRPr>
+          </a:p>
+          <a:p>
+            <a:pPr algn="ctr"/>
+            <a:endParaRPr lang="de-DE" sz="3200" dirty="0">
+              <a:solidFill>
+                <a:schemeClr val="bg1"/>
+              </a:solidFill>
+              <a:latin typeface="Consolas" panose="020B0609020204030204" pitchFamily="49" charset="0"/>
+            </a:endParaRPr>
+          </a:p>
+          <a:p>
+            <a:pPr algn="ctr"/>
+            <a:endParaRPr lang="de-DE" sz="3200" b="0" dirty="0">
+              <a:solidFill>
+                <a:schemeClr val="bg1"/>
+              </a:solidFill>
+              <a:effectLst/>
+              <a:latin typeface="Consolas" panose="020B0609020204030204" pitchFamily="49" charset="0"/>
+            </a:endParaRPr>
+          </a:p>
+          <a:p>
+            <a:pPr algn="ctr"/>
+            <a:endParaRPr lang="de-DE" sz="3200" b="0" dirty="0">
+              <a:solidFill>
+                <a:schemeClr val="bg1"/>
+              </a:solidFill>
+              <a:effectLst/>
+              <a:latin typeface="Consolas" panose="020B0609020204030204" pitchFamily="49" charset="0"/>
+            </a:endParaRPr>
+          </a:p>
+          <a:p>
+            <a:pPr algn="ctr"/>
+            <a:endParaRPr lang="de-DE" dirty="0">
+              <a:solidFill>
+                <a:schemeClr val="bg1"/>
+              </a:solidFill>
+              <a:sym typeface="Wingdings" panose="05000000000000000000" pitchFamily="2" charset="2"/>
+            </a:endParaRPr>
+          </a:p>
+          <a:p>
+            <a:pPr algn="ctr"/>
+            <a:endParaRPr lang="de-DE" dirty="0">
+              <a:solidFill>
+                <a:schemeClr val="bg1"/>
+              </a:solidFill>
+              <a:sym typeface="Wingdings" panose="05000000000000000000" pitchFamily="2" charset="2"/>
+            </a:endParaRPr>
+          </a:p>
+          <a:p>
+            <a:pPr algn="ctr"/>
+            <a:endParaRPr lang="de-DE" dirty="0">
+              <a:solidFill>
+                <a:schemeClr val="bg1"/>
+              </a:solidFill>
+              <a:sym typeface="Wingdings" panose="05000000000000000000" pitchFamily="2" charset="2"/>
+            </a:endParaRPr>
+          </a:p>
+          <a:p>
+            <a:pPr algn="ctr"/>
+            <a:endParaRPr lang="de-DE" sz="2000" dirty="0">
+              <a:solidFill>
+                <a:schemeClr val="bg1"/>
+              </a:solidFill>
+              <a:sym typeface="Wingdings" panose="05000000000000000000" pitchFamily="2" charset="2"/>
+            </a:endParaRPr>
+          </a:p>
+          <a:p>
+            <a:pPr algn="ctr"/>
+            <a:r>
+              <a:rPr lang="de-DE" sz="2000" dirty="0">
+                <a:solidFill>
+                  <a:schemeClr val="bg1"/>
+                </a:solidFill>
+                <a:sym typeface="Wingdings" panose="05000000000000000000" pitchFamily="2" charset="2"/>
+              </a:rPr>
+              <a:t>Bitte die </a:t>
+            </a:r>
+            <a:r>
+              <a:rPr lang="de-DE" sz="2000" b="1" dirty="0">
+                <a:solidFill>
+                  <a:schemeClr val="bg1"/>
+                </a:solidFill>
+                <a:sym typeface="Wingdings" panose="05000000000000000000" pitchFamily="2" charset="2"/>
+              </a:rPr>
+              <a:t>LEERTASTE</a:t>
+            </a:r>
+            <a:r>
+              <a:rPr lang="de-DE" sz="2000" dirty="0">
+                <a:solidFill>
+                  <a:schemeClr val="bg1"/>
+                </a:solidFill>
+                <a:sym typeface="Wingdings" panose="05000000000000000000" pitchFamily="2" charset="2"/>
+              </a:rPr>
+              <a:t> drücken, um fortzufahren</a:t>
+            </a:r>
+            <a:endParaRPr lang="de-DE" sz="2000" dirty="0">
+              <a:solidFill>
+                <a:schemeClr val="bg1"/>
+              </a:solidFill>
+            </a:endParaRPr>
+          </a:p>
+        </p:txBody>
+      </p:sp>
+      <p:pic>
+        <p:nvPicPr>
+          <p:cNvPr id="3" name="Grafik 2" descr="Ein Bild, das Screenshot, PC-Spiel, 3D-Modellierung, Digitales Compositing enthält.&#10;&#10;Automatisch generierte Beschreibung">
+            <a:extLst>
+              <a:ext uri="{FF2B5EF4-FFF2-40B4-BE49-F238E27FC236}">
+                <a16:creationId xmlns:a16="http://schemas.microsoft.com/office/drawing/2014/main" id="{0ED68A27-946B-E001-7E1E-A64DC3BC62F9}"/>
+              </a:ext>
+            </a:extLst>
+          </p:cNvPr>
+          <p:cNvPicPr>
+            <a:picLocks noChangeAspect="1"/>
+          </p:cNvPicPr>
+          <p:nvPr/>
+        </p:nvPicPr>
+        <p:blipFill>
+          <a:blip r:embed="rId2">
+            <a:extLst>
+              <a:ext uri="{28A0092B-C50C-407E-A947-70E740481C1C}">
+                <a14:useLocalDpi xmlns:a14="http://schemas.microsoft.com/office/drawing/2010/main" val="0"/>
+              </a:ext>
+            </a:extLst>
+          </a:blip>
+          <a:stretch>
+            <a:fillRect/>
+          </a:stretch>
+        </p:blipFill>
+        <p:spPr>
+          <a:xfrm>
+            <a:off x="3287490" y="2124363"/>
+            <a:ext cx="4496815" cy="3477490"/>
+          </a:xfrm>
+          <a:prstGeom prst="rect">
+            <a:avLst/>
+          </a:prstGeom>
+        </p:spPr>
+      </p:pic>
+      <p:sp>
+        <p:nvSpPr>
+          <p:cNvPr id="2" name="Ellipse 1">
+            <a:extLst>
+              <a:ext uri="{FF2B5EF4-FFF2-40B4-BE49-F238E27FC236}">
+                <a16:creationId xmlns:a16="http://schemas.microsoft.com/office/drawing/2014/main" id="{DF804A5F-831E-DA75-E0A9-14FAAD7C1A09}"/>
+              </a:ext>
+            </a:extLst>
+          </p:cNvPr>
+          <p:cNvSpPr/>
+          <p:nvPr/>
+        </p:nvSpPr>
+        <p:spPr>
+          <a:xfrm>
+            <a:off x="6096000" y="3700732"/>
+            <a:ext cx="632604" cy="595223"/>
+          </a:xfrm>
+          <a:prstGeom prst="ellipse">
+            <a:avLst/>
+          </a:prstGeom>
+          <a:noFill/>
+          <a:ln w="38100">
+            <a:solidFill>
+              <a:srgbClr val="FF0000"/>
+            </a:solidFill>
+          </a:ln>
+        </p:spPr>
+        <p:style>
+          <a:lnRef idx="2">
+            <a:schemeClr val="accent1">
+              <a:shade val="15000"/>
+            </a:schemeClr>
+          </a:lnRef>
+          <a:fillRef idx="1">
+            <a:schemeClr val="accent1"/>
+          </a:fillRef>
+          <a:effectRef idx="0">
+            <a:schemeClr val="accent1"/>
+          </a:effectRef>
+          <a:fontRef idx="minor">
+            <a:schemeClr val="lt1"/>
+          </a:fontRef>
+        </p:style>
+        <p:txBody>
+          <a:bodyPr rtlCol="0" anchor="ctr"/>
+          <a:lstStyle/>
+          <a:p>
+            <a:pPr algn="ctr"/>
+            <a:endParaRPr lang="de-DE"/>
+          </a:p>
+        </p:txBody>
+      </p:sp>
+    </p:spTree>
+    <p:extLst>
+      <p:ext uri="{BB962C8B-B14F-4D97-AF65-F5344CB8AC3E}">
+        <p14:creationId xmlns:p14="http://schemas.microsoft.com/office/powerpoint/2010/main" val="2376988713"/>
+      </p:ext>
+    </p:extLst>
+  </p:cSld>
+  <p:clrMapOvr>
+    <a:masterClrMapping/>
+  </p:clrMapOvr>
+</p:sld>
+</file>
+
+<file path=ppt/slides/slide7.xml><?xml version="1.0" encoding="utf-8"?>
+<p:sld xmlns:a="http://schemas.openxmlformats.org/drawingml/2006/main" xmlns:r="http://schemas.openxmlformats.org/officeDocument/2006/relationships" xmlns:p="http://schemas.openxmlformats.org/presentationml/2006/main">
+  <p:cSld>
+    <p:bg>
+      <p:bgPr>
+        <a:solidFill>
+          <a:schemeClr val="tx1"/>
+        </a:solidFill>
+        <a:effectLst/>
+      </p:bgPr>
+    </p:bg>
+    <p:spTree>
+      <p:nvGrpSpPr>
+        <p:cNvPr id="1" name="">
+          <a:extLst>
+            <a:ext uri="{FF2B5EF4-FFF2-40B4-BE49-F238E27FC236}">
+              <a16:creationId xmlns:a16="http://schemas.microsoft.com/office/drawing/2014/main" id="{3EFE3318-6E5D-0A81-F427-A84F2C3E0696}"/>
+            </a:ext>
+          </a:extLst>
+        </p:cNvPr>
+        <p:cNvGrpSpPr/>
+        <p:nvPr/>
+      </p:nvGrpSpPr>
+      <p:grpSpPr>
+        <a:xfrm>
+          <a:off x="0" y="0"/>
+          <a:ext cx="0" cy="0"/>
+          <a:chOff x="0" y="0"/>
+          <a:chExt cx="0" cy="0"/>
+        </a:xfrm>
+      </p:grpSpPr>
+      <p:sp>
+        <p:nvSpPr>
+          <p:cNvPr id="4" name="Textfeld 3">
+            <a:extLst>
+              <a:ext uri="{FF2B5EF4-FFF2-40B4-BE49-F238E27FC236}">
+                <a16:creationId xmlns:a16="http://schemas.microsoft.com/office/drawing/2014/main" id="{A7F7700D-0694-3E3F-F846-2BD42942D96A}"/>
+              </a:ext>
+            </a:extLst>
+          </p:cNvPr>
+          <p:cNvSpPr txBox="1"/>
+          <p:nvPr/>
+        </p:nvSpPr>
+        <p:spPr>
+          <a:xfrm>
+            <a:off x="1240672" y="461250"/>
+            <a:ext cx="9710656" cy="5847755"/>
+          </a:xfrm>
+          <a:prstGeom prst="rect">
+            <a:avLst/>
+          </a:prstGeom>
+          <a:noFill/>
+        </p:spPr>
+        <p:txBody>
+          <a:bodyPr wrap="square" rtlCol="0">
+            <a:spAutoFit/>
+          </a:bodyPr>
+          <a:lstStyle/>
+          <a:p>
+            <a:pPr algn="ctr"/>
+            <a:r>
+              <a:rPr lang="de-DE" sz="2000" b="0" dirty="0">
+                <a:solidFill>
+                  <a:schemeClr val="bg1"/>
+                </a:solidFill>
+                <a:effectLst/>
+                <a:latin typeface="Consolas" panose="020B0609020204030204" pitchFamily="49" charset="0"/>
+              </a:rPr>
+              <a:t>Sie bewegen sich mit den Tasten </a:t>
+            </a:r>
+            <a:r>
+              <a:rPr lang="de-DE" sz="2000" b="1" dirty="0">
+                <a:solidFill>
+                  <a:schemeClr val="bg1"/>
+                </a:solidFill>
+                <a:effectLst/>
+                <a:latin typeface="Consolas" panose="020B0609020204030204" pitchFamily="49" charset="0"/>
+              </a:rPr>
+              <a:t>A</a:t>
+            </a:r>
+            <a:r>
+              <a:rPr lang="de-DE" sz="2000" b="0" dirty="0">
+                <a:solidFill>
+                  <a:schemeClr val="bg1"/>
+                </a:solidFill>
+                <a:effectLst/>
+                <a:latin typeface="Consolas" panose="020B0609020204030204" pitchFamily="49" charset="0"/>
+              </a:rPr>
+              <a:t> und </a:t>
+            </a:r>
+            <a:r>
+              <a:rPr lang="de-DE" sz="2000" b="1" dirty="0">
+                <a:solidFill>
+                  <a:schemeClr val="bg1"/>
+                </a:solidFill>
+                <a:effectLst/>
+                <a:latin typeface="Consolas" panose="020B0609020204030204" pitchFamily="49" charset="0"/>
+              </a:rPr>
+              <a:t>D </a:t>
+            </a:r>
+            <a:r>
+              <a:rPr lang="de-DE" sz="2000" dirty="0">
+                <a:solidFill>
+                  <a:schemeClr val="bg1"/>
+                </a:solidFill>
+                <a:effectLst/>
+                <a:latin typeface="Consolas" panose="020B0609020204030204" pitchFamily="49" charset="0"/>
+              </a:rPr>
+              <a:t>nach links und rechts</a:t>
+            </a:r>
+            <a:r>
+              <a:rPr lang="de-DE" sz="2000" b="0" dirty="0">
+                <a:solidFill>
+                  <a:schemeClr val="bg1"/>
+                </a:solidFill>
+                <a:effectLst/>
+                <a:latin typeface="Consolas" panose="020B0609020204030204" pitchFamily="49" charset="0"/>
+              </a:rPr>
+              <a:t>, Sie schießen mit der STRG-Taste. </a:t>
+            </a:r>
+          </a:p>
+          <a:p>
+            <a:pPr algn="ctr"/>
+            <a:endParaRPr lang="de-DE" sz="2000" b="0" dirty="0">
+              <a:solidFill>
+                <a:schemeClr val="bg1"/>
+              </a:solidFill>
+              <a:effectLst/>
+              <a:latin typeface="Consolas" panose="020B0609020204030204" pitchFamily="49" charset="0"/>
+            </a:endParaRPr>
+          </a:p>
+          <a:p>
+            <a:pPr algn="ctr"/>
+            <a:r>
+              <a:rPr lang="de-DE" sz="2000" b="0" dirty="0">
+                <a:solidFill>
+                  <a:schemeClr val="bg1"/>
+                </a:solidFill>
+                <a:effectLst/>
+                <a:latin typeface="Consolas" panose="020B0609020204030204" pitchFamily="49" charset="0"/>
+              </a:rPr>
+              <a:t>Legen Sie nun bitte </a:t>
+            </a:r>
+            <a:r>
+              <a:rPr lang="de-DE" sz="2000" b="0" dirty="0">
+                <a:solidFill>
+                  <a:srgbClr val="FFFF00"/>
+                </a:solidFill>
+                <a:effectLst/>
+                <a:latin typeface="Consolas" panose="020B0609020204030204" pitchFamily="49" charset="0"/>
+              </a:rPr>
+              <a:t>Zeige</a:t>
+            </a:r>
+            <a:r>
+              <a:rPr lang="de-DE" sz="2000" b="0" dirty="0">
+                <a:solidFill>
+                  <a:schemeClr val="bg1"/>
+                </a:solidFill>
+                <a:effectLst/>
+                <a:latin typeface="Consolas" panose="020B0609020204030204" pitchFamily="49" charset="0"/>
+              </a:rPr>
+              <a:t>- und </a:t>
+            </a:r>
+            <a:r>
+              <a:rPr lang="de-DE" sz="2000" b="0" dirty="0">
+                <a:solidFill>
+                  <a:srgbClr val="FF0000"/>
+                </a:solidFill>
+                <a:effectLst/>
+                <a:latin typeface="Consolas" panose="020B0609020204030204" pitchFamily="49" charset="0"/>
+              </a:rPr>
+              <a:t>Ring</a:t>
+            </a:r>
+            <a:r>
+              <a:rPr lang="de-DE" sz="2000" b="0" dirty="0">
+                <a:solidFill>
+                  <a:schemeClr val="bg1"/>
+                </a:solidFill>
+                <a:effectLst/>
+                <a:latin typeface="Consolas" panose="020B0609020204030204" pitchFamily="49" charset="0"/>
+              </a:rPr>
+              <a:t>finger der </a:t>
+            </a:r>
+            <a:r>
+              <a:rPr lang="de-DE" sz="2000" b="0" u="sng" dirty="0">
+                <a:solidFill>
+                  <a:schemeClr val="bg1"/>
+                </a:solidFill>
+                <a:effectLst/>
+                <a:latin typeface="Consolas" panose="020B0609020204030204" pitchFamily="49" charset="0"/>
+              </a:rPr>
+              <a:t>linken</a:t>
+            </a:r>
+            <a:r>
+              <a:rPr lang="de-DE" sz="2000" b="0" dirty="0">
+                <a:solidFill>
+                  <a:schemeClr val="bg1"/>
+                </a:solidFill>
+                <a:effectLst/>
+                <a:latin typeface="Consolas" panose="020B0609020204030204" pitchFamily="49" charset="0"/>
+              </a:rPr>
+              <a:t> Hand auf die Tasten </a:t>
+            </a:r>
+            <a:r>
+              <a:rPr lang="de-DE" sz="2000" b="0" dirty="0">
+                <a:solidFill>
+                  <a:srgbClr val="FF0000"/>
+                </a:solidFill>
+                <a:effectLst/>
+                <a:latin typeface="Consolas" panose="020B0609020204030204" pitchFamily="49" charset="0"/>
+              </a:rPr>
+              <a:t>A</a:t>
+            </a:r>
+            <a:r>
+              <a:rPr lang="de-DE" sz="2000" b="0" dirty="0">
+                <a:solidFill>
+                  <a:schemeClr val="bg1"/>
+                </a:solidFill>
+                <a:effectLst/>
+                <a:latin typeface="Consolas" panose="020B0609020204030204" pitchFamily="49" charset="0"/>
+              </a:rPr>
+              <a:t> und </a:t>
+            </a:r>
+            <a:r>
+              <a:rPr lang="de-DE" sz="2000" b="0" dirty="0">
+                <a:solidFill>
+                  <a:srgbClr val="FFFF00"/>
+                </a:solidFill>
+                <a:effectLst/>
+                <a:latin typeface="Consolas" panose="020B0609020204030204" pitchFamily="49" charset="0"/>
+              </a:rPr>
+              <a:t>D</a:t>
+            </a:r>
+            <a:r>
+              <a:rPr lang="de-DE" sz="2000" b="0" dirty="0">
+                <a:solidFill>
+                  <a:schemeClr val="bg1"/>
+                </a:solidFill>
+                <a:effectLst/>
+                <a:latin typeface="Consolas" panose="020B0609020204030204" pitchFamily="49" charset="0"/>
+              </a:rPr>
+              <a:t>, den </a:t>
+            </a:r>
+            <a:r>
+              <a:rPr lang="de-DE" sz="2000" b="0" dirty="0">
+                <a:solidFill>
+                  <a:srgbClr val="00B0F0"/>
+                </a:solidFill>
+                <a:effectLst/>
+                <a:latin typeface="Consolas" panose="020B0609020204030204" pitchFamily="49" charset="0"/>
+              </a:rPr>
+              <a:t>Daumen</a:t>
+            </a:r>
+            <a:r>
+              <a:rPr lang="de-DE" sz="2000" b="0" dirty="0">
+                <a:solidFill>
+                  <a:schemeClr val="bg1"/>
+                </a:solidFill>
+                <a:effectLst/>
+                <a:latin typeface="Consolas" panose="020B0609020204030204" pitchFamily="49" charset="0"/>
+              </a:rPr>
+              <a:t> der </a:t>
+            </a:r>
+            <a:r>
+              <a:rPr lang="de-DE" sz="2000" b="0" u="sng" dirty="0">
+                <a:solidFill>
+                  <a:schemeClr val="bg1"/>
+                </a:solidFill>
+                <a:effectLst/>
+                <a:latin typeface="Consolas" panose="020B0609020204030204" pitchFamily="49" charset="0"/>
+              </a:rPr>
+              <a:t>linken</a:t>
+            </a:r>
+            <a:r>
+              <a:rPr lang="de-DE" sz="2000" b="0" dirty="0">
+                <a:solidFill>
+                  <a:schemeClr val="bg1"/>
+                </a:solidFill>
+                <a:effectLst/>
+                <a:latin typeface="Consolas" panose="020B0609020204030204" pitchFamily="49" charset="0"/>
+              </a:rPr>
+              <a:t> Hand auf die </a:t>
+            </a:r>
+            <a:r>
+              <a:rPr lang="de-DE" sz="2000" b="0" dirty="0">
+                <a:solidFill>
+                  <a:srgbClr val="00B0F0"/>
+                </a:solidFill>
+                <a:effectLst/>
+                <a:latin typeface="Consolas" panose="020B0609020204030204" pitchFamily="49" charset="0"/>
+              </a:rPr>
+              <a:t>Leertaste</a:t>
+            </a:r>
+            <a:r>
+              <a:rPr lang="de-DE" sz="2000" b="0" dirty="0">
+                <a:solidFill>
+                  <a:schemeClr val="bg1"/>
+                </a:solidFill>
+                <a:effectLst/>
+                <a:latin typeface="Consolas" panose="020B0609020204030204" pitchFamily="49" charset="0"/>
+              </a:rPr>
+              <a:t> und einen oder zwei </a:t>
+            </a:r>
+            <a:r>
+              <a:rPr lang="de-DE" sz="2000" b="0" dirty="0">
+                <a:solidFill>
+                  <a:srgbClr val="CC0066"/>
+                </a:solidFill>
+                <a:effectLst/>
+                <a:latin typeface="Consolas" panose="020B0609020204030204" pitchFamily="49" charset="0"/>
+              </a:rPr>
+              <a:t>Finger</a:t>
+            </a:r>
+            <a:r>
+              <a:rPr lang="de-DE" sz="2000" b="0" dirty="0">
+                <a:solidFill>
+                  <a:schemeClr val="bg1"/>
+                </a:solidFill>
+                <a:effectLst/>
+                <a:latin typeface="Consolas" panose="020B0609020204030204" pitchFamily="49" charset="0"/>
+              </a:rPr>
+              <a:t> der </a:t>
+            </a:r>
+            <a:r>
+              <a:rPr lang="de-DE" sz="2000" b="0" dirty="0">
+                <a:solidFill>
+                  <a:srgbClr val="CC0066"/>
+                </a:solidFill>
+                <a:effectLst/>
+                <a:latin typeface="Consolas" panose="020B0609020204030204" pitchFamily="49" charset="0"/>
+              </a:rPr>
+              <a:t>rechten</a:t>
+            </a:r>
+            <a:r>
+              <a:rPr lang="de-DE" sz="2000" b="0" dirty="0">
+                <a:solidFill>
+                  <a:schemeClr val="bg1"/>
+                </a:solidFill>
+                <a:effectLst/>
+                <a:latin typeface="Consolas" panose="020B0609020204030204" pitchFamily="49" charset="0"/>
+              </a:rPr>
+              <a:t> Hand auf die </a:t>
+            </a:r>
+            <a:r>
+              <a:rPr lang="de-DE" sz="2000" b="0" dirty="0">
+                <a:solidFill>
+                  <a:srgbClr val="CC0066"/>
+                </a:solidFill>
+                <a:effectLst/>
+                <a:latin typeface="Consolas" panose="020B0609020204030204" pitchFamily="49" charset="0"/>
+              </a:rPr>
+              <a:t>STRG</a:t>
+            </a:r>
+            <a:r>
+              <a:rPr lang="de-DE" sz="2000" b="0" dirty="0">
+                <a:solidFill>
+                  <a:schemeClr val="bg1"/>
+                </a:solidFill>
+                <a:effectLst/>
+                <a:latin typeface="Consolas" panose="020B0609020204030204" pitchFamily="49" charset="0"/>
+              </a:rPr>
+              <a:t>-Taste rechts unten auf der Tastatur.</a:t>
+            </a:r>
+          </a:p>
+          <a:p>
+            <a:pPr algn="ctr"/>
+            <a:endParaRPr lang="de-DE" dirty="0">
+              <a:solidFill>
+                <a:schemeClr val="bg1"/>
+              </a:solidFill>
+              <a:sym typeface="Wingdings" panose="05000000000000000000" pitchFamily="2" charset="2"/>
+            </a:endParaRPr>
+          </a:p>
+          <a:p>
+            <a:pPr algn="ctr"/>
+            <a:endParaRPr lang="de-DE" dirty="0">
+              <a:solidFill>
+                <a:schemeClr val="bg1"/>
+              </a:solidFill>
+              <a:sym typeface="Wingdings" panose="05000000000000000000" pitchFamily="2" charset="2"/>
+            </a:endParaRPr>
+          </a:p>
+          <a:p>
+            <a:pPr algn="ctr"/>
+            <a:endParaRPr lang="de-DE" dirty="0">
+              <a:solidFill>
+                <a:schemeClr val="bg1"/>
+              </a:solidFill>
+              <a:sym typeface="Wingdings" panose="05000000000000000000" pitchFamily="2" charset="2"/>
+            </a:endParaRPr>
+          </a:p>
+          <a:p>
+            <a:pPr algn="ctr"/>
+            <a:endParaRPr lang="de-DE" sz="2000" dirty="0">
+              <a:solidFill>
+                <a:schemeClr val="bg1"/>
+              </a:solidFill>
+              <a:sym typeface="Wingdings" panose="05000000000000000000" pitchFamily="2" charset="2"/>
+            </a:endParaRPr>
+          </a:p>
+          <a:p>
+            <a:pPr algn="ctr"/>
+            <a:endParaRPr lang="de-DE" sz="2000" dirty="0">
+              <a:solidFill>
+                <a:schemeClr val="bg1"/>
+              </a:solidFill>
+              <a:sym typeface="Wingdings" panose="05000000000000000000" pitchFamily="2" charset="2"/>
+            </a:endParaRPr>
+          </a:p>
+          <a:p>
+            <a:pPr algn="ctr"/>
+            <a:endParaRPr lang="de-DE" sz="2000" dirty="0">
+              <a:solidFill>
+                <a:schemeClr val="bg1"/>
+              </a:solidFill>
+              <a:sym typeface="Wingdings" panose="05000000000000000000" pitchFamily="2" charset="2"/>
+            </a:endParaRPr>
+          </a:p>
+          <a:p>
+            <a:pPr algn="ctr"/>
+            <a:endParaRPr lang="de-DE" sz="2000" dirty="0">
+              <a:solidFill>
+                <a:schemeClr val="bg1"/>
+              </a:solidFill>
+              <a:sym typeface="Wingdings" panose="05000000000000000000" pitchFamily="2" charset="2"/>
+            </a:endParaRPr>
+          </a:p>
+          <a:p>
+            <a:pPr algn="ctr"/>
+            <a:endParaRPr lang="de-DE" sz="2000" dirty="0">
+              <a:solidFill>
+                <a:schemeClr val="bg1"/>
+              </a:solidFill>
+              <a:sym typeface="Wingdings" panose="05000000000000000000" pitchFamily="2" charset="2"/>
+            </a:endParaRPr>
+          </a:p>
+          <a:p>
+            <a:pPr algn="ctr"/>
+            <a:endParaRPr lang="de-DE" sz="2000" dirty="0">
+              <a:solidFill>
+                <a:schemeClr val="bg1"/>
+              </a:solidFill>
+              <a:sym typeface="Wingdings" panose="05000000000000000000" pitchFamily="2" charset="2"/>
+            </a:endParaRPr>
+          </a:p>
+          <a:p>
+            <a:pPr algn="ctr"/>
+            <a:endParaRPr lang="de-DE" sz="2000" dirty="0">
+              <a:solidFill>
+                <a:schemeClr val="bg1"/>
+              </a:solidFill>
+              <a:sym typeface="Wingdings" panose="05000000000000000000" pitchFamily="2" charset="2"/>
+            </a:endParaRPr>
+          </a:p>
+          <a:p>
+            <a:pPr algn="ctr"/>
+            <a:endParaRPr lang="de-DE" sz="2000" dirty="0">
+              <a:solidFill>
+                <a:schemeClr val="bg1"/>
+              </a:solidFill>
+              <a:sym typeface="Wingdings" panose="05000000000000000000" pitchFamily="2" charset="2"/>
+            </a:endParaRPr>
+          </a:p>
+          <a:p>
+            <a:pPr algn="ctr"/>
+            <a:r>
+              <a:rPr lang="de-DE" sz="2000" dirty="0">
+                <a:solidFill>
+                  <a:schemeClr val="bg1"/>
+                </a:solidFill>
+                <a:sym typeface="Wingdings" panose="05000000000000000000" pitchFamily="2" charset="2"/>
+              </a:rPr>
+              <a:t>Bitte die </a:t>
+            </a:r>
+            <a:r>
+              <a:rPr lang="de-DE" sz="2000" b="1" dirty="0">
+                <a:solidFill>
+                  <a:schemeClr val="bg1"/>
+                </a:solidFill>
+                <a:sym typeface="Wingdings" panose="05000000000000000000" pitchFamily="2" charset="2"/>
+              </a:rPr>
+              <a:t>LEERTASTE</a:t>
+            </a:r>
+            <a:r>
+              <a:rPr lang="de-DE" sz="2000" dirty="0">
+                <a:solidFill>
+                  <a:schemeClr val="bg1"/>
+                </a:solidFill>
+                <a:sym typeface="Wingdings" panose="05000000000000000000" pitchFamily="2" charset="2"/>
+              </a:rPr>
+              <a:t> drücken, um fortzufahren</a:t>
+            </a:r>
+            <a:endParaRPr lang="de-DE" sz="2000" dirty="0">
+              <a:solidFill>
+                <a:schemeClr val="bg1"/>
+              </a:solidFill>
+            </a:endParaRPr>
+          </a:p>
+        </p:txBody>
+      </p:sp>
+      <p:pic>
+        <p:nvPicPr>
+          <p:cNvPr id="3" name="Grafik 2">
+            <a:extLst>
+              <a:ext uri="{FF2B5EF4-FFF2-40B4-BE49-F238E27FC236}">
+                <a16:creationId xmlns:a16="http://schemas.microsoft.com/office/drawing/2014/main" id="{4CA607E6-115D-5B54-F6A6-ABBC5C63474C}"/>
+              </a:ext>
+            </a:extLst>
+          </p:cNvPr>
+          <p:cNvPicPr>
+            <a:picLocks noChangeAspect="1"/>
+          </p:cNvPicPr>
+          <p:nvPr/>
+        </p:nvPicPr>
+        <p:blipFill>
+          <a:blip r:embed="rId2">
+            <a:extLst>
+              <a:ext uri="{28A0092B-C50C-407E-A947-70E740481C1C}">
+                <a14:useLocalDpi xmlns:a14="http://schemas.microsoft.com/office/drawing/2010/main" val="0"/>
+              </a:ext>
+            </a:extLst>
+          </a:blip>
+          <a:stretch>
+            <a:fillRect/>
+          </a:stretch>
+        </p:blipFill>
+        <p:spPr>
+          <a:xfrm>
+            <a:off x="2720283" y="3057526"/>
+            <a:ext cx="6502400" cy="2175461"/>
+          </a:xfrm>
+          <a:prstGeom prst="rect">
+            <a:avLst/>
+          </a:prstGeom>
+        </p:spPr>
+      </p:pic>
+      <p:sp>
+        <p:nvSpPr>
+          <p:cNvPr id="2" name="Rechteck: abgerundete Ecken 1">
+            <a:extLst>
+              <a:ext uri="{FF2B5EF4-FFF2-40B4-BE49-F238E27FC236}">
+                <a16:creationId xmlns:a16="http://schemas.microsoft.com/office/drawing/2014/main" id="{218BF682-B81F-9C8B-DA7B-231B96891B09}"/>
+              </a:ext>
+            </a:extLst>
+          </p:cNvPr>
+          <p:cNvSpPr/>
+          <p:nvPr/>
+        </p:nvSpPr>
+        <p:spPr>
+          <a:xfrm>
+            <a:off x="3260785" y="4192438"/>
+            <a:ext cx="232913" cy="224287"/>
+          </a:xfrm>
+          <a:prstGeom prst="roundRect">
+            <a:avLst/>
+          </a:prstGeom>
+          <a:noFill/>
+          <a:ln w="38100">
+            <a:solidFill>
+              <a:srgbClr val="FF0000"/>
+            </a:solidFill>
+          </a:ln>
+        </p:spPr>
+        <p:style>
+          <a:lnRef idx="2">
+            <a:schemeClr val="accent1">
+              <a:shade val="15000"/>
+            </a:schemeClr>
+          </a:lnRef>
+          <a:fillRef idx="1">
+            <a:schemeClr val="accent1"/>
+          </a:fillRef>
+          <a:effectRef idx="0">
+            <a:schemeClr val="accent1"/>
+          </a:effectRef>
+          <a:fontRef idx="minor">
+            <a:schemeClr val="lt1"/>
+          </a:fontRef>
+        </p:style>
+        <p:txBody>
+          <a:bodyPr rtlCol="0" anchor="ctr"/>
+          <a:lstStyle/>
+          <a:p>
+            <a:pPr algn="ctr"/>
+            <a:endParaRPr lang="de-DE"/>
+          </a:p>
+        </p:txBody>
+      </p:sp>
+      <p:sp>
+        <p:nvSpPr>
+          <p:cNvPr id="11" name="Rechteck: abgerundete Ecken 10">
+            <a:extLst>
+              <a:ext uri="{FF2B5EF4-FFF2-40B4-BE49-F238E27FC236}">
+                <a16:creationId xmlns:a16="http://schemas.microsoft.com/office/drawing/2014/main" id="{48634B3C-C26C-D304-43E0-978C5D3ABBED}"/>
+              </a:ext>
+            </a:extLst>
+          </p:cNvPr>
+          <p:cNvSpPr/>
+          <p:nvPr/>
+        </p:nvSpPr>
+        <p:spPr>
+          <a:xfrm>
+            <a:off x="3809913" y="4192438"/>
+            <a:ext cx="232913" cy="224287"/>
+          </a:xfrm>
+          <a:prstGeom prst="roundRect">
+            <a:avLst/>
+          </a:prstGeom>
+          <a:noFill/>
+          <a:ln w="38100">
+            <a:solidFill>
+              <a:srgbClr val="FFFF00"/>
+            </a:solidFill>
+          </a:ln>
+        </p:spPr>
+        <p:style>
+          <a:lnRef idx="2">
+            <a:schemeClr val="accent1">
+              <a:shade val="15000"/>
+            </a:schemeClr>
+          </a:lnRef>
+          <a:fillRef idx="1">
+            <a:schemeClr val="accent1"/>
+          </a:fillRef>
+          <a:effectRef idx="0">
+            <a:schemeClr val="accent1"/>
+          </a:effectRef>
+          <a:fontRef idx="minor">
+            <a:schemeClr val="lt1"/>
+          </a:fontRef>
+        </p:style>
+        <p:txBody>
+          <a:bodyPr rtlCol="0" anchor="ctr"/>
+          <a:lstStyle/>
+          <a:p>
+            <a:pPr algn="ctr"/>
+            <a:endParaRPr lang="de-DE"/>
+          </a:p>
+        </p:txBody>
+      </p:sp>
+      <p:sp>
+        <p:nvSpPr>
+          <p:cNvPr id="12" name="Rechteck: abgerundete Ecken 11">
+            <a:extLst>
+              <a:ext uri="{FF2B5EF4-FFF2-40B4-BE49-F238E27FC236}">
+                <a16:creationId xmlns:a16="http://schemas.microsoft.com/office/drawing/2014/main" id="{EC21962E-6EDB-9B67-597D-15EA88A76E75}"/>
+              </a:ext>
+            </a:extLst>
+          </p:cNvPr>
+          <p:cNvSpPr/>
+          <p:nvPr/>
+        </p:nvSpPr>
+        <p:spPr>
+          <a:xfrm>
+            <a:off x="3926369" y="4744528"/>
+            <a:ext cx="1603163" cy="362310"/>
+          </a:xfrm>
+          <a:prstGeom prst="roundRect">
+            <a:avLst/>
+          </a:prstGeom>
+          <a:noFill/>
+          <a:ln w="38100">
+            <a:solidFill>
+              <a:srgbClr val="00B0F0"/>
+            </a:solidFill>
+          </a:ln>
+        </p:spPr>
+        <p:style>
+          <a:lnRef idx="2">
+            <a:schemeClr val="accent1">
+              <a:shade val="15000"/>
+            </a:schemeClr>
+          </a:lnRef>
+          <a:fillRef idx="1">
+            <a:schemeClr val="accent1"/>
+          </a:fillRef>
+          <a:effectRef idx="0">
+            <a:schemeClr val="accent1"/>
+          </a:effectRef>
+          <a:fontRef idx="minor">
+            <a:schemeClr val="lt1"/>
+          </a:fontRef>
+        </p:style>
+        <p:txBody>
+          <a:bodyPr rtlCol="0" anchor="ctr"/>
+          <a:lstStyle/>
+          <a:p>
+            <a:pPr algn="ctr"/>
+            <a:endParaRPr lang="de-DE"/>
+          </a:p>
+        </p:txBody>
+      </p:sp>
+      <p:sp>
+        <p:nvSpPr>
+          <p:cNvPr id="13" name="Rechteck: abgerundete Ecken 12">
+            <a:extLst>
+              <a:ext uri="{FF2B5EF4-FFF2-40B4-BE49-F238E27FC236}">
+                <a16:creationId xmlns:a16="http://schemas.microsoft.com/office/drawing/2014/main" id="{99063A1D-D39D-B6B4-1286-5BB7206C6476}"/>
+              </a:ext>
+            </a:extLst>
+          </p:cNvPr>
+          <p:cNvSpPr/>
+          <p:nvPr/>
+        </p:nvSpPr>
+        <p:spPr>
+          <a:xfrm>
+            <a:off x="6443932" y="4744528"/>
+            <a:ext cx="491706" cy="258793"/>
+          </a:xfrm>
+          <a:prstGeom prst="roundRect">
+            <a:avLst/>
+          </a:prstGeom>
+          <a:noFill/>
+          <a:ln w="38100">
+            <a:solidFill>
+              <a:srgbClr val="CC0066"/>
+            </a:solidFill>
+          </a:ln>
+        </p:spPr>
+        <p:style>
+          <a:lnRef idx="2">
+            <a:schemeClr val="accent1">
+              <a:shade val="15000"/>
+            </a:schemeClr>
+          </a:lnRef>
+          <a:fillRef idx="1">
+            <a:schemeClr val="accent1"/>
+          </a:fillRef>
+          <a:effectRef idx="0">
+            <a:schemeClr val="accent1"/>
+          </a:effectRef>
+          <a:fontRef idx="minor">
+            <a:schemeClr val="lt1"/>
+          </a:fontRef>
+        </p:style>
+        <p:txBody>
+          <a:bodyPr rtlCol="0" anchor="ctr"/>
+          <a:lstStyle/>
+          <a:p>
+            <a:pPr algn="ctr"/>
+            <a:endParaRPr lang="de-DE"/>
+          </a:p>
+        </p:txBody>
+      </p:sp>
     </p:spTree>
     <p:extLst>
       <p:ext uri="{BB962C8B-B14F-4D97-AF65-F5344CB8AC3E}">
@@ -4717,7 +9968,7 @@
 </p:sld>
 </file>
 
-<file path=ppt/slides/slide5.xml><?xml version="1.0" encoding="utf-8"?>
+<file path=ppt/slides/slide8.xml><?xml version="1.0" encoding="utf-8"?>
 <p:sld xmlns:a="http://schemas.openxmlformats.org/drawingml/2006/main" xmlns:r="http://schemas.openxmlformats.org/officeDocument/2006/relationships" xmlns:p="http://schemas.openxmlformats.org/presentationml/2006/main">
   <p:cSld>
     <p:bg>
@@ -4763,7 +10014,7 @@
         <p:spPr>
           <a:xfrm>
             <a:off x="1707406" y="431449"/>
-            <a:ext cx="7682846" cy="5570756"/>
+            <a:ext cx="7682846" cy="5878532"/>
           </a:xfrm>
           <a:prstGeom prst="rect">
             <a:avLst/>
@@ -4785,7 +10036,7 @@
                 <a:effectLst/>
                 <a:latin typeface="Consolas" panose="020B0609020204030204" pitchFamily="49" charset="0"/>
               </a:rPr>
-              <a:t>Es gibt im Spiel eine Besonderheit: Die Steuerung zur seitlichen Bewegung kann </a:t>
+              <a:t>Es gibt in diesem Spiel eine Besonderheit: Die Steuerung zur seitlichen Bewegung kann </a:t>
             </a:r>
             <a:r>
               <a:rPr lang="de-DE" sz="2000" b="1" dirty="0">
@@ -5213,7 +10464,7 @@
 </p:sld>
 </file>
 
-<file path=ppt/slides/slide6.xml><?xml version="1.0" encoding="utf-8"?>
+<file path=ppt/slides/slide9.xml><?xml version="1.0" encoding="utf-8"?>
 <p:sld xmlns:a="http://schemas.openxmlformats.org/drawingml/2006/main" xmlns:r="http://schemas.openxmlformats.org/officeDocument/2006/relationships" xmlns:p="http://schemas.openxmlformats.org/presentationml/2006/main">
   <p:cSld>
     <p:bg>

--- a/exp_img/instructions.pptx
+++ b/exp_img/instructions.pptx
@@ -8,28 +8,32 @@
     <p:sldId id="256" r:id="rId2"/>
     <p:sldId id="257" r:id="rId3"/>
     <p:sldId id="263" r:id="rId4"/>
-    <p:sldId id="281" r:id="rId5"/>
-    <p:sldId id="264" r:id="rId6"/>
-    <p:sldId id="258" r:id="rId7"/>
-    <p:sldId id="259" r:id="rId8"/>
-    <p:sldId id="260" r:id="rId9"/>
-    <p:sldId id="261" r:id="rId10"/>
-    <p:sldId id="262" r:id="rId11"/>
-    <p:sldId id="273" r:id="rId12"/>
-    <p:sldId id="265" r:id="rId13"/>
-    <p:sldId id="266" r:id="rId14"/>
-    <p:sldId id="268" r:id="rId15"/>
-    <p:sldId id="269" r:id="rId16"/>
-    <p:sldId id="274" r:id="rId17"/>
-    <p:sldId id="270" r:id="rId18"/>
-    <p:sldId id="271" r:id="rId19"/>
-    <p:sldId id="272" r:id="rId20"/>
-    <p:sldId id="276" r:id="rId21"/>
-    <p:sldId id="275" r:id="rId22"/>
-    <p:sldId id="277" r:id="rId23"/>
-    <p:sldId id="278" r:id="rId24"/>
-    <p:sldId id="280" r:id="rId25"/>
-    <p:sldId id="279" r:id="rId26"/>
+    <p:sldId id="282" r:id="rId5"/>
+    <p:sldId id="281" r:id="rId6"/>
+    <p:sldId id="283" r:id="rId7"/>
+    <p:sldId id="264" r:id="rId8"/>
+    <p:sldId id="284" r:id="rId9"/>
+    <p:sldId id="258" r:id="rId10"/>
+    <p:sldId id="259" r:id="rId11"/>
+    <p:sldId id="285" r:id="rId12"/>
+    <p:sldId id="260" r:id="rId13"/>
+    <p:sldId id="261" r:id="rId14"/>
+    <p:sldId id="262" r:id="rId15"/>
+    <p:sldId id="273" r:id="rId16"/>
+    <p:sldId id="265" r:id="rId17"/>
+    <p:sldId id="266" r:id="rId18"/>
+    <p:sldId id="268" r:id="rId19"/>
+    <p:sldId id="269" r:id="rId20"/>
+    <p:sldId id="274" r:id="rId21"/>
+    <p:sldId id="270" r:id="rId22"/>
+    <p:sldId id="271" r:id="rId23"/>
+    <p:sldId id="272" r:id="rId24"/>
+    <p:sldId id="276" r:id="rId25"/>
+    <p:sldId id="275" r:id="rId26"/>
+    <p:sldId id="277" r:id="rId27"/>
+    <p:sldId id="278" r:id="rId28"/>
+    <p:sldId id="280" r:id="rId29"/>
+    <p:sldId id="279" r:id="rId30"/>
   </p:sldIdLst>
   <p:sldSz cx="12192000" cy="6858000"/>
   <p:notesSz cx="6858000" cy="9144000"/>
@@ -283,7 +287,7 @@
           <a:p>
             <a:fld id="{9583AF26-4D68-42D5-A917-CD55DA578274}" type="datetimeFigureOut">
               <a:rPr lang="de-DE" smtClean="0"/>
-              <a:t>22.07.2024</a:t>
+              <a:t>28.11.2024</a:t>
             </a:fld>
             <a:endParaRPr lang="de-DE"/>
           </a:p>
@@ -481,7 +485,7 @@
           <a:p>
             <a:fld id="{9583AF26-4D68-42D5-A917-CD55DA578274}" type="datetimeFigureOut">
               <a:rPr lang="de-DE" smtClean="0"/>
-              <a:t>22.07.2024</a:t>
+              <a:t>28.11.2024</a:t>
             </a:fld>
             <a:endParaRPr lang="de-DE"/>
           </a:p>
@@ -689,7 +693,7 @@
           <a:p>
             <a:fld id="{9583AF26-4D68-42D5-A917-CD55DA578274}" type="datetimeFigureOut">
               <a:rPr lang="de-DE" smtClean="0"/>
-              <a:t>22.07.2024</a:t>
+              <a:t>28.11.2024</a:t>
             </a:fld>
             <a:endParaRPr lang="de-DE"/>
           </a:p>
@@ -887,7 +891,7 @@
           <a:p>
             <a:fld id="{9583AF26-4D68-42D5-A917-CD55DA578274}" type="datetimeFigureOut">
               <a:rPr lang="de-DE" smtClean="0"/>
-              <a:t>22.07.2024</a:t>
+              <a:t>28.11.2024</a:t>
             </a:fld>
             <a:endParaRPr lang="de-DE"/>
           </a:p>
@@ -1162,7 +1166,7 @@
           <a:p>
             <a:fld id="{9583AF26-4D68-42D5-A917-CD55DA578274}" type="datetimeFigureOut">
               <a:rPr lang="de-DE" smtClean="0"/>
-              <a:t>22.07.2024</a:t>
+              <a:t>28.11.2024</a:t>
             </a:fld>
             <a:endParaRPr lang="de-DE"/>
           </a:p>
@@ -1427,7 +1431,7 @@
           <a:p>
             <a:fld id="{9583AF26-4D68-42D5-A917-CD55DA578274}" type="datetimeFigureOut">
               <a:rPr lang="de-DE" smtClean="0"/>
-              <a:t>22.07.2024</a:t>
+              <a:t>28.11.2024</a:t>
             </a:fld>
             <a:endParaRPr lang="de-DE"/>
           </a:p>
@@ -1839,7 +1843,7 @@
           <a:p>
             <a:fld id="{9583AF26-4D68-42D5-A917-CD55DA578274}" type="datetimeFigureOut">
               <a:rPr lang="de-DE" smtClean="0"/>
-              <a:t>22.07.2024</a:t>
+              <a:t>28.11.2024</a:t>
             </a:fld>
             <a:endParaRPr lang="de-DE"/>
           </a:p>
@@ -1980,7 +1984,7 @@
           <a:p>
             <a:fld id="{9583AF26-4D68-42D5-A917-CD55DA578274}" type="datetimeFigureOut">
               <a:rPr lang="de-DE" smtClean="0"/>
-              <a:t>22.07.2024</a:t>
+              <a:t>28.11.2024</a:t>
             </a:fld>
             <a:endParaRPr lang="de-DE"/>
           </a:p>
@@ -2093,7 +2097,7 @@
           <a:p>
             <a:fld id="{9583AF26-4D68-42D5-A917-CD55DA578274}" type="datetimeFigureOut">
               <a:rPr lang="de-DE" smtClean="0"/>
-              <a:t>22.07.2024</a:t>
+              <a:t>28.11.2024</a:t>
             </a:fld>
             <a:endParaRPr lang="de-DE"/>
           </a:p>
@@ -2404,7 +2408,7 @@
           <a:p>
             <a:fld id="{9583AF26-4D68-42D5-A917-CD55DA578274}" type="datetimeFigureOut">
               <a:rPr lang="de-DE" smtClean="0"/>
-              <a:t>22.07.2024</a:t>
+              <a:t>28.11.2024</a:t>
             </a:fld>
             <a:endParaRPr lang="de-DE"/>
           </a:p>
@@ -2692,7 +2696,7 @@
           <a:p>
             <a:fld id="{9583AF26-4D68-42D5-A917-CD55DA578274}" type="datetimeFigureOut">
               <a:rPr lang="de-DE" smtClean="0"/>
-              <a:t>22.07.2024</a:t>
+              <a:t>28.11.2024</a:t>
             </a:fld>
             <a:endParaRPr lang="de-DE"/>
           </a:p>
@@ -2933,7 +2937,7 @@
           <a:p>
             <a:fld id="{9583AF26-4D68-42D5-A917-CD55DA578274}" type="datetimeFigureOut">
               <a:rPr lang="de-DE" smtClean="0"/>
-              <a:t>22.07.2024</a:t>
+              <a:t>28.11.2024</a:t>
             </a:fld>
             <a:endParaRPr lang="de-DE"/>
           </a:p>
@@ -3498,862 +3502,6 @@
         <p:cNvPr id="1" name="">
           <a:extLst>
             <a:ext uri="{FF2B5EF4-FFF2-40B4-BE49-F238E27FC236}">
-              <a16:creationId xmlns:a16="http://schemas.microsoft.com/office/drawing/2014/main" id="{2F555E54-302D-FAF5-8B61-33E8328B6B4F}"/>
-            </a:ext>
-          </a:extLst>
-        </p:cNvPr>
-        <p:cNvGrpSpPr/>
-        <p:nvPr/>
-      </p:nvGrpSpPr>
-      <p:grpSpPr>
-        <a:xfrm>
-          <a:off x="0" y="0"/>
-          <a:ext cx="0" cy="0"/>
-          <a:chOff x="0" y="0"/>
-          <a:chExt cx="0" cy="0"/>
-        </a:xfrm>
-      </p:grpSpPr>
-      <p:sp>
-        <p:nvSpPr>
-          <p:cNvPr id="4" name="Textfeld 3">
-            <a:extLst>
-              <a:ext uri="{FF2B5EF4-FFF2-40B4-BE49-F238E27FC236}">
-                <a16:creationId xmlns:a16="http://schemas.microsoft.com/office/drawing/2014/main" id="{7BAA204B-745F-1A14-8016-08FF53D32972}"/>
-              </a:ext>
-            </a:extLst>
-          </p:cNvPr>
-          <p:cNvSpPr txBox="1"/>
-          <p:nvPr/>
-        </p:nvSpPr>
-        <p:spPr>
-          <a:xfrm>
-            <a:off x="1603889" y="1751291"/>
-            <a:ext cx="7682846" cy="2585323"/>
-          </a:xfrm>
-          <a:prstGeom prst="rect">
-            <a:avLst/>
-          </a:prstGeom>
-          <a:noFill/>
-        </p:spPr>
-        <p:txBody>
-          <a:bodyPr wrap="square" rtlCol="0">
-            <a:spAutoFit/>
-          </a:bodyPr>
-          <a:lstStyle/>
-          <a:p>
-            <a:pPr algn="ctr"/>
-            <a:r>
-              <a:rPr lang="de-DE" sz="4400" dirty="0">
-                <a:solidFill>
-                  <a:schemeClr val="bg1"/>
-                </a:solidFill>
-                <a:latin typeface="Consolas" panose="020B0609020204030204" pitchFamily="49" charset="0"/>
-              </a:rPr>
-              <a:t>Gut gemacht!</a:t>
-            </a:r>
-          </a:p>
-          <a:p>
-            <a:pPr algn="ctr"/>
-            <a:r>
-              <a:rPr lang="de-DE" sz="4400" b="0" dirty="0">
-                <a:solidFill>
-                  <a:schemeClr val="bg1"/>
-                </a:solidFill>
-                <a:effectLst/>
-                <a:latin typeface="Consolas" panose="020B0609020204030204" pitchFamily="49" charset="0"/>
-              </a:rPr>
-              <a:t>Das war das erste Spiel.</a:t>
-            </a:r>
-          </a:p>
-          <a:p>
-            <a:pPr algn="ctr"/>
-            <a:endParaRPr lang="de-DE" dirty="0">
-              <a:solidFill>
-                <a:schemeClr val="bg1"/>
-              </a:solidFill>
-              <a:sym typeface="Wingdings" panose="05000000000000000000" pitchFamily="2" charset="2"/>
-            </a:endParaRPr>
-          </a:p>
-          <a:p>
-            <a:pPr algn="ctr"/>
-            <a:endParaRPr lang="de-DE" dirty="0">
-              <a:solidFill>
-                <a:schemeClr val="bg1"/>
-              </a:solidFill>
-              <a:sym typeface="Wingdings" panose="05000000000000000000" pitchFamily="2" charset="2"/>
-            </a:endParaRPr>
-          </a:p>
-          <a:p>
-            <a:pPr algn="ctr"/>
-            <a:endParaRPr lang="de-DE" dirty="0">
-              <a:solidFill>
-                <a:schemeClr val="bg1"/>
-              </a:solidFill>
-              <a:sym typeface="Wingdings" panose="05000000000000000000" pitchFamily="2" charset="2"/>
-            </a:endParaRPr>
-          </a:p>
-          <a:p>
-            <a:pPr algn="ctr"/>
-            <a:r>
-              <a:rPr lang="de-DE" sz="2000" dirty="0">
-                <a:solidFill>
-                  <a:schemeClr val="bg1"/>
-                </a:solidFill>
-                <a:sym typeface="Wingdings" panose="05000000000000000000" pitchFamily="2" charset="2"/>
-              </a:rPr>
-              <a:t>Bitte die </a:t>
-            </a:r>
-            <a:r>
-              <a:rPr lang="de-DE" sz="2000" b="1" dirty="0">
-                <a:solidFill>
-                  <a:schemeClr val="bg1"/>
-                </a:solidFill>
-                <a:sym typeface="Wingdings" panose="05000000000000000000" pitchFamily="2" charset="2"/>
-              </a:rPr>
-              <a:t>LEERTASTE</a:t>
-            </a:r>
-            <a:r>
-              <a:rPr lang="de-DE" sz="2000" dirty="0">
-                <a:solidFill>
-                  <a:schemeClr val="bg1"/>
-                </a:solidFill>
-                <a:sym typeface="Wingdings" panose="05000000000000000000" pitchFamily="2" charset="2"/>
-              </a:rPr>
-              <a:t> drücken, um fortzufahren</a:t>
-            </a:r>
-            <a:endParaRPr lang="de-DE" sz="2000" dirty="0">
-              <a:solidFill>
-                <a:schemeClr val="bg1"/>
-              </a:solidFill>
-            </a:endParaRPr>
-          </a:p>
-        </p:txBody>
-      </p:sp>
-    </p:spTree>
-    <p:extLst>
-      <p:ext uri="{BB962C8B-B14F-4D97-AF65-F5344CB8AC3E}">
-        <p14:creationId xmlns:p14="http://schemas.microsoft.com/office/powerpoint/2010/main" val="1277864588"/>
-      </p:ext>
-    </p:extLst>
-  </p:cSld>
-  <p:clrMapOvr>
-    <a:masterClrMapping/>
-  </p:clrMapOvr>
-</p:sld>
-</file>
-
-<file path=ppt/slides/slide11.xml><?xml version="1.0" encoding="utf-8"?>
-<p:sld xmlns:a="http://schemas.openxmlformats.org/drawingml/2006/main" xmlns:r="http://schemas.openxmlformats.org/officeDocument/2006/relationships" xmlns:p="http://schemas.openxmlformats.org/presentationml/2006/main">
-  <p:cSld>
-    <p:bg>
-      <p:bgPr>
-        <a:solidFill>
-          <a:schemeClr val="tx1"/>
-        </a:solidFill>
-        <a:effectLst/>
-      </p:bgPr>
-    </p:bg>
-    <p:spTree>
-      <p:nvGrpSpPr>
-        <p:cNvPr id="1" name="">
-          <a:extLst>
-            <a:ext uri="{FF2B5EF4-FFF2-40B4-BE49-F238E27FC236}">
-              <a16:creationId xmlns:a16="http://schemas.microsoft.com/office/drawing/2014/main" id="{2F555E54-302D-FAF5-8B61-33E8328B6B4F}"/>
-            </a:ext>
-          </a:extLst>
-        </p:cNvPr>
-        <p:cNvGrpSpPr/>
-        <p:nvPr/>
-      </p:nvGrpSpPr>
-      <p:grpSpPr>
-        <a:xfrm>
-          <a:off x="0" y="0"/>
-          <a:ext cx="0" cy="0"/>
-          <a:chOff x="0" y="0"/>
-          <a:chExt cx="0" cy="0"/>
-        </a:xfrm>
-      </p:grpSpPr>
-      <p:sp>
-        <p:nvSpPr>
-          <p:cNvPr id="4" name="Textfeld 3">
-            <a:extLst>
-              <a:ext uri="{FF2B5EF4-FFF2-40B4-BE49-F238E27FC236}">
-                <a16:creationId xmlns:a16="http://schemas.microsoft.com/office/drawing/2014/main" id="{7BAA204B-745F-1A14-8016-08FF53D32972}"/>
-              </a:ext>
-            </a:extLst>
-          </p:cNvPr>
-          <p:cNvSpPr txBox="1"/>
-          <p:nvPr/>
-        </p:nvSpPr>
-        <p:spPr>
-          <a:xfrm>
-            <a:off x="1603888" y="1751291"/>
-            <a:ext cx="7954179" cy="3262432"/>
-          </a:xfrm>
-          <a:prstGeom prst="rect">
-            <a:avLst/>
-          </a:prstGeom>
-          <a:noFill/>
-        </p:spPr>
-        <p:txBody>
-          <a:bodyPr wrap="square" rtlCol="0">
-            <a:spAutoFit/>
-          </a:bodyPr>
-          <a:lstStyle/>
-          <a:p>
-            <a:pPr algn="ctr"/>
-            <a:r>
-              <a:rPr lang="de-DE" sz="4400" b="0" dirty="0">
-                <a:solidFill>
-                  <a:schemeClr val="bg1"/>
-                </a:solidFill>
-                <a:effectLst/>
-                <a:latin typeface="Consolas" panose="020B0609020204030204" pitchFamily="49" charset="0"/>
-              </a:rPr>
-              <a:t>Wenn Sie möchten, machen Sie eine kurze Pause und fahren dann fort.</a:t>
-            </a:r>
-          </a:p>
-          <a:p>
-            <a:pPr algn="ctr"/>
-            <a:endParaRPr lang="de-DE" dirty="0">
-              <a:solidFill>
-                <a:schemeClr val="bg1"/>
-              </a:solidFill>
-              <a:sym typeface="Wingdings" panose="05000000000000000000" pitchFamily="2" charset="2"/>
-            </a:endParaRPr>
-          </a:p>
-          <a:p>
-            <a:pPr algn="ctr"/>
-            <a:endParaRPr lang="de-DE" dirty="0">
-              <a:solidFill>
-                <a:schemeClr val="bg1"/>
-              </a:solidFill>
-              <a:sym typeface="Wingdings" panose="05000000000000000000" pitchFamily="2" charset="2"/>
-            </a:endParaRPr>
-          </a:p>
-          <a:p>
-            <a:pPr algn="ctr"/>
-            <a:endParaRPr lang="de-DE" dirty="0">
-              <a:solidFill>
-                <a:schemeClr val="bg1"/>
-              </a:solidFill>
-              <a:sym typeface="Wingdings" panose="05000000000000000000" pitchFamily="2" charset="2"/>
-            </a:endParaRPr>
-          </a:p>
-          <a:p>
-            <a:pPr algn="ctr"/>
-            <a:r>
-              <a:rPr lang="de-DE" sz="2000" dirty="0">
-                <a:solidFill>
-                  <a:schemeClr val="bg1"/>
-                </a:solidFill>
-                <a:sym typeface="Wingdings" panose="05000000000000000000" pitchFamily="2" charset="2"/>
-              </a:rPr>
-              <a:t>Bitte die </a:t>
-            </a:r>
-            <a:r>
-              <a:rPr lang="de-DE" sz="2000" b="1" dirty="0">
-                <a:solidFill>
-                  <a:schemeClr val="bg1"/>
-                </a:solidFill>
-                <a:sym typeface="Wingdings" panose="05000000000000000000" pitchFamily="2" charset="2"/>
-              </a:rPr>
-              <a:t>LEERTASTE</a:t>
-            </a:r>
-            <a:r>
-              <a:rPr lang="de-DE" sz="2000" dirty="0">
-                <a:solidFill>
-                  <a:schemeClr val="bg1"/>
-                </a:solidFill>
-                <a:sym typeface="Wingdings" panose="05000000000000000000" pitchFamily="2" charset="2"/>
-              </a:rPr>
-              <a:t> drücken, um fortzufahren</a:t>
-            </a:r>
-            <a:endParaRPr lang="de-DE" sz="2000" dirty="0">
-              <a:solidFill>
-                <a:schemeClr val="bg1"/>
-              </a:solidFill>
-            </a:endParaRPr>
-          </a:p>
-        </p:txBody>
-      </p:sp>
-    </p:spTree>
-    <p:extLst>
-      <p:ext uri="{BB962C8B-B14F-4D97-AF65-F5344CB8AC3E}">
-        <p14:creationId xmlns:p14="http://schemas.microsoft.com/office/powerpoint/2010/main" val="478037220"/>
-      </p:ext>
-    </p:extLst>
-  </p:cSld>
-  <p:clrMapOvr>
-    <a:masterClrMapping/>
-  </p:clrMapOvr>
-</p:sld>
-</file>
-
-<file path=ppt/slides/slide12.xml><?xml version="1.0" encoding="utf-8"?>
-<p:sld xmlns:a="http://schemas.openxmlformats.org/drawingml/2006/main" xmlns:r="http://schemas.openxmlformats.org/officeDocument/2006/relationships" xmlns:p="http://schemas.openxmlformats.org/presentationml/2006/main">
-  <p:cSld>
-    <p:bg>
-      <p:bgPr>
-        <a:solidFill>
-          <a:schemeClr val="tx1"/>
-        </a:solidFill>
-        <a:effectLst/>
-      </p:bgPr>
-    </p:bg>
-    <p:spTree>
-      <p:nvGrpSpPr>
-        <p:cNvPr id="1" name="">
-          <a:extLst>
-            <a:ext uri="{FF2B5EF4-FFF2-40B4-BE49-F238E27FC236}">
-              <a16:creationId xmlns:a16="http://schemas.microsoft.com/office/drawing/2014/main" id="{2F555E54-302D-FAF5-8B61-33E8328B6B4F}"/>
-            </a:ext>
-          </a:extLst>
-        </p:cNvPr>
-        <p:cNvGrpSpPr/>
-        <p:nvPr/>
-      </p:nvGrpSpPr>
-      <p:grpSpPr>
-        <a:xfrm>
-          <a:off x="0" y="0"/>
-          <a:ext cx="0" cy="0"/>
-          <a:chOff x="0" y="0"/>
-          <a:chExt cx="0" cy="0"/>
-        </a:xfrm>
-      </p:grpSpPr>
-      <p:sp>
-        <p:nvSpPr>
-          <p:cNvPr id="4" name="Textfeld 3">
-            <a:extLst>
-              <a:ext uri="{FF2B5EF4-FFF2-40B4-BE49-F238E27FC236}">
-                <a16:creationId xmlns:a16="http://schemas.microsoft.com/office/drawing/2014/main" id="{7BAA204B-745F-1A14-8016-08FF53D32972}"/>
-              </a:ext>
-            </a:extLst>
-          </p:cNvPr>
-          <p:cNvSpPr txBox="1"/>
-          <p:nvPr/>
-        </p:nvSpPr>
-        <p:spPr>
-          <a:xfrm>
-            <a:off x="1603888" y="1751291"/>
-            <a:ext cx="8325115" cy="1908215"/>
-          </a:xfrm>
-          <a:prstGeom prst="rect">
-            <a:avLst/>
-          </a:prstGeom>
-          <a:noFill/>
-        </p:spPr>
-        <p:txBody>
-          <a:bodyPr wrap="square" rtlCol="0">
-            <a:spAutoFit/>
-          </a:bodyPr>
-          <a:lstStyle/>
-          <a:p>
-            <a:pPr algn="ctr"/>
-            <a:r>
-              <a:rPr lang="de-DE" sz="4400" dirty="0">
-                <a:solidFill>
-                  <a:schemeClr val="bg1"/>
-                </a:solidFill>
-                <a:latin typeface="Consolas" panose="020B0609020204030204" pitchFamily="49" charset="0"/>
-              </a:rPr>
-              <a:t>Weiter geht es zu Spiel 2!</a:t>
-            </a:r>
-            <a:endParaRPr lang="de-DE" sz="4400" b="0" dirty="0">
-              <a:solidFill>
-                <a:schemeClr val="bg1"/>
-              </a:solidFill>
-              <a:effectLst/>
-              <a:latin typeface="Consolas" panose="020B0609020204030204" pitchFamily="49" charset="0"/>
-            </a:endParaRPr>
-          </a:p>
-          <a:p>
-            <a:pPr algn="ctr"/>
-            <a:endParaRPr lang="de-DE" dirty="0">
-              <a:solidFill>
-                <a:schemeClr val="bg1"/>
-              </a:solidFill>
-              <a:sym typeface="Wingdings" panose="05000000000000000000" pitchFamily="2" charset="2"/>
-            </a:endParaRPr>
-          </a:p>
-          <a:p>
-            <a:pPr algn="ctr"/>
-            <a:endParaRPr lang="de-DE" dirty="0">
-              <a:solidFill>
-                <a:schemeClr val="bg1"/>
-              </a:solidFill>
-              <a:sym typeface="Wingdings" panose="05000000000000000000" pitchFamily="2" charset="2"/>
-            </a:endParaRPr>
-          </a:p>
-          <a:p>
-            <a:pPr algn="ctr"/>
-            <a:endParaRPr lang="de-DE" dirty="0">
-              <a:solidFill>
-                <a:schemeClr val="bg1"/>
-              </a:solidFill>
-              <a:sym typeface="Wingdings" panose="05000000000000000000" pitchFamily="2" charset="2"/>
-            </a:endParaRPr>
-          </a:p>
-          <a:p>
-            <a:pPr algn="ctr"/>
-            <a:r>
-              <a:rPr lang="de-DE" sz="2000" dirty="0">
-                <a:solidFill>
-                  <a:schemeClr val="bg1"/>
-                </a:solidFill>
-                <a:sym typeface="Wingdings" panose="05000000000000000000" pitchFamily="2" charset="2"/>
-              </a:rPr>
-              <a:t>Bitte die </a:t>
-            </a:r>
-            <a:r>
-              <a:rPr lang="de-DE" sz="2000" b="1" dirty="0">
-                <a:solidFill>
-                  <a:schemeClr val="bg1"/>
-                </a:solidFill>
-                <a:sym typeface="Wingdings" panose="05000000000000000000" pitchFamily="2" charset="2"/>
-              </a:rPr>
-              <a:t>LEERTASTE</a:t>
-            </a:r>
-            <a:r>
-              <a:rPr lang="de-DE" sz="2000" dirty="0">
-                <a:solidFill>
-                  <a:schemeClr val="bg1"/>
-                </a:solidFill>
-                <a:sym typeface="Wingdings" panose="05000000000000000000" pitchFamily="2" charset="2"/>
-              </a:rPr>
-              <a:t> drücken, um fortzufahren</a:t>
-            </a:r>
-            <a:endParaRPr lang="de-DE" sz="2000" dirty="0">
-              <a:solidFill>
-                <a:schemeClr val="bg1"/>
-              </a:solidFill>
-            </a:endParaRPr>
-          </a:p>
-        </p:txBody>
-      </p:sp>
-    </p:spTree>
-    <p:extLst>
-      <p:ext uri="{BB962C8B-B14F-4D97-AF65-F5344CB8AC3E}">
-        <p14:creationId xmlns:p14="http://schemas.microsoft.com/office/powerpoint/2010/main" val="1007176671"/>
-      </p:ext>
-    </p:extLst>
-  </p:cSld>
-  <p:clrMapOvr>
-    <a:masterClrMapping/>
-  </p:clrMapOvr>
-</p:sld>
-</file>
-
-<file path=ppt/slides/slide13.xml><?xml version="1.0" encoding="utf-8"?>
-<p:sld xmlns:a="http://schemas.openxmlformats.org/drawingml/2006/main" xmlns:r="http://schemas.openxmlformats.org/officeDocument/2006/relationships" xmlns:p="http://schemas.openxmlformats.org/presentationml/2006/main">
-  <p:cSld>
-    <p:bg>
-      <p:bgPr>
-        <a:solidFill>
-          <a:schemeClr val="tx1"/>
-        </a:solidFill>
-        <a:effectLst/>
-      </p:bgPr>
-    </p:bg>
-    <p:spTree>
-      <p:nvGrpSpPr>
-        <p:cNvPr id="1" name="">
-          <a:extLst>
-            <a:ext uri="{FF2B5EF4-FFF2-40B4-BE49-F238E27FC236}">
-              <a16:creationId xmlns:a16="http://schemas.microsoft.com/office/drawing/2014/main" id="{B25867C5-31EE-2747-E375-9235E74EB9AD}"/>
-            </a:ext>
-          </a:extLst>
-        </p:cNvPr>
-        <p:cNvGrpSpPr/>
-        <p:nvPr/>
-      </p:nvGrpSpPr>
-      <p:grpSpPr>
-        <a:xfrm>
-          <a:off x="0" y="0"/>
-          <a:ext cx="0" cy="0"/>
-          <a:chOff x="0" y="0"/>
-          <a:chExt cx="0" cy="0"/>
-        </a:xfrm>
-      </p:grpSpPr>
-      <p:sp>
-        <p:nvSpPr>
-          <p:cNvPr id="4" name="Textfeld 3">
-            <a:extLst>
-              <a:ext uri="{FF2B5EF4-FFF2-40B4-BE49-F238E27FC236}">
-                <a16:creationId xmlns:a16="http://schemas.microsoft.com/office/drawing/2014/main" id="{D191F11D-095D-DC95-90F9-C136253207C7}"/>
-              </a:ext>
-            </a:extLst>
-          </p:cNvPr>
-          <p:cNvSpPr txBox="1"/>
-          <p:nvPr/>
-        </p:nvSpPr>
-        <p:spPr>
-          <a:xfrm>
-            <a:off x="1807089" y="181109"/>
-            <a:ext cx="7682846" cy="6032421"/>
-          </a:xfrm>
-          <a:prstGeom prst="rect">
-            <a:avLst/>
-          </a:prstGeom>
-          <a:noFill/>
-        </p:spPr>
-        <p:txBody>
-          <a:bodyPr wrap="square" rtlCol="0">
-            <a:spAutoFit/>
-          </a:bodyPr>
-          <a:lstStyle/>
-          <a:p>
-            <a:pPr algn="ctr"/>
-            <a:r>
-              <a:rPr lang="de-DE" sz="2000" b="0" dirty="0">
-                <a:solidFill>
-                  <a:schemeClr val="bg1"/>
-                </a:solidFill>
-                <a:effectLst/>
-                <a:latin typeface="Consolas" panose="020B0609020204030204" pitchFamily="49" charset="0"/>
-              </a:rPr>
-              <a:t>Ihre Aufgabe ist es, so lange wie möglich zu überleben. Der Boden ist mit einer gefährlichen Flüssigkeit bedeckt, welche Ihnen permanent Schaden zufügt. Heilen können Sie sich über die </a:t>
-            </a:r>
-            <a:r>
-              <a:rPr lang="de-DE" sz="2000" b="0" dirty="0">
-                <a:solidFill>
-                  <a:srgbClr val="00B0F0"/>
-                </a:solidFill>
-                <a:effectLst/>
-                <a:latin typeface="Consolas" panose="020B0609020204030204" pitchFamily="49" charset="0"/>
-              </a:rPr>
-              <a:t>Medizinpakete</a:t>
-            </a:r>
-            <a:r>
-              <a:rPr lang="de-DE" sz="2000" b="0" dirty="0">
-                <a:solidFill>
-                  <a:schemeClr val="bg1"/>
-                </a:solidFill>
-                <a:effectLst/>
-                <a:latin typeface="Consolas" panose="020B0609020204030204" pitchFamily="49" charset="0"/>
-              </a:rPr>
-              <a:t>, aber Vorsicht vor den </a:t>
-            </a:r>
-            <a:r>
-              <a:rPr lang="de-DE" sz="2000" b="0" dirty="0">
-                <a:solidFill>
-                  <a:srgbClr val="FF0000"/>
-                </a:solidFill>
-                <a:effectLst/>
-                <a:latin typeface="Consolas" panose="020B0609020204030204" pitchFamily="49" charset="0"/>
-              </a:rPr>
-              <a:t>Giftflaschen</a:t>
-            </a:r>
-            <a:r>
-              <a:rPr lang="de-DE" sz="2000" b="0" dirty="0">
-                <a:solidFill>
-                  <a:schemeClr val="bg1"/>
-                </a:solidFill>
-                <a:effectLst/>
-                <a:latin typeface="Consolas" panose="020B0609020204030204" pitchFamily="49" charset="0"/>
-              </a:rPr>
-              <a:t>!</a:t>
-            </a:r>
-          </a:p>
-          <a:p>
-            <a:pPr algn="ctr"/>
-            <a:endParaRPr lang="de-DE" sz="3200" dirty="0">
-              <a:solidFill>
-                <a:schemeClr val="bg1"/>
-              </a:solidFill>
-              <a:latin typeface="Consolas" panose="020B0609020204030204" pitchFamily="49" charset="0"/>
-            </a:endParaRPr>
-          </a:p>
-          <a:p>
-            <a:pPr algn="ctr"/>
-            <a:endParaRPr lang="de-DE" sz="3200" b="0" dirty="0">
-              <a:solidFill>
-                <a:schemeClr val="bg1"/>
-              </a:solidFill>
-              <a:effectLst/>
-              <a:latin typeface="Consolas" panose="020B0609020204030204" pitchFamily="49" charset="0"/>
-            </a:endParaRPr>
-          </a:p>
-          <a:p>
-            <a:pPr algn="ctr"/>
-            <a:endParaRPr lang="de-DE" sz="3200" dirty="0">
-              <a:solidFill>
-                <a:schemeClr val="bg1"/>
-              </a:solidFill>
-              <a:latin typeface="Consolas" panose="020B0609020204030204" pitchFamily="49" charset="0"/>
-            </a:endParaRPr>
-          </a:p>
-          <a:p>
-            <a:pPr algn="ctr"/>
-            <a:endParaRPr lang="de-DE" sz="3200" dirty="0">
-              <a:solidFill>
-                <a:schemeClr val="bg1"/>
-              </a:solidFill>
-              <a:latin typeface="Consolas" panose="020B0609020204030204" pitchFamily="49" charset="0"/>
-            </a:endParaRPr>
-          </a:p>
-          <a:p>
-            <a:pPr algn="ctr"/>
-            <a:endParaRPr lang="de-DE" sz="3200" b="0" dirty="0">
-              <a:solidFill>
-                <a:schemeClr val="bg1"/>
-              </a:solidFill>
-              <a:effectLst/>
-              <a:latin typeface="Consolas" panose="020B0609020204030204" pitchFamily="49" charset="0"/>
-            </a:endParaRPr>
-          </a:p>
-          <a:p>
-            <a:pPr algn="ctr"/>
-            <a:endParaRPr lang="de-DE" sz="3200" b="0" dirty="0">
-              <a:solidFill>
-                <a:schemeClr val="bg1"/>
-              </a:solidFill>
-              <a:effectLst/>
-              <a:latin typeface="Consolas" panose="020B0609020204030204" pitchFamily="49" charset="0"/>
-            </a:endParaRPr>
-          </a:p>
-          <a:p>
-            <a:pPr algn="ctr"/>
-            <a:endParaRPr lang="de-DE" dirty="0">
-              <a:solidFill>
-                <a:schemeClr val="bg1"/>
-              </a:solidFill>
-              <a:sym typeface="Wingdings" panose="05000000000000000000" pitchFamily="2" charset="2"/>
-            </a:endParaRPr>
-          </a:p>
-          <a:p>
-            <a:pPr algn="ctr"/>
-            <a:endParaRPr lang="de-DE" dirty="0">
-              <a:solidFill>
-                <a:schemeClr val="bg1"/>
-              </a:solidFill>
-              <a:sym typeface="Wingdings" panose="05000000000000000000" pitchFamily="2" charset="2"/>
-            </a:endParaRPr>
-          </a:p>
-          <a:p>
-            <a:pPr algn="ctr"/>
-            <a:endParaRPr lang="de-DE" dirty="0">
-              <a:solidFill>
-                <a:schemeClr val="bg1"/>
-              </a:solidFill>
-              <a:sym typeface="Wingdings" panose="05000000000000000000" pitchFamily="2" charset="2"/>
-            </a:endParaRPr>
-          </a:p>
-          <a:p>
-            <a:pPr algn="ctr"/>
-            <a:endParaRPr lang="de-DE" sz="2000" dirty="0">
-              <a:solidFill>
-                <a:schemeClr val="bg1"/>
-              </a:solidFill>
-              <a:sym typeface="Wingdings" panose="05000000000000000000" pitchFamily="2" charset="2"/>
-            </a:endParaRPr>
-          </a:p>
-          <a:p>
-            <a:pPr algn="ctr"/>
-            <a:r>
-              <a:rPr lang="de-DE" sz="2000" dirty="0">
-                <a:solidFill>
-                  <a:schemeClr val="bg1"/>
-                </a:solidFill>
-                <a:sym typeface="Wingdings" panose="05000000000000000000" pitchFamily="2" charset="2"/>
-              </a:rPr>
-              <a:t>Bitte die </a:t>
-            </a:r>
-            <a:r>
-              <a:rPr lang="de-DE" sz="2000" b="1" dirty="0">
-                <a:solidFill>
-                  <a:schemeClr val="bg1"/>
-                </a:solidFill>
-                <a:sym typeface="Wingdings" panose="05000000000000000000" pitchFamily="2" charset="2"/>
-              </a:rPr>
-              <a:t>LEERTASTE</a:t>
-            </a:r>
-            <a:r>
-              <a:rPr lang="de-DE" sz="2000" dirty="0">
-                <a:solidFill>
-                  <a:schemeClr val="bg1"/>
-                </a:solidFill>
-                <a:sym typeface="Wingdings" panose="05000000000000000000" pitchFamily="2" charset="2"/>
-              </a:rPr>
-              <a:t> drücken, um fortzufahren</a:t>
-            </a:r>
-            <a:endParaRPr lang="de-DE" sz="2000" dirty="0">
-              <a:solidFill>
-                <a:schemeClr val="bg1"/>
-              </a:solidFill>
-            </a:endParaRPr>
-          </a:p>
-        </p:txBody>
-      </p:sp>
-      <p:pic>
-        <p:nvPicPr>
-          <p:cNvPr id="5" name="Grafik 4" descr="Ein Bild, das Screenshot, PC-Spiel, Spielesoftware, Digitales Compositing enthält.&#10;&#10;Automatisch generierte Beschreibung">
-            <a:extLst>
-              <a:ext uri="{FF2B5EF4-FFF2-40B4-BE49-F238E27FC236}">
-                <a16:creationId xmlns:a16="http://schemas.microsoft.com/office/drawing/2014/main" id="{C6AAD747-5145-5328-29E7-82748426F87B}"/>
-              </a:ext>
-            </a:extLst>
-          </p:cNvPr>
-          <p:cNvPicPr>
-            <a:picLocks noChangeAspect="1"/>
-          </p:cNvPicPr>
-          <p:nvPr/>
-        </p:nvPicPr>
-        <p:blipFill>
-          <a:blip r:embed="rId2">
-            <a:extLst>
-              <a:ext uri="{28A0092B-C50C-407E-A947-70E740481C1C}">
-                <a14:useLocalDpi xmlns:a14="http://schemas.microsoft.com/office/drawing/2010/main" val="0"/>
-              </a:ext>
-            </a:extLst>
-          </a:blip>
-          <a:stretch>
-            <a:fillRect/>
-          </a:stretch>
-        </p:blipFill>
-        <p:spPr>
-          <a:xfrm>
-            <a:off x="3143380" y="1837306"/>
-            <a:ext cx="5010264" cy="3856128"/>
-          </a:xfrm>
-          <a:prstGeom prst="rect">
-            <a:avLst/>
-          </a:prstGeom>
-        </p:spPr>
-      </p:pic>
-      <p:sp>
-        <p:nvSpPr>
-          <p:cNvPr id="7" name="Sechseck 6">
-            <a:extLst>
-              <a:ext uri="{FF2B5EF4-FFF2-40B4-BE49-F238E27FC236}">
-                <a16:creationId xmlns:a16="http://schemas.microsoft.com/office/drawing/2014/main" id="{C51D8EC3-2782-B40D-65B7-4C57DB70E106}"/>
-              </a:ext>
-            </a:extLst>
-          </p:cNvPr>
-          <p:cNvSpPr/>
-          <p:nvPr/>
-        </p:nvSpPr>
-        <p:spPr>
-          <a:xfrm>
-            <a:off x="4580626" y="4175185"/>
-            <a:ext cx="785004" cy="560717"/>
-          </a:xfrm>
-          <a:prstGeom prst="hexagon">
-            <a:avLst/>
-          </a:prstGeom>
-          <a:noFill/>
-          <a:ln w="38100">
-            <a:solidFill>
-              <a:srgbClr val="00B0F0"/>
-            </a:solidFill>
-          </a:ln>
-        </p:spPr>
-        <p:style>
-          <a:lnRef idx="2">
-            <a:schemeClr val="accent1">
-              <a:shade val="15000"/>
-            </a:schemeClr>
-          </a:lnRef>
-          <a:fillRef idx="1">
-            <a:schemeClr val="accent1"/>
-          </a:fillRef>
-          <a:effectRef idx="0">
-            <a:schemeClr val="accent1"/>
-          </a:effectRef>
-          <a:fontRef idx="minor">
-            <a:schemeClr val="lt1"/>
-          </a:fontRef>
-        </p:style>
-        <p:txBody>
-          <a:bodyPr rtlCol="0" anchor="ctr"/>
-          <a:lstStyle/>
-          <a:p>
-            <a:pPr algn="ctr"/>
-            <a:endParaRPr lang="de-DE"/>
-          </a:p>
-        </p:txBody>
-      </p:sp>
-      <p:sp>
-        <p:nvSpPr>
-          <p:cNvPr id="8" name="Ellipse 7">
-            <a:extLst>
-              <a:ext uri="{FF2B5EF4-FFF2-40B4-BE49-F238E27FC236}">
-                <a16:creationId xmlns:a16="http://schemas.microsoft.com/office/drawing/2014/main" id="{F7959DE2-49E8-7E42-9D36-33F26D4287B1}"/>
-              </a:ext>
-            </a:extLst>
-          </p:cNvPr>
-          <p:cNvSpPr/>
-          <p:nvPr/>
-        </p:nvSpPr>
-        <p:spPr>
-          <a:xfrm>
-            <a:off x="5814204" y="4175185"/>
-            <a:ext cx="854015" cy="802257"/>
-          </a:xfrm>
-          <a:prstGeom prst="ellipse">
-            <a:avLst/>
-          </a:prstGeom>
-          <a:noFill/>
-          <a:ln w="38100">
-            <a:solidFill>
-              <a:srgbClr val="FF0000"/>
-            </a:solidFill>
-          </a:ln>
-        </p:spPr>
-        <p:style>
-          <a:lnRef idx="2">
-            <a:schemeClr val="accent1">
-              <a:shade val="15000"/>
-            </a:schemeClr>
-          </a:lnRef>
-          <a:fillRef idx="1">
-            <a:schemeClr val="accent1"/>
-          </a:fillRef>
-          <a:effectRef idx="0">
-            <a:schemeClr val="accent1"/>
-          </a:effectRef>
-          <a:fontRef idx="minor">
-            <a:schemeClr val="lt1"/>
-          </a:fontRef>
-        </p:style>
-        <p:txBody>
-          <a:bodyPr rtlCol="0" anchor="ctr"/>
-          <a:lstStyle/>
-          <a:p>
-            <a:pPr algn="ctr"/>
-            <a:endParaRPr lang="de-DE"/>
-          </a:p>
-        </p:txBody>
-      </p:sp>
-    </p:spTree>
-    <p:extLst>
-      <p:ext uri="{BB962C8B-B14F-4D97-AF65-F5344CB8AC3E}">
-        <p14:creationId xmlns:p14="http://schemas.microsoft.com/office/powerpoint/2010/main" val="3480489692"/>
-      </p:ext>
-    </p:extLst>
-  </p:cSld>
-  <p:clrMapOvr>
-    <a:masterClrMapping/>
-  </p:clrMapOvr>
-</p:sld>
-</file>
-
-<file path=ppt/slides/slide14.xml><?xml version="1.0" encoding="utf-8"?>
-<p:sld xmlns:a="http://schemas.openxmlformats.org/drawingml/2006/main" xmlns:r="http://schemas.openxmlformats.org/officeDocument/2006/relationships" xmlns:p="http://schemas.openxmlformats.org/presentationml/2006/main">
-  <p:cSld>
-    <p:bg>
-      <p:bgPr>
-        <a:solidFill>
-          <a:schemeClr val="tx1"/>
-        </a:solidFill>
-        <a:effectLst/>
-      </p:bgPr>
-    </p:bg>
-    <p:spTree>
-      <p:nvGrpSpPr>
-        <p:cNvPr id="1" name="">
-          <a:extLst>
-            <a:ext uri="{FF2B5EF4-FFF2-40B4-BE49-F238E27FC236}">
               <a16:creationId xmlns:a16="http://schemas.microsoft.com/office/drawing/2014/main" id="{3EFE3318-6E5D-0A81-F427-A84F2C3E0696}"/>
             </a:ext>
           </a:extLst>
@@ -4384,7 +3532,7 @@
         <p:spPr>
           <a:xfrm>
             <a:off x="1240672" y="461250"/>
-            <a:ext cx="9710656" cy="5539978"/>
+            <a:ext cx="9710656" cy="5847755"/>
           </a:xfrm>
           <a:prstGeom prst="rect">
             <a:avLst/>
@@ -4406,7 +3554,57 @@
                 <a:effectLst/>
                 <a:latin typeface="Consolas" panose="020B0609020204030204" pitchFamily="49" charset="0"/>
               </a:rPr>
-              <a:t>Sie drehen sich mit den Tasten A und D nach links und rechts, mit W bewegen Sie sich vorwärts. </a:t>
+              <a:t>Sie bewegen sich mit den Tasten </a:t>
+            </a:r>
+            <a:r>
+              <a:rPr lang="de-DE" sz="2000" b="1" dirty="0">
+                <a:solidFill>
+                  <a:schemeClr val="bg1"/>
+                </a:solidFill>
+                <a:effectLst/>
+                <a:latin typeface="Consolas" panose="020B0609020204030204" pitchFamily="49" charset="0"/>
+              </a:rPr>
+              <a:t>A</a:t>
+            </a:r>
+            <a:r>
+              <a:rPr lang="de-DE" sz="2000" b="0" dirty="0">
+                <a:solidFill>
+                  <a:schemeClr val="bg1"/>
+                </a:solidFill>
+                <a:effectLst/>
+                <a:latin typeface="Consolas" panose="020B0609020204030204" pitchFamily="49" charset="0"/>
+              </a:rPr>
+              <a:t> und </a:t>
+            </a:r>
+            <a:r>
+              <a:rPr lang="de-DE" sz="2000" b="1" dirty="0">
+                <a:solidFill>
+                  <a:schemeClr val="bg1"/>
+                </a:solidFill>
+                <a:effectLst/>
+                <a:latin typeface="Consolas" panose="020B0609020204030204" pitchFamily="49" charset="0"/>
+              </a:rPr>
+              <a:t>D </a:t>
+            </a:r>
+            <a:r>
+              <a:rPr lang="de-DE" sz="2000" dirty="0">
+                <a:solidFill>
+                  <a:schemeClr val="bg1"/>
+                </a:solidFill>
+                <a:effectLst/>
+                <a:latin typeface="Consolas" panose="020B0609020204030204" pitchFamily="49" charset="0"/>
+              </a:rPr>
+              <a:t>nach links und rechts</a:t>
+            </a:r>
+            <a:r>
+              <a:rPr lang="de-DE" sz="2000" b="0" dirty="0">
+                <a:solidFill>
+                  <a:schemeClr val="bg1"/>
+                </a:solidFill>
+                <a:effectLst/>
+                <a:latin typeface="Consolas" panose="020B0609020204030204" pitchFamily="49" charset="0"/>
+              </a:rPr>
+              <a:t>, Sie schießen mit der STRG-Taste. </a:t>
             </a:r>
           </a:p>
           <a:p>
@@ -4449,28 +3647,6 @@
                 <a:effectLst/>
                 <a:latin typeface="Consolas" panose="020B0609020204030204" pitchFamily="49" charset="0"/>
               </a:rPr>
-              <a:t>-, </a:t>
-            </a:r>
-            <a:r>
-              <a:rPr lang="de-DE" sz="2000" b="0" dirty="0">
-                <a:solidFill>
-                  <a:schemeClr val="accent6">
-                    <a:lumMod val="75000"/>
-                  </a:schemeClr>
-                </a:solidFill>
-                <a:effectLst/>
-                <a:latin typeface="Consolas" panose="020B0609020204030204" pitchFamily="49" charset="0"/>
-              </a:rPr>
-              <a:t>Mittel</a:t>
-            </a:r>
-            <a:r>
-              <a:rPr lang="de-DE" sz="2000" b="0" dirty="0">
-                <a:solidFill>
-                  <a:schemeClr val="bg1"/>
-                </a:solidFill>
-                <a:effectLst/>
-                <a:latin typeface="Consolas" panose="020B0609020204030204" pitchFamily="49" charset="0"/>
-              </a:rPr>
               <a:t>- und </a:t>
             </a:r>
             <a:r>
@@ -4531,38 +3707,6 @@
                 <a:effectLst/>
                 <a:latin typeface="Consolas" panose="020B0609020204030204" pitchFamily="49" charset="0"/>
               </a:rPr>
-              <a:t>,</a:t>
-            </a:r>
-            <a:r>
-              <a:rPr lang="de-DE" sz="2000" b="0" dirty="0">
-                <a:solidFill>
-                  <a:srgbClr val="7030A0"/>
-                </a:solidFill>
-                <a:effectLst/>
-                <a:latin typeface="Consolas" panose="020B0609020204030204" pitchFamily="49" charset="0"/>
-              </a:rPr>
-              <a:t> </a:t>
-            </a:r>
-            <a:r>
-              <a:rPr lang="de-DE" sz="2000" b="0" dirty="0">
-                <a:solidFill>
-                  <a:schemeClr val="accent6">
-                    <a:lumMod val="75000"/>
-                  </a:schemeClr>
-                </a:solidFill>
-                <a:effectLst/>
-                <a:latin typeface="Consolas" panose="020B0609020204030204" pitchFamily="49" charset="0"/>
-              </a:rPr>
-              <a:t>W</a:t>
-            </a:r>
-            <a:r>
-              <a:rPr lang="de-DE" sz="2000" b="0" dirty="0">
-                <a:solidFill>
-                  <a:schemeClr val="bg1"/>
-                </a:solidFill>
-                <a:effectLst/>
-                <a:latin typeface="Consolas" panose="020B0609020204030204" pitchFamily="49" charset="0"/>
-              </a:rPr>
               <a:t> und </a:t>
             </a:r>
             <a:r>
@@ -4578,22 +3722,12 @@
             <a:r>
               <a:rPr lang="de-DE" sz="2000" b="0" dirty="0">
                 <a:solidFill>
-                  <a:srgbClr val="7030A0"/>
-                </a:solidFill>
-                <a:effectLst/>
-                <a:latin typeface="Consolas" panose="020B0609020204030204" pitchFamily="49" charset="0"/>
-              </a:rPr>
-              <a:t> </a:t>
-            </a:r>
-            <a:r>
-              <a:rPr lang="de-DE" sz="2000" b="0" dirty="0">
-                <a:solidFill>
-                  <a:schemeClr val="bg1"/>
-                </a:solidFill>
-                <a:effectLst/>
-                <a:latin typeface="Consolas" panose="020B0609020204030204" pitchFamily="49" charset="0"/>
-              </a:rPr>
-              <a:t>und den </a:t>
+                  <a:schemeClr val="bg1"/>
+                </a:solidFill>
+                <a:effectLst/>
+                <a:latin typeface="Consolas" panose="020B0609020204030204" pitchFamily="49" charset="0"/>
+              </a:rPr>
+              <a:t>, den </a:t>
             </a:r>
             <a:r>
               <a:rPr lang="de-DE" sz="2000" b="0" dirty="0">
@@ -4616,6 +3750,26 @@
               <a:t> der </a:t>
             </a:r>
             <a:r>
+              <a:rPr lang="de-DE" sz="2000" b="0" u="sng" dirty="0">
+                <a:solidFill>
+                  <a:schemeClr val="bg1"/>
+                </a:solidFill>
+                <a:effectLst/>
+                <a:latin typeface="Consolas" panose="020B0609020204030204" pitchFamily="49" charset="0"/>
+              </a:rPr>
+              <a:t>linken</a:t>
+            </a:r>
+            <a:r>
+              <a:rPr lang="de-DE" sz="2000" b="0" dirty="0">
+                <a:solidFill>
+                  <a:schemeClr val="bg1"/>
+                </a:solidFill>
+                <a:effectLst/>
+                <a:latin typeface="Consolas" panose="020B0609020204030204" pitchFamily="49" charset="0"/>
+              </a:rPr>
+              <a:t> Hand auf die </a:t>
+            </a:r>
+            <a:r>
               <a:rPr lang="de-DE" sz="2000" b="0" dirty="0">
                 <a:solidFill>
                   <a:srgbClr val="00B0F0"/>
@@ -4623,7 +3777,47 @@
                 <a:effectLst/>
                 <a:latin typeface="Consolas" panose="020B0609020204030204" pitchFamily="49" charset="0"/>
               </a:rPr>
-              <a:t>linken</a:t>
+              <a:t>Leertaste</a:t>
+            </a:r>
+            <a:r>
+              <a:rPr lang="de-DE" sz="2000" b="0" dirty="0">
+                <a:solidFill>
+                  <a:schemeClr val="bg1"/>
+                </a:solidFill>
+                <a:effectLst/>
+                <a:latin typeface="Consolas" panose="020B0609020204030204" pitchFamily="49" charset="0"/>
+              </a:rPr>
+              <a:t> und einen oder zwei </a:t>
+            </a:r>
+            <a:r>
+              <a:rPr lang="de-DE" sz="2000" b="0" dirty="0">
+                <a:solidFill>
+                  <a:srgbClr val="CC0066"/>
+                </a:solidFill>
+                <a:effectLst/>
+                <a:latin typeface="Consolas" panose="020B0609020204030204" pitchFamily="49" charset="0"/>
+              </a:rPr>
+              <a:t>Finger</a:t>
+            </a:r>
+            <a:r>
+              <a:rPr lang="de-DE" sz="2000" b="0" dirty="0">
+                <a:solidFill>
+                  <a:schemeClr val="bg1"/>
+                </a:solidFill>
+                <a:effectLst/>
+                <a:latin typeface="Consolas" panose="020B0609020204030204" pitchFamily="49" charset="0"/>
+              </a:rPr>
+              <a:t> der </a:t>
+            </a:r>
+            <a:r>
+              <a:rPr lang="de-DE" sz="2000" b="0" dirty="0">
+                <a:solidFill>
+                  <a:srgbClr val="CC0066"/>
+                </a:solidFill>
+                <a:effectLst/>
+                <a:latin typeface="Consolas" panose="020B0609020204030204" pitchFamily="49" charset="0"/>
+              </a:rPr>
+              <a:t>rechten</a:t>
             </a:r>
             <a:r>
               <a:rPr lang="de-DE" sz="2000" b="0" dirty="0">
@@ -4638,22 +3832,22 @@
             <a:r>
               <a:rPr lang="de-DE" sz="2000" b="0" dirty="0">
                 <a:solidFill>
-                  <a:srgbClr val="00B0F0"/>
-                </a:solidFill>
-                <a:effectLst/>
-                <a:latin typeface="Consolas" panose="020B0609020204030204" pitchFamily="49" charset="0"/>
-              </a:rPr>
-              <a:t>Leertaste</a:t>
-            </a:r>
-            <a:r>
-              <a:rPr lang="de-DE" sz="2000" b="0" dirty="0">
-                <a:solidFill>
-                  <a:schemeClr val="bg1"/>
-                </a:solidFill>
-                <a:effectLst/>
-                <a:latin typeface="Consolas" panose="020B0609020204030204" pitchFamily="49" charset="0"/>
-              </a:rPr>
-              <a:t>.</a:t>
+                  <a:srgbClr val="CC0066"/>
+                </a:solidFill>
+                <a:effectLst/>
+                <a:latin typeface="Consolas" panose="020B0609020204030204" pitchFamily="49" charset="0"/>
+              </a:rPr>
+              <a:t>STRG</a:t>
+            </a:r>
+            <a:r>
+              <a:rPr lang="de-DE" sz="2000" b="0" dirty="0">
+                <a:solidFill>
+                  <a:schemeClr val="bg1"/>
+                </a:solidFill>
+                <a:effectLst/>
+                <a:latin typeface="Consolas" panose="020B0609020204030204" pitchFamily="49" charset="0"/>
+              </a:rPr>
+              <a:t>-Taste rechts unten auf der Tastatur.</a:t>
             </a:r>
           </a:p>
           <a:p>
@@ -4986,10 +4180,10 @@
       </p:sp>
       <p:sp>
         <p:nvSpPr>
-          <p:cNvPr id="5" name="Rechteck: abgerundete Ecken 4">
-            <a:extLst>
-              <a:ext uri="{FF2B5EF4-FFF2-40B4-BE49-F238E27FC236}">
-                <a16:creationId xmlns:a16="http://schemas.microsoft.com/office/drawing/2014/main" id="{445D6E5A-120A-BC0B-0445-7A2AF9362238}"/>
+          <p:cNvPr id="13" name="Rechteck: abgerundete Ecken 12">
+            <a:extLst>
+              <a:ext uri="{FF2B5EF4-FFF2-40B4-BE49-F238E27FC236}">
+                <a16:creationId xmlns:a16="http://schemas.microsoft.com/office/drawing/2014/main" id="{99063A1D-D39D-B6B4-1286-5BB7206C6476}"/>
               </a:ext>
             </a:extLst>
           </p:cNvPr>
@@ -4998,8 +4192,8 @@
         </p:nvSpPr>
         <p:spPr>
           <a:xfrm>
-            <a:off x="3493698" y="3890513"/>
-            <a:ext cx="232913" cy="224287"/>
+            <a:off x="6443932" y="4744528"/>
+            <a:ext cx="491706" cy="258793"/>
           </a:xfrm>
           <a:prstGeom prst="roundRect">
             <a:avLst/>
@@ -5007,9 +4201,7 @@
           <a:noFill/>
           <a:ln w="38100">
             <a:solidFill>
-              <a:schemeClr val="accent6">
-                <a:lumMod val="75000"/>
-              </a:schemeClr>
+              <a:srgbClr val="CC0066"/>
             </a:solidFill>
           </a:ln>
         </p:spPr>
@@ -5041,7 +4233,1259 @@
     </p:spTree>
     <p:extLst>
       <p:ext uri="{BB962C8B-B14F-4D97-AF65-F5344CB8AC3E}">
-        <p14:creationId xmlns:p14="http://schemas.microsoft.com/office/powerpoint/2010/main" val="3436921464"/>
+        <p14:creationId xmlns:p14="http://schemas.microsoft.com/office/powerpoint/2010/main" val="1200398258"/>
+      </p:ext>
+    </p:extLst>
+  </p:cSld>
+  <p:clrMapOvr>
+    <a:masterClrMapping/>
+  </p:clrMapOvr>
+</p:sld>
+</file>
+
+<file path=ppt/slides/slide11.xml><?xml version="1.0" encoding="utf-8"?>
+<p:sld xmlns:a="http://schemas.openxmlformats.org/drawingml/2006/main" xmlns:r="http://schemas.openxmlformats.org/officeDocument/2006/relationships" xmlns:p="http://schemas.openxmlformats.org/presentationml/2006/main">
+  <p:cSld>
+    <p:bg>
+      <p:bgPr>
+        <a:solidFill>
+          <a:schemeClr val="tx1"/>
+        </a:solidFill>
+        <a:effectLst/>
+      </p:bgPr>
+    </p:bg>
+    <p:spTree>
+      <p:nvGrpSpPr>
+        <p:cNvPr id="1" name="">
+          <a:extLst>
+            <a:ext uri="{FF2B5EF4-FFF2-40B4-BE49-F238E27FC236}">
+              <a16:creationId xmlns:a16="http://schemas.microsoft.com/office/drawing/2014/main" id="{E9C1C683-E904-B313-6078-0947207F4167}"/>
+            </a:ext>
+          </a:extLst>
+        </p:cNvPr>
+        <p:cNvGrpSpPr/>
+        <p:nvPr/>
+      </p:nvGrpSpPr>
+      <p:grpSpPr>
+        <a:xfrm>
+          <a:off x="0" y="0"/>
+          <a:ext cx="0" cy="0"/>
+          <a:chOff x="0" y="0"/>
+          <a:chExt cx="0" cy="0"/>
+        </a:xfrm>
+      </p:grpSpPr>
+      <p:sp>
+        <p:nvSpPr>
+          <p:cNvPr id="4" name="Textfeld 3">
+            <a:extLst>
+              <a:ext uri="{FF2B5EF4-FFF2-40B4-BE49-F238E27FC236}">
+                <a16:creationId xmlns:a16="http://schemas.microsoft.com/office/drawing/2014/main" id="{58B9C941-A51B-C3C4-C0AD-AFD6FF4E9123}"/>
+              </a:ext>
+            </a:extLst>
+          </p:cNvPr>
+          <p:cNvSpPr txBox="1"/>
+          <p:nvPr/>
+        </p:nvSpPr>
+        <p:spPr>
+          <a:xfrm>
+            <a:off x="1707406" y="431449"/>
+            <a:ext cx="7682846" cy="5878532"/>
+          </a:xfrm>
+          <a:prstGeom prst="rect">
+            <a:avLst/>
+          </a:prstGeom>
+          <a:noFill/>
+        </p:spPr>
+        <p:txBody>
+          <a:bodyPr wrap="square" rtlCol="0">
+            <a:spAutoFit/>
+          </a:bodyPr>
+          <a:lstStyle/>
+          <a:p>
+            <a:pPr algn="ctr"/>
+            <a:r>
+              <a:rPr lang="de-DE" sz="2000" b="0" dirty="0">
+                <a:solidFill>
+                  <a:schemeClr val="bg1"/>
+                </a:solidFill>
+                <a:effectLst/>
+                <a:latin typeface="Consolas" panose="020B0609020204030204" pitchFamily="49" charset="0"/>
+              </a:rPr>
+              <a:t>Es gibt in diesem Spiel eine Besonderheit: Die Steuerung zur seitlichen Bewegung kann </a:t>
+            </a:r>
+            <a:r>
+              <a:rPr lang="de-DE" sz="2000" b="1" dirty="0">
+                <a:solidFill>
+                  <a:schemeClr val="bg1"/>
+                </a:solidFill>
+                <a:effectLst/>
+                <a:latin typeface="Consolas" panose="020B0609020204030204" pitchFamily="49" charset="0"/>
+              </a:rPr>
+              <a:t>normal</a:t>
+            </a:r>
+            <a:r>
+              <a:rPr lang="de-DE" sz="2000" b="0" dirty="0">
+                <a:solidFill>
+                  <a:schemeClr val="bg1"/>
+                </a:solidFill>
+                <a:effectLst/>
+                <a:latin typeface="Consolas" panose="020B0609020204030204" pitchFamily="49" charset="0"/>
+              </a:rPr>
+              <a:t> oder </a:t>
+            </a:r>
+            <a:r>
+              <a:rPr lang="de-DE" sz="2000" b="1" dirty="0">
+                <a:solidFill>
+                  <a:schemeClr val="bg1"/>
+                </a:solidFill>
+                <a:effectLst/>
+                <a:latin typeface="Consolas" panose="020B0609020204030204" pitchFamily="49" charset="0"/>
+              </a:rPr>
+              <a:t>invertiert</a:t>
+            </a:r>
+            <a:r>
+              <a:rPr lang="de-DE" sz="2000" b="0" dirty="0">
+                <a:solidFill>
+                  <a:schemeClr val="bg1"/>
+                </a:solidFill>
+                <a:effectLst/>
+                <a:latin typeface="Consolas" panose="020B0609020204030204" pitchFamily="49" charset="0"/>
+              </a:rPr>
+              <a:t> sein. </a:t>
+            </a:r>
+          </a:p>
+          <a:p>
+            <a:pPr algn="ctr"/>
+            <a:endParaRPr lang="de-DE" sz="2000" dirty="0">
+              <a:solidFill>
+                <a:schemeClr val="bg1"/>
+              </a:solidFill>
+              <a:latin typeface="Consolas" panose="020B0609020204030204" pitchFamily="49" charset="0"/>
+            </a:endParaRPr>
+          </a:p>
+          <a:p>
+            <a:pPr algn="ctr"/>
+            <a:r>
+              <a:rPr lang="de-DE" sz="2000" b="1" u="sng" dirty="0">
+                <a:solidFill>
+                  <a:schemeClr val="bg1"/>
+                </a:solidFill>
+                <a:effectLst/>
+                <a:latin typeface="Consolas" panose="020B0609020204030204" pitchFamily="49" charset="0"/>
+              </a:rPr>
+              <a:t>Normal</a:t>
+            </a:r>
+            <a:r>
+              <a:rPr lang="de-DE" sz="2000" b="0" dirty="0">
+                <a:solidFill>
+                  <a:schemeClr val="bg1"/>
+                </a:solidFill>
+                <a:effectLst/>
+                <a:latin typeface="Consolas" panose="020B0609020204030204" pitchFamily="49" charset="0"/>
+              </a:rPr>
+              <a:t> bedeutet: Die Taste </a:t>
+            </a:r>
+            <a:r>
+              <a:rPr lang="de-DE" sz="2000" b="1" dirty="0">
+                <a:solidFill>
+                  <a:srgbClr val="00B050"/>
+                </a:solidFill>
+                <a:effectLst/>
+                <a:latin typeface="Consolas" panose="020B0609020204030204" pitchFamily="49" charset="0"/>
+              </a:rPr>
+              <a:t>A</a:t>
+            </a:r>
+            <a:r>
+              <a:rPr lang="de-DE" sz="2000" b="0" dirty="0">
+                <a:solidFill>
+                  <a:schemeClr val="bg1"/>
+                </a:solidFill>
+                <a:effectLst/>
+                <a:latin typeface="Consolas" panose="020B0609020204030204" pitchFamily="49" charset="0"/>
+              </a:rPr>
+              <a:t> steuert nach </a:t>
+            </a:r>
+            <a:r>
+              <a:rPr lang="de-DE" sz="2000" b="0" dirty="0">
+                <a:solidFill>
+                  <a:srgbClr val="00B050"/>
+                </a:solidFill>
+                <a:effectLst/>
+                <a:latin typeface="Consolas" panose="020B0609020204030204" pitchFamily="49" charset="0"/>
+              </a:rPr>
+              <a:t>links</a:t>
+            </a:r>
+            <a:r>
+              <a:rPr lang="de-DE" sz="2000" b="0" dirty="0">
+                <a:solidFill>
+                  <a:schemeClr val="bg1"/>
+                </a:solidFill>
+                <a:effectLst/>
+                <a:latin typeface="Consolas" panose="020B0609020204030204" pitchFamily="49" charset="0"/>
+              </a:rPr>
+              <a:t>, die Taste </a:t>
+            </a:r>
+            <a:r>
+              <a:rPr lang="de-DE" sz="2000" b="1" dirty="0">
+                <a:solidFill>
+                  <a:srgbClr val="FF0000"/>
+                </a:solidFill>
+                <a:effectLst/>
+                <a:latin typeface="Consolas" panose="020B0609020204030204" pitchFamily="49" charset="0"/>
+              </a:rPr>
+              <a:t>D</a:t>
+            </a:r>
+            <a:r>
+              <a:rPr lang="de-DE" sz="2000" b="0" dirty="0">
+                <a:solidFill>
+                  <a:schemeClr val="bg1"/>
+                </a:solidFill>
+                <a:effectLst/>
+                <a:latin typeface="Consolas" panose="020B0609020204030204" pitchFamily="49" charset="0"/>
+              </a:rPr>
+              <a:t> steuert nach </a:t>
+            </a:r>
+            <a:r>
+              <a:rPr lang="de-DE" sz="2000" b="0" dirty="0">
+                <a:solidFill>
+                  <a:srgbClr val="FF0000"/>
+                </a:solidFill>
+                <a:effectLst/>
+                <a:latin typeface="Consolas" panose="020B0609020204030204" pitchFamily="49" charset="0"/>
+              </a:rPr>
+              <a:t>rechts</a:t>
+            </a:r>
+            <a:r>
+              <a:rPr lang="de-DE" sz="2000" b="0" dirty="0">
+                <a:solidFill>
+                  <a:schemeClr val="bg1"/>
+                </a:solidFill>
+                <a:effectLst/>
+                <a:latin typeface="Consolas" panose="020B0609020204030204" pitchFamily="49" charset="0"/>
+              </a:rPr>
+              <a:t>. </a:t>
+            </a:r>
+          </a:p>
+          <a:p>
+            <a:pPr algn="ctr"/>
+            <a:endParaRPr lang="de-DE" sz="2000" dirty="0">
+              <a:solidFill>
+                <a:schemeClr val="bg1"/>
+              </a:solidFill>
+              <a:latin typeface="Consolas" panose="020B0609020204030204" pitchFamily="49" charset="0"/>
+            </a:endParaRPr>
+          </a:p>
+          <a:p>
+            <a:pPr algn="ctr"/>
+            <a:endParaRPr lang="de-DE" sz="2000" b="0" dirty="0">
+              <a:solidFill>
+                <a:schemeClr val="bg1"/>
+              </a:solidFill>
+              <a:effectLst/>
+              <a:latin typeface="Consolas" panose="020B0609020204030204" pitchFamily="49" charset="0"/>
+            </a:endParaRPr>
+          </a:p>
+          <a:p>
+            <a:pPr algn="ctr"/>
+            <a:r>
+              <a:rPr lang="de-DE" sz="2000" b="1" u="sng" dirty="0">
+                <a:solidFill>
+                  <a:schemeClr val="bg1"/>
+                </a:solidFill>
+                <a:effectLst/>
+                <a:latin typeface="Consolas" panose="020B0609020204030204" pitchFamily="49" charset="0"/>
+              </a:rPr>
+              <a:t>Invertiert</a:t>
+            </a:r>
+            <a:r>
+              <a:rPr lang="de-DE" sz="2000" b="0" dirty="0">
+                <a:solidFill>
+                  <a:schemeClr val="bg1"/>
+                </a:solidFill>
+                <a:effectLst/>
+                <a:latin typeface="Consolas" panose="020B0609020204030204" pitchFamily="49" charset="0"/>
+              </a:rPr>
+              <a:t> bedeutet: Die Taste </a:t>
+            </a:r>
+            <a:r>
+              <a:rPr lang="de-DE" sz="2000" b="0" dirty="0">
+                <a:solidFill>
+                  <a:srgbClr val="FF0000"/>
+                </a:solidFill>
+                <a:effectLst/>
+                <a:latin typeface="Consolas" panose="020B0609020204030204" pitchFamily="49" charset="0"/>
+              </a:rPr>
+              <a:t>A</a:t>
+            </a:r>
+            <a:r>
+              <a:rPr lang="de-DE" sz="2000" b="0" dirty="0">
+                <a:solidFill>
+                  <a:schemeClr val="bg1"/>
+                </a:solidFill>
+                <a:effectLst/>
+                <a:latin typeface="Consolas" panose="020B0609020204030204" pitchFamily="49" charset="0"/>
+              </a:rPr>
+              <a:t> steuert nach </a:t>
+            </a:r>
+            <a:r>
+              <a:rPr lang="de-DE" sz="2000" b="0" dirty="0">
+                <a:solidFill>
+                  <a:srgbClr val="FF0000"/>
+                </a:solidFill>
+                <a:effectLst/>
+                <a:latin typeface="Consolas" panose="020B0609020204030204" pitchFamily="49" charset="0"/>
+              </a:rPr>
+              <a:t>rechts</a:t>
+            </a:r>
+            <a:r>
+              <a:rPr lang="de-DE" sz="2000" b="0" dirty="0">
+                <a:solidFill>
+                  <a:schemeClr val="bg1"/>
+                </a:solidFill>
+                <a:effectLst/>
+                <a:latin typeface="Consolas" panose="020B0609020204030204" pitchFamily="49" charset="0"/>
+              </a:rPr>
+              <a:t>, die Taste </a:t>
+            </a:r>
+            <a:r>
+              <a:rPr lang="de-DE" sz="2000" b="0" dirty="0">
+                <a:solidFill>
+                  <a:srgbClr val="00B050"/>
+                </a:solidFill>
+                <a:effectLst/>
+                <a:latin typeface="Consolas" panose="020B0609020204030204" pitchFamily="49" charset="0"/>
+              </a:rPr>
+              <a:t>D</a:t>
+            </a:r>
+            <a:r>
+              <a:rPr lang="de-DE" sz="2000" b="0" dirty="0">
+                <a:solidFill>
+                  <a:schemeClr val="bg1"/>
+                </a:solidFill>
+                <a:effectLst/>
+                <a:latin typeface="Consolas" panose="020B0609020204030204" pitchFamily="49" charset="0"/>
+              </a:rPr>
+              <a:t> steuert nach </a:t>
+            </a:r>
+            <a:r>
+              <a:rPr lang="de-DE" sz="2000" b="0" dirty="0">
+                <a:solidFill>
+                  <a:srgbClr val="00B050"/>
+                </a:solidFill>
+                <a:effectLst/>
+                <a:latin typeface="Consolas" panose="020B0609020204030204" pitchFamily="49" charset="0"/>
+              </a:rPr>
+              <a:t>links</a:t>
+            </a:r>
+            <a:r>
+              <a:rPr lang="de-DE" sz="2000" dirty="0">
+                <a:solidFill>
+                  <a:schemeClr val="bg1"/>
+                </a:solidFill>
+                <a:latin typeface="Consolas" panose="020B0609020204030204" pitchFamily="49" charset="0"/>
+              </a:rPr>
+              <a:t>.</a:t>
+            </a:r>
+          </a:p>
+          <a:p>
+            <a:endParaRPr lang="de-DE" sz="2000" b="0" dirty="0">
+              <a:solidFill>
+                <a:srgbClr val="CE9178"/>
+              </a:solidFill>
+              <a:effectLst/>
+              <a:latin typeface="Consolas" panose="020B0609020204030204" pitchFamily="49" charset="0"/>
+            </a:endParaRPr>
+          </a:p>
+          <a:p>
+            <a:endParaRPr lang="de-DE" sz="2000" b="0" dirty="0">
+              <a:solidFill>
+                <a:srgbClr val="CCCCCC"/>
+              </a:solidFill>
+              <a:effectLst/>
+              <a:latin typeface="Consolas" panose="020B0609020204030204" pitchFamily="49" charset="0"/>
+            </a:endParaRPr>
+          </a:p>
+          <a:p>
+            <a:pPr algn="ctr"/>
+            <a:r>
+              <a:rPr lang="de-DE" sz="8000" dirty="0">
+                <a:solidFill>
+                  <a:srgbClr val="00B050"/>
+                </a:solidFill>
+                <a:sym typeface="Wingdings" panose="05000000000000000000" pitchFamily="2" charset="2"/>
+              </a:rPr>
+              <a:t>←</a:t>
+            </a:r>
+            <a:r>
+              <a:rPr lang="de-DE" sz="8000" dirty="0">
+                <a:solidFill>
+                  <a:schemeClr val="bg1"/>
+                </a:solidFill>
+                <a:sym typeface="Wingdings" panose="05000000000000000000" pitchFamily="2" charset="2"/>
+              </a:rPr>
+              <a:t>                  </a:t>
+            </a:r>
+            <a:r>
+              <a:rPr lang="de-DE" sz="8000" dirty="0">
+                <a:solidFill>
+                  <a:srgbClr val="FF0000"/>
+                </a:solidFill>
+                <a:sym typeface="Wingdings" panose="05000000000000000000" pitchFamily="2" charset="2"/>
+              </a:rPr>
+              <a:t>→</a:t>
+            </a:r>
+          </a:p>
+          <a:p>
+            <a:pPr algn="ctr"/>
+            <a:endParaRPr lang="de-DE" dirty="0">
+              <a:solidFill>
+                <a:schemeClr val="bg1"/>
+              </a:solidFill>
+              <a:sym typeface="Wingdings" panose="05000000000000000000" pitchFamily="2" charset="2"/>
+            </a:endParaRPr>
+          </a:p>
+          <a:p>
+            <a:pPr algn="ctr"/>
+            <a:endParaRPr lang="de-DE" dirty="0">
+              <a:solidFill>
+                <a:schemeClr val="bg1"/>
+              </a:solidFill>
+              <a:sym typeface="Wingdings" panose="05000000000000000000" pitchFamily="2" charset="2"/>
+            </a:endParaRPr>
+          </a:p>
+          <a:p>
+            <a:pPr algn="ctr"/>
+            <a:r>
+              <a:rPr lang="de-DE" sz="2000" dirty="0">
+                <a:solidFill>
+                  <a:schemeClr val="bg1"/>
+                </a:solidFill>
+                <a:sym typeface="Wingdings" panose="05000000000000000000" pitchFamily="2" charset="2"/>
+              </a:rPr>
+              <a:t>Bitte die </a:t>
+            </a:r>
+            <a:r>
+              <a:rPr lang="de-DE" sz="2000" b="1" dirty="0">
+                <a:solidFill>
+                  <a:schemeClr val="bg1"/>
+                </a:solidFill>
+                <a:sym typeface="Wingdings" panose="05000000000000000000" pitchFamily="2" charset="2"/>
+              </a:rPr>
+              <a:t>LEERTASTE</a:t>
+            </a:r>
+            <a:r>
+              <a:rPr lang="de-DE" sz="2000" dirty="0">
+                <a:solidFill>
+                  <a:schemeClr val="bg1"/>
+                </a:solidFill>
+                <a:sym typeface="Wingdings" panose="05000000000000000000" pitchFamily="2" charset="2"/>
+              </a:rPr>
+              <a:t> drücken, um fortzufahren</a:t>
+            </a:r>
+            <a:endParaRPr lang="de-DE" sz="2000" dirty="0">
+              <a:solidFill>
+                <a:schemeClr val="bg1"/>
+              </a:solidFill>
+            </a:endParaRPr>
+          </a:p>
+        </p:txBody>
+      </p:sp>
+      <p:pic>
+        <p:nvPicPr>
+          <p:cNvPr id="3" name="Grafik 2" descr="Ein Bild, das Screenshot, PC-Spiel, 3D-Modellierung, Digitales Compositing enthält.&#10;&#10;Automatisch generierte Beschreibung">
+            <a:extLst>
+              <a:ext uri="{FF2B5EF4-FFF2-40B4-BE49-F238E27FC236}">
+                <a16:creationId xmlns:a16="http://schemas.microsoft.com/office/drawing/2014/main" id="{EF01BFD0-E993-D3AC-35AA-AF146519C3A5}"/>
+              </a:ext>
+            </a:extLst>
+          </p:cNvPr>
+          <p:cNvPicPr>
+            <a:picLocks noChangeAspect="1"/>
+          </p:cNvPicPr>
+          <p:nvPr/>
+        </p:nvPicPr>
+        <p:blipFill>
+          <a:blip r:embed="rId2" cstate="hqprint">
+            <a:extLst>
+              <a:ext uri="{28A0092B-C50C-407E-A947-70E740481C1C}">
+                <a14:useLocalDpi xmlns:a14="http://schemas.microsoft.com/office/drawing/2010/main" val="0"/>
+              </a:ext>
+            </a:extLst>
+          </a:blip>
+          <a:stretch>
+            <a:fillRect/>
+          </a:stretch>
+        </p:blipFill>
+        <p:spPr>
+          <a:xfrm>
+            <a:off x="4335314" y="3579136"/>
+            <a:ext cx="2401917" cy="1857458"/>
+          </a:xfrm>
+          <a:prstGeom prst="rect">
+            <a:avLst/>
+          </a:prstGeom>
+        </p:spPr>
+      </p:pic>
+    </p:spTree>
+    <p:extLst>
+      <p:ext uri="{BB962C8B-B14F-4D97-AF65-F5344CB8AC3E}">
+        <p14:creationId xmlns:p14="http://schemas.microsoft.com/office/powerpoint/2010/main" val="3027616250"/>
+      </p:ext>
+    </p:extLst>
+  </p:cSld>
+  <p:clrMapOvr>
+    <a:masterClrMapping/>
+  </p:clrMapOvr>
+</p:sld>
+</file>
+
+<file path=ppt/slides/slide12.xml><?xml version="1.0" encoding="utf-8"?>
+<p:sld xmlns:a="http://schemas.openxmlformats.org/drawingml/2006/main" xmlns:r="http://schemas.openxmlformats.org/officeDocument/2006/relationships" xmlns:p="http://schemas.openxmlformats.org/presentationml/2006/main">
+  <p:cSld>
+    <p:bg>
+      <p:bgPr>
+        <a:solidFill>
+          <a:schemeClr val="tx1"/>
+        </a:solidFill>
+        <a:effectLst/>
+      </p:bgPr>
+    </p:bg>
+    <p:spTree>
+      <p:nvGrpSpPr>
+        <p:cNvPr id="1" name="">
+          <a:extLst>
+            <a:ext uri="{FF2B5EF4-FFF2-40B4-BE49-F238E27FC236}">
+              <a16:creationId xmlns:a16="http://schemas.microsoft.com/office/drawing/2014/main" id="{F00E03F0-00E7-B15A-881F-E7E9E1ED3A9F}"/>
+            </a:ext>
+          </a:extLst>
+        </p:cNvPr>
+        <p:cNvGrpSpPr/>
+        <p:nvPr/>
+      </p:nvGrpSpPr>
+      <p:grpSpPr>
+        <a:xfrm>
+          <a:off x="0" y="0"/>
+          <a:ext cx="0" cy="0"/>
+          <a:chOff x="0" y="0"/>
+          <a:chExt cx="0" cy="0"/>
+        </a:xfrm>
+      </p:grpSpPr>
+      <p:sp>
+        <p:nvSpPr>
+          <p:cNvPr id="4" name="Textfeld 3">
+            <a:extLst>
+              <a:ext uri="{FF2B5EF4-FFF2-40B4-BE49-F238E27FC236}">
+                <a16:creationId xmlns:a16="http://schemas.microsoft.com/office/drawing/2014/main" id="{FB768491-FD46-C3C5-6B5E-BEF34AECD664}"/>
+              </a:ext>
+            </a:extLst>
+          </p:cNvPr>
+          <p:cNvSpPr txBox="1"/>
+          <p:nvPr/>
+        </p:nvSpPr>
+        <p:spPr>
+          <a:xfrm>
+            <a:off x="1707406" y="431449"/>
+            <a:ext cx="7682846" cy="5632311"/>
+          </a:xfrm>
+          <a:prstGeom prst="rect">
+            <a:avLst/>
+          </a:prstGeom>
+          <a:noFill/>
+        </p:spPr>
+        <p:txBody>
+          <a:bodyPr wrap="square" rtlCol="0">
+            <a:spAutoFit/>
+          </a:bodyPr>
+          <a:lstStyle/>
+          <a:p>
+            <a:pPr algn="ctr"/>
+            <a:endParaRPr lang="de-DE" sz="2000" b="0" dirty="0">
+              <a:solidFill>
+                <a:schemeClr val="bg1"/>
+              </a:solidFill>
+              <a:effectLst/>
+              <a:latin typeface="Consolas" panose="020B0609020204030204" pitchFamily="49" charset="0"/>
+            </a:endParaRPr>
+          </a:p>
+          <a:p>
+            <a:pPr algn="ctr"/>
+            <a:endParaRPr lang="de-DE" sz="2000" dirty="0">
+              <a:solidFill>
+                <a:schemeClr val="bg1"/>
+              </a:solidFill>
+              <a:latin typeface="Consolas" panose="020B0609020204030204" pitchFamily="49" charset="0"/>
+            </a:endParaRPr>
+          </a:p>
+          <a:p>
+            <a:pPr algn="ctr"/>
+            <a:r>
+              <a:rPr lang="de-DE" sz="2000" b="0" dirty="0">
+                <a:solidFill>
+                  <a:schemeClr val="bg1"/>
+                </a:solidFill>
+                <a:effectLst/>
+                <a:latin typeface="Consolas" panose="020B0609020204030204" pitchFamily="49" charset="0"/>
+              </a:rPr>
+              <a:t>Es gibt in diesem Spiel eine Besonderheit: Die Steuerung zur seitlichen Bewegung kann </a:t>
+            </a:r>
+            <a:r>
+              <a:rPr lang="de-DE" sz="2000" b="1" dirty="0">
+                <a:solidFill>
+                  <a:schemeClr val="bg1"/>
+                </a:solidFill>
+                <a:effectLst/>
+                <a:latin typeface="Consolas" panose="020B0609020204030204" pitchFamily="49" charset="0"/>
+              </a:rPr>
+              <a:t>normal</a:t>
+            </a:r>
+            <a:r>
+              <a:rPr lang="de-DE" sz="2000" b="0" dirty="0">
+                <a:solidFill>
+                  <a:schemeClr val="bg1"/>
+                </a:solidFill>
+                <a:effectLst/>
+                <a:latin typeface="Consolas" panose="020B0609020204030204" pitchFamily="49" charset="0"/>
+              </a:rPr>
+              <a:t> oder </a:t>
+            </a:r>
+            <a:r>
+              <a:rPr lang="de-DE" sz="2000" b="1" dirty="0">
+                <a:solidFill>
+                  <a:schemeClr val="bg1"/>
+                </a:solidFill>
+                <a:effectLst/>
+                <a:latin typeface="Consolas" panose="020B0609020204030204" pitchFamily="49" charset="0"/>
+              </a:rPr>
+              <a:t>invertiert</a:t>
+            </a:r>
+            <a:r>
+              <a:rPr lang="de-DE" sz="2000" b="0" dirty="0">
+                <a:solidFill>
+                  <a:schemeClr val="bg1"/>
+                </a:solidFill>
+                <a:effectLst/>
+                <a:latin typeface="Consolas" panose="020B0609020204030204" pitchFamily="49" charset="0"/>
+              </a:rPr>
+              <a:t> sein. </a:t>
+            </a:r>
+          </a:p>
+          <a:p>
+            <a:pPr algn="ctr"/>
+            <a:endParaRPr lang="de-DE" sz="2000" dirty="0">
+              <a:solidFill>
+                <a:schemeClr val="bg1"/>
+              </a:solidFill>
+              <a:latin typeface="Consolas" panose="020B0609020204030204" pitchFamily="49" charset="0"/>
+            </a:endParaRPr>
+          </a:p>
+          <a:p>
+            <a:pPr algn="ctr"/>
+            <a:endParaRPr lang="de-DE" sz="2000" dirty="0">
+              <a:solidFill>
+                <a:schemeClr val="bg1"/>
+              </a:solidFill>
+              <a:latin typeface="Consolas" panose="020B0609020204030204" pitchFamily="49" charset="0"/>
+            </a:endParaRPr>
+          </a:p>
+          <a:p>
+            <a:pPr algn="ctr"/>
+            <a:r>
+              <a:rPr lang="de-DE" sz="2000" dirty="0">
+                <a:solidFill>
+                  <a:schemeClr val="bg1"/>
+                </a:solidFill>
+                <a:latin typeface="Consolas" panose="020B0609020204030204" pitchFamily="49" charset="0"/>
+              </a:rPr>
+              <a:t>Die Wahrscheinlichkeiten für eine normale oder invertierte Steuerung unterscheiden sich. Das Verhältnis bleibt während des gesamten Experiments gleich.</a:t>
+            </a:r>
+          </a:p>
+          <a:p>
+            <a:endParaRPr lang="de-DE" sz="2000" b="0" dirty="0">
+              <a:solidFill>
+                <a:srgbClr val="CE9178"/>
+              </a:solidFill>
+              <a:effectLst/>
+              <a:latin typeface="Consolas" panose="020B0609020204030204" pitchFamily="49" charset="0"/>
+            </a:endParaRPr>
+          </a:p>
+          <a:p>
+            <a:endParaRPr lang="de-DE" sz="2000" b="0" dirty="0">
+              <a:solidFill>
+                <a:srgbClr val="CCCCCC"/>
+              </a:solidFill>
+              <a:effectLst/>
+              <a:latin typeface="Consolas" panose="020B0609020204030204" pitchFamily="49" charset="0"/>
+            </a:endParaRPr>
+          </a:p>
+          <a:p>
+            <a:pPr algn="ctr"/>
+            <a:r>
+              <a:rPr lang="de-DE" sz="8000" dirty="0">
+                <a:solidFill>
+                  <a:schemeClr val="bg1"/>
+                </a:solidFill>
+                <a:sym typeface="Wingdings" panose="05000000000000000000" pitchFamily="2" charset="2"/>
+              </a:rPr>
+              <a:t>                  </a:t>
+            </a:r>
+            <a:endParaRPr lang="de-DE" dirty="0">
+              <a:solidFill>
+                <a:schemeClr val="bg1"/>
+              </a:solidFill>
+              <a:sym typeface="Wingdings" panose="05000000000000000000" pitchFamily="2" charset="2"/>
+            </a:endParaRPr>
+          </a:p>
+          <a:p>
+            <a:pPr algn="ctr"/>
+            <a:r>
+              <a:rPr lang="de-DE" sz="2000" dirty="0">
+                <a:solidFill>
+                  <a:schemeClr val="bg1"/>
+                </a:solidFill>
+                <a:sym typeface="Wingdings" panose="05000000000000000000" pitchFamily="2" charset="2"/>
+              </a:rPr>
+              <a:t>Bitte die </a:t>
+            </a:r>
+            <a:r>
+              <a:rPr lang="de-DE" sz="2000" b="1" dirty="0">
+                <a:solidFill>
+                  <a:schemeClr val="bg1"/>
+                </a:solidFill>
+                <a:sym typeface="Wingdings" panose="05000000000000000000" pitchFamily="2" charset="2"/>
+              </a:rPr>
+              <a:t>LEERTASTE</a:t>
+            </a:r>
+            <a:r>
+              <a:rPr lang="de-DE" sz="2000" dirty="0">
+                <a:solidFill>
+                  <a:schemeClr val="bg1"/>
+                </a:solidFill>
+                <a:sym typeface="Wingdings" panose="05000000000000000000" pitchFamily="2" charset="2"/>
+              </a:rPr>
+              <a:t> drücken, um fortzufahren</a:t>
+            </a:r>
+            <a:endParaRPr lang="de-DE" sz="2000" dirty="0">
+              <a:solidFill>
+                <a:schemeClr val="bg1"/>
+              </a:solidFill>
+            </a:endParaRPr>
+          </a:p>
+        </p:txBody>
+      </p:sp>
+    </p:spTree>
+    <p:extLst>
+      <p:ext uri="{BB962C8B-B14F-4D97-AF65-F5344CB8AC3E}">
+        <p14:creationId xmlns:p14="http://schemas.microsoft.com/office/powerpoint/2010/main" val="2094870406"/>
+      </p:ext>
+    </p:extLst>
+  </p:cSld>
+  <p:clrMapOvr>
+    <a:masterClrMapping/>
+  </p:clrMapOvr>
+</p:sld>
+</file>
+
+<file path=ppt/slides/slide13.xml><?xml version="1.0" encoding="utf-8"?>
+<p:sld xmlns:a="http://schemas.openxmlformats.org/drawingml/2006/main" xmlns:r="http://schemas.openxmlformats.org/officeDocument/2006/relationships" xmlns:p="http://schemas.openxmlformats.org/presentationml/2006/main">
+  <p:cSld>
+    <p:bg>
+      <p:bgPr>
+        <a:solidFill>
+          <a:schemeClr val="tx1"/>
+        </a:solidFill>
+        <a:effectLst/>
+      </p:bgPr>
+    </p:bg>
+    <p:spTree>
+      <p:nvGrpSpPr>
+        <p:cNvPr id="1" name="">
+          <a:extLst>
+            <a:ext uri="{FF2B5EF4-FFF2-40B4-BE49-F238E27FC236}">
+              <a16:creationId xmlns:a16="http://schemas.microsoft.com/office/drawing/2014/main" id="{C5EE831B-C595-BDE0-E7F5-60CEF6DE59F8}"/>
+            </a:ext>
+          </a:extLst>
+        </p:cNvPr>
+        <p:cNvGrpSpPr/>
+        <p:nvPr/>
+      </p:nvGrpSpPr>
+      <p:grpSpPr>
+        <a:xfrm>
+          <a:off x="0" y="0"/>
+          <a:ext cx="0" cy="0"/>
+          <a:chOff x="0" y="0"/>
+          <a:chExt cx="0" cy="0"/>
+        </a:xfrm>
+      </p:grpSpPr>
+      <p:sp>
+        <p:nvSpPr>
+          <p:cNvPr id="4" name="Textfeld 3">
+            <a:extLst>
+              <a:ext uri="{FF2B5EF4-FFF2-40B4-BE49-F238E27FC236}">
+                <a16:creationId xmlns:a16="http://schemas.microsoft.com/office/drawing/2014/main" id="{F3435497-C0C8-6AF7-8D36-AD68BC0A489C}"/>
+              </a:ext>
+            </a:extLst>
+          </p:cNvPr>
+          <p:cNvSpPr txBox="1"/>
+          <p:nvPr/>
+        </p:nvSpPr>
+        <p:spPr>
+          <a:xfrm>
+            <a:off x="1807089" y="181109"/>
+            <a:ext cx="7682846" cy="6247864"/>
+          </a:xfrm>
+          <a:prstGeom prst="rect">
+            <a:avLst/>
+          </a:prstGeom>
+          <a:noFill/>
+        </p:spPr>
+        <p:txBody>
+          <a:bodyPr wrap="square" rtlCol="0">
+            <a:spAutoFit/>
+          </a:bodyPr>
+          <a:lstStyle/>
+          <a:p>
+            <a:pPr algn="ctr"/>
+            <a:r>
+              <a:rPr lang="de-DE" sz="2000" dirty="0">
+                <a:solidFill>
+                  <a:schemeClr val="bg1"/>
+                </a:solidFill>
+                <a:latin typeface="Consolas" panose="020B0609020204030204" pitchFamily="49" charset="0"/>
+              </a:rPr>
+              <a:t>Zwe</a:t>
+            </a:r>
+            <a:r>
+              <a:rPr lang="de-DE" sz="2000" b="0" dirty="0">
+                <a:solidFill>
+                  <a:schemeClr val="bg1"/>
+                </a:solidFill>
+                <a:effectLst/>
+                <a:latin typeface="Consolas" panose="020B0609020204030204" pitchFamily="49" charset="0"/>
+              </a:rPr>
+              <a:t>i </a:t>
+            </a:r>
+            <a:r>
+              <a:rPr lang="de-DE" sz="2000" b="0" u="sng" dirty="0">
+                <a:solidFill>
+                  <a:schemeClr val="bg1"/>
+                </a:solidFill>
+                <a:effectLst/>
+                <a:latin typeface="Consolas" panose="020B0609020204030204" pitchFamily="49" charset="0"/>
+              </a:rPr>
+              <a:t>wichtige Hinweise</a:t>
+            </a:r>
+            <a:r>
+              <a:rPr lang="de-DE" sz="2000" b="0" dirty="0">
+                <a:solidFill>
+                  <a:schemeClr val="bg1"/>
+                </a:solidFill>
+                <a:effectLst/>
+                <a:latin typeface="Consolas" panose="020B0609020204030204" pitchFamily="49" charset="0"/>
+              </a:rPr>
+              <a:t> vor Beginn: </a:t>
+            </a:r>
+          </a:p>
+          <a:p>
+            <a:pPr algn="ctr"/>
+            <a:r>
+              <a:rPr lang="de-DE" sz="2000" dirty="0">
+                <a:solidFill>
+                  <a:schemeClr val="bg1"/>
+                </a:solidFill>
+                <a:latin typeface="Consolas" panose="020B0609020204030204" pitchFamily="49" charset="0"/>
+              </a:rPr>
+              <a:t>1.</a:t>
+            </a:r>
+            <a:r>
+              <a:rPr lang="de-DE" sz="2000" b="0" dirty="0">
+                <a:solidFill>
+                  <a:schemeClr val="bg1"/>
+                </a:solidFill>
+                <a:effectLst/>
+                <a:latin typeface="Consolas" panose="020B0609020204030204" pitchFamily="49" charset="0"/>
+              </a:rPr>
+              <a:t>Sobald Sie das Monster erschossen haben, erscheint ein kurzer Zwischenbildschirm. Bitte achten Sie darauf, </a:t>
+            </a:r>
+            <a:r>
+              <a:rPr lang="de-DE" sz="2000" b="1" dirty="0">
+                <a:solidFill>
+                  <a:schemeClr val="bg1"/>
+                </a:solidFill>
+                <a:effectLst/>
+                <a:latin typeface="Consolas" panose="020B0609020204030204" pitchFamily="49" charset="0"/>
+              </a:rPr>
+              <a:t>keine Taste mehr zu drücken oder gedrückt zu halten </a:t>
+            </a:r>
+            <a:r>
+              <a:rPr lang="de-DE" sz="2000" b="0" dirty="0">
+                <a:solidFill>
+                  <a:schemeClr val="bg1"/>
+                </a:solidFill>
+                <a:effectLst/>
+                <a:latin typeface="Consolas" panose="020B0609020204030204" pitchFamily="49" charset="0"/>
+              </a:rPr>
+              <a:t>und drücken Sie </a:t>
+            </a:r>
+            <a:r>
+              <a:rPr lang="de-DE" sz="2000" b="1" dirty="0">
+                <a:solidFill>
+                  <a:schemeClr val="bg1"/>
+                </a:solidFill>
+                <a:effectLst/>
+                <a:latin typeface="Consolas" panose="020B0609020204030204" pitchFamily="49" charset="0"/>
+              </a:rPr>
+              <a:t>erst dann wieder eine Taste, wenn der nächste Durchgang beginnt.</a:t>
+            </a:r>
+          </a:p>
+          <a:p>
+            <a:pPr algn="ctr"/>
+            <a:r>
+              <a:rPr lang="de-DE" sz="2000" b="1" dirty="0">
+                <a:solidFill>
+                  <a:schemeClr val="bg1"/>
+                </a:solidFill>
+                <a:latin typeface="Consolas" panose="020B0609020204030204" pitchFamily="49" charset="0"/>
+              </a:rPr>
+              <a:t>2. </a:t>
+            </a:r>
+            <a:r>
+              <a:rPr lang="de-DE" sz="2000" dirty="0">
+                <a:solidFill>
+                  <a:schemeClr val="bg1"/>
+                </a:solidFill>
+                <a:latin typeface="Consolas" panose="020B0609020204030204" pitchFamily="49" charset="0"/>
+              </a:rPr>
+              <a:t>Es kann passieren, dass die Kreatur nicht erscheint. Das ist ein Fehler des Spiels. Lassen Sie sich nicht verunsichern und warten Sie, nach wenigen Sekunden startet automatisch der nächste Durchlauf</a:t>
+            </a:r>
+            <a:endParaRPr lang="de-DE" sz="2000" dirty="0">
+              <a:solidFill>
+                <a:schemeClr val="bg1"/>
+              </a:solidFill>
+              <a:effectLst/>
+              <a:latin typeface="Consolas" panose="020B0609020204030204" pitchFamily="49" charset="0"/>
+            </a:endParaRPr>
+          </a:p>
+          <a:p>
+            <a:pPr algn="ctr"/>
+            <a:endParaRPr lang="de-DE" sz="2000" dirty="0">
+              <a:solidFill>
+                <a:schemeClr val="bg1"/>
+              </a:solidFill>
+              <a:latin typeface="Consolas" panose="020B0609020204030204" pitchFamily="49" charset="0"/>
+            </a:endParaRPr>
+          </a:p>
+          <a:p>
+            <a:pPr algn="ctr"/>
+            <a:endParaRPr lang="de-DE" sz="2000" b="0" dirty="0">
+              <a:solidFill>
+                <a:schemeClr val="bg1"/>
+              </a:solidFill>
+              <a:effectLst/>
+              <a:latin typeface="Consolas" panose="020B0609020204030204" pitchFamily="49" charset="0"/>
+            </a:endParaRPr>
+          </a:p>
+          <a:p>
+            <a:pPr algn="ctr"/>
+            <a:endParaRPr lang="de-DE" sz="2000" dirty="0">
+              <a:solidFill>
+                <a:schemeClr val="bg1"/>
+              </a:solidFill>
+              <a:latin typeface="Consolas" panose="020B0609020204030204" pitchFamily="49" charset="0"/>
+            </a:endParaRPr>
+          </a:p>
+          <a:p>
+            <a:pPr algn="ctr"/>
+            <a:endParaRPr lang="de-DE" sz="2000" b="0" dirty="0">
+              <a:solidFill>
+                <a:schemeClr val="bg1"/>
+              </a:solidFill>
+              <a:effectLst/>
+              <a:latin typeface="Consolas" panose="020B0609020204030204" pitchFamily="49" charset="0"/>
+            </a:endParaRPr>
+          </a:p>
+          <a:p>
+            <a:pPr algn="ctr"/>
+            <a:endParaRPr lang="de-DE" sz="2000" b="0" dirty="0">
+              <a:solidFill>
+                <a:schemeClr val="bg1"/>
+              </a:solidFill>
+              <a:effectLst/>
+              <a:latin typeface="Consolas" panose="020B0609020204030204" pitchFamily="49" charset="0"/>
+            </a:endParaRPr>
+          </a:p>
+          <a:p>
+            <a:pPr algn="ctr"/>
+            <a:endParaRPr lang="de-DE" sz="2000" dirty="0">
+              <a:solidFill>
+                <a:schemeClr val="bg1"/>
+              </a:solidFill>
+              <a:sym typeface="Wingdings" panose="05000000000000000000" pitchFamily="2" charset="2"/>
+            </a:endParaRPr>
+          </a:p>
+          <a:p>
+            <a:pPr algn="ctr"/>
+            <a:endParaRPr lang="de-DE" sz="2000" dirty="0">
+              <a:solidFill>
+                <a:schemeClr val="bg1"/>
+              </a:solidFill>
+              <a:sym typeface="Wingdings" panose="05000000000000000000" pitchFamily="2" charset="2"/>
+            </a:endParaRPr>
+          </a:p>
+          <a:p>
+            <a:pPr algn="ctr"/>
+            <a:endParaRPr lang="de-DE" sz="2000" dirty="0">
+              <a:solidFill>
+                <a:schemeClr val="bg1"/>
+              </a:solidFill>
+              <a:sym typeface="Wingdings" panose="05000000000000000000" pitchFamily="2" charset="2"/>
+            </a:endParaRPr>
+          </a:p>
+          <a:p>
+            <a:pPr algn="ctr"/>
+            <a:endParaRPr lang="de-DE" sz="2000" dirty="0">
+              <a:solidFill>
+                <a:schemeClr val="bg1"/>
+              </a:solidFill>
+              <a:sym typeface="Wingdings" panose="05000000000000000000" pitchFamily="2" charset="2"/>
+            </a:endParaRPr>
+          </a:p>
+          <a:p>
+            <a:pPr algn="ctr"/>
+            <a:r>
+              <a:rPr lang="de-DE" sz="2000" dirty="0">
+                <a:solidFill>
+                  <a:schemeClr val="bg1"/>
+                </a:solidFill>
+                <a:sym typeface="Wingdings" panose="05000000000000000000" pitchFamily="2" charset="2"/>
+              </a:rPr>
+              <a:t>Bitte die </a:t>
+            </a:r>
+            <a:r>
+              <a:rPr lang="de-DE" sz="2000" b="1" dirty="0">
+                <a:solidFill>
+                  <a:schemeClr val="bg1"/>
+                </a:solidFill>
+                <a:sym typeface="Wingdings" panose="05000000000000000000" pitchFamily="2" charset="2"/>
+              </a:rPr>
+              <a:t>LEERTASTE</a:t>
+            </a:r>
+            <a:r>
+              <a:rPr lang="de-DE" sz="2000" dirty="0">
+                <a:solidFill>
+                  <a:schemeClr val="bg1"/>
+                </a:solidFill>
+                <a:sym typeface="Wingdings" panose="05000000000000000000" pitchFamily="2" charset="2"/>
+              </a:rPr>
+              <a:t> drücken, um fortzufahren</a:t>
+            </a:r>
+            <a:endParaRPr lang="de-DE" sz="2000" dirty="0">
+              <a:solidFill>
+                <a:schemeClr val="bg1"/>
+              </a:solidFill>
+            </a:endParaRPr>
+          </a:p>
+        </p:txBody>
+      </p:sp>
+      <p:pic>
+        <p:nvPicPr>
+          <p:cNvPr id="5" name="Grafik 4">
+            <a:extLst>
+              <a:ext uri="{FF2B5EF4-FFF2-40B4-BE49-F238E27FC236}">
+                <a16:creationId xmlns:a16="http://schemas.microsoft.com/office/drawing/2014/main" id="{20E39380-993B-FFA2-4166-B06BA205306B}"/>
+              </a:ext>
+            </a:extLst>
+          </p:cNvPr>
+          <p:cNvPicPr>
+            <a:picLocks noChangeAspect="1"/>
+          </p:cNvPicPr>
+          <p:nvPr/>
+        </p:nvPicPr>
+        <p:blipFill>
+          <a:blip r:embed="rId2" cstate="hqprint">
+            <a:extLst>
+              <a:ext uri="{28A0092B-C50C-407E-A947-70E740481C1C}">
+                <a14:useLocalDpi xmlns:a14="http://schemas.microsoft.com/office/drawing/2010/main" val="0"/>
+              </a:ext>
+            </a:extLst>
+          </a:blip>
+          <a:stretch>
+            <a:fillRect/>
+          </a:stretch>
+        </p:blipFill>
+        <p:spPr>
+          <a:xfrm>
+            <a:off x="3959709" y="3429000"/>
+            <a:ext cx="3105326" cy="2398481"/>
+          </a:xfrm>
+          <a:prstGeom prst="rect">
+            <a:avLst/>
+          </a:prstGeom>
+        </p:spPr>
+      </p:pic>
+    </p:spTree>
+    <p:extLst>
+      <p:ext uri="{BB962C8B-B14F-4D97-AF65-F5344CB8AC3E}">
+        <p14:creationId xmlns:p14="http://schemas.microsoft.com/office/powerpoint/2010/main" val="752187564"/>
+      </p:ext>
+    </p:extLst>
+  </p:cSld>
+  <p:clrMapOvr>
+    <a:masterClrMapping/>
+  </p:clrMapOvr>
+</p:sld>
+</file>
+
+<file path=ppt/slides/slide14.xml><?xml version="1.0" encoding="utf-8"?>
+<p:sld xmlns:a="http://schemas.openxmlformats.org/drawingml/2006/main" xmlns:r="http://schemas.openxmlformats.org/officeDocument/2006/relationships" xmlns:p="http://schemas.openxmlformats.org/presentationml/2006/main">
+  <p:cSld>
+    <p:bg>
+      <p:bgPr>
+        <a:solidFill>
+          <a:schemeClr val="tx1"/>
+        </a:solidFill>
+        <a:effectLst/>
+      </p:bgPr>
+    </p:bg>
+    <p:spTree>
+      <p:nvGrpSpPr>
+        <p:cNvPr id="1" name="">
+          <a:extLst>
+            <a:ext uri="{FF2B5EF4-FFF2-40B4-BE49-F238E27FC236}">
+              <a16:creationId xmlns:a16="http://schemas.microsoft.com/office/drawing/2014/main" id="{2F555E54-302D-FAF5-8B61-33E8328B6B4F}"/>
+            </a:ext>
+          </a:extLst>
+        </p:cNvPr>
+        <p:cNvGrpSpPr/>
+        <p:nvPr/>
+      </p:nvGrpSpPr>
+      <p:grpSpPr>
+        <a:xfrm>
+          <a:off x="0" y="0"/>
+          <a:ext cx="0" cy="0"/>
+          <a:chOff x="0" y="0"/>
+          <a:chExt cx="0" cy="0"/>
+        </a:xfrm>
+      </p:grpSpPr>
+      <p:sp>
+        <p:nvSpPr>
+          <p:cNvPr id="4" name="Textfeld 3">
+            <a:extLst>
+              <a:ext uri="{FF2B5EF4-FFF2-40B4-BE49-F238E27FC236}">
+                <a16:creationId xmlns:a16="http://schemas.microsoft.com/office/drawing/2014/main" id="{7BAA204B-745F-1A14-8016-08FF53D32972}"/>
+              </a:ext>
+            </a:extLst>
+          </p:cNvPr>
+          <p:cNvSpPr txBox="1"/>
+          <p:nvPr/>
+        </p:nvSpPr>
+        <p:spPr>
+          <a:xfrm>
+            <a:off x="1603889" y="1751291"/>
+            <a:ext cx="7682846" cy="2585323"/>
+          </a:xfrm>
+          <a:prstGeom prst="rect">
+            <a:avLst/>
+          </a:prstGeom>
+          <a:noFill/>
+        </p:spPr>
+        <p:txBody>
+          <a:bodyPr wrap="square" rtlCol="0">
+            <a:spAutoFit/>
+          </a:bodyPr>
+          <a:lstStyle/>
+          <a:p>
+            <a:pPr algn="ctr"/>
+            <a:r>
+              <a:rPr lang="de-DE" sz="4400" dirty="0">
+                <a:solidFill>
+                  <a:schemeClr val="bg1"/>
+                </a:solidFill>
+                <a:latin typeface="Consolas" panose="020B0609020204030204" pitchFamily="49" charset="0"/>
+              </a:rPr>
+              <a:t>Gut gemacht!</a:t>
+            </a:r>
+          </a:p>
+          <a:p>
+            <a:pPr algn="ctr"/>
+            <a:r>
+              <a:rPr lang="de-DE" sz="4400" b="0" dirty="0">
+                <a:solidFill>
+                  <a:schemeClr val="bg1"/>
+                </a:solidFill>
+                <a:effectLst/>
+                <a:latin typeface="Consolas" panose="020B0609020204030204" pitchFamily="49" charset="0"/>
+              </a:rPr>
+              <a:t>Das war das erste Spiel.</a:t>
+            </a:r>
+          </a:p>
+          <a:p>
+            <a:pPr algn="ctr"/>
+            <a:endParaRPr lang="de-DE" dirty="0">
+              <a:solidFill>
+                <a:schemeClr val="bg1"/>
+              </a:solidFill>
+              <a:sym typeface="Wingdings" panose="05000000000000000000" pitchFamily="2" charset="2"/>
+            </a:endParaRPr>
+          </a:p>
+          <a:p>
+            <a:pPr algn="ctr"/>
+            <a:endParaRPr lang="de-DE" dirty="0">
+              <a:solidFill>
+                <a:schemeClr val="bg1"/>
+              </a:solidFill>
+              <a:sym typeface="Wingdings" panose="05000000000000000000" pitchFamily="2" charset="2"/>
+            </a:endParaRPr>
+          </a:p>
+          <a:p>
+            <a:pPr algn="ctr"/>
+            <a:endParaRPr lang="de-DE" dirty="0">
+              <a:solidFill>
+                <a:schemeClr val="bg1"/>
+              </a:solidFill>
+              <a:sym typeface="Wingdings" panose="05000000000000000000" pitchFamily="2" charset="2"/>
+            </a:endParaRPr>
+          </a:p>
+          <a:p>
+            <a:pPr algn="ctr"/>
+            <a:r>
+              <a:rPr lang="de-DE" sz="2000" dirty="0">
+                <a:solidFill>
+                  <a:schemeClr val="bg1"/>
+                </a:solidFill>
+                <a:sym typeface="Wingdings" panose="05000000000000000000" pitchFamily="2" charset="2"/>
+              </a:rPr>
+              <a:t>Bitte die </a:t>
+            </a:r>
+            <a:r>
+              <a:rPr lang="de-DE" sz="2000" b="1" dirty="0">
+                <a:solidFill>
+                  <a:schemeClr val="bg1"/>
+                </a:solidFill>
+                <a:sym typeface="Wingdings" panose="05000000000000000000" pitchFamily="2" charset="2"/>
+              </a:rPr>
+              <a:t>LEERTASTE</a:t>
+            </a:r>
+            <a:r>
+              <a:rPr lang="de-DE" sz="2000" dirty="0">
+                <a:solidFill>
+                  <a:schemeClr val="bg1"/>
+                </a:solidFill>
+                <a:sym typeface="Wingdings" panose="05000000000000000000" pitchFamily="2" charset="2"/>
+              </a:rPr>
+              <a:t> drücken, um fortzufahren</a:t>
+            </a:r>
+            <a:endParaRPr lang="de-DE" sz="2000" dirty="0">
+              <a:solidFill>
+                <a:schemeClr val="bg1"/>
+              </a:solidFill>
+            </a:endParaRPr>
+          </a:p>
+        </p:txBody>
+      </p:sp>
+    </p:spTree>
+    <p:extLst>
+      <p:ext uri="{BB962C8B-B14F-4D97-AF65-F5344CB8AC3E}">
+        <p14:creationId xmlns:p14="http://schemas.microsoft.com/office/powerpoint/2010/main" val="1277864588"/>
       </p:ext>
     </p:extLst>
   </p:cSld>
@@ -5097,7 +5541,7 @@
         <p:spPr>
           <a:xfrm>
             <a:off x="1603888" y="1751291"/>
-            <a:ext cx="7954179" cy="2585323"/>
+            <a:ext cx="7954179" cy="3262432"/>
           </a:xfrm>
           <a:prstGeom prst="rect">
             <a:avLst/>
@@ -5112,18 +5556,6 @@
           <a:p>
             <a:pPr algn="ctr"/>
             <a:r>
-              <a:rPr lang="de-DE" sz="4400" dirty="0">
-                <a:solidFill>
-                  <a:schemeClr val="bg1"/>
-                </a:solidFill>
-                <a:latin typeface="Consolas" panose="020B0609020204030204" pitchFamily="49" charset="0"/>
-              </a:rPr>
-              <a:t>Gut gemacht!</a:t>
-            </a:r>
-          </a:p>
-          <a:p>
-            <a:pPr algn="ctr"/>
-            <a:r>
               <a:rPr lang="de-DE" sz="4400" b="0" dirty="0">
                 <a:solidFill>
                   <a:schemeClr val="bg1"/>
@@ -5131,7 +5563,7 @@
                 <a:effectLst/>
                 <a:latin typeface="Consolas" panose="020B0609020204030204" pitchFamily="49" charset="0"/>
               </a:rPr>
-              <a:t>Das war das zweite Spiel.</a:t>
+              <a:t>Wenn Sie möchten, machen Sie eine kurze Pause und fahren dann fort.</a:t>
             </a:r>
           </a:p>
           <a:p>
@@ -5201,7 +5633,7 @@
     </p:spTree>
     <p:extLst>
       <p:ext uri="{BB962C8B-B14F-4D97-AF65-F5344CB8AC3E}">
-        <p14:creationId xmlns:p14="http://schemas.microsoft.com/office/powerpoint/2010/main" val="177166413"/>
+        <p14:creationId xmlns:p14="http://schemas.microsoft.com/office/powerpoint/2010/main" val="478037220"/>
       </p:ext>
     </p:extLst>
   </p:cSld>
@@ -5257,154 +5689,6 @@
         <p:spPr>
           <a:xfrm>
             <a:off x="1603888" y="1751291"/>
-            <a:ext cx="7954179" cy="3262432"/>
-          </a:xfrm>
-          <a:prstGeom prst="rect">
-            <a:avLst/>
-          </a:prstGeom>
-          <a:noFill/>
-        </p:spPr>
-        <p:txBody>
-          <a:bodyPr wrap="square" rtlCol="0">
-            <a:spAutoFit/>
-          </a:bodyPr>
-          <a:lstStyle/>
-          <a:p>
-            <a:pPr algn="ctr"/>
-            <a:r>
-              <a:rPr lang="de-DE" sz="4400" b="0" dirty="0">
-                <a:solidFill>
-                  <a:schemeClr val="bg1"/>
-                </a:solidFill>
-                <a:effectLst/>
-                <a:latin typeface="Consolas" panose="020B0609020204030204" pitchFamily="49" charset="0"/>
-              </a:rPr>
-              <a:t>Wenn Sie möchten, machen Sie eine kurze Pause und fahren dann fort.</a:t>
-            </a:r>
-          </a:p>
-          <a:p>
-            <a:pPr algn="ctr"/>
-            <a:endParaRPr lang="de-DE" dirty="0">
-              <a:solidFill>
-                <a:schemeClr val="bg1"/>
-              </a:solidFill>
-              <a:sym typeface="Wingdings" panose="05000000000000000000" pitchFamily="2" charset="2"/>
-            </a:endParaRPr>
-          </a:p>
-          <a:p>
-            <a:pPr algn="ctr"/>
-            <a:endParaRPr lang="de-DE" dirty="0">
-              <a:solidFill>
-                <a:schemeClr val="bg1"/>
-              </a:solidFill>
-              <a:sym typeface="Wingdings" panose="05000000000000000000" pitchFamily="2" charset="2"/>
-            </a:endParaRPr>
-          </a:p>
-          <a:p>
-            <a:pPr algn="ctr"/>
-            <a:endParaRPr lang="de-DE" dirty="0">
-              <a:solidFill>
-                <a:schemeClr val="bg1"/>
-              </a:solidFill>
-              <a:sym typeface="Wingdings" panose="05000000000000000000" pitchFamily="2" charset="2"/>
-            </a:endParaRPr>
-          </a:p>
-          <a:p>
-            <a:pPr algn="ctr"/>
-            <a:r>
-              <a:rPr lang="de-DE" sz="2000" dirty="0">
-                <a:solidFill>
-                  <a:schemeClr val="bg1"/>
-                </a:solidFill>
-                <a:sym typeface="Wingdings" panose="05000000000000000000" pitchFamily="2" charset="2"/>
-              </a:rPr>
-              <a:t>Bitte die </a:t>
-            </a:r>
-            <a:r>
-              <a:rPr lang="de-DE" sz="2000" b="1" dirty="0">
-                <a:solidFill>
-                  <a:schemeClr val="bg1"/>
-                </a:solidFill>
-                <a:sym typeface="Wingdings" panose="05000000000000000000" pitchFamily="2" charset="2"/>
-              </a:rPr>
-              <a:t>LEERTASTE</a:t>
-            </a:r>
-            <a:r>
-              <a:rPr lang="de-DE" sz="2000" dirty="0">
-                <a:solidFill>
-                  <a:schemeClr val="bg1"/>
-                </a:solidFill>
-                <a:sym typeface="Wingdings" panose="05000000000000000000" pitchFamily="2" charset="2"/>
-              </a:rPr>
-              <a:t> drücken, um fortzufahren</a:t>
-            </a:r>
-            <a:endParaRPr lang="de-DE" sz="2000" dirty="0">
-              <a:solidFill>
-                <a:schemeClr val="bg1"/>
-              </a:solidFill>
-            </a:endParaRPr>
-          </a:p>
-        </p:txBody>
-      </p:sp>
-    </p:spTree>
-    <p:extLst>
-      <p:ext uri="{BB962C8B-B14F-4D97-AF65-F5344CB8AC3E}">
-        <p14:creationId xmlns:p14="http://schemas.microsoft.com/office/powerpoint/2010/main" val="2279804044"/>
-      </p:ext>
-    </p:extLst>
-  </p:cSld>
-  <p:clrMapOvr>
-    <a:masterClrMapping/>
-  </p:clrMapOvr>
-</p:sld>
-</file>
-
-<file path=ppt/slides/slide17.xml><?xml version="1.0" encoding="utf-8"?>
-<p:sld xmlns:a="http://schemas.openxmlformats.org/drawingml/2006/main" xmlns:r="http://schemas.openxmlformats.org/officeDocument/2006/relationships" xmlns:p="http://schemas.openxmlformats.org/presentationml/2006/main">
-  <p:cSld>
-    <p:bg>
-      <p:bgPr>
-        <a:solidFill>
-          <a:schemeClr val="tx1"/>
-        </a:solidFill>
-        <a:effectLst/>
-      </p:bgPr>
-    </p:bg>
-    <p:spTree>
-      <p:nvGrpSpPr>
-        <p:cNvPr id="1" name="">
-          <a:extLst>
-            <a:ext uri="{FF2B5EF4-FFF2-40B4-BE49-F238E27FC236}">
-              <a16:creationId xmlns:a16="http://schemas.microsoft.com/office/drawing/2014/main" id="{2F555E54-302D-FAF5-8B61-33E8328B6B4F}"/>
-            </a:ext>
-          </a:extLst>
-        </p:cNvPr>
-        <p:cNvGrpSpPr/>
-        <p:nvPr/>
-      </p:nvGrpSpPr>
-      <p:grpSpPr>
-        <a:xfrm>
-          <a:off x="0" y="0"/>
-          <a:ext cx="0" cy="0"/>
-          <a:chOff x="0" y="0"/>
-          <a:chExt cx="0" cy="0"/>
-        </a:xfrm>
-      </p:grpSpPr>
-      <p:sp>
-        <p:nvSpPr>
-          <p:cNvPr id="4" name="Textfeld 3">
-            <a:extLst>
-              <a:ext uri="{FF2B5EF4-FFF2-40B4-BE49-F238E27FC236}">
-                <a16:creationId xmlns:a16="http://schemas.microsoft.com/office/drawing/2014/main" id="{7BAA204B-745F-1A14-8016-08FF53D32972}"/>
-              </a:ext>
-            </a:extLst>
-          </p:cNvPr>
-          <p:cNvSpPr txBox="1"/>
-          <p:nvPr/>
-        </p:nvSpPr>
-        <p:spPr>
-          <a:xfrm>
-            <a:off x="1603888" y="1751291"/>
             <a:ext cx="8325115" cy="1908215"/>
           </a:xfrm>
           <a:prstGeom prst="rect">
@@ -5426,7 +5710,7 @@
                 </a:solidFill>
                 <a:latin typeface="Consolas" panose="020B0609020204030204" pitchFamily="49" charset="0"/>
               </a:rPr>
-              <a:t>Weiter geht es zu Spiel 3!</a:t>
+              <a:t>Weiter geht es zu Spiel 2!</a:t>
             </a:r>
             <a:endParaRPr lang="de-DE" sz="4400" b="0" dirty="0">
               <a:solidFill>
@@ -5503,7 +5787,7 @@
     </p:spTree>
     <p:extLst>
       <p:ext uri="{BB962C8B-B14F-4D97-AF65-F5344CB8AC3E}">
-        <p14:creationId xmlns:p14="http://schemas.microsoft.com/office/powerpoint/2010/main" val="937809638"/>
+        <p14:creationId xmlns:p14="http://schemas.microsoft.com/office/powerpoint/2010/main" val="1007176671"/>
       </p:ext>
     </p:extLst>
   </p:cSld>
@@ -5513,7 +5797,7 @@
 </p:sld>
 </file>
 
-<file path=ppt/slides/slide18.xml><?xml version="1.0" encoding="utf-8"?>
+<file path=ppt/slides/slide17.xml><?xml version="1.0" encoding="utf-8"?>
 <p:sld xmlns:a="http://schemas.openxmlformats.org/drawingml/2006/main" xmlns:r="http://schemas.openxmlformats.org/officeDocument/2006/relationships" xmlns:p="http://schemas.openxmlformats.org/presentationml/2006/main">
   <p:cSld>
     <p:bg>
@@ -5581,37 +5865,48 @@
                 <a:effectLst/>
                 <a:latin typeface="Consolas" panose="020B0609020204030204" pitchFamily="49" charset="0"/>
               </a:rPr>
-              <a:t>Ihre Aufgabe ist es, das Ziel im Labyrinth zu finden. Das Ziel ist markiert durch ein </a:t>
-            </a:r>
-            <a:r>
-              <a:rPr lang="de-DE" sz="2000" b="0" dirty="0">
-                <a:solidFill>
-                  <a:srgbClr val="FFC000"/>
-                </a:solidFill>
-                <a:effectLst/>
-                <a:latin typeface="Consolas" panose="020B0609020204030204" pitchFamily="49" charset="0"/>
-              </a:rPr>
-              <a:t>Objekt</a:t>
-            </a:r>
-            <a:r>
-              <a:rPr lang="de-DE" sz="2000" b="0" dirty="0">
-                <a:solidFill>
-                  <a:schemeClr val="bg1"/>
-                </a:solidFill>
-                <a:effectLst/>
-                <a:latin typeface="Consolas" panose="020B0609020204030204" pitchFamily="49" charset="0"/>
-              </a:rPr>
-              <a:t>. Laufen Sie bis zum Objekt, endet der Spieldurchlauf. Je schneller Sie dabei sind, desto besser</a:t>
-            </a:r>
-          </a:p>
-          <a:p>
-            <a:pPr algn="ctr"/>
-            <a:endParaRPr lang="de-DE" sz="2000" dirty="0">
-              <a:solidFill>
-                <a:schemeClr val="bg1"/>
-              </a:solidFill>
-              <a:latin typeface="Consolas" panose="020B0609020204030204" pitchFamily="49" charset="0"/>
-            </a:endParaRPr>
+              <a:t>Ihre Aufgabe ist es, so lange wie möglich zu überleben. Der Boden ist mit einer gefährlichen Flüssigkeit bedeckt, welche Ihnen permanent Schaden zufügt. Heilen können Sie sich über die </a:t>
+            </a:r>
+            <a:r>
+              <a:rPr lang="de-DE" sz="2000" b="0" dirty="0">
+                <a:solidFill>
+                  <a:srgbClr val="00B0F0"/>
+                </a:solidFill>
+                <a:effectLst/>
+                <a:latin typeface="Consolas" panose="020B0609020204030204" pitchFamily="49" charset="0"/>
+              </a:rPr>
+              <a:t>Medizinpakete</a:t>
+            </a:r>
+            <a:r>
+              <a:rPr lang="de-DE" sz="2000" b="0" dirty="0">
+                <a:solidFill>
+                  <a:schemeClr val="bg1"/>
+                </a:solidFill>
+                <a:effectLst/>
+                <a:latin typeface="Consolas" panose="020B0609020204030204" pitchFamily="49" charset="0"/>
+              </a:rPr>
+              <a:t>, aber Vorsicht vor den </a:t>
+            </a:r>
+            <a:r>
+              <a:rPr lang="de-DE" sz="2000" b="0" dirty="0">
+                <a:solidFill>
+                  <a:srgbClr val="FF0000"/>
+                </a:solidFill>
+                <a:effectLst/>
+                <a:latin typeface="Consolas" panose="020B0609020204030204" pitchFamily="49" charset="0"/>
+              </a:rPr>
+              <a:t>Giftflaschen</a:t>
+            </a:r>
+            <a:r>
+              <a:rPr lang="de-DE" sz="2000" b="0" dirty="0">
+                <a:solidFill>
+                  <a:schemeClr val="bg1"/>
+                </a:solidFill>
+                <a:effectLst/>
+                <a:latin typeface="Consolas" panose="020B0609020204030204" pitchFamily="49" charset="0"/>
+              </a:rPr>
+              <a:t>!</a:t>
+            </a:r>
           </a:p>
           <a:p>
             <a:pPr algn="ctr"/>
@@ -5745,10 +6040,10 @@
       </p:sp>
       <p:pic>
         <p:nvPicPr>
-          <p:cNvPr id="3" name="Grafik 2" descr="Ein Bild, das Screenshot, PC-Spiel, Spielesoftware, 3D-Modellierung enthält.&#10;&#10;Automatisch generierte Beschreibung">
-            <a:extLst>
-              <a:ext uri="{FF2B5EF4-FFF2-40B4-BE49-F238E27FC236}">
-                <a16:creationId xmlns:a16="http://schemas.microsoft.com/office/drawing/2014/main" id="{48849428-493F-6647-35B6-1D6E9A539E87}"/>
+          <p:cNvPr id="5" name="Grafik 4" descr="Ein Bild, das Screenshot, PC-Spiel, Spielesoftware, Digitales Compositing enthält.&#10;&#10;Automatisch generierte Beschreibung">
+            <a:extLst>
+              <a:ext uri="{FF2B5EF4-FFF2-40B4-BE49-F238E27FC236}">
+                <a16:creationId xmlns:a16="http://schemas.microsoft.com/office/drawing/2014/main" id="{C6AAD747-5145-5328-29E7-82748426F87B}"/>
               </a:ext>
             </a:extLst>
           </p:cNvPr>
@@ -5771,8 +6066,8 @@
         </p:blipFill>
         <p:spPr>
           <a:xfrm>
-            <a:off x="2822834" y="1528309"/>
-            <a:ext cx="5424018" cy="4173935"/>
+            <a:off x="3143380" y="1837306"/>
+            <a:ext cx="5010264" cy="3856128"/>
           </a:xfrm>
           <a:prstGeom prst="rect">
             <a:avLst/>
@@ -5781,10 +6076,10 @@
       </p:pic>
       <p:sp>
         <p:nvSpPr>
-          <p:cNvPr id="6" name="Ellipse 5">
-            <a:extLst>
-              <a:ext uri="{FF2B5EF4-FFF2-40B4-BE49-F238E27FC236}">
-                <a16:creationId xmlns:a16="http://schemas.microsoft.com/office/drawing/2014/main" id="{20ED16D0-8ECA-F477-B5C3-2C4D3021EC8C}"/>
+          <p:cNvPr id="7" name="Sechseck 6">
+            <a:extLst>
+              <a:ext uri="{FF2B5EF4-FFF2-40B4-BE49-F238E27FC236}">
+                <a16:creationId xmlns:a16="http://schemas.microsoft.com/office/drawing/2014/main" id="{C51D8EC3-2782-B40D-65B7-4C57DB70E106}"/>
               </a:ext>
             </a:extLst>
           </p:cNvPr>
@@ -5793,16 +6088,16 @@
         </p:nvSpPr>
         <p:spPr>
           <a:xfrm>
-            <a:off x="5030197" y="3982255"/>
-            <a:ext cx="888521" cy="776377"/>
+            <a:off x="4580626" y="4175185"/>
+            <a:ext cx="785004" cy="560717"/>
           </a:xfrm>
-          <a:prstGeom prst="ellipse">
+          <a:prstGeom prst="hexagon">
             <a:avLst/>
           </a:prstGeom>
           <a:noFill/>
           <a:ln w="38100">
             <a:solidFill>
-              <a:srgbClr val="FFC000"/>
+              <a:srgbClr val="00B0F0"/>
             </a:solidFill>
           </a:ln>
         </p:spPr>
@@ -5831,10 +6126,62 @@
           </a:p>
         </p:txBody>
       </p:sp>
+      <p:sp>
+        <p:nvSpPr>
+          <p:cNvPr id="8" name="Ellipse 7">
+            <a:extLst>
+              <a:ext uri="{FF2B5EF4-FFF2-40B4-BE49-F238E27FC236}">
+                <a16:creationId xmlns:a16="http://schemas.microsoft.com/office/drawing/2014/main" id="{F7959DE2-49E8-7E42-9D36-33F26D4287B1}"/>
+              </a:ext>
+            </a:extLst>
+          </p:cNvPr>
+          <p:cNvSpPr/>
+          <p:nvPr/>
+        </p:nvSpPr>
+        <p:spPr>
+          <a:xfrm>
+            <a:off x="5814204" y="4175185"/>
+            <a:ext cx="854015" cy="802257"/>
+          </a:xfrm>
+          <a:prstGeom prst="ellipse">
+            <a:avLst/>
+          </a:prstGeom>
+          <a:noFill/>
+          <a:ln w="38100">
+            <a:solidFill>
+              <a:srgbClr val="FF0000"/>
+            </a:solidFill>
+          </a:ln>
+        </p:spPr>
+        <p:style>
+          <a:lnRef idx="2">
+            <a:schemeClr val="accent1">
+              <a:shade val="15000"/>
+            </a:schemeClr>
+          </a:lnRef>
+          <a:fillRef idx="1">
+            <a:schemeClr val="accent1"/>
+          </a:fillRef>
+          <a:effectRef idx="0">
+            <a:schemeClr val="accent1"/>
+          </a:effectRef>
+          <a:fontRef idx="minor">
+            <a:schemeClr val="lt1"/>
+          </a:fontRef>
+        </p:style>
+        <p:txBody>
+          <a:bodyPr rtlCol="0" anchor="ctr"/>
+          <a:lstStyle/>
+          <a:p>
+            <a:pPr algn="ctr"/>
+            <a:endParaRPr lang="de-DE"/>
+          </a:p>
+        </p:txBody>
+      </p:sp>
     </p:spTree>
     <p:extLst>
       <p:ext uri="{BB962C8B-B14F-4D97-AF65-F5344CB8AC3E}">
-        <p14:creationId xmlns:p14="http://schemas.microsoft.com/office/powerpoint/2010/main" val="4244602"/>
+        <p14:creationId xmlns:p14="http://schemas.microsoft.com/office/powerpoint/2010/main" val="3480489692"/>
       </p:ext>
     </p:extLst>
   </p:cSld>
@@ -5844,7 +6191,7 @@
 </p:sld>
 </file>
 
-<file path=ppt/slides/slide19.xml><?xml version="1.0" encoding="utf-8"?>
+<file path=ppt/slides/slide18.xml><?xml version="1.0" encoding="utf-8"?>
 <p:sld xmlns:a="http://schemas.openxmlformats.org/drawingml/2006/main" xmlns:r="http://schemas.openxmlformats.org/officeDocument/2006/relationships" xmlns:p="http://schemas.openxmlformats.org/presentationml/2006/main">
   <p:cSld>
     <p:bg>
@@ -6547,7 +6894,167 @@
     </p:spTree>
     <p:extLst>
       <p:ext uri="{BB962C8B-B14F-4D97-AF65-F5344CB8AC3E}">
-        <p14:creationId xmlns:p14="http://schemas.microsoft.com/office/powerpoint/2010/main" val="3664070061"/>
+        <p14:creationId xmlns:p14="http://schemas.microsoft.com/office/powerpoint/2010/main" val="3436921464"/>
+      </p:ext>
+    </p:extLst>
+  </p:cSld>
+  <p:clrMapOvr>
+    <a:masterClrMapping/>
+  </p:clrMapOvr>
+</p:sld>
+</file>
+
+<file path=ppt/slides/slide19.xml><?xml version="1.0" encoding="utf-8"?>
+<p:sld xmlns:a="http://schemas.openxmlformats.org/drawingml/2006/main" xmlns:r="http://schemas.openxmlformats.org/officeDocument/2006/relationships" xmlns:p="http://schemas.openxmlformats.org/presentationml/2006/main">
+  <p:cSld>
+    <p:bg>
+      <p:bgPr>
+        <a:solidFill>
+          <a:schemeClr val="tx1"/>
+        </a:solidFill>
+        <a:effectLst/>
+      </p:bgPr>
+    </p:bg>
+    <p:spTree>
+      <p:nvGrpSpPr>
+        <p:cNvPr id="1" name="">
+          <a:extLst>
+            <a:ext uri="{FF2B5EF4-FFF2-40B4-BE49-F238E27FC236}">
+              <a16:creationId xmlns:a16="http://schemas.microsoft.com/office/drawing/2014/main" id="{2F555E54-302D-FAF5-8B61-33E8328B6B4F}"/>
+            </a:ext>
+          </a:extLst>
+        </p:cNvPr>
+        <p:cNvGrpSpPr/>
+        <p:nvPr/>
+      </p:nvGrpSpPr>
+      <p:grpSpPr>
+        <a:xfrm>
+          <a:off x="0" y="0"/>
+          <a:ext cx="0" cy="0"/>
+          <a:chOff x="0" y="0"/>
+          <a:chExt cx="0" cy="0"/>
+        </a:xfrm>
+      </p:grpSpPr>
+      <p:sp>
+        <p:nvSpPr>
+          <p:cNvPr id="4" name="Textfeld 3">
+            <a:extLst>
+              <a:ext uri="{FF2B5EF4-FFF2-40B4-BE49-F238E27FC236}">
+                <a16:creationId xmlns:a16="http://schemas.microsoft.com/office/drawing/2014/main" id="{7BAA204B-745F-1A14-8016-08FF53D32972}"/>
+              </a:ext>
+            </a:extLst>
+          </p:cNvPr>
+          <p:cNvSpPr txBox="1"/>
+          <p:nvPr/>
+        </p:nvSpPr>
+        <p:spPr>
+          <a:xfrm>
+            <a:off x="1603888" y="1751291"/>
+            <a:ext cx="7954179" cy="2585323"/>
+          </a:xfrm>
+          <a:prstGeom prst="rect">
+            <a:avLst/>
+          </a:prstGeom>
+          <a:noFill/>
+        </p:spPr>
+        <p:txBody>
+          <a:bodyPr wrap="square" rtlCol="0">
+            <a:spAutoFit/>
+          </a:bodyPr>
+          <a:lstStyle/>
+          <a:p>
+            <a:pPr algn="ctr"/>
+            <a:r>
+              <a:rPr lang="de-DE" sz="4400" dirty="0">
+                <a:solidFill>
+                  <a:schemeClr val="bg1"/>
+                </a:solidFill>
+                <a:latin typeface="Consolas" panose="020B0609020204030204" pitchFamily="49" charset="0"/>
+              </a:rPr>
+              <a:t>Gut gemacht!</a:t>
+            </a:r>
+          </a:p>
+          <a:p>
+            <a:pPr algn="ctr"/>
+            <a:r>
+              <a:rPr lang="de-DE" sz="4400" b="0" dirty="0">
+                <a:solidFill>
+                  <a:schemeClr val="bg1"/>
+                </a:solidFill>
+                <a:effectLst/>
+                <a:latin typeface="Consolas" panose="020B0609020204030204" pitchFamily="49" charset="0"/>
+              </a:rPr>
+              <a:t>Das war das zweite Spiel.</a:t>
+            </a:r>
+          </a:p>
+          <a:p>
+            <a:pPr algn="ctr"/>
+            <a:endParaRPr lang="de-DE" dirty="0">
+              <a:solidFill>
+                <a:schemeClr val="bg1"/>
+              </a:solidFill>
+              <a:sym typeface="Wingdings" panose="05000000000000000000" pitchFamily="2" charset="2"/>
+            </a:endParaRPr>
+          </a:p>
+          <a:p>
+            <a:pPr algn="ctr"/>
+            <a:endParaRPr lang="de-DE" dirty="0">
+              <a:solidFill>
+                <a:schemeClr val="bg1"/>
+              </a:solidFill>
+              <a:sym typeface="Wingdings" panose="05000000000000000000" pitchFamily="2" charset="2"/>
+            </a:endParaRPr>
+          </a:p>
+          <a:p>
+            <a:pPr algn="ctr"/>
+            <a:endParaRPr lang="de-DE" dirty="0">
+              <a:solidFill>
+                <a:schemeClr val="bg1"/>
+              </a:solidFill>
+              <a:sym typeface="Wingdings" panose="05000000000000000000" pitchFamily="2" charset="2"/>
+            </a:endParaRPr>
+          </a:p>
+          <a:p>
+            <a:pPr algn="ctr"/>
+            <a:r>
+              <a:rPr lang="de-DE" sz="2000" dirty="0">
+                <a:solidFill>
+                  <a:schemeClr val="bg1"/>
+                </a:solidFill>
+                <a:sym typeface="Wingdings" panose="05000000000000000000" pitchFamily="2" charset="2"/>
+              </a:rPr>
+              <a:t>Bitte die </a:t>
+            </a:r>
+            <a:r>
+              <a:rPr lang="de-DE" sz="2000" b="1" dirty="0">
+                <a:solidFill>
+                  <a:schemeClr val="bg1"/>
+                </a:solidFill>
+                <a:sym typeface="Wingdings" panose="05000000000000000000" pitchFamily="2" charset="2"/>
+              </a:rPr>
+              <a:t>LEERTASTE</a:t>
+            </a:r>
+            <a:r>
+              <a:rPr lang="de-DE" sz="2000" dirty="0">
+                <a:solidFill>
+                  <a:schemeClr val="bg1"/>
+                </a:solidFill>
+                <a:sym typeface="Wingdings" panose="05000000000000000000" pitchFamily="2" charset="2"/>
+              </a:rPr>
+              <a:t> drücken, um fortzufahren</a:t>
+            </a:r>
+            <a:endParaRPr lang="de-DE" sz="2000" dirty="0">
+              <a:solidFill>
+                <a:schemeClr val="bg1"/>
+              </a:solidFill>
+            </a:endParaRPr>
+          </a:p>
+        </p:txBody>
+      </p:sp>
+    </p:spTree>
+    <p:extLst>
+      <p:ext uri="{BB962C8B-B14F-4D97-AF65-F5344CB8AC3E}">
+        <p14:creationId xmlns:p14="http://schemas.microsoft.com/office/powerpoint/2010/main" val="177166413"/>
       </p:ext>
     </p:extLst>
   </p:cSld>
@@ -6751,7 +7258,7 @@
         <p:spPr>
           <a:xfrm>
             <a:off x="1603888" y="1751291"/>
-            <a:ext cx="7954179" cy="2585323"/>
+            <a:ext cx="7954179" cy="3262432"/>
           </a:xfrm>
           <a:prstGeom prst="rect">
             <a:avLst/>
@@ -6766,18 +7273,6 @@
           <a:p>
             <a:pPr algn="ctr"/>
             <a:r>
-              <a:rPr lang="de-DE" sz="4400" dirty="0">
-                <a:solidFill>
-                  <a:schemeClr val="bg1"/>
-                </a:solidFill>
-                <a:latin typeface="Consolas" panose="020B0609020204030204" pitchFamily="49" charset="0"/>
-              </a:rPr>
-              <a:t>Gut gemacht!</a:t>
-            </a:r>
-          </a:p>
-          <a:p>
-            <a:pPr algn="ctr"/>
-            <a:r>
               <a:rPr lang="de-DE" sz="4400" b="0" dirty="0">
                 <a:solidFill>
                   <a:schemeClr val="bg1"/>
@@ -6785,7 +7280,7 @@
                 <a:effectLst/>
                 <a:latin typeface="Consolas" panose="020B0609020204030204" pitchFamily="49" charset="0"/>
               </a:rPr>
-              <a:t>Das war das dritte Spiel.</a:t>
+              <a:t>Wenn Sie möchten, machen Sie eine kurze Pause und fahren dann fort.</a:t>
             </a:r>
           </a:p>
           <a:p>
@@ -6855,7 +7350,7 @@
     </p:spTree>
     <p:extLst>
       <p:ext uri="{BB962C8B-B14F-4D97-AF65-F5344CB8AC3E}">
-        <p14:creationId xmlns:p14="http://schemas.microsoft.com/office/powerpoint/2010/main" val="1472450068"/>
+        <p14:creationId xmlns:p14="http://schemas.microsoft.com/office/powerpoint/2010/main" val="2279804044"/>
       </p:ext>
     </p:extLst>
   </p:cSld>
@@ -6911,7 +7406,7 @@
         <p:spPr>
           <a:xfrm>
             <a:off x="1603888" y="1751291"/>
-            <a:ext cx="7954179" cy="3262432"/>
+            <a:ext cx="8325115" cy="1908215"/>
           </a:xfrm>
           <a:prstGeom prst="rect">
             <a:avLst/>
@@ -6926,15 +7421,21 @@
           <a:p>
             <a:pPr algn="ctr"/>
             <a:r>
-              <a:rPr lang="de-DE" sz="4400" b="0" dirty="0">
-                <a:solidFill>
-                  <a:schemeClr val="bg1"/>
-                </a:solidFill>
-                <a:effectLst/>
-                <a:latin typeface="Consolas" panose="020B0609020204030204" pitchFamily="49" charset="0"/>
-              </a:rPr>
-              <a:t>Wenn Sie möchten, machen Sie eine kurze Pause und fahren dann fort.</a:t>
-            </a:r>
+              <a:rPr lang="de-DE" sz="4400" dirty="0">
+                <a:solidFill>
+                  <a:schemeClr val="bg1"/>
+                </a:solidFill>
+                <a:latin typeface="Consolas" panose="020B0609020204030204" pitchFamily="49" charset="0"/>
+              </a:rPr>
+              <a:t>Weiter geht es zu Spiel 3!</a:t>
+            </a:r>
+            <a:endParaRPr lang="de-DE" sz="4400" b="0" dirty="0">
+              <a:solidFill>
+                <a:schemeClr val="bg1"/>
+              </a:solidFill>
+              <a:effectLst/>
+              <a:latin typeface="Consolas" panose="020B0609020204030204" pitchFamily="49" charset="0"/>
+            </a:endParaRPr>
           </a:p>
           <a:p>
             <a:pPr algn="ctr"/>
@@ -7003,7 +7504,7 @@
     </p:spTree>
     <p:extLst>
       <p:ext uri="{BB962C8B-B14F-4D97-AF65-F5344CB8AC3E}">
-        <p14:creationId xmlns:p14="http://schemas.microsoft.com/office/powerpoint/2010/main" val="2621821630"/>
+        <p14:creationId xmlns:p14="http://schemas.microsoft.com/office/powerpoint/2010/main" val="937809638"/>
       </p:ext>
     </p:extLst>
   </p:cSld>
@@ -7014,6 +7515,1050 @@
 </file>
 
 <file path=ppt/slides/slide22.xml><?xml version="1.0" encoding="utf-8"?>
+<p:sld xmlns:a="http://schemas.openxmlformats.org/drawingml/2006/main" xmlns:r="http://schemas.openxmlformats.org/officeDocument/2006/relationships" xmlns:p="http://schemas.openxmlformats.org/presentationml/2006/main">
+  <p:cSld>
+    <p:bg>
+      <p:bgPr>
+        <a:solidFill>
+          <a:schemeClr val="tx1"/>
+        </a:solidFill>
+        <a:effectLst/>
+      </p:bgPr>
+    </p:bg>
+    <p:spTree>
+      <p:nvGrpSpPr>
+        <p:cNvPr id="1" name="">
+          <a:extLst>
+            <a:ext uri="{FF2B5EF4-FFF2-40B4-BE49-F238E27FC236}">
+              <a16:creationId xmlns:a16="http://schemas.microsoft.com/office/drawing/2014/main" id="{B25867C5-31EE-2747-E375-9235E74EB9AD}"/>
+            </a:ext>
+          </a:extLst>
+        </p:cNvPr>
+        <p:cNvGrpSpPr/>
+        <p:nvPr/>
+      </p:nvGrpSpPr>
+      <p:grpSpPr>
+        <a:xfrm>
+          <a:off x="0" y="0"/>
+          <a:ext cx="0" cy="0"/>
+          <a:chOff x="0" y="0"/>
+          <a:chExt cx="0" cy="0"/>
+        </a:xfrm>
+      </p:grpSpPr>
+      <p:sp>
+        <p:nvSpPr>
+          <p:cNvPr id="4" name="Textfeld 3">
+            <a:extLst>
+              <a:ext uri="{FF2B5EF4-FFF2-40B4-BE49-F238E27FC236}">
+                <a16:creationId xmlns:a16="http://schemas.microsoft.com/office/drawing/2014/main" id="{D191F11D-095D-DC95-90F9-C136253207C7}"/>
+              </a:ext>
+            </a:extLst>
+          </p:cNvPr>
+          <p:cNvSpPr txBox="1"/>
+          <p:nvPr/>
+        </p:nvSpPr>
+        <p:spPr>
+          <a:xfrm>
+            <a:off x="1807089" y="181109"/>
+            <a:ext cx="7682846" cy="6032421"/>
+          </a:xfrm>
+          <a:prstGeom prst="rect">
+            <a:avLst/>
+          </a:prstGeom>
+          <a:noFill/>
+        </p:spPr>
+        <p:txBody>
+          <a:bodyPr wrap="square" rtlCol="0">
+            <a:spAutoFit/>
+          </a:bodyPr>
+          <a:lstStyle/>
+          <a:p>
+            <a:pPr algn="ctr"/>
+            <a:r>
+              <a:rPr lang="de-DE" sz="2000" b="0" dirty="0">
+                <a:solidFill>
+                  <a:schemeClr val="bg1"/>
+                </a:solidFill>
+                <a:effectLst/>
+                <a:latin typeface="Consolas" panose="020B0609020204030204" pitchFamily="49" charset="0"/>
+              </a:rPr>
+              <a:t>Ihre Aufgabe ist es, das Ziel im Labyrinth zu finden. Das Ziel ist markiert durch ein </a:t>
+            </a:r>
+            <a:r>
+              <a:rPr lang="de-DE" sz="2000" b="0" dirty="0">
+                <a:solidFill>
+                  <a:srgbClr val="FFC000"/>
+                </a:solidFill>
+                <a:effectLst/>
+                <a:latin typeface="Consolas" panose="020B0609020204030204" pitchFamily="49" charset="0"/>
+              </a:rPr>
+              <a:t>Objekt</a:t>
+            </a:r>
+            <a:r>
+              <a:rPr lang="de-DE" sz="2000" b="0" dirty="0">
+                <a:solidFill>
+                  <a:schemeClr val="bg1"/>
+                </a:solidFill>
+                <a:effectLst/>
+                <a:latin typeface="Consolas" panose="020B0609020204030204" pitchFamily="49" charset="0"/>
+              </a:rPr>
+              <a:t>. Laufen Sie bis zum Objekt, endet der Spieldurchlauf. Je schneller Sie dabei sind, desto besser</a:t>
+            </a:r>
+          </a:p>
+          <a:p>
+            <a:pPr algn="ctr"/>
+            <a:endParaRPr lang="de-DE" sz="2000" dirty="0">
+              <a:solidFill>
+                <a:schemeClr val="bg1"/>
+              </a:solidFill>
+              <a:latin typeface="Consolas" panose="020B0609020204030204" pitchFamily="49" charset="0"/>
+            </a:endParaRPr>
+          </a:p>
+          <a:p>
+            <a:pPr algn="ctr"/>
+            <a:endParaRPr lang="de-DE" sz="3200" dirty="0">
+              <a:solidFill>
+                <a:schemeClr val="bg1"/>
+              </a:solidFill>
+              <a:latin typeface="Consolas" panose="020B0609020204030204" pitchFamily="49" charset="0"/>
+            </a:endParaRPr>
+          </a:p>
+          <a:p>
+            <a:pPr algn="ctr"/>
+            <a:endParaRPr lang="de-DE" sz="3200" b="0" dirty="0">
+              <a:solidFill>
+                <a:schemeClr val="bg1"/>
+              </a:solidFill>
+              <a:effectLst/>
+              <a:latin typeface="Consolas" panose="020B0609020204030204" pitchFamily="49" charset="0"/>
+            </a:endParaRPr>
+          </a:p>
+          <a:p>
+            <a:pPr algn="ctr"/>
+            <a:endParaRPr lang="de-DE" sz="3200" dirty="0">
+              <a:solidFill>
+                <a:schemeClr val="bg1"/>
+              </a:solidFill>
+              <a:latin typeface="Consolas" panose="020B0609020204030204" pitchFamily="49" charset="0"/>
+            </a:endParaRPr>
+          </a:p>
+          <a:p>
+            <a:pPr algn="ctr"/>
+            <a:endParaRPr lang="de-DE" sz="3200" dirty="0">
+              <a:solidFill>
+                <a:schemeClr val="bg1"/>
+              </a:solidFill>
+              <a:latin typeface="Consolas" panose="020B0609020204030204" pitchFamily="49" charset="0"/>
+            </a:endParaRPr>
+          </a:p>
+          <a:p>
+            <a:pPr algn="ctr"/>
+            <a:endParaRPr lang="de-DE" sz="3200" b="0" dirty="0">
+              <a:solidFill>
+                <a:schemeClr val="bg1"/>
+              </a:solidFill>
+              <a:effectLst/>
+              <a:latin typeface="Consolas" panose="020B0609020204030204" pitchFamily="49" charset="0"/>
+            </a:endParaRPr>
+          </a:p>
+          <a:p>
+            <a:pPr algn="ctr"/>
+            <a:endParaRPr lang="de-DE" sz="3200" b="0" dirty="0">
+              <a:solidFill>
+                <a:schemeClr val="bg1"/>
+              </a:solidFill>
+              <a:effectLst/>
+              <a:latin typeface="Consolas" panose="020B0609020204030204" pitchFamily="49" charset="0"/>
+            </a:endParaRPr>
+          </a:p>
+          <a:p>
+            <a:pPr algn="ctr"/>
+            <a:endParaRPr lang="de-DE" dirty="0">
+              <a:solidFill>
+                <a:schemeClr val="bg1"/>
+              </a:solidFill>
+              <a:sym typeface="Wingdings" panose="05000000000000000000" pitchFamily="2" charset="2"/>
+            </a:endParaRPr>
+          </a:p>
+          <a:p>
+            <a:pPr algn="ctr"/>
+            <a:endParaRPr lang="de-DE" dirty="0">
+              <a:solidFill>
+                <a:schemeClr val="bg1"/>
+              </a:solidFill>
+              <a:sym typeface="Wingdings" panose="05000000000000000000" pitchFamily="2" charset="2"/>
+            </a:endParaRPr>
+          </a:p>
+          <a:p>
+            <a:pPr algn="ctr"/>
+            <a:endParaRPr lang="de-DE" dirty="0">
+              <a:solidFill>
+                <a:schemeClr val="bg1"/>
+              </a:solidFill>
+              <a:sym typeface="Wingdings" panose="05000000000000000000" pitchFamily="2" charset="2"/>
+            </a:endParaRPr>
+          </a:p>
+          <a:p>
+            <a:pPr algn="ctr"/>
+            <a:endParaRPr lang="de-DE" sz="2000" dirty="0">
+              <a:solidFill>
+                <a:schemeClr val="bg1"/>
+              </a:solidFill>
+              <a:sym typeface="Wingdings" panose="05000000000000000000" pitchFamily="2" charset="2"/>
+            </a:endParaRPr>
+          </a:p>
+          <a:p>
+            <a:pPr algn="ctr"/>
+            <a:r>
+              <a:rPr lang="de-DE" sz="2000" dirty="0">
+                <a:solidFill>
+                  <a:schemeClr val="bg1"/>
+                </a:solidFill>
+                <a:sym typeface="Wingdings" panose="05000000000000000000" pitchFamily="2" charset="2"/>
+              </a:rPr>
+              <a:t>Bitte die </a:t>
+            </a:r>
+            <a:r>
+              <a:rPr lang="de-DE" sz="2000" b="1" dirty="0">
+                <a:solidFill>
+                  <a:schemeClr val="bg1"/>
+                </a:solidFill>
+                <a:sym typeface="Wingdings" panose="05000000000000000000" pitchFamily="2" charset="2"/>
+              </a:rPr>
+              <a:t>LEERTASTE</a:t>
+            </a:r>
+            <a:r>
+              <a:rPr lang="de-DE" sz="2000" dirty="0">
+                <a:solidFill>
+                  <a:schemeClr val="bg1"/>
+                </a:solidFill>
+                <a:sym typeface="Wingdings" panose="05000000000000000000" pitchFamily="2" charset="2"/>
+              </a:rPr>
+              <a:t> drücken, um fortzufahren</a:t>
+            </a:r>
+            <a:endParaRPr lang="de-DE" sz="2000" dirty="0">
+              <a:solidFill>
+                <a:schemeClr val="bg1"/>
+              </a:solidFill>
+            </a:endParaRPr>
+          </a:p>
+        </p:txBody>
+      </p:sp>
+      <p:pic>
+        <p:nvPicPr>
+          <p:cNvPr id="3" name="Grafik 2" descr="Ein Bild, das Screenshot, PC-Spiel, Spielesoftware, 3D-Modellierung enthält.&#10;&#10;Automatisch generierte Beschreibung">
+            <a:extLst>
+              <a:ext uri="{FF2B5EF4-FFF2-40B4-BE49-F238E27FC236}">
+                <a16:creationId xmlns:a16="http://schemas.microsoft.com/office/drawing/2014/main" id="{48849428-493F-6647-35B6-1D6E9A539E87}"/>
+              </a:ext>
+            </a:extLst>
+          </p:cNvPr>
+          <p:cNvPicPr>
+            <a:picLocks noChangeAspect="1"/>
+          </p:cNvPicPr>
+          <p:nvPr/>
+        </p:nvPicPr>
+        <p:blipFill>
+          <a:blip r:embed="rId2">
+            <a:extLst>
+              <a:ext uri="{28A0092B-C50C-407E-A947-70E740481C1C}">
+                <a14:useLocalDpi xmlns:a14="http://schemas.microsoft.com/office/drawing/2010/main" val="0"/>
+              </a:ext>
+            </a:extLst>
+          </a:blip>
+          <a:stretch>
+            <a:fillRect/>
+          </a:stretch>
+        </p:blipFill>
+        <p:spPr>
+          <a:xfrm>
+            <a:off x="2822834" y="1528309"/>
+            <a:ext cx="5424018" cy="4173935"/>
+          </a:xfrm>
+          <a:prstGeom prst="rect">
+            <a:avLst/>
+          </a:prstGeom>
+        </p:spPr>
+      </p:pic>
+      <p:sp>
+        <p:nvSpPr>
+          <p:cNvPr id="6" name="Ellipse 5">
+            <a:extLst>
+              <a:ext uri="{FF2B5EF4-FFF2-40B4-BE49-F238E27FC236}">
+                <a16:creationId xmlns:a16="http://schemas.microsoft.com/office/drawing/2014/main" id="{20ED16D0-8ECA-F477-B5C3-2C4D3021EC8C}"/>
+              </a:ext>
+            </a:extLst>
+          </p:cNvPr>
+          <p:cNvSpPr/>
+          <p:nvPr/>
+        </p:nvSpPr>
+        <p:spPr>
+          <a:xfrm>
+            <a:off x="5030197" y="3982255"/>
+            <a:ext cx="888521" cy="776377"/>
+          </a:xfrm>
+          <a:prstGeom prst="ellipse">
+            <a:avLst/>
+          </a:prstGeom>
+          <a:noFill/>
+          <a:ln w="38100">
+            <a:solidFill>
+              <a:srgbClr val="FFC000"/>
+            </a:solidFill>
+          </a:ln>
+        </p:spPr>
+        <p:style>
+          <a:lnRef idx="2">
+            <a:schemeClr val="accent1">
+              <a:shade val="15000"/>
+            </a:schemeClr>
+          </a:lnRef>
+          <a:fillRef idx="1">
+            <a:schemeClr val="accent1"/>
+          </a:fillRef>
+          <a:effectRef idx="0">
+            <a:schemeClr val="accent1"/>
+          </a:effectRef>
+          <a:fontRef idx="minor">
+            <a:schemeClr val="lt1"/>
+          </a:fontRef>
+        </p:style>
+        <p:txBody>
+          <a:bodyPr rtlCol="0" anchor="ctr"/>
+          <a:lstStyle/>
+          <a:p>
+            <a:pPr algn="ctr"/>
+            <a:endParaRPr lang="de-DE"/>
+          </a:p>
+        </p:txBody>
+      </p:sp>
+    </p:spTree>
+    <p:extLst>
+      <p:ext uri="{BB962C8B-B14F-4D97-AF65-F5344CB8AC3E}">
+        <p14:creationId xmlns:p14="http://schemas.microsoft.com/office/powerpoint/2010/main" val="4244602"/>
+      </p:ext>
+    </p:extLst>
+  </p:cSld>
+  <p:clrMapOvr>
+    <a:masterClrMapping/>
+  </p:clrMapOvr>
+</p:sld>
+</file>
+
+<file path=ppt/slides/slide23.xml><?xml version="1.0" encoding="utf-8"?>
+<p:sld xmlns:a="http://schemas.openxmlformats.org/drawingml/2006/main" xmlns:r="http://schemas.openxmlformats.org/officeDocument/2006/relationships" xmlns:p="http://schemas.openxmlformats.org/presentationml/2006/main">
+  <p:cSld>
+    <p:bg>
+      <p:bgPr>
+        <a:solidFill>
+          <a:schemeClr val="tx1"/>
+        </a:solidFill>
+        <a:effectLst/>
+      </p:bgPr>
+    </p:bg>
+    <p:spTree>
+      <p:nvGrpSpPr>
+        <p:cNvPr id="1" name="">
+          <a:extLst>
+            <a:ext uri="{FF2B5EF4-FFF2-40B4-BE49-F238E27FC236}">
+              <a16:creationId xmlns:a16="http://schemas.microsoft.com/office/drawing/2014/main" id="{3EFE3318-6E5D-0A81-F427-A84F2C3E0696}"/>
+            </a:ext>
+          </a:extLst>
+        </p:cNvPr>
+        <p:cNvGrpSpPr/>
+        <p:nvPr/>
+      </p:nvGrpSpPr>
+      <p:grpSpPr>
+        <a:xfrm>
+          <a:off x="0" y="0"/>
+          <a:ext cx="0" cy="0"/>
+          <a:chOff x="0" y="0"/>
+          <a:chExt cx="0" cy="0"/>
+        </a:xfrm>
+      </p:grpSpPr>
+      <p:sp>
+        <p:nvSpPr>
+          <p:cNvPr id="4" name="Textfeld 3">
+            <a:extLst>
+              <a:ext uri="{FF2B5EF4-FFF2-40B4-BE49-F238E27FC236}">
+                <a16:creationId xmlns:a16="http://schemas.microsoft.com/office/drawing/2014/main" id="{A7F7700D-0694-3E3F-F846-2BD42942D96A}"/>
+              </a:ext>
+            </a:extLst>
+          </p:cNvPr>
+          <p:cNvSpPr txBox="1"/>
+          <p:nvPr/>
+        </p:nvSpPr>
+        <p:spPr>
+          <a:xfrm>
+            <a:off x="1240672" y="461250"/>
+            <a:ext cx="9710656" cy="5539978"/>
+          </a:xfrm>
+          <a:prstGeom prst="rect">
+            <a:avLst/>
+          </a:prstGeom>
+          <a:noFill/>
+        </p:spPr>
+        <p:txBody>
+          <a:bodyPr wrap="square" rtlCol="0">
+            <a:spAutoFit/>
+          </a:bodyPr>
+          <a:lstStyle/>
+          <a:p>
+            <a:pPr algn="ctr"/>
+            <a:r>
+              <a:rPr lang="de-DE" sz="2000" b="0" dirty="0">
+                <a:solidFill>
+                  <a:schemeClr val="bg1"/>
+                </a:solidFill>
+                <a:effectLst/>
+                <a:latin typeface="Consolas" panose="020B0609020204030204" pitchFamily="49" charset="0"/>
+              </a:rPr>
+              <a:t>Sie drehen sich mit den Tasten A und D nach links und rechts, mit W bewegen Sie sich vorwärts. </a:t>
+            </a:r>
+          </a:p>
+          <a:p>
+            <a:pPr algn="ctr"/>
+            <a:endParaRPr lang="de-DE" sz="2000" b="0" dirty="0">
+              <a:solidFill>
+                <a:schemeClr val="bg1"/>
+              </a:solidFill>
+              <a:effectLst/>
+              <a:latin typeface="Consolas" panose="020B0609020204030204" pitchFamily="49" charset="0"/>
+            </a:endParaRPr>
+          </a:p>
+          <a:p>
+            <a:pPr algn="ctr"/>
+            <a:r>
+              <a:rPr lang="de-DE" sz="2000" b="0" dirty="0">
+                <a:solidFill>
+                  <a:schemeClr val="bg1"/>
+                </a:solidFill>
+                <a:effectLst/>
+                <a:latin typeface="Consolas" panose="020B0609020204030204" pitchFamily="49" charset="0"/>
+              </a:rPr>
+              <a:t>Legen Sie nun bitte </a:t>
+            </a:r>
+            <a:r>
+              <a:rPr lang="de-DE" sz="2000" b="0" dirty="0">
+                <a:solidFill>
+                  <a:srgbClr val="FFFF00"/>
+                </a:solidFill>
+                <a:effectLst/>
+                <a:latin typeface="Consolas" panose="020B0609020204030204" pitchFamily="49" charset="0"/>
+              </a:rPr>
+              <a:t>Zeige</a:t>
+            </a:r>
+            <a:r>
+              <a:rPr lang="de-DE" sz="2000" b="0" dirty="0">
+                <a:solidFill>
+                  <a:schemeClr val="bg1"/>
+                </a:solidFill>
+                <a:effectLst/>
+                <a:latin typeface="Consolas" panose="020B0609020204030204" pitchFamily="49" charset="0"/>
+              </a:rPr>
+              <a:t>-, </a:t>
+            </a:r>
+            <a:r>
+              <a:rPr lang="de-DE" sz="2000" b="0" dirty="0">
+                <a:solidFill>
+                  <a:schemeClr val="accent6">
+                    <a:lumMod val="75000"/>
+                  </a:schemeClr>
+                </a:solidFill>
+                <a:effectLst/>
+                <a:latin typeface="Consolas" panose="020B0609020204030204" pitchFamily="49" charset="0"/>
+              </a:rPr>
+              <a:t>Mittel</a:t>
+            </a:r>
+            <a:r>
+              <a:rPr lang="de-DE" sz="2000" b="0" dirty="0">
+                <a:solidFill>
+                  <a:schemeClr val="bg1"/>
+                </a:solidFill>
+                <a:effectLst/>
+                <a:latin typeface="Consolas" panose="020B0609020204030204" pitchFamily="49" charset="0"/>
+              </a:rPr>
+              <a:t>- und </a:t>
+            </a:r>
+            <a:r>
+              <a:rPr lang="de-DE" sz="2000" b="0" dirty="0">
+                <a:solidFill>
+                  <a:srgbClr val="FF0000"/>
+                </a:solidFill>
+                <a:effectLst/>
+                <a:latin typeface="Consolas" panose="020B0609020204030204" pitchFamily="49" charset="0"/>
+              </a:rPr>
+              <a:t>Ring</a:t>
+            </a:r>
+            <a:r>
+              <a:rPr lang="de-DE" sz="2000" b="0" dirty="0">
+                <a:solidFill>
+                  <a:schemeClr val="bg1"/>
+                </a:solidFill>
+                <a:effectLst/>
+                <a:latin typeface="Consolas" panose="020B0609020204030204" pitchFamily="49" charset="0"/>
+              </a:rPr>
+              <a:t>finger der </a:t>
+            </a:r>
+            <a:r>
+              <a:rPr lang="de-DE" sz="2000" b="0" u="sng" dirty="0">
+                <a:solidFill>
+                  <a:schemeClr val="bg1"/>
+                </a:solidFill>
+                <a:effectLst/>
+                <a:latin typeface="Consolas" panose="020B0609020204030204" pitchFamily="49" charset="0"/>
+              </a:rPr>
+              <a:t>linken</a:t>
+            </a:r>
+            <a:r>
+              <a:rPr lang="de-DE" sz="2000" b="0" dirty="0">
+                <a:solidFill>
+                  <a:schemeClr val="bg1"/>
+                </a:solidFill>
+                <a:effectLst/>
+                <a:latin typeface="Consolas" panose="020B0609020204030204" pitchFamily="49" charset="0"/>
+              </a:rPr>
+              <a:t> Hand auf die Tasten </a:t>
+            </a:r>
+            <a:r>
+              <a:rPr lang="de-DE" sz="2000" b="0" dirty="0">
+                <a:solidFill>
+                  <a:srgbClr val="FF0000"/>
+                </a:solidFill>
+                <a:effectLst/>
+                <a:latin typeface="Consolas" panose="020B0609020204030204" pitchFamily="49" charset="0"/>
+              </a:rPr>
+              <a:t>A</a:t>
+            </a:r>
+            <a:r>
+              <a:rPr lang="de-DE" sz="2000" b="0" dirty="0">
+                <a:solidFill>
+                  <a:schemeClr val="bg1"/>
+                </a:solidFill>
+                <a:effectLst/>
+                <a:latin typeface="Consolas" panose="020B0609020204030204" pitchFamily="49" charset="0"/>
+              </a:rPr>
+              <a:t>,</a:t>
+            </a:r>
+            <a:r>
+              <a:rPr lang="de-DE" sz="2000" b="0" dirty="0">
+                <a:solidFill>
+                  <a:srgbClr val="7030A0"/>
+                </a:solidFill>
+                <a:effectLst/>
+                <a:latin typeface="Consolas" panose="020B0609020204030204" pitchFamily="49" charset="0"/>
+              </a:rPr>
+              <a:t> </a:t>
+            </a:r>
+            <a:r>
+              <a:rPr lang="de-DE" sz="2000" b="0" dirty="0">
+                <a:solidFill>
+                  <a:schemeClr val="accent6">
+                    <a:lumMod val="75000"/>
+                  </a:schemeClr>
+                </a:solidFill>
+                <a:effectLst/>
+                <a:latin typeface="Consolas" panose="020B0609020204030204" pitchFamily="49" charset="0"/>
+              </a:rPr>
+              <a:t>W</a:t>
+            </a:r>
+            <a:r>
+              <a:rPr lang="de-DE" sz="2000" b="0" dirty="0">
+                <a:solidFill>
+                  <a:schemeClr val="bg1"/>
+                </a:solidFill>
+                <a:effectLst/>
+                <a:latin typeface="Consolas" panose="020B0609020204030204" pitchFamily="49" charset="0"/>
+              </a:rPr>
+              <a:t> und </a:t>
+            </a:r>
+            <a:r>
+              <a:rPr lang="de-DE" sz="2000" b="0" dirty="0">
+                <a:solidFill>
+                  <a:srgbClr val="FFFF00"/>
+                </a:solidFill>
+                <a:effectLst/>
+                <a:latin typeface="Consolas" panose="020B0609020204030204" pitchFamily="49" charset="0"/>
+              </a:rPr>
+              <a:t>D</a:t>
+            </a:r>
+            <a:r>
+              <a:rPr lang="de-DE" sz="2000" b="0" dirty="0">
+                <a:solidFill>
+                  <a:srgbClr val="7030A0"/>
+                </a:solidFill>
+                <a:effectLst/>
+                <a:latin typeface="Consolas" panose="020B0609020204030204" pitchFamily="49" charset="0"/>
+              </a:rPr>
+              <a:t> </a:t>
+            </a:r>
+            <a:r>
+              <a:rPr lang="de-DE" sz="2000" b="0" dirty="0">
+                <a:solidFill>
+                  <a:schemeClr val="bg1"/>
+                </a:solidFill>
+                <a:effectLst/>
+                <a:latin typeface="Consolas" panose="020B0609020204030204" pitchFamily="49" charset="0"/>
+              </a:rPr>
+              <a:t>und den </a:t>
+            </a:r>
+            <a:r>
+              <a:rPr lang="de-DE" sz="2000" b="0" dirty="0">
+                <a:solidFill>
+                  <a:srgbClr val="00B0F0"/>
+                </a:solidFill>
+                <a:effectLst/>
+                <a:latin typeface="Consolas" panose="020B0609020204030204" pitchFamily="49" charset="0"/>
+              </a:rPr>
+              <a:t>Daumen</a:t>
+            </a:r>
+            <a:r>
+              <a:rPr lang="de-DE" sz="2000" b="0" dirty="0">
+                <a:solidFill>
+                  <a:schemeClr val="bg1"/>
+                </a:solidFill>
+                <a:effectLst/>
+                <a:latin typeface="Consolas" panose="020B0609020204030204" pitchFamily="49" charset="0"/>
+              </a:rPr>
+              <a:t> der </a:t>
+            </a:r>
+            <a:r>
+              <a:rPr lang="de-DE" sz="2000" b="0" dirty="0">
+                <a:solidFill>
+                  <a:srgbClr val="00B0F0"/>
+                </a:solidFill>
+                <a:effectLst/>
+                <a:latin typeface="Consolas" panose="020B0609020204030204" pitchFamily="49" charset="0"/>
+              </a:rPr>
+              <a:t>linken</a:t>
+            </a:r>
+            <a:r>
+              <a:rPr lang="de-DE" sz="2000" b="0" dirty="0">
+                <a:solidFill>
+                  <a:schemeClr val="bg1"/>
+                </a:solidFill>
+                <a:effectLst/>
+                <a:latin typeface="Consolas" panose="020B0609020204030204" pitchFamily="49" charset="0"/>
+              </a:rPr>
+              <a:t> Hand auf die </a:t>
+            </a:r>
+            <a:r>
+              <a:rPr lang="de-DE" sz="2000" b="0" dirty="0">
+                <a:solidFill>
+                  <a:srgbClr val="00B0F0"/>
+                </a:solidFill>
+                <a:effectLst/>
+                <a:latin typeface="Consolas" panose="020B0609020204030204" pitchFamily="49" charset="0"/>
+              </a:rPr>
+              <a:t>Leertaste</a:t>
+            </a:r>
+            <a:r>
+              <a:rPr lang="de-DE" sz="2000" b="0" dirty="0">
+                <a:solidFill>
+                  <a:schemeClr val="bg1"/>
+                </a:solidFill>
+                <a:effectLst/>
+                <a:latin typeface="Consolas" panose="020B0609020204030204" pitchFamily="49" charset="0"/>
+              </a:rPr>
+              <a:t>.</a:t>
+            </a:r>
+          </a:p>
+          <a:p>
+            <a:pPr algn="ctr"/>
+            <a:endParaRPr lang="de-DE" dirty="0">
+              <a:solidFill>
+                <a:schemeClr val="bg1"/>
+              </a:solidFill>
+              <a:sym typeface="Wingdings" panose="05000000000000000000" pitchFamily="2" charset="2"/>
+            </a:endParaRPr>
+          </a:p>
+          <a:p>
+            <a:pPr algn="ctr"/>
+            <a:endParaRPr lang="de-DE" dirty="0">
+              <a:solidFill>
+                <a:schemeClr val="bg1"/>
+              </a:solidFill>
+              <a:sym typeface="Wingdings" panose="05000000000000000000" pitchFamily="2" charset="2"/>
+            </a:endParaRPr>
+          </a:p>
+          <a:p>
+            <a:pPr algn="ctr"/>
+            <a:endParaRPr lang="de-DE" dirty="0">
+              <a:solidFill>
+                <a:schemeClr val="bg1"/>
+              </a:solidFill>
+              <a:sym typeface="Wingdings" panose="05000000000000000000" pitchFamily="2" charset="2"/>
+            </a:endParaRPr>
+          </a:p>
+          <a:p>
+            <a:pPr algn="ctr"/>
+            <a:endParaRPr lang="de-DE" sz="2000" dirty="0">
+              <a:solidFill>
+                <a:schemeClr val="bg1"/>
+              </a:solidFill>
+              <a:sym typeface="Wingdings" panose="05000000000000000000" pitchFamily="2" charset="2"/>
+            </a:endParaRPr>
+          </a:p>
+          <a:p>
+            <a:pPr algn="ctr"/>
+            <a:endParaRPr lang="de-DE" sz="2000" dirty="0">
+              <a:solidFill>
+                <a:schemeClr val="bg1"/>
+              </a:solidFill>
+              <a:sym typeface="Wingdings" panose="05000000000000000000" pitchFamily="2" charset="2"/>
+            </a:endParaRPr>
+          </a:p>
+          <a:p>
+            <a:pPr algn="ctr"/>
+            <a:endParaRPr lang="de-DE" sz="2000" dirty="0">
+              <a:solidFill>
+                <a:schemeClr val="bg1"/>
+              </a:solidFill>
+              <a:sym typeface="Wingdings" panose="05000000000000000000" pitchFamily="2" charset="2"/>
+            </a:endParaRPr>
+          </a:p>
+          <a:p>
+            <a:pPr algn="ctr"/>
+            <a:endParaRPr lang="de-DE" sz="2000" dirty="0">
+              <a:solidFill>
+                <a:schemeClr val="bg1"/>
+              </a:solidFill>
+              <a:sym typeface="Wingdings" panose="05000000000000000000" pitchFamily="2" charset="2"/>
+            </a:endParaRPr>
+          </a:p>
+          <a:p>
+            <a:pPr algn="ctr"/>
+            <a:endParaRPr lang="de-DE" sz="2000" dirty="0">
+              <a:solidFill>
+                <a:schemeClr val="bg1"/>
+              </a:solidFill>
+              <a:sym typeface="Wingdings" panose="05000000000000000000" pitchFamily="2" charset="2"/>
+            </a:endParaRPr>
+          </a:p>
+          <a:p>
+            <a:pPr algn="ctr"/>
+            <a:endParaRPr lang="de-DE" sz="2000" dirty="0">
+              <a:solidFill>
+                <a:schemeClr val="bg1"/>
+              </a:solidFill>
+              <a:sym typeface="Wingdings" panose="05000000000000000000" pitchFamily="2" charset="2"/>
+            </a:endParaRPr>
+          </a:p>
+          <a:p>
+            <a:pPr algn="ctr"/>
+            <a:endParaRPr lang="de-DE" sz="2000" dirty="0">
+              <a:solidFill>
+                <a:schemeClr val="bg1"/>
+              </a:solidFill>
+              <a:sym typeface="Wingdings" panose="05000000000000000000" pitchFamily="2" charset="2"/>
+            </a:endParaRPr>
+          </a:p>
+          <a:p>
+            <a:pPr algn="ctr"/>
+            <a:endParaRPr lang="de-DE" sz="2000" dirty="0">
+              <a:solidFill>
+                <a:schemeClr val="bg1"/>
+              </a:solidFill>
+              <a:sym typeface="Wingdings" panose="05000000000000000000" pitchFamily="2" charset="2"/>
+            </a:endParaRPr>
+          </a:p>
+          <a:p>
+            <a:pPr algn="ctr"/>
+            <a:r>
+              <a:rPr lang="de-DE" sz="2000" dirty="0">
+                <a:solidFill>
+                  <a:schemeClr val="bg1"/>
+                </a:solidFill>
+                <a:sym typeface="Wingdings" panose="05000000000000000000" pitchFamily="2" charset="2"/>
+              </a:rPr>
+              <a:t>Bitte die </a:t>
+            </a:r>
+            <a:r>
+              <a:rPr lang="de-DE" sz="2000" b="1" dirty="0">
+                <a:solidFill>
+                  <a:schemeClr val="bg1"/>
+                </a:solidFill>
+                <a:sym typeface="Wingdings" panose="05000000000000000000" pitchFamily="2" charset="2"/>
+              </a:rPr>
+              <a:t>LEERTASTE</a:t>
+            </a:r>
+            <a:r>
+              <a:rPr lang="de-DE" sz="2000" dirty="0">
+                <a:solidFill>
+                  <a:schemeClr val="bg1"/>
+                </a:solidFill>
+                <a:sym typeface="Wingdings" panose="05000000000000000000" pitchFamily="2" charset="2"/>
+              </a:rPr>
+              <a:t> drücken, um fortzufahren</a:t>
+            </a:r>
+            <a:endParaRPr lang="de-DE" sz="2000" dirty="0">
+              <a:solidFill>
+                <a:schemeClr val="bg1"/>
+              </a:solidFill>
+            </a:endParaRPr>
+          </a:p>
+        </p:txBody>
+      </p:sp>
+      <p:pic>
+        <p:nvPicPr>
+          <p:cNvPr id="3" name="Grafik 2">
+            <a:extLst>
+              <a:ext uri="{FF2B5EF4-FFF2-40B4-BE49-F238E27FC236}">
+                <a16:creationId xmlns:a16="http://schemas.microsoft.com/office/drawing/2014/main" id="{4CA607E6-115D-5B54-F6A6-ABBC5C63474C}"/>
+              </a:ext>
+            </a:extLst>
+          </p:cNvPr>
+          <p:cNvPicPr>
+            <a:picLocks noChangeAspect="1"/>
+          </p:cNvPicPr>
+          <p:nvPr/>
+        </p:nvPicPr>
+        <p:blipFill>
+          <a:blip r:embed="rId2">
+            <a:extLst>
+              <a:ext uri="{28A0092B-C50C-407E-A947-70E740481C1C}">
+                <a14:useLocalDpi xmlns:a14="http://schemas.microsoft.com/office/drawing/2010/main" val="0"/>
+              </a:ext>
+            </a:extLst>
+          </a:blip>
+          <a:stretch>
+            <a:fillRect/>
+          </a:stretch>
+        </p:blipFill>
+        <p:spPr>
+          <a:xfrm>
+            <a:off x="2720283" y="3057526"/>
+            <a:ext cx="6502400" cy="2175461"/>
+          </a:xfrm>
+          <a:prstGeom prst="rect">
+            <a:avLst/>
+          </a:prstGeom>
+        </p:spPr>
+      </p:pic>
+      <p:sp>
+        <p:nvSpPr>
+          <p:cNvPr id="2" name="Rechteck: abgerundete Ecken 1">
+            <a:extLst>
+              <a:ext uri="{FF2B5EF4-FFF2-40B4-BE49-F238E27FC236}">
+                <a16:creationId xmlns:a16="http://schemas.microsoft.com/office/drawing/2014/main" id="{218BF682-B81F-9C8B-DA7B-231B96891B09}"/>
+              </a:ext>
+            </a:extLst>
+          </p:cNvPr>
+          <p:cNvSpPr/>
+          <p:nvPr/>
+        </p:nvSpPr>
+        <p:spPr>
+          <a:xfrm>
+            <a:off x="3260785" y="4192438"/>
+            <a:ext cx="232913" cy="224287"/>
+          </a:xfrm>
+          <a:prstGeom prst="roundRect">
+            <a:avLst/>
+          </a:prstGeom>
+          <a:noFill/>
+          <a:ln w="38100">
+            <a:solidFill>
+              <a:srgbClr val="FF0000"/>
+            </a:solidFill>
+          </a:ln>
+        </p:spPr>
+        <p:style>
+          <a:lnRef idx="2">
+            <a:schemeClr val="accent1">
+              <a:shade val="15000"/>
+            </a:schemeClr>
+          </a:lnRef>
+          <a:fillRef idx="1">
+            <a:schemeClr val="accent1"/>
+          </a:fillRef>
+          <a:effectRef idx="0">
+            <a:schemeClr val="accent1"/>
+          </a:effectRef>
+          <a:fontRef idx="minor">
+            <a:schemeClr val="lt1"/>
+          </a:fontRef>
+        </p:style>
+        <p:txBody>
+          <a:bodyPr rtlCol="0" anchor="ctr"/>
+          <a:lstStyle/>
+          <a:p>
+            <a:pPr algn="ctr"/>
+            <a:endParaRPr lang="de-DE"/>
+          </a:p>
+        </p:txBody>
+      </p:sp>
+      <p:sp>
+        <p:nvSpPr>
+          <p:cNvPr id="11" name="Rechteck: abgerundete Ecken 10">
+            <a:extLst>
+              <a:ext uri="{FF2B5EF4-FFF2-40B4-BE49-F238E27FC236}">
+                <a16:creationId xmlns:a16="http://schemas.microsoft.com/office/drawing/2014/main" id="{48634B3C-C26C-D304-43E0-978C5D3ABBED}"/>
+              </a:ext>
+            </a:extLst>
+          </p:cNvPr>
+          <p:cNvSpPr/>
+          <p:nvPr/>
+        </p:nvSpPr>
+        <p:spPr>
+          <a:xfrm>
+            <a:off x="3809913" y="4192438"/>
+            <a:ext cx="232913" cy="224287"/>
+          </a:xfrm>
+          <a:prstGeom prst="roundRect">
+            <a:avLst/>
+          </a:prstGeom>
+          <a:noFill/>
+          <a:ln w="38100">
+            <a:solidFill>
+              <a:srgbClr val="FFFF00"/>
+            </a:solidFill>
+          </a:ln>
+        </p:spPr>
+        <p:style>
+          <a:lnRef idx="2">
+            <a:schemeClr val="accent1">
+              <a:shade val="15000"/>
+            </a:schemeClr>
+          </a:lnRef>
+          <a:fillRef idx="1">
+            <a:schemeClr val="accent1"/>
+          </a:fillRef>
+          <a:effectRef idx="0">
+            <a:schemeClr val="accent1"/>
+          </a:effectRef>
+          <a:fontRef idx="minor">
+            <a:schemeClr val="lt1"/>
+          </a:fontRef>
+        </p:style>
+        <p:txBody>
+          <a:bodyPr rtlCol="0" anchor="ctr"/>
+          <a:lstStyle/>
+          <a:p>
+            <a:pPr algn="ctr"/>
+            <a:endParaRPr lang="de-DE"/>
+          </a:p>
+        </p:txBody>
+      </p:sp>
+      <p:sp>
+        <p:nvSpPr>
+          <p:cNvPr id="12" name="Rechteck: abgerundete Ecken 11">
+            <a:extLst>
+              <a:ext uri="{FF2B5EF4-FFF2-40B4-BE49-F238E27FC236}">
+                <a16:creationId xmlns:a16="http://schemas.microsoft.com/office/drawing/2014/main" id="{EC21962E-6EDB-9B67-597D-15EA88A76E75}"/>
+              </a:ext>
+            </a:extLst>
+          </p:cNvPr>
+          <p:cNvSpPr/>
+          <p:nvPr/>
+        </p:nvSpPr>
+        <p:spPr>
+          <a:xfrm>
+            <a:off x="3926369" y="4744528"/>
+            <a:ext cx="1603163" cy="362310"/>
+          </a:xfrm>
+          <a:prstGeom prst="roundRect">
+            <a:avLst/>
+          </a:prstGeom>
+          <a:noFill/>
+          <a:ln w="38100">
+            <a:solidFill>
+              <a:srgbClr val="00B0F0"/>
+            </a:solidFill>
+          </a:ln>
+        </p:spPr>
+        <p:style>
+          <a:lnRef idx="2">
+            <a:schemeClr val="accent1">
+              <a:shade val="15000"/>
+            </a:schemeClr>
+          </a:lnRef>
+          <a:fillRef idx="1">
+            <a:schemeClr val="accent1"/>
+          </a:fillRef>
+          <a:effectRef idx="0">
+            <a:schemeClr val="accent1"/>
+          </a:effectRef>
+          <a:fontRef idx="minor">
+            <a:schemeClr val="lt1"/>
+          </a:fontRef>
+        </p:style>
+        <p:txBody>
+          <a:bodyPr rtlCol="0" anchor="ctr"/>
+          <a:lstStyle/>
+          <a:p>
+            <a:pPr algn="ctr"/>
+            <a:endParaRPr lang="de-DE"/>
+          </a:p>
+        </p:txBody>
+      </p:sp>
+      <p:sp>
+        <p:nvSpPr>
+          <p:cNvPr id="5" name="Rechteck: abgerundete Ecken 4">
+            <a:extLst>
+              <a:ext uri="{FF2B5EF4-FFF2-40B4-BE49-F238E27FC236}">
+                <a16:creationId xmlns:a16="http://schemas.microsoft.com/office/drawing/2014/main" id="{445D6E5A-120A-BC0B-0445-7A2AF9362238}"/>
+              </a:ext>
+            </a:extLst>
+          </p:cNvPr>
+          <p:cNvSpPr/>
+          <p:nvPr/>
+        </p:nvSpPr>
+        <p:spPr>
+          <a:xfrm>
+            <a:off x="3493698" y="3890513"/>
+            <a:ext cx="232913" cy="224287"/>
+          </a:xfrm>
+          <a:prstGeom prst="roundRect">
+            <a:avLst/>
+          </a:prstGeom>
+          <a:noFill/>
+          <a:ln w="38100">
+            <a:solidFill>
+              <a:schemeClr val="accent6">
+                <a:lumMod val="75000"/>
+              </a:schemeClr>
+            </a:solidFill>
+          </a:ln>
+        </p:spPr>
+        <p:style>
+          <a:lnRef idx="2">
+            <a:schemeClr val="accent1">
+              <a:shade val="15000"/>
+            </a:schemeClr>
+          </a:lnRef>
+          <a:fillRef idx="1">
+            <a:schemeClr val="accent1"/>
+          </a:fillRef>
+          <a:effectRef idx="0">
+            <a:schemeClr val="accent1"/>
+          </a:effectRef>
+          <a:fontRef idx="minor">
+            <a:schemeClr val="lt1"/>
+          </a:fontRef>
+        </p:style>
+        <p:txBody>
+          <a:bodyPr rtlCol="0" anchor="ctr"/>
+          <a:lstStyle/>
+          <a:p>
+            <a:pPr algn="ctr"/>
+            <a:endParaRPr lang="de-DE"/>
+          </a:p>
+        </p:txBody>
+      </p:sp>
+    </p:spTree>
+    <p:extLst>
+      <p:ext uri="{BB962C8B-B14F-4D97-AF65-F5344CB8AC3E}">
+        <p14:creationId xmlns:p14="http://schemas.microsoft.com/office/powerpoint/2010/main" val="3664070061"/>
+      </p:ext>
+    </p:extLst>
+  </p:cSld>
+  <p:clrMapOvr>
+    <a:masterClrMapping/>
+  </p:clrMapOvr>
+</p:sld>
+</file>
+
+<file path=ppt/slides/slide24.xml><?xml version="1.0" encoding="utf-8"?>
 <p:sld xmlns:a="http://schemas.openxmlformats.org/drawingml/2006/main" xmlns:r="http://schemas.openxmlformats.org/officeDocument/2006/relationships" xmlns:p="http://schemas.openxmlformats.org/presentationml/2006/main">
   <p:cSld>
     <p:bg>
@@ -7059,6 +8604,314 @@
         <p:spPr>
           <a:xfrm>
             <a:off x="1603888" y="1751291"/>
+            <a:ext cx="7954179" cy="2585323"/>
+          </a:xfrm>
+          <a:prstGeom prst="rect">
+            <a:avLst/>
+          </a:prstGeom>
+          <a:noFill/>
+        </p:spPr>
+        <p:txBody>
+          <a:bodyPr wrap="square" rtlCol="0">
+            <a:spAutoFit/>
+          </a:bodyPr>
+          <a:lstStyle/>
+          <a:p>
+            <a:pPr algn="ctr"/>
+            <a:r>
+              <a:rPr lang="de-DE" sz="4400" dirty="0">
+                <a:solidFill>
+                  <a:schemeClr val="bg1"/>
+                </a:solidFill>
+                <a:latin typeface="Consolas" panose="020B0609020204030204" pitchFamily="49" charset="0"/>
+              </a:rPr>
+              <a:t>Gut gemacht!</a:t>
+            </a:r>
+          </a:p>
+          <a:p>
+            <a:pPr algn="ctr"/>
+            <a:r>
+              <a:rPr lang="de-DE" sz="4400" b="0" dirty="0">
+                <a:solidFill>
+                  <a:schemeClr val="bg1"/>
+                </a:solidFill>
+                <a:effectLst/>
+                <a:latin typeface="Consolas" panose="020B0609020204030204" pitchFamily="49" charset="0"/>
+              </a:rPr>
+              <a:t>Das war das dritte Spiel.</a:t>
+            </a:r>
+          </a:p>
+          <a:p>
+            <a:pPr algn="ctr"/>
+            <a:endParaRPr lang="de-DE" dirty="0">
+              <a:solidFill>
+                <a:schemeClr val="bg1"/>
+              </a:solidFill>
+              <a:sym typeface="Wingdings" panose="05000000000000000000" pitchFamily="2" charset="2"/>
+            </a:endParaRPr>
+          </a:p>
+          <a:p>
+            <a:pPr algn="ctr"/>
+            <a:endParaRPr lang="de-DE" dirty="0">
+              <a:solidFill>
+                <a:schemeClr val="bg1"/>
+              </a:solidFill>
+              <a:sym typeface="Wingdings" panose="05000000000000000000" pitchFamily="2" charset="2"/>
+            </a:endParaRPr>
+          </a:p>
+          <a:p>
+            <a:pPr algn="ctr"/>
+            <a:endParaRPr lang="de-DE" dirty="0">
+              <a:solidFill>
+                <a:schemeClr val="bg1"/>
+              </a:solidFill>
+              <a:sym typeface="Wingdings" panose="05000000000000000000" pitchFamily="2" charset="2"/>
+            </a:endParaRPr>
+          </a:p>
+          <a:p>
+            <a:pPr algn="ctr"/>
+            <a:r>
+              <a:rPr lang="de-DE" sz="2000" dirty="0">
+                <a:solidFill>
+                  <a:schemeClr val="bg1"/>
+                </a:solidFill>
+                <a:sym typeface="Wingdings" panose="05000000000000000000" pitchFamily="2" charset="2"/>
+              </a:rPr>
+              <a:t>Bitte die </a:t>
+            </a:r>
+            <a:r>
+              <a:rPr lang="de-DE" sz="2000" b="1" dirty="0">
+                <a:solidFill>
+                  <a:schemeClr val="bg1"/>
+                </a:solidFill>
+                <a:sym typeface="Wingdings" panose="05000000000000000000" pitchFamily="2" charset="2"/>
+              </a:rPr>
+              <a:t>LEERTASTE</a:t>
+            </a:r>
+            <a:r>
+              <a:rPr lang="de-DE" sz="2000" dirty="0">
+                <a:solidFill>
+                  <a:schemeClr val="bg1"/>
+                </a:solidFill>
+                <a:sym typeface="Wingdings" panose="05000000000000000000" pitchFamily="2" charset="2"/>
+              </a:rPr>
+              <a:t> drücken, um fortzufahren</a:t>
+            </a:r>
+            <a:endParaRPr lang="de-DE" sz="2000" dirty="0">
+              <a:solidFill>
+                <a:schemeClr val="bg1"/>
+              </a:solidFill>
+            </a:endParaRPr>
+          </a:p>
+        </p:txBody>
+      </p:sp>
+    </p:spTree>
+    <p:extLst>
+      <p:ext uri="{BB962C8B-B14F-4D97-AF65-F5344CB8AC3E}">
+        <p14:creationId xmlns:p14="http://schemas.microsoft.com/office/powerpoint/2010/main" val="1472450068"/>
+      </p:ext>
+    </p:extLst>
+  </p:cSld>
+  <p:clrMapOvr>
+    <a:masterClrMapping/>
+  </p:clrMapOvr>
+</p:sld>
+</file>
+
+<file path=ppt/slides/slide25.xml><?xml version="1.0" encoding="utf-8"?>
+<p:sld xmlns:a="http://schemas.openxmlformats.org/drawingml/2006/main" xmlns:r="http://schemas.openxmlformats.org/officeDocument/2006/relationships" xmlns:p="http://schemas.openxmlformats.org/presentationml/2006/main">
+  <p:cSld>
+    <p:bg>
+      <p:bgPr>
+        <a:solidFill>
+          <a:schemeClr val="tx1"/>
+        </a:solidFill>
+        <a:effectLst/>
+      </p:bgPr>
+    </p:bg>
+    <p:spTree>
+      <p:nvGrpSpPr>
+        <p:cNvPr id="1" name="">
+          <a:extLst>
+            <a:ext uri="{FF2B5EF4-FFF2-40B4-BE49-F238E27FC236}">
+              <a16:creationId xmlns:a16="http://schemas.microsoft.com/office/drawing/2014/main" id="{2F555E54-302D-FAF5-8B61-33E8328B6B4F}"/>
+            </a:ext>
+          </a:extLst>
+        </p:cNvPr>
+        <p:cNvGrpSpPr/>
+        <p:nvPr/>
+      </p:nvGrpSpPr>
+      <p:grpSpPr>
+        <a:xfrm>
+          <a:off x="0" y="0"/>
+          <a:ext cx="0" cy="0"/>
+          <a:chOff x="0" y="0"/>
+          <a:chExt cx="0" cy="0"/>
+        </a:xfrm>
+      </p:grpSpPr>
+      <p:sp>
+        <p:nvSpPr>
+          <p:cNvPr id="4" name="Textfeld 3">
+            <a:extLst>
+              <a:ext uri="{FF2B5EF4-FFF2-40B4-BE49-F238E27FC236}">
+                <a16:creationId xmlns:a16="http://schemas.microsoft.com/office/drawing/2014/main" id="{7BAA204B-745F-1A14-8016-08FF53D32972}"/>
+              </a:ext>
+            </a:extLst>
+          </p:cNvPr>
+          <p:cNvSpPr txBox="1"/>
+          <p:nvPr/>
+        </p:nvSpPr>
+        <p:spPr>
+          <a:xfrm>
+            <a:off x="1603888" y="1751291"/>
+            <a:ext cx="7954179" cy="3262432"/>
+          </a:xfrm>
+          <a:prstGeom prst="rect">
+            <a:avLst/>
+          </a:prstGeom>
+          <a:noFill/>
+        </p:spPr>
+        <p:txBody>
+          <a:bodyPr wrap="square" rtlCol="0">
+            <a:spAutoFit/>
+          </a:bodyPr>
+          <a:lstStyle/>
+          <a:p>
+            <a:pPr algn="ctr"/>
+            <a:r>
+              <a:rPr lang="de-DE" sz="4400" b="0" dirty="0">
+                <a:solidFill>
+                  <a:schemeClr val="bg1"/>
+                </a:solidFill>
+                <a:effectLst/>
+                <a:latin typeface="Consolas" panose="020B0609020204030204" pitchFamily="49" charset="0"/>
+              </a:rPr>
+              <a:t>Wenn Sie möchten, machen Sie eine kurze Pause und fahren dann fort.</a:t>
+            </a:r>
+          </a:p>
+          <a:p>
+            <a:pPr algn="ctr"/>
+            <a:endParaRPr lang="de-DE" dirty="0">
+              <a:solidFill>
+                <a:schemeClr val="bg1"/>
+              </a:solidFill>
+              <a:sym typeface="Wingdings" panose="05000000000000000000" pitchFamily="2" charset="2"/>
+            </a:endParaRPr>
+          </a:p>
+          <a:p>
+            <a:pPr algn="ctr"/>
+            <a:endParaRPr lang="de-DE" dirty="0">
+              <a:solidFill>
+                <a:schemeClr val="bg1"/>
+              </a:solidFill>
+              <a:sym typeface="Wingdings" panose="05000000000000000000" pitchFamily="2" charset="2"/>
+            </a:endParaRPr>
+          </a:p>
+          <a:p>
+            <a:pPr algn="ctr"/>
+            <a:endParaRPr lang="de-DE" dirty="0">
+              <a:solidFill>
+                <a:schemeClr val="bg1"/>
+              </a:solidFill>
+              <a:sym typeface="Wingdings" panose="05000000000000000000" pitchFamily="2" charset="2"/>
+            </a:endParaRPr>
+          </a:p>
+          <a:p>
+            <a:pPr algn="ctr"/>
+            <a:r>
+              <a:rPr lang="de-DE" sz="2000" dirty="0">
+                <a:solidFill>
+                  <a:schemeClr val="bg1"/>
+                </a:solidFill>
+                <a:sym typeface="Wingdings" panose="05000000000000000000" pitchFamily="2" charset="2"/>
+              </a:rPr>
+              <a:t>Bitte die </a:t>
+            </a:r>
+            <a:r>
+              <a:rPr lang="de-DE" sz="2000" b="1" dirty="0">
+                <a:solidFill>
+                  <a:schemeClr val="bg1"/>
+                </a:solidFill>
+                <a:sym typeface="Wingdings" panose="05000000000000000000" pitchFamily="2" charset="2"/>
+              </a:rPr>
+              <a:t>LEERTASTE</a:t>
+            </a:r>
+            <a:r>
+              <a:rPr lang="de-DE" sz="2000" dirty="0">
+                <a:solidFill>
+                  <a:schemeClr val="bg1"/>
+                </a:solidFill>
+                <a:sym typeface="Wingdings" panose="05000000000000000000" pitchFamily="2" charset="2"/>
+              </a:rPr>
+              <a:t> drücken, um fortzufahren</a:t>
+            </a:r>
+            <a:endParaRPr lang="de-DE" sz="2000" dirty="0">
+              <a:solidFill>
+                <a:schemeClr val="bg1"/>
+              </a:solidFill>
+            </a:endParaRPr>
+          </a:p>
+        </p:txBody>
+      </p:sp>
+    </p:spTree>
+    <p:extLst>
+      <p:ext uri="{BB962C8B-B14F-4D97-AF65-F5344CB8AC3E}">
+        <p14:creationId xmlns:p14="http://schemas.microsoft.com/office/powerpoint/2010/main" val="2621821630"/>
+      </p:ext>
+    </p:extLst>
+  </p:cSld>
+  <p:clrMapOvr>
+    <a:masterClrMapping/>
+  </p:clrMapOvr>
+</p:sld>
+</file>
+
+<file path=ppt/slides/slide26.xml><?xml version="1.0" encoding="utf-8"?>
+<p:sld xmlns:a="http://schemas.openxmlformats.org/drawingml/2006/main" xmlns:r="http://schemas.openxmlformats.org/officeDocument/2006/relationships" xmlns:p="http://schemas.openxmlformats.org/presentationml/2006/main">
+  <p:cSld>
+    <p:bg>
+      <p:bgPr>
+        <a:solidFill>
+          <a:schemeClr val="tx1"/>
+        </a:solidFill>
+        <a:effectLst/>
+      </p:bgPr>
+    </p:bg>
+    <p:spTree>
+      <p:nvGrpSpPr>
+        <p:cNvPr id="1" name="">
+          <a:extLst>
+            <a:ext uri="{FF2B5EF4-FFF2-40B4-BE49-F238E27FC236}">
+              <a16:creationId xmlns:a16="http://schemas.microsoft.com/office/drawing/2014/main" id="{2F555E54-302D-FAF5-8B61-33E8328B6B4F}"/>
+            </a:ext>
+          </a:extLst>
+        </p:cNvPr>
+        <p:cNvGrpSpPr/>
+        <p:nvPr/>
+      </p:nvGrpSpPr>
+      <p:grpSpPr>
+        <a:xfrm>
+          <a:off x="0" y="0"/>
+          <a:ext cx="0" cy="0"/>
+          <a:chOff x="0" y="0"/>
+          <a:chExt cx="0" cy="0"/>
+        </a:xfrm>
+      </p:grpSpPr>
+      <p:sp>
+        <p:nvSpPr>
+          <p:cNvPr id="4" name="Textfeld 3">
+            <a:extLst>
+              <a:ext uri="{FF2B5EF4-FFF2-40B4-BE49-F238E27FC236}">
+                <a16:creationId xmlns:a16="http://schemas.microsoft.com/office/drawing/2014/main" id="{7BAA204B-745F-1A14-8016-08FF53D32972}"/>
+              </a:ext>
+            </a:extLst>
+          </p:cNvPr>
+          <p:cNvSpPr txBox="1"/>
+          <p:nvPr/>
+        </p:nvSpPr>
+        <p:spPr>
+          <a:xfrm>
+            <a:off x="1603888" y="1751291"/>
             <a:ext cx="8325115" cy="1908215"/>
           </a:xfrm>
           <a:prstGeom prst="rect">
@@ -7167,7 +9020,7 @@
 </p:sld>
 </file>
 
-<file path=ppt/slides/slide23.xml><?xml version="1.0" encoding="utf-8"?>
+<file path=ppt/slides/slide27.xml><?xml version="1.0" encoding="utf-8"?>
 <p:sld xmlns:a="http://schemas.openxmlformats.org/drawingml/2006/main" xmlns:r="http://schemas.openxmlformats.org/officeDocument/2006/relationships" xmlns:p="http://schemas.openxmlformats.org/presentationml/2006/main">
   <p:cSld>
     <p:bg>
@@ -7617,7 +9470,7 @@
 </p:sld>
 </file>
 
-<file path=ppt/slides/slide24.xml><?xml version="1.0" encoding="utf-8"?>
+<file path=ppt/slides/slide28.xml><?xml version="1.0" encoding="utf-8"?>
 <p:sld xmlns:a="http://schemas.openxmlformats.org/drawingml/2006/main" xmlns:r="http://schemas.openxmlformats.org/officeDocument/2006/relationships" xmlns:p="http://schemas.openxmlformats.org/presentationml/2006/main">
   <p:cSld>
     <p:bg>
@@ -8262,7 +10115,7 @@
 </p:sld>
 </file>
 
-<file path=ppt/slides/slide25.xml><?xml version="1.0" encoding="utf-8"?>
+<file path=ppt/slides/slide29.xml><?xml version="1.0" encoding="utf-8"?>
 <p:sld xmlns:a="http://schemas.openxmlformats.org/drawingml/2006/main" xmlns:r="http://schemas.openxmlformats.org/officeDocument/2006/relationships" xmlns:p="http://schemas.openxmlformats.org/presentationml/2006/main">
   <p:cSld>
     <p:bg>
@@ -8615,8 +10468,8 @@
         </p:nvSpPr>
         <p:spPr>
           <a:xfrm>
-            <a:off x="1716032" y="603978"/>
-            <a:ext cx="7682846" cy="5016758"/>
+            <a:off x="1898912" y="1559018"/>
+            <a:ext cx="7682846" cy="3262432"/>
           </a:xfrm>
           <a:prstGeom prst="rect">
             <a:avLst/>
@@ -8631,69 +10484,47 @@
           <a:p>
             <a:pPr algn="ctr"/>
             <a:r>
-              <a:rPr lang="de-DE" sz="2800" b="0" u="sng" dirty="0">
-                <a:solidFill>
-                  <a:schemeClr val="bg1"/>
-                </a:solidFill>
-                <a:effectLst/>
-                <a:latin typeface="Consolas" panose="020B0609020204030204" pitchFamily="49" charset="0"/>
-              </a:rPr>
-              <a:t>Allgemeiner Hinweis:</a:t>
-            </a:r>
-          </a:p>
-          <a:p>
-            <a:pPr algn="ctr"/>
-            <a:r>
-              <a:rPr lang="de-DE" sz="2800" dirty="0">
-                <a:solidFill>
-                  <a:schemeClr val="bg1"/>
-                </a:solidFill>
-                <a:latin typeface="Consolas" panose="020B0609020204030204" pitchFamily="49" charset="0"/>
-              </a:rPr>
-              <a:t>Sie werden im Laufe der Spiele immer wieder kurze Zwischenbildschirme sehen, diese sind kein Teil des Spiels an sich, ließen sich aber bis zum jetzigen Zeitpunkt auch nicht vermeiden. Lassen Sie sich dadurch nicht verunsichern</a:t>
-            </a:r>
-            <a:r>
-              <a:rPr lang="de-DE" sz="2800" b="0" dirty="0">
-                <a:solidFill>
-                  <a:schemeClr val="bg1"/>
-                </a:solidFill>
-                <a:effectLst/>
-                <a:latin typeface="Consolas" panose="020B0609020204030204" pitchFamily="49" charset="0"/>
-              </a:rPr>
-              <a:t>.</a:t>
-            </a:r>
-          </a:p>
-          <a:p>
-            <a:pPr algn="ctr"/>
-            <a:endParaRPr lang="de-DE" sz="2400" dirty="0">
-              <a:solidFill>
-                <a:schemeClr val="bg1"/>
-              </a:solidFill>
-              <a:sym typeface="Wingdings" panose="05000000000000000000" pitchFamily="2" charset="2"/>
-            </a:endParaRPr>
-          </a:p>
-          <a:p>
-            <a:pPr algn="ctr"/>
-            <a:endParaRPr lang="de-DE" sz="2400" dirty="0">
-              <a:solidFill>
-                <a:schemeClr val="bg1"/>
-              </a:solidFill>
-              <a:sym typeface="Wingdings" panose="05000000000000000000" pitchFamily="2" charset="2"/>
-            </a:endParaRPr>
-          </a:p>
-          <a:p>
-            <a:pPr algn="ctr"/>
-            <a:endParaRPr lang="de-DE" sz="2400" dirty="0">
-              <a:solidFill>
-                <a:schemeClr val="bg1"/>
-              </a:solidFill>
-              <a:sym typeface="Wingdings" panose="05000000000000000000" pitchFamily="2" charset="2"/>
-            </a:endParaRPr>
-          </a:p>
-          <a:p>
-            <a:pPr algn="ctr"/>
-            <a:r>
-              <a:rPr lang="de-DE" sz="2400" dirty="0">
+              <a:rPr lang="de-DE" sz="4400" b="0" dirty="0">
+                <a:solidFill>
+                  <a:schemeClr val="bg1"/>
+                </a:solidFill>
+                <a:effectLst/>
+                <a:latin typeface="Consolas" panose="020B0609020204030204" pitchFamily="49" charset="0"/>
+              </a:rPr>
+              <a:t>Sie dürfen heute ein Spiel in mehreren Blöcken Spielen</a:t>
+            </a:r>
+          </a:p>
+          <a:p>
+            <a:pPr algn="ctr"/>
+            <a:endParaRPr lang="de-DE" dirty="0">
+              <a:solidFill>
+                <a:schemeClr val="bg1"/>
+              </a:solidFill>
+              <a:sym typeface="Wingdings" panose="05000000000000000000" pitchFamily="2" charset="2"/>
+            </a:endParaRPr>
+          </a:p>
+          <a:p>
+            <a:pPr algn="ctr"/>
+            <a:endParaRPr lang="de-DE" dirty="0">
+              <a:solidFill>
+                <a:schemeClr val="bg1"/>
+              </a:solidFill>
+              <a:sym typeface="Wingdings" panose="05000000000000000000" pitchFamily="2" charset="2"/>
+            </a:endParaRPr>
+          </a:p>
+          <a:p>
+            <a:pPr algn="ctr"/>
+            <a:endParaRPr lang="de-DE" dirty="0">
+              <a:solidFill>
+                <a:schemeClr val="bg1"/>
+              </a:solidFill>
+              <a:sym typeface="Wingdings" panose="05000000000000000000" pitchFamily="2" charset="2"/>
+            </a:endParaRPr>
+          </a:p>
+          <a:p>
+            <a:pPr algn="ctr"/>
+            <a:r>
+              <a:rPr lang="de-DE" sz="2000" dirty="0">
                 <a:solidFill>
                   <a:schemeClr val="bg1"/>
                 </a:solidFill>
@@ -8702,7 +10533,7 @@
               <a:t>Bitte die </a:t>
             </a:r>
             <a:r>
-              <a:rPr lang="de-DE" sz="2400" b="1" dirty="0">
+              <a:rPr lang="de-DE" sz="2000" b="1" dirty="0">
                 <a:solidFill>
                   <a:schemeClr val="bg1"/>
                 </a:solidFill>
@@ -8711,7 +10542,7 @@
               <a:t>LEERTASTE</a:t>
             </a:r>
             <a:r>
-              <a:rPr lang="de-DE" sz="2400" dirty="0">
+              <a:rPr lang="de-DE" sz="2000" dirty="0">
                 <a:solidFill>
                   <a:schemeClr val="bg1"/>
                 </a:solidFill>
@@ -8719,7 +10550,7 @@
               </a:rPr>
               <a:t> drücken, um fortzufahren</a:t>
             </a:r>
-            <a:endParaRPr lang="de-DE" sz="2400" dirty="0">
+            <a:endParaRPr lang="de-DE" sz="2000" dirty="0">
               <a:solidFill>
                 <a:schemeClr val="bg1"/>
               </a:solidFill>
@@ -8730,7 +10561,7 @@
     </p:spTree>
     <p:extLst>
       <p:ext uri="{BB962C8B-B14F-4D97-AF65-F5344CB8AC3E}">
-        <p14:creationId xmlns:p14="http://schemas.microsoft.com/office/powerpoint/2010/main" val="3224404698"/>
+        <p14:creationId xmlns:p14="http://schemas.microsoft.com/office/powerpoint/2010/main" val="3881639017"/>
       </p:ext>
     </p:extLst>
   </p:cSld>
@@ -8785,6 +10616,346 @@
         </p:nvSpPr>
         <p:spPr>
           <a:xfrm>
+            <a:off x="1716032" y="603978"/>
+            <a:ext cx="7682846" cy="5016758"/>
+          </a:xfrm>
+          <a:prstGeom prst="rect">
+            <a:avLst/>
+          </a:prstGeom>
+          <a:noFill/>
+        </p:spPr>
+        <p:txBody>
+          <a:bodyPr wrap="square" rtlCol="0">
+            <a:spAutoFit/>
+          </a:bodyPr>
+          <a:lstStyle/>
+          <a:p>
+            <a:pPr algn="ctr"/>
+            <a:r>
+              <a:rPr lang="de-DE" sz="2800" b="0" u="sng" dirty="0">
+                <a:solidFill>
+                  <a:schemeClr val="bg1"/>
+                </a:solidFill>
+                <a:effectLst/>
+                <a:latin typeface="Consolas" panose="020B0609020204030204" pitchFamily="49" charset="0"/>
+              </a:rPr>
+              <a:t>Allgemeiner Hinweis:</a:t>
+            </a:r>
+          </a:p>
+          <a:p>
+            <a:pPr algn="ctr"/>
+            <a:r>
+              <a:rPr lang="de-DE" sz="2800" dirty="0">
+                <a:solidFill>
+                  <a:schemeClr val="bg1"/>
+                </a:solidFill>
+                <a:latin typeface="Consolas" panose="020B0609020204030204" pitchFamily="49" charset="0"/>
+              </a:rPr>
+              <a:t>Sie werden im Laufe der Spiele immer wieder kurze Zwischenbildschirme sehen, diese sind kein Teil des Spiels an sich, ließen sich aber bis zum jetzigen Zeitpunkt auch nicht vermeiden. Lassen Sie sich dadurch nicht verunsichern</a:t>
+            </a:r>
+            <a:r>
+              <a:rPr lang="de-DE" sz="2800" b="0" dirty="0">
+                <a:solidFill>
+                  <a:schemeClr val="bg1"/>
+                </a:solidFill>
+                <a:effectLst/>
+                <a:latin typeface="Consolas" panose="020B0609020204030204" pitchFamily="49" charset="0"/>
+              </a:rPr>
+              <a:t>.</a:t>
+            </a:r>
+          </a:p>
+          <a:p>
+            <a:pPr algn="ctr"/>
+            <a:endParaRPr lang="de-DE" sz="2400" dirty="0">
+              <a:solidFill>
+                <a:schemeClr val="bg1"/>
+              </a:solidFill>
+              <a:sym typeface="Wingdings" panose="05000000000000000000" pitchFamily="2" charset="2"/>
+            </a:endParaRPr>
+          </a:p>
+          <a:p>
+            <a:pPr algn="ctr"/>
+            <a:endParaRPr lang="de-DE" sz="2400" dirty="0">
+              <a:solidFill>
+                <a:schemeClr val="bg1"/>
+              </a:solidFill>
+              <a:sym typeface="Wingdings" panose="05000000000000000000" pitchFamily="2" charset="2"/>
+            </a:endParaRPr>
+          </a:p>
+          <a:p>
+            <a:pPr algn="ctr"/>
+            <a:endParaRPr lang="de-DE" sz="2400" dirty="0">
+              <a:solidFill>
+                <a:schemeClr val="bg1"/>
+              </a:solidFill>
+              <a:sym typeface="Wingdings" panose="05000000000000000000" pitchFamily="2" charset="2"/>
+            </a:endParaRPr>
+          </a:p>
+          <a:p>
+            <a:pPr algn="ctr"/>
+            <a:r>
+              <a:rPr lang="de-DE" sz="2400" dirty="0">
+                <a:solidFill>
+                  <a:schemeClr val="bg1"/>
+                </a:solidFill>
+                <a:sym typeface="Wingdings" panose="05000000000000000000" pitchFamily="2" charset="2"/>
+              </a:rPr>
+              <a:t>Bitte die </a:t>
+            </a:r>
+            <a:r>
+              <a:rPr lang="de-DE" sz="2400" b="1" dirty="0">
+                <a:solidFill>
+                  <a:schemeClr val="bg1"/>
+                </a:solidFill>
+                <a:sym typeface="Wingdings" panose="05000000000000000000" pitchFamily="2" charset="2"/>
+              </a:rPr>
+              <a:t>LEERTASTE</a:t>
+            </a:r>
+            <a:r>
+              <a:rPr lang="de-DE" sz="2400" dirty="0">
+                <a:solidFill>
+                  <a:schemeClr val="bg1"/>
+                </a:solidFill>
+                <a:sym typeface="Wingdings" panose="05000000000000000000" pitchFamily="2" charset="2"/>
+              </a:rPr>
+              <a:t> drücken, um fortzufahren</a:t>
+            </a:r>
+            <a:endParaRPr lang="de-DE" sz="2400" dirty="0">
+              <a:solidFill>
+                <a:schemeClr val="bg1"/>
+              </a:solidFill>
+            </a:endParaRPr>
+          </a:p>
+        </p:txBody>
+      </p:sp>
+    </p:spTree>
+    <p:extLst>
+      <p:ext uri="{BB962C8B-B14F-4D97-AF65-F5344CB8AC3E}">
+        <p14:creationId xmlns:p14="http://schemas.microsoft.com/office/powerpoint/2010/main" val="3224404698"/>
+      </p:ext>
+    </p:extLst>
+  </p:cSld>
+  <p:clrMapOvr>
+    <a:masterClrMapping/>
+  </p:clrMapOvr>
+</p:sld>
+</file>
+
+<file path=ppt/slides/slide6.xml><?xml version="1.0" encoding="utf-8"?>
+<p:sld xmlns:a="http://schemas.openxmlformats.org/drawingml/2006/main" xmlns:r="http://schemas.openxmlformats.org/officeDocument/2006/relationships" xmlns:p="http://schemas.openxmlformats.org/presentationml/2006/main">
+  <p:cSld>
+    <p:bg>
+      <p:bgPr>
+        <a:solidFill>
+          <a:schemeClr val="tx1"/>
+        </a:solidFill>
+        <a:effectLst/>
+      </p:bgPr>
+    </p:bg>
+    <p:spTree>
+      <p:nvGrpSpPr>
+        <p:cNvPr id="1" name="">
+          <a:extLst>
+            <a:ext uri="{FF2B5EF4-FFF2-40B4-BE49-F238E27FC236}">
+              <a16:creationId xmlns:a16="http://schemas.microsoft.com/office/drawing/2014/main" id="{2F555E54-302D-FAF5-8B61-33E8328B6B4F}"/>
+            </a:ext>
+          </a:extLst>
+        </p:cNvPr>
+        <p:cNvGrpSpPr/>
+        <p:nvPr/>
+      </p:nvGrpSpPr>
+      <p:grpSpPr>
+        <a:xfrm>
+          <a:off x="0" y="0"/>
+          <a:ext cx="0" cy="0"/>
+          <a:chOff x="0" y="0"/>
+          <a:chExt cx="0" cy="0"/>
+        </a:xfrm>
+      </p:grpSpPr>
+      <p:sp>
+        <p:nvSpPr>
+          <p:cNvPr id="4" name="Textfeld 3">
+            <a:extLst>
+              <a:ext uri="{FF2B5EF4-FFF2-40B4-BE49-F238E27FC236}">
+                <a16:creationId xmlns:a16="http://schemas.microsoft.com/office/drawing/2014/main" id="{7BAA204B-745F-1A14-8016-08FF53D32972}"/>
+              </a:ext>
+            </a:extLst>
+          </p:cNvPr>
+          <p:cNvSpPr txBox="1"/>
+          <p:nvPr/>
+        </p:nvSpPr>
+        <p:spPr>
+          <a:xfrm>
+            <a:off x="1716032" y="603978"/>
+            <a:ext cx="7682846" cy="5016758"/>
+          </a:xfrm>
+          <a:prstGeom prst="rect">
+            <a:avLst/>
+          </a:prstGeom>
+          <a:noFill/>
+        </p:spPr>
+        <p:txBody>
+          <a:bodyPr wrap="square" rtlCol="0">
+            <a:spAutoFit/>
+          </a:bodyPr>
+          <a:lstStyle/>
+          <a:p>
+            <a:pPr algn="ctr"/>
+            <a:r>
+              <a:rPr lang="de-DE" sz="2800" b="0" u="sng" dirty="0">
+                <a:solidFill>
+                  <a:schemeClr val="bg1"/>
+                </a:solidFill>
+                <a:effectLst/>
+                <a:latin typeface="Consolas" panose="020B0609020204030204" pitchFamily="49" charset="0"/>
+              </a:rPr>
+              <a:t>Allgemeiner Hinweis:</a:t>
+            </a:r>
+          </a:p>
+          <a:p>
+            <a:pPr algn="ctr"/>
+            <a:r>
+              <a:rPr lang="de-DE" sz="2800" dirty="0">
+                <a:solidFill>
+                  <a:schemeClr val="bg1"/>
+                </a:solidFill>
+                <a:latin typeface="Consolas" panose="020B0609020204030204" pitchFamily="49" charset="0"/>
+              </a:rPr>
+              <a:t>Sie werden im Laufe der Spieldurchläufe immer wieder kurze Zwischenbildschirme sehen, diese sind kein Teil des Experiments an sich, ließen sich aber bis zum jetzigen Zeitpunkt auch nicht vermeiden. Lassen Sie sich dadurch nicht verunsichern</a:t>
+            </a:r>
+            <a:r>
+              <a:rPr lang="de-DE" sz="2800" b="0" dirty="0">
+                <a:solidFill>
+                  <a:schemeClr val="bg1"/>
+                </a:solidFill>
+                <a:effectLst/>
+                <a:latin typeface="Consolas" panose="020B0609020204030204" pitchFamily="49" charset="0"/>
+              </a:rPr>
+              <a:t>.</a:t>
+            </a:r>
+          </a:p>
+          <a:p>
+            <a:pPr algn="ctr"/>
+            <a:endParaRPr lang="de-DE" sz="2400" dirty="0">
+              <a:solidFill>
+                <a:schemeClr val="bg1"/>
+              </a:solidFill>
+              <a:sym typeface="Wingdings" panose="05000000000000000000" pitchFamily="2" charset="2"/>
+            </a:endParaRPr>
+          </a:p>
+          <a:p>
+            <a:pPr algn="ctr"/>
+            <a:endParaRPr lang="de-DE" sz="2400" dirty="0">
+              <a:solidFill>
+                <a:schemeClr val="bg1"/>
+              </a:solidFill>
+              <a:sym typeface="Wingdings" panose="05000000000000000000" pitchFamily="2" charset="2"/>
+            </a:endParaRPr>
+          </a:p>
+          <a:p>
+            <a:pPr algn="ctr"/>
+            <a:endParaRPr lang="de-DE" sz="2400" dirty="0">
+              <a:solidFill>
+                <a:schemeClr val="bg1"/>
+              </a:solidFill>
+              <a:sym typeface="Wingdings" panose="05000000000000000000" pitchFamily="2" charset="2"/>
+            </a:endParaRPr>
+          </a:p>
+          <a:p>
+            <a:pPr algn="ctr"/>
+            <a:r>
+              <a:rPr lang="de-DE" sz="2400" dirty="0">
+                <a:solidFill>
+                  <a:schemeClr val="bg1"/>
+                </a:solidFill>
+                <a:sym typeface="Wingdings" panose="05000000000000000000" pitchFamily="2" charset="2"/>
+              </a:rPr>
+              <a:t>Bitte die </a:t>
+            </a:r>
+            <a:r>
+              <a:rPr lang="de-DE" sz="2400" b="1" dirty="0">
+                <a:solidFill>
+                  <a:schemeClr val="bg1"/>
+                </a:solidFill>
+                <a:sym typeface="Wingdings" panose="05000000000000000000" pitchFamily="2" charset="2"/>
+              </a:rPr>
+              <a:t>LEERTASTE</a:t>
+            </a:r>
+            <a:r>
+              <a:rPr lang="de-DE" sz="2400" dirty="0">
+                <a:solidFill>
+                  <a:schemeClr val="bg1"/>
+                </a:solidFill>
+                <a:sym typeface="Wingdings" panose="05000000000000000000" pitchFamily="2" charset="2"/>
+              </a:rPr>
+              <a:t> drücken, um fortzufahren</a:t>
+            </a:r>
+            <a:endParaRPr lang="de-DE" sz="2400" dirty="0">
+              <a:solidFill>
+                <a:schemeClr val="bg1"/>
+              </a:solidFill>
+            </a:endParaRPr>
+          </a:p>
+        </p:txBody>
+      </p:sp>
+    </p:spTree>
+    <p:extLst>
+      <p:ext uri="{BB962C8B-B14F-4D97-AF65-F5344CB8AC3E}">
+        <p14:creationId xmlns:p14="http://schemas.microsoft.com/office/powerpoint/2010/main" val="379884606"/>
+      </p:ext>
+    </p:extLst>
+  </p:cSld>
+  <p:clrMapOvr>
+    <a:masterClrMapping/>
+  </p:clrMapOvr>
+</p:sld>
+</file>
+
+<file path=ppt/slides/slide7.xml><?xml version="1.0" encoding="utf-8"?>
+<p:sld xmlns:a="http://schemas.openxmlformats.org/drawingml/2006/main" xmlns:r="http://schemas.openxmlformats.org/officeDocument/2006/relationships" xmlns:p="http://schemas.openxmlformats.org/presentationml/2006/main">
+  <p:cSld>
+    <p:bg>
+      <p:bgPr>
+        <a:solidFill>
+          <a:schemeClr val="tx1"/>
+        </a:solidFill>
+        <a:effectLst/>
+      </p:bgPr>
+    </p:bg>
+    <p:spTree>
+      <p:nvGrpSpPr>
+        <p:cNvPr id="1" name="">
+          <a:extLst>
+            <a:ext uri="{FF2B5EF4-FFF2-40B4-BE49-F238E27FC236}">
+              <a16:creationId xmlns:a16="http://schemas.microsoft.com/office/drawing/2014/main" id="{2F555E54-302D-FAF5-8B61-33E8328B6B4F}"/>
+            </a:ext>
+          </a:extLst>
+        </p:cNvPr>
+        <p:cNvGrpSpPr/>
+        <p:nvPr/>
+      </p:nvGrpSpPr>
+      <p:grpSpPr>
+        <a:xfrm>
+          <a:off x="0" y="0"/>
+          <a:ext cx="0" cy="0"/>
+          <a:chOff x="0" y="0"/>
+          <a:chExt cx="0" cy="0"/>
+        </a:xfrm>
+      </p:grpSpPr>
+      <p:sp>
+        <p:nvSpPr>
+          <p:cNvPr id="4" name="Textfeld 3">
+            <a:extLst>
+              <a:ext uri="{FF2B5EF4-FFF2-40B4-BE49-F238E27FC236}">
+                <a16:creationId xmlns:a16="http://schemas.microsoft.com/office/drawing/2014/main" id="{7BAA204B-745F-1A14-8016-08FF53D32972}"/>
+              </a:ext>
+            </a:extLst>
+          </p:cNvPr>
+          <p:cNvSpPr txBox="1"/>
+          <p:nvPr/>
+        </p:nvSpPr>
+        <p:spPr>
+          <a:xfrm>
             <a:off x="1603889" y="1751291"/>
             <a:ext cx="8143960" cy="1908215"/>
           </a:xfrm>
@@ -8888,7 +11059,155 @@
 </p:sld>
 </file>
 
-<file path=ppt/slides/slide6.xml><?xml version="1.0" encoding="utf-8"?>
+<file path=ppt/slides/slide8.xml><?xml version="1.0" encoding="utf-8"?>
+<p:sld xmlns:a="http://schemas.openxmlformats.org/drawingml/2006/main" xmlns:r="http://schemas.openxmlformats.org/officeDocument/2006/relationships" xmlns:p="http://schemas.openxmlformats.org/presentationml/2006/main">
+  <p:cSld>
+    <p:bg>
+      <p:bgPr>
+        <a:solidFill>
+          <a:schemeClr val="tx1"/>
+        </a:solidFill>
+        <a:effectLst/>
+      </p:bgPr>
+    </p:bg>
+    <p:spTree>
+      <p:nvGrpSpPr>
+        <p:cNvPr id="1" name="">
+          <a:extLst>
+            <a:ext uri="{FF2B5EF4-FFF2-40B4-BE49-F238E27FC236}">
+              <a16:creationId xmlns:a16="http://schemas.microsoft.com/office/drawing/2014/main" id="{2F555E54-302D-FAF5-8B61-33E8328B6B4F}"/>
+            </a:ext>
+          </a:extLst>
+        </p:cNvPr>
+        <p:cNvGrpSpPr/>
+        <p:nvPr/>
+      </p:nvGrpSpPr>
+      <p:grpSpPr>
+        <a:xfrm>
+          <a:off x="0" y="0"/>
+          <a:ext cx="0" cy="0"/>
+          <a:chOff x="0" y="0"/>
+          <a:chExt cx="0" cy="0"/>
+        </a:xfrm>
+      </p:grpSpPr>
+      <p:sp>
+        <p:nvSpPr>
+          <p:cNvPr id="4" name="Textfeld 3">
+            <a:extLst>
+              <a:ext uri="{FF2B5EF4-FFF2-40B4-BE49-F238E27FC236}">
+                <a16:creationId xmlns:a16="http://schemas.microsoft.com/office/drawing/2014/main" id="{7BAA204B-745F-1A14-8016-08FF53D32972}"/>
+              </a:ext>
+            </a:extLst>
+          </p:cNvPr>
+          <p:cNvSpPr txBox="1"/>
+          <p:nvPr/>
+        </p:nvSpPr>
+        <p:spPr>
+          <a:xfrm>
+            <a:off x="1603889" y="1751291"/>
+            <a:ext cx="8143960" cy="2585323"/>
+          </a:xfrm>
+          <a:prstGeom prst="rect">
+            <a:avLst/>
+          </a:prstGeom>
+          <a:noFill/>
+        </p:spPr>
+        <p:txBody>
+          <a:bodyPr wrap="square" rtlCol="0">
+            <a:spAutoFit/>
+          </a:bodyPr>
+          <a:lstStyle/>
+          <a:p>
+            <a:pPr algn="ctr"/>
+            <a:r>
+              <a:rPr lang="de-DE" sz="4400" b="0" dirty="0">
+                <a:solidFill>
+                  <a:schemeClr val="bg1"/>
+                </a:solidFill>
+                <a:effectLst/>
+                <a:latin typeface="Consolas" panose="020B0609020204030204" pitchFamily="49" charset="0"/>
+              </a:rPr>
+              <a:t>Beginnen wir mit den Instruktionen!</a:t>
+            </a:r>
+          </a:p>
+          <a:p>
+            <a:pPr algn="ctr"/>
+            <a:endParaRPr lang="de-DE" dirty="0">
+              <a:solidFill>
+                <a:schemeClr val="bg1"/>
+              </a:solidFill>
+              <a:sym typeface="Wingdings" panose="05000000000000000000" pitchFamily="2" charset="2"/>
+            </a:endParaRPr>
+          </a:p>
+          <a:p>
+            <a:pPr algn="ctr"/>
+            <a:endParaRPr lang="de-DE" dirty="0">
+              <a:solidFill>
+                <a:schemeClr val="bg1"/>
+              </a:solidFill>
+              <a:sym typeface="Wingdings" panose="05000000000000000000" pitchFamily="2" charset="2"/>
+            </a:endParaRPr>
+          </a:p>
+          <a:p>
+            <a:pPr algn="ctr"/>
+            <a:endParaRPr lang="de-DE" dirty="0">
+              <a:solidFill>
+                <a:schemeClr val="bg1"/>
+              </a:solidFill>
+              <a:sym typeface="Wingdings" panose="05000000000000000000" pitchFamily="2" charset="2"/>
+            </a:endParaRPr>
+          </a:p>
+          <a:p>
+            <a:pPr algn="ctr"/>
+            <a:r>
+              <a:rPr lang="de-DE" sz="2000" dirty="0">
+                <a:solidFill>
+                  <a:schemeClr val="bg1"/>
+                </a:solidFill>
+                <a:sym typeface="Wingdings" panose="05000000000000000000" pitchFamily="2" charset="2"/>
+              </a:rPr>
+              <a:t>Bitte die </a:t>
+            </a:r>
+            <a:r>
+              <a:rPr lang="de-DE" sz="2000" b="1" dirty="0">
+                <a:solidFill>
+                  <a:schemeClr val="bg1"/>
+                </a:solidFill>
+                <a:sym typeface="Wingdings" panose="05000000000000000000" pitchFamily="2" charset="2"/>
+              </a:rPr>
+              <a:t>LEERTASTE</a:t>
+            </a:r>
+            <a:r>
+              <a:rPr lang="de-DE" sz="2000" dirty="0">
+                <a:solidFill>
+                  <a:schemeClr val="bg1"/>
+                </a:solidFill>
+                <a:sym typeface="Wingdings" panose="05000000000000000000" pitchFamily="2" charset="2"/>
+              </a:rPr>
+              <a:t> drücken, um fortzufahren</a:t>
+            </a:r>
+            <a:endParaRPr lang="de-DE" sz="2000" dirty="0">
+              <a:solidFill>
+                <a:schemeClr val="bg1"/>
+              </a:solidFill>
+            </a:endParaRPr>
+          </a:p>
+        </p:txBody>
+      </p:sp>
+    </p:spTree>
+    <p:extLst>
+      <p:ext uri="{BB962C8B-B14F-4D97-AF65-F5344CB8AC3E}">
+        <p14:creationId xmlns:p14="http://schemas.microsoft.com/office/powerpoint/2010/main" val="2020300243"/>
+      </p:ext>
+    </p:extLst>
+  </p:cSld>
+  <p:clrMapOvr>
+    <a:masterClrMapping/>
+  </p:clrMapOvr>
+</p:sld>
+</file>
+
+<file path=ppt/slides/slide9.xml><?xml version="1.0" encoding="utf-8"?>
 <p:sld xmlns:a="http://schemas.openxmlformats.org/drawingml/2006/main" xmlns:r="http://schemas.openxmlformats.org/officeDocument/2006/relationships" xmlns:p="http://schemas.openxmlformats.org/presentationml/2006/main">
   <p:cSld>
     <p:bg>
@@ -9202,1550 +11521,6 @@
     <p:extLst>
       <p:ext uri="{BB962C8B-B14F-4D97-AF65-F5344CB8AC3E}">
         <p14:creationId xmlns:p14="http://schemas.microsoft.com/office/powerpoint/2010/main" val="2376988713"/>
-      </p:ext>
-    </p:extLst>
-  </p:cSld>
-  <p:clrMapOvr>
-    <a:masterClrMapping/>
-  </p:clrMapOvr>
-</p:sld>
-</file>
-
-<file path=ppt/slides/slide7.xml><?xml version="1.0" encoding="utf-8"?>
-<p:sld xmlns:a="http://schemas.openxmlformats.org/drawingml/2006/main" xmlns:r="http://schemas.openxmlformats.org/officeDocument/2006/relationships" xmlns:p="http://schemas.openxmlformats.org/presentationml/2006/main">
-  <p:cSld>
-    <p:bg>
-      <p:bgPr>
-        <a:solidFill>
-          <a:schemeClr val="tx1"/>
-        </a:solidFill>
-        <a:effectLst/>
-      </p:bgPr>
-    </p:bg>
-    <p:spTree>
-      <p:nvGrpSpPr>
-        <p:cNvPr id="1" name="">
-          <a:extLst>
-            <a:ext uri="{FF2B5EF4-FFF2-40B4-BE49-F238E27FC236}">
-              <a16:creationId xmlns:a16="http://schemas.microsoft.com/office/drawing/2014/main" id="{3EFE3318-6E5D-0A81-F427-A84F2C3E0696}"/>
-            </a:ext>
-          </a:extLst>
-        </p:cNvPr>
-        <p:cNvGrpSpPr/>
-        <p:nvPr/>
-      </p:nvGrpSpPr>
-      <p:grpSpPr>
-        <a:xfrm>
-          <a:off x="0" y="0"/>
-          <a:ext cx="0" cy="0"/>
-          <a:chOff x="0" y="0"/>
-          <a:chExt cx="0" cy="0"/>
-        </a:xfrm>
-      </p:grpSpPr>
-      <p:sp>
-        <p:nvSpPr>
-          <p:cNvPr id="4" name="Textfeld 3">
-            <a:extLst>
-              <a:ext uri="{FF2B5EF4-FFF2-40B4-BE49-F238E27FC236}">
-                <a16:creationId xmlns:a16="http://schemas.microsoft.com/office/drawing/2014/main" id="{A7F7700D-0694-3E3F-F846-2BD42942D96A}"/>
-              </a:ext>
-            </a:extLst>
-          </p:cNvPr>
-          <p:cNvSpPr txBox="1"/>
-          <p:nvPr/>
-        </p:nvSpPr>
-        <p:spPr>
-          <a:xfrm>
-            <a:off x="1240672" y="461250"/>
-            <a:ext cx="9710656" cy="5847755"/>
-          </a:xfrm>
-          <a:prstGeom prst="rect">
-            <a:avLst/>
-          </a:prstGeom>
-          <a:noFill/>
-        </p:spPr>
-        <p:txBody>
-          <a:bodyPr wrap="square" rtlCol="0">
-            <a:spAutoFit/>
-          </a:bodyPr>
-          <a:lstStyle/>
-          <a:p>
-            <a:pPr algn="ctr"/>
-            <a:r>
-              <a:rPr lang="de-DE" sz="2000" b="0" dirty="0">
-                <a:solidFill>
-                  <a:schemeClr val="bg1"/>
-                </a:solidFill>
-                <a:effectLst/>
-                <a:latin typeface="Consolas" panose="020B0609020204030204" pitchFamily="49" charset="0"/>
-              </a:rPr>
-              <a:t>Sie bewegen sich mit den Tasten </a:t>
-            </a:r>
-            <a:r>
-              <a:rPr lang="de-DE" sz="2000" b="1" dirty="0">
-                <a:solidFill>
-                  <a:schemeClr val="bg1"/>
-                </a:solidFill>
-                <a:effectLst/>
-                <a:latin typeface="Consolas" panose="020B0609020204030204" pitchFamily="49" charset="0"/>
-              </a:rPr>
-              <a:t>A</a:t>
-            </a:r>
-            <a:r>
-              <a:rPr lang="de-DE" sz="2000" b="0" dirty="0">
-                <a:solidFill>
-                  <a:schemeClr val="bg1"/>
-                </a:solidFill>
-                <a:effectLst/>
-                <a:latin typeface="Consolas" panose="020B0609020204030204" pitchFamily="49" charset="0"/>
-              </a:rPr>
-              <a:t> und </a:t>
-            </a:r>
-            <a:r>
-              <a:rPr lang="de-DE" sz="2000" b="1" dirty="0">
-                <a:solidFill>
-                  <a:schemeClr val="bg1"/>
-                </a:solidFill>
-                <a:effectLst/>
-                <a:latin typeface="Consolas" panose="020B0609020204030204" pitchFamily="49" charset="0"/>
-              </a:rPr>
-              <a:t>D </a:t>
-            </a:r>
-            <a:r>
-              <a:rPr lang="de-DE" sz="2000" dirty="0">
-                <a:solidFill>
-                  <a:schemeClr val="bg1"/>
-                </a:solidFill>
-                <a:effectLst/>
-                <a:latin typeface="Consolas" panose="020B0609020204030204" pitchFamily="49" charset="0"/>
-              </a:rPr>
-              <a:t>nach links und rechts</a:t>
-            </a:r>
-            <a:r>
-              <a:rPr lang="de-DE" sz="2000" b="0" dirty="0">
-                <a:solidFill>
-                  <a:schemeClr val="bg1"/>
-                </a:solidFill>
-                <a:effectLst/>
-                <a:latin typeface="Consolas" panose="020B0609020204030204" pitchFamily="49" charset="0"/>
-              </a:rPr>
-              <a:t>, Sie schießen mit der STRG-Taste. </a:t>
-            </a:r>
-          </a:p>
-          <a:p>
-            <a:pPr algn="ctr"/>
-            <a:endParaRPr lang="de-DE" sz="2000" b="0" dirty="0">
-              <a:solidFill>
-                <a:schemeClr val="bg1"/>
-              </a:solidFill>
-              <a:effectLst/>
-              <a:latin typeface="Consolas" panose="020B0609020204030204" pitchFamily="49" charset="0"/>
-            </a:endParaRPr>
-          </a:p>
-          <a:p>
-            <a:pPr algn="ctr"/>
-            <a:r>
-              <a:rPr lang="de-DE" sz="2000" b="0" dirty="0">
-                <a:solidFill>
-                  <a:schemeClr val="bg1"/>
-                </a:solidFill>
-                <a:effectLst/>
-                <a:latin typeface="Consolas" panose="020B0609020204030204" pitchFamily="49" charset="0"/>
-              </a:rPr>
-              <a:t>Legen Sie nun bitte </a:t>
-            </a:r>
-            <a:r>
-              <a:rPr lang="de-DE" sz="2000" b="0" dirty="0">
-                <a:solidFill>
-                  <a:srgbClr val="FFFF00"/>
-                </a:solidFill>
-                <a:effectLst/>
-                <a:latin typeface="Consolas" panose="020B0609020204030204" pitchFamily="49" charset="0"/>
-              </a:rPr>
-              <a:t>Zeige</a:t>
-            </a:r>
-            <a:r>
-              <a:rPr lang="de-DE" sz="2000" b="0" dirty="0">
-                <a:solidFill>
-                  <a:schemeClr val="bg1"/>
-                </a:solidFill>
-                <a:effectLst/>
-                <a:latin typeface="Consolas" panose="020B0609020204030204" pitchFamily="49" charset="0"/>
-              </a:rPr>
-              <a:t>- und </a:t>
-            </a:r>
-            <a:r>
-              <a:rPr lang="de-DE" sz="2000" b="0" dirty="0">
-                <a:solidFill>
-                  <a:srgbClr val="FF0000"/>
-                </a:solidFill>
-                <a:effectLst/>
-                <a:latin typeface="Consolas" panose="020B0609020204030204" pitchFamily="49" charset="0"/>
-              </a:rPr>
-              <a:t>Ring</a:t>
-            </a:r>
-            <a:r>
-              <a:rPr lang="de-DE" sz="2000" b="0" dirty="0">
-                <a:solidFill>
-                  <a:schemeClr val="bg1"/>
-                </a:solidFill>
-                <a:effectLst/>
-                <a:latin typeface="Consolas" panose="020B0609020204030204" pitchFamily="49" charset="0"/>
-              </a:rPr>
-              <a:t>finger der </a:t>
-            </a:r>
-            <a:r>
-              <a:rPr lang="de-DE" sz="2000" b="0" u="sng" dirty="0">
-                <a:solidFill>
-                  <a:schemeClr val="bg1"/>
-                </a:solidFill>
-                <a:effectLst/>
-                <a:latin typeface="Consolas" panose="020B0609020204030204" pitchFamily="49" charset="0"/>
-              </a:rPr>
-              <a:t>linken</a:t>
-            </a:r>
-            <a:r>
-              <a:rPr lang="de-DE" sz="2000" b="0" dirty="0">
-                <a:solidFill>
-                  <a:schemeClr val="bg1"/>
-                </a:solidFill>
-                <a:effectLst/>
-                <a:latin typeface="Consolas" panose="020B0609020204030204" pitchFamily="49" charset="0"/>
-              </a:rPr>
-              <a:t> Hand auf die Tasten </a:t>
-            </a:r>
-            <a:r>
-              <a:rPr lang="de-DE" sz="2000" b="0" dirty="0">
-                <a:solidFill>
-                  <a:srgbClr val="FF0000"/>
-                </a:solidFill>
-                <a:effectLst/>
-                <a:latin typeface="Consolas" panose="020B0609020204030204" pitchFamily="49" charset="0"/>
-              </a:rPr>
-              <a:t>A</a:t>
-            </a:r>
-            <a:r>
-              <a:rPr lang="de-DE" sz="2000" b="0" dirty="0">
-                <a:solidFill>
-                  <a:schemeClr val="bg1"/>
-                </a:solidFill>
-                <a:effectLst/>
-                <a:latin typeface="Consolas" panose="020B0609020204030204" pitchFamily="49" charset="0"/>
-              </a:rPr>
-              <a:t> und </a:t>
-            </a:r>
-            <a:r>
-              <a:rPr lang="de-DE" sz="2000" b="0" dirty="0">
-                <a:solidFill>
-                  <a:srgbClr val="FFFF00"/>
-                </a:solidFill>
-                <a:effectLst/>
-                <a:latin typeface="Consolas" panose="020B0609020204030204" pitchFamily="49" charset="0"/>
-              </a:rPr>
-              <a:t>D</a:t>
-            </a:r>
-            <a:r>
-              <a:rPr lang="de-DE" sz="2000" b="0" dirty="0">
-                <a:solidFill>
-                  <a:schemeClr val="bg1"/>
-                </a:solidFill>
-                <a:effectLst/>
-                <a:latin typeface="Consolas" panose="020B0609020204030204" pitchFamily="49" charset="0"/>
-              </a:rPr>
-              <a:t>, den </a:t>
-            </a:r>
-            <a:r>
-              <a:rPr lang="de-DE" sz="2000" b="0" dirty="0">
-                <a:solidFill>
-                  <a:srgbClr val="00B0F0"/>
-                </a:solidFill>
-                <a:effectLst/>
-                <a:latin typeface="Consolas" panose="020B0609020204030204" pitchFamily="49" charset="0"/>
-              </a:rPr>
-              <a:t>Daumen</a:t>
-            </a:r>
-            <a:r>
-              <a:rPr lang="de-DE" sz="2000" b="0" dirty="0">
-                <a:solidFill>
-                  <a:schemeClr val="bg1"/>
-                </a:solidFill>
-                <a:effectLst/>
-                <a:latin typeface="Consolas" panose="020B0609020204030204" pitchFamily="49" charset="0"/>
-              </a:rPr>
-              <a:t> der </a:t>
-            </a:r>
-            <a:r>
-              <a:rPr lang="de-DE" sz="2000" b="0" u="sng" dirty="0">
-                <a:solidFill>
-                  <a:schemeClr val="bg1"/>
-                </a:solidFill>
-                <a:effectLst/>
-                <a:latin typeface="Consolas" panose="020B0609020204030204" pitchFamily="49" charset="0"/>
-              </a:rPr>
-              <a:t>linken</a:t>
-            </a:r>
-            <a:r>
-              <a:rPr lang="de-DE" sz="2000" b="0" dirty="0">
-                <a:solidFill>
-                  <a:schemeClr val="bg1"/>
-                </a:solidFill>
-                <a:effectLst/>
-                <a:latin typeface="Consolas" panose="020B0609020204030204" pitchFamily="49" charset="0"/>
-              </a:rPr>
-              <a:t> Hand auf die </a:t>
-            </a:r>
-            <a:r>
-              <a:rPr lang="de-DE" sz="2000" b="0" dirty="0">
-                <a:solidFill>
-                  <a:srgbClr val="00B0F0"/>
-                </a:solidFill>
-                <a:effectLst/>
-                <a:latin typeface="Consolas" panose="020B0609020204030204" pitchFamily="49" charset="0"/>
-              </a:rPr>
-              <a:t>Leertaste</a:t>
-            </a:r>
-            <a:r>
-              <a:rPr lang="de-DE" sz="2000" b="0" dirty="0">
-                <a:solidFill>
-                  <a:schemeClr val="bg1"/>
-                </a:solidFill>
-                <a:effectLst/>
-                <a:latin typeface="Consolas" panose="020B0609020204030204" pitchFamily="49" charset="0"/>
-              </a:rPr>
-              <a:t> und einen oder zwei </a:t>
-            </a:r>
-            <a:r>
-              <a:rPr lang="de-DE" sz="2000" b="0" dirty="0">
-                <a:solidFill>
-                  <a:srgbClr val="CC0066"/>
-                </a:solidFill>
-                <a:effectLst/>
-                <a:latin typeface="Consolas" panose="020B0609020204030204" pitchFamily="49" charset="0"/>
-              </a:rPr>
-              <a:t>Finger</a:t>
-            </a:r>
-            <a:r>
-              <a:rPr lang="de-DE" sz="2000" b="0" dirty="0">
-                <a:solidFill>
-                  <a:schemeClr val="bg1"/>
-                </a:solidFill>
-                <a:effectLst/>
-                <a:latin typeface="Consolas" panose="020B0609020204030204" pitchFamily="49" charset="0"/>
-              </a:rPr>
-              <a:t> der </a:t>
-            </a:r>
-            <a:r>
-              <a:rPr lang="de-DE" sz="2000" b="0" dirty="0">
-                <a:solidFill>
-                  <a:srgbClr val="CC0066"/>
-                </a:solidFill>
-                <a:effectLst/>
-                <a:latin typeface="Consolas" panose="020B0609020204030204" pitchFamily="49" charset="0"/>
-              </a:rPr>
-              <a:t>rechten</a:t>
-            </a:r>
-            <a:r>
-              <a:rPr lang="de-DE" sz="2000" b="0" dirty="0">
-                <a:solidFill>
-                  <a:schemeClr val="bg1"/>
-                </a:solidFill>
-                <a:effectLst/>
-                <a:latin typeface="Consolas" panose="020B0609020204030204" pitchFamily="49" charset="0"/>
-              </a:rPr>
-              <a:t> Hand auf die </a:t>
-            </a:r>
-            <a:r>
-              <a:rPr lang="de-DE" sz="2000" b="0" dirty="0">
-                <a:solidFill>
-                  <a:srgbClr val="CC0066"/>
-                </a:solidFill>
-                <a:effectLst/>
-                <a:latin typeface="Consolas" panose="020B0609020204030204" pitchFamily="49" charset="0"/>
-              </a:rPr>
-              <a:t>STRG</a:t>
-            </a:r>
-            <a:r>
-              <a:rPr lang="de-DE" sz="2000" b="0" dirty="0">
-                <a:solidFill>
-                  <a:schemeClr val="bg1"/>
-                </a:solidFill>
-                <a:effectLst/>
-                <a:latin typeface="Consolas" panose="020B0609020204030204" pitchFamily="49" charset="0"/>
-              </a:rPr>
-              <a:t>-Taste rechts unten auf der Tastatur.</a:t>
-            </a:r>
-          </a:p>
-          <a:p>
-            <a:pPr algn="ctr"/>
-            <a:endParaRPr lang="de-DE" dirty="0">
-              <a:solidFill>
-                <a:schemeClr val="bg1"/>
-              </a:solidFill>
-              <a:sym typeface="Wingdings" panose="05000000000000000000" pitchFamily="2" charset="2"/>
-            </a:endParaRPr>
-          </a:p>
-          <a:p>
-            <a:pPr algn="ctr"/>
-            <a:endParaRPr lang="de-DE" dirty="0">
-              <a:solidFill>
-                <a:schemeClr val="bg1"/>
-              </a:solidFill>
-              <a:sym typeface="Wingdings" panose="05000000000000000000" pitchFamily="2" charset="2"/>
-            </a:endParaRPr>
-          </a:p>
-          <a:p>
-            <a:pPr algn="ctr"/>
-            <a:endParaRPr lang="de-DE" dirty="0">
-              <a:solidFill>
-                <a:schemeClr val="bg1"/>
-              </a:solidFill>
-              <a:sym typeface="Wingdings" panose="05000000000000000000" pitchFamily="2" charset="2"/>
-            </a:endParaRPr>
-          </a:p>
-          <a:p>
-            <a:pPr algn="ctr"/>
-            <a:endParaRPr lang="de-DE" sz="2000" dirty="0">
-              <a:solidFill>
-                <a:schemeClr val="bg1"/>
-              </a:solidFill>
-              <a:sym typeface="Wingdings" panose="05000000000000000000" pitchFamily="2" charset="2"/>
-            </a:endParaRPr>
-          </a:p>
-          <a:p>
-            <a:pPr algn="ctr"/>
-            <a:endParaRPr lang="de-DE" sz="2000" dirty="0">
-              <a:solidFill>
-                <a:schemeClr val="bg1"/>
-              </a:solidFill>
-              <a:sym typeface="Wingdings" panose="05000000000000000000" pitchFamily="2" charset="2"/>
-            </a:endParaRPr>
-          </a:p>
-          <a:p>
-            <a:pPr algn="ctr"/>
-            <a:endParaRPr lang="de-DE" sz="2000" dirty="0">
-              <a:solidFill>
-                <a:schemeClr val="bg1"/>
-              </a:solidFill>
-              <a:sym typeface="Wingdings" panose="05000000000000000000" pitchFamily="2" charset="2"/>
-            </a:endParaRPr>
-          </a:p>
-          <a:p>
-            <a:pPr algn="ctr"/>
-            <a:endParaRPr lang="de-DE" sz="2000" dirty="0">
-              <a:solidFill>
-                <a:schemeClr val="bg1"/>
-              </a:solidFill>
-              <a:sym typeface="Wingdings" panose="05000000000000000000" pitchFamily="2" charset="2"/>
-            </a:endParaRPr>
-          </a:p>
-          <a:p>
-            <a:pPr algn="ctr"/>
-            <a:endParaRPr lang="de-DE" sz="2000" dirty="0">
-              <a:solidFill>
-                <a:schemeClr val="bg1"/>
-              </a:solidFill>
-              <a:sym typeface="Wingdings" panose="05000000000000000000" pitchFamily="2" charset="2"/>
-            </a:endParaRPr>
-          </a:p>
-          <a:p>
-            <a:pPr algn="ctr"/>
-            <a:endParaRPr lang="de-DE" sz="2000" dirty="0">
-              <a:solidFill>
-                <a:schemeClr val="bg1"/>
-              </a:solidFill>
-              <a:sym typeface="Wingdings" panose="05000000000000000000" pitchFamily="2" charset="2"/>
-            </a:endParaRPr>
-          </a:p>
-          <a:p>
-            <a:pPr algn="ctr"/>
-            <a:endParaRPr lang="de-DE" sz="2000" dirty="0">
-              <a:solidFill>
-                <a:schemeClr val="bg1"/>
-              </a:solidFill>
-              <a:sym typeface="Wingdings" panose="05000000000000000000" pitchFamily="2" charset="2"/>
-            </a:endParaRPr>
-          </a:p>
-          <a:p>
-            <a:pPr algn="ctr"/>
-            <a:endParaRPr lang="de-DE" sz="2000" dirty="0">
-              <a:solidFill>
-                <a:schemeClr val="bg1"/>
-              </a:solidFill>
-              <a:sym typeface="Wingdings" panose="05000000000000000000" pitchFamily="2" charset="2"/>
-            </a:endParaRPr>
-          </a:p>
-          <a:p>
-            <a:pPr algn="ctr"/>
-            <a:r>
-              <a:rPr lang="de-DE" sz="2000" dirty="0">
-                <a:solidFill>
-                  <a:schemeClr val="bg1"/>
-                </a:solidFill>
-                <a:sym typeface="Wingdings" panose="05000000000000000000" pitchFamily="2" charset="2"/>
-              </a:rPr>
-              <a:t>Bitte die </a:t>
-            </a:r>
-            <a:r>
-              <a:rPr lang="de-DE" sz="2000" b="1" dirty="0">
-                <a:solidFill>
-                  <a:schemeClr val="bg1"/>
-                </a:solidFill>
-                <a:sym typeface="Wingdings" panose="05000000000000000000" pitchFamily="2" charset="2"/>
-              </a:rPr>
-              <a:t>LEERTASTE</a:t>
-            </a:r>
-            <a:r>
-              <a:rPr lang="de-DE" sz="2000" dirty="0">
-                <a:solidFill>
-                  <a:schemeClr val="bg1"/>
-                </a:solidFill>
-                <a:sym typeface="Wingdings" panose="05000000000000000000" pitchFamily="2" charset="2"/>
-              </a:rPr>
-              <a:t> drücken, um fortzufahren</a:t>
-            </a:r>
-            <a:endParaRPr lang="de-DE" sz="2000" dirty="0">
-              <a:solidFill>
-                <a:schemeClr val="bg1"/>
-              </a:solidFill>
-            </a:endParaRPr>
-          </a:p>
-        </p:txBody>
-      </p:sp>
-      <p:pic>
-        <p:nvPicPr>
-          <p:cNvPr id="3" name="Grafik 2">
-            <a:extLst>
-              <a:ext uri="{FF2B5EF4-FFF2-40B4-BE49-F238E27FC236}">
-                <a16:creationId xmlns:a16="http://schemas.microsoft.com/office/drawing/2014/main" id="{4CA607E6-115D-5B54-F6A6-ABBC5C63474C}"/>
-              </a:ext>
-            </a:extLst>
-          </p:cNvPr>
-          <p:cNvPicPr>
-            <a:picLocks noChangeAspect="1"/>
-          </p:cNvPicPr>
-          <p:nvPr/>
-        </p:nvPicPr>
-        <p:blipFill>
-          <a:blip r:embed="rId2">
-            <a:extLst>
-              <a:ext uri="{28A0092B-C50C-407E-A947-70E740481C1C}">
-                <a14:useLocalDpi xmlns:a14="http://schemas.microsoft.com/office/drawing/2010/main" val="0"/>
-              </a:ext>
-            </a:extLst>
-          </a:blip>
-          <a:stretch>
-            <a:fillRect/>
-          </a:stretch>
-        </p:blipFill>
-        <p:spPr>
-          <a:xfrm>
-            <a:off x="2720283" y="3057526"/>
-            <a:ext cx="6502400" cy="2175461"/>
-          </a:xfrm>
-          <a:prstGeom prst="rect">
-            <a:avLst/>
-          </a:prstGeom>
-        </p:spPr>
-      </p:pic>
-      <p:sp>
-        <p:nvSpPr>
-          <p:cNvPr id="2" name="Rechteck: abgerundete Ecken 1">
-            <a:extLst>
-              <a:ext uri="{FF2B5EF4-FFF2-40B4-BE49-F238E27FC236}">
-                <a16:creationId xmlns:a16="http://schemas.microsoft.com/office/drawing/2014/main" id="{218BF682-B81F-9C8B-DA7B-231B96891B09}"/>
-              </a:ext>
-            </a:extLst>
-          </p:cNvPr>
-          <p:cNvSpPr/>
-          <p:nvPr/>
-        </p:nvSpPr>
-        <p:spPr>
-          <a:xfrm>
-            <a:off x="3260785" y="4192438"/>
-            <a:ext cx="232913" cy="224287"/>
-          </a:xfrm>
-          <a:prstGeom prst="roundRect">
-            <a:avLst/>
-          </a:prstGeom>
-          <a:noFill/>
-          <a:ln w="38100">
-            <a:solidFill>
-              <a:srgbClr val="FF0000"/>
-            </a:solidFill>
-          </a:ln>
-        </p:spPr>
-        <p:style>
-          <a:lnRef idx="2">
-            <a:schemeClr val="accent1">
-              <a:shade val="15000"/>
-            </a:schemeClr>
-          </a:lnRef>
-          <a:fillRef idx="1">
-            <a:schemeClr val="accent1"/>
-          </a:fillRef>
-          <a:effectRef idx="0">
-            <a:schemeClr val="accent1"/>
-          </a:effectRef>
-          <a:fontRef idx="minor">
-            <a:schemeClr val="lt1"/>
-          </a:fontRef>
-        </p:style>
-        <p:txBody>
-          <a:bodyPr rtlCol="0" anchor="ctr"/>
-          <a:lstStyle/>
-          <a:p>
-            <a:pPr algn="ctr"/>
-            <a:endParaRPr lang="de-DE"/>
-          </a:p>
-        </p:txBody>
-      </p:sp>
-      <p:sp>
-        <p:nvSpPr>
-          <p:cNvPr id="11" name="Rechteck: abgerundete Ecken 10">
-            <a:extLst>
-              <a:ext uri="{FF2B5EF4-FFF2-40B4-BE49-F238E27FC236}">
-                <a16:creationId xmlns:a16="http://schemas.microsoft.com/office/drawing/2014/main" id="{48634B3C-C26C-D304-43E0-978C5D3ABBED}"/>
-              </a:ext>
-            </a:extLst>
-          </p:cNvPr>
-          <p:cNvSpPr/>
-          <p:nvPr/>
-        </p:nvSpPr>
-        <p:spPr>
-          <a:xfrm>
-            <a:off x="3809913" y="4192438"/>
-            <a:ext cx="232913" cy="224287"/>
-          </a:xfrm>
-          <a:prstGeom prst="roundRect">
-            <a:avLst/>
-          </a:prstGeom>
-          <a:noFill/>
-          <a:ln w="38100">
-            <a:solidFill>
-              <a:srgbClr val="FFFF00"/>
-            </a:solidFill>
-          </a:ln>
-        </p:spPr>
-        <p:style>
-          <a:lnRef idx="2">
-            <a:schemeClr val="accent1">
-              <a:shade val="15000"/>
-            </a:schemeClr>
-          </a:lnRef>
-          <a:fillRef idx="1">
-            <a:schemeClr val="accent1"/>
-          </a:fillRef>
-          <a:effectRef idx="0">
-            <a:schemeClr val="accent1"/>
-          </a:effectRef>
-          <a:fontRef idx="minor">
-            <a:schemeClr val="lt1"/>
-          </a:fontRef>
-        </p:style>
-        <p:txBody>
-          <a:bodyPr rtlCol="0" anchor="ctr"/>
-          <a:lstStyle/>
-          <a:p>
-            <a:pPr algn="ctr"/>
-            <a:endParaRPr lang="de-DE"/>
-          </a:p>
-        </p:txBody>
-      </p:sp>
-      <p:sp>
-        <p:nvSpPr>
-          <p:cNvPr id="12" name="Rechteck: abgerundete Ecken 11">
-            <a:extLst>
-              <a:ext uri="{FF2B5EF4-FFF2-40B4-BE49-F238E27FC236}">
-                <a16:creationId xmlns:a16="http://schemas.microsoft.com/office/drawing/2014/main" id="{EC21962E-6EDB-9B67-597D-15EA88A76E75}"/>
-              </a:ext>
-            </a:extLst>
-          </p:cNvPr>
-          <p:cNvSpPr/>
-          <p:nvPr/>
-        </p:nvSpPr>
-        <p:spPr>
-          <a:xfrm>
-            <a:off x="3926369" y="4744528"/>
-            <a:ext cx="1603163" cy="362310"/>
-          </a:xfrm>
-          <a:prstGeom prst="roundRect">
-            <a:avLst/>
-          </a:prstGeom>
-          <a:noFill/>
-          <a:ln w="38100">
-            <a:solidFill>
-              <a:srgbClr val="00B0F0"/>
-            </a:solidFill>
-          </a:ln>
-        </p:spPr>
-        <p:style>
-          <a:lnRef idx="2">
-            <a:schemeClr val="accent1">
-              <a:shade val="15000"/>
-            </a:schemeClr>
-          </a:lnRef>
-          <a:fillRef idx="1">
-            <a:schemeClr val="accent1"/>
-          </a:fillRef>
-          <a:effectRef idx="0">
-            <a:schemeClr val="accent1"/>
-          </a:effectRef>
-          <a:fontRef idx="minor">
-            <a:schemeClr val="lt1"/>
-          </a:fontRef>
-        </p:style>
-        <p:txBody>
-          <a:bodyPr rtlCol="0" anchor="ctr"/>
-          <a:lstStyle/>
-          <a:p>
-            <a:pPr algn="ctr"/>
-            <a:endParaRPr lang="de-DE"/>
-          </a:p>
-        </p:txBody>
-      </p:sp>
-      <p:sp>
-        <p:nvSpPr>
-          <p:cNvPr id="13" name="Rechteck: abgerundete Ecken 12">
-            <a:extLst>
-              <a:ext uri="{FF2B5EF4-FFF2-40B4-BE49-F238E27FC236}">
-                <a16:creationId xmlns:a16="http://schemas.microsoft.com/office/drawing/2014/main" id="{99063A1D-D39D-B6B4-1286-5BB7206C6476}"/>
-              </a:ext>
-            </a:extLst>
-          </p:cNvPr>
-          <p:cNvSpPr/>
-          <p:nvPr/>
-        </p:nvSpPr>
-        <p:spPr>
-          <a:xfrm>
-            <a:off x="6443932" y="4744528"/>
-            <a:ext cx="491706" cy="258793"/>
-          </a:xfrm>
-          <a:prstGeom prst="roundRect">
-            <a:avLst/>
-          </a:prstGeom>
-          <a:noFill/>
-          <a:ln w="38100">
-            <a:solidFill>
-              <a:srgbClr val="CC0066"/>
-            </a:solidFill>
-          </a:ln>
-        </p:spPr>
-        <p:style>
-          <a:lnRef idx="2">
-            <a:schemeClr val="accent1">
-              <a:shade val="15000"/>
-            </a:schemeClr>
-          </a:lnRef>
-          <a:fillRef idx="1">
-            <a:schemeClr val="accent1"/>
-          </a:fillRef>
-          <a:effectRef idx="0">
-            <a:schemeClr val="accent1"/>
-          </a:effectRef>
-          <a:fontRef idx="minor">
-            <a:schemeClr val="lt1"/>
-          </a:fontRef>
-        </p:style>
-        <p:txBody>
-          <a:bodyPr rtlCol="0" anchor="ctr"/>
-          <a:lstStyle/>
-          <a:p>
-            <a:pPr algn="ctr"/>
-            <a:endParaRPr lang="de-DE"/>
-          </a:p>
-        </p:txBody>
-      </p:sp>
-    </p:spTree>
-    <p:extLst>
-      <p:ext uri="{BB962C8B-B14F-4D97-AF65-F5344CB8AC3E}">
-        <p14:creationId xmlns:p14="http://schemas.microsoft.com/office/powerpoint/2010/main" val="1200398258"/>
-      </p:ext>
-    </p:extLst>
-  </p:cSld>
-  <p:clrMapOvr>
-    <a:masterClrMapping/>
-  </p:clrMapOvr>
-</p:sld>
-</file>
-
-<file path=ppt/slides/slide8.xml><?xml version="1.0" encoding="utf-8"?>
-<p:sld xmlns:a="http://schemas.openxmlformats.org/drawingml/2006/main" xmlns:r="http://schemas.openxmlformats.org/officeDocument/2006/relationships" xmlns:p="http://schemas.openxmlformats.org/presentationml/2006/main">
-  <p:cSld>
-    <p:bg>
-      <p:bgPr>
-        <a:solidFill>
-          <a:schemeClr val="tx1"/>
-        </a:solidFill>
-        <a:effectLst/>
-      </p:bgPr>
-    </p:bg>
-    <p:spTree>
-      <p:nvGrpSpPr>
-        <p:cNvPr id="1" name="">
-          <a:extLst>
-            <a:ext uri="{FF2B5EF4-FFF2-40B4-BE49-F238E27FC236}">
-              <a16:creationId xmlns:a16="http://schemas.microsoft.com/office/drawing/2014/main" id="{F00E03F0-00E7-B15A-881F-E7E9E1ED3A9F}"/>
-            </a:ext>
-          </a:extLst>
-        </p:cNvPr>
-        <p:cNvGrpSpPr/>
-        <p:nvPr/>
-      </p:nvGrpSpPr>
-      <p:grpSpPr>
-        <a:xfrm>
-          <a:off x="0" y="0"/>
-          <a:ext cx="0" cy="0"/>
-          <a:chOff x="0" y="0"/>
-          <a:chExt cx="0" cy="0"/>
-        </a:xfrm>
-      </p:grpSpPr>
-      <p:sp>
-        <p:nvSpPr>
-          <p:cNvPr id="4" name="Textfeld 3">
-            <a:extLst>
-              <a:ext uri="{FF2B5EF4-FFF2-40B4-BE49-F238E27FC236}">
-                <a16:creationId xmlns:a16="http://schemas.microsoft.com/office/drawing/2014/main" id="{FB768491-FD46-C3C5-6B5E-BEF34AECD664}"/>
-              </a:ext>
-            </a:extLst>
-          </p:cNvPr>
-          <p:cNvSpPr txBox="1"/>
-          <p:nvPr/>
-        </p:nvSpPr>
-        <p:spPr>
-          <a:xfrm>
-            <a:off x="1707406" y="431449"/>
-            <a:ext cx="7682846" cy="5878532"/>
-          </a:xfrm>
-          <a:prstGeom prst="rect">
-            <a:avLst/>
-          </a:prstGeom>
-          <a:noFill/>
-        </p:spPr>
-        <p:txBody>
-          <a:bodyPr wrap="square" rtlCol="0">
-            <a:spAutoFit/>
-          </a:bodyPr>
-          <a:lstStyle/>
-          <a:p>
-            <a:pPr algn="ctr"/>
-            <a:r>
-              <a:rPr lang="de-DE" sz="2000" b="0" dirty="0">
-                <a:solidFill>
-                  <a:schemeClr val="bg1"/>
-                </a:solidFill>
-                <a:effectLst/>
-                <a:latin typeface="Consolas" panose="020B0609020204030204" pitchFamily="49" charset="0"/>
-              </a:rPr>
-              <a:t>Es gibt in diesem Spiel eine Besonderheit: Die Steuerung zur seitlichen Bewegung kann </a:t>
-            </a:r>
-            <a:r>
-              <a:rPr lang="de-DE" sz="2000" b="1" dirty="0">
-                <a:solidFill>
-                  <a:schemeClr val="bg1"/>
-                </a:solidFill>
-                <a:effectLst/>
-                <a:latin typeface="Consolas" panose="020B0609020204030204" pitchFamily="49" charset="0"/>
-              </a:rPr>
-              <a:t>normal</a:t>
-            </a:r>
-            <a:r>
-              <a:rPr lang="de-DE" sz="2000" b="0" dirty="0">
-                <a:solidFill>
-                  <a:schemeClr val="bg1"/>
-                </a:solidFill>
-                <a:effectLst/>
-                <a:latin typeface="Consolas" panose="020B0609020204030204" pitchFamily="49" charset="0"/>
-              </a:rPr>
-              <a:t> oder </a:t>
-            </a:r>
-            <a:r>
-              <a:rPr lang="de-DE" sz="2000" b="1" dirty="0">
-                <a:solidFill>
-                  <a:schemeClr val="bg1"/>
-                </a:solidFill>
-                <a:effectLst/>
-                <a:latin typeface="Consolas" panose="020B0609020204030204" pitchFamily="49" charset="0"/>
-              </a:rPr>
-              <a:t>invertiert</a:t>
-            </a:r>
-            <a:r>
-              <a:rPr lang="de-DE" sz="2000" b="0" dirty="0">
-                <a:solidFill>
-                  <a:schemeClr val="bg1"/>
-                </a:solidFill>
-                <a:effectLst/>
-                <a:latin typeface="Consolas" panose="020B0609020204030204" pitchFamily="49" charset="0"/>
-              </a:rPr>
-              <a:t> sein. </a:t>
-            </a:r>
-          </a:p>
-          <a:p>
-            <a:pPr algn="ctr"/>
-            <a:endParaRPr lang="de-DE" sz="2000" dirty="0">
-              <a:solidFill>
-                <a:schemeClr val="bg1"/>
-              </a:solidFill>
-              <a:latin typeface="Consolas" panose="020B0609020204030204" pitchFamily="49" charset="0"/>
-            </a:endParaRPr>
-          </a:p>
-          <a:p>
-            <a:pPr algn="ctr"/>
-            <a:r>
-              <a:rPr lang="de-DE" sz="2000" b="1" u="sng" dirty="0">
-                <a:solidFill>
-                  <a:schemeClr val="bg1"/>
-                </a:solidFill>
-                <a:effectLst/>
-                <a:latin typeface="Consolas" panose="020B0609020204030204" pitchFamily="49" charset="0"/>
-              </a:rPr>
-              <a:t>Normal</a:t>
-            </a:r>
-            <a:r>
-              <a:rPr lang="de-DE" sz="2000" b="0" dirty="0">
-                <a:solidFill>
-                  <a:schemeClr val="bg1"/>
-                </a:solidFill>
-                <a:effectLst/>
-                <a:latin typeface="Consolas" panose="020B0609020204030204" pitchFamily="49" charset="0"/>
-              </a:rPr>
-              <a:t> bedeutet: Die Taste </a:t>
-            </a:r>
-            <a:r>
-              <a:rPr lang="de-DE" sz="2000" b="1" dirty="0">
-                <a:solidFill>
-                  <a:srgbClr val="00B050"/>
-                </a:solidFill>
-                <a:effectLst/>
-                <a:latin typeface="Consolas" panose="020B0609020204030204" pitchFamily="49" charset="0"/>
-              </a:rPr>
-              <a:t>A</a:t>
-            </a:r>
-            <a:r>
-              <a:rPr lang="de-DE" sz="2000" b="0" dirty="0">
-                <a:solidFill>
-                  <a:schemeClr val="bg1"/>
-                </a:solidFill>
-                <a:effectLst/>
-                <a:latin typeface="Consolas" panose="020B0609020204030204" pitchFamily="49" charset="0"/>
-              </a:rPr>
-              <a:t> steuert nach </a:t>
-            </a:r>
-            <a:r>
-              <a:rPr lang="de-DE" sz="2000" b="0" dirty="0">
-                <a:solidFill>
-                  <a:srgbClr val="00B050"/>
-                </a:solidFill>
-                <a:effectLst/>
-                <a:latin typeface="Consolas" panose="020B0609020204030204" pitchFamily="49" charset="0"/>
-              </a:rPr>
-              <a:t>links</a:t>
-            </a:r>
-            <a:r>
-              <a:rPr lang="de-DE" sz="2000" b="0" dirty="0">
-                <a:solidFill>
-                  <a:schemeClr val="bg1"/>
-                </a:solidFill>
-                <a:effectLst/>
-                <a:latin typeface="Consolas" panose="020B0609020204030204" pitchFamily="49" charset="0"/>
-              </a:rPr>
-              <a:t>, die Taste </a:t>
-            </a:r>
-            <a:r>
-              <a:rPr lang="de-DE" sz="2000" b="1" dirty="0">
-                <a:solidFill>
-                  <a:srgbClr val="FF0000"/>
-                </a:solidFill>
-                <a:effectLst/>
-                <a:latin typeface="Consolas" panose="020B0609020204030204" pitchFamily="49" charset="0"/>
-              </a:rPr>
-              <a:t>D</a:t>
-            </a:r>
-            <a:r>
-              <a:rPr lang="de-DE" sz="2000" b="0" dirty="0">
-                <a:solidFill>
-                  <a:schemeClr val="bg1"/>
-                </a:solidFill>
-                <a:effectLst/>
-                <a:latin typeface="Consolas" panose="020B0609020204030204" pitchFamily="49" charset="0"/>
-              </a:rPr>
-              <a:t> steuert nach </a:t>
-            </a:r>
-            <a:r>
-              <a:rPr lang="de-DE" sz="2000" b="0" dirty="0">
-                <a:solidFill>
-                  <a:srgbClr val="FF0000"/>
-                </a:solidFill>
-                <a:effectLst/>
-                <a:latin typeface="Consolas" panose="020B0609020204030204" pitchFamily="49" charset="0"/>
-              </a:rPr>
-              <a:t>rechts</a:t>
-            </a:r>
-            <a:r>
-              <a:rPr lang="de-DE" sz="2000" b="0" dirty="0">
-                <a:solidFill>
-                  <a:schemeClr val="bg1"/>
-                </a:solidFill>
-                <a:effectLst/>
-                <a:latin typeface="Consolas" panose="020B0609020204030204" pitchFamily="49" charset="0"/>
-              </a:rPr>
-              <a:t>. </a:t>
-            </a:r>
-          </a:p>
-          <a:p>
-            <a:pPr algn="ctr"/>
-            <a:endParaRPr lang="de-DE" sz="2000" dirty="0">
-              <a:solidFill>
-                <a:schemeClr val="bg1"/>
-              </a:solidFill>
-              <a:latin typeface="Consolas" panose="020B0609020204030204" pitchFamily="49" charset="0"/>
-            </a:endParaRPr>
-          </a:p>
-          <a:p>
-            <a:pPr algn="ctr"/>
-            <a:endParaRPr lang="de-DE" sz="2000" b="0" dirty="0">
-              <a:solidFill>
-                <a:schemeClr val="bg1"/>
-              </a:solidFill>
-              <a:effectLst/>
-              <a:latin typeface="Consolas" panose="020B0609020204030204" pitchFamily="49" charset="0"/>
-            </a:endParaRPr>
-          </a:p>
-          <a:p>
-            <a:pPr algn="ctr"/>
-            <a:r>
-              <a:rPr lang="de-DE" sz="2000" b="1" u="sng" dirty="0">
-                <a:solidFill>
-                  <a:schemeClr val="bg1"/>
-                </a:solidFill>
-                <a:effectLst/>
-                <a:latin typeface="Consolas" panose="020B0609020204030204" pitchFamily="49" charset="0"/>
-              </a:rPr>
-              <a:t>Invertiert</a:t>
-            </a:r>
-            <a:r>
-              <a:rPr lang="de-DE" sz="2000" b="0" dirty="0">
-                <a:solidFill>
-                  <a:schemeClr val="bg1"/>
-                </a:solidFill>
-                <a:effectLst/>
-                <a:latin typeface="Consolas" panose="020B0609020204030204" pitchFamily="49" charset="0"/>
-              </a:rPr>
-              <a:t> bedeutet: Die Taste </a:t>
-            </a:r>
-            <a:r>
-              <a:rPr lang="de-DE" sz="2000" b="0" dirty="0">
-                <a:solidFill>
-                  <a:srgbClr val="FF0000"/>
-                </a:solidFill>
-                <a:effectLst/>
-                <a:latin typeface="Consolas" panose="020B0609020204030204" pitchFamily="49" charset="0"/>
-              </a:rPr>
-              <a:t>A</a:t>
-            </a:r>
-            <a:r>
-              <a:rPr lang="de-DE" sz="2000" b="0" dirty="0">
-                <a:solidFill>
-                  <a:schemeClr val="bg1"/>
-                </a:solidFill>
-                <a:effectLst/>
-                <a:latin typeface="Consolas" panose="020B0609020204030204" pitchFamily="49" charset="0"/>
-              </a:rPr>
-              <a:t> steuert nach </a:t>
-            </a:r>
-            <a:r>
-              <a:rPr lang="de-DE" sz="2000" b="0" dirty="0">
-                <a:solidFill>
-                  <a:srgbClr val="FF0000"/>
-                </a:solidFill>
-                <a:effectLst/>
-                <a:latin typeface="Consolas" panose="020B0609020204030204" pitchFamily="49" charset="0"/>
-              </a:rPr>
-              <a:t>rechts</a:t>
-            </a:r>
-            <a:r>
-              <a:rPr lang="de-DE" sz="2000" b="0" dirty="0">
-                <a:solidFill>
-                  <a:schemeClr val="bg1"/>
-                </a:solidFill>
-                <a:effectLst/>
-                <a:latin typeface="Consolas" panose="020B0609020204030204" pitchFamily="49" charset="0"/>
-              </a:rPr>
-              <a:t>, die Taste </a:t>
-            </a:r>
-            <a:r>
-              <a:rPr lang="de-DE" sz="2000" b="0" dirty="0">
-                <a:solidFill>
-                  <a:srgbClr val="00B050"/>
-                </a:solidFill>
-                <a:effectLst/>
-                <a:latin typeface="Consolas" panose="020B0609020204030204" pitchFamily="49" charset="0"/>
-              </a:rPr>
-              <a:t>D</a:t>
-            </a:r>
-            <a:r>
-              <a:rPr lang="de-DE" sz="2000" b="0" dirty="0">
-                <a:solidFill>
-                  <a:schemeClr val="bg1"/>
-                </a:solidFill>
-                <a:effectLst/>
-                <a:latin typeface="Consolas" panose="020B0609020204030204" pitchFamily="49" charset="0"/>
-              </a:rPr>
-              <a:t> steuert nach </a:t>
-            </a:r>
-            <a:r>
-              <a:rPr lang="de-DE" sz="2000" b="0" dirty="0">
-                <a:solidFill>
-                  <a:srgbClr val="00B050"/>
-                </a:solidFill>
-                <a:effectLst/>
-                <a:latin typeface="Consolas" panose="020B0609020204030204" pitchFamily="49" charset="0"/>
-              </a:rPr>
-              <a:t>links</a:t>
-            </a:r>
-            <a:r>
-              <a:rPr lang="de-DE" sz="2000" dirty="0">
-                <a:solidFill>
-                  <a:schemeClr val="bg1"/>
-                </a:solidFill>
-                <a:latin typeface="Consolas" panose="020B0609020204030204" pitchFamily="49" charset="0"/>
-              </a:rPr>
-              <a:t>.</a:t>
-            </a:r>
-          </a:p>
-          <a:p>
-            <a:endParaRPr lang="de-DE" sz="2000" b="0" dirty="0">
-              <a:solidFill>
-                <a:srgbClr val="CE9178"/>
-              </a:solidFill>
-              <a:effectLst/>
-              <a:latin typeface="Consolas" panose="020B0609020204030204" pitchFamily="49" charset="0"/>
-            </a:endParaRPr>
-          </a:p>
-          <a:p>
-            <a:endParaRPr lang="de-DE" sz="2000" b="0" dirty="0">
-              <a:solidFill>
-                <a:srgbClr val="CCCCCC"/>
-              </a:solidFill>
-              <a:effectLst/>
-              <a:latin typeface="Consolas" panose="020B0609020204030204" pitchFamily="49" charset="0"/>
-            </a:endParaRPr>
-          </a:p>
-          <a:p>
-            <a:pPr algn="ctr"/>
-            <a:r>
-              <a:rPr lang="de-DE" sz="8000" dirty="0">
-                <a:solidFill>
-                  <a:srgbClr val="00B050"/>
-                </a:solidFill>
-                <a:sym typeface="Wingdings" panose="05000000000000000000" pitchFamily="2" charset="2"/>
-              </a:rPr>
-              <a:t>←</a:t>
-            </a:r>
-            <a:r>
-              <a:rPr lang="de-DE" sz="8000" dirty="0">
-                <a:solidFill>
-                  <a:schemeClr val="bg1"/>
-                </a:solidFill>
-                <a:sym typeface="Wingdings" panose="05000000000000000000" pitchFamily="2" charset="2"/>
-              </a:rPr>
-              <a:t>                  </a:t>
-            </a:r>
-            <a:r>
-              <a:rPr lang="de-DE" sz="8000" dirty="0">
-                <a:solidFill>
-                  <a:srgbClr val="FF0000"/>
-                </a:solidFill>
-                <a:sym typeface="Wingdings" panose="05000000000000000000" pitchFamily="2" charset="2"/>
-              </a:rPr>
-              <a:t>→</a:t>
-            </a:r>
-          </a:p>
-          <a:p>
-            <a:pPr algn="ctr"/>
-            <a:endParaRPr lang="de-DE" dirty="0">
-              <a:solidFill>
-                <a:schemeClr val="bg1"/>
-              </a:solidFill>
-              <a:sym typeface="Wingdings" panose="05000000000000000000" pitchFamily="2" charset="2"/>
-            </a:endParaRPr>
-          </a:p>
-          <a:p>
-            <a:pPr algn="ctr"/>
-            <a:endParaRPr lang="de-DE" dirty="0">
-              <a:solidFill>
-                <a:schemeClr val="bg1"/>
-              </a:solidFill>
-              <a:sym typeface="Wingdings" panose="05000000000000000000" pitchFamily="2" charset="2"/>
-            </a:endParaRPr>
-          </a:p>
-          <a:p>
-            <a:pPr algn="ctr"/>
-            <a:r>
-              <a:rPr lang="de-DE" sz="2000" dirty="0">
-                <a:solidFill>
-                  <a:schemeClr val="bg1"/>
-                </a:solidFill>
-                <a:sym typeface="Wingdings" panose="05000000000000000000" pitchFamily="2" charset="2"/>
-              </a:rPr>
-              <a:t>Bitte die </a:t>
-            </a:r>
-            <a:r>
-              <a:rPr lang="de-DE" sz="2000" b="1" dirty="0">
-                <a:solidFill>
-                  <a:schemeClr val="bg1"/>
-                </a:solidFill>
-                <a:sym typeface="Wingdings" panose="05000000000000000000" pitchFamily="2" charset="2"/>
-              </a:rPr>
-              <a:t>LEERTASTE</a:t>
-            </a:r>
-            <a:r>
-              <a:rPr lang="de-DE" sz="2000" dirty="0">
-                <a:solidFill>
-                  <a:schemeClr val="bg1"/>
-                </a:solidFill>
-                <a:sym typeface="Wingdings" panose="05000000000000000000" pitchFamily="2" charset="2"/>
-              </a:rPr>
-              <a:t> drücken, um fortzufahren</a:t>
-            </a:r>
-            <a:endParaRPr lang="de-DE" sz="2000" dirty="0">
-              <a:solidFill>
-                <a:schemeClr val="bg1"/>
-              </a:solidFill>
-            </a:endParaRPr>
-          </a:p>
-        </p:txBody>
-      </p:sp>
-      <p:pic>
-        <p:nvPicPr>
-          <p:cNvPr id="3" name="Grafik 2" descr="Ein Bild, das Screenshot, PC-Spiel, 3D-Modellierung, Digitales Compositing enthält.&#10;&#10;Automatisch generierte Beschreibung">
-            <a:extLst>
-              <a:ext uri="{FF2B5EF4-FFF2-40B4-BE49-F238E27FC236}">
-                <a16:creationId xmlns:a16="http://schemas.microsoft.com/office/drawing/2014/main" id="{AD7D25A1-2848-ADCE-17B9-E35062F50BC9}"/>
-              </a:ext>
-            </a:extLst>
-          </p:cNvPr>
-          <p:cNvPicPr>
-            <a:picLocks noChangeAspect="1"/>
-          </p:cNvPicPr>
-          <p:nvPr/>
-        </p:nvPicPr>
-        <p:blipFill>
-          <a:blip r:embed="rId2" cstate="hqprint">
-            <a:extLst>
-              <a:ext uri="{28A0092B-C50C-407E-A947-70E740481C1C}">
-                <a14:useLocalDpi xmlns:a14="http://schemas.microsoft.com/office/drawing/2010/main" val="0"/>
-              </a:ext>
-            </a:extLst>
-          </a:blip>
-          <a:stretch>
-            <a:fillRect/>
-          </a:stretch>
-        </p:blipFill>
-        <p:spPr>
-          <a:xfrm>
-            <a:off x="4335314" y="3579136"/>
-            <a:ext cx="2401917" cy="1857458"/>
-          </a:xfrm>
-          <a:prstGeom prst="rect">
-            <a:avLst/>
-          </a:prstGeom>
-        </p:spPr>
-      </p:pic>
-    </p:spTree>
-    <p:extLst>
-      <p:ext uri="{BB962C8B-B14F-4D97-AF65-F5344CB8AC3E}">
-        <p14:creationId xmlns:p14="http://schemas.microsoft.com/office/powerpoint/2010/main" val="2094870406"/>
-      </p:ext>
-    </p:extLst>
-  </p:cSld>
-  <p:clrMapOvr>
-    <a:masterClrMapping/>
-  </p:clrMapOvr>
-</p:sld>
-</file>
-
-<file path=ppt/slides/slide9.xml><?xml version="1.0" encoding="utf-8"?>
-<p:sld xmlns:a="http://schemas.openxmlformats.org/drawingml/2006/main" xmlns:r="http://schemas.openxmlformats.org/officeDocument/2006/relationships" xmlns:p="http://schemas.openxmlformats.org/presentationml/2006/main">
-  <p:cSld>
-    <p:bg>
-      <p:bgPr>
-        <a:solidFill>
-          <a:schemeClr val="tx1"/>
-        </a:solidFill>
-        <a:effectLst/>
-      </p:bgPr>
-    </p:bg>
-    <p:spTree>
-      <p:nvGrpSpPr>
-        <p:cNvPr id="1" name="">
-          <a:extLst>
-            <a:ext uri="{FF2B5EF4-FFF2-40B4-BE49-F238E27FC236}">
-              <a16:creationId xmlns:a16="http://schemas.microsoft.com/office/drawing/2014/main" id="{C5EE831B-C595-BDE0-E7F5-60CEF6DE59F8}"/>
-            </a:ext>
-          </a:extLst>
-        </p:cNvPr>
-        <p:cNvGrpSpPr/>
-        <p:nvPr/>
-      </p:nvGrpSpPr>
-      <p:grpSpPr>
-        <a:xfrm>
-          <a:off x="0" y="0"/>
-          <a:ext cx="0" cy="0"/>
-          <a:chOff x="0" y="0"/>
-          <a:chExt cx="0" cy="0"/>
-        </a:xfrm>
-      </p:grpSpPr>
-      <p:sp>
-        <p:nvSpPr>
-          <p:cNvPr id="4" name="Textfeld 3">
-            <a:extLst>
-              <a:ext uri="{FF2B5EF4-FFF2-40B4-BE49-F238E27FC236}">
-                <a16:creationId xmlns:a16="http://schemas.microsoft.com/office/drawing/2014/main" id="{F3435497-C0C8-6AF7-8D36-AD68BC0A489C}"/>
-              </a:ext>
-            </a:extLst>
-          </p:cNvPr>
-          <p:cNvSpPr txBox="1"/>
-          <p:nvPr/>
-        </p:nvSpPr>
-        <p:spPr>
-          <a:xfrm>
-            <a:off x="1807089" y="181109"/>
-            <a:ext cx="7682846" cy="6586418"/>
-          </a:xfrm>
-          <a:prstGeom prst="rect">
-            <a:avLst/>
-          </a:prstGeom>
-          <a:noFill/>
-        </p:spPr>
-        <p:txBody>
-          <a:bodyPr wrap="square" rtlCol="0">
-            <a:spAutoFit/>
-          </a:bodyPr>
-          <a:lstStyle/>
-          <a:p>
-            <a:pPr algn="ctr"/>
-            <a:r>
-              <a:rPr lang="de-DE" sz="2400" b="0" dirty="0">
-                <a:solidFill>
-                  <a:schemeClr val="bg1"/>
-                </a:solidFill>
-                <a:effectLst/>
-                <a:latin typeface="Consolas" panose="020B0609020204030204" pitchFamily="49" charset="0"/>
-              </a:rPr>
-              <a:t>Ein </a:t>
-            </a:r>
-            <a:r>
-              <a:rPr lang="de-DE" sz="2400" b="0" u="sng" dirty="0">
-                <a:solidFill>
-                  <a:schemeClr val="bg1"/>
-                </a:solidFill>
-                <a:effectLst/>
-                <a:latin typeface="Consolas" panose="020B0609020204030204" pitchFamily="49" charset="0"/>
-              </a:rPr>
-              <a:t>wichtiger Hinweis </a:t>
-            </a:r>
-            <a:r>
-              <a:rPr lang="de-DE" sz="2400" b="0" dirty="0">
-                <a:solidFill>
-                  <a:schemeClr val="bg1"/>
-                </a:solidFill>
-                <a:effectLst/>
-                <a:latin typeface="Consolas" panose="020B0609020204030204" pitchFamily="49" charset="0"/>
-              </a:rPr>
-              <a:t>vor Beginn: Sobald Sie das Monster erschossen haben, erscheint ein kurzer Zwischenbildschirm. Bitte achten Sie darauf, </a:t>
-            </a:r>
-            <a:r>
-              <a:rPr lang="de-DE" sz="2400" b="1" dirty="0">
-                <a:solidFill>
-                  <a:schemeClr val="bg1"/>
-                </a:solidFill>
-                <a:effectLst/>
-                <a:latin typeface="Consolas" panose="020B0609020204030204" pitchFamily="49" charset="0"/>
-              </a:rPr>
-              <a:t>keine Taste mehr zu drücken oder gedrückt zu halten </a:t>
-            </a:r>
-            <a:r>
-              <a:rPr lang="de-DE" sz="2400" b="0" dirty="0">
-                <a:solidFill>
-                  <a:schemeClr val="bg1"/>
-                </a:solidFill>
-                <a:effectLst/>
-                <a:latin typeface="Consolas" panose="020B0609020204030204" pitchFamily="49" charset="0"/>
-              </a:rPr>
-              <a:t>und drücken Sie </a:t>
-            </a:r>
-            <a:r>
-              <a:rPr lang="de-DE" sz="2400" b="1" dirty="0">
-                <a:solidFill>
-                  <a:schemeClr val="bg1"/>
-                </a:solidFill>
-                <a:effectLst/>
-                <a:latin typeface="Consolas" panose="020B0609020204030204" pitchFamily="49" charset="0"/>
-              </a:rPr>
-              <a:t>erst dann wieder eine Taste, wenn der nächste Durchgang beginnt.</a:t>
-            </a:r>
-          </a:p>
-          <a:p>
-            <a:pPr algn="ctr"/>
-            <a:endParaRPr lang="de-DE" sz="3200" dirty="0">
-              <a:solidFill>
-                <a:schemeClr val="bg1"/>
-              </a:solidFill>
-              <a:latin typeface="Consolas" panose="020B0609020204030204" pitchFamily="49" charset="0"/>
-            </a:endParaRPr>
-          </a:p>
-          <a:p>
-            <a:pPr algn="ctr"/>
-            <a:endParaRPr lang="de-DE" sz="3200" b="0" dirty="0">
-              <a:solidFill>
-                <a:schemeClr val="bg1"/>
-              </a:solidFill>
-              <a:effectLst/>
-              <a:latin typeface="Consolas" panose="020B0609020204030204" pitchFamily="49" charset="0"/>
-            </a:endParaRPr>
-          </a:p>
-          <a:p>
-            <a:pPr algn="ctr"/>
-            <a:endParaRPr lang="de-DE" sz="3200" dirty="0">
-              <a:solidFill>
-                <a:schemeClr val="bg1"/>
-              </a:solidFill>
-              <a:latin typeface="Consolas" panose="020B0609020204030204" pitchFamily="49" charset="0"/>
-            </a:endParaRPr>
-          </a:p>
-          <a:p>
-            <a:pPr algn="ctr"/>
-            <a:endParaRPr lang="de-DE" sz="3200" b="0" dirty="0">
-              <a:solidFill>
-                <a:schemeClr val="bg1"/>
-              </a:solidFill>
-              <a:effectLst/>
-              <a:latin typeface="Consolas" panose="020B0609020204030204" pitchFamily="49" charset="0"/>
-            </a:endParaRPr>
-          </a:p>
-          <a:p>
-            <a:pPr algn="ctr"/>
-            <a:endParaRPr lang="de-DE" sz="3200" b="0" dirty="0">
-              <a:solidFill>
-                <a:schemeClr val="bg1"/>
-              </a:solidFill>
-              <a:effectLst/>
-              <a:latin typeface="Consolas" panose="020B0609020204030204" pitchFamily="49" charset="0"/>
-            </a:endParaRPr>
-          </a:p>
-          <a:p>
-            <a:pPr algn="ctr"/>
-            <a:endParaRPr lang="de-DE" dirty="0">
-              <a:solidFill>
-                <a:schemeClr val="bg1"/>
-              </a:solidFill>
-              <a:sym typeface="Wingdings" panose="05000000000000000000" pitchFamily="2" charset="2"/>
-            </a:endParaRPr>
-          </a:p>
-          <a:p>
-            <a:pPr algn="ctr"/>
-            <a:endParaRPr lang="de-DE" dirty="0">
-              <a:solidFill>
-                <a:schemeClr val="bg1"/>
-              </a:solidFill>
-              <a:sym typeface="Wingdings" panose="05000000000000000000" pitchFamily="2" charset="2"/>
-            </a:endParaRPr>
-          </a:p>
-          <a:p>
-            <a:pPr algn="ctr"/>
-            <a:endParaRPr lang="de-DE" dirty="0">
-              <a:solidFill>
-                <a:schemeClr val="bg1"/>
-              </a:solidFill>
-              <a:sym typeface="Wingdings" panose="05000000000000000000" pitchFamily="2" charset="2"/>
-            </a:endParaRPr>
-          </a:p>
-          <a:p>
-            <a:pPr algn="ctr"/>
-            <a:endParaRPr lang="de-DE" sz="2000" dirty="0">
-              <a:solidFill>
-                <a:schemeClr val="bg1"/>
-              </a:solidFill>
-              <a:sym typeface="Wingdings" panose="05000000000000000000" pitchFamily="2" charset="2"/>
-            </a:endParaRPr>
-          </a:p>
-          <a:p>
-            <a:pPr algn="ctr"/>
-            <a:r>
-              <a:rPr lang="de-DE" sz="2000" dirty="0">
-                <a:solidFill>
-                  <a:schemeClr val="bg1"/>
-                </a:solidFill>
-                <a:sym typeface="Wingdings" panose="05000000000000000000" pitchFamily="2" charset="2"/>
-              </a:rPr>
-              <a:t>Bitte die </a:t>
-            </a:r>
-            <a:r>
-              <a:rPr lang="de-DE" sz="2000" b="1" dirty="0">
-                <a:solidFill>
-                  <a:schemeClr val="bg1"/>
-                </a:solidFill>
-                <a:sym typeface="Wingdings" panose="05000000000000000000" pitchFamily="2" charset="2"/>
-              </a:rPr>
-              <a:t>LEERTASTE</a:t>
-            </a:r>
-            <a:r>
-              <a:rPr lang="de-DE" sz="2000" dirty="0">
-                <a:solidFill>
-                  <a:schemeClr val="bg1"/>
-                </a:solidFill>
-                <a:sym typeface="Wingdings" panose="05000000000000000000" pitchFamily="2" charset="2"/>
-              </a:rPr>
-              <a:t> drücken, um fortzufahren</a:t>
-            </a:r>
-            <a:endParaRPr lang="de-DE" sz="2000" dirty="0">
-              <a:solidFill>
-                <a:schemeClr val="bg1"/>
-              </a:solidFill>
-            </a:endParaRPr>
-          </a:p>
-        </p:txBody>
-      </p:sp>
-      <p:pic>
-        <p:nvPicPr>
-          <p:cNvPr id="5" name="Grafik 4">
-            <a:extLst>
-              <a:ext uri="{FF2B5EF4-FFF2-40B4-BE49-F238E27FC236}">
-                <a16:creationId xmlns:a16="http://schemas.microsoft.com/office/drawing/2014/main" id="{20E39380-993B-FFA2-4166-B06BA205306B}"/>
-              </a:ext>
-            </a:extLst>
-          </p:cNvPr>
-          <p:cNvPicPr>
-            <a:picLocks noChangeAspect="1"/>
-          </p:cNvPicPr>
-          <p:nvPr/>
-        </p:nvPicPr>
-        <p:blipFill>
-          <a:blip r:embed="rId2">
-            <a:extLst>
-              <a:ext uri="{28A0092B-C50C-407E-A947-70E740481C1C}">
-                <a14:useLocalDpi xmlns:a14="http://schemas.microsoft.com/office/drawing/2010/main" val="0"/>
-              </a:ext>
-            </a:extLst>
-          </a:blip>
-          <a:stretch>
-            <a:fillRect/>
-          </a:stretch>
-        </p:blipFill>
-        <p:spPr>
-          <a:xfrm>
-            <a:off x="3545640" y="2958861"/>
-            <a:ext cx="3959341" cy="3058102"/>
-          </a:xfrm>
-          <a:prstGeom prst="rect">
-            <a:avLst/>
-          </a:prstGeom>
-        </p:spPr>
-      </p:pic>
-    </p:spTree>
-    <p:extLst>
-      <p:ext uri="{BB962C8B-B14F-4D97-AF65-F5344CB8AC3E}">
-        <p14:creationId xmlns:p14="http://schemas.microsoft.com/office/powerpoint/2010/main" val="752187564"/>
       </p:ext>
     </p:extLst>
   </p:cSld>

--- a/exp_img/instructions.pptx
+++ b/exp_img/instructions.pptx
@@ -14,26 +14,28 @@
     <p:sldId id="264" r:id="rId8"/>
     <p:sldId id="284" r:id="rId9"/>
     <p:sldId id="258" r:id="rId10"/>
-    <p:sldId id="259" r:id="rId11"/>
-    <p:sldId id="285" r:id="rId12"/>
-    <p:sldId id="260" r:id="rId13"/>
-    <p:sldId id="261" r:id="rId14"/>
-    <p:sldId id="262" r:id="rId15"/>
-    <p:sldId id="273" r:id="rId16"/>
-    <p:sldId id="265" r:id="rId17"/>
-    <p:sldId id="266" r:id="rId18"/>
-    <p:sldId id="268" r:id="rId19"/>
-    <p:sldId id="269" r:id="rId20"/>
-    <p:sldId id="274" r:id="rId21"/>
-    <p:sldId id="270" r:id="rId22"/>
-    <p:sldId id="271" r:id="rId23"/>
-    <p:sldId id="272" r:id="rId24"/>
-    <p:sldId id="276" r:id="rId25"/>
-    <p:sldId id="275" r:id="rId26"/>
-    <p:sldId id="277" r:id="rId27"/>
-    <p:sldId id="278" r:id="rId28"/>
-    <p:sldId id="280" r:id="rId29"/>
-    <p:sldId id="279" r:id="rId30"/>
+    <p:sldId id="286" r:id="rId11"/>
+    <p:sldId id="259" r:id="rId12"/>
+    <p:sldId id="285" r:id="rId13"/>
+    <p:sldId id="287" r:id="rId14"/>
+    <p:sldId id="260" r:id="rId15"/>
+    <p:sldId id="261" r:id="rId16"/>
+    <p:sldId id="262" r:id="rId17"/>
+    <p:sldId id="273" r:id="rId18"/>
+    <p:sldId id="265" r:id="rId19"/>
+    <p:sldId id="266" r:id="rId20"/>
+    <p:sldId id="268" r:id="rId21"/>
+    <p:sldId id="269" r:id="rId22"/>
+    <p:sldId id="274" r:id="rId23"/>
+    <p:sldId id="270" r:id="rId24"/>
+    <p:sldId id="271" r:id="rId25"/>
+    <p:sldId id="272" r:id="rId26"/>
+    <p:sldId id="276" r:id="rId27"/>
+    <p:sldId id="275" r:id="rId28"/>
+    <p:sldId id="277" r:id="rId29"/>
+    <p:sldId id="278" r:id="rId30"/>
+    <p:sldId id="280" r:id="rId31"/>
+    <p:sldId id="279" r:id="rId32"/>
   </p:sldIdLst>
   <p:sldSz cx="12192000" cy="6858000"/>
   <p:notesSz cx="6858000" cy="9144000"/>
@@ -287,7 +289,7 @@
           <a:p>
             <a:fld id="{9583AF26-4D68-42D5-A917-CD55DA578274}" type="datetimeFigureOut">
               <a:rPr lang="de-DE" smtClean="0"/>
-              <a:t>28.11.2024</a:t>
+              <a:t>17.12.2024</a:t>
             </a:fld>
             <a:endParaRPr lang="de-DE"/>
           </a:p>
@@ -485,7 +487,7 @@
           <a:p>
             <a:fld id="{9583AF26-4D68-42D5-A917-CD55DA578274}" type="datetimeFigureOut">
               <a:rPr lang="de-DE" smtClean="0"/>
-              <a:t>28.11.2024</a:t>
+              <a:t>17.12.2024</a:t>
             </a:fld>
             <a:endParaRPr lang="de-DE"/>
           </a:p>
@@ -693,7 +695,7 @@
           <a:p>
             <a:fld id="{9583AF26-4D68-42D5-A917-CD55DA578274}" type="datetimeFigureOut">
               <a:rPr lang="de-DE" smtClean="0"/>
-              <a:t>28.11.2024</a:t>
+              <a:t>17.12.2024</a:t>
             </a:fld>
             <a:endParaRPr lang="de-DE"/>
           </a:p>
@@ -891,7 +893,7 @@
           <a:p>
             <a:fld id="{9583AF26-4D68-42D5-A917-CD55DA578274}" type="datetimeFigureOut">
               <a:rPr lang="de-DE" smtClean="0"/>
-              <a:t>28.11.2024</a:t>
+              <a:t>17.12.2024</a:t>
             </a:fld>
             <a:endParaRPr lang="de-DE"/>
           </a:p>
@@ -1166,7 +1168,7 @@
           <a:p>
             <a:fld id="{9583AF26-4D68-42D5-A917-CD55DA578274}" type="datetimeFigureOut">
               <a:rPr lang="de-DE" smtClean="0"/>
-              <a:t>28.11.2024</a:t>
+              <a:t>17.12.2024</a:t>
             </a:fld>
             <a:endParaRPr lang="de-DE"/>
           </a:p>
@@ -1431,7 +1433,7 @@
           <a:p>
             <a:fld id="{9583AF26-4D68-42D5-A917-CD55DA578274}" type="datetimeFigureOut">
               <a:rPr lang="de-DE" smtClean="0"/>
-              <a:t>28.11.2024</a:t>
+              <a:t>17.12.2024</a:t>
             </a:fld>
             <a:endParaRPr lang="de-DE"/>
           </a:p>
@@ -1843,7 +1845,7 @@
           <a:p>
             <a:fld id="{9583AF26-4D68-42D5-A917-CD55DA578274}" type="datetimeFigureOut">
               <a:rPr lang="de-DE" smtClean="0"/>
-              <a:t>28.11.2024</a:t>
+              <a:t>17.12.2024</a:t>
             </a:fld>
             <a:endParaRPr lang="de-DE"/>
           </a:p>
@@ -1984,7 +1986,7 @@
           <a:p>
             <a:fld id="{9583AF26-4D68-42D5-A917-CD55DA578274}" type="datetimeFigureOut">
               <a:rPr lang="de-DE" smtClean="0"/>
-              <a:t>28.11.2024</a:t>
+              <a:t>17.12.2024</a:t>
             </a:fld>
             <a:endParaRPr lang="de-DE"/>
           </a:p>
@@ -2097,7 +2099,7 @@
           <a:p>
             <a:fld id="{9583AF26-4D68-42D5-A917-CD55DA578274}" type="datetimeFigureOut">
               <a:rPr lang="de-DE" smtClean="0"/>
-              <a:t>28.11.2024</a:t>
+              <a:t>17.12.2024</a:t>
             </a:fld>
             <a:endParaRPr lang="de-DE"/>
           </a:p>
@@ -2408,7 +2410,7 @@
           <a:p>
             <a:fld id="{9583AF26-4D68-42D5-A917-CD55DA578274}" type="datetimeFigureOut">
               <a:rPr lang="de-DE" smtClean="0"/>
-              <a:t>28.11.2024</a:t>
+              <a:t>17.12.2024</a:t>
             </a:fld>
             <a:endParaRPr lang="de-DE"/>
           </a:p>
@@ -2696,7 +2698,7 @@
           <a:p>
             <a:fld id="{9583AF26-4D68-42D5-A917-CD55DA578274}" type="datetimeFigureOut">
               <a:rPr lang="de-DE" smtClean="0"/>
-              <a:t>28.11.2024</a:t>
+              <a:t>17.12.2024</a:t>
             </a:fld>
             <a:endParaRPr lang="de-DE"/>
           </a:p>
@@ -2937,7 +2939,7 @@
           <a:p>
             <a:fld id="{9583AF26-4D68-42D5-A917-CD55DA578274}" type="datetimeFigureOut">
               <a:rPr lang="de-DE" smtClean="0"/>
-              <a:t>28.11.2024</a:t>
+              <a:t>17.12.2024</a:t>
             </a:fld>
             <a:endParaRPr lang="de-DE"/>
           </a:p>
@@ -3502,6 +3504,323 @@
         <p:cNvPr id="1" name="">
           <a:extLst>
             <a:ext uri="{FF2B5EF4-FFF2-40B4-BE49-F238E27FC236}">
+              <a16:creationId xmlns:a16="http://schemas.microsoft.com/office/drawing/2014/main" id="{9CDF492C-E7B5-33D0-875F-C210E2FC9007}"/>
+            </a:ext>
+          </a:extLst>
+        </p:cNvPr>
+        <p:cNvGrpSpPr/>
+        <p:nvPr/>
+      </p:nvGrpSpPr>
+      <p:grpSpPr>
+        <a:xfrm>
+          <a:off x="0" y="0"/>
+          <a:ext cx="0" cy="0"/>
+          <a:chOff x="0" y="0"/>
+          <a:chExt cx="0" cy="0"/>
+        </a:xfrm>
+      </p:grpSpPr>
+      <p:pic>
+        <p:nvPicPr>
+          <p:cNvPr id="6" name="Grafik 5">
+            <a:extLst>
+              <a:ext uri="{FF2B5EF4-FFF2-40B4-BE49-F238E27FC236}">
+                <a16:creationId xmlns:a16="http://schemas.microsoft.com/office/drawing/2014/main" id="{CD5B1770-3348-31E7-34F4-2E03906641AC}"/>
+              </a:ext>
+            </a:extLst>
+          </p:cNvPr>
+          <p:cNvPicPr>
+            <a:picLocks noChangeAspect="1"/>
+          </p:cNvPicPr>
+          <p:nvPr/>
+        </p:nvPicPr>
+        <p:blipFill>
+          <a:blip r:embed="rId2"/>
+          <a:stretch>
+            <a:fillRect/>
+          </a:stretch>
+        </p:blipFill>
+        <p:spPr>
+          <a:xfrm>
+            <a:off x="3233937" y="2167585"/>
+            <a:ext cx="4598848" cy="3411352"/>
+          </a:xfrm>
+          <a:prstGeom prst="rect">
+            <a:avLst/>
+          </a:prstGeom>
+        </p:spPr>
+      </p:pic>
+      <p:sp>
+        <p:nvSpPr>
+          <p:cNvPr id="4" name="Textfeld 3">
+            <a:extLst>
+              <a:ext uri="{FF2B5EF4-FFF2-40B4-BE49-F238E27FC236}">
+                <a16:creationId xmlns:a16="http://schemas.microsoft.com/office/drawing/2014/main" id="{14F964C2-C383-11D3-840D-72EDD71AF7B7}"/>
+              </a:ext>
+            </a:extLst>
+          </p:cNvPr>
+          <p:cNvSpPr txBox="1"/>
+          <p:nvPr/>
+        </p:nvSpPr>
+        <p:spPr>
+          <a:xfrm>
+            <a:off x="1807089" y="181109"/>
+            <a:ext cx="7682846" cy="5847755"/>
+          </a:xfrm>
+          <a:prstGeom prst="rect">
+            <a:avLst/>
+          </a:prstGeom>
+          <a:noFill/>
+        </p:spPr>
+        <p:txBody>
+          <a:bodyPr wrap="square" rtlCol="0">
+            <a:spAutoFit/>
+          </a:bodyPr>
+          <a:lstStyle/>
+          <a:p>
+            <a:pPr algn="ctr"/>
+            <a:r>
+              <a:rPr lang="de-DE" sz="3200" b="0" dirty="0">
+                <a:solidFill>
+                  <a:schemeClr val="bg1"/>
+                </a:solidFill>
+                <a:effectLst/>
+                <a:latin typeface="Consolas" panose="020B0609020204030204" pitchFamily="49" charset="0"/>
+              </a:rPr>
+              <a:t>Ihre Aufgabe ist es, </a:t>
+            </a:r>
+            <a:r>
+              <a:rPr lang="de-DE" sz="3000" b="0" dirty="0">
+                <a:solidFill>
+                  <a:schemeClr val="bg1"/>
+                </a:solidFill>
+                <a:effectLst/>
+                <a:latin typeface="Consolas" panose="020B0609020204030204" pitchFamily="49" charset="0"/>
+              </a:rPr>
+              <a:t>nach links oder rechts zu steuern, um das an einer zufälligen Stelle erscheinende</a:t>
+            </a:r>
+            <a:r>
+              <a:rPr lang="de-DE" sz="3000" b="0" dirty="0">
+                <a:solidFill>
+                  <a:srgbClr val="FFFF00"/>
+                </a:solidFill>
+                <a:effectLst/>
+                <a:latin typeface="Consolas" panose="020B0609020204030204" pitchFamily="49" charset="0"/>
+              </a:rPr>
+              <a:t> Ziel </a:t>
+            </a:r>
+            <a:r>
+              <a:rPr lang="de-DE" sz="3000" b="0" dirty="0">
+                <a:solidFill>
+                  <a:schemeClr val="bg1"/>
+                </a:solidFill>
+                <a:effectLst/>
+                <a:latin typeface="Consolas" panose="020B0609020204030204" pitchFamily="49" charset="0"/>
+              </a:rPr>
+              <a:t>zu erschießen.</a:t>
+            </a:r>
+          </a:p>
+          <a:p>
+            <a:pPr algn="ctr"/>
+            <a:endParaRPr lang="de-DE" sz="3200" dirty="0">
+              <a:solidFill>
+                <a:schemeClr val="bg1"/>
+              </a:solidFill>
+              <a:latin typeface="Consolas" panose="020B0609020204030204" pitchFamily="49" charset="0"/>
+            </a:endParaRPr>
+          </a:p>
+          <a:p>
+            <a:pPr algn="ctr"/>
+            <a:endParaRPr lang="de-DE" sz="3200" b="0" dirty="0">
+              <a:solidFill>
+                <a:schemeClr val="bg1"/>
+              </a:solidFill>
+              <a:effectLst/>
+              <a:latin typeface="Consolas" panose="020B0609020204030204" pitchFamily="49" charset="0"/>
+            </a:endParaRPr>
+          </a:p>
+          <a:p>
+            <a:pPr algn="ctr"/>
+            <a:endParaRPr lang="de-DE" sz="3200" dirty="0">
+              <a:solidFill>
+                <a:schemeClr val="bg1"/>
+              </a:solidFill>
+              <a:latin typeface="Consolas" panose="020B0609020204030204" pitchFamily="49" charset="0"/>
+            </a:endParaRPr>
+          </a:p>
+          <a:p>
+            <a:pPr algn="ctr"/>
+            <a:endParaRPr lang="de-DE" sz="3200" b="0" dirty="0">
+              <a:solidFill>
+                <a:schemeClr val="bg1"/>
+              </a:solidFill>
+              <a:effectLst/>
+              <a:latin typeface="Consolas" panose="020B0609020204030204" pitchFamily="49" charset="0"/>
+            </a:endParaRPr>
+          </a:p>
+          <a:p>
+            <a:pPr algn="ctr"/>
+            <a:endParaRPr lang="de-DE" sz="3200" b="0" dirty="0">
+              <a:solidFill>
+                <a:srgbClr val="7030A0"/>
+              </a:solidFill>
+              <a:effectLst/>
+              <a:latin typeface="Consolas" panose="020B0609020204030204" pitchFamily="49" charset="0"/>
+            </a:endParaRPr>
+          </a:p>
+          <a:p>
+            <a:pPr algn="ctr"/>
+            <a:endParaRPr lang="de-DE" dirty="0">
+              <a:solidFill>
+                <a:schemeClr val="bg1"/>
+              </a:solidFill>
+              <a:sym typeface="Wingdings" panose="05000000000000000000" pitchFamily="2" charset="2"/>
+            </a:endParaRPr>
+          </a:p>
+          <a:p>
+            <a:pPr algn="ctr"/>
+            <a:endParaRPr lang="de-DE" dirty="0">
+              <a:solidFill>
+                <a:schemeClr val="bg1"/>
+              </a:solidFill>
+              <a:sym typeface="Wingdings" panose="05000000000000000000" pitchFamily="2" charset="2"/>
+            </a:endParaRPr>
+          </a:p>
+          <a:p>
+            <a:pPr algn="ctr"/>
+            <a:endParaRPr lang="de-DE" dirty="0">
+              <a:solidFill>
+                <a:schemeClr val="bg1"/>
+              </a:solidFill>
+              <a:sym typeface="Wingdings" panose="05000000000000000000" pitchFamily="2" charset="2"/>
+            </a:endParaRPr>
+          </a:p>
+          <a:p>
+            <a:pPr algn="ctr"/>
+            <a:endParaRPr lang="de-DE" sz="2000" dirty="0">
+              <a:solidFill>
+                <a:schemeClr val="bg1"/>
+              </a:solidFill>
+              <a:sym typeface="Wingdings" panose="05000000000000000000" pitchFamily="2" charset="2"/>
+            </a:endParaRPr>
+          </a:p>
+          <a:p>
+            <a:pPr algn="ctr"/>
+            <a:r>
+              <a:rPr lang="de-DE" sz="2000" dirty="0">
+                <a:solidFill>
+                  <a:schemeClr val="bg1"/>
+                </a:solidFill>
+                <a:sym typeface="Wingdings" panose="05000000000000000000" pitchFamily="2" charset="2"/>
+              </a:rPr>
+              <a:t>Bitte die </a:t>
+            </a:r>
+            <a:r>
+              <a:rPr lang="de-DE" sz="2000" b="1" dirty="0">
+                <a:solidFill>
+                  <a:schemeClr val="bg1"/>
+                </a:solidFill>
+                <a:sym typeface="Wingdings" panose="05000000000000000000" pitchFamily="2" charset="2"/>
+              </a:rPr>
+              <a:t>LEERTASTE</a:t>
+            </a:r>
+            <a:r>
+              <a:rPr lang="de-DE" sz="2000" dirty="0">
+                <a:solidFill>
+                  <a:schemeClr val="bg1"/>
+                </a:solidFill>
+                <a:sym typeface="Wingdings" panose="05000000000000000000" pitchFamily="2" charset="2"/>
+              </a:rPr>
+              <a:t> drücken, um fortzufahren</a:t>
+            </a:r>
+            <a:endParaRPr lang="de-DE" sz="2000" dirty="0">
+              <a:solidFill>
+                <a:schemeClr val="bg1"/>
+              </a:solidFill>
+            </a:endParaRPr>
+          </a:p>
+        </p:txBody>
+      </p:sp>
+      <p:sp>
+        <p:nvSpPr>
+          <p:cNvPr id="2" name="Ellipse 1">
+            <a:extLst>
+              <a:ext uri="{FF2B5EF4-FFF2-40B4-BE49-F238E27FC236}">
+                <a16:creationId xmlns:a16="http://schemas.microsoft.com/office/drawing/2014/main" id="{A1E4ACF7-48D4-E779-E682-F1F4C4DDBCC2}"/>
+              </a:ext>
+            </a:extLst>
+          </p:cNvPr>
+          <p:cNvSpPr/>
+          <p:nvPr/>
+        </p:nvSpPr>
+        <p:spPr>
+          <a:xfrm>
+            <a:off x="6592165" y="3683480"/>
+            <a:ext cx="481495" cy="526210"/>
+          </a:xfrm>
+          <a:prstGeom prst="ellipse">
+            <a:avLst/>
+          </a:prstGeom>
+          <a:noFill/>
+          <a:ln w="38100">
+            <a:solidFill>
+              <a:srgbClr val="FFFF00"/>
+            </a:solidFill>
+          </a:ln>
+        </p:spPr>
+        <p:style>
+          <a:lnRef idx="2">
+            <a:schemeClr val="accent1">
+              <a:shade val="15000"/>
+            </a:schemeClr>
+          </a:lnRef>
+          <a:fillRef idx="1">
+            <a:schemeClr val="accent1"/>
+          </a:fillRef>
+          <a:effectRef idx="0">
+            <a:schemeClr val="accent1"/>
+          </a:effectRef>
+          <a:fontRef idx="minor">
+            <a:schemeClr val="lt1"/>
+          </a:fontRef>
+        </p:style>
+        <p:txBody>
+          <a:bodyPr rtlCol="0" anchor="ctr"/>
+          <a:lstStyle/>
+          <a:p>
+            <a:pPr algn="ctr"/>
+            <a:endParaRPr lang="de-DE"/>
+          </a:p>
+        </p:txBody>
+      </p:sp>
+    </p:spTree>
+    <p:extLst>
+      <p:ext uri="{BB962C8B-B14F-4D97-AF65-F5344CB8AC3E}">
+        <p14:creationId xmlns:p14="http://schemas.microsoft.com/office/powerpoint/2010/main" val="790045012"/>
+      </p:ext>
+    </p:extLst>
+  </p:cSld>
+  <p:clrMapOvr>
+    <a:masterClrMapping/>
+  </p:clrMapOvr>
+</p:sld>
+</file>
+
+<file path=ppt/slides/slide11.xml><?xml version="1.0" encoding="utf-8"?>
+<p:sld xmlns:a="http://schemas.openxmlformats.org/drawingml/2006/main" xmlns:r="http://schemas.openxmlformats.org/officeDocument/2006/relationships" xmlns:p="http://schemas.openxmlformats.org/presentationml/2006/main">
+  <p:cSld>
+    <p:bg>
+      <p:bgPr>
+        <a:solidFill>
+          <a:schemeClr val="tx1"/>
+        </a:solidFill>
+        <a:effectLst/>
+      </p:bgPr>
+    </p:bg>
+    <p:spTree>
+      <p:nvGrpSpPr>
+        <p:cNvPr id="1" name="">
+          <a:extLst>
+            <a:ext uri="{FF2B5EF4-FFF2-40B4-BE49-F238E27FC236}">
               <a16:creationId xmlns:a16="http://schemas.microsoft.com/office/drawing/2014/main" id="{3EFE3318-6E5D-0A81-F427-A84F2C3E0696}"/>
             </a:ext>
           </a:extLst>
@@ -4243,7 +4562,7 @@
 </p:sld>
 </file>
 
-<file path=ppt/slides/slide11.xml><?xml version="1.0" encoding="utf-8"?>
+<file path=ppt/slides/slide12.xml><?xml version="1.0" encoding="utf-8"?>
 <p:sld xmlns:a="http://schemas.openxmlformats.org/drawingml/2006/main" xmlns:r="http://schemas.openxmlformats.org/officeDocument/2006/relationships" xmlns:p="http://schemas.openxmlformats.org/presentationml/2006/main">
   <p:cSld>
     <p:bg>
@@ -4739,7 +5058,497 @@
 </p:sld>
 </file>
 
-<file path=ppt/slides/slide12.xml><?xml version="1.0" encoding="utf-8"?>
+<file path=ppt/slides/slide13.xml><?xml version="1.0" encoding="utf-8"?>
+<p:sld xmlns:a="http://schemas.openxmlformats.org/drawingml/2006/main" xmlns:r="http://schemas.openxmlformats.org/officeDocument/2006/relationships" xmlns:p="http://schemas.openxmlformats.org/presentationml/2006/main">
+  <p:cSld>
+    <p:bg>
+      <p:bgPr>
+        <a:solidFill>
+          <a:schemeClr val="tx1"/>
+        </a:solidFill>
+        <a:effectLst/>
+      </p:bgPr>
+    </p:bg>
+    <p:spTree>
+      <p:nvGrpSpPr>
+        <p:cNvPr id="1" name="">
+          <a:extLst>
+            <a:ext uri="{FF2B5EF4-FFF2-40B4-BE49-F238E27FC236}">
+              <a16:creationId xmlns:a16="http://schemas.microsoft.com/office/drawing/2014/main" id="{EB85EBBE-11A4-7778-A8B2-A8F2F8008337}"/>
+            </a:ext>
+          </a:extLst>
+        </p:cNvPr>
+        <p:cNvGrpSpPr/>
+        <p:nvPr/>
+      </p:nvGrpSpPr>
+      <p:grpSpPr>
+        <a:xfrm>
+          <a:off x="0" y="0"/>
+          <a:ext cx="0" cy="0"/>
+          <a:chOff x="0" y="0"/>
+          <a:chExt cx="0" cy="0"/>
+        </a:xfrm>
+      </p:grpSpPr>
+      <p:sp>
+        <p:nvSpPr>
+          <p:cNvPr id="4" name="Textfeld 3">
+            <a:extLst>
+              <a:ext uri="{FF2B5EF4-FFF2-40B4-BE49-F238E27FC236}">
+                <a16:creationId xmlns:a16="http://schemas.microsoft.com/office/drawing/2014/main" id="{FF2B9879-7C4B-55EA-8AB6-F863375CC13B}"/>
+              </a:ext>
+            </a:extLst>
+          </p:cNvPr>
+          <p:cNvSpPr txBox="1"/>
+          <p:nvPr/>
+        </p:nvSpPr>
+        <p:spPr>
+          <a:xfrm>
+            <a:off x="1707406" y="431449"/>
+            <a:ext cx="7682846" cy="5878532"/>
+          </a:xfrm>
+          <a:prstGeom prst="rect">
+            <a:avLst/>
+          </a:prstGeom>
+          <a:noFill/>
+        </p:spPr>
+        <p:txBody>
+          <a:bodyPr wrap="square" rtlCol="0">
+            <a:spAutoFit/>
+          </a:bodyPr>
+          <a:lstStyle/>
+          <a:p>
+            <a:pPr algn="ctr"/>
+            <a:r>
+              <a:rPr lang="de-DE" sz="2000" b="0" dirty="0">
+                <a:solidFill>
+                  <a:schemeClr val="bg1"/>
+                </a:solidFill>
+                <a:effectLst/>
+                <a:latin typeface="Consolas" panose="020B0609020204030204" pitchFamily="49" charset="0"/>
+              </a:rPr>
+              <a:t>Es gibt in diesem Spiel eine Besonderheit: Die Steuerung zur seitlichen Bewegung kann </a:t>
+            </a:r>
+            <a:r>
+              <a:rPr lang="de-DE" sz="2000" b="1" dirty="0">
+                <a:solidFill>
+                  <a:schemeClr val="bg1"/>
+                </a:solidFill>
+                <a:effectLst/>
+                <a:latin typeface="Consolas" panose="020B0609020204030204" pitchFamily="49" charset="0"/>
+              </a:rPr>
+              <a:t>normal</a:t>
+            </a:r>
+            <a:r>
+              <a:rPr lang="de-DE" sz="2000" b="0" dirty="0">
+                <a:solidFill>
+                  <a:schemeClr val="bg1"/>
+                </a:solidFill>
+                <a:effectLst/>
+                <a:latin typeface="Consolas" panose="020B0609020204030204" pitchFamily="49" charset="0"/>
+              </a:rPr>
+              <a:t> oder </a:t>
+            </a:r>
+            <a:r>
+              <a:rPr lang="de-DE" sz="2000" b="1" dirty="0">
+                <a:solidFill>
+                  <a:schemeClr val="bg1"/>
+                </a:solidFill>
+                <a:effectLst/>
+                <a:latin typeface="Consolas" panose="020B0609020204030204" pitchFamily="49" charset="0"/>
+              </a:rPr>
+              <a:t>invertiert</a:t>
+            </a:r>
+            <a:r>
+              <a:rPr lang="de-DE" sz="2000" b="0" dirty="0">
+                <a:solidFill>
+                  <a:schemeClr val="bg1"/>
+                </a:solidFill>
+                <a:effectLst/>
+                <a:latin typeface="Consolas" panose="020B0609020204030204" pitchFamily="49" charset="0"/>
+              </a:rPr>
+              <a:t> sein. </a:t>
+            </a:r>
+          </a:p>
+          <a:p>
+            <a:pPr algn="ctr"/>
+            <a:endParaRPr lang="de-DE" sz="2000" dirty="0">
+              <a:solidFill>
+                <a:schemeClr val="bg1"/>
+              </a:solidFill>
+              <a:latin typeface="Consolas" panose="020B0609020204030204" pitchFamily="49" charset="0"/>
+            </a:endParaRPr>
+          </a:p>
+          <a:p>
+            <a:pPr algn="ctr"/>
+            <a:r>
+              <a:rPr lang="de-DE" sz="2000" b="1" u="sng" dirty="0">
+                <a:solidFill>
+                  <a:schemeClr val="bg1"/>
+                </a:solidFill>
+                <a:effectLst/>
+                <a:latin typeface="Consolas" panose="020B0609020204030204" pitchFamily="49" charset="0"/>
+              </a:rPr>
+              <a:t>Normal</a:t>
+            </a:r>
+            <a:r>
+              <a:rPr lang="de-DE" sz="2000" b="0" dirty="0">
+                <a:solidFill>
+                  <a:schemeClr val="bg1"/>
+                </a:solidFill>
+                <a:effectLst/>
+                <a:latin typeface="Consolas" panose="020B0609020204030204" pitchFamily="49" charset="0"/>
+              </a:rPr>
+              <a:t> bedeutet: Die Taste </a:t>
+            </a:r>
+            <a:r>
+              <a:rPr lang="de-DE" sz="2000" b="1" dirty="0">
+                <a:solidFill>
+                  <a:srgbClr val="00B050"/>
+                </a:solidFill>
+                <a:effectLst/>
+                <a:latin typeface="Consolas" panose="020B0609020204030204" pitchFamily="49" charset="0"/>
+              </a:rPr>
+              <a:t>A</a:t>
+            </a:r>
+            <a:r>
+              <a:rPr lang="de-DE" sz="2000" b="0" dirty="0">
+                <a:solidFill>
+                  <a:schemeClr val="bg1"/>
+                </a:solidFill>
+                <a:effectLst/>
+                <a:latin typeface="Consolas" panose="020B0609020204030204" pitchFamily="49" charset="0"/>
+              </a:rPr>
+              <a:t> steuert nach </a:t>
+            </a:r>
+            <a:r>
+              <a:rPr lang="de-DE" sz="2000" b="0" dirty="0">
+                <a:solidFill>
+                  <a:srgbClr val="00B050"/>
+                </a:solidFill>
+                <a:effectLst/>
+                <a:latin typeface="Consolas" panose="020B0609020204030204" pitchFamily="49" charset="0"/>
+              </a:rPr>
+              <a:t>links</a:t>
+            </a:r>
+            <a:r>
+              <a:rPr lang="de-DE" sz="2000" b="0" dirty="0">
+                <a:solidFill>
+                  <a:schemeClr val="bg1"/>
+                </a:solidFill>
+                <a:effectLst/>
+                <a:latin typeface="Consolas" panose="020B0609020204030204" pitchFamily="49" charset="0"/>
+              </a:rPr>
+              <a:t>, die Taste </a:t>
+            </a:r>
+            <a:r>
+              <a:rPr lang="de-DE" sz="2000" b="1" dirty="0">
+                <a:solidFill>
+                  <a:srgbClr val="FF0000"/>
+                </a:solidFill>
+                <a:effectLst/>
+                <a:latin typeface="Consolas" panose="020B0609020204030204" pitchFamily="49" charset="0"/>
+              </a:rPr>
+              <a:t>D</a:t>
+            </a:r>
+            <a:r>
+              <a:rPr lang="de-DE" sz="2000" b="0" dirty="0">
+                <a:solidFill>
+                  <a:schemeClr val="bg1"/>
+                </a:solidFill>
+                <a:effectLst/>
+                <a:latin typeface="Consolas" panose="020B0609020204030204" pitchFamily="49" charset="0"/>
+              </a:rPr>
+              <a:t> steuert nach </a:t>
+            </a:r>
+            <a:r>
+              <a:rPr lang="de-DE" sz="2000" b="0" dirty="0">
+                <a:solidFill>
+                  <a:srgbClr val="FF0000"/>
+                </a:solidFill>
+                <a:effectLst/>
+                <a:latin typeface="Consolas" panose="020B0609020204030204" pitchFamily="49" charset="0"/>
+              </a:rPr>
+              <a:t>rechts</a:t>
+            </a:r>
+            <a:r>
+              <a:rPr lang="de-DE" sz="2000" b="0" dirty="0">
+                <a:solidFill>
+                  <a:schemeClr val="bg1"/>
+                </a:solidFill>
+                <a:effectLst/>
+                <a:latin typeface="Consolas" panose="020B0609020204030204" pitchFamily="49" charset="0"/>
+              </a:rPr>
+              <a:t>. </a:t>
+            </a:r>
+          </a:p>
+          <a:p>
+            <a:pPr algn="ctr"/>
+            <a:endParaRPr lang="de-DE" sz="2000" dirty="0">
+              <a:solidFill>
+                <a:schemeClr val="bg1"/>
+              </a:solidFill>
+              <a:latin typeface="Consolas" panose="020B0609020204030204" pitchFamily="49" charset="0"/>
+            </a:endParaRPr>
+          </a:p>
+          <a:p>
+            <a:pPr algn="ctr"/>
+            <a:endParaRPr lang="de-DE" sz="2000" b="0" dirty="0">
+              <a:solidFill>
+                <a:schemeClr val="bg1"/>
+              </a:solidFill>
+              <a:effectLst/>
+              <a:latin typeface="Consolas" panose="020B0609020204030204" pitchFamily="49" charset="0"/>
+            </a:endParaRPr>
+          </a:p>
+          <a:p>
+            <a:pPr algn="ctr"/>
+            <a:r>
+              <a:rPr lang="de-DE" sz="2000" b="1" u="sng" dirty="0">
+                <a:solidFill>
+                  <a:schemeClr val="bg1"/>
+                </a:solidFill>
+                <a:effectLst/>
+                <a:latin typeface="Consolas" panose="020B0609020204030204" pitchFamily="49" charset="0"/>
+              </a:rPr>
+              <a:t>Invertiert</a:t>
+            </a:r>
+            <a:r>
+              <a:rPr lang="de-DE" sz="2000" b="0" dirty="0">
+                <a:solidFill>
+                  <a:schemeClr val="bg1"/>
+                </a:solidFill>
+                <a:effectLst/>
+                <a:latin typeface="Consolas" panose="020B0609020204030204" pitchFamily="49" charset="0"/>
+              </a:rPr>
+              <a:t> bedeutet: Die Taste </a:t>
+            </a:r>
+            <a:r>
+              <a:rPr lang="de-DE" sz="2000" b="0" dirty="0">
+                <a:solidFill>
+                  <a:srgbClr val="FF0000"/>
+                </a:solidFill>
+                <a:effectLst/>
+                <a:latin typeface="Consolas" panose="020B0609020204030204" pitchFamily="49" charset="0"/>
+              </a:rPr>
+              <a:t>A</a:t>
+            </a:r>
+            <a:r>
+              <a:rPr lang="de-DE" sz="2000" b="0" dirty="0">
+                <a:solidFill>
+                  <a:schemeClr val="bg1"/>
+                </a:solidFill>
+                <a:effectLst/>
+                <a:latin typeface="Consolas" panose="020B0609020204030204" pitchFamily="49" charset="0"/>
+              </a:rPr>
+              <a:t> steuert nach </a:t>
+            </a:r>
+            <a:r>
+              <a:rPr lang="de-DE" sz="2000" b="0" dirty="0">
+                <a:solidFill>
+                  <a:srgbClr val="FF0000"/>
+                </a:solidFill>
+                <a:effectLst/>
+                <a:latin typeface="Consolas" panose="020B0609020204030204" pitchFamily="49" charset="0"/>
+              </a:rPr>
+              <a:t>rechts</a:t>
+            </a:r>
+            <a:r>
+              <a:rPr lang="de-DE" sz="2000" b="0" dirty="0">
+                <a:solidFill>
+                  <a:schemeClr val="bg1"/>
+                </a:solidFill>
+                <a:effectLst/>
+                <a:latin typeface="Consolas" panose="020B0609020204030204" pitchFamily="49" charset="0"/>
+              </a:rPr>
+              <a:t>, die Taste </a:t>
+            </a:r>
+            <a:r>
+              <a:rPr lang="de-DE" sz="2000" b="0" dirty="0">
+                <a:solidFill>
+                  <a:srgbClr val="00B050"/>
+                </a:solidFill>
+                <a:effectLst/>
+                <a:latin typeface="Consolas" panose="020B0609020204030204" pitchFamily="49" charset="0"/>
+              </a:rPr>
+              <a:t>D</a:t>
+            </a:r>
+            <a:r>
+              <a:rPr lang="de-DE" sz="2000" b="0" dirty="0">
+                <a:solidFill>
+                  <a:schemeClr val="bg1"/>
+                </a:solidFill>
+                <a:effectLst/>
+                <a:latin typeface="Consolas" panose="020B0609020204030204" pitchFamily="49" charset="0"/>
+              </a:rPr>
+              <a:t> steuert nach </a:t>
+            </a:r>
+            <a:r>
+              <a:rPr lang="de-DE" sz="2000" b="0" dirty="0">
+                <a:solidFill>
+                  <a:srgbClr val="00B050"/>
+                </a:solidFill>
+                <a:effectLst/>
+                <a:latin typeface="Consolas" panose="020B0609020204030204" pitchFamily="49" charset="0"/>
+              </a:rPr>
+              <a:t>links</a:t>
+            </a:r>
+            <a:r>
+              <a:rPr lang="de-DE" sz="2000" dirty="0">
+                <a:solidFill>
+                  <a:schemeClr val="bg1"/>
+                </a:solidFill>
+                <a:latin typeface="Consolas" panose="020B0609020204030204" pitchFamily="49" charset="0"/>
+              </a:rPr>
+              <a:t>.</a:t>
+            </a:r>
+          </a:p>
+          <a:p>
+            <a:endParaRPr lang="de-DE" sz="2000" b="0" dirty="0">
+              <a:solidFill>
+                <a:srgbClr val="CE9178"/>
+              </a:solidFill>
+              <a:effectLst/>
+              <a:latin typeface="Consolas" panose="020B0609020204030204" pitchFamily="49" charset="0"/>
+            </a:endParaRPr>
+          </a:p>
+          <a:p>
+            <a:endParaRPr lang="de-DE" sz="2000" b="0" dirty="0">
+              <a:solidFill>
+                <a:srgbClr val="CCCCCC"/>
+              </a:solidFill>
+              <a:effectLst/>
+              <a:latin typeface="Consolas" panose="020B0609020204030204" pitchFamily="49" charset="0"/>
+            </a:endParaRPr>
+          </a:p>
+          <a:p>
+            <a:pPr algn="ctr"/>
+            <a:r>
+              <a:rPr lang="de-DE" sz="8000" dirty="0">
+                <a:solidFill>
+                  <a:srgbClr val="00B050"/>
+                </a:solidFill>
+                <a:sym typeface="Wingdings" panose="05000000000000000000" pitchFamily="2" charset="2"/>
+              </a:rPr>
+              <a:t>←</a:t>
+            </a:r>
+            <a:r>
+              <a:rPr lang="de-DE" sz="8000" dirty="0">
+                <a:solidFill>
+                  <a:schemeClr val="bg1"/>
+                </a:solidFill>
+                <a:sym typeface="Wingdings" panose="05000000000000000000" pitchFamily="2" charset="2"/>
+              </a:rPr>
+              <a:t>                  </a:t>
+            </a:r>
+            <a:r>
+              <a:rPr lang="de-DE" sz="8000" dirty="0">
+                <a:solidFill>
+                  <a:srgbClr val="FF0000"/>
+                </a:solidFill>
+                <a:sym typeface="Wingdings" panose="05000000000000000000" pitchFamily="2" charset="2"/>
+              </a:rPr>
+              <a:t>→</a:t>
+            </a:r>
+          </a:p>
+          <a:p>
+            <a:pPr algn="ctr"/>
+            <a:endParaRPr lang="de-DE" dirty="0">
+              <a:solidFill>
+                <a:schemeClr val="bg1"/>
+              </a:solidFill>
+              <a:sym typeface="Wingdings" panose="05000000000000000000" pitchFamily="2" charset="2"/>
+            </a:endParaRPr>
+          </a:p>
+          <a:p>
+            <a:pPr algn="ctr"/>
+            <a:endParaRPr lang="de-DE" dirty="0">
+              <a:solidFill>
+                <a:schemeClr val="bg1"/>
+              </a:solidFill>
+              <a:sym typeface="Wingdings" panose="05000000000000000000" pitchFamily="2" charset="2"/>
+            </a:endParaRPr>
+          </a:p>
+          <a:p>
+            <a:pPr algn="ctr"/>
+            <a:r>
+              <a:rPr lang="de-DE" sz="2000" dirty="0">
+                <a:solidFill>
+                  <a:schemeClr val="bg1"/>
+                </a:solidFill>
+                <a:sym typeface="Wingdings" panose="05000000000000000000" pitchFamily="2" charset="2"/>
+              </a:rPr>
+              <a:t>Bitte die </a:t>
+            </a:r>
+            <a:r>
+              <a:rPr lang="de-DE" sz="2000" b="1" dirty="0">
+                <a:solidFill>
+                  <a:schemeClr val="bg1"/>
+                </a:solidFill>
+                <a:sym typeface="Wingdings" panose="05000000000000000000" pitchFamily="2" charset="2"/>
+              </a:rPr>
+              <a:t>LEERTASTE</a:t>
+            </a:r>
+            <a:r>
+              <a:rPr lang="de-DE" sz="2000" dirty="0">
+                <a:solidFill>
+                  <a:schemeClr val="bg1"/>
+                </a:solidFill>
+                <a:sym typeface="Wingdings" panose="05000000000000000000" pitchFamily="2" charset="2"/>
+              </a:rPr>
+              <a:t> drücken, um fortzufahren</a:t>
+            </a:r>
+            <a:endParaRPr lang="de-DE" sz="2000" dirty="0">
+              <a:solidFill>
+                <a:schemeClr val="bg1"/>
+              </a:solidFill>
+            </a:endParaRPr>
+          </a:p>
+        </p:txBody>
+      </p:sp>
+      <p:pic>
+        <p:nvPicPr>
+          <p:cNvPr id="5" name="Grafik 4">
+            <a:extLst>
+              <a:ext uri="{FF2B5EF4-FFF2-40B4-BE49-F238E27FC236}">
+                <a16:creationId xmlns:a16="http://schemas.microsoft.com/office/drawing/2014/main" id="{02A00832-227E-2EF7-DCBF-93BEB01C57CA}"/>
+              </a:ext>
+            </a:extLst>
+          </p:cNvPr>
+          <p:cNvPicPr>
+            <a:picLocks noChangeAspect="1"/>
+          </p:cNvPicPr>
+          <p:nvPr/>
+        </p:nvPicPr>
+        <p:blipFill>
+          <a:blip r:embed="rId2"/>
+          <a:stretch>
+            <a:fillRect/>
+          </a:stretch>
+        </p:blipFill>
+        <p:spPr>
+          <a:xfrm>
+            <a:off x="4067579" y="3646759"/>
+            <a:ext cx="2824928" cy="2086645"/>
+          </a:xfrm>
+          <a:prstGeom prst="rect">
+            <a:avLst/>
+          </a:prstGeom>
+        </p:spPr>
+      </p:pic>
+    </p:spTree>
+    <p:extLst>
+      <p:ext uri="{BB962C8B-B14F-4D97-AF65-F5344CB8AC3E}">
+        <p14:creationId xmlns:p14="http://schemas.microsoft.com/office/powerpoint/2010/main" val="583673514"/>
+      </p:ext>
+    </p:extLst>
+  </p:cSld>
+  <p:clrMapOvr>
+    <a:masterClrMapping/>
+  </p:clrMapOvr>
+</p:sld>
+</file>
+
+<file path=ppt/slides/slide14.xml><?xml version="1.0" encoding="utf-8"?>
 <p:sld xmlns:a="http://schemas.openxmlformats.org/drawingml/2006/main" xmlns:r="http://schemas.openxmlformats.org/officeDocument/2006/relationships" xmlns:p="http://schemas.openxmlformats.org/presentationml/2006/main">
   <p:cSld>
     <p:bg>
@@ -4985,7 +5794,7 @@
 </p:sld>
 </file>
 
-<file path=ppt/slides/slide13.xml><?xml version="1.0" encoding="utf-8"?>
+<file path=ppt/slides/slide15.xml><?xml version="1.0" encoding="utf-8"?>
 <p:sld xmlns:a="http://schemas.openxmlformats.org/drawingml/2006/main" xmlns:r="http://schemas.openxmlformats.org/officeDocument/2006/relationships" xmlns:p="http://schemas.openxmlformats.org/presentationml/2006/main">
   <p:cSld>
     <p:bg>
@@ -5104,7 +5913,7 @@
                 <a:effectLst/>
                 <a:latin typeface="Consolas" panose="020B0609020204030204" pitchFamily="49" charset="0"/>
               </a:rPr>
-              <a:t>Sobald Sie das Monster erschossen haben, erscheint ein kurzer Zwischenbildschirm. Bitte achten Sie darauf, </a:t>
+              <a:t>Sobald Sie das Ziel getroffen haben, erscheint ein kurzer Zwischenbildschirm. Bitte achten Sie darauf, </a:t>
             </a:r>
             <a:r>
               <a:rPr lang="de-DE" sz="2000" b="1" dirty="0">
@@ -5155,7 +5964,7 @@
                 </a:solidFill>
                 <a:latin typeface="Consolas" panose="020B0609020204030204" pitchFamily="49" charset="0"/>
               </a:rPr>
-              <a:t>Es kann passieren, dass die Kreatur nicht erscheint. Das ist ein Fehler des Spiels. Lassen Sie sich nicht verunsichern und warten Sie, nach wenigen Sekunden startet automatisch der nächste Durchlauf</a:t>
+              <a:t>Es kann passieren, dass das Ziel nicht erscheint. Das ist ein Fehler des Spiels. Lassen Sie sich nicht verunsichern und warten Sie, nach wenigen Sekunden startet automatisch der nächste Durchlauf</a:t>
             </a:r>
             <a:endParaRPr lang="de-DE" sz="2000" dirty="0">
               <a:solidFill>
@@ -5326,314 +6135,6 @@
     <p:extLst>
       <p:ext uri="{BB962C8B-B14F-4D97-AF65-F5344CB8AC3E}">
         <p14:creationId xmlns:p14="http://schemas.microsoft.com/office/powerpoint/2010/main" val="752187564"/>
-      </p:ext>
-    </p:extLst>
-  </p:cSld>
-  <p:clrMapOvr>
-    <a:masterClrMapping/>
-  </p:clrMapOvr>
-</p:sld>
-</file>
-
-<file path=ppt/slides/slide14.xml><?xml version="1.0" encoding="utf-8"?>
-<p:sld xmlns:a="http://schemas.openxmlformats.org/drawingml/2006/main" xmlns:r="http://schemas.openxmlformats.org/officeDocument/2006/relationships" xmlns:p="http://schemas.openxmlformats.org/presentationml/2006/main">
-  <p:cSld>
-    <p:bg>
-      <p:bgPr>
-        <a:solidFill>
-          <a:schemeClr val="tx1"/>
-        </a:solidFill>
-        <a:effectLst/>
-      </p:bgPr>
-    </p:bg>
-    <p:spTree>
-      <p:nvGrpSpPr>
-        <p:cNvPr id="1" name="">
-          <a:extLst>
-            <a:ext uri="{FF2B5EF4-FFF2-40B4-BE49-F238E27FC236}">
-              <a16:creationId xmlns:a16="http://schemas.microsoft.com/office/drawing/2014/main" id="{2F555E54-302D-FAF5-8B61-33E8328B6B4F}"/>
-            </a:ext>
-          </a:extLst>
-        </p:cNvPr>
-        <p:cNvGrpSpPr/>
-        <p:nvPr/>
-      </p:nvGrpSpPr>
-      <p:grpSpPr>
-        <a:xfrm>
-          <a:off x="0" y="0"/>
-          <a:ext cx="0" cy="0"/>
-          <a:chOff x="0" y="0"/>
-          <a:chExt cx="0" cy="0"/>
-        </a:xfrm>
-      </p:grpSpPr>
-      <p:sp>
-        <p:nvSpPr>
-          <p:cNvPr id="4" name="Textfeld 3">
-            <a:extLst>
-              <a:ext uri="{FF2B5EF4-FFF2-40B4-BE49-F238E27FC236}">
-                <a16:creationId xmlns:a16="http://schemas.microsoft.com/office/drawing/2014/main" id="{7BAA204B-745F-1A14-8016-08FF53D32972}"/>
-              </a:ext>
-            </a:extLst>
-          </p:cNvPr>
-          <p:cNvSpPr txBox="1"/>
-          <p:nvPr/>
-        </p:nvSpPr>
-        <p:spPr>
-          <a:xfrm>
-            <a:off x="1603889" y="1751291"/>
-            <a:ext cx="7682846" cy="2585323"/>
-          </a:xfrm>
-          <a:prstGeom prst="rect">
-            <a:avLst/>
-          </a:prstGeom>
-          <a:noFill/>
-        </p:spPr>
-        <p:txBody>
-          <a:bodyPr wrap="square" rtlCol="0">
-            <a:spAutoFit/>
-          </a:bodyPr>
-          <a:lstStyle/>
-          <a:p>
-            <a:pPr algn="ctr"/>
-            <a:r>
-              <a:rPr lang="de-DE" sz="4400" dirty="0">
-                <a:solidFill>
-                  <a:schemeClr val="bg1"/>
-                </a:solidFill>
-                <a:latin typeface="Consolas" panose="020B0609020204030204" pitchFamily="49" charset="0"/>
-              </a:rPr>
-              <a:t>Gut gemacht!</a:t>
-            </a:r>
-          </a:p>
-          <a:p>
-            <a:pPr algn="ctr"/>
-            <a:r>
-              <a:rPr lang="de-DE" sz="4400" b="0" dirty="0">
-                <a:solidFill>
-                  <a:schemeClr val="bg1"/>
-                </a:solidFill>
-                <a:effectLst/>
-                <a:latin typeface="Consolas" panose="020B0609020204030204" pitchFamily="49" charset="0"/>
-              </a:rPr>
-              <a:t>Das war das erste Spiel.</a:t>
-            </a:r>
-          </a:p>
-          <a:p>
-            <a:pPr algn="ctr"/>
-            <a:endParaRPr lang="de-DE" dirty="0">
-              <a:solidFill>
-                <a:schemeClr val="bg1"/>
-              </a:solidFill>
-              <a:sym typeface="Wingdings" panose="05000000000000000000" pitchFamily="2" charset="2"/>
-            </a:endParaRPr>
-          </a:p>
-          <a:p>
-            <a:pPr algn="ctr"/>
-            <a:endParaRPr lang="de-DE" dirty="0">
-              <a:solidFill>
-                <a:schemeClr val="bg1"/>
-              </a:solidFill>
-              <a:sym typeface="Wingdings" panose="05000000000000000000" pitchFamily="2" charset="2"/>
-            </a:endParaRPr>
-          </a:p>
-          <a:p>
-            <a:pPr algn="ctr"/>
-            <a:endParaRPr lang="de-DE" dirty="0">
-              <a:solidFill>
-                <a:schemeClr val="bg1"/>
-              </a:solidFill>
-              <a:sym typeface="Wingdings" panose="05000000000000000000" pitchFamily="2" charset="2"/>
-            </a:endParaRPr>
-          </a:p>
-          <a:p>
-            <a:pPr algn="ctr"/>
-            <a:r>
-              <a:rPr lang="de-DE" sz="2000" dirty="0">
-                <a:solidFill>
-                  <a:schemeClr val="bg1"/>
-                </a:solidFill>
-                <a:sym typeface="Wingdings" panose="05000000000000000000" pitchFamily="2" charset="2"/>
-              </a:rPr>
-              <a:t>Bitte die </a:t>
-            </a:r>
-            <a:r>
-              <a:rPr lang="de-DE" sz="2000" b="1" dirty="0">
-                <a:solidFill>
-                  <a:schemeClr val="bg1"/>
-                </a:solidFill>
-                <a:sym typeface="Wingdings" panose="05000000000000000000" pitchFamily="2" charset="2"/>
-              </a:rPr>
-              <a:t>LEERTASTE</a:t>
-            </a:r>
-            <a:r>
-              <a:rPr lang="de-DE" sz="2000" dirty="0">
-                <a:solidFill>
-                  <a:schemeClr val="bg1"/>
-                </a:solidFill>
-                <a:sym typeface="Wingdings" panose="05000000000000000000" pitchFamily="2" charset="2"/>
-              </a:rPr>
-              <a:t> drücken, um fortzufahren</a:t>
-            </a:r>
-            <a:endParaRPr lang="de-DE" sz="2000" dirty="0">
-              <a:solidFill>
-                <a:schemeClr val="bg1"/>
-              </a:solidFill>
-            </a:endParaRPr>
-          </a:p>
-        </p:txBody>
-      </p:sp>
-    </p:spTree>
-    <p:extLst>
-      <p:ext uri="{BB962C8B-B14F-4D97-AF65-F5344CB8AC3E}">
-        <p14:creationId xmlns:p14="http://schemas.microsoft.com/office/powerpoint/2010/main" val="1277864588"/>
-      </p:ext>
-    </p:extLst>
-  </p:cSld>
-  <p:clrMapOvr>
-    <a:masterClrMapping/>
-  </p:clrMapOvr>
-</p:sld>
-</file>
-
-<file path=ppt/slides/slide15.xml><?xml version="1.0" encoding="utf-8"?>
-<p:sld xmlns:a="http://schemas.openxmlformats.org/drawingml/2006/main" xmlns:r="http://schemas.openxmlformats.org/officeDocument/2006/relationships" xmlns:p="http://schemas.openxmlformats.org/presentationml/2006/main">
-  <p:cSld>
-    <p:bg>
-      <p:bgPr>
-        <a:solidFill>
-          <a:schemeClr val="tx1"/>
-        </a:solidFill>
-        <a:effectLst/>
-      </p:bgPr>
-    </p:bg>
-    <p:spTree>
-      <p:nvGrpSpPr>
-        <p:cNvPr id="1" name="">
-          <a:extLst>
-            <a:ext uri="{FF2B5EF4-FFF2-40B4-BE49-F238E27FC236}">
-              <a16:creationId xmlns:a16="http://schemas.microsoft.com/office/drawing/2014/main" id="{2F555E54-302D-FAF5-8B61-33E8328B6B4F}"/>
-            </a:ext>
-          </a:extLst>
-        </p:cNvPr>
-        <p:cNvGrpSpPr/>
-        <p:nvPr/>
-      </p:nvGrpSpPr>
-      <p:grpSpPr>
-        <a:xfrm>
-          <a:off x="0" y="0"/>
-          <a:ext cx="0" cy="0"/>
-          <a:chOff x="0" y="0"/>
-          <a:chExt cx="0" cy="0"/>
-        </a:xfrm>
-      </p:grpSpPr>
-      <p:sp>
-        <p:nvSpPr>
-          <p:cNvPr id="4" name="Textfeld 3">
-            <a:extLst>
-              <a:ext uri="{FF2B5EF4-FFF2-40B4-BE49-F238E27FC236}">
-                <a16:creationId xmlns:a16="http://schemas.microsoft.com/office/drawing/2014/main" id="{7BAA204B-745F-1A14-8016-08FF53D32972}"/>
-              </a:ext>
-            </a:extLst>
-          </p:cNvPr>
-          <p:cNvSpPr txBox="1"/>
-          <p:nvPr/>
-        </p:nvSpPr>
-        <p:spPr>
-          <a:xfrm>
-            <a:off x="1603888" y="1751291"/>
-            <a:ext cx="7954179" cy="3262432"/>
-          </a:xfrm>
-          <a:prstGeom prst="rect">
-            <a:avLst/>
-          </a:prstGeom>
-          <a:noFill/>
-        </p:spPr>
-        <p:txBody>
-          <a:bodyPr wrap="square" rtlCol="0">
-            <a:spAutoFit/>
-          </a:bodyPr>
-          <a:lstStyle/>
-          <a:p>
-            <a:pPr algn="ctr"/>
-            <a:r>
-              <a:rPr lang="de-DE" sz="4400" b="0" dirty="0">
-                <a:solidFill>
-                  <a:schemeClr val="bg1"/>
-                </a:solidFill>
-                <a:effectLst/>
-                <a:latin typeface="Consolas" panose="020B0609020204030204" pitchFamily="49" charset="0"/>
-              </a:rPr>
-              <a:t>Wenn Sie möchten, machen Sie eine kurze Pause und fahren dann fort.</a:t>
-            </a:r>
-          </a:p>
-          <a:p>
-            <a:pPr algn="ctr"/>
-            <a:endParaRPr lang="de-DE" dirty="0">
-              <a:solidFill>
-                <a:schemeClr val="bg1"/>
-              </a:solidFill>
-              <a:sym typeface="Wingdings" panose="05000000000000000000" pitchFamily="2" charset="2"/>
-            </a:endParaRPr>
-          </a:p>
-          <a:p>
-            <a:pPr algn="ctr"/>
-            <a:endParaRPr lang="de-DE" dirty="0">
-              <a:solidFill>
-                <a:schemeClr val="bg1"/>
-              </a:solidFill>
-              <a:sym typeface="Wingdings" panose="05000000000000000000" pitchFamily="2" charset="2"/>
-            </a:endParaRPr>
-          </a:p>
-          <a:p>
-            <a:pPr algn="ctr"/>
-            <a:endParaRPr lang="de-DE" dirty="0">
-              <a:solidFill>
-                <a:schemeClr val="bg1"/>
-              </a:solidFill>
-              <a:sym typeface="Wingdings" panose="05000000000000000000" pitchFamily="2" charset="2"/>
-            </a:endParaRPr>
-          </a:p>
-          <a:p>
-            <a:pPr algn="ctr"/>
-            <a:r>
-              <a:rPr lang="de-DE" sz="2000" dirty="0">
-                <a:solidFill>
-                  <a:schemeClr val="bg1"/>
-                </a:solidFill>
-                <a:sym typeface="Wingdings" panose="05000000000000000000" pitchFamily="2" charset="2"/>
-              </a:rPr>
-              <a:t>Bitte die </a:t>
-            </a:r>
-            <a:r>
-              <a:rPr lang="de-DE" sz="2000" b="1" dirty="0">
-                <a:solidFill>
-                  <a:schemeClr val="bg1"/>
-                </a:solidFill>
-                <a:sym typeface="Wingdings" panose="05000000000000000000" pitchFamily="2" charset="2"/>
-              </a:rPr>
-              <a:t>LEERTASTE</a:t>
-            </a:r>
-            <a:r>
-              <a:rPr lang="de-DE" sz="2000" dirty="0">
-                <a:solidFill>
-                  <a:schemeClr val="bg1"/>
-                </a:solidFill>
-                <a:sym typeface="Wingdings" panose="05000000000000000000" pitchFamily="2" charset="2"/>
-              </a:rPr>
-              <a:t> drücken, um fortzufahren</a:t>
-            </a:r>
-            <a:endParaRPr lang="de-DE" sz="2000" dirty="0">
-              <a:solidFill>
-                <a:schemeClr val="bg1"/>
-              </a:solidFill>
-            </a:endParaRPr>
-          </a:p>
-        </p:txBody>
-      </p:sp>
-    </p:spTree>
-    <p:extLst>
-      <p:ext uri="{BB962C8B-B14F-4D97-AF65-F5344CB8AC3E}">
-        <p14:creationId xmlns:p14="http://schemas.microsoft.com/office/powerpoint/2010/main" val="478037220"/>
       </p:ext>
     </p:extLst>
   </p:cSld>
@@ -5688,6 +6189,314 @@
         </p:nvSpPr>
         <p:spPr>
           <a:xfrm>
+            <a:off x="1603889" y="1751291"/>
+            <a:ext cx="7682846" cy="2585323"/>
+          </a:xfrm>
+          <a:prstGeom prst="rect">
+            <a:avLst/>
+          </a:prstGeom>
+          <a:noFill/>
+        </p:spPr>
+        <p:txBody>
+          <a:bodyPr wrap="square" rtlCol="0">
+            <a:spAutoFit/>
+          </a:bodyPr>
+          <a:lstStyle/>
+          <a:p>
+            <a:pPr algn="ctr"/>
+            <a:r>
+              <a:rPr lang="de-DE" sz="4400" dirty="0">
+                <a:solidFill>
+                  <a:schemeClr val="bg1"/>
+                </a:solidFill>
+                <a:latin typeface="Consolas" panose="020B0609020204030204" pitchFamily="49" charset="0"/>
+              </a:rPr>
+              <a:t>Gut gemacht!</a:t>
+            </a:r>
+          </a:p>
+          <a:p>
+            <a:pPr algn="ctr"/>
+            <a:r>
+              <a:rPr lang="de-DE" sz="4400" b="0" dirty="0">
+                <a:solidFill>
+                  <a:schemeClr val="bg1"/>
+                </a:solidFill>
+                <a:effectLst/>
+                <a:latin typeface="Consolas" panose="020B0609020204030204" pitchFamily="49" charset="0"/>
+              </a:rPr>
+              <a:t>Das war das erste Spiel.</a:t>
+            </a:r>
+          </a:p>
+          <a:p>
+            <a:pPr algn="ctr"/>
+            <a:endParaRPr lang="de-DE" dirty="0">
+              <a:solidFill>
+                <a:schemeClr val="bg1"/>
+              </a:solidFill>
+              <a:sym typeface="Wingdings" panose="05000000000000000000" pitchFamily="2" charset="2"/>
+            </a:endParaRPr>
+          </a:p>
+          <a:p>
+            <a:pPr algn="ctr"/>
+            <a:endParaRPr lang="de-DE" dirty="0">
+              <a:solidFill>
+                <a:schemeClr val="bg1"/>
+              </a:solidFill>
+              <a:sym typeface="Wingdings" panose="05000000000000000000" pitchFamily="2" charset="2"/>
+            </a:endParaRPr>
+          </a:p>
+          <a:p>
+            <a:pPr algn="ctr"/>
+            <a:endParaRPr lang="de-DE" dirty="0">
+              <a:solidFill>
+                <a:schemeClr val="bg1"/>
+              </a:solidFill>
+              <a:sym typeface="Wingdings" panose="05000000000000000000" pitchFamily="2" charset="2"/>
+            </a:endParaRPr>
+          </a:p>
+          <a:p>
+            <a:pPr algn="ctr"/>
+            <a:r>
+              <a:rPr lang="de-DE" sz="2000" dirty="0">
+                <a:solidFill>
+                  <a:schemeClr val="bg1"/>
+                </a:solidFill>
+                <a:sym typeface="Wingdings" panose="05000000000000000000" pitchFamily="2" charset="2"/>
+              </a:rPr>
+              <a:t>Bitte die </a:t>
+            </a:r>
+            <a:r>
+              <a:rPr lang="de-DE" sz="2000" b="1" dirty="0">
+                <a:solidFill>
+                  <a:schemeClr val="bg1"/>
+                </a:solidFill>
+                <a:sym typeface="Wingdings" panose="05000000000000000000" pitchFamily="2" charset="2"/>
+              </a:rPr>
+              <a:t>LEERTASTE</a:t>
+            </a:r>
+            <a:r>
+              <a:rPr lang="de-DE" sz="2000" dirty="0">
+                <a:solidFill>
+                  <a:schemeClr val="bg1"/>
+                </a:solidFill>
+                <a:sym typeface="Wingdings" panose="05000000000000000000" pitchFamily="2" charset="2"/>
+              </a:rPr>
+              <a:t> drücken, um fortzufahren</a:t>
+            </a:r>
+            <a:endParaRPr lang="de-DE" sz="2000" dirty="0">
+              <a:solidFill>
+                <a:schemeClr val="bg1"/>
+              </a:solidFill>
+            </a:endParaRPr>
+          </a:p>
+        </p:txBody>
+      </p:sp>
+    </p:spTree>
+    <p:extLst>
+      <p:ext uri="{BB962C8B-B14F-4D97-AF65-F5344CB8AC3E}">
+        <p14:creationId xmlns:p14="http://schemas.microsoft.com/office/powerpoint/2010/main" val="1277864588"/>
+      </p:ext>
+    </p:extLst>
+  </p:cSld>
+  <p:clrMapOvr>
+    <a:masterClrMapping/>
+  </p:clrMapOvr>
+</p:sld>
+</file>
+
+<file path=ppt/slides/slide17.xml><?xml version="1.0" encoding="utf-8"?>
+<p:sld xmlns:a="http://schemas.openxmlformats.org/drawingml/2006/main" xmlns:r="http://schemas.openxmlformats.org/officeDocument/2006/relationships" xmlns:p="http://schemas.openxmlformats.org/presentationml/2006/main">
+  <p:cSld>
+    <p:bg>
+      <p:bgPr>
+        <a:solidFill>
+          <a:schemeClr val="tx1"/>
+        </a:solidFill>
+        <a:effectLst/>
+      </p:bgPr>
+    </p:bg>
+    <p:spTree>
+      <p:nvGrpSpPr>
+        <p:cNvPr id="1" name="">
+          <a:extLst>
+            <a:ext uri="{FF2B5EF4-FFF2-40B4-BE49-F238E27FC236}">
+              <a16:creationId xmlns:a16="http://schemas.microsoft.com/office/drawing/2014/main" id="{2F555E54-302D-FAF5-8B61-33E8328B6B4F}"/>
+            </a:ext>
+          </a:extLst>
+        </p:cNvPr>
+        <p:cNvGrpSpPr/>
+        <p:nvPr/>
+      </p:nvGrpSpPr>
+      <p:grpSpPr>
+        <a:xfrm>
+          <a:off x="0" y="0"/>
+          <a:ext cx="0" cy="0"/>
+          <a:chOff x="0" y="0"/>
+          <a:chExt cx="0" cy="0"/>
+        </a:xfrm>
+      </p:grpSpPr>
+      <p:sp>
+        <p:nvSpPr>
+          <p:cNvPr id="4" name="Textfeld 3">
+            <a:extLst>
+              <a:ext uri="{FF2B5EF4-FFF2-40B4-BE49-F238E27FC236}">
+                <a16:creationId xmlns:a16="http://schemas.microsoft.com/office/drawing/2014/main" id="{7BAA204B-745F-1A14-8016-08FF53D32972}"/>
+              </a:ext>
+            </a:extLst>
+          </p:cNvPr>
+          <p:cNvSpPr txBox="1"/>
+          <p:nvPr/>
+        </p:nvSpPr>
+        <p:spPr>
+          <a:xfrm>
+            <a:off x="1603888" y="1751291"/>
+            <a:ext cx="7954179" cy="3262432"/>
+          </a:xfrm>
+          <a:prstGeom prst="rect">
+            <a:avLst/>
+          </a:prstGeom>
+          <a:noFill/>
+        </p:spPr>
+        <p:txBody>
+          <a:bodyPr wrap="square" rtlCol="0">
+            <a:spAutoFit/>
+          </a:bodyPr>
+          <a:lstStyle/>
+          <a:p>
+            <a:pPr algn="ctr"/>
+            <a:r>
+              <a:rPr lang="de-DE" sz="4400" b="0" dirty="0">
+                <a:solidFill>
+                  <a:schemeClr val="bg1"/>
+                </a:solidFill>
+                <a:effectLst/>
+                <a:latin typeface="Consolas" panose="020B0609020204030204" pitchFamily="49" charset="0"/>
+              </a:rPr>
+              <a:t>Wenn Sie möchten, machen Sie eine kurze Pause und fahren dann fort.</a:t>
+            </a:r>
+          </a:p>
+          <a:p>
+            <a:pPr algn="ctr"/>
+            <a:endParaRPr lang="de-DE" dirty="0">
+              <a:solidFill>
+                <a:schemeClr val="bg1"/>
+              </a:solidFill>
+              <a:sym typeface="Wingdings" panose="05000000000000000000" pitchFamily="2" charset="2"/>
+            </a:endParaRPr>
+          </a:p>
+          <a:p>
+            <a:pPr algn="ctr"/>
+            <a:endParaRPr lang="de-DE" dirty="0">
+              <a:solidFill>
+                <a:schemeClr val="bg1"/>
+              </a:solidFill>
+              <a:sym typeface="Wingdings" panose="05000000000000000000" pitchFamily="2" charset="2"/>
+            </a:endParaRPr>
+          </a:p>
+          <a:p>
+            <a:pPr algn="ctr"/>
+            <a:endParaRPr lang="de-DE" dirty="0">
+              <a:solidFill>
+                <a:schemeClr val="bg1"/>
+              </a:solidFill>
+              <a:sym typeface="Wingdings" panose="05000000000000000000" pitchFamily="2" charset="2"/>
+            </a:endParaRPr>
+          </a:p>
+          <a:p>
+            <a:pPr algn="ctr"/>
+            <a:r>
+              <a:rPr lang="de-DE" sz="2000" dirty="0">
+                <a:solidFill>
+                  <a:schemeClr val="bg1"/>
+                </a:solidFill>
+                <a:sym typeface="Wingdings" panose="05000000000000000000" pitchFamily="2" charset="2"/>
+              </a:rPr>
+              <a:t>Bitte die </a:t>
+            </a:r>
+            <a:r>
+              <a:rPr lang="de-DE" sz="2000" b="1" dirty="0">
+                <a:solidFill>
+                  <a:schemeClr val="bg1"/>
+                </a:solidFill>
+                <a:sym typeface="Wingdings" panose="05000000000000000000" pitchFamily="2" charset="2"/>
+              </a:rPr>
+              <a:t>LEERTASTE</a:t>
+            </a:r>
+            <a:r>
+              <a:rPr lang="de-DE" sz="2000" dirty="0">
+                <a:solidFill>
+                  <a:schemeClr val="bg1"/>
+                </a:solidFill>
+                <a:sym typeface="Wingdings" panose="05000000000000000000" pitchFamily="2" charset="2"/>
+              </a:rPr>
+              <a:t> drücken, um fortzufahren</a:t>
+            </a:r>
+            <a:endParaRPr lang="de-DE" sz="2000" dirty="0">
+              <a:solidFill>
+                <a:schemeClr val="bg1"/>
+              </a:solidFill>
+            </a:endParaRPr>
+          </a:p>
+        </p:txBody>
+      </p:sp>
+    </p:spTree>
+    <p:extLst>
+      <p:ext uri="{BB962C8B-B14F-4D97-AF65-F5344CB8AC3E}">
+        <p14:creationId xmlns:p14="http://schemas.microsoft.com/office/powerpoint/2010/main" val="478037220"/>
+      </p:ext>
+    </p:extLst>
+  </p:cSld>
+  <p:clrMapOvr>
+    <a:masterClrMapping/>
+  </p:clrMapOvr>
+</p:sld>
+</file>
+
+<file path=ppt/slides/slide18.xml><?xml version="1.0" encoding="utf-8"?>
+<p:sld xmlns:a="http://schemas.openxmlformats.org/drawingml/2006/main" xmlns:r="http://schemas.openxmlformats.org/officeDocument/2006/relationships" xmlns:p="http://schemas.openxmlformats.org/presentationml/2006/main">
+  <p:cSld>
+    <p:bg>
+      <p:bgPr>
+        <a:solidFill>
+          <a:schemeClr val="tx1"/>
+        </a:solidFill>
+        <a:effectLst/>
+      </p:bgPr>
+    </p:bg>
+    <p:spTree>
+      <p:nvGrpSpPr>
+        <p:cNvPr id="1" name="">
+          <a:extLst>
+            <a:ext uri="{FF2B5EF4-FFF2-40B4-BE49-F238E27FC236}">
+              <a16:creationId xmlns:a16="http://schemas.microsoft.com/office/drawing/2014/main" id="{2F555E54-302D-FAF5-8B61-33E8328B6B4F}"/>
+            </a:ext>
+          </a:extLst>
+        </p:cNvPr>
+        <p:cNvGrpSpPr/>
+        <p:nvPr/>
+      </p:nvGrpSpPr>
+      <p:grpSpPr>
+        <a:xfrm>
+          <a:off x="0" y="0"/>
+          <a:ext cx="0" cy="0"/>
+          <a:chOff x="0" y="0"/>
+          <a:chExt cx="0" cy="0"/>
+        </a:xfrm>
+      </p:grpSpPr>
+      <p:sp>
+        <p:nvSpPr>
+          <p:cNvPr id="4" name="Textfeld 3">
+            <a:extLst>
+              <a:ext uri="{FF2B5EF4-FFF2-40B4-BE49-F238E27FC236}">
+                <a16:creationId xmlns:a16="http://schemas.microsoft.com/office/drawing/2014/main" id="{7BAA204B-745F-1A14-8016-08FF53D32972}"/>
+              </a:ext>
+            </a:extLst>
+          </p:cNvPr>
+          <p:cNvSpPr txBox="1"/>
+          <p:nvPr/>
+        </p:nvSpPr>
+        <p:spPr>
+          <a:xfrm>
             <a:off x="1603888" y="1751291"/>
             <a:ext cx="8325115" cy="1908215"/>
           </a:xfrm>
@@ -5797,7 +6606,7 @@
 </p:sld>
 </file>
 
-<file path=ppt/slides/slide17.xml><?xml version="1.0" encoding="utf-8"?>
+<file path=ppt/slides/slide19.xml><?xml version="1.0" encoding="utf-8"?>
 <p:sld xmlns:a="http://schemas.openxmlformats.org/drawingml/2006/main" xmlns:r="http://schemas.openxmlformats.org/officeDocument/2006/relationships" xmlns:p="http://schemas.openxmlformats.org/presentationml/2006/main">
   <p:cSld>
     <p:bg>
@@ -6182,879 +6991,6 @@
     <p:extLst>
       <p:ext uri="{BB962C8B-B14F-4D97-AF65-F5344CB8AC3E}">
         <p14:creationId xmlns:p14="http://schemas.microsoft.com/office/powerpoint/2010/main" val="3480489692"/>
-      </p:ext>
-    </p:extLst>
-  </p:cSld>
-  <p:clrMapOvr>
-    <a:masterClrMapping/>
-  </p:clrMapOvr>
-</p:sld>
-</file>
-
-<file path=ppt/slides/slide18.xml><?xml version="1.0" encoding="utf-8"?>
-<p:sld xmlns:a="http://schemas.openxmlformats.org/drawingml/2006/main" xmlns:r="http://schemas.openxmlformats.org/officeDocument/2006/relationships" xmlns:p="http://schemas.openxmlformats.org/presentationml/2006/main">
-  <p:cSld>
-    <p:bg>
-      <p:bgPr>
-        <a:solidFill>
-          <a:schemeClr val="tx1"/>
-        </a:solidFill>
-        <a:effectLst/>
-      </p:bgPr>
-    </p:bg>
-    <p:spTree>
-      <p:nvGrpSpPr>
-        <p:cNvPr id="1" name="">
-          <a:extLst>
-            <a:ext uri="{FF2B5EF4-FFF2-40B4-BE49-F238E27FC236}">
-              <a16:creationId xmlns:a16="http://schemas.microsoft.com/office/drawing/2014/main" id="{3EFE3318-6E5D-0A81-F427-A84F2C3E0696}"/>
-            </a:ext>
-          </a:extLst>
-        </p:cNvPr>
-        <p:cNvGrpSpPr/>
-        <p:nvPr/>
-      </p:nvGrpSpPr>
-      <p:grpSpPr>
-        <a:xfrm>
-          <a:off x="0" y="0"/>
-          <a:ext cx="0" cy="0"/>
-          <a:chOff x="0" y="0"/>
-          <a:chExt cx="0" cy="0"/>
-        </a:xfrm>
-      </p:grpSpPr>
-      <p:sp>
-        <p:nvSpPr>
-          <p:cNvPr id="4" name="Textfeld 3">
-            <a:extLst>
-              <a:ext uri="{FF2B5EF4-FFF2-40B4-BE49-F238E27FC236}">
-                <a16:creationId xmlns:a16="http://schemas.microsoft.com/office/drawing/2014/main" id="{A7F7700D-0694-3E3F-F846-2BD42942D96A}"/>
-              </a:ext>
-            </a:extLst>
-          </p:cNvPr>
-          <p:cNvSpPr txBox="1"/>
-          <p:nvPr/>
-        </p:nvSpPr>
-        <p:spPr>
-          <a:xfrm>
-            <a:off x="1240672" y="461250"/>
-            <a:ext cx="9710656" cy="5539978"/>
-          </a:xfrm>
-          <a:prstGeom prst="rect">
-            <a:avLst/>
-          </a:prstGeom>
-          <a:noFill/>
-        </p:spPr>
-        <p:txBody>
-          <a:bodyPr wrap="square" rtlCol="0">
-            <a:spAutoFit/>
-          </a:bodyPr>
-          <a:lstStyle/>
-          <a:p>
-            <a:pPr algn="ctr"/>
-            <a:r>
-              <a:rPr lang="de-DE" sz="2000" b="0" dirty="0">
-                <a:solidFill>
-                  <a:schemeClr val="bg1"/>
-                </a:solidFill>
-                <a:effectLst/>
-                <a:latin typeface="Consolas" panose="020B0609020204030204" pitchFamily="49" charset="0"/>
-              </a:rPr>
-              <a:t>Sie drehen sich mit den Tasten A und D nach links und rechts, mit W bewegen Sie sich vorwärts. </a:t>
-            </a:r>
-          </a:p>
-          <a:p>
-            <a:pPr algn="ctr"/>
-            <a:endParaRPr lang="de-DE" sz="2000" b="0" dirty="0">
-              <a:solidFill>
-                <a:schemeClr val="bg1"/>
-              </a:solidFill>
-              <a:effectLst/>
-              <a:latin typeface="Consolas" panose="020B0609020204030204" pitchFamily="49" charset="0"/>
-            </a:endParaRPr>
-          </a:p>
-          <a:p>
-            <a:pPr algn="ctr"/>
-            <a:r>
-              <a:rPr lang="de-DE" sz="2000" b="0" dirty="0">
-                <a:solidFill>
-                  <a:schemeClr val="bg1"/>
-                </a:solidFill>
-                <a:effectLst/>
-                <a:latin typeface="Consolas" panose="020B0609020204030204" pitchFamily="49" charset="0"/>
-              </a:rPr>
-              <a:t>Legen Sie nun bitte </a:t>
-            </a:r>
-            <a:r>
-              <a:rPr lang="de-DE" sz="2000" b="0" dirty="0">
-                <a:solidFill>
-                  <a:srgbClr val="FFFF00"/>
-                </a:solidFill>
-                <a:effectLst/>
-                <a:latin typeface="Consolas" panose="020B0609020204030204" pitchFamily="49" charset="0"/>
-              </a:rPr>
-              <a:t>Zeige</a:t>
-            </a:r>
-            <a:r>
-              <a:rPr lang="de-DE" sz="2000" b="0" dirty="0">
-                <a:solidFill>
-                  <a:schemeClr val="bg1"/>
-                </a:solidFill>
-                <a:effectLst/>
-                <a:latin typeface="Consolas" panose="020B0609020204030204" pitchFamily="49" charset="0"/>
-              </a:rPr>
-              <a:t>-, </a:t>
-            </a:r>
-            <a:r>
-              <a:rPr lang="de-DE" sz="2000" b="0" dirty="0">
-                <a:solidFill>
-                  <a:schemeClr val="accent6">
-                    <a:lumMod val="75000"/>
-                  </a:schemeClr>
-                </a:solidFill>
-                <a:effectLst/>
-                <a:latin typeface="Consolas" panose="020B0609020204030204" pitchFamily="49" charset="0"/>
-              </a:rPr>
-              <a:t>Mittel</a:t>
-            </a:r>
-            <a:r>
-              <a:rPr lang="de-DE" sz="2000" b="0" dirty="0">
-                <a:solidFill>
-                  <a:schemeClr val="bg1"/>
-                </a:solidFill>
-                <a:effectLst/>
-                <a:latin typeface="Consolas" panose="020B0609020204030204" pitchFamily="49" charset="0"/>
-              </a:rPr>
-              <a:t>- und </a:t>
-            </a:r>
-            <a:r>
-              <a:rPr lang="de-DE" sz="2000" b="0" dirty="0">
-                <a:solidFill>
-                  <a:srgbClr val="FF0000"/>
-                </a:solidFill>
-                <a:effectLst/>
-                <a:latin typeface="Consolas" panose="020B0609020204030204" pitchFamily="49" charset="0"/>
-              </a:rPr>
-              <a:t>Ring</a:t>
-            </a:r>
-            <a:r>
-              <a:rPr lang="de-DE" sz="2000" b="0" dirty="0">
-                <a:solidFill>
-                  <a:schemeClr val="bg1"/>
-                </a:solidFill>
-                <a:effectLst/>
-                <a:latin typeface="Consolas" panose="020B0609020204030204" pitchFamily="49" charset="0"/>
-              </a:rPr>
-              <a:t>finger der </a:t>
-            </a:r>
-            <a:r>
-              <a:rPr lang="de-DE" sz="2000" b="0" u="sng" dirty="0">
-                <a:solidFill>
-                  <a:schemeClr val="bg1"/>
-                </a:solidFill>
-                <a:effectLst/>
-                <a:latin typeface="Consolas" panose="020B0609020204030204" pitchFamily="49" charset="0"/>
-              </a:rPr>
-              <a:t>linken</a:t>
-            </a:r>
-            <a:r>
-              <a:rPr lang="de-DE" sz="2000" b="0" dirty="0">
-                <a:solidFill>
-                  <a:schemeClr val="bg1"/>
-                </a:solidFill>
-                <a:effectLst/>
-                <a:latin typeface="Consolas" panose="020B0609020204030204" pitchFamily="49" charset="0"/>
-              </a:rPr>
-              <a:t> Hand auf die Tasten </a:t>
-            </a:r>
-            <a:r>
-              <a:rPr lang="de-DE" sz="2000" b="0" dirty="0">
-                <a:solidFill>
-                  <a:srgbClr val="FF0000"/>
-                </a:solidFill>
-                <a:effectLst/>
-                <a:latin typeface="Consolas" panose="020B0609020204030204" pitchFamily="49" charset="0"/>
-              </a:rPr>
-              <a:t>A</a:t>
-            </a:r>
-            <a:r>
-              <a:rPr lang="de-DE" sz="2000" b="0" dirty="0">
-                <a:solidFill>
-                  <a:schemeClr val="bg1"/>
-                </a:solidFill>
-                <a:effectLst/>
-                <a:latin typeface="Consolas" panose="020B0609020204030204" pitchFamily="49" charset="0"/>
-              </a:rPr>
-              <a:t>,</a:t>
-            </a:r>
-            <a:r>
-              <a:rPr lang="de-DE" sz="2000" b="0" dirty="0">
-                <a:solidFill>
-                  <a:srgbClr val="7030A0"/>
-                </a:solidFill>
-                <a:effectLst/>
-                <a:latin typeface="Consolas" panose="020B0609020204030204" pitchFamily="49" charset="0"/>
-              </a:rPr>
-              <a:t> </a:t>
-            </a:r>
-            <a:r>
-              <a:rPr lang="de-DE" sz="2000" b="0" dirty="0">
-                <a:solidFill>
-                  <a:schemeClr val="accent6">
-                    <a:lumMod val="75000"/>
-                  </a:schemeClr>
-                </a:solidFill>
-                <a:effectLst/>
-                <a:latin typeface="Consolas" panose="020B0609020204030204" pitchFamily="49" charset="0"/>
-              </a:rPr>
-              <a:t>W</a:t>
-            </a:r>
-            <a:r>
-              <a:rPr lang="de-DE" sz="2000" b="0" dirty="0">
-                <a:solidFill>
-                  <a:schemeClr val="bg1"/>
-                </a:solidFill>
-                <a:effectLst/>
-                <a:latin typeface="Consolas" panose="020B0609020204030204" pitchFamily="49" charset="0"/>
-              </a:rPr>
-              <a:t> und </a:t>
-            </a:r>
-            <a:r>
-              <a:rPr lang="de-DE" sz="2000" b="0" dirty="0">
-                <a:solidFill>
-                  <a:srgbClr val="FFFF00"/>
-                </a:solidFill>
-                <a:effectLst/>
-                <a:latin typeface="Consolas" panose="020B0609020204030204" pitchFamily="49" charset="0"/>
-              </a:rPr>
-              <a:t>D</a:t>
-            </a:r>
-            <a:r>
-              <a:rPr lang="de-DE" sz="2000" b="0" dirty="0">
-                <a:solidFill>
-                  <a:srgbClr val="7030A0"/>
-                </a:solidFill>
-                <a:effectLst/>
-                <a:latin typeface="Consolas" panose="020B0609020204030204" pitchFamily="49" charset="0"/>
-              </a:rPr>
-              <a:t> </a:t>
-            </a:r>
-            <a:r>
-              <a:rPr lang="de-DE" sz="2000" b="0" dirty="0">
-                <a:solidFill>
-                  <a:schemeClr val="bg1"/>
-                </a:solidFill>
-                <a:effectLst/>
-                <a:latin typeface="Consolas" panose="020B0609020204030204" pitchFamily="49" charset="0"/>
-              </a:rPr>
-              <a:t>und den </a:t>
-            </a:r>
-            <a:r>
-              <a:rPr lang="de-DE" sz="2000" b="0" dirty="0">
-                <a:solidFill>
-                  <a:srgbClr val="00B0F0"/>
-                </a:solidFill>
-                <a:effectLst/>
-                <a:latin typeface="Consolas" panose="020B0609020204030204" pitchFamily="49" charset="0"/>
-              </a:rPr>
-              <a:t>Daumen</a:t>
-            </a:r>
-            <a:r>
-              <a:rPr lang="de-DE" sz="2000" b="0" dirty="0">
-                <a:solidFill>
-                  <a:schemeClr val="bg1"/>
-                </a:solidFill>
-                <a:effectLst/>
-                <a:latin typeface="Consolas" panose="020B0609020204030204" pitchFamily="49" charset="0"/>
-              </a:rPr>
-              <a:t> der </a:t>
-            </a:r>
-            <a:r>
-              <a:rPr lang="de-DE" sz="2000" b="0" dirty="0">
-                <a:solidFill>
-                  <a:srgbClr val="00B0F0"/>
-                </a:solidFill>
-                <a:effectLst/>
-                <a:latin typeface="Consolas" panose="020B0609020204030204" pitchFamily="49" charset="0"/>
-              </a:rPr>
-              <a:t>linken</a:t>
-            </a:r>
-            <a:r>
-              <a:rPr lang="de-DE" sz="2000" b="0" dirty="0">
-                <a:solidFill>
-                  <a:schemeClr val="bg1"/>
-                </a:solidFill>
-                <a:effectLst/>
-                <a:latin typeface="Consolas" panose="020B0609020204030204" pitchFamily="49" charset="0"/>
-              </a:rPr>
-              <a:t> Hand auf die </a:t>
-            </a:r>
-            <a:r>
-              <a:rPr lang="de-DE" sz="2000" b="0" dirty="0">
-                <a:solidFill>
-                  <a:srgbClr val="00B0F0"/>
-                </a:solidFill>
-                <a:effectLst/>
-                <a:latin typeface="Consolas" panose="020B0609020204030204" pitchFamily="49" charset="0"/>
-              </a:rPr>
-              <a:t>Leertaste</a:t>
-            </a:r>
-            <a:r>
-              <a:rPr lang="de-DE" sz="2000" b="0" dirty="0">
-                <a:solidFill>
-                  <a:schemeClr val="bg1"/>
-                </a:solidFill>
-                <a:effectLst/>
-                <a:latin typeface="Consolas" panose="020B0609020204030204" pitchFamily="49" charset="0"/>
-              </a:rPr>
-              <a:t>.</a:t>
-            </a:r>
-          </a:p>
-          <a:p>
-            <a:pPr algn="ctr"/>
-            <a:endParaRPr lang="de-DE" dirty="0">
-              <a:solidFill>
-                <a:schemeClr val="bg1"/>
-              </a:solidFill>
-              <a:sym typeface="Wingdings" panose="05000000000000000000" pitchFamily="2" charset="2"/>
-            </a:endParaRPr>
-          </a:p>
-          <a:p>
-            <a:pPr algn="ctr"/>
-            <a:endParaRPr lang="de-DE" dirty="0">
-              <a:solidFill>
-                <a:schemeClr val="bg1"/>
-              </a:solidFill>
-              <a:sym typeface="Wingdings" panose="05000000000000000000" pitchFamily="2" charset="2"/>
-            </a:endParaRPr>
-          </a:p>
-          <a:p>
-            <a:pPr algn="ctr"/>
-            <a:endParaRPr lang="de-DE" dirty="0">
-              <a:solidFill>
-                <a:schemeClr val="bg1"/>
-              </a:solidFill>
-              <a:sym typeface="Wingdings" panose="05000000000000000000" pitchFamily="2" charset="2"/>
-            </a:endParaRPr>
-          </a:p>
-          <a:p>
-            <a:pPr algn="ctr"/>
-            <a:endParaRPr lang="de-DE" sz="2000" dirty="0">
-              <a:solidFill>
-                <a:schemeClr val="bg1"/>
-              </a:solidFill>
-              <a:sym typeface="Wingdings" panose="05000000000000000000" pitchFamily="2" charset="2"/>
-            </a:endParaRPr>
-          </a:p>
-          <a:p>
-            <a:pPr algn="ctr"/>
-            <a:endParaRPr lang="de-DE" sz="2000" dirty="0">
-              <a:solidFill>
-                <a:schemeClr val="bg1"/>
-              </a:solidFill>
-              <a:sym typeface="Wingdings" panose="05000000000000000000" pitchFamily="2" charset="2"/>
-            </a:endParaRPr>
-          </a:p>
-          <a:p>
-            <a:pPr algn="ctr"/>
-            <a:endParaRPr lang="de-DE" sz="2000" dirty="0">
-              <a:solidFill>
-                <a:schemeClr val="bg1"/>
-              </a:solidFill>
-              <a:sym typeface="Wingdings" panose="05000000000000000000" pitchFamily="2" charset="2"/>
-            </a:endParaRPr>
-          </a:p>
-          <a:p>
-            <a:pPr algn="ctr"/>
-            <a:endParaRPr lang="de-DE" sz="2000" dirty="0">
-              <a:solidFill>
-                <a:schemeClr val="bg1"/>
-              </a:solidFill>
-              <a:sym typeface="Wingdings" panose="05000000000000000000" pitchFamily="2" charset="2"/>
-            </a:endParaRPr>
-          </a:p>
-          <a:p>
-            <a:pPr algn="ctr"/>
-            <a:endParaRPr lang="de-DE" sz="2000" dirty="0">
-              <a:solidFill>
-                <a:schemeClr val="bg1"/>
-              </a:solidFill>
-              <a:sym typeface="Wingdings" panose="05000000000000000000" pitchFamily="2" charset="2"/>
-            </a:endParaRPr>
-          </a:p>
-          <a:p>
-            <a:pPr algn="ctr"/>
-            <a:endParaRPr lang="de-DE" sz="2000" dirty="0">
-              <a:solidFill>
-                <a:schemeClr val="bg1"/>
-              </a:solidFill>
-              <a:sym typeface="Wingdings" panose="05000000000000000000" pitchFamily="2" charset="2"/>
-            </a:endParaRPr>
-          </a:p>
-          <a:p>
-            <a:pPr algn="ctr"/>
-            <a:endParaRPr lang="de-DE" sz="2000" dirty="0">
-              <a:solidFill>
-                <a:schemeClr val="bg1"/>
-              </a:solidFill>
-              <a:sym typeface="Wingdings" panose="05000000000000000000" pitchFamily="2" charset="2"/>
-            </a:endParaRPr>
-          </a:p>
-          <a:p>
-            <a:pPr algn="ctr"/>
-            <a:endParaRPr lang="de-DE" sz="2000" dirty="0">
-              <a:solidFill>
-                <a:schemeClr val="bg1"/>
-              </a:solidFill>
-              <a:sym typeface="Wingdings" panose="05000000000000000000" pitchFamily="2" charset="2"/>
-            </a:endParaRPr>
-          </a:p>
-          <a:p>
-            <a:pPr algn="ctr"/>
-            <a:r>
-              <a:rPr lang="de-DE" sz="2000" dirty="0">
-                <a:solidFill>
-                  <a:schemeClr val="bg1"/>
-                </a:solidFill>
-                <a:sym typeface="Wingdings" panose="05000000000000000000" pitchFamily="2" charset="2"/>
-              </a:rPr>
-              <a:t>Bitte die </a:t>
-            </a:r>
-            <a:r>
-              <a:rPr lang="de-DE" sz="2000" b="1" dirty="0">
-                <a:solidFill>
-                  <a:schemeClr val="bg1"/>
-                </a:solidFill>
-                <a:sym typeface="Wingdings" panose="05000000000000000000" pitchFamily="2" charset="2"/>
-              </a:rPr>
-              <a:t>LEERTASTE</a:t>
-            </a:r>
-            <a:r>
-              <a:rPr lang="de-DE" sz="2000" dirty="0">
-                <a:solidFill>
-                  <a:schemeClr val="bg1"/>
-                </a:solidFill>
-                <a:sym typeface="Wingdings" panose="05000000000000000000" pitchFamily="2" charset="2"/>
-              </a:rPr>
-              <a:t> drücken, um fortzufahren</a:t>
-            </a:r>
-            <a:endParaRPr lang="de-DE" sz="2000" dirty="0">
-              <a:solidFill>
-                <a:schemeClr val="bg1"/>
-              </a:solidFill>
-            </a:endParaRPr>
-          </a:p>
-        </p:txBody>
-      </p:sp>
-      <p:pic>
-        <p:nvPicPr>
-          <p:cNvPr id="3" name="Grafik 2">
-            <a:extLst>
-              <a:ext uri="{FF2B5EF4-FFF2-40B4-BE49-F238E27FC236}">
-                <a16:creationId xmlns:a16="http://schemas.microsoft.com/office/drawing/2014/main" id="{4CA607E6-115D-5B54-F6A6-ABBC5C63474C}"/>
-              </a:ext>
-            </a:extLst>
-          </p:cNvPr>
-          <p:cNvPicPr>
-            <a:picLocks noChangeAspect="1"/>
-          </p:cNvPicPr>
-          <p:nvPr/>
-        </p:nvPicPr>
-        <p:blipFill>
-          <a:blip r:embed="rId2">
-            <a:extLst>
-              <a:ext uri="{28A0092B-C50C-407E-A947-70E740481C1C}">
-                <a14:useLocalDpi xmlns:a14="http://schemas.microsoft.com/office/drawing/2010/main" val="0"/>
-              </a:ext>
-            </a:extLst>
-          </a:blip>
-          <a:stretch>
-            <a:fillRect/>
-          </a:stretch>
-        </p:blipFill>
-        <p:spPr>
-          <a:xfrm>
-            <a:off x="2720283" y="3057526"/>
-            <a:ext cx="6502400" cy="2175461"/>
-          </a:xfrm>
-          <a:prstGeom prst="rect">
-            <a:avLst/>
-          </a:prstGeom>
-        </p:spPr>
-      </p:pic>
-      <p:sp>
-        <p:nvSpPr>
-          <p:cNvPr id="2" name="Rechteck: abgerundete Ecken 1">
-            <a:extLst>
-              <a:ext uri="{FF2B5EF4-FFF2-40B4-BE49-F238E27FC236}">
-                <a16:creationId xmlns:a16="http://schemas.microsoft.com/office/drawing/2014/main" id="{218BF682-B81F-9C8B-DA7B-231B96891B09}"/>
-              </a:ext>
-            </a:extLst>
-          </p:cNvPr>
-          <p:cNvSpPr/>
-          <p:nvPr/>
-        </p:nvSpPr>
-        <p:spPr>
-          <a:xfrm>
-            <a:off x="3260785" y="4192438"/>
-            <a:ext cx="232913" cy="224287"/>
-          </a:xfrm>
-          <a:prstGeom prst="roundRect">
-            <a:avLst/>
-          </a:prstGeom>
-          <a:noFill/>
-          <a:ln w="38100">
-            <a:solidFill>
-              <a:srgbClr val="FF0000"/>
-            </a:solidFill>
-          </a:ln>
-        </p:spPr>
-        <p:style>
-          <a:lnRef idx="2">
-            <a:schemeClr val="accent1">
-              <a:shade val="15000"/>
-            </a:schemeClr>
-          </a:lnRef>
-          <a:fillRef idx="1">
-            <a:schemeClr val="accent1"/>
-          </a:fillRef>
-          <a:effectRef idx="0">
-            <a:schemeClr val="accent1"/>
-          </a:effectRef>
-          <a:fontRef idx="minor">
-            <a:schemeClr val="lt1"/>
-          </a:fontRef>
-        </p:style>
-        <p:txBody>
-          <a:bodyPr rtlCol="0" anchor="ctr"/>
-          <a:lstStyle/>
-          <a:p>
-            <a:pPr algn="ctr"/>
-            <a:endParaRPr lang="de-DE"/>
-          </a:p>
-        </p:txBody>
-      </p:sp>
-      <p:sp>
-        <p:nvSpPr>
-          <p:cNvPr id="11" name="Rechteck: abgerundete Ecken 10">
-            <a:extLst>
-              <a:ext uri="{FF2B5EF4-FFF2-40B4-BE49-F238E27FC236}">
-                <a16:creationId xmlns:a16="http://schemas.microsoft.com/office/drawing/2014/main" id="{48634B3C-C26C-D304-43E0-978C5D3ABBED}"/>
-              </a:ext>
-            </a:extLst>
-          </p:cNvPr>
-          <p:cNvSpPr/>
-          <p:nvPr/>
-        </p:nvSpPr>
-        <p:spPr>
-          <a:xfrm>
-            <a:off x="3809913" y="4192438"/>
-            <a:ext cx="232913" cy="224287"/>
-          </a:xfrm>
-          <a:prstGeom prst="roundRect">
-            <a:avLst/>
-          </a:prstGeom>
-          <a:noFill/>
-          <a:ln w="38100">
-            <a:solidFill>
-              <a:srgbClr val="FFFF00"/>
-            </a:solidFill>
-          </a:ln>
-        </p:spPr>
-        <p:style>
-          <a:lnRef idx="2">
-            <a:schemeClr val="accent1">
-              <a:shade val="15000"/>
-            </a:schemeClr>
-          </a:lnRef>
-          <a:fillRef idx="1">
-            <a:schemeClr val="accent1"/>
-          </a:fillRef>
-          <a:effectRef idx="0">
-            <a:schemeClr val="accent1"/>
-          </a:effectRef>
-          <a:fontRef idx="minor">
-            <a:schemeClr val="lt1"/>
-          </a:fontRef>
-        </p:style>
-        <p:txBody>
-          <a:bodyPr rtlCol="0" anchor="ctr"/>
-          <a:lstStyle/>
-          <a:p>
-            <a:pPr algn="ctr"/>
-            <a:endParaRPr lang="de-DE"/>
-          </a:p>
-        </p:txBody>
-      </p:sp>
-      <p:sp>
-        <p:nvSpPr>
-          <p:cNvPr id="12" name="Rechteck: abgerundete Ecken 11">
-            <a:extLst>
-              <a:ext uri="{FF2B5EF4-FFF2-40B4-BE49-F238E27FC236}">
-                <a16:creationId xmlns:a16="http://schemas.microsoft.com/office/drawing/2014/main" id="{EC21962E-6EDB-9B67-597D-15EA88A76E75}"/>
-              </a:ext>
-            </a:extLst>
-          </p:cNvPr>
-          <p:cNvSpPr/>
-          <p:nvPr/>
-        </p:nvSpPr>
-        <p:spPr>
-          <a:xfrm>
-            <a:off x="3926369" y="4744528"/>
-            <a:ext cx="1603163" cy="362310"/>
-          </a:xfrm>
-          <a:prstGeom prst="roundRect">
-            <a:avLst/>
-          </a:prstGeom>
-          <a:noFill/>
-          <a:ln w="38100">
-            <a:solidFill>
-              <a:srgbClr val="00B0F0"/>
-            </a:solidFill>
-          </a:ln>
-        </p:spPr>
-        <p:style>
-          <a:lnRef idx="2">
-            <a:schemeClr val="accent1">
-              <a:shade val="15000"/>
-            </a:schemeClr>
-          </a:lnRef>
-          <a:fillRef idx="1">
-            <a:schemeClr val="accent1"/>
-          </a:fillRef>
-          <a:effectRef idx="0">
-            <a:schemeClr val="accent1"/>
-          </a:effectRef>
-          <a:fontRef idx="minor">
-            <a:schemeClr val="lt1"/>
-          </a:fontRef>
-        </p:style>
-        <p:txBody>
-          <a:bodyPr rtlCol="0" anchor="ctr"/>
-          <a:lstStyle/>
-          <a:p>
-            <a:pPr algn="ctr"/>
-            <a:endParaRPr lang="de-DE"/>
-          </a:p>
-        </p:txBody>
-      </p:sp>
-      <p:sp>
-        <p:nvSpPr>
-          <p:cNvPr id="5" name="Rechteck: abgerundete Ecken 4">
-            <a:extLst>
-              <a:ext uri="{FF2B5EF4-FFF2-40B4-BE49-F238E27FC236}">
-                <a16:creationId xmlns:a16="http://schemas.microsoft.com/office/drawing/2014/main" id="{445D6E5A-120A-BC0B-0445-7A2AF9362238}"/>
-              </a:ext>
-            </a:extLst>
-          </p:cNvPr>
-          <p:cNvSpPr/>
-          <p:nvPr/>
-        </p:nvSpPr>
-        <p:spPr>
-          <a:xfrm>
-            <a:off x="3493698" y="3890513"/>
-            <a:ext cx="232913" cy="224287"/>
-          </a:xfrm>
-          <a:prstGeom prst="roundRect">
-            <a:avLst/>
-          </a:prstGeom>
-          <a:noFill/>
-          <a:ln w="38100">
-            <a:solidFill>
-              <a:schemeClr val="accent6">
-                <a:lumMod val="75000"/>
-              </a:schemeClr>
-            </a:solidFill>
-          </a:ln>
-        </p:spPr>
-        <p:style>
-          <a:lnRef idx="2">
-            <a:schemeClr val="accent1">
-              <a:shade val="15000"/>
-            </a:schemeClr>
-          </a:lnRef>
-          <a:fillRef idx="1">
-            <a:schemeClr val="accent1"/>
-          </a:fillRef>
-          <a:effectRef idx="0">
-            <a:schemeClr val="accent1"/>
-          </a:effectRef>
-          <a:fontRef idx="minor">
-            <a:schemeClr val="lt1"/>
-          </a:fontRef>
-        </p:style>
-        <p:txBody>
-          <a:bodyPr rtlCol="0" anchor="ctr"/>
-          <a:lstStyle/>
-          <a:p>
-            <a:pPr algn="ctr"/>
-            <a:endParaRPr lang="de-DE"/>
-          </a:p>
-        </p:txBody>
-      </p:sp>
-    </p:spTree>
-    <p:extLst>
-      <p:ext uri="{BB962C8B-B14F-4D97-AF65-F5344CB8AC3E}">
-        <p14:creationId xmlns:p14="http://schemas.microsoft.com/office/powerpoint/2010/main" val="3436921464"/>
-      </p:ext>
-    </p:extLst>
-  </p:cSld>
-  <p:clrMapOvr>
-    <a:masterClrMapping/>
-  </p:clrMapOvr>
-</p:sld>
-</file>
-
-<file path=ppt/slides/slide19.xml><?xml version="1.0" encoding="utf-8"?>
-<p:sld xmlns:a="http://schemas.openxmlformats.org/drawingml/2006/main" xmlns:r="http://schemas.openxmlformats.org/officeDocument/2006/relationships" xmlns:p="http://schemas.openxmlformats.org/presentationml/2006/main">
-  <p:cSld>
-    <p:bg>
-      <p:bgPr>
-        <a:solidFill>
-          <a:schemeClr val="tx1"/>
-        </a:solidFill>
-        <a:effectLst/>
-      </p:bgPr>
-    </p:bg>
-    <p:spTree>
-      <p:nvGrpSpPr>
-        <p:cNvPr id="1" name="">
-          <a:extLst>
-            <a:ext uri="{FF2B5EF4-FFF2-40B4-BE49-F238E27FC236}">
-              <a16:creationId xmlns:a16="http://schemas.microsoft.com/office/drawing/2014/main" id="{2F555E54-302D-FAF5-8B61-33E8328B6B4F}"/>
-            </a:ext>
-          </a:extLst>
-        </p:cNvPr>
-        <p:cNvGrpSpPr/>
-        <p:nvPr/>
-      </p:nvGrpSpPr>
-      <p:grpSpPr>
-        <a:xfrm>
-          <a:off x="0" y="0"/>
-          <a:ext cx="0" cy="0"/>
-          <a:chOff x="0" y="0"/>
-          <a:chExt cx="0" cy="0"/>
-        </a:xfrm>
-      </p:grpSpPr>
-      <p:sp>
-        <p:nvSpPr>
-          <p:cNvPr id="4" name="Textfeld 3">
-            <a:extLst>
-              <a:ext uri="{FF2B5EF4-FFF2-40B4-BE49-F238E27FC236}">
-                <a16:creationId xmlns:a16="http://schemas.microsoft.com/office/drawing/2014/main" id="{7BAA204B-745F-1A14-8016-08FF53D32972}"/>
-              </a:ext>
-            </a:extLst>
-          </p:cNvPr>
-          <p:cNvSpPr txBox="1"/>
-          <p:nvPr/>
-        </p:nvSpPr>
-        <p:spPr>
-          <a:xfrm>
-            <a:off x="1603888" y="1751291"/>
-            <a:ext cx="7954179" cy="2585323"/>
-          </a:xfrm>
-          <a:prstGeom prst="rect">
-            <a:avLst/>
-          </a:prstGeom>
-          <a:noFill/>
-        </p:spPr>
-        <p:txBody>
-          <a:bodyPr wrap="square" rtlCol="0">
-            <a:spAutoFit/>
-          </a:bodyPr>
-          <a:lstStyle/>
-          <a:p>
-            <a:pPr algn="ctr"/>
-            <a:r>
-              <a:rPr lang="de-DE" sz="4400" dirty="0">
-                <a:solidFill>
-                  <a:schemeClr val="bg1"/>
-                </a:solidFill>
-                <a:latin typeface="Consolas" panose="020B0609020204030204" pitchFamily="49" charset="0"/>
-              </a:rPr>
-              <a:t>Gut gemacht!</a:t>
-            </a:r>
-          </a:p>
-          <a:p>
-            <a:pPr algn="ctr"/>
-            <a:r>
-              <a:rPr lang="de-DE" sz="4400" b="0" dirty="0">
-                <a:solidFill>
-                  <a:schemeClr val="bg1"/>
-                </a:solidFill>
-                <a:effectLst/>
-                <a:latin typeface="Consolas" panose="020B0609020204030204" pitchFamily="49" charset="0"/>
-              </a:rPr>
-              <a:t>Das war das zweite Spiel.</a:t>
-            </a:r>
-          </a:p>
-          <a:p>
-            <a:pPr algn="ctr"/>
-            <a:endParaRPr lang="de-DE" dirty="0">
-              <a:solidFill>
-                <a:schemeClr val="bg1"/>
-              </a:solidFill>
-              <a:sym typeface="Wingdings" panose="05000000000000000000" pitchFamily="2" charset="2"/>
-            </a:endParaRPr>
-          </a:p>
-          <a:p>
-            <a:pPr algn="ctr"/>
-            <a:endParaRPr lang="de-DE" dirty="0">
-              <a:solidFill>
-                <a:schemeClr val="bg1"/>
-              </a:solidFill>
-              <a:sym typeface="Wingdings" panose="05000000000000000000" pitchFamily="2" charset="2"/>
-            </a:endParaRPr>
-          </a:p>
-          <a:p>
-            <a:pPr algn="ctr"/>
-            <a:endParaRPr lang="de-DE" dirty="0">
-              <a:solidFill>
-                <a:schemeClr val="bg1"/>
-              </a:solidFill>
-              <a:sym typeface="Wingdings" panose="05000000000000000000" pitchFamily="2" charset="2"/>
-            </a:endParaRPr>
-          </a:p>
-          <a:p>
-            <a:pPr algn="ctr"/>
-            <a:r>
-              <a:rPr lang="de-DE" sz="2000" dirty="0">
-                <a:solidFill>
-                  <a:schemeClr val="bg1"/>
-                </a:solidFill>
-                <a:sym typeface="Wingdings" panose="05000000000000000000" pitchFamily="2" charset="2"/>
-              </a:rPr>
-              <a:t>Bitte die </a:t>
-            </a:r>
-            <a:r>
-              <a:rPr lang="de-DE" sz="2000" b="1" dirty="0">
-                <a:solidFill>
-                  <a:schemeClr val="bg1"/>
-                </a:solidFill>
-                <a:sym typeface="Wingdings" panose="05000000000000000000" pitchFamily="2" charset="2"/>
-              </a:rPr>
-              <a:t>LEERTASTE</a:t>
-            </a:r>
-            <a:r>
-              <a:rPr lang="de-DE" sz="2000" dirty="0">
-                <a:solidFill>
-                  <a:schemeClr val="bg1"/>
-                </a:solidFill>
-                <a:sym typeface="Wingdings" panose="05000000000000000000" pitchFamily="2" charset="2"/>
-              </a:rPr>
-              <a:t> drücken, um fortzufahren</a:t>
-            </a:r>
-            <a:endParaRPr lang="de-DE" sz="2000" dirty="0">
-              <a:solidFill>
-                <a:schemeClr val="bg1"/>
-              </a:solidFill>
-            </a:endParaRPr>
-          </a:p>
-        </p:txBody>
-      </p:sp>
-    </p:spTree>
-    <p:extLst>
-      <p:ext uri="{BB962C8B-B14F-4D97-AF65-F5344CB8AC3E}">
-        <p14:creationId xmlns:p14="http://schemas.microsoft.com/office/powerpoint/2010/main" val="177166413"/>
       </p:ext>
     </p:extLst>
   </p:cSld>
@@ -7228,7 +7164,7 @@
         <p:cNvPr id="1" name="">
           <a:extLst>
             <a:ext uri="{FF2B5EF4-FFF2-40B4-BE49-F238E27FC236}">
-              <a16:creationId xmlns:a16="http://schemas.microsoft.com/office/drawing/2014/main" id="{2F555E54-302D-FAF5-8B61-33E8328B6B4F}"/>
+              <a16:creationId xmlns:a16="http://schemas.microsoft.com/office/drawing/2014/main" id="{3EFE3318-6E5D-0A81-F427-A84F2C3E0696}"/>
             </a:ext>
           </a:extLst>
         </p:cNvPr>
@@ -7248,7 +7184,7 @@
           <p:cNvPr id="4" name="Textfeld 3">
             <a:extLst>
               <a:ext uri="{FF2B5EF4-FFF2-40B4-BE49-F238E27FC236}">
-                <a16:creationId xmlns:a16="http://schemas.microsoft.com/office/drawing/2014/main" id="{7BAA204B-745F-1A14-8016-08FF53D32972}"/>
+                <a16:creationId xmlns:a16="http://schemas.microsoft.com/office/drawing/2014/main" id="{A7F7700D-0694-3E3F-F846-2BD42942D96A}"/>
               </a:ext>
             </a:extLst>
           </p:cNvPr>
@@ -7257,8 +7193,8 @@
         </p:nvSpPr>
         <p:spPr>
           <a:xfrm>
-            <a:off x="1603888" y="1751291"/>
-            <a:ext cx="7954179" cy="3262432"/>
+            <a:off x="1240672" y="461250"/>
+            <a:ext cx="9710656" cy="5539978"/>
           </a:xfrm>
           <a:prstGeom prst="rect">
             <a:avLst/>
@@ -7273,14 +7209,261 @@
           <a:p>
             <a:pPr algn="ctr"/>
             <a:r>
-              <a:rPr lang="de-DE" sz="4400" b="0" dirty="0">
-                <a:solidFill>
-                  <a:schemeClr val="bg1"/>
-                </a:solidFill>
-                <a:effectLst/>
-                <a:latin typeface="Consolas" panose="020B0609020204030204" pitchFamily="49" charset="0"/>
-              </a:rPr>
-              <a:t>Wenn Sie möchten, machen Sie eine kurze Pause und fahren dann fort.</a:t>
+              <a:rPr lang="de-DE" sz="2000" b="0" dirty="0">
+                <a:solidFill>
+                  <a:schemeClr val="bg1"/>
+                </a:solidFill>
+                <a:effectLst/>
+                <a:latin typeface="Consolas" panose="020B0609020204030204" pitchFamily="49" charset="0"/>
+              </a:rPr>
+              <a:t>Sie drehen sich mit den Tasten A und D nach links und rechts, mit W bewegen Sie sich vorwärts. </a:t>
+            </a:r>
+          </a:p>
+          <a:p>
+            <a:pPr algn="ctr"/>
+            <a:endParaRPr lang="de-DE" sz="2000" b="0" dirty="0">
+              <a:solidFill>
+                <a:schemeClr val="bg1"/>
+              </a:solidFill>
+              <a:effectLst/>
+              <a:latin typeface="Consolas" panose="020B0609020204030204" pitchFamily="49" charset="0"/>
+            </a:endParaRPr>
+          </a:p>
+          <a:p>
+            <a:pPr algn="ctr"/>
+            <a:r>
+              <a:rPr lang="de-DE" sz="2000" b="0" dirty="0">
+                <a:solidFill>
+                  <a:schemeClr val="bg1"/>
+                </a:solidFill>
+                <a:effectLst/>
+                <a:latin typeface="Consolas" panose="020B0609020204030204" pitchFamily="49" charset="0"/>
+              </a:rPr>
+              <a:t>Legen Sie nun bitte </a:t>
+            </a:r>
+            <a:r>
+              <a:rPr lang="de-DE" sz="2000" b="0" dirty="0">
+                <a:solidFill>
+                  <a:srgbClr val="FFFF00"/>
+                </a:solidFill>
+                <a:effectLst/>
+                <a:latin typeface="Consolas" panose="020B0609020204030204" pitchFamily="49" charset="0"/>
+              </a:rPr>
+              <a:t>Zeige</a:t>
+            </a:r>
+            <a:r>
+              <a:rPr lang="de-DE" sz="2000" b="0" dirty="0">
+                <a:solidFill>
+                  <a:schemeClr val="bg1"/>
+                </a:solidFill>
+                <a:effectLst/>
+                <a:latin typeface="Consolas" panose="020B0609020204030204" pitchFamily="49" charset="0"/>
+              </a:rPr>
+              <a:t>-, </a:t>
+            </a:r>
+            <a:r>
+              <a:rPr lang="de-DE" sz="2000" b="0" dirty="0">
+                <a:solidFill>
+                  <a:schemeClr val="accent6">
+                    <a:lumMod val="75000"/>
+                  </a:schemeClr>
+                </a:solidFill>
+                <a:effectLst/>
+                <a:latin typeface="Consolas" panose="020B0609020204030204" pitchFamily="49" charset="0"/>
+              </a:rPr>
+              <a:t>Mittel</a:t>
+            </a:r>
+            <a:r>
+              <a:rPr lang="de-DE" sz="2000" b="0" dirty="0">
+                <a:solidFill>
+                  <a:schemeClr val="bg1"/>
+                </a:solidFill>
+                <a:effectLst/>
+                <a:latin typeface="Consolas" panose="020B0609020204030204" pitchFamily="49" charset="0"/>
+              </a:rPr>
+              <a:t>- und </a:t>
+            </a:r>
+            <a:r>
+              <a:rPr lang="de-DE" sz="2000" b="0" dirty="0">
+                <a:solidFill>
+                  <a:srgbClr val="FF0000"/>
+                </a:solidFill>
+                <a:effectLst/>
+                <a:latin typeface="Consolas" panose="020B0609020204030204" pitchFamily="49" charset="0"/>
+              </a:rPr>
+              <a:t>Ring</a:t>
+            </a:r>
+            <a:r>
+              <a:rPr lang="de-DE" sz="2000" b="0" dirty="0">
+                <a:solidFill>
+                  <a:schemeClr val="bg1"/>
+                </a:solidFill>
+                <a:effectLst/>
+                <a:latin typeface="Consolas" panose="020B0609020204030204" pitchFamily="49" charset="0"/>
+              </a:rPr>
+              <a:t>finger der </a:t>
+            </a:r>
+            <a:r>
+              <a:rPr lang="de-DE" sz="2000" b="0" u="sng" dirty="0">
+                <a:solidFill>
+                  <a:schemeClr val="bg1"/>
+                </a:solidFill>
+                <a:effectLst/>
+                <a:latin typeface="Consolas" panose="020B0609020204030204" pitchFamily="49" charset="0"/>
+              </a:rPr>
+              <a:t>linken</a:t>
+            </a:r>
+            <a:r>
+              <a:rPr lang="de-DE" sz="2000" b="0" dirty="0">
+                <a:solidFill>
+                  <a:schemeClr val="bg1"/>
+                </a:solidFill>
+                <a:effectLst/>
+                <a:latin typeface="Consolas" panose="020B0609020204030204" pitchFamily="49" charset="0"/>
+              </a:rPr>
+              <a:t> Hand auf die Tasten </a:t>
+            </a:r>
+            <a:r>
+              <a:rPr lang="de-DE" sz="2000" b="0" dirty="0">
+                <a:solidFill>
+                  <a:srgbClr val="FF0000"/>
+                </a:solidFill>
+                <a:effectLst/>
+                <a:latin typeface="Consolas" panose="020B0609020204030204" pitchFamily="49" charset="0"/>
+              </a:rPr>
+              <a:t>A</a:t>
+            </a:r>
+            <a:r>
+              <a:rPr lang="de-DE" sz="2000" b="0" dirty="0">
+                <a:solidFill>
+                  <a:schemeClr val="bg1"/>
+                </a:solidFill>
+                <a:effectLst/>
+                <a:latin typeface="Consolas" panose="020B0609020204030204" pitchFamily="49" charset="0"/>
+              </a:rPr>
+              <a:t>,</a:t>
+            </a:r>
+            <a:r>
+              <a:rPr lang="de-DE" sz="2000" b="0" dirty="0">
+                <a:solidFill>
+                  <a:srgbClr val="7030A0"/>
+                </a:solidFill>
+                <a:effectLst/>
+                <a:latin typeface="Consolas" panose="020B0609020204030204" pitchFamily="49" charset="0"/>
+              </a:rPr>
+              <a:t> </a:t>
+            </a:r>
+            <a:r>
+              <a:rPr lang="de-DE" sz="2000" b="0" dirty="0">
+                <a:solidFill>
+                  <a:schemeClr val="accent6">
+                    <a:lumMod val="75000"/>
+                  </a:schemeClr>
+                </a:solidFill>
+                <a:effectLst/>
+                <a:latin typeface="Consolas" panose="020B0609020204030204" pitchFamily="49" charset="0"/>
+              </a:rPr>
+              <a:t>W</a:t>
+            </a:r>
+            <a:r>
+              <a:rPr lang="de-DE" sz="2000" b="0" dirty="0">
+                <a:solidFill>
+                  <a:schemeClr val="bg1"/>
+                </a:solidFill>
+                <a:effectLst/>
+                <a:latin typeface="Consolas" panose="020B0609020204030204" pitchFamily="49" charset="0"/>
+              </a:rPr>
+              <a:t> und </a:t>
+            </a:r>
+            <a:r>
+              <a:rPr lang="de-DE" sz="2000" b="0" dirty="0">
+                <a:solidFill>
+                  <a:srgbClr val="FFFF00"/>
+                </a:solidFill>
+                <a:effectLst/>
+                <a:latin typeface="Consolas" panose="020B0609020204030204" pitchFamily="49" charset="0"/>
+              </a:rPr>
+              <a:t>D</a:t>
+            </a:r>
+            <a:r>
+              <a:rPr lang="de-DE" sz="2000" b="0" dirty="0">
+                <a:solidFill>
+                  <a:srgbClr val="7030A0"/>
+                </a:solidFill>
+                <a:effectLst/>
+                <a:latin typeface="Consolas" panose="020B0609020204030204" pitchFamily="49" charset="0"/>
+              </a:rPr>
+              <a:t> </a:t>
+            </a:r>
+            <a:r>
+              <a:rPr lang="de-DE" sz="2000" b="0" dirty="0">
+                <a:solidFill>
+                  <a:schemeClr val="bg1"/>
+                </a:solidFill>
+                <a:effectLst/>
+                <a:latin typeface="Consolas" panose="020B0609020204030204" pitchFamily="49" charset="0"/>
+              </a:rPr>
+              <a:t>und den </a:t>
+            </a:r>
+            <a:r>
+              <a:rPr lang="de-DE" sz="2000" b="0" dirty="0">
+                <a:solidFill>
+                  <a:srgbClr val="00B0F0"/>
+                </a:solidFill>
+                <a:effectLst/>
+                <a:latin typeface="Consolas" panose="020B0609020204030204" pitchFamily="49" charset="0"/>
+              </a:rPr>
+              <a:t>Daumen</a:t>
+            </a:r>
+            <a:r>
+              <a:rPr lang="de-DE" sz="2000" b="0" dirty="0">
+                <a:solidFill>
+                  <a:schemeClr val="bg1"/>
+                </a:solidFill>
+                <a:effectLst/>
+                <a:latin typeface="Consolas" panose="020B0609020204030204" pitchFamily="49" charset="0"/>
+              </a:rPr>
+              <a:t> der </a:t>
+            </a:r>
+            <a:r>
+              <a:rPr lang="de-DE" sz="2000" b="0" dirty="0">
+                <a:solidFill>
+                  <a:srgbClr val="00B0F0"/>
+                </a:solidFill>
+                <a:effectLst/>
+                <a:latin typeface="Consolas" panose="020B0609020204030204" pitchFamily="49" charset="0"/>
+              </a:rPr>
+              <a:t>linken</a:t>
+            </a:r>
+            <a:r>
+              <a:rPr lang="de-DE" sz="2000" b="0" dirty="0">
+                <a:solidFill>
+                  <a:schemeClr val="bg1"/>
+                </a:solidFill>
+                <a:effectLst/>
+                <a:latin typeface="Consolas" panose="020B0609020204030204" pitchFamily="49" charset="0"/>
+              </a:rPr>
+              <a:t> Hand auf die </a:t>
+            </a:r>
+            <a:r>
+              <a:rPr lang="de-DE" sz="2000" b="0" dirty="0">
+                <a:solidFill>
+                  <a:srgbClr val="00B0F0"/>
+                </a:solidFill>
+                <a:effectLst/>
+                <a:latin typeface="Consolas" panose="020B0609020204030204" pitchFamily="49" charset="0"/>
+              </a:rPr>
+              <a:t>Leertaste</a:t>
+            </a:r>
+            <a:r>
+              <a:rPr lang="de-DE" sz="2000" b="0" dirty="0">
+                <a:solidFill>
+                  <a:schemeClr val="bg1"/>
+                </a:solidFill>
+                <a:effectLst/>
+                <a:latin typeface="Consolas" panose="020B0609020204030204" pitchFamily="49" charset="0"/>
+              </a:rPr>
+              <a:t>.</a:t>
             </a:r>
           </a:p>
           <a:p>
@@ -7312,6 +7495,78 @@
           </a:p>
           <a:p>
             <a:pPr algn="ctr"/>
+            <a:endParaRPr lang="de-DE" sz="2000" dirty="0">
+              <a:solidFill>
+                <a:schemeClr val="bg1"/>
+              </a:solidFill>
+              <a:sym typeface="Wingdings" panose="05000000000000000000" pitchFamily="2" charset="2"/>
+            </a:endParaRPr>
+          </a:p>
+          <a:p>
+            <a:pPr algn="ctr"/>
+            <a:endParaRPr lang="de-DE" sz="2000" dirty="0">
+              <a:solidFill>
+                <a:schemeClr val="bg1"/>
+              </a:solidFill>
+              <a:sym typeface="Wingdings" panose="05000000000000000000" pitchFamily="2" charset="2"/>
+            </a:endParaRPr>
+          </a:p>
+          <a:p>
+            <a:pPr algn="ctr"/>
+            <a:endParaRPr lang="de-DE" sz="2000" dirty="0">
+              <a:solidFill>
+                <a:schemeClr val="bg1"/>
+              </a:solidFill>
+              <a:sym typeface="Wingdings" panose="05000000000000000000" pitchFamily="2" charset="2"/>
+            </a:endParaRPr>
+          </a:p>
+          <a:p>
+            <a:pPr algn="ctr"/>
+            <a:endParaRPr lang="de-DE" sz="2000" dirty="0">
+              <a:solidFill>
+                <a:schemeClr val="bg1"/>
+              </a:solidFill>
+              <a:sym typeface="Wingdings" panose="05000000000000000000" pitchFamily="2" charset="2"/>
+            </a:endParaRPr>
+          </a:p>
+          <a:p>
+            <a:pPr algn="ctr"/>
+            <a:endParaRPr lang="de-DE" sz="2000" dirty="0">
+              <a:solidFill>
+                <a:schemeClr val="bg1"/>
+              </a:solidFill>
+              <a:sym typeface="Wingdings" panose="05000000000000000000" pitchFamily="2" charset="2"/>
+            </a:endParaRPr>
+          </a:p>
+          <a:p>
+            <a:pPr algn="ctr"/>
+            <a:endParaRPr lang="de-DE" sz="2000" dirty="0">
+              <a:solidFill>
+                <a:schemeClr val="bg1"/>
+              </a:solidFill>
+              <a:sym typeface="Wingdings" panose="05000000000000000000" pitchFamily="2" charset="2"/>
+            </a:endParaRPr>
+          </a:p>
+          <a:p>
+            <a:pPr algn="ctr"/>
+            <a:endParaRPr lang="de-DE" sz="2000" dirty="0">
+              <a:solidFill>
+                <a:schemeClr val="bg1"/>
+              </a:solidFill>
+              <a:sym typeface="Wingdings" panose="05000000000000000000" pitchFamily="2" charset="2"/>
+            </a:endParaRPr>
+          </a:p>
+          <a:p>
+            <a:pPr algn="ctr"/>
+            <a:endParaRPr lang="de-DE" sz="2000" dirty="0">
+              <a:solidFill>
+                <a:schemeClr val="bg1"/>
+              </a:solidFill>
+              <a:sym typeface="Wingdings" panose="05000000000000000000" pitchFamily="2" charset="2"/>
+            </a:endParaRPr>
+          </a:p>
+          <a:p>
+            <a:pPr algn="ctr"/>
             <a:r>
               <a:rPr lang="de-DE" sz="2000" dirty="0">
                 <a:solidFill>
@@ -7344,13 +7599,259 @@
                 <a:schemeClr val="bg1"/>
               </a:solidFill>
             </a:endParaRPr>
+          </a:p>
+        </p:txBody>
+      </p:sp>
+      <p:pic>
+        <p:nvPicPr>
+          <p:cNvPr id="3" name="Grafik 2">
+            <a:extLst>
+              <a:ext uri="{FF2B5EF4-FFF2-40B4-BE49-F238E27FC236}">
+                <a16:creationId xmlns:a16="http://schemas.microsoft.com/office/drawing/2014/main" id="{4CA607E6-115D-5B54-F6A6-ABBC5C63474C}"/>
+              </a:ext>
+            </a:extLst>
+          </p:cNvPr>
+          <p:cNvPicPr>
+            <a:picLocks noChangeAspect="1"/>
+          </p:cNvPicPr>
+          <p:nvPr/>
+        </p:nvPicPr>
+        <p:blipFill>
+          <a:blip r:embed="rId2">
+            <a:extLst>
+              <a:ext uri="{28A0092B-C50C-407E-A947-70E740481C1C}">
+                <a14:useLocalDpi xmlns:a14="http://schemas.microsoft.com/office/drawing/2010/main" val="0"/>
+              </a:ext>
+            </a:extLst>
+          </a:blip>
+          <a:stretch>
+            <a:fillRect/>
+          </a:stretch>
+        </p:blipFill>
+        <p:spPr>
+          <a:xfrm>
+            <a:off x="2720283" y="3057526"/>
+            <a:ext cx="6502400" cy="2175461"/>
+          </a:xfrm>
+          <a:prstGeom prst="rect">
+            <a:avLst/>
+          </a:prstGeom>
+        </p:spPr>
+      </p:pic>
+      <p:sp>
+        <p:nvSpPr>
+          <p:cNvPr id="2" name="Rechteck: abgerundete Ecken 1">
+            <a:extLst>
+              <a:ext uri="{FF2B5EF4-FFF2-40B4-BE49-F238E27FC236}">
+                <a16:creationId xmlns:a16="http://schemas.microsoft.com/office/drawing/2014/main" id="{218BF682-B81F-9C8B-DA7B-231B96891B09}"/>
+              </a:ext>
+            </a:extLst>
+          </p:cNvPr>
+          <p:cNvSpPr/>
+          <p:nvPr/>
+        </p:nvSpPr>
+        <p:spPr>
+          <a:xfrm>
+            <a:off x="3260785" y="4192438"/>
+            <a:ext cx="232913" cy="224287"/>
+          </a:xfrm>
+          <a:prstGeom prst="roundRect">
+            <a:avLst/>
+          </a:prstGeom>
+          <a:noFill/>
+          <a:ln w="38100">
+            <a:solidFill>
+              <a:srgbClr val="FF0000"/>
+            </a:solidFill>
+          </a:ln>
+        </p:spPr>
+        <p:style>
+          <a:lnRef idx="2">
+            <a:schemeClr val="accent1">
+              <a:shade val="15000"/>
+            </a:schemeClr>
+          </a:lnRef>
+          <a:fillRef idx="1">
+            <a:schemeClr val="accent1"/>
+          </a:fillRef>
+          <a:effectRef idx="0">
+            <a:schemeClr val="accent1"/>
+          </a:effectRef>
+          <a:fontRef idx="minor">
+            <a:schemeClr val="lt1"/>
+          </a:fontRef>
+        </p:style>
+        <p:txBody>
+          <a:bodyPr rtlCol="0" anchor="ctr"/>
+          <a:lstStyle/>
+          <a:p>
+            <a:pPr algn="ctr"/>
+            <a:endParaRPr lang="de-DE"/>
+          </a:p>
+        </p:txBody>
+      </p:sp>
+      <p:sp>
+        <p:nvSpPr>
+          <p:cNvPr id="11" name="Rechteck: abgerundete Ecken 10">
+            <a:extLst>
+              <a:ext uri="{FF2B5EF4-FFF2-40B4-BE49-F238E27FC236}">
+                <a16:creationId xmlns:a16="http://schemas.microsoft.com/office/drawing/2014/main" id="{48634B3C-C26C-D304-43E0-978C5D3ABBED}"/>
+              </a:ext>
+            </a:extLst>
+          </p:cNvPr>
+          <p:cNvSpPr/>
+          <p:nvPr/>
+        </p:nvSpPr>
+        <p:spPr>
+          <a:xfrm>
+            <a:off x="3809913" y="4192438"/>
+            <a:ext cx="232913" cy="224287"/>
+          </a:xfrm>
+          <a:prstGeom prst="roundRect">
+            <a:avLst/>
+          </a:prstGeom>
+          <a:noFill/>
+          <a:ln w="38100">
+            <a:solidFill>
+              <a:srgbClr val="FFFF00"/>
+            </a:solidFill>
+          </a:ln>
+        </p:spPr>
+        <p:style>
+          <a:lnRef idx="2">
+            <a:schemeClr val="accent1">
+              <a:shade val="15000"/>
+            </a:schemeClr>
+          </a:lnRef>
+          <a:fillRef idx="1">
+            <a:schemeClr val="accent1"/>
+          </a:fillRef>
+          <a:effectRef idx="0">
+            <a:schemeClr val="accent1"/>
+          </a:effectRef>
+          <a:fontRef idx="minor">
+            <a:schemeClr val="lt1"/>
+          </a:fontRef>
+        </p:style>
+        <p:txBody>
+          <a:bodyPr rtlCol="0" anchor="ctr"/>
+          <a:lstStyle/>
+          <a:p>
+            <a:pPr algn="ctr"/>
+            <a:endParaRPr lang="de-DE"/>
+          </a:p>
+        </p:txBody>
+      </p:sp>
+      <p:sp>
+        <p:nvSpPr>
+          <p:cNvPr id="12" name="Rechteck: abgerundete Ecken 11">
+            <a:extLst>
+              <a:ext uri="{FF2B5EF4-FFF2-40B4-BE49-F238E27FC236}">
+                <a16:creationId xmlns:a16="http://schemas.microsoft.com/office/drawing/2014/main" id="{EC21962E-6EDB-9B67-597D-15EA88A76E75}"/>
+              </a:ext>
+            </a:extLst>
+          </p:cNvPr>
+          <p:cNvSpPr/>
+          <p:nvPr/>
+        </p:nvSpPr>
+        <p:spPr>
+          <a:xfrm>
+            <a:off x="3926369" y="4744528"/>
+            <a:ext cx="1603163" cy="362310"/>
+          </a:xfrm>
+          <a:prstGeom prst="roundRect">
+            <a:avLst/>
+          </a:prstGeom>
+          <a:noFill/>
+          <a:ln w="38100">
+            <a:solidFill>
+              <a:srgbClr val="00B0F0"/>
+            </a:solidFill>
+          </a:ln>
+        </p:spPr>
+        <p:style>
+          <a:lnRef idx="2">
+            <a:schemeClr val="accent1">
+              <a:shade val="15000"/>
+            </a:schemeClr>
+          </a:lnRef>
+          <a:fillRef idx="1">
+            <a:schemeClr val="accent1"/>
+          </a:fillRef>
+          <a:effectRef idx="0">
+            <a:schemeClr val="accent1"/>
+          </a:effectRef>
+          <a:fontRef idx="minor">
+            <a:schemeClr val="lt1"/>
+          </a:fontRef>
+        </p:style>
+        <p:txBody>
+          <a:bodyPr rtlCol="0" anchor="ctr"/>
+          <a:lstStyle/>
+          <a:p>
+            <a:pPr algn="ctr"/>
+            <a:endParaRPr lang="de-DE"/>
+          </a:p>
+        </p:txBody>
+      </p:sp>
+      <p:sp>
+        <p:nvSpPr>
+          <p:cNvPr id="5" name="Rechteck: abgerundete Ecken 4">
+            <a:extLst>
+              <a:ext uri="{FF2B5EF4-FFF2-40B4-BE49-F238E27FC236}">
+                <a16:creationId xmlns:a16="http://schemas.microsoft.com/office/drawing/2014/main" id="{445D6E5A-120A-BC0B-0445-7A2AF9362238}"/>
+              </a:ext>
+            </a:extLst>
+          </p:cNvPr>
+          <p:cNvSpPr/>
+          <p:nvPr/>
+        </p:nvSpPr>
+        <p:spPr>
+          <a:xfrm>
+            <a:off x="3493698" y="3890513"/>
+            <a:ext cx="232913" cy="224287"/>
+          </a:xfrm>
+          <a:prstGeom prst="roundRect">
+            <a:avLst/>
+          </a:prstGeom>
+          <a:noFill/>
+          <a:ln w="38100">
+            <a:solidFill>
+              <a:schemeClr val="accent6">
+                <a:lumMod val="75000"/>
+              </a:schemeClr>
+            </a:solidFill>
+          </a:ln>
+        </p:spPr>
+        <p:style>
+          <a:lnRef idx="2">
+            <a:schemeClr val="accent1">
+              <a:shade val="15000"/>
+            </a:schemeClr>
+          </a:lnRef>
+          <a:fillRef idx="1">
+            <a:schemeClr val="accent1"/>
+          </a:fillRef>
+          <a:effectRef idx="0">
+            <a:schemeClr val="accent1"/>
+          </a:effectRef>
+          <a:fontRef idx="minor">
+            <a:schemeClr val="lt1"/>
+          </a:fontRef>
+        </p:style>
+        <p:txBody>
+          <a:bodyPr rtlCol="0" anchor="ctr"/>
+          <a:lstStyle/>
+          <a:p>
+            <a:pPr algn="ctr"/>
+            <a:endParaRPr lang="de-DE"/>
           </a:p>
         </p:txBody>
       </p:sp>
     </p:spTree>
     <p:extLst>
       <p:ext uri="{BB962C8B-B14F-4D97-AF65-F5344CB8AC3E}">
-        <p14:creationId xmlns:p14="http://schemas.microsoft.com/office/powerpoint/2010/main" val="2279804044"/>
+        <p14:creationId xmlns:p14="http://schemas.microsoft.com/office/powerpoint/2010/main" val="3436921464"/>
       </p:ext>
     </p:extLst>
   </p:cSld>
@@ -7406,6 +7907,314 @@
         <p:spPr>
           <a:xfrm>
             <a:off x="1603888" y="1751291"/>
+            <a:ext cx="7954179" cy="2585323"/>
+          </a:xfrm>
+          <a:prstGeom prst="rect">
+            <a:avLst/>
+          </a:prstGeom>
+          <a:noFill/>
+        </p:spPr>
+        <p:txBody>
+          <a:bodyPr wrap="square" rtlCol="0">
+            <a:spAutoFit/>
+          </a:bodyPr>
+          <a:lstStyle/>
+          <a:p>
+            <a:pPr algn="ctr"/>
+            <a:r>
+              <a:rPr lang="de-DE" sz="4400" dirty="0">
+                <a:solidFill>
+                  <a:schemeClr val="bg1"/>
+                </a:solidFill>
+                <a:latin typeface="Consolas" panose="020B0609020204030204" pitchFamily="49" charset="0"/>
+              </a:rPr>
+              <a:t>Gut gemacht!</a:t>
+            </a:r>
+          </a:p>
+          <a:p>
+            <a:pPr algn="ctr"/>
+            <a:r>
+              <a:rPr lang="de-DE" sz="4400" b="0" dirty="0">
+                <a:solidFill>
+                  <a:schemeClr val="bg1"/>
+                </a:solidFill>
+                <a:effectLst/>
+                <a:latin typeface="Consolas" panose="020B0609020204030204" pitchFamily="49" charset="0"/>
+              </a:rPr>
+              <a:t>Das war das zweite Spiel.</a:t>
+            </a:r>
+          </a:p>
+          <a:p>
+            <a:pPr algn="ctr"/>
+            <a:endParaRPr lang="de-DE" dirty="0">
+              <a:solidFill>
+                <a:schemeClr val="bg1"/>
+              </a:solidFill>
+              <a:sym typeface="Wingdings" panose="05000000000000000000" pitchFamily="2" charset="2"/>
+            </a:endParaRPr>
+          </a:p>
+          <a:p>
+            <a:pPr algn="ctr"/>
+            <a:endParaRPr lang="de-DE" dirty="0">
+              <a:solidFill>
+                <a:schemeClr val="bg1"/>
+              </a:solidFill>
+              <a:sym typeface="Wingdings" panose="05000000000000000000" pitchFamily="2" charset="2"/>
+            </a:endParaRPr>
+          </a:p>
+          <a:p>
+            <a:pPr algn="ctr"/>
+            <a:endParaRPr lang="de-DE" dirty="0">
+              <a:solidFill>
+                <a:schemeClr val="bg1"/>
+              </a:solidFill>
+              <a:sym typeface="Wingdings" panose="05000000000000000000" pitchFamily="2" charset="2"/>
+            </a:endParaRPr>
+          </a:p>
+          <a:p>
+            <a:pPr algn="ctr"/>
+            <a:r>
+              <a:rPr lang="de-DE" sz="2000" dirty="0">
+                <a:solidFill>
+                  <a:schemeClr val="bg1"/>
+                </a:solidFill>
+                <a:sym typeface="Wingdings" panose="05000000000000000000" pitchFamily="2" charset="2"/>
+              </a:rPr>
+              <a:t>Bitte die </a:t>
+            </a:r>
+            <a:r>
+              <a:rPr lang="de-DE" sz="2000" b="1" dirty="0">
+                <a:solidFill>
+                  <a:schemeClr val="bg1"/>
+                </a:solidFill>
+                <a:sym typeface="Wingdings" panose="05000000000000000000" pitchFamily="2" charset="2"/>
+              </a:rPr>
+              <a:t>LEERTASTE</a:t>
+            </a:r>
+            <a:r>
+              <a:rPr lang="de-DE" sz="2000" dirty="0">
+                <a:solidFill>
+                  <a:schemeClr val="bg1"/>
+                </a:solidFill>
+                <a:sym typeface="Wingdings" panose="05000000000000000000" pitchFamily="2" charset="2"/>
+              </a:rPr>
+              <a:t> drücken, um fortzufahren</a:t>
+            </a:r>
+            <a:endParaRPr lang="de-DE" sz="2000" dirty="0">
+              <a:solidFill>
+                <a:schemeClr val="bg1"/>
+              </a:solidFill>
+            </a:endParaRPr>
+          </a:p>
+        </p:txBody>
+      </p:sp>
+    </p:spTree>
+    <p:extLst>
+      <p:ext uri="{BB962C8B-B14F-4D97-AF65-F5344CB8AC3E}">
+        <p14:creationId xmlns:p14="http://schemas.microsoft.com/office/powerpoint/2010/main" val="177166413"/>
+      </p:ext>
+    </p:extLst>
+  </p:cSld>
+  <p:clrMapOvr>
+    <a:masterClrMapping/>
+  </p:clrMapOvr>
+</p:sld>
+</file>
+
+<file path=ppt/slides/slide22.xml><?xml version="1.0" encoding="utf-8"?>
+<p:sld xmlns:a="http://schemas.openxmlformats.org/drawingml/2006/main" xmlns:r="http://schemas.openxmlformats.org/officeDocument/2006/relationships" xmlns:p="http://schemas.openxmlformats.org/presentationml/2006/main">
+  <p:cSld>
+    <p:bg>
+      <p:bgPr>
+        <a:solidFill>
+          <a:schemeClr val="tx1"/>
+        </a:solidFill>
+        <a:effectLst/>
+      </p:bgPr>
+    </p:bg>
+    <p:spTree>
+      <p:nvGrpSpPr>
+        <p:cNvPr id="1" name="">
+          <a:extLst>
+            <a:ext uri="{FF2B5EF4-FFF2-40B4-BE49-F238E27FC236}">
+              <a16:creationId xmlns:a16="http://schemas.microsoft.com/office/drawing/2014/main" id="{2F555E54-302D-FAF5-8B61-33E8328B6B4F}"/>
+            </a:ext>
+          </a:extLst>
+        </p:cNvPr>
+        <p:cNvGrpSpPr/>
+        <p:nvPr/>
+      </p:nvGrpSpPr>
+      <p:grpSpPr>
+        <a:xfrm>
+          <a:off x="0" y="0"/>
+          <a:ext cx="0" cy="0"/>
+          <a:chOff x="0" y="0"/>
+          <a:chExt cx="0" cy="0"/>
+        </a:xfrm>
+      </p:grpSpPr>
+      <p:sp>
+        <p:nvSpPr>
+          <p:cNvPr id="4" name="Textfeld 3">
+            <a:extLst>
+              <a:ext uri="{FF2B5EF4-FFF2-40B4-BE49-F238E27FC236}">
+                <a16:creationId xmlns:a16="http://schemas.microsoft.com/office/drawing/2014/main" id="{7BAA204B-745F-1A14-8016-08FF53D32972}"/>
+              </a:ext>
+            </a:extLst>
+          </p:cNvPr>
+          <p:cNvSpPr txBox="1"/>
+          <p:nvPr/>
+        </p:nvSpPr>
+        <p:spPr>
+          <a:xfrm>
+            <a:off x="1603888" y="1751291"/>
+            <a:ext cx="7954179" cy="3262432"/>
+          </a:xfrm>
+          <a:prstGeom prst="rect">
+            <a:avLst/>
+          </a:prstGeom>
+          <a:noFill/>
+        </p:spPr>
+        <p:txBody>
+          <a:bodyPr wrap="square" rtlCol="0">
+            <a:spAutoFit/>
+          </a:bodyPr>
+          <a:lstStyle/>
+          <a:p>
+            <a:pPr algn="ctr"/>
+            <a:r>
+              <a:rPr lang="de-DE" sz="4400" b="0" dirty="0">
+                <a:solidFill>
+                  <a:schemeClr val="bg1"/>
+                </a:solidFill>
+                <a:effectLst/>
+                <a:latin typeface="Consolas" panose="020B0609020204030204" pitchFamily="49" charset="0"/>
+              </a:rPr>
+              <a:t>Wenn Sie möchten, machen Sie eine kurze Pause und fahren dann fort.</a:t>
+            </a:r>
+          </a:p>
+          <a:p>
+            <a:pPr algn="ctr"/>
+            <a:endParaRPr lang="de-DE" dirty="0">
+              <a:solidFill>
+                <a:schemeClr val="bg1"/>
+              </a:solidFill>
+              <a:sym typeface="Wingdings" panose="05000000000000000000" pitchFamily="2" charset="2"/>
+            </a:endParaRPr>
+          </a:p>
+          <a:p>
+            <a:pPr algn="ctr"/>
+            <a:endParaRPr lang="de-DE" dirty="0">
+              <a:solidFill>
+                <a:schemeClr val="bg1"/>
+              </a:solidFill>
+              <a:sym typeface="Wingdings" panose="05000000000000000000" pitchFamily="2" charset="2"/>
+            </a:endParaRPr>
+          </a:p>
+          <a:p>
+            <a:pPr algn="ctr"/>
+            <a:endParaRPr lang="de-DE" dirty="0">
+              <a:solidFill>
+                <a:schemeClr val="bg1"/>
+              </a:solidFill>
+              <a:sym typeface="Wingdings" panose="05000000000000000000" pitchFamily="2" charset="2"/>
+            </a:endParaRPr>
+          </a:p>
+          <a:p>
+            <a:pPr algn="ctr"/>
+            <a:r>
+              <a:rPr lang="de-DE" sz="2000" dirty="0">
+                <a:solidFill>
+                  <a:schemeClr val="bg1"/>
+                </a:solidFill>
+                <a:sym typeface="Wingdings" panose="05000000000000000000" pitchFamily="2" charset="2"/>
+              </a:rPr>
+              <a:t>Bitte die </a:t>
+            </a:r>
+            <a:r>
+              <a:rPr lang="de-DE" sz="2000" b="1" dirty="0">
+                <a:solidFill>
+                  <a:schemeClr val="bg1"/>
+                </a:solidFill>
+                <a:sym typeface="Wingdings" panose="05000000000000000000" pitchFamily="2" charset="2"/>
+              </a:rPr>
+              <a:t>LEERTASTE</a:t>
+            </a:r>
+            <a:r>
+              <a:rPr lang="de-DE" sz="2000" dirty="0">
+                <a:solidFill>
+                  <a:schemeClr val="bg1"/>
+                </a:solidFill>
+                <a:sym typeface="Wingdings" panose="05000000000000000000" pitchFamily="2" charset="2"/>
+              </a:rPr>
+              <a:t> drücken, um fortzufahren</a:t>
+            </a:r>
+            <a:endParaRPr lang="de-DE" sz="2000" dirty="0">
+              <a:solidFill>
+                <a:schemeClr val="bg1"/>
+              </a:solidFill>
+            </a:endParaRPr>
+          </a:p>
+        </p:txBody>
+      </p:sp>
+    </p:spTree>
+    <p:extLst>
+      <p:ext uri="{BB962C8B-B14F-4D97-AF65-F5344CB8AC3E}">
+        <p14:creationId xmlns:p14="http://schemas.microsoft.com/office/powerpoint/2010/main" val="2279804044"/>
+      </p:ext>
+    </p:extLst>
+  </p:cSld>
+  <p:clrMapOvr>
+    <a:masterClrMapping/>
+  </p:clrMapOvr>
+</p:sld>
+</file>
+
+<file path=ppt/slides/slide23.xml><?xml version="1.0" encoding="utf-8"?>
+<p:sld xmlns:a="http://schemas.openxmlformats.org/drawingml/2006/main" xmlns:r="http://schemas.openxmlformats.org/officeDocument/2006/relationships" xmlns:p="http://schemas.openxmlformats.org/presentationml/2006/main">
+  <p:cSld>
+    <p:bg>
+      <p:bgPr>
+        <a:solidFill>
+          <a:schemeClr val="tx1"/>
+        </a:solidFill>
+        <a:effectLst/>
+      </p:bgPr>
+    </p:bg>
+    <p:spTree>
+      <p:nvGrpSpPr>
+        <p:cNvPr id="1" name="">
+          <a:extLst>
+            <a:ext uri="{FF2B5EF4-FFF2-40B4-BE49-F238E27FC236}">
+              <a16:creationId xmlns:a16="http://schemas.microsoft.com/office/drawing/2014/main" id="{2F555E54-302D-FAF5-8B61-33E8328B6B4F}"/>
+            </a:ext>
+          </a:extLst>
+        </p:cNvPr>
+        <p:cNvGrpSpPr/>
+        <p:nvPr/>
+      </p:nvGrpSpPr>
+      <p:grpSpPr>
+        <a:xfrm>
+          <a:off x="0" y="0"/>
+          <a:ext cx="0" cy="0"/>
+          <a:chOff x="0" y="0"/>
+          <a:chExt cx="0" cy="0"/>
+        </a:xfrm>
+      </p:grpSpPr>
+      <p:sp>
+        <p:nvSpPr>
+          <p:cNvPr id="4" name="Textfeld 3">
+            <a:extLst>
+              <a:ext uri="{FF2B5EF4-FFF2-40B4-BE49-F238E27FC236}">
+                <a16:creationId xmlns:a16="http://schemas.microsoft.com/office/drawing/2014/main" id="{7BAA204B-745F-1A14-8016-08FF53D32972}"/>
+              </a:ext>
+            </a:extLst>
+          </p:cNvPr>
+          <p:cNvSpPr txBox="1"/>
+          <p:nvPr/>
+        </p:nvSpPr>
+        <p:spPr>
+          <a:xfrm>
+            <a:off x="1603888" y="1751291"/>
             <a:ext cx="8325115" cy="1908215"/>
           </a:xfrm>
           <a:prstGeom prst="rect">
@@ -7514,7 +8323,7 @@
 </p:sld>
 </file>
 
-<file path=ppt/slides/slide22.xml><?xml version="1.0" encoding="utf-8"?>
+<file path=ppt/slides/slide24.xml><?xml version="1.0" encoding="utf-8"?>
 <p:sld xmlns:a="http://schemas.openxmlformats.org/drawingml/2006/main" xmlns:r="http://schemas.openxmlformats.org/officeDocument/2006/relationships" xmlns:p="http://schemas.openxmlformats.org/presentationml/2006/main">
   <p:cSld>
     <p:bg>
@@ -7845,7 +8654,7 @@
 </p:sld>
 </file>
 
-<file path=ppt/slides/slide23.xml><?xml version="1.0" encoding="utf-8"?>
+<file path=ppt/slides/slide25.xml><?xml version="1.0" encoding="utf-8"?>
 <p:sld xmlns:a="http://schemas.openxmlformats.org/drawingml/2006/main" xmlns:r="http://schemas.openxmlformats.org/officeDocument/2006/relationships" xmlns:p="http://schemas.openxmlformats.org/presentationml/2006/main">
   <p:cSld>
     <p:bg>
@@ -8549,314 +9358,6 @@
     <p:extLst>
       <p:ext uri="{BB962C8B-B14F-4D97-AF65-F5344CB8AC3E}">
         <p14:creationId xmlns:p14="http://schemas.microsoft.com/office/powerpoint/2010/main" val="3664070061"/>
-      </p:ext>
-    </p:extLst>
-  </p:cSld>
-  <p:clrMapOvr>
-    <a:masterClrMapping/>
-  </p:clrMapOvr>
-</p:sld>
-</file>
-
-<file path=ppt/slides/slide24.xml><?xml version="1.0" encoding="utf-8"?>
-<p:sld xmlns:a="http://schemas.openxmlformats.org/drawingml/2006/main" xmlns:r="http://schemas.openxmlformats.org/officeDocument/2006/relationships" xmlns:p="http://schemas.openxmlformats.org/presentationml/2006/main">
-  <p:cSld>
-    <p:bg>
-      <p:bgPr>
-        <a:solidFill>
-          <a:schemeClr val="tx1"/>
-        </a:solidFill>
-        <a:effectLst/>
-      </p:bgPr>
-    </p:bg>
-    <p:spTree>
-      <p:nvGrpSpPr>
-        <p:cNvPr id="1" name="">
-          <a:extLst>
-            <a:ext uri="{FF2B5EF4-FFF2-40B4-BE49-F238E27FC236}">
-              <a16:creationId xmlns:a16="http://schemas.microsoft.com/office/drawing/2014/main" id="{2F555E54-302D-FAF5-8B61-33E8328B6B4F}"/>
-            </a:ext>
-          </a:extLst>
-        </p:cNvPr>
-        <p:cNvGrpSpPr/>
-        <p:nvPr/>
-      </p:nvGrpSpPr>
-      <p:grpSpPr>
-        <a:xfrm>
-          <a:off x="0" y="0"/>
-          <a:ext cx="0" cy="0"/>
-          <a:chOff x="0" y="0"/>
-          <a:chExt cx="0" cy="0"/>
-        </a:xfrm>
-      </p:grpSpPr>
-      <p:sp>
-        <p:nvSpPr>
-          <p:cNvPr id="4" name="Textfeld 3">
-            <a:extLst>
-              <a:ext uri="{FF2B5EF4-FFF2-40B4-BE49-F238E27FC236}">
-                <a16:creationId xmlns:a16="http://schemas.microsoft.com/office/drawing/2014/main" id="{7BAA204B-745F-1A14-8016-08FF53D32972}"/>
-              </a:ext>
-            </a:extLst>
-          </p:cNvPr>
-          <p:cNvSpPr txBox="1"/>
-          <p:nvPr/>
-        </p:nvSpPr>
-        <p:spPr>
-          <a:xfrm>
-            <a:off x="1603888" y="1751291"/>
-            <a:ext cx="7954179" cy="2585323"/>
-          </a:xfrm>
-          <a:prstGeom prst="rect">
-            <a:avLst/>
-          </a:prstGeom>
-          <a:noFill/>
-        </p:spPr>
-        <p:txBody>
-          <a:bodyPr wrap="square" rtlCol="0">
-            <a:spAutoFit/>
-          </a:bodyPr>
-          <a:lstStyle/>
-          <a:p>
-            <a:pPr algn="ctr"/>
-            <a:r>
-              <a:rPr lang="de-DE" sz="4400" dirty="0">
-                <a:solidFill>
-                  <a:schemeClr val="bg1"/>
-                </a:solidFill>
-                <a:latin typeface="Consolas" panose="020B0609020204030204" pitchFamily="49" charset="0"/>
-              </a:rPr>
-              <a:t>Gut gemacht!</a:t>
-            </a:r>
-          </a:p>
-          <a:p>
-            <a:pPr algn="ctr"/>
-            <a:r>
-              <a:rPr lang="de-DE" sz="4400" b="0" dirty="0">
-                <a:solidFill>
-                  <a:schemeClr val="bg1"/>
-                </a:solidFill>
-                <a:effectLst/>
-                <a:latin typeface="Consolas" panose="020B0609020204030204" pitchFamily="49" charset="0"/>
-              </a:rPr>
-              <a:t>Das war das dritte Spiel.</a:t>
-            </a:r>
-          </a:p>
-          <a:p>
-            <a:pPr algn="ctr"/>
-            <a:endParaRPr lang="de-DE" dirty="0">
-              <a:solidFill>
-                <a:schemeClr val="bg1"/>
-              </a:solidFill>
-              <a:sym typeface="Wingdings" panose="05000000000000000000" pitchFamily="2" charset="2"/>
-            </a:endParaRPr>
-          </a:p>
-          <a:p>
-            <a:pPr algn="ctr"/>
-            <a:endParaRPr lang="de-DE" dirty="0">
-              <a:solidFill>
-                <a:schemeClr val="bg1"/>
-              </a:solidFill>
-              <a:sym typeface="Wingdings" panose="05000000000000000000" pitchFamily="2" charset="2"/>
-            </a:endParaRPr>
-          </a:p>
-          <a:p>
-            <a:pPr algn="ctr"/>
-            <a:endParaRPr lang="de-DE" dirty="0">
-              <a:solidFill>
-                <a:schemeClr val="bg1"/>
-              </a:solidFill>
-              <a:sym typeface="Wingdings" panose="05000000000000000000" pitchFamily="2" charset="2"/>
-            </a:endParaRPr>
-          </a:p>
-          <a:p>
-            <a:pPr algn="ctr"/>
-            <a:r>
-              <a:rPr lang="de-DE" sz="2000" dirty="0">
-                <a:solidFill>
-                  <a:schemeClr val="bg1"/>
-                </a:solidFill>
-                <a:sym typeface="Wingdings" panose="05000000000000000000" pitchFamily="2" charset="2"/>
-              </a:rPr>
-              <a:t>Bitte die </a:t>
-            </a:r>
-            <a:r>
-              <a:rPr lang="de-DE" sz="2000" b="1" dirty="0">
-                <a:solidFill>
-                  <a:schemeClr val="bg1"/>
-                </a:solidFill>
-                <a:sym typeface="Wingdings" panose="05000000000000000000" pitchFamily="2" charset="2"/>
-              </a:rPr>
-              <a:t>LEERTASTE</a:t>
-            </a:r>
-            <a:r>
-              <a:rPr lang="de-DE" sz="2000" dirty="0">
-                <a:solidFill>
-                  <a:schemeClr val="bg1"/>
-                </a:solidFill>
-                <a:sym typeface="Wingdings" panose="05000000000000000000" pitchFamily="2" charset="2"/>
-              </a:rPr>
-              <a:t> drücken, um fortzufahren</a:t>
-            </a:r>
-            <a:endParaRPr lang="de-DE" sz="2000" dirty="0">
-              <a:solidFill>
-                <a:schemeClr val="bg1"/>
-              </a:solidFill>
-            </a:endParaRPr>
-          </a:p>
-        </p:txBody>
-      </p:sp>
-    </p:spTree>
-    <p:extLst>
-      <p:ext uri="{BB962C8B-B14F-4D97-AF65-F5344CB8AC3E}">
-        <p14:creationId xmlns:p14="http://schemas.microsoft.com/office/powerpoint/2010/main" val="1472450068"/>
-      </p:ext>
-    </p:extLst>
-  </p:cSld>
-  <p:clrMapOvr>
-    <a:masterClrMapping/>
-  </p:clrMapOvr>
-</p:sld>
-</file>
-
-<file path=ppt/slides/slide25.xml><?xml version="1.0" encoding="utf-8"?>
-<p:sld xmlns:a="http://schemas.openxmlformats.org/drawingml/2006/main" xmlns:r="http://schemas.openxmlformats.org/officeDocument/2006/relationships" xmlns:p="http://schemas.openxmlformats.org/presentationml/2006/main">
-  <p:cSld>
-    <p:bg>
-      <p:bgPr>
-        <a:solidFill>
-          <a:schemeClr val="tx1"/>
-        </a:solidFill>
-        <a:effectLst/>
-      </p:bgPr>
-    </p:bg>
-    <p:spTree>
-      <p:nvGrpSpPr>
-        <p:cNvPr id="1" name="">
-          <a:extLst>
-            <a:ext uri="{FF2B5EF4-FFF2-40B4-BE49-F238E27FC236}">
-              <a16:creationId xmlns:a16="http://schemas.microsoft.com/office/drawing/2014/main" id="{2F555E54-302D-FAF5-8B61-33E8328B6B4F}"/>
-            </a:ext>
-          </a:extLst>
-        </p:cNvPr>
-        <p:cNvGrpSpPr/>
-        <p:nvPr/>
-      </p:nvGrpSpPr>
-      <p:grpSpPr>
-        <a:xfrm>
-          <a:off x="0" y="0"/>
-          <a:ext cx="0" cy="0"/>
-          <a:chOff x="0" y="0"/>
-          <a:chExt cx="0" cy="0"/>
-        </a:xfrm>
-      </p:grpSpPr>
-      <p:sp>
-        <p:nvSpPr>
-          <p:cNvPr id="4" name="Textfeld 3">
-            <a:extLst>
-              <a:ext uri="{FF2B5EF4-FFF2-40B4-BE49-F238E27FC236}">
-                <a16:creationId xmlns:a16="http://schemas.microsoft.com/office/drawing/2014/main" id="{7BAA204B-745F-1A14-8016-08FF53D32972}"/>
-              </a:ext>
-            </a:extLst>
-          </p:cNvPr>
-          <p:cNvSpPr txBox="1"/>
-          <p:nvPr/>
-        </p:nvSpPr>
-        <p:spPr>
-          <a:xfrm>
-            <a:off x="1603888" y="1751291"/>
-            <a:ext cx="7954179" cy="3262432"/>
-          </a:xfrm>
-          <a:prstGeom prst="rect">
-            <a:avLst/>
-          </a:prstGeom>
-          <a:noFill/>
-        </p:spPr>
-        <p:txBody>
-          <a:bodyPr wrap="square" rtlCol="0">
-            <a:spAutoFit/>
-          </a:bodyPr>
-          <a:lstStyle/>
-          <a:p>
-            <a:pPr algn="ctr"/>
-            <a:r>
-              <a:rPr lang="de-DE" sz="4400" b="0" dirty="0">
-                <a:solidFill>
-                  <a:schemeClr val="bg1"/>
-                </a:solidFill>
-                <a:effectLst/>
-                <a:latin typeface="Consolas" panose="020B0609020204030204" pitchFamily="49" charset="0"/>
-              </a:rPr>
-              <a:t>Wenn Sie möchten, machen Sie eine kurze Pause und fahren dann fort.</a:t>
-            </a:r>
-          </a:p>
-          <a:p>
-            <a:pPr algn="ctr"/>
-            <a:endParaRPr lang="de-DE" dirty="0">
-              <a:solidFill>
-                <a:schemeClr val="bg1"/>
-              </a:solidFill>
-              <a:sym typeface="Wingdings" panose="05000000000000000000" pitchFamily="2" charset="2"/>
-            </a:endParaRPr>
-          </a:p>
-          <a:p>
-            <a:pPr algn="ctr"/>
-            <a:endParaRPr lang="de-DE" dirty="0">
-              <a:solidFill>
-                <a:schemeClr val="bg1"/>
-              </a:solidFill>
-              <a:sym typeface="Wingdings" panose="05000000000000000000" pitchFamily="2" charset="2"/>
-            </a:endParaRPr>
-          </a:p>
-          <a:p>
-            <a:pPr algn="ctr"/>
-            <a:endParaRPr lang="de-DE" dirty="0">
-              <a:solidFill>
-                <a:schemeClr val="bg1"/>
-              </a:solidFill>
-              <a:sym typeface="Wingdings" panose="05000000000000000000" pitchFamily="2" charset="2"/>
-            </a:endParaRPr>
-          </a:p>
-          <a:p>
-            <a:pPr algn="ctr"/>
-            <a:r>
-              <a:rPr lang="de-DE" sz="2000" dirty="0">
-                <a:solidFill>
-                  <a:schemeClr val="bg1"/>
-                </a:solidFill>
-                <a:sym typeface="Wingdings" panose="05000000000000000000" pitchFamily="2" charset="2"/>
-              </a:rPr>
-              <a:t>Bitte die </a:t>
-            </a:r>
-            <a:r>
-              <a:rPr lang="de-DE" sz="2000" b="1" dirty="0">
-                <a:solidFill>
-                  <a:schemeClr val="bg1"/>
-                </a:solidFill>
-                <a:sym typeface="Wingdings" panose="05000000000000000000" pitchFamily="2" charset="2"/>
-              </a:rPr>
-              <a:t>LEERTASTE</a:t>
-            </a:r>
-            <a:r>
-              <a:rPr lang="de-DE" sz="2000" dirty="0">
-                <a:solidFill>
-                  <a:schemeClr val="bg1"/>
-                </a:solidFill>
-                <a:sym typeface="Wingdings" panose="05000000000000000000" pitchFamily="2" charset="2"/>
-              </a:rPr>
-              <a:t> drücken, um fortzufahren</a:t>
-            </a:r>
-            <a:endParaRPr lang="de-DE" sz="2000" dirty="0">
-              <a:solidFill>
-                <a:schemeClr val="bg1"/>
-              </a:solidFill>
-            </a:endParaRPr>
-          </a:p>
-        </p:txBody>
-      </p:sp>
-    </p:spTree>
-    <p:extLst>
-      <p:ext uri="{BB962C8B-B14F-4D97-AF65-F5344CB8AC3E}">
-        <p14:creationId xmlns:p14="http://schemas.microsoft.com/office/powerpoint/2010/main" val="2621821630"/>
       </p:ext>
     </p:extLst>
   </p:cSld>
@@ -8912,6 +9413,314 @@
         <p:spPr>
           <a:xfrm>
             <a:off x="1603888" y="1751291"/>
+            <a:ext cx="7954179" cy="2585323"/>
+          </a:xfrm>
+          <a:prstGeom prst="rect">
+            <a:avLst/>
+          </a:prstGeom>
+          <a:noFill/>
+        </p:spPr>
+        <p:txBody>
+          <a:bodyPr wrap="square" rtlCol="0">
+            <a:spAutoFit/>
+          </a:bodyPr>
+          <a:lstStyle/>
+          <a:p>
+            <a:pPr algn="ctr"/>
+            <a:r>
+              <a:rPr lang="de-DE" sz="4400" dirty="0">
+                <a:solidFill>
+                  <a:schemeClr val="bg1"/>
+                </a:solidFill>
+                <a:latin typeface="Consolas" panose="020B0609020204030204" pitchFamily="49" charset="0"/>
+              </a:rPr>
+              <a:t>Gut gemacht!</a:t>
+            </a:r>
+          </a:p>
+          <a:p>
+            <a:pPr algn="ctr"/>
+            <a:r>
+              <a:rPr lang="de-DE" sz="4400" b="0" dirty="0">
+                <a:solidFill>
+                  <a:schemeClr val="bg1"/>
+                </a:solidFill>
+                <a:effectLst/>
+                <a:latin typeface="Consolas" panose="020B0609020204030204" pitchFamily="49" charset="0"/>
+              </a:rPr>
+              <a:t>Das war das dritte Spiel.</a:t>
+            </a:r>
+          </a:p>
+          <a:p>
+            <a:pPr algn="ctr"/>
+            <a:endParaRPr lang="de-DE" dirty="0">
+              <a:solidFill>
+                <a:schemeClr val="bg1"/>
+              </a:solidFill>
+              <a:sym typeface="Wingdings" panose="05000000000000000000" pitchFamily="2" charset="2"/>
+            </a:endParaRPr>
+          </a:p>
+          <a:p>
+            <a:pPr algn="ctr"/>
+            <a:endParaRPr lang="de-DE" dirty="0">
+              <a:solidFill>
+                <a:schemeClr val="bg1"/>
+              </a:solidFill>
+              <a:sym typeface="Wingdings" panose="05000000000000000000" pitchFamily="2" charset="2"/>
+            </a:endParaRPr>
+          </a:p>
+          <a:p>
+            <a:pPr algn="ctr"/>
+            <a:endParaRPr lang="de-DE" dirty="0">
+              <a:solidFill>
+                <a:schemeClr val="bg1"/>
+              </a:solidFill>
+              <a:sym typeface="Wingdings" panose="05000000000000000000" pitchFamily="2" charset="2"/>
+            </a:endParaRPr>
+          </a:p>
+          <a:p>
+            <a:pPr algn="ctr"/>
+            <a:r>
+              <a:rPr lang="de-DE" sz="2000" dirty="0">
+                <a:solidFill>
+                  <a:schemeClr val="bg1"/>
+                </a:solidFill>
+                <a:sym typeface="Wingdings" panose="05000000000000000000" pitchFamily="2" charset="2"/>
+              </a:rPr>
+              <a:t>Bitte die </a:t>
+            </a:r>
+            <a:r>
+              <a:rPr lang="de-DE" sz="2000" b="1" dirty="0">
+                <a:solidFill>
+                  <a:schemeClr val="bg1"/>
+                </a:solidFill>
+                <a:sym typeface="Wingdings" panose="05000000000000000000" pitchFamily="2" charset="2"/>
+              </a:rPr>
+              <a:t>LEERTASTE</a:t>
+            </a:r>
+            <a:r>
+              <a:rPr lang="de-DE" sz="2000" dirty="0">
+                <a:solidFill>
+                  <a:schemeClr val="bg1"/>
+                </a:solidFill>
+                <a:sym typeface="Wingdings" panose="05000000000000000000" pitchFamily="2" charset="2"/>
+              </a:rPr>
+              <a:t> drücken, um fortzufahren</a:t>
+            </a:r>
+            <a:endParaRPr lang="de-DE" sz="2000" dirty="0">
+              <a:solidFill>
+                <a:schemeClr val="bg1"/>
+              </a:solidFill>
+            </a:endParaRPr>
+          </a:p>
+        </p:txBody>
+      </p:sp>
+    </p:spTree>
+    <p:extLst>
+      <p:ext uri="{BB962C8B-B14F-4D97-AF65-F5344CB8AC3E}">
+        <p14:creationId xmlns:p14="http://schemas.microsoft.com/office/powerpoint/2010/main" val="1472450068"/>
+      </p:ext>
+    </p:extLst>
+  </p:cSld>
+  <p:clrMapOvr>
+    <a:masterClrMapping/>
+  </p:clrMapOvr>
+</p:sld>
+</file>
+
+<file path=ppt/slides/slide27.xml><?xml version="1.0" encoding="utf-8"?>
+<p:sld xmlns:a="http://schemas.openxmlformats.org/drawingml/2006/main" xmlns:r="http://schemas.openxmlformats.org/officeDocument/2006/relationships" xmlns:p="http://schemas.openxmlformats.org/presentationml/2006/main">
+  <p:cSld>
+    <p:bg>
+      <p:bgPr>
+        <a:solidFill>
+          <a:schemeClr val="tx1"/>
+        </a:solidFill>
+        <a:effectLst/>
+      </p:bgPr>
+    </p:bg>
+    <p:spTree>
+      <p:nvGrpSpPr>
+        <p:cNvPr id="1" name="">
+          <a:extLst>
+            <a:ext uri="{FF2B5EF4-FFF2-40B4-BE49-F238E27FC236}">
+              <a16:creationId xmlns:a16="http://schemas.microsoft.com/office/drawing/2014/main" id="{2F555E54-302D-FAF5-8B61-33E8328B6B4F}"/>
+            </a:ext>
+          </a:extLst>
+        </p:cNvPr>
+        <p:cNvGrpSpPr/>
+        <p:nvPr/>
+      </p:nvGrpSpPr>
+      <p:grpSpPr>
+        <a:xfrm>
+          <a:off x="0" y="0"/>
+          <a:ext cx="0" cy="0"/>
+          <a:chOff x="0" y="0"/>
+          <a:chExt cx="0" cy="0"/>
+        </a:xfrm>
+      </p:grpSpPr>
+      <p:sp>
+        <p:nvSpPr>
+          <p:cNvPr id="4" name="Textfeld 3">
+            <a:extLst>
+              <a:ext uri="{FF2B5EF4-FFF2-40B4-BE49-F238E27FC236}">
+                <a16:creationId xmlns:a16="http://schemas.microsoft.com/office/drawing/2014/main" id="{7BAA204B-745F-1A14-8016-08FF53D32972}"/>
+              </a:ext>
+            </a:extLst>
+          </p:cNvPr>
+          <p:cNvSpPr txBox="1"/>
+          <p:nvPr/>
+        </p:nvSpPr>
+        <p:spPr>
+          <a:xfrm>
+            <a:off x="1603888" y="1751291"/>
+            <a:ext cx="7954179" cy="3262432"/>
+          </a:xfrm>
+          <a:prstGeom prst="rect">
+            <a:avLst/>
+          </a:prstGeom>
+          <a:noFill/>
+        </p:spPr>
+        <p:txBody>
+          <a:bodyPr wrap="square" rtlCol="0">
+            <a:spAutoFit/>
+          </a:bodyPr>
+          <a:lstStyle/>
+          <a:p>
+            <a:pPr algn="ctr"/>
+            <a:r>
+              <a:rPr lang="de-DE" sz="4400" b="0" dirty="0">
+                <a:solidFill>
+                  <a:schemeClr val="bg1"/>
+                </a:solidFill>
+                <a:effectLst/>
+                <a:latin typeface="Consolas" panose="020B0609020204030204" pitchFamily="49" charset="0"/>
+              </a:rPr>
+              <a:t>Wenn Sie möchten, machen Sie eine kurze Pause und fahren dann fort.</a:t>
+            </a:r>
+          </a:p>
+          <a:p>
+            <a:pPr algn="ctr"/>
+            <a:endParaRPr lang="de-DE" dirty="0">
+              <a:solidFill>
+                <a:schemeClr val="bg1"/>
+              </a:solidFill>
+              <a:sym typeface="Wingdings" panose="05000000000000000000" pitchFamily="2" charset="2"/>
+            </a:endParaRPr>
+          </a:p>
+          <a:p>
+            <a:pPr algn="ctr"/>
+            <a:endParaRPr lang="de-DE" dirty="0">
+              <a:solidFill>
+                <a:schemeClr val="bg1"/>
+              </a:solidFill>
+              <a:sym typeface="Wingdings" panose="05000000000000000000" pitchFamily="2" charset="2"/>
+            </a:endParaRPr>
+          </a:p>
+          <a:p>
+            <a:pPr algn="ctr"/>
+            <a:endParaRPr lang="de-DE" dirty="0">
+              <a:solidFill>
+                <a:schemeClr val="bg1"/>
+              </a:solidFill>
+              <a:sym typeface="Wingdings" panose="05000000000000000000" pitchFamily="2" charset="2"/>
+            </a:endParaRPr>
+          </a:p>
+          <a:p>
+            <a:pPr algn="ctr"/>
+            <a:r>
+              <a:rPr lang="de-DE" sz="2000" dirty="0">
+                <a:solidFill>
+                  <a:schemeClr val="bg1"/>
+                </a:solidFill>
+                <a:sym typeface="Wingdings" panose="05000000000000000000" pitchFamily="2" charset="2"/>
+              </a:rPr>
+              <a:t>Bitte die </a:t>
+            </a:r>
+            <a:r>
+              <a:rPr lang="de-DE" sz="2000" b="1" dirty="0">
+                <a:solidFill>
+                  <a:schemeClr val="bg1"/>
+                </a:solidFill>
+                <a:sym typeface="Wingdings" panose="05000000000000000000" pitchFamily="2" charset="2"/>
+              </a:rPr>
+              <a:t>LEERTASTE</a:t>
+            </a:r>
+            <a:r>
+              <a:rPr lang="de-DE" sz="2000" dirty="0">
+                <a:solidFill>
+                  <a:schemeClr val="bg1"/>
+                </a:solidFill>
+                <a:sym typeface="Wingdings" panose="05000000000000000000" pitchFamily="2" charset="2"/>
+              </a:rPr>
+              <a:t> drücken, um fortzufahren</a:t>
+            </a:r>
+            <a:endParaRPr lang="de-DE" sz="2000" dirty="0">
+              <a:solidFill>
+                <a:schemeClr val="bg1"/>
+              </a:solidFill>
+            </a:endParaRPr>
+          </a:p>
+        </p:txBody>
+      </p:sp>
+    </p:spTree>
+    <p:extLst>
+      <p:ext uri="{BB962C8B-B14F-4D97-AF65-F5344CB8AC3E}">
+        <p14:creationId xmlns:p14="http://schemas.microsoft.com/office/powerpoint/2010/main" val="2621821630"/>
+      </p:ext>
+    </p:extLst>
+  </p:cSld>
+  <p:clrMapOvr>
+    <a:masterClrMapping/>
+  </p:clrMapOvr>
+</p:sld>
+</file>
+
+<file path=ppt/slides/slide28.xml><?xml version="1.0" encoding="utf-8"?>
+<p:sld xmlns:a="http://schemas.openxmlformats.org/drawingml/2006/main" xmlns:r="http://schemas.openxmlformats.org/officeDocument/2006/relationships" xmlns:p="http://schemas.openxmlformats.org/presentationml/2006/main">
+  <p:cSld>
+    <p:bg>
+      <p:bgPr>
+        <a:solidFill>
+          <a:schemeClr val="tx1"/>
+        </a:solidFill>
+        <a:effectLst/>
+      </p:bgPr>
+    </p:bg>
+    <p:spTree>
+      <p:nvGrpSpPr>
+        <p:cNvPr id="1" name="">
+          <a:extLst>
+            <a:ext uri="{FF2B5EF4-FFF2-40B4-BE49-F238E27FC236}">
+              <a16:creationId xmlns:a16="http://schemas.microsoft.com/office/drawing/2014/main" id="{2F555E54-302D-FAF5-8B61-33E8328B6B4F}"/>
+            </a:ext>
+          </a:extLst>
+        </p:cNvPr>
+        <p:cNvGrpSpPr/>
+        <p:nvPr/>
+      </p:nvGrpSpPr>
+      <p:grpSpPr>
+        <a:xfrm>
+          <a:off x="0" y="0"/>
+          <a:ext cx="0" cy="0"/>
+          <a:chOff x="0" y="0"/>
+          <a:chExt cx="0" cy="0"/>
+        </a:xfrm>
+      </p:grpSpPr>
+      <p:sp>
+        <p:nvSpPr>
+          <p:cNvPr id="4" name="Textfeld 3">
+            <a:extLst>
+              <a:ext uri="{FF2B5EF4-FFF2-40B4-BE49-F238E27FC236}">
+                <a16:creationId xmlns:a16="http://schemas.microsoft.com/office/drawing/2014/main" id="{7BAA204B-745F-1A14-8016-08FF53D32972}"/>
+              </a:ext>
+            </a:extLst>
+          </p:cNvPr>
+          <p:cNvSpPr txBox="1"/>
+          <p:nvPr/>
+        </p:nvSpPr>
+        <p:spPr>
+          <a:xfrm>
+            <a:off x="1603888" y="1751291"/>
             <a:ext cx="8325115" cy="1908215"/>
           </a:xfrm>
           <a:prstGeom prst="rect">
@@ -9020,7 +9829,7 @@
 </p:sld>
 </file>
 
-<file path=ppt/slides/slide27.xml><?xml version="1.0" encoding="utf-8"?>
+<file path=ppt/slides/slide29.xml><?xml version="1.0" encoding="utf-8"?>
 <p:sld xmlns:a="http://schemas.openxmlformats.org/drawingml/2006/main" xmlns:r="http://schemas.openxmlformats.org/officeDocument/2006/relationships" xmlns:p="http://schemas.openxmlformats.org/presentationml/2006/main">
   <p:cSld>
     <p:bg>
@@ -9461,811 +10270,6 @@
     <p:extLst>
       <p:ext uri="{BB962C8B-B14F-4D97-AF65-F5344CB8AC3E}">
         <p14:creationId xmlns:p14="http://schemas.microsoft.com/office/powerpoint/2010/main" val="213496071"/>
-      </p:ext>
-    </p:extLst>
-  </p:cSld>
-  <p:clrMapOvr>
-    <a:masterClrMapping/>
-  </p:clrMapOvr>
-</p:sld>
-</file>
-
-<file path=ppt/slides/slide28.xml><?xml version="1.0" encoding="utf-8"?>
-<p:sld xmlns:a="http://schemas.openxmlformats.org/drawingml/2006/main" xmlns:r="http://schemas.openxmlformats.org/officeDocument/2006/relationships" xmlns:p="http://schemas.openxmlformats.org/presentationml/2006/main">
-  <p:cSld>
-    <p:bg>
-      <p:bgPr>
-        <a:solidFill>
-          <a:schemeClr val="tx1"/>
-        </a:solidFill>
-        <a:effectLst/>
-      </p:bgPr>
-    </p:bg>
-    <p:spTree>
-      <p:nvGrpSpPr>
-        <p:cNvPr id="1" name="">
-          <a:extLst>
-            <a:ext uri="{FF2B5EF4-FFF2-40B4-BE49-F238E27FC236}">
-              <a16:creationId xmlns:a16="http://schemas.microsoft.com/office/drawing/2014/main" id="{3EFE3318-6E5D-0A81-F427-A84F2C3E0696}"/>
-            </a:ext>
-          </a:extLst>
-        </p:cNvPr>
-        <p:cNvGrpSpPr/>
-        <p:nvPr/>
-      </p:nvGrpSpPr>
-      <p:grpSpPr>
-        <a:xfrm>
-          <a:off x="0" y="0"/>
-          <a:ext cx="0" cy="0"/>
-          <a:chOff x="0" y="0"/>
-          <a:chExt cx="0" cy="0"/>
-        </a:xfrm>
-      </p:grpSpPr>
-      <p:sp>
-        <p:nvSpPr>
-          <p:cNvPr id="4" name="Textfeld 3">
-            <a:extLst>
-              <a:ext uri="{FF2B5EF4-FFF2-40B4-BE49-F238E27FC236}">
-                <a16:creationId xmlns:a16="http://schemas.microsoft.com/office/drawing/2014/main" id="{A7F7700D-0694-3E3F-F846-2BD42942D96A}"/>
-              </a:ext>
-            </a:extLst>
-          </p:cNvPr>
-          <p:cNvSpPr txBox="1"/>
-          <p:nvPr/>
-        </p:nvSpPr>
-        <p:spPr>
-          <a:xfrm>
-            <a:off x="1240672" y="461250"/>
-            <a:ext cx="9710656" cy="4924425"/>
-          </a:xfrm>
-          <a:prstGeom prst="rect">
-            <a:avLst/>
-          </a:prstGeom>
-          <a:noFill/>
-        </p:spPr>
-        <p:txBody>
-          <a:bodyPr wrap="square" rtlCol="0">
-            <a:spAutoFit/>
-          </a:bodyPr>
-          <a:lstStyle/>
-          <a:p>
-            <a:pPr algn="ctr"/>
-            <a:r>
-              <a:rPr lang="de-DE" sz="2000" b="0" dirty="0">
-                <a:solidFill>
-                  <a:schemeClr val="bg1"/>
-                </a:solidFill>
-                <a:effectLst/>
-                <a:latin typeface="Consolas" panose="020B0609020204030204" pitchFamily="49" charset="0"/>
-              </a:rPr>
-              <a:t>Sie bewegen sich mit den Tasten </a:t>
-            </a:r>
-            <a:r>
-              <a:rPr lang="de-DE" sz="2000" b="1" dirty="0">
-                <a:solidFill>
-                  <a:schemeClr val="bg1"/>
-                </a:solidFill>
-                <a:effectLst/>
-                <a:latin typeface="Consolas" panose="020B0609020204030204" pitchFamily="49" charset="0"/>
-              </a:rPr>
-              <a:t>A</a:t>
-            </a:r>
-            <a:r>
-              <a:rPr lang="de-DE" sz="2000" b="0" dirty="0">
-                <a:solidFill>
-                  <a:schemeClr val="bg1"/>
-                </a:solidFill>
-                <a:effectLst/>
-                <a:latin typeface="Consolas" panose="020B0609020204030204" pitchFamily="49" charset="0"/>
-              </a:rPr>
-              <a:t> und </a:t>
-            </a:r>
-            <a:r>
-              <a:rPr lang="de-DE" sz="2000" b="1" dirty="0">
-                <a:solidFill>
-                  <a:schemeClr val="bg1"/>
-                </a:solidFill>
-                <a:effectLst/>
-                <a:latin typeface="Consolas" panose="020B0609020204030204" pitchFamily="49" charset="0"/>
-              </a:rPr>
-              <a:t>D </a:t>
-            </a:r>
-            <a:r>
-              <a:rPr lang="de-DE" sz="2000" dirty="0">
-                <a:solidFill>
-                  <a:schemeClr val="bg1"/>
-                </a:solidFill>
-                <a:effectLst/>
-                <a:latin typeface="Consolas" panose="020B0609020204030204" pitchFamily="49" charset="0"/>
-              </a:rPr>
-              <a:t>nach links und rechts</a:t>
-            </a:r>
-            <a:r>
-              <a:rPr lang="de-DE" sz="2000" b="0" dirty="0">
-                <a:solidFill>
-                  <a:schemeClr val="bg1"/>
-                </a:solidFill>
-                <a:effectLst/>
-                <a:latin typeface="Consolas" panose="020B0609020204030204" pitchFamily="49" charset="0"/>
-              </a:rPr>
-              <a:t>. </a:t>
-            </a:r>
-          </a:p>
-          <a:p>
-            <a:pPr algn="ctr"/>
-            <a:endParaRPr lang="de-DE" sz="2000" b="0" dirty="0">
-              <a:solidFill>
-                <a:schemeClr val="bg1"/>
-              </a:solidFill>
-              <a:effectLst/>
-              <a:latin typeface="Consolas" panose="020B0609020204030204" pitchFamily="49" charset="0"/>
-            </a:endParaRPr>
-          </a:p>
-          <a:p>
-            <a:pPr algn="ctr"/>
-            <a:r>
-              <a:rPr lang="de-DE" sz="2000" b="0" dirty="0">
-                <a:solidFill>
-                  <a:schemeClr val="bg1"/>
-                </a:solidFill>
-                <a:effectLst/>
-                <a:latin typeface="Consolas" panose="020B0609020204030204" pitchFamily="49" charset="0"/>
-              </a:rPr>
-              <a:t>Legen Sie nun bitte </a:t>
-            </a:r>
-            <a:r>
-              <a:rPr lang="de-DE" sz="2000" b="0" dirty="0">
-                <a:solidFill>
-                  <a:srgbClr val="FFFF00"/>
-                </a:solidFill>
-                <a:effectLst/>
-                <a:latin typeface="Consolas" panose="020B0609020204030204" pitchFamily="49" charset="0"/>
-              </a:rPr>
-              <a:t>Zeige</a:t>
-            </a:r>
-            <a:r>
-              <a:rPr lang="de-DE" sz="2000" b="0" dirty="0">
-                <a:solidFill>
-                  <a:schemeClr val="bg1"/>
-                </a:solidFill>
-                <a:effectLst/>
-                <a:latin typeface="Consolas" panose="020B0609020204030204" pitchFamily="49" charset="0"/>
-              </a:rPr>
-              <a:t>- und </a:t>
-            </a:r>
-            <a:r>
-              <a:rPr lang="de-DE" sz="2000" b="0" dirty="0">
-                <a:solidFill>
-                  <a:srgbClr val="FF0000"/>
-                </a:solidFill>
-                <a:effectLst/>
-                <a:latin typeface="Consolas" panose="020B0609020204030204" pitchFamily="49" charset="0"/>
-              </a:rPr>
-              <a:t>Ring</a:t>
-            </a:r>
-            <a:r>
-              <a:rPr lang="de-DE" sz="2000" b="0" dirty="0">
-                <a:solidFill>
-                  <a:schemeClr val="bg1"/>
-                </a:solidFill>
-                <a:effectLst/>
-                <a:latin typeface="Consolas" panose="020B0609020204030204" pitchFamily="49" charset="0"/>
-              </a:rPr>
-              <a:t>finger der </a:t>
-            </a:r>
-            <a:r>
-              <a:rPr lang="de-DE" sz="2000" b="0" u="sng" dirty="0">
-                <a:solidFill>
-                  <a:schemeClr val="bg1"/>
-                </a:solidFill>
-                <a:effectLst/>
-                <a:latin typeface="Consolas" panose="020B0609020204030204" pitchFamily="49" charset="0"/>
-              </a:rPr>
-              <a:t>linken</a:t>
-            </a:r>
-            <a:r>
-              <a:rPr lang="de-DE" sz="2000" b="0" dirty="0">
-                <a:solidFill>
-                  <a:schemeClr val="bg1"/>
-                </a:solidFill>
-                <a:effectLst/>
-                <a:latin typeface="Consolas" panose="020B0609020204030204" pitchFamily="49" charset="0"/>
-              </a:rPr>
-              <a:t> Hand auf die Tasten </a:t>
-            </a:r>
-            <a:r>
-              <a:rPr lang="de-DE" sz="2000" b="0" dirty="0">
-                <a:solidFill>
-                  <a:srgbClr val="FF0000"/>
-                </a:solidFill>
-                <a:effectLst/>
-                <a:latin typeface="Consolas" panose="020B0609020204030204" pitchFamily="49" charset="0"/>
-              </a:rPr>
-              <a:t>A</a:t>
-            </a:r>
-            <a:r>
-              <a:rPr lang="de-DE" sz="2000" b="0" dirty="0">
-                <a:solidFill>
-                  <a:schemeClr val="bg1"/>
-                </a:solidFill>
-                <a:effectLst/>
-                <a:latin typeface="Consolas" panose="020B0609020204030204" pitchFamily="49" charset="0"/>
-              </a:rPr>
-              <a:t> und </a:t>
-            </a:r>
-            <a:r>
-              <a:rPr lang="de-DE" sz="2000" b="0" dirty="0">
-                <a:solidFill>
-                  <a:srgbClr val="FFFF00"/>
-                </a:solidFill>
-                <a:effectLst/>
-                <a:latin typeface="Consolas" panose="020B0609020204030204" pitchFamily="49" charset="0"/>
-              </a:rPr>
-              <a:t>D</a:t>
-            </a:r>
-            <a:r>
-              <a:rPr lang="de-DE" sz="2000" b="0" dirty="0">
-                <a:solidFill>
-                  <a:schemeClr val="bg1"/>
-                </a:solidFill>
-                <a:effectLst/>
-                <a:latin typeface="Consolas" panose="020B0609020204030204" pitchFamily="49" charset="0"/>
-              </a:rPr>
-              <a:t>, den </a:t>
-            </a:r>
-            <a:r>
-              <a:rPr lang="de-DE" sz="2000" b="0" dirty="0">
-                <a:solidFill>
-                  <a:srgbClr val="00B0F0"/>
-                </a:solidFill>
-                <a:effectLst/>
-                <a:latin typeface="Consolas" panose="020B0609020204030204" pitchFamily="49" charset="0"/>
-              </a:rPr>
-              <a:t>Daumen</a:t>
-            </a:r>
-            <a:r>
-              <a:rPr lang="de-DE" sz="2000" b="0" dirty="0">
-                <a:solidFill>
-                  <a:schemeClr val="bg1"/>
-                </a:solidFill>
-                <a:effectLst/>
-                <a:latin typeface="Consolas" panose="020B0609020204030204" pitchFamily="49" charset="0"/>
-              </a:rPr>
-              <a:t> der </a:t>
-            </a:r>
-            <a:r>
-              <a:rPr lang="de-DE" sz="2000" b="0" u="sng" dirty="0">
-                <a:solidFill>
-                  <a:schemeClr val="bg1"/>
-                </a:solidFill>
-                <a:effectLst/>
-                <a:latin typeface="Consolas" panose="020B0609020204030204" pitchFamily="49" charset="0"/>
-              </a:rPr>
-              <a:t>linken</a:t>
-            </a:r>
-            <a:r>
-              <a:rPr lang="de-DE" sz="2000" b="0" dirty="0">
-                <a:solidFill>
-                  <a:schemeClr val="bg1"/>
-                </a:solidFill>
-                <a:effectLst/>
-                <a:latin typeface="Consolas" panose="020B0609020204030204" pitchFamily="49" charset="0"/>
-              </a:rPr>
-              <a:t> Hand auf die </a:t>
-            </a:r>
-            <a:r>
-              <a:rPr lang="de-DE" sz="2000" b="0" dirty="0">
-                <a:solidFill>
-                  <a:srgbClr val="00B0F0"/>
-                </a:solidFill>
-                <a:effectLst/>
-                <a:latin typeface="Consolas" panose="020B0609020204030204" pitchFamily="49" charset="0"/>
-              </a:rPr>
-              <a:t>Leertaste</a:t>
-            </a:r>
-            <a:r>
-              <a:rPr lang="de-DE" sz="2000" b="0" dirty="0">
-                <a:solidFill>
-                  <a:schemeClr val="bg1"/>
-                </a:solidFill>
-                <a:effectLst/>
-                <a:latin typeface="Consolas" panose="020B0609020204030204" pitchFamily="49" charset="0"/>
-              </a:rPr>
-              <a:t>.</a:t>
-            </a:r>
-          </a:p>
-          <a:p>
-            <a:pPr algn="ctr"/>
-            <a:endParaRPr lang="de-DE" dirty="0">
-              <a:solidFill>
-                <a:schemeClr val="bg1"/>
-              </a:solidFill>
-              <a:sym typeface="Wingdings" panose="05000000000000000000" pitchFamily="2" charset="2"/>
-            </a:endParaRPr>
-          </a:p>
-          <a:p>
-            <a:pPr algn="ctr"/>
-            <a:endParaRPr lang="de-DE" dirty="0">
-              <a:solidFill>
-                <a:schemeClr val="bg1"/>
-              </a:solidFill>
-              <a:sym typeface="Wingdings" panose="05000000000000000000" pitchFamily="2" charset="2"/>
-            </a:endParaRPr>
-          </a:p>
-          <a:p>
-            <a:pPr algn="ctr"/>
-            <a:endParaRPr lang="de-DE" dirty="0">
-              <a:solidFill>
-                <a:schemeClr val="bg1"/>
-              </a:solidFill>
-              <a:sym typeface="Wingdings" panose="05000000000000000000" pitchFamily="2" charset="2"/>
-            </a:endParaRPr>
-          </a:p>
-          <a:p>
-            <a:pPr algn="ctr"/>
-            <a:endParaRPr lang="de-DE" sz="2000" dirty="0">
-              <a:solidFill>
-                <a:schemeClr val="bg1"/>
-              </a:solidFill>
-              <a:sym typeface="Wingdings" panose="05000000000000000000" pitchFamily="2" charset="2"/>
-            </a:endParaRPr>
-          </a:p>
-          <a:p>
-            <a:pPr algn="ctr"/>
-            <a:endParaRPr lang="de-DE" sz="2000" dirty="0">
-              <a:solidFill>
-                <a:schemeClr val="bg1"/>
-              </a:solidFill>
-              <a:sym typeface="Wingdings" panose="05000000000000000000" pitchFamily="2" charset="2"/>
-            </a:endParaRPr>
-          </a:p>
-          <a:p>
-            <a:pPr algn="ctr"/>
-            <a:endParaRPr lang="de-DE" sz="2000" dirty="0">
-              <a:solidFill>
-                <a:schemeClr val="bg1"/>
-              </a:solidFill>
-              <a:sym typeface="Wingdings" panose="05000000000000000000" pitchFamily="2" charset="2"/>
-            </a:endParaRPr>
-          </a:p>
-          <a:p>
-            <a:pPr algn="ctr"/>
-            <a:endParaRPr lang="de-DE" sz="2000" dirty="0">
-              <a:solidFill>
-                <a:schemeClr val="bg1"/>
-              </a:solidFill>
-              <a:sym typeface="Wingdings" panose="05000000000000000000" pitchFamily="2" charset="2"/>
-            </a:endParaRPr>
-          </a:p>
-          <a:p>
-            <a:pPr algn="ctr"/>
-            <a:endParaRPr lang="de-DE" sz="2000" dirty="0">
-              <a:solidFill>
-                <a:schemeClr val="bg1"/>
-              </a:solidFill>
-              <a:sym typeface="Wingdings" panose="05000000000000000000" pitchFamily="2" charset="2"/>
-            </a:endParaRPr>
-          </a:p>
-          <a:p>
-            <a:pPr algn="ctr"/>
-            <a:endParaRPr lang="de-DE" sz="2000" dirty="0">
-              <a:solidFill>
-                <a:schemeClr val="bg1"/>
-              </a:solidFill>
-              <a:sym typeface="Wingdings" panose="05000000000000000000" pitchFamily="2" charset="2"/>
-            </a:endParaRPr>
-          </a:p>
-          <a:p>
-            <a:pPr algn="ctr"/>
-            <a:endParaRPr lang="de-DE" sz="2000" dirty="0">
-              <a:solidFill>
-                <a:schemeClr val="bg1"/>
-              </a:solidFill>
-              <a:sym typeface="Wingdings" panose="05000000000000000000" pitchFamily="2" charset="2"/>
-            </a:endParaRPr>
-          </a:p>
-          <a:p>
-            <a:pPr algn="ctr"/>
-            <a:endParaRPr lang="de-DE" sz="2000" dirty="0">
-              <a:solidFill>
-                <a:schemeClr val="bg1"/>
-              </a:solidFill>
-              <a:sym typeface="Wingdings" panose="05000000000000000000" pitchFamily="2" charset="2"/>
-            </a:endParaRPr>
-          </a:p>
-          <a:p>
-            <a:pPr algn="ctr"/>
-            <a:r>
-              <a:rPr lang="de-DE" sz="2000" dirty="0">
-                <a:solidFill>
-                  <a:schemeClr val="bg1"/>
-                </a:solidFill>
-                <a:sym typeface="Wingdings" panose="05000000000000000000" pitchFamily="2" charset="2"/>
-              </a:rPr>
-              <a:t>Bitte die </a:t>
-            </a:r>
-            <a:r>
-              <a:rPr lang="de-DE" sz="2000" b="1" dirty="0">
-                <a:solidFill>
-                  <a:schemeClr val="bg1"/>
-                </a:solidFill>
-                <a:sym typeface="Wingdings" panose="05000000000000000000" pitchFamily="2" charset="2"/>
-              </a:rPr>
-              <a:t>LEERTASTE</a:t>
-            </a:r>
-            <a:r>
-              <a:rPr lang="de-DE" sz="2000" dirty="0">
-                <a:solidFill>
-                  <a:schemeClr val="bg1"/>
-                </a:solidFill>
-                <a:sym typeface="Wingdings" panose="05000000000000000000" pitchFamily="2" charset="2"/>
-              </a:rPr>
-              <a:t> drücken, um fortzufahren</a:t>
-            </a:r>
-            <a:endParaRPr lang="de-DE" sz="2000" dirty="0">
-              <a:solidFill>
-                <a:schemeClr val="bg1"/>
-              </a:solidFill>
-            </a:endParaRPr>
-          </a:p>
-        </p:txBody>
-      </p:sp>
-      <p:pic>
-        <p:nvPicPr>
-          <p:cNvPr id="3" name="Grafik 2">
-            <a:extLst>
-              <a:ext uri="{FF2B5EF4-FFF2-40B4-BE49-F238E27FC236}">
-                <a16:creationId xmlns:a16="http://schemas.microsoft.com/office/drawing/2014/main" id="{4CA607E6-115D-5B54-F6A6-ABBC5C63474C}"/>
-              </a:ext>
-            </a:extLst>
-          </p:cNvPr>
-          <p:cNvPicPr>
-            <a:picLocks noChangeAspect="1"/>
-          </p:cNvPicPr>
-          <p:nvPr/>
-        </p:nvPicPr>
-        <p:blipFill>
-          <a:blip r:embed="rId2">
-            <a:extLst>
-              <a:ext uri="{28A0092B-C50C-407E-A947-70E740481C1C}">
-                <a14:useLocalDpi xmlns:a14="http://schemas.microsoft.com/office/drawing/2010/main" val="0"/>
-              </a:ext>
-            </a:extLst>
-          </a:blip>
-          <a:stretch>
-            <a:fillRect/>
-          </a:stretch>
-        </p:blipFill>
-        <p:spPr>
-          <a:xfrm>
-            <a:off x="2720283" y="3057526"/>
-            <a:ext cx="6502400" cy="2175461"/>
-          </a:xfrm>
-          <a:prstGeom prst="rect">
-            <a:avLst/>
-          </a:prstGeom>
-        </p:spPr>
-      </p:pic>
-      <p:sp>
-        <p:nvSpPr>
-          <p:cNvPr id="2" name="Rechteck: abgerundete Ecken 1">
-            <a:extLst>
-              <a:ext uri="{FF2B5EF4-FFF2-40B4-BE49-F238E27FC236}">
-                <a16:creationId xmlns:a16="http://schemas.microsoft.com/office/drawing/2014/main" id="{218BF682-B81F-9C8B-DA7B-231B96891B09}"/>
-              </a:ext>
-            </a:extLst>
-          </p:cNvPr>
-          <p:cNvSpPr/>
-          <p:nvPr/>
-        </p:nvSpPr>
-        <p:spPr>
-          <a:xfrm>
-            <a:off x="3260785" y="4192438"/>
-            <a:ext cx="232913" cy="224287"/>
-          </a:xfrm>
-          <a:prstGeom prst="roundRect">
-            <a:avLst/>
-          </a:prstGeom>
-          <a:noFill/>
-          <a:ln w="38100">
-            <a:solidFill>
-              <a:srgbClr val="FF0000"/>
-            </a:solidFill>
-          </a:ln>
-        </p:spPr>
-        <p:style>
-          <a:lnRef idx="2">
-            <a:schemeClr val="accent1">
-              <a:shade val="15000"/>
-            </a:schemeClr>
-          </a:lnRef>
-          <a:fillRef idx="1">
-            <a:schemeClr val="accent1"/>
-          </a:fillRef>
-          <a:effectRef idx="0">
-            <a:schemeClr val="accent1"/>
-          </a:effectRef>
-          <a:fontRef idx="minor">
-            <a:schemeClr val="lt1"/>
-          </a:fontRef>
-        </p:style>
-        <p:txBody>
-          <a:bodyPr rtlCol="0" anchor="ctr"/>
-          <a:lstStyle/>
-          <a:p>
-            <a:pPr algn="ctr"/>
-            <a:endParaRPr lang="de-DE"/>
-          </a:p>
-        </p:txBody>
-      </p:sp>
-      <p:sp>
-        <p:nvSpPr>
-          <p:cNvPr id="11" name="Rechteck: abgerundete Ecken 10">
-            <a:extLst>
-              <a:ext uri="{FF2B5EF4-FFF2-40B4-BE49-F238E27FC236}">
-                <a16:creationId xmlns:a16="http://schemas.microsoft.com/office/drawing/2014/main" id="{48634B3C-C26C-D304-43E0-978C5D3ABBED}"/>
-              </a:ext>
-            </a:extLst>
-          </p:cNvPr>
-          <p:cNvSpPr/>
-          <p:nvPr/>
-        </p:nvSpPr>
-        <p:spPr>
-          <a:xfrm>
-            <a:off x="3809913" y="4192438"/>
-            <a:ext cx="232913" cy="224287"/>
-          </a:xfrm>
-          <a:prstGeom prst="roundRect">
-            <a:avLst/>
-          </a:prstGeom>
-          <a:noFill/>
-          <a:ln w="38100">
-            <a:solidFill>
-              <a:srgbClr val="FFFF00"/>
-            </a:solidFill>
-          </a:ln>
-        </p:spPr>
-        <p:style>
-          <a:lnRef idx="2">
-            <a:schemeClr val="accent1">
-              <a:shade val="15000"/>
-            </a:schemeClr>
-          </a:lnRef>
-          <a:fillRef idx="1">
-            <a:schemeClr val="accent1"/>
-          </a:fillRef>
-          <a:effectRef idx="0">
-            <a:schemeClr val="accent1"/>
-          </a:effectRef>
-          <a:fontRef idx="minor">
-            <a:schemeClr val="lt1"/>
-          </a:fontRef>
-        </p:style>
-        <p:txBody>
-          <a:bodyPr rtlCol="0" anchor="ctr"/>
-          <a:lstStyle/>
-          <a:p>
-            <a:pPr algn="ctr"/>
-            <a:endParaRPr lang="de-DE"/>
-          </a:p>
-        </p:txBody>
-      </p:sp>
-      <p:sp>
-        <p:nvSpPr>
-          <p:cNvPr id="12" name="Rechteck: abgerundete Ecken 11">
-            <a:extLst>
-              <a:ext uri="{FF2B5EF4-FFF2-40B4-BE49-F238E27FC236}">
-                <a16:creationId xmlns:a16="http://schemas.microsoft.com/office/drawing/2014/main" id="{EC21962E-6EDB-9B67-597D-15EA88A76E75}"/>
-              </a:ext>
-            </a:extLst>
-          </p:cNvPr>
-          <p:cNvSpPr/>
-          <p:nvPr/>
-        </p:nvSpPr>
-        <p:spPr>
-          <a:xfrm>
-            <a:off x="3926369" y="4744528"/>
-            <a:ext cx="1603163" cy="362310"/>
-          </a:xfrm>
-          <a:prstGeom prst="roundRect">
-            <a:avLst/>
-          </a:prstGeom>
-          <a:noFill/>
-          <a:ln w="38100">
-            <a:solidFill>
-              <a:srgbClr val="00B0F0"/>
-            </a:solidFill>
-          </a:ln>
-        </p:spPr>
-        <p:style>
-          <a:lnRef idx="2">
-            <a:schemeClr val="accent1">
-              <a:shade val="15000"/>
-            </a:schemeClr>
-          </a:lnRef>
-          <a:fillRef idx="1">
-            <a:schemeClr val="accent1"/>
-          </a:fillRef>
-          <a:effectRef idx="0">
-            <a:schemeClr val="accent1"/>
-          </a:effectRef>
-          <a:fontRef idx="minor">
-            <a:schemeClr val="lt1"/>
-          </a:fontRef>
-        </p:style>
-        <p:txBody>
-          <a:bodyPr rtlCol="0" anchor="ctr"/>
-          <a:lstStyle/>
-          <a:p>
-            <a:pPr algn="ctr"/>
-            <a:endParaRPr lang="de-DE"/>
-          </a:p>
-        </p:txBody>
-      </p:sp>
-    </p:spTree>
-    <p:extLst>
-      <p:ext uri="{BB962C8B-B14F-4D97-AF65-F5344CB8AC3E}">
-        <p14:creationId xmlns:p14="http://schemas.microsoft.com/office/powerpoint/2010/main" val="2329458343"/>
-      </p:ext>
-    </p:extLst>
-  </p:cSld>
-  <p:clrMapOvr>
-    <a:masterClrMapping/>
-  </p:clrMapOvr>
-</p:sld>
-</file>
-
-<file path=ppt/slides/slide29.xml><?xml version="1.0" encoding="utf-8"?>
-<p:sld xmlns:a="http://schemas.openxmlformats.org/drawingml/2006/main" xmlns:r="http://schemas.openxmlformats.org/officeDocument/2006/relationships" xmlns:p="http://schemas.openxmlformats.org/presentationml/2006/main">
-  <p:cSld>
-    <p:bg>
-      <p:bgPr>
-        <a:solidFill>
-          <a:schemeClr val="tx1"/>
-        </a:solidFill>
-        <a:effectLst/>
-      </p:bgPr>
-    </p:bg>
-    <p:spTree>
-      <p:nvGrpSpPr>
-        <p:cNvPr id="1" name="">
-          <a:extLst>
-            <a:ext uri="{FF2B5EF4-FFF2-40B4-BE49-F238E27FC236}">
-              <a16:creationId xmlns:a16="http://schemas.microsoft.com/office/drawing/2014/main" id="{2F555E54-302D-FAF5-8B61-33E8328B6B4F}"/>
-            </a:ext>
-          </a:extLst>
-        </p:cNvPr>
-        <p:cNvGrpSpPr/>
-        <p:nvPr/>
-      </p:nvGrpSpPr>
-      <p:grpSpPr>
-        <a:xfrm>
-          <a:off x="0" y="0"/>
-          <a:ext cx="0" cy="0"/>
-          <a:chOff x="0" y="0"/>
-          <a:chExt cx="0" cy="0"/>
-        </a:xfrm>
-      </p:grpSpPr>
-      <p:sp>
-        <p:nvSpPr>
-          <p:cNvPr id="4" name="Textfeld 3">
-            <a:extLst>
-              <a:ext uri="{FF2B5EF4-FFF2-40B4-BE49-F238E27FC236}">
-                <a16:creationId xmlns:a16="http://schemas.microsoft.com/office/drawing/2014/main" id="{7BAA204B-745F-1A14-8016-08FF53D32972}"/>
-              </a:ext>
-            </a:extLst>
-          </p:cNvPr>
-          <p:cNvSpPr txBox="1"/>
-          <p:nvPr/>
-        </p:nvSpPr>
-        <p:spPr>
-          <a:xfrm>
-            <a:off x="1603888" y="1751291"/>
-            <a:ext cx="7954179" cy="2585323"/>
-          </a:xfrm>
-          <a:prstGeom prst="rect">
-            <a:avLst/>
-          </a:prstGeom>
-          <a:noFill/>
-        </p:spPr>
-        <p:txBody>
-          <a:bodyPr wrap="square" rtlCol="0">
-            <a:spAutoFit/>
-          </a:bodyPr>
-          <a:lstStyle/>
-          <a:p>
-            <a:pPr algn="ctr"/>
-            <a:r>
-              <a:rPr lang="de-DE" sz="4400" dirty="0">
-                <a:solidFill>
-                  <a:schemeClr val="bg1"/>
-                </a:solidFill>
-                <a:latin typeface="Consolas" panose="020B0609020204030204" pitchFamily="49" charset="0"/>
-              </a:rPr>
-              <a:t>Gut gemacht!</a:t>
-            </a:r>
-          </a:p>
-          <a:p>
-            <a:pPr algn="ctr"/>
-            <a:r>
-              <a:rPr lang="de-DE" sz="4400" b="0" dirty="0">
-                <a:solidFill>
-                  <a:schemeClr val="bg1"/>
-                </a:solidFill>
-                <a:effectLst/>
-                <a:latin typeface="Consolas" panose="020B0609020204030204" pitchFamily="49" charset="0"/>
-              </a:rPr>
-              <a:t>Das war das letzte Spiel.</a:t>
-            </a:r>
-          </a:p>
-          <a:p>
-            <a:pPr algn="ctr"/>
-            <a:endParaRPr lang="de-DE" dirty="0">
-              <a:solidFill>
-                <a:schemeClr val="bg1"/>
-              </a:solidFill>
-              <a:sym typeface="Wingdings" panose="05000000000000000000" pitchFamily="2" charset="2"/>
-            </a:endParaRPr>
-          </a:p>
-          <a:p>
-            <a:pPr algn="ctr"/>
-            <a:endParaRPr lang="de-DE" dirty="0">
-              <a:solidFill>
-                <a:schemeClr val="bg1"/>
-              </a:solidFill>
-              <a:sym typeface="Wingdings" panose="05000000000000000000" pitchFamily="2" charset="2"/>
-            </a:endParaRPr>
-          </a:p>
-          <a:p>
-            <a:pPr algn="ctr"/>
-            <a:endParaRPr lang="de-DE" dirty="0">
-              <a:solidFill>
-                <a:schemeClr val="bg1"/>
-              </a:solidFill>
-              <a:sym typeface="Wingdings" panose="05000000000000000000" pitchFamily="2" charset="2"/>
-            </a:endParaRPr>
-          </a:p>
-          <a:p>
-            <a:pPr algn="ctr"/>
-            <a:r>
-              <a:rPr lang="de-DE" sz="2000" dirty="0">
-                <a:solidFill>
-                  <a:schemeClr val="bg1"/>
-                </a:solidFill>
-                <a:sym typeface="Wingdings" panose="05000000000000000000" pitchFamily="2" charset="2"/>
-              </a:rPr>
-              <a:t>Bitte die </a:t>
-            </a:r>
-            <a:r>
-              <a:rPr lang="de-DE" sz="2000" b="1" dirty="0">
-                <a:solidFill>
-                  <a:schemeClr val="bg1"/>
-                </a:solidFill>
-                <a:sym typeface="Wingdings" panose="05000000000000000000" pitchFamily="2" charset="2"/>
-              </a:rPr>
-              <a:t>LEERTASTE</a:t>
-            </a:r>
-            <a:r>
-              <a:rPr lang="de-DE" sz="2000" dirty="0">
-                <a:solidFill>
-                  <a:schemeClr val="bg1"/>
-                </a:solidFill>
-                <a:sym typeface="Wingdings" panose="05000000000000000000" pitchFamily="2" charset="2"/>
-              </a:rPr>
-              <a:t> drücken, um fortzufahren</a:t>
-            </a:r>
-            <a:endParaRPr lang="de-DE" sz="2000" dirty="0">
-              <a:solidFill>
-                <a:schemeClr val="bg1"/>
-              </a:solidFill>
-            </a:endParaRPr>
-          </a:p>
-        </p:txBody>
-      </p:sp>
-    </p:spTree>
-    <p:extLst>
-      <p:ext uri="{BB962C8B-B14F-4D97-AF65-F5344CB8AC3E}">
-        <p14:creationId xmlns:p14="http://schemas.microsoft.com/office/powerpoint/2010/main" val="1620035497"/>
       </p:ext>
     </p:extLst>
   </p:cSld>
@@ -10414,6 +10418,811 @@
     <p:extLst>
       <p:ext uri="{BB962C8B-B14F-4D97-AF65-F5344CB8AC3E}">
         <p14:creationId xmlns:p14="http://schemas.microsoft.com/office/powerpoint/2010/main" val="2135896908"/>
+      </p:ext>
+    </p:extLst>
+  </p:cSld>
+  <p:clrMapOvr>
+    <a:masterClrMapping/>
+  </p:clrMapOvr>
+</p:sld>
+</file>
+
+<file path=ppt/slides/slide30.xml><?xml version="1.0" encoding="utf-8"?>
+<p:sld xmlns:a="http://schemas.openxmlformats.org/drawingml/2006/main" xmlns:r="http://schemas.openxmlformats.org/officeDocument/2006/relationships" xmlns:p="http://schemas.openxmlformats.org/presentationml/2006/main">
+  <p:cSld>
+    <p:bg>
+      <p:bgPr>
+        <a:solidFill>
+          <a:schemeClr val="tx1"/>
+        </a:solidFill>
+        <a:effectLst/>
+      </p:bgPr>
+    </p:bg>
+    <p:spTree>
+      <p:nvGrpSpPr>
+        <p:cNvPr id="1" name="">
+          <a:extLst>
+            <a:ext uri="{FF2B5EF4-FFF2-40B4-BE49-F238E27FC236}">
+              <a16:creationId xmlns:a16="http://schemas.microsoft.com/office/drawing/2014/main" id="{3EFE3318-6E5D-0A81-F427-A84F2C3E0696}"/>
+            </a:ext>
+          </a:extLst>
+        </p:cNvPr>
+        <p:cNvGrpSpPr/>
+        <p:nvPr/>
+      </p:nvGrpSpPr>
+      <p:grpSpPr>
+        <a:xfrm>
+          <a:off x="0" y="0"/>
+          <a:ext cx="0" cy="0"/>
+          <a:chOff x="0" y="0"/>
+          <a:chExt cx="0" cy="0"/>
+        </a:xfrm>
+      </p:grpSpPr>
+      <p:sp>
+        <p:nvSpPr>
+          <p:cNvPr id="4" name="Textfeld 3">
+            <a:extLst>
+              <a:ext uri="{FF2B5EF4-FFF2-40B4-BE49-F238E27FC236}">
+                <a16:creationId xmlns:a16="http://schemas.microsoft.com/office/drawing/2014/main" id="{A7F7700D-0694-3E3F-F846-2BD42942D96A}"/>
+              </a:ext>
+            </a:extLst>
+          </p:cNvPr>
+          <p:cNvSpPr txBox="1"/>
+          <p:nvPr/>
+        </p:nvSpPr>
+        <p:spPr>
+          <a:xfrm>
+            <a:off x="1240672" y="461250"/>
+            <a:ext cx="9710656" cy="4924425"/>
+          </a:xfrm>
+          <a:prstGeom prst="rect">
+            <a:avLst/>
+          </a:prstGeom>
+          <a:noFill/>
+        </p:spPr>
+        <p:txBody>
+          <a:bodyPr wrap="square" rtlCol="0">
+            <a:spAutoFit/>
+          </a:bodyPr>
+          <a:lstStyle/>
+          <a:p>
+            <a:pPr algn="ctr"/>
+            <a:r>
+              <a:rPr lang="de-DE" sz="2000" b="0" dirty="0">
+                <a:solidFill>
+                  <a:schemeClr val="bg1"/>
+                </a:solidFill>
+                <a:effectLst/>
+                <a:latin typeface="Consolas" panose="020B0609020204030204" pitchFamily="49" charset="0"/>
+              </a:rPr>
+              <a:t>Sie bewegen sich mit den Tasten </a:t>
+            </a:r>
+            <a:r>
+              <a:rPr lang="de-DE" sz="2000" b="1" dirty="0">
+                <a:solidFill>
+                  <a:schemeClr val="bg1"/>
+                </a:solidFill>
+                <a:effectLst/>
+                <a:latin typeface="Consolas" panose="020B0609020204030204" pitchFamily="49" charset="0"/>
+              </a:rPr>
+              <a:t>A</a:t>
+            </a:r>
+            <a:r>
+              <a:rPr lang="de-DE" sz="2000" b="0" dirty="0">
+                <a:solidFill>
+                  <a:schemeClr val="bg1"/>
+                </a:solidFill>
+                <a:effectLst/>
+                <a:latin typeface="Consolas" panose="020B0609020204030204" pitchFamily="49" charset="0"/>
+              </a:rPr>
+              <a:t> und </a:t>
+            </a:r>
+            <a:r>
+              <a:rPr lang="de-DE" sz="2000" b="1" dirty="0">
+                <a:solidFill>
+                  <a:schemeClr val="bg1"/>
+                </a:solidFill>
+                <a:effectLst/>
+                <a:latin typeface="Consolas" panose="020B0609020204030204" pitchFamily="49" charset="0"/>
+              </a:rPr>
+              <a:t>D </a:t>
+            </a:r>
+            <a:r>
+              <a:rPr lang="de-DE" sz="2000" dirty="0">
+                <a:solidFill>
+                  <a:schemeClr val="bg1"/>
+                </a:solidFill>
+                <a:effectLst/>
+                <a:latin typeface="Consolas" panose="020B0609020204030204" pitchFamily="49" charset="0"/>
+              </a:rPr>
+              <a:t>nach links und rechts</a:t>
+            </a:r>
+            <a:r>
+              <a:rPr lang="de-DE" sz="2000" b="0" dirty="0">
+                <a:solidFill>
+                  <a:schemeClr val="bg1"/>
+                </a:solidFill>
+                <a:effectLst/>
+                <a:latin typeface="Consolas" panose="020B0609020204030204" pitchFamily="49" charset="0"/>
+              </a:rPr>
+              <a:t>. </a:t>
+            </a:r>
+          </a:p>
+          <a:p>
+            <a:pPr algn="ctr"/>
+            <a:endParaRPr lang="de-DE" sz="2000" b="0" dirty="0">
+              <a:solidFill>
+                <a:schemeClr val="bg1"/>
+              </a:solidFill>
+              <a:effectLst/>
+              <a:latin typeface="Consolas" panose="020B0609020204030204" pitchFamily="49" charset="0"/>
+            </a:endParaRPr>
+          </a:p>
+          <a:p>
+            <a:pPr algn="ctr"/>
+            <a:r>
+              <a:rPr lang="de-DE" sz="2000" b="0" dirty="0">
+                <a:solidFill>
+                  <a:schemeClr val="bg1"/>
+                </a:solidFill>
+                <a:effectLst/>
+                <a:latin typeface="Consolas" panose="020B0609020204030204" pitchFamily="49" charset="0"/>
+              </a:rPr>
+              <a:t>Legen Sie nun bitte </a:t>
+            </a:r>
+            <a:r>
+              <a:rPr lang="de-DE" sz="2000" b="0" dirty="0">
+                <a:solidFill>
+                  <a:srgbClr val="FFFF00"/>
+                </a:solidFill>
+                <a:effectLst/>
+                <a:latin typeface="Consolas" panose="020B0609020204030204" pitchFamily="49" charset="0"/>
+              </a:rPr>
+              <a:t>Zeige</a:t>
+            </a:r>
+            <a:r>
+              <a:rPr lang="de-DE" sz="2000" b="0" dirty="0">
+                <a:solidFill>
+                  <a:schemeClr val="bg1"/>
+                </a:solidFill>
+                <a:effectLst/>
+                <a:latin typeface="Consolas" panose="020B0609020204030204" pitchFamily="49" charset="0"/>
+              </a:rPr>
+              <a:t>- und </a:t>
+            </a:r>
+            <a:r>
+              <a:rPr lang="de-DE" sz="2000" b="0" dirty="0">
+                <a:solidFill>
+                  <a:srgbClr val="FF0000"/>
+                </a:solidFill>
+                <a:effectLst/>
+                <a:latin typeface="Consolas" panose="020B0609020204030204" pitchFamily="49" charset="0"/>
+              </a:rPr>
+              <a:t>Ring</a:t>
+            </a:r>
+            <a:r>
+              <a:rPr lang="de-DE" sz="2000" b="0" dirty="0">
+                <a:solidFill>
+                  <a:schemeClr val="bg1"/>
+                </a:solidFill>
+                <a:effectLst/>
+                <a:latin typeface="Consolas" panose="020B0609020204030204" pitchFamily="49" charset="0"/>
+              </a:rPr>
+              <a:t>finger der </a:t>
+            </a:r>
+            <a:r>
+              <a:rPr lang="de-DE" sz="2000" b="0" u="sng" dirty="0">
+                <a:solidFill>
+                  <a:schemeClr val="bg1"/>
+                </a:solidFill>
+                <a:effectLst/>
+                <a:latin typeface="Consolas" panose="020B0609020204030204" pitchFamily="49" charset="0"/>
+              </a:rPr>
+              <a:t>linken</a:t>
+            </a:r>
+            <a:r>
+              <a:rPr lang="de-DE" sz="2000" b="0" dirty="0">
+                <a:solidFill>
+                  <a:schemeClr val="bg1"/>
+                </a:solidFill>
+                <a:effectLst/>
+                <a:latin typeface="Consolas" panose="020B0609020204030204" pitchFamily="49" charset="0"/>
+              </a:rPr>
+              <a:t> Hand auf die Tasten </a:t>
+            </a:r>
+            <a:r>
+              <a:rPr lang="de-DE" sz="2000" b="0" dirty="0">
+                <a:solidFill>
+                  <a:srgbClr val="FF0000"/>
+                </a:solidFill>
+                <a:effectLst/>
+                <a:latin typeface="Consolas" panose="020B0609020204030204" pitchFamily="49" charset="0"/>
+              </a:rPr>
+              <a:t>A</a:t>
+            </a:r>
+            <a:r>
+              <a:rPr lang="de-DE" sz="2000" b="0" dirty="0">
+                <a:solidFill>
+                  <a:schemeClr val="bg1"/>
+                </a:solidFill>
+                <a:effectLst/>
+                <a:latin typeface="Consolas" panose="020B0609020204030204" pitchFamily="49" charset="0"/>
+              </a:rPr>
+              <a:t> und </a:t>
+            </a:r>
+            <a:r>
+              <a:rPr lang="de-DE" sz="2000" b="0" dirty="0">
+                <a:solidFill>
+                  <a:srgbClr val="FFFF00"/>
+                </a:solidFill>
+                <a:effectLst/>
+                <a:latin typeface="Consolas" panose="020B0609020204030204" pitchFamily="49" charset="0"/>
+              </a:rPr>
+              <a:t>D</a:t>
+            </a:r>
+            <a:r>
+              <a:rPr lang="de-DE" sz="2000" b="0" dirty="0">
+                <a:solidFill>
+                  <a:schemeClr val="bg1"/>
+                </a:solidFill>
+                <a:effectLst/>
+                <a:latin typeface="Consolas" panose="020B0609020204030204" pitchFamily="49" charset="0"/>
+              </a:rPr>
+              <a:t>, den </a:t>
+            </a:r>
+            <a:r>
+              <a:rPr lang="de-DE" sz="2000" b="0" dirty="0">
+                <a:solidFill>
+                  <a:srgbClr val="00B0F0"/>
+                </a:solidFill>
+                <a:effectLst/>
+                <a:latin typeface="Consolas" panose="020B0609020204030204" pitchFamily="49" charset="0"/>
+              </a:rPr>
+              <a:t>Daumen</a:t>
+            </a:r>
+            <a:r>
+              <a:rPr lang="de-DE" sz="2000" b="0" dirty="0">
+                <a:solidFill>
+                  <a:schemeClr val="bg1"/>
+                </a:solidFill>
+                <a:effectLst/>
+                <a:latin typeface="Consolas" panose="020B0609020204030204" pitchFamily="49" charset="0"/>
+              </a:rPr>
+              <a:t> der </a:t>
+            </a:r>
+            <a:r>
+              <a:rPr lang="de-DE" sz="2000" b="0" u="sng" dirty="0">
+                <a:solidFill>
+                  <a:schemeClr val="bg1"/>
+                </a:solidFill>
+                <a:effectLst/>
+                <a:latin typeface="Consolas" panose="020B0609020204030204" pitchFamily="49" charset="0"/>
+              </a:rPr>
+              <a:t>linken</a:t>
+            </a:r>
+            <a:r>
+              <a:rPr lang="de-DE" sz="2000" b="0" dirty="0">
+                <a:solidFill>
+                  <a:schemeClr val="bg1"/>
+                </a:solidFill>
+                <a:effectLst/>
+                <a:latin typeface="Consolas" panose="020B0609020204030204" pitchFamily="49" charset="0"/>
+              </a:rPr>
+              <a:t> Hand auf die </a:t>
+            </a:r>
+            <a:r>
+              <a:rPr lang="de-DE" sz="2000" b="0" dirty="0">
+                <a:solidFill>
+                  <a:srgbClr val="00B0F0"/>
+                </a:solidFill>
+                <a:effectLst/>
+                <a:latin typeface="Consolas" panose="020B0609020204030204" pitchFamily="49" charset="0"/>
+              </a:rPr>
+              <a:t>Leertaste</a:t>
+            </a:r>
+            <a:r>
+              <a:rPr lang="de-DE" sz="2000" b="0" dirty="0">
+                <a:solidFill>
+                  <a:schemeClr val="bg1"/>
+                </a:solidFill>
+                <a:effectLst/>
+                <a:latin typeface="Consolas" panose="020B0609020204030204" pitchFamily="49" charset="0"/>
+              </a:rPr>
+              <a:t>.</a:t>
+            </a:r>
+          </a:p>
+          <a:p>
+            <a:pPr algn="ctr"/>
+            <a:endParaRPr lang="de-DE" dirty="0">
+              <a:solidFill>
+                <a:schemeClr val="bg1"/>
+              </a:solidFill>
+              <a:sym typeface="Wingdings" panose="05000000000000000000" pitchFamily="2" charset="2"/>
+            </a:endParaRPr>
+          </a:p>
+          <a:p>
+            <a:pPr algn="ctr"/>
+            <a:endParaRPr lang="de-DE" dirty="0">
+              <a:solidFill>
+                <a:schemeClr val="bg1"/>
+              </a:solidFill>
+              <a:sym typeface="Wingdings" panose="05000000000000000000" pitchFamily="2" charset="2"/>
+            </a:endParaRPr>
+          </a:p>
+          <a:p>
+            <a:pPr algn="ctr"/>
+            <a:endParaRPr lang="de-DE" dirty="0">
+              <a:solidFill>
+                <a:schemeClr val="bg1"/>
+              </a:solidFill>
+              <a:sym typeface="Wingdings" panose="05000000000000000000" pitchFamily="2" charset="2"/>
+            </a:endParaRPr>
+          </a:p>
+          <a:p>
+            <a:pPr algn="ctr"/>
+            <a:endParaRPr lang="de-DE" sz="2000" dirty="0">
+              <a:solidFill>
+                <a:schemeClr val="bg1"/>
+              </a:solidFill>
+              <a:sym typeface="Wingdings" panose="05000000000000000000" pitchFamily="2" charset="2"/>
+            </a:endParaRPr>
+          </a:p>
+          <a:p>
+            <a:pPr algn="ctr"/>
+            <a:endParaRPr lang="de-DE" sz="2000" dirty="0">
+              <a:solidFill>
+                <a:schemeClr val="bg1"/>
+              </a:solidFill>
+              <a:sym typeface="Wingdings" panose="05000000000000000000" pitchFamily="2" charset="2"/>
+            </a:endParaRPr>
+          </a:p>
+          <a:p>
+            <a:pPr algn="ctr"/>
+            <a:endParaRPr lang="de-DE" sz="2000" dirty="0">
+              <a:solidFill>
+                <a:schemeClr val="bg1"/>
+              </a:solidFill>
+              <a:sym typeface="Wingdings" panose="05000000000000000000" pitchFamily="2" charset="2"/>
+            </a:endParaRPr>
+          </a:p>
+          <a:p>
+            <a:pPr algn="ctr"/>
+            <a:endParaRPr lang="de-DE" sz="2000" dirty="0">
+              <a:solidFill>
+                <a:schemeClr val="bg1"/>
+              </a:solidFill>
+              <a:sym typeface="Wingdings" panose="05000000000000000000" pitchFamily="2" charset="2"/>
+            </a:endParaRPr>
+          </a:p>
+          <a:p>
+            <a:pPr algn="ctr"/>
+            <a:endParaRPr lang="de-DE" sz="2000" dirty="0">
+              <a:solidFill>
+                <a:schemeClr val="bg1"/>
+              </a:solidFill>
+              <a:sym typeface="Wingdings" panose="05000000000000000000" pitchFamily="2" charset="2"/>
+            </a:endParaRPr>
+          </a:p>
+          <a:p>
+            <a:pPr algn="ctr"/>
+            <a:endParaRPr lang="de-DE" sz="2000" dirty="0">
+              <a:solidFill>
+                <a:schemeClr val="bg1"/>
+              </a:solidFill>
+              <a:sym typeface="Wingdings" panose="05000000000000000000" pitchFamily="2" charset="2"/>
+            </a:endParaRPr>
+          </a:p>
+          <a:p>
+            <a:pPr algn="ctr"/>
+            <a:endParaRPr lang="de-DE" sz="2000" dirty="0">
+              <a:solidFill>
+                <a:schemeClr val="bg1"/>
+              </a:solidFill>
+              <a:sym typeface="Wingdings" panose="05000000000000000000" pitchFamily="2" charset="2"/>
+            </a:endParaRPr>
+          </a:p>
+          <a:p>
+            <a:pPr algn="ctr"/>
+            <a:endParaRPr lang="de-DE" sz="2000" dirty="0">
+              <a:solidFill>
+                <a:schemeClr val="bg1"/>
+              </a:solidFill>
+              <a:sym typeface="Wingdings" panose="05000000000000000000" pitchFamily="2" charset="2"/>
+            </a:endParaRPr>
+          </a:p>
+          <a:p>
+            <a:pPr algn="ctr"/>
+            <a:r>
+              <a:rPr lang="de-DE" sz="2000" dirty="0">
+                <a:solidFill>
+                  <a:schemeClr val="bg1"/>
+                </a:solidFill>
+                <a:sym typeface="Wingdings" panose="05000000000000000000" pitchFamily="2" charset="2"/>
+              </a:rPr>
+              <a:t>Bitte die </a:t>
+            </a:r>
+            <a:r>
+              <a:rPr lang="de-DE" sz="2000" b="1" dirty="0">
+                <a:solidFill>
+                  <a:schemeClr val="bg1"/>
+                </a:solidFill>
+                <a:sym typeface="Wingdings" panose="05000000000000000000" pitchFamily="2" charset="2"/>
+              </a:rPr>
+              <a:t>LEERTASTE</a:t>
+            </a:r>
+            <a:r>
+              <a:rPr lang="de-DE" sz="2000" dirty="0">
+                <a:solidFill>
+                  <a:schemeClr val="bg1"/>
+                </a:solidFill>
+                <a:sym typeface="Wingdings" panose="05000000000000000000" pitchFamily="2" charset="2"/>
+              </a:rPr>
+              <a:t> drücken, um fortzufahren</a:t>
+            </a:r>
+            <a:endParaRPr lang="de-DE" sz="2000" dirty="0">
+              <a:solidFill>
+                <a:schemeClr val="bg1"/>
+              </a:solidFill>
+            </a:endParaRPr>
+          </a:p>
+        </p:txBody>
+      </p:sp>
+      <p:pic>
+        <p:nvPicPr>
+          <p:cNvPr id="3" name="Grafik 2">
+            <a:extLst>
+              <a:ext uri="{FF2B5EF4-FFF2-40B4-BE49-F238E27FC236}">
+                <a16:creationId xmlns:a16="http://schemas.microsoft.com/office/drawing/2014/main" id="{4CA607E6-115D-5B54-F6A6-ABBC5C63474C}"/>
+              </a:ext>
+            </a:extLst>
+          </p:cNvPr>
+          <p:cNvPicPr>
+            <a:picLocks noChangeAspect="1"/>
+          </p:cNvPicPr>
+          <p:nvPr/>
+        </p:nvPicPr>
+        <p:blipFill>
+          <a:blip r:embed="rId2">
+            <a:extLst>
+              <a:ext uri="{28A0092B-C50C-407E-A947-70E740481C1C}">
+                <a14:useLocalDpi xmlns:a14="http://schemas.microsoft.com/office/drawing/2010/main" val="0"/>
+              </a:ext>
+            </a:extLst>
+          </a:blip>
+          <a:stretch>
+            <a:fillRect/>
+          </a:stretch>
+        </p:blipFill>
+        <p:spPr>
+          <a:xfrm>
+            <a:off x="2720283" y="3057526"/>
+            <a:ext cx="6502400" cy="2175461"/>
+          </a:xfrm>
+          <a:prstGeom prst="rect">
+            <a:avLst/>
+          </a:prstGeom>
+        </p:spPr>
+      </p:pic>
+      <p:sp>
+        <p:nvSpPr>
+          <p:cNvPr id="2" name="Rechteck: abgerundete Ecken 1">
+            <a:extLst>
+              <a:ext uri="{FF2B5EF4-FFF2-40B4-BE49-F238E27FC236}">
+                <a16:creationId xmlns:a16="http://schemas.microsoft.com/office/drawing/2014/main" id="{218BF682-B81F-9C8B-DA7B-231B96891B09}"/>
+              </a:ext>
+            </a:extLst>
+          </p:cNvPr>
+          <p:cNvSpPr/>
+          <p:nvPr/>
+        </p:nvSpPr>
+        <p:spPr>
+          <a:xfrm>
+            <a:off x="3260785" y="4192438"/>
+            <a:ext cx="232913" cy="224287"/>
+          </a:xfrm>
+          <a:prstGeom prst="roundRect">
+            <a:avLst/>
+          </a:prstGeom>
+          <a:noFill/>
+          <a:ln w="38100">
+            <a:solidFill>
+              <a:srgbClr val="FF0000"/>
+            </a:solidFill>
+          </a:ln>
+        </p:spPr>
+        <p:style>
+          <a:lnRef idx="2">
+            <a:schemeClr val="accent1">
+              <a:shade val="15000"/>
+            </a:schemeClr>
+          </a:lnRef>
+          <a:fillRef idx="1">
+            <a:schemeClr val="accent1"/>
+          </a:fillRef>
+          <a:effectRef idx="0">
+            <a:schemeClr val="accent1"/>
+          </a:effectRef>
+          <a:fontRef idx="minor">
+            <a:schemeClr val="lt1"/>
+          </a:fontRef>
+        </p:style>
+        <p:txBody>
+          <a:bodyPr rtlCol="0" anchor="ctr"/>
+          <a:lstStyle/>
+          <a:p>
+            <a:pPr algn="ctr"/>
+            <a:endParaRPr lang="de-DE"/>
+          </a:p>
+        </p:txBody>
+      </p:sp>
+      <p:sp>
+        <p:nvSpPr>
+          <p:cNvPr id="11" name="Rechteck: abgerundete Ecken 10">
+            <a:extLst>
+              <a:ext uri="{FF2B5EF4-FFF2-40B4-BE49-F238E27FC236}">
+                <a16:creationId xmlns:a16="http://schemas.microsoft.com/office/drawing/2014/main" id="{48634B3C-C26C-D304-43E0-978C5D3ABBED}"/>
+              </a:ext>
+            </a:extLst>
+          </p:cNvPr>
+          <p:cNvSpPr/>
+          <p:nvPr/>
+        </p:nvSpPr>
+        <p:spPr>
+          <a:xfrm>
+            <a:off x="3809913" y="4192438"/>
+            <a:ext cx="232913" cy="224287"/>
+          </a:xfrm>
+          <a:prstGeom prst="roundRect">
+            <a:avLst/>
+          </a:prstGeom>
+          <a:noFill/>
+          <a:ln w="38100">
+            <a:solidFill>
+              <a:srgbClr val="FFFF00"/>
+            </a:solidFill>
+          </a:ln>
+        </p:spPr>
+        <p:style>
+          <a:lnRef idx="2">
+            <a:schemeClr val="accent1">
+              <a:shade val="15000"/>
+            </a:schemeClr>
+          </a:lnRef>
+          <a:fillRef idx="1">
+            <a:schemeClr val="accent1"/>
+          </a:fillRef>
+          <a:effectRef idx="0">
+            <a:schemeClr val="accent1"/>
+          </a:effectRef>
+          <a:fontRef idx="minor">
+            <a:schemeClr val="lt1"/>
+          </a:fontRef>
+        </p:style>
+        <p:txBody>
+          <a:bodyPr rtlCol="0" anchor="ctr"/>
+          <a:lstStyle/>
+          <a:p>
+            <a:pPr algn="ctr"/>
+            <a:endParaRPr lang="de-DE"/>
+          </a:p>
+        </p:txBody>
+      </p:sp>
+      <p:sp>
+        <p:nvSpPr>
+          <p:cNvPr id="12" name="Rechteck: abgerundete Ecken 11">
+            <a:extLst>
+              <a:ext uri="{FF2B5EF4-FFF2-40B4-BE49-F238E27FC236}">
+                <a16:creationId xmlns:a16="http://schemas.microsoft.com/office/drawing/2014/main" id="{EC21962E-6EDB-9B67-597D-15EA88A76E75}"/>
+              </a:ext>
+            </a:extLst>
+          </p:cNvPr>
+          <p:cNvSpPr/>
+          <p:nvPr/>
+        </p:nvSpPr>
+        <p:spPr>
+          <a:xfrm>
+            <a:off x="3926369" y="4744528"/>
+            <a:ext cx="1603163" cy="362310"/>
+          </a:xfrm>
+          <a:prstGeom prst="roundRect">
+            <a:avLst/>
+          </a:prstGeom>
+          <a:noFill/>
+          <a:ln w="38100">
+            <a:solidFill>
+              <a:srgbClr val="00B0F0"/>
+            </a:solidFill>
+          </a:ln>
+        </p:spPr>
+        <p:style>
+          <a:lnRef idx="2">
+            <a:schemeClr val="accent1">
+              <a:shade val="15000"/>
+            </a:schemeClr>
+          </a:lnRef>
+          <a:fillRef idx="1">
+            <a:schemeClr val="accent1"/>
+          </a:fillRef>
+          <a:effectRef idx="0">
+            <a:schemeClr val="accent1"/>
+          </a:effectRef>
+          <a:fontRef idx="minor">
+            <a:schemeClr val="lt1"/>
+          </a:fontRef>
+        </p:style>
+        <p:txBody>
+          <a:bodyPr rtlCol="0" anchor="ctr"/>
+          <a:lstStyle/>
+          <a:p>
+            <a:pPr algn="ctr"/>
+            <a:endParaRPr lang="de-DE"/>
+          </a:p>
+        </p:txBody>
+      </p:sp>
+    </p:spTree>
+    <p:extLst>
+      <p:ext uri="{BB962C8B-B14F-4D97-AF65-F5344CB8AC3E}">
+        <p14:creationId xmlns:p14="http://schemas.microsoft.com/office/powerpoint/2010/main" val="2329458343"/>
+      </p:ext>
+    </p:extLst>
+  </p:cSld>
+  <p:clrMapOvr>
+    <a:masterClrMapping/>
+  </p:clrMapOvr>
+</p:sld>
+</file>
+
+<file path=ppt/slides/slide31.xml><?xml version="1.0" encoding="utf-8"?>
+<p:sld xmlns:a="http://schemas.openxmlformats.org/drawingml/2006/main" xmlns:r="http://schemas.openxmlformats.org/officeDocument/2006/relationships" xmlns:p="http://schemas.openxmlformats.org/presentationml/2006/main">
+  <p:cSld>
+    <p:bg>
+      <p:bgPr>
+        <a:solidFill>
+          <a:schemeClr val="tx1"/>
+        </a:solidFill>
+        <a:effectLst/>
+      </p:bgPr>
+    </p:bg>
+    <p:spTree>
+      <p:nvGrpSpPr>
+        <p:cNvPr id="1" name="">
+          <a:extLst>
+            <a:ext uri="{FF2B5EF4-FFF2-40B4-BE49-F238E27FC236}">
+              <a16:creationId xmlns:a16="http://schemas.microsoft.com/office/drawing/2014/main" id="{2F555E54-302D-FAF5-8B61-33E8328B6B4F}"/>
+            </a:ext>
+          </a:extLst>
+        </p:cNvPr>
+        <p:cNvGrpSpPr/>
+        <p:nvPr/>
+      </p:nvGrpSpPr>
+      <p:grpSpPr>
+        <a:xfrm>
+          <a:off x="0" y="0"/>
+          <a:ext cx="0" cy="0"/>
+          <a:chOff x="0" y="0"/>
+          <a:chExt cx="0" cy="0"/>
+        </a:xfrm>
+      </p:grpSpPr>
+      <p:sp>
+        <p:nvSpPr>
+          <p:cNvPr id="4" name="Textfeld 3">
+            <a:extLst>
+              <a:ext uri="{FF2B5EF4-FFF2-40B4-BE49-F238E27FC236}">
+                <a16:creationId xmlns:a16="http://schemas.microsoft.com/office/drawing/2014/main" id="{7BAA204B-745F-1A14-8016-08FF53D32972}"/>
+              </a:ext>
+            </a:extLst>
+          </p:cNvPr>
+          <p:cNvSpPr txBox="1"/>
+          <p:nvPr/>
+        </p:nvSpPr>
+        <p:spPr>
+          <a:xfrm>
+            <a:off x="1603888" y="1751291"/>
+            <a:ext cx="7954179" cy="2585323"/>
+          </a:xfrm>
+          <a:prstGeom prst="rect">
+            <a:avLst/>
+          </a:prstGeom>
+          <a:noFill/>
+        </p:spPr>
+        <p:txBody>
+          <a:bodyPr wrap="square" rtlCol="0">
+            <a:spAutoFit/>
+          </a:bodyPr>
+          <a:lstStyle/>
+          <a:p>
+            <a:pPr algn="ctr"/>
+            <a:r>
+              <a:rPr lang="de-DE" sz="4400" dirty="0">
+                <a:solidFill>
+                  <a:schemeClr val="bg1"/>
+                </a:solidFill>
+                <a:latin typeface="Consolas" panose="020B0609020204030204" pitchFamily="49" charset="0"/>
+              </a:rPr>
+              <a:t>Gut gemacht!</a:t>
+            </a:r>
+          </a:p>
+          <a:p>
+            <a:pPr algn="ctr"/>
+            <a:r>
+              <a:rPr lang="de-DE" sz="4400" b="0" dirty="0">
+                <a:solidFill>
+                  <a:schemeClr val="bg1"/>
+                </a:solidFill>
+                <a:effectLst/>
+                <a:latin typeface="Consolas" panose="020B0609020204030204" pitchFamily="49" charset="0"/>
+              </a:rPr>
+              <a:t>Das war das letzte Spiel.</a:t>
+            </a:r>
+          </a:p>
+          <a:p>
+            <a:pPr algn="ctr"/>
+            <a:endParaRPr lang="de-DE" dirty="0">
+              <a:solidFill>
+                <a:schemeClr val="bg1"/>
+              </a:solidFill>
+              <a:sym typeface="Wingdings" panose="05000000000000000000" pitchFamily="2" charset="2"/>
+            </a:endParaRPr>
+          </a:p>
+          <a:p>
+            <a:pPr algn="ctr"/>
+            <a:endParaRPr lang="de-DE" dirty="0">
+              <a:solidFill>
+                <a:schemeClr val="bg1"/>
+              </a:solidFill>
+              <a:sym typeface="Wingdings" panose="05000000000000000000" pitchFamily="2" charset="2"/>
+            </a:endParaRPr>
+          </a:p>
+          <a:p>
+            <a:pPr algn="ctr"/>
+            <a:endParaRPr lang="de-DE" dirty="0">
+              <a:solidFill>
+                <a:schemeClr val="bg1"/>
+              </a:solidFill>
+              <a:sym typeface="Wingdings" panose="05000000000000000000" pitchFamily="2" charset="2"/>
+            </a:endParaRPr>
+          </a:p>
+          <a:p>
+            <a:pPr algn="ctr"/>
+            <a:r>
+              <a:rPr lang="de-DE" sz="2000" dirty="0">
+                <a:solidFill>
+                  <a:schemeClr val="bg1"/>
+                </a:solidFill>
+                <a:sym typeface="Wingdings" panose="05000000000000000000" pitchFamily="2" charset="2"/>
+              </a:rPr>
+              <a:t>Bitte die </a:t>
+            </a:r>
+            <a:r>
+              <a:rPr lang="de-DE" sz="2000" b="1" dirty="0">
+                <a:solidFill>
+                  <a:schemeClr val="bg1"/>
+                </a:solidFill>
+                <a:sym typeface="Wingdings" panose="05000000000000000000" pitchFamily="2" charset="2"/>
+              </a:rPr>
+              <a:t>LEERTASTE</a:t>
+            </a:r>
+            <a:r>
+              <a:rPr lang="de-DE" sz="2000" dirty="0">
+                <a:solidFill>
+                  <a:schemeClr val="bg1"/>
+                </a:solidFill>
+                <a:sym typeface="Wingdings" panose="05000000000000000000" pitchFamily="2" charset="2"/>
+              </a:rPr>
+              <a:t> drücken, um fortzufahren</a:t>
+            </a:r>
+            <a:endParaRPr lang="de-DE" sz="2000" dirty="0">
+              <a:solidFill>
+                <a:schemeClr val="bg1"/>
+              </a:solidFill>
+            </a:endParaRPr>
+          </a:p>
+        </p:txBody>
+      </p:sp>
+    </p:spTree>
+    <p:extLst>
+      <p:ext uri="{BB962C8B-B14F-4D97-AF65-F5344CB8AC3E}">
+        <p14:creationId xmlns:p14="http://schemas.microsoft.com/office/powerpoint/2010/main" val="1620035497"/>
       </p:ext>
     </p:extLst>
   </p:cSld>

--- a/exp_img/instructions.pptx
+++ b/exp_img/instructions.pptx
@@ -13,29 +13,31 @@
     <p:sldId id="283" r:id="rId7"/>
     <p:sldId id="264" r:id="rId8"/>
     <p:sldId id="284" r:id="rId9"/>
-    <p:sldId id="258" r:id="rId10"/>
-    <p:sldId id="286" r:id="rId11"/>
-    <p:sldId id="259" r:id="rId12"/>
-    <p:sldId id="285" r:id="rId13"/>
-    <p:sldId id="287" r:id="rId14"/>
-    <p:sldId id="260" r:id="rId15"/>
-    <p:sldId id="261" r:id="rId16"/>
-    <p:sldId id="262" r:id="rId17"/>
-    <p:sldId id="273" r:id="rId18"/>
-    <p:sldId id="265" r:id="rId19"/>
-    <p:sldId id="266" r:id="rId20"/>
-    <p:sldId id="268" r:id="rId21"/>
-    <p:sldId id="269" r:id="rId22"/>
-    <p:sldId id="274" r:id="rId23"/>
-    <p:sldId id="270" r:id="rId24"/>
-    <p:sldId id="271" r:id="rId25"/>
-    <p:sldId id="272" r:id="rId26"/>
-    <p:sldId id="276" r:id="rId27"/>
-    <p:sldId id="275" r:id="rId28"/>
-    <p:sldId id="277" r:id="rId29"/>
-    <p:sldId id="278" r:id="rId30"/>
-    <p:sldId id="280" r:id="rId31"/>
-    <p:sldId id="279" r:id="rId32"/>
+    <p:sldId id="286" r:id="rId10"/>
+    <p:sldId id="259" r:id="rId11"/>
+    <p:sldId id="288" r:id="rId12"/>
+    <p:sldId id="289" r:id="rId13"/>
+    <p:sldId id="290" r:id="rId14"/>
+    <p:sldId id="291" r:id="rId15"/>
+    <p:sldId id="287" r:id="rId16"/>
+    <p:sldId id="260" r:id="rId17"/>
+    <p:sldId id="261" r:id="rId18"/>
+    <p:sldId id="262" r:id="rId19"/>
+    <p:sldId id="273" r:id="rId20"/>
+    <p:sldId id="265" r:id="rId21"/>
+    <p:sldId id="266" r:id="rId22"/>
+    <p:sldId id="268" r:id="rId23"/>
+    <p:sldId id="269" r:id="rId24"/>
+    <p:sldId id="274" r:id="rId25"/>
+    <p:sldId id="270" r:id="rId26"/>
+    <p:sldId id="271" r:id="rId27"/>
+    <p:sldId id="272" r:id="rId28"/>
+    <p:sldId id="276" r:id="rId29"/>
+    <p:sldId id="275" r:id="rId30"/>
+    <p:sldId id="277" r:id="rId31"/>
+    <p:sldId id="278" r:id="rId32"/>
+    <p:sldId id="280" r:id="rId33"/>
+    <p:sldId id="279" r:id="rId34"/>
   </p:sldIdLst>
   <p:sldSz cx="12192000" cy="6858000"/>
   <p:notesSz cx="6858000" cy="9144000"/>
@@ -289,7 +291,7 @@
           <a:p>
             <a:fld id="{9583AF26-4D68-42D5-A917-CD55DA578274}" type="datetimeFigureOut">
               <a:rPr lang="de-DE" smtClean="0"/>
-              <a:t>17.12.2024</a:t>
+              <a:t>12.02.2025</a:t>
             </a:fld>
             <a:endParaRPr lang="de-DE"/>
           </a:p>
@@ -487,7 +489,7 @@
           <a:p>
             <a:fld id="{9583AF26-4D68-42D5-A917-CD55DA578274}" type="datetimeFigureOut">
               <a:rPr lang="de-DE" smtClean="0"/>
-              <a:t>17.12.2024</a:t>
+              <a:t>12.02.2025</a:t>
             </a:fld>
             <a:endParaRPr lang="de-DE"/>
           </a:p>
@@ -695,7 +697,7 @@
           <a:p>
             <a:fld id="{9583AF26-4D68-42D5-A917-CD55DA578274}" type="datetimeFigureOut">
               <a:rPr lang="de-DE" smtClean="0"/>
-              <a:t>17.12.2024</a:t>
+              <a:t>12.02.2025</a:t>
             </a:fld>
             <a:endParaRPr lang="de-DE"/>
           </a:p>
@@ -893,7 +895,7 @@
           <a:p>
             <a:fld id="{9583AF26-4D68-42D5-A917-CD55DA578274}" type="datetimeFigureOut">
               <a:rPr lang="de-DE" smtClean="0"/>
-              <a:t>17.12.2024</a:t>
+              <a:t>12.02.2025</a:t>
             </a:fld>
             <a:endParaRPr lang="de-DE"/>
           </a:p>
@@ -1168,7 +1170,7 @@
           <a:p>
             <a:fld id="{9583AF26-4D68-42D5-A917-CD55DA578274}" type="datetimeFigureOut">
               <a:rPr lang="de-DE" smtClean="0"/>
-              <a:t>17.12.2024</a:t>
+              <a:t>12.02.2025</a:t>
             </a:fld>
             <a:endParaRPr lang="de-DE"/>
           </a:p>
@@ -1433,7 +1435,7 @@
           <a:p>
             <a:fld id="{9583AF26-4D68-42D5-A917-CD55DA578274}" type="datetimeFigureOut">
               <a:rPr lang="de-DE" smtClean="0"/>
-              <a:t>17.12.2024</a:t>
+              <a:t>12.02.2025</a:t>
             </a:fld>
             <a:endParaRPr lang="de-DE"/>
           </a:p>
@@ -1845,7 +1847,7 @@
           <a:p>
             <a:fld id="{9583AF26-4D68-42D5-A917-CD55DA578274}" type="datetimeFigureOut">
               <a:rPr lang="de-DE" smtClean="0"/>
-              <a:t>17.12.2024</a:t>
+              <a:t>12.02.2025</a:t>
             </a:fld>
             <a:endParaRPr lang="de-DE"/>
           </a:p>
@@ -1986,7 +1988,7 @@
           <a:p>
             <a:fld id="{9583AF26-4D68-42D5-A917-CD55DA578274}" type="datetimeFigureOut">
               <a:rPr lang="de-DE" smtClean="0"/>
-              <a:t>17.12.2024</a:t>
+              <a:t>12.02.2025</a:t>
             </a:fld>
             <a:endParaRPr lang="de-DE"/>
           </a:p>
@@ -2099,7 +2101,7 @@
           <a:p>
             <a:fld id="{9583AF26-4D68-42D5-A917-CD55DA578274}" type="datetimeFigureOut">
               <a:rPr lang="de-DE" smtClean="0"/>
-              <a:t>17.12.2024</a:t>
+              <a:t>12.02.2025</a:t>
             </a:fld>
             <a:endParaRPr lang="de-DE"/>
           </a:p>
@@ -2410,7 +2412,7 @@
           <a:p>
             <a:fld id="{9583AF26-4D68-42D5-A917-CD55DA578274}" type="datetimeFigureOut">
               <a:rPr lang="de-DE" smtClean="0"/>
-              <a:t>17.12.2024</a:t>
+              <a:t>12.02.2025</a:t>
             </a:fld>
             <a:endParaRPr lang="de-DE"/>
           </a:p>
@@ -2698,7 +2700,7 @@
           <a:p>
             <a:fld id="{9583AF26-4D68-42D5-A917-CD55DA578274}" type="datetimeFigureOut">
               <a:rPr lang="de-DE" smtClean="0"/>
-              <a:t>17.12.2024</a:t>
+              <a:t>12.02.2025</a:t>
             </a:fld>
             <a:endParaRPr lang="de-DE"/>
           </a:p>
@@ -2939,7 +2941,7 @@
           <a:p>
             <a:fld id="{9583AF26-4D68-42D5-A917-CD55DA578274}" type="datetimeFigureOut">
               <a:rPr lang="de-DE" smtClean="0"/>
-              <a:t>17.12.2024</a:t>
+              <a:t>12.02.2025</a:t>
             </a:fld>
             <a:endParaRPr lang="de-DE"/>
           </a:p>
@@ -3504,323 +3506,6 @@
         <p:cNvPr id="1" name="">
           <a:extLst>
             <a:ext uri="{FF2B5EF4-FFF2-40B4-BE49-F238E27FC236}">
-              <a16:creationId xmlns:a16="http://schemas.microsoft.com/office/drawing/2014/main" id="{9CDF492C-E7B5-33D0-875F-C210E2FC9007}"/>
-            </a:ext>
-          </a:extLst>
-        </p:cNvPr>
-        <p:cNvGrpSpPr/>
-        <p:nvPr/>
-      </p:nvGrpSpPr>
-      <p:grpSpPr>
-        <a:xfrm>
-          <a:off x="0" y="0"/>
-          <a:ext cx="0" cy="0"/>
-          <a:chOff x="0" y="0"/>
-          <a:chExt cx="0" cy="0"/>
-        </a:xfrm>
-      </p:grpSpPr>
-      <p:pic>
-        <p:nvPicPr>
-          <p:cNvPr id="6" name="Grafik 5">
-            <a:extLst>
-              <a:ext uri="{FF2B5EF4-FFF2-40B4-BE49-F238E27FC236}">
-                <a16:creationId xmlns:a16="http://schemas.microsoft.com/office/drawing/2014/main" id="{CD5B1770-3348-31E7-34F4-2E03906641AC}"/>
-              </a:ext>
-            </a:extLst>
-          </p:cNvPr>
-          <p:cNvPicPr>
-            <a:picLocks noChangeAspect="1"/>
-          </p:cNvPicPr>
-          <p:nvPr/>
-        </p:nvPicPr>
-        <p:blipFill>
-          <a:blip r:embed="rId2"/>
-          <a:stretch>
-            <a:fillRect/>
-          </a:stretch>
-        </p:blipFill>
-        <p:spPr>
-          <a:xfrm>
-            <a:off x="3233937" y="2167585"/>
-            <a:ext cx="4598848" cy="3411352"/>
-          </a:xfrm>
-          <a:prstGeom prst="rect">
-            <a:avLst/>
-          </a:prstGeom>
-        </p:spPr>
-      </p:pic>
-      <p:sp>
-        <p:nvSpPr>
-          <p:cNvPr id="4" name="Textfeld 3">
-            <a:extLst>
-              <a:ext uri="{FF2B5EF4-FFF2-40B4-BE49-F238E27FC236}">
-                <a16:creationId xmlns:a16="http://schemas.microsoft.com/office/drawing/2014/main" id="{14F964C2-C383-11D3-840D-72EDD71AF7B7}"/>
-              </a:ext>
-            </a:extLst>
-          </p:cNvPr>
-          <p:cNvSpPr txBox="1"/>
-          <p:nvPr/>
-        </p:nvSpPr>
-        <p:spPr>
-          <a:xfrm>
-            <a:off x="1807089" y="181109"/>
-            <a:ext cx="7682846" cy="5847755"/>
-          </a:xfrm>
-          <a:prstGeom prst="rect">
-            <a:avLst/>
-          </a:prstGeom>
-          <a:noFill/>
-        </p:spPr>
-        <p:txBody>
-          <a:bodyPr wrap="square" rtlCol="0">
-            <a:spAutoFit/>
-          </a:bodyPr>
-          <a:lstStyle/>
-          <a:p>
-            <a:pPr algn="ctr"/>
-            <a:r>
-              <a:rPr lang="de-DE" sz="3200" b="0" dirty="0">
-                <a:solidFill>
-                  <a:schemeClr val="bg1"/>
-                </a:solidFill>
-                <a:effectLst/>
-                <a:latin typeface="Consolas" panose="020B0609020204030204" pitchFamily="49" charset="0"/>
-              </a:rPr>
-              <a:t>Ihre Aufgabe ist es, </a:t>
-            </a:r>
-            <a:r>
-              <a:rPr lang="de-DE" sz="3000" b="0" dirty="0">
-                <a:solidFill>
-                  <a:schemeClr val="bg1"/>
-                </a:solidFill>
-                <a:effectLst/>
-                <a:latin typeface="Consolas" panose="020B0609020204030204" pitchFamily="49" charset="0"/>
-              </a:rPr>
-              <a:t>nach links oder rechts zu steuern, um das an einer zufälligen Stelle erscheinende</a:t>
-            </a:r>
-            <a:r>
-              <a:rPr lang="de-DE" sz="3000" b="0" dirty="0">
-                <a:solidFill>
-                  <a:srgbClr val="FFFF00"/>
-                </a:solidFill>
-                <a:effectLst/>
-                <a:latin typeface="Consolas" panose="020B0609020204030204" pitchFamily="49" charset="0"/>
-              </a:rPr>
-              <a:t> Ziel </a:t>
-            </a:r>
-            <a:r>
-              <a:rPr lang="de-DE" sz="3000" b="0" dirty="0">
-                <a:solidFill>
-                  <a:schemeClr val="bg1"/>
-                </a:solidFill>
-                <a:effectLst/>
-                <a:latin typeface="Consolas" panose="020B0609020204030204" pitchFamily="49" charset="0"/>
-              </a:rPr>
-              <a:t>zu erschießen.</a:t>
-            </a:r>
-          </a:p>
-          <a:p>
-            <a:pPr algn="ctr"/>
-            <a:endParaRPr lang="de-DE" sz="3200" dirty="0">
-              <a:solidFill>
-                <a:schemeClr val="bg1"/>
-              </a:solidFill>
-              <a:latin typeface="Consolas" panose="020B0609020204030204" pitchFamily="49" charset="0"/>
-            </a:endParaRPr>
-          </a:p>
-          <a:p>
-            <a:pPr algn="ctr"/>
-            <a:endParaRPr lang="de-DE" sz="3200" b="0" dirty="0">
-              <a:solidFill>
-                <a:schemeClr val="bg1"/>
-              </a:solidFill>
-              <a:effectLst/>
-              <a:latin typeface="Consolas" panose="020B0609020204030204" pitchFamily="49" charset="0"/>
-            </a:endParaRPr>
-          </a:p>
-          <a:p>
-            <a:pPr algn="ctr"/>
-            <a:endParaRPr lang="de-DE" sz="3200" dirty="0">
-              <a:solidFill>
-                <a:schemeClr val="bg1"/>
-              </a:solidFill>
-              <a:latin typeface="Consolas" panose="020B0609020204030204" pitchFamily="49" charset="0"/>
-            </a:endParaRPr>
-          </a:p>
-          <a:p>
-            <a:pPr algn="ctr"/>
-            <a:endParaRPr lang="de-DE" sz="3200" b="0" dirty="0">
-              <a:solidFill>
-                <a:schemeClr val="bg1"/>
-              </a:solidFill>
-              <a:effectLst/>
-              <a:latin typeface="Consolas" panose="020B0609020204030204" pitchFamily="49" charset="0"/>
-            </a:endParaRPr>
-          </a:p>
-          <a:p>
-            <a:pPr algn="ctr"/>
-            <a:endParaRPr lang="de-DE" sz="3200" b="0" dirty="0">
-              <a:solidFill>
-                <a:srgbClr val="7030A0"/>
-              </a:solidFill>
-              <a:effectLst/>
-              <a:latin typeface="Consolas" panose="020B0609020204030204" pitchFamily="49" charset="0"/>
-            </a:endParaRPr>
-          </a:p>
-          <a:p>
-            <a:pPr algn="ctr"/>
-            <a:endParaRPr lang="de-DE" dirty="0">
-              <a:solidFill>
-                <a:schemeClr val="bg1"/>
-              </a:solidFill>
-              <a:sym typeface="Wingdings" panose="05000000000000000000" pitchFamily="2" charset="2"/>
-            </a:endParaRPr>
-          </a:p>
-          <a:p>
-            <a:pPr algn="ctr"/>
-            <a:endParaRPr lang="de-DE" dirty="0">
-              <a:solidFill>
-                <a:schemeClr val="bg1"/>
-              </a:solidFill>
-              <a:sym typeface="Wingdings" panose="05000000000000000000" pitchFamily="2" charset="2"/>
-            </a:endParaRPr>
-          </a:p>
-          <a:p>
-            <a:pPr algn="ctr"/>
-            <a:endParaRPr lang="de-DE" dirty="0">
-              <a:solidFill>
-                <a:schemeClr val="bg1"/>
-              </a:solidFill>
-              <a:sym typeface="Wingdings" panose="05000000000000000000" pitchFamily="2" charset="2"/>
-            </a:endParaRPr>
-          </a:p>
-          <a:p>
-            <a:pPr algn="ctr"/>
-            <a:endParaRPr lang="de-DE" sz="2000" dirty="0">
-              <a:solidFill>
-                <a:schemeClr val="bg1"/>
-              </a:solidFill>
-              <a:sym typeface="Wingdings" panose="05000000000000000000" pitchFamily="2" charset="2"/>
-            </a:endParaRPr>
-          </a:p>
-          <a:p>
-            <a:pPr algn="ctr"/>
-            <a:r>
-              <a:rPr lang="de-DE" sz="2000" dirty="0">
-                <a:solidFill>
-                  <a:schemeClr val="bg1"/>
-                </a:solidFill>
-                <a:sym typeface="Wingdings" panose="05000000000000000000" pitchFamily="2" charset="2"/>
-              </a:rPr>
-              <a:t>Bitte die </a:t>
-            </a:r>
-            <a:r>
-              <a:rPr lang="de-DE" sz="2000" b="1" dirty="0">
-                <a:solidFill>
-                  <a:schemeClr val="bg1"/>
-                </a:solidFill>
-                <a:sym typeface="Wingdings" panose="05000000000000000000" pitchFamily="2" charset="2"/>
-              </a:rPr>
-              <a:t>LEERTASTE</a:t>
-            </a:r>
-            <a:r>
-              <a:rPr lang="de-DE" sz="2000" dirty="0">
-                <a:solidFill>
-                  <a:schemeClr val="bg1"/>
-                </a:solidFill>
-                <a:sym typeface="Wingdings" panose="05000000000000000000" pitchFamily="2" charset="2"/>
-              </a:rPr>
-              <a:t> drücken, um fortzufahren</a:t>
-            </a:r>
-            <a:endParaRPr lang="de-DE" sz="2000" dirty="0">
-              <a:solidFill>
-                <a:schemeClr val="bg1"/>
-              </a:solidFill>
-            </a:endParaRPr>
-          </a:p>
-        </p:txBody>
-      </p:sp>
-      <p:sp>
-        <p:nvSpPr>
-          <p:cNvPr id="2" name="Ellipse 1">
-            <a:extLst>
-              <a:ext uri="{FF2B5EF4-FFF2-40B4-BE49-F238E27FC236}">
-                <a16:creationId xmlns:a16="http://schemas.microsoft.com/office/drawing/2014/main" id="{A1E4ACF7-48D4-E779-E682-F1F4C4DDBCC2}"/>
-              </a:ext>
-            </a:extLst>
-          </p:cNvPr>
-          <p:cNvSpPr/>
-          <p:nvPr/>
-        </p:nvSpPr>
-        <p:spPr>
-          <a:xfrm>
-            <a:off x="6592165" y="3683480"/>
-            <a:ext cx="481495" cy="526210"/>
-          </a:xfrm>
-          <a:prstGeom prst="ellipse">
-            <a:avLst/>
-          </a:prstGeom>
-          <a:noFill/>
-          <a:ln w="38100">
-            <a:solidFill>
-              <a:srgbClr val="FFFF00"/>
-            </a:solidFill>
-          </a:ln>
-        </p:spPr>
-        <p:style>
-          <a:lnRef idx="2">
-            <a:schemeClr val="accent1">
-              <a:shade val="15000"/>
-            </a:schemeClr>
-          </a:lnRef>
-          <a:fillRef idx="1">
-            <a:schemeClr val="accent1"/>
-          </a:fillRef>
-          <a:effectRef idx="0">
-            <a:schemeClr val="accent1"/>
-          </a:effectRef>
-          <a:fontRef idx="minor">
-            <a:schemeClr val="lt1"/>
-          </a:fontRef>
-        </p:style>
-        <p:txBody>
-          <a:bodyPr rtlCol="0" anchor="ctr"/>
-          <a:lstStyle/>
-          <a:p>
-            <a:pPr algn="ctr"/>
-            <a:endParaRPr lang="de-DE"/>
-          </a:p>
-        </p:txBody>
-      </p:sp>
-    </p:spTree>
-    <p:extLst>
-      <p:ext uri="{BB962C8B-B14F-4D97-AF65-F5344CB8AC3E}">
-        <p14:creationId xmlns:p14="http://schemas.microsoft.com/office/powerpoint/2010/main" val="790045012"/>
-      </p:ext>
-    </p:extLst>
-  </p:cSld>
-  <p:clrMapOvr>
-    <a:masterClrMapping/>
-  </p:clrMapOvr>
-</p:sld>
-</file>
-
-<file path=ppt/slides/slide11.xml><?xml version="1.0" encoding="utf-8"?>
-<p:sld xmlns:a="http://schemas.openxmlformats.org/drawingml/2006/main" xmlns:r="http://schemas.openxmlformats.org/officeDocument/2006/relationships" xmlns:p="http://schemas.openxmlformats.org/presentationml/2006/main">
-  <p:cSld>
-    <p:bg>
-      <p:bgPr>
-        <a:solidFill>
-          <a:schemeClr val="tx1"/>
-        </a:solidFill>
-        <a:effectLst/>
-      </p:bgPr>
-    </p:bg>
-    <p:spTree>
-      <p:nvGrpSpPr>
-        <p:cNvPr id="1" name="">
-          <a:extLst>
-            <a:ext uri="{FF2B5EF4-FFF2-40B4-BE49-F238E27FC236}">
               <a16:creationId xmlns:a16="http://schemas.microsoft.com/office/drawing/2014/main" id="{3EFE3318-6E5D-0A81-F427-A84F2C3E0696}"/>
             </a:ext>
           </a:extLst>
@@ -4562,7 +4247,7 @@
 </p:sld>
 </file>
 
-<file path=ppt/slides/slide12.xml><?xml version="1.0" encoding="utf-8"?>
+<file path=ppt/slides/slide11.xml><?xml version="1.0" encoding="utf-8"?>
 <p:sld xmlns:a="http://schemas.openxmlformats.org/drawingml/2006/main" xmlns:r="http://schemas.openxmlformats.org/officeDocument/2006/relationships" xmlns:p="http://schemas.openxmlformats.org/presentationml/2006/main">
   <p:cSld>
     <p:bg>
@@ -4578,7 +4263,7 @@
         <p:cNvPr id="1" name="">
           <a:extLst>
             <a:ext uri="{FF2B5EF4-FFF2-40B4-BE49-F238E27FC236}">
-              <a16:creationId xmlns:a16="http://schemas.microsoft.com/office/drawing/2014/main" id="{E9C1C683-E904-B313-6078-0947207F4167}"/>
+              <a16:creationId xmlns:a16="http://schemas.microsoft.com/office/drawing/2014/main" id="{0D771225-6FBA-0024-252A-FE0B4AA492A7}"/>
             </a:ext>
           </a:extLst>
         </p:cNvPr>
@@ -4598,7 +4283,7 @@
           <p:cNvPr id="4" name="Textfeld 3">
             <a:extLst>
               <a:ext uri="{FF2B5EF4-FFF2-40B4-BE49-F238E27FC236}">
-                <a16:creationId xmlns:a16="http://schemas.microsoft.com/office/drawing/2014/main" id="{58B9C941-A51B-C3C4-C0AD-AFD6FF4E9123}"/>
+                <a16:creationId xmlns:a16="http://schemas.microsoft.com/office/drawing/2014/main" id="{8406BF3F-6945-95AC-252A-A95E06F960E4}"/>
               </a:ext>
             </a:extLst>
           </p:cNvPr>
@@ -4607,8 +4292,8 @@
         </p:nvSpPr>
         <p:spPr>
           <a:xfrm>
-            <a:off x="1707406" y="431449"/>
-            <a:ext cx="7682846" cy="5878532"/>
+            <a:off x="1638394" y="647110"/>
+            <a:ext cx="8143960" cy="4585871"/>
           </a:xfrm>
           <a:prstGeom prst="rect">
             <a:avLst/>
@@ -4622,181 +4307,7 @@
           <a:lstStyle/>
           <a:p>
             <a:pPr algn="ctr"/>
-            <a:r>
-              <a:rPr lang="de-DE" sz="2000" b="0" dirty="0">
-                <a:solidFill>
-                  <a:schemeClr val="bg1"/>
-                </a:solidFill>
-                <a:effectLst/>
-                <a:latin typeface="Consolas" panose="020B0609020204030204" pitchFamily="49" charset="0"/>
-              </a:rPr>
-              <a:t>Es gibt in diesem Spiel eine Besonderheit: Die Steuerung zur seitlichen Bewegung kann </a:t>
-            </a:r>
-            <a:r>
-              <a:rPr lang="de-DE" sz="2000" b="1" dirty="0">
-                <a:solidFill>
-                  <a:schemeClr val="bg1"/>
-                </a:solidFill>
-                <a:effectLst/>
-                <a:latin typeface="Consolas" panose="020B0609020204030204" pitchFamily="49" charset="0"/>
-              </a:rPr>
-              <a:t>normal</a:t>
-            </a:r>
-            <a:r>
-              <a:rPr lang="de-DE" sz="2000" b="0" dirty="0">
-                <a:solidFill>
-                  <a:schemeClr val="bg1"/>
-                </a:solidFill>
-                <a:effectLst/>
-                <a:latin typeface="Consolas" panose="020B0609020204030204" pitchFamily="49" charset="0"/>
-              </a:rPr>
-              <a:t> oder </a:t>
-            </a:r>
-            <a:r>
-              <a:rPr lang="de-DE" sz="2000" b="1" dirty="0">
-                <a:solidFill>
-                  <a:schemeClr val="bg1"/>
-                </a:solidFill>
-                <a:effectLst/>
-                <a:latin typeface="Consolas" panose="020B0609020204030204" pitchFamily="49" charset="0"/>
-              </a:rPr>
-              <a:t>invertiert</a:t>
-            </a:r>
-            <a:r>
-              <a:rPr lang="de-DE" sz="2000" b="0" dirty="0">
-                <a:solidFill>
-                  <a:schemeClr val="bg1"/>
-                </a:solidFill>
-                <a:effectLst/>
-                <a:latin typeface="Consolas" panose="020B0609020204030204" pitchFamily="49" charset="0"/>
-              </a:rPr>
-              <a:t> sein. </a:t>
-            </a:r>
-          </a:p>
-          <a:p>
-            <a:pPr algn="ctr"/>
-            <a:endParaRPr lang="de-DE" sz="2000" dirty="0">
-              <a:solidFill>
-                <a:schemeClr val="bg1"/>
-              </a:solidFill>
-              <a:latin typeface="Consolas" panose="020B0609020204030204" pitchFamily="49" charset="0"/>
-            </a:endParaRPr>
-          </a:p>
-          <a:p>
-            <a:pPr algn="ctr"/>
-            <a:r>
-              <a:rPr lang="de-DE" sz="2000" b="1" u="sng" dirty="0">
-                <a:solidFill>
-                  <a:schemeClr val="bg1"/>
-                </a:solidFill>
-                <a:effectLst/>
-                <a:latin typeface="Consolas" panose="020B0609020204030204" pitchFamily="49" charset="0"/>
-              </a:rPr>
-              <a:t>Normal</a:t>
-            </a:r>
-            <a:r>
-              <a:rPr lang="de-DE" sz="2000" b="0" dirty="0">
-                <a:solidFill>
-                  <a:schemeClr val="bg1"/>
-                </a:solidFill>
-                <a:effectLst/>
-                <a:latin typeface="Consolas" panose="020B0609020204030204" pitchFamily="49" charset="0"/>
-              </a:rPr>
-              <a:t> bedeutet: Die Taste </a:t>
-            </a:r>
-            <a:r>
-              <a:rPr lang="de-DE" sz="2000" b="1" dirty="0">
-                <a:solidFill>
-                  <a:srgbClr val="00B050"/>
-                </a:solidFill>
-                <a:effectLst/>
-                <a:latin typeface="Consolas" panose="020B0609020204030204" pitchFamily="49" charset="0"/>
-              </a:rPr>
-              <a:t>A</a:t>
-            </a:r>
-            <a:r>
-              <a:rPr lang="de-DE" sz="2000" b="0" dirty="0">
-                <a:solidFill>
-                  <a:schemeClr val="bg1"/>
-                </a:solidFill>
-                <a:effectLst/>
-                <a:latin typeface="Consolas" panose="020B0609020204030204" pitchFamily="49" charset="0"/>
-              </a:rPr>
-              <a:t> steuert nach </a:t>
-            </a:r>
-            <a:r>
-              <a:rPr lang="de-DE" sz="2000" b="0" dirty="0">
-                <a:solidFill>
-                  <a:srgbClr val="00B050"/>
-                </a:solidFill>
-                <a:effectLst/>
-                <a:latin typeface="Consolas" panose="020B0609020204030204" pitchFamily="49" charset="0"/>
-              </a:rPr>
-              <a:t>links</a:t>
-            </a:r>
-            <a:r>
-              <a:rPr lang="de-DE" sz="2000" b="0" dirty="0">
-                <a:solidFill>
-                  <a:schemeClr val="bg1"/>
-                </a:solidFill>
-                <a:effectLst/>
-                <a:latin typeface="Consolas" panose="020B0609020204030204" pitchFamily="49" charset="0"/>
-              </a:rPr>
-              <a:t>, die Taste </a:t>
-            </a:r>
-            <a:r>
-              <a:rPr lang="de-DE" sz="2000" b="1" dirty="0">
-                <a:solidFill>
-                  <a:srgbClr val="FF0000"/>
-                </a:solidFill>
-                <a:effectLst/>
-                <a:latin typeface="Consolas" panose="020B0609020204030204" pitchFamily="49" charset="0"/>
-              </a:rPr>
-              <a:t>D</a:t>
-            </a:r>
-            <a:r>
-              <a:rPr lang="de-DE" sz="2000" b="0" dirty="0">
-                <a:solidFill>
-                  <a:schemeClr val="bg1"/>
-                </a:solidFill>
-                <a:effectLst/>
-                <a:latin typeface="Consolas" panose="020B0609020204030204" pitchFamily="49" charset="0"/>
-              </a:rPr>
-              <a:t> steuert nach </a:t>
-            </a:r>
-            <a:r>
-              <a:rPr lang="de-DE" sz="2000" b="0" dirty="0">
-                <a:solidFill>
-                  <a:srgbClr val="FF0000"/>
-                </a:solidFill>
-                <a:effectLst/>
-                <a:latin typeface="Consolas" panose="020B0609020204030204" pitchFamily="49" charset="0"/>
-              </a:rPr>
-              <a:t>rechts</a:t>
-            </a:r>
-            <a:r>
-              <a:rPr lang="de-DE" sz="2000" b="0" dirty="0">
-                <a:solidFill>
-                  <a:schemeClr val="bg1"/>
-                </a:solidFill>
-                <a:effectLst/>
-                <a:latin typeface="Consolas" panose="020B0609020204030204" pitchFamily="49" charset="0"/>
-              </a:rPr>
-              <a:t>. </a:t>
-            </a:r>
-          </a:p>
-          <a:p>
-            <a:pPr algn="ctr"/>
-            <a:endParaRPr lang="de-DE" sz="2000" dirty="0">
-              <a:solidFill>
-                <a:schemeClr val="bg1"/>
-              </a:solidFill>
-              <a:latin typeface="Consolas" panose="020B0609020204030204" pitchFamily="49" charset="0"/>
-            </a:endParaRPr>
-          </a:p>
-          <a:p>
-            <a:pPr algn="ctr"/>
-            <a:endParaRPr lang="de-DE" sz="2000" b="0" dirty="0">
+            <a:endParaRPr lang="de-DE" sz="4400" b="0" dirty="0">
               <a:solidFill>
                 <a:schemeClr val="bg1"/>
               </a:solidFill>
@@ -4806,160 +4317,233 @@
           </a:p>
           <a:p>
             <a:pPr algn="ctr"/>
-            <a:r>
-              <a:rPr lang="de-DE" sz="2000" b="1" u="sng" dirty="0">
-                <a:solidFill>
-                  <a:schemeClr val="bg1"/>
-                </a:solidFill>
-                <a:effectLst/>
-                <a:latin typeface="Consolas" panose="020B0609020204030204" pitchFamily="49" charset="0"/>
-              </a:rPr>
-              <a:t>Invertiert</a:t>
-            </a:r>
-            <a:r>
-              <a:rPr lang="de-DE" sz="2000" b="0" dirty="0">
-                <a:solidFill>
-                  <a:schemeClr val="bg1"/>
-                </a:solidFill>
-                <a:effectLst/>
-                <a:latin typeface="Consolas" panose="020B0609020204030204" pitchFamily="49" charset="0"/>
-              </a:rPr>
-              <a:t> bedeutet: Die Taste </a:t>
-            </a:r>
-            <a:r>
-              <a:rPr lang="de-DE" sz="2000" b="0" dirty="0">
-                <a:solidFill>
-                  <a:srgbClr val="FF0000"/>
-                </a:solidFill>
-                <a:effectLst/>
-                <a:latin typeface="Consolas" panose="020B0609020204030204" pitchFamily="49" charset="0"/>
-              </a:rPr>
-              <a:t>A</a:t>
-            </a:r>
-            <a:r>
-              <a:rPr lang="de-DE" sz="2000" b="0" dirty="0">
-                <a:solidFill>
-                  <a:schemeClr val="bg1"/>
-                </a:solidFill>
-                <a:effectLst/>
-                <a:latin typeface="Consolas" panose="020B0609020204030204" pitchFamily="49" charset="0"/>
-              </a:rPr>
-              <a:t> steuert nach </a:t>
-            </a:r>
-            <a:r>
-              <a:rPr lang="de-DE" sz="2000" b="0" dirty="0">
-                <a:solidFill>
-                  <a:srgbClr val="FF0000"/>
-                </a:solidFill>
-                <a:effectLst/>
-                <a:latin typeface="Consolas" panose="020B0609020204030204" pitchFamily="49" charset="0"/>
-              </a:rPr>
-              <a:t>rechts</a:t>
-            </a:r>
-            <a:r>
-              <a:rPr lang="de-DE" sz="2000" b="0" dirty="0">
-                <a:solidFill>
-                  <a:schemeClr val="bg1"/>
-                </a:solidFill>
-                <a:effectLst/>
-                <a:latin typeface="Consolas" panose="020B0609020204030204" pitchFamily="49" charset="0"/>
-              </a:rPr>
-              <a:t>, die Taste </a:t>
-            </a:r>
-            <a:r>
-              <a:rPr lang="de-DE" sz="2000" b="0" dirty="0">
-                <a:solidFill>
-                  <a:srgbClr val="00B050"/>
-                </a:solidFill>
-                <a:effectLst/>
-                <a:latin typeface="Consolas" panose="020B0609020204030204" pitchFamily="49" charset="0"/>
-              </a:rPr>
-              <a:t>D</a:t>
-            </a:r>
-            <a:r>
-              <a:rPr lang="de-DE" sz="2000" b="0" dirty="0">
-                <a:solidFill>
-                  <a:schemeClr val="bg1"/>
-                </a:solidFill>
-                <a:effectLst/>
-                <a:latin typeface="Consolas" panose="020B0609020204030204" pitchFamily="49" charset="0"/>
-              </a:rPr>
-              <a:t> steuert nach </a:t>
-            </a:r>
-            <a:r>
-              <a:rPr lang="de-DE" sz="2000" b="0" dirty="0">
-                <a:solidFill>
-                  <a:srgbClr val="00B050"/>
-                </a:solidFill>
-                <a:effectLst/>
-                <a:latin typeface="Consolas" panose="020B0609020204030204" pitchFamily="49" charset="0"/>
-              </a:rPr>
-              <a:t>links</a:t>
-            </a:r>
+            <a:endParaRPr lang="de-DE" dirty="0">
+              <a:solidFill>
+                <a:schemeClr val="bg1"/>
+              </a:solidFill>
+              <a:sym typeface="Wingdings" panose="05000000000000000000" pitchFamily="2" charset="2"/>
+            </a:endParaRPr>
+          </a:p>
+          <a:p>
+            <a:pPr algn="ctr"/>
+            <a:r>
+              <a:rPr lang="de-DE" sz="3200" dirty="0">
+                <a:solidFill>
+                  <a:schemeClr val="bg1"/>
+                </a:solidFill>
+                <a:latin typeface="Consolas" panose="020B0609020204030204" pitchFamily="49" charset="0"/>
+                <a:sym typeface="Wingdings" panose="05000000000000000000" pitchFamily="2" charset="2"/>
+              </a:rPr>
+              <a:t>Jeder Spieldurchlauf besteht aus Start, Erscheinen des Ziels, Bewegung zum und schießen auf das Ziel und der Punkteanzeige:</a:t>
+            </a:r>
+          </a:p>
+          <a:p>
+            <a:pPr algn="ctr"/>
+            <a:endParaRPr lang="de-DE" sz="3200" dirty="0">
+              <a:solidFill>
+                <a:schemeClr val="bg1"/>
+              </a:solidFill>
+              <a:latin typeface="Consolas" panose="020B0609020204030204" pitchFamily="49" charset="0"/>
+              <a:sym typeface="Wingdings" panose="05000000000000000000" pitchFamily="2" charset="2"/>
+            </a:endParaRPr>
+          </a:p>
+          <a:p>
+            <a:pPr algn="ctr"/>
+            <a:endParaRPr lang="de-DE" sz="3200" dirty="0">
+              <a:solidFill>
+                <a:schemeClr val="bg1"/>
+              </a:solidFill>
+              <a:latin typeface="Consolas" panose="020B0609020204030204" pitchFamily="49" charset="0"/>
+              <a:sym typeface="Wingdings" panose="05000000000000000000" pitchFamily="2" charset="2"/>
+            </a:endParaRPr>
+          </a:p>
+          <a:p>
+            <a:pPr algn="ctr"/>
+            <a:endParaRPr lang="de-DE" dirty="0">
+              <a:solidFill>
+                <a:schemeClr val="bg1"/>
+              </a:solidFill>
+              <a:sym typeface="Wingdings" panose="05000000000000000000" pitchFamily="2" charset="2"/>
+            </a:endParaRPr>
+          </a:p>
+          <a:p>
+            <a:pPr algn="ctr"/>
             <a:r>
               <a:rPr lang="de-DE" sz="2000" dirty="0">
                 <a:solidFill>
                   <a:schemeClr val="bg1"/>
                 </a:solidFill>
-                <a:latin typeface="Consolas" panose="020B0609020204030204" pitchFamily="49" charset="0"/>
-              </a:rPr>
-              <a:t>.</a:t>
-            </a:r>
-          </a:p>
-          <a:p>
-            <a:endParaRPr lang="de-DE" sz="2000" b="0" dirty="0">
-              <a:solidFill>
-                <a:srgbClr val="CE9178"/>
-              </a:solidFill>
-              <a:effectLst/>
+                <a:sym typeface="Wingdings" panose="05000000000000000000" pitchFamily="2" charset="2"/>
+              </a:rPr>
+              <a:t>Bitte die </a:t>
+            </a:r>
+            <a:r>
+              <a:rPr lang="de-DE" sz="2000" b="1" dirty="0">
+                <a:solidFill>
+                  <a:schemeClr val="bg1"/>
+                </a:solidFill>
+                <a:sym typeface="Wingdings" panose="05000000000000000000" pitchFamily="2" charset="2"/>
+              </a:rPr>
+              <a:t>LEERTASTE</a:t>
+            </a:r>
+            <a:r>
+              <a:rPr lang="de-DE" sz="2000" dirty="0">
+                <a:solidFill>
+                  <a:schemeClr val="bg1"/>
+                </a:solidFill>
+                <a:sym typeface="Wingdings" panose="05000000000000000000" pitchFamily="2" charset="2"/>
+              </a:rPr>
+              <a:t> drücken, um fortzufahren</a:t>
+            </a:r>
+            <a:endParaRPr lang="de-DE" sz="2000" dirty="0">
+              <a:solidFill>
+                <a:schemeClr val="bg1"/>
+              </a:solidFill>
+            </a:endParaRPr>
+          </a:p>
+        </p:txBody>
+      </p:sp>
+    </p:spTree>
+    <p:extLst>
+      <p:ext uri="{BB962C8B-B14F-4D97-AF65-F5344CB8AC3E}">
+        <p14:creationId xmlns:p14="http://schemas.microsoft.com/office/powerpoint/2010/main" val="4293097592"/>
+      </p:ext>
+    </p:extLst>
+  </p:cSld>
+  <p:clrMapOvr>
+    <a:masterClrMapping/>
+  </p:clrMapOvr>
+</p:sld>
+</file>
+
+<file path=ppt/slides/slide12.xml><?xml version="1.0" encoding="utf-8"?>
+<p:sld xmlns:a="http://schemas.openxmlformats.org/drawingml/2006/main" xmlns:r="http://schemas.openxmlformats.org/officeDocument/2006/relationships" xmlns:p="http://schemas.openxmlformats.org/presentationml/2006/main">
+  <p:cSld>
+    <p:bg>
+      <p:bgPr>
+        <a:solidFill>
+          <a:schemeClr val="tx1"/>
+        </a:solidFill>
+        <a:effectLst/>
+      </p:bgPr>
+    </p:bg>
+    <p:spTree>
+      <p:nvGrpSpPr>
+        <p:cNvPr id="1" name="">
+          <a:extLst>
+            <a:ext uri="{FF2B5EF4-FFF2-40B4-BE49-F238E27FC236}">
+              <a16:creationId xmlns:a16="http://schemas.microsoft.com/office/drawing/2014/main" id="{46B84B56-88D4-E2CC-E772-9462834CA5DC}"/>
+            </a:ext>
+          </a:extLst>
+        </p:cNvPr>
+        <p:cNvGrpSpPr/>
+        <p:nvPr/>
+      </p:nvGrpSpPr>
+      <p:grpSpPr>
+        <a:xfrm>
+          <a:off x="0" y="0"/>
+          <a:ext cx="0" cy="0"/>
+          <a:chOff x="0" y="0"/>
+          <a:chExt cx="0" cy="0"/>
+        </a:xfrm>
+      </p:grpSpPr>
+      <p:sp>
+        <p:nvSpPr>
+          <p:cNvPr id="4" name="Textfeld 3">
+            <a:extLst>
+              <a:ext uri="{FF2B5EF4-FFF2-40B4-BE49-F238E27FC236}">
+                <a16:creationId xmlns:a16="http://schemas.microsoft.com/office/drawing/2014/main" id="{31BCC408-110B-B266-0460-AEC98E87AC4A}"/>
+              </a:ext>
+            </a:extLst>
+          </p:cNvPr>
+          <p:cNvSpPr txBox="1"/>
+          <p:nvPr/>
+        </p:nvSpPr>
+        <p:spPr>
+          <a:xfrm>
+            <a:off x="1638394" y="647110"/>
+            <a:ext cx="8143960" cy="5601533"/>
+          </a:xfrm>
+          <a:prstGeom prst="rect">
+            <a:avLst/>
+          </a:prstGeom>
+          <a:noFill/>
+        </p:spPr>
+        <p:txBody>
+          <a:bodyPr wrap="square" rtlCol="0">
+            <a:spAutoFit/>
+          </a:bodyPr>
+          <a:lstStyle/>
+          <a:p>
+            <a:pPr algn="ctr"/>
+            <a:r>
+              <a:rPr lang="de-DE" sz="3200" dirty="0">
+                <a:solidFill>
+                  <a:schemeClr val="bg1"/>
+                </a:solidFill>
+                <a:latin typeface="Consolas" panose="020B0609020204030204" pitchFamily="49" charset="0"/>
+                <a:sym typeface="Wingdings" panose="05000000000000000000" pitchFamily="2" charset="2"/>
+              </a:rPr>
+              <a:t>Zum Start sehen Sie die Hand Ihrer Spielfigur, die eine Pistole hält, nach 1 Sekunde erscheint dann links oder rechts eine Zielscheibe</a:t>
+            </a:r>
+          </a:p>
+          <a:p>
+            <a:pPr algn="ctr"/>
+            <a:endParaRPr lang="de-DE" sz="3200" dirty="0">
+              <a:solidFill>
+                <a:schemeClr val="bg1"/>
+              </a:solidFill>
               <a:latin typeface="Consolas" panose="020B0609020204030204" pitchFamily="49" charset="0"/>
-            </a:endParaRPr>
-          </a:p>
-          <a:p>
-            <a:endParaRPr lang="de-DE" sz="2000" b="0" dirty="0">
-              <a:solidFill>
-                <a:srgbClr val="CCCCCC"/>
-              </a:solidFill>
-              <a:effectLst/>
+              <a:sym typeface="Wingdings" panose="05000000000000000000" pitchFamily="2" charset="2"/>
+            </a:endParaRPr>
+          </a:p>
+          <a:p>
+            <a:pPr algn="ctr"/>
+            <a:endParaRPr lang="de-DE" sz="3200" dirty="0">
+              <a:solidFill>
+                <a:schemeClr val="bg1"/>
+              </a:solidFill>
               <a:latin typeface="Consolas" panose="020B0609020204030204" pitchFamily="49" charset="0"/>
-            </a:endParaRPr>
-          </a:p>
-          <a:p>
-            <a:pPr algn="ctr"/>
-            <a:r>
-              <a:rPr lang="de-DE" sz="8000" dirty="0">
-                <a:solidFill>
-                  <a:srgbClr val="00B050"/>
-                </a:solidFill>
-                <a:sym typeface="Wingdings" panose="05000000000000000000" pitchFamily="2" charset="2"/>
-              </a:rPr>
-              <a:t>←</a:t>
-            </a:r>
-            <a:r>
-              <a:rPr lang="de-DE" sz="8000" dirty="0">
-                <a:solidFill>
-                  <a:schemeClr val="bg1"/>
-                </a:solidFill>
-                <a:sym typeface="Wingdings" panose="05000000000000000000" pitchFamily="2" charset="2"/>
-              </a:rPr>
-              <a:t>                  </a:t>
-            </a:r>
-            <a:r>
-              <a:rPr lang="de-DE" sz="8000" dirty="0">
-                <a:solidFill>
-                  <a:srgbClr val="FF0000"/>
-                </a:solidFill>
-                <a:sym typeface="Wingdings" panose="05000000000000000000" pitchFamily="2" charset="2"/>
-              </a:rPr>
-              <a:t>→</a:t>
-            </a:r>
-          </a:p>
-          <a:p>
-            <a:pPr algn="ctr"/>
-            <a:endParaRPr lang="de-DE" dirty="0">
-              <a:solidFill>
-                <a:schemeClr val="bg1"/>
-              </a:solidFill>
+              <a:sym typeface="Wingdings" panose="05000000000000000000" pitchFamily="2" charset="2"/>
+            </a:endParaRPr>
+          </a:p>
+          <a:p>
+            <a:pPr algn="ctr"/>
+            <a:endParaRPr lang="de-DE" sz="3200" dirty="0">
+              <a:solidFill>
+                <a:schemeClr val="bg1"/>
+              </a:solidFill>
+              <a:latin typeface="Consolas" panose="020B0609020204030204" pitchFamily="49" charset="0"/>
+              <a:sym typeface="Wingdings" panose="05000000000000000000" pitchFamily="2" charset="2"/>
+            </a:endParaRPr>
+          </a:p>
+          <a:p>
+            <a:pPr algn="ctr"/>
+            <a:endParaRPr lang="de-DE" sz="3200" dirty="0">
+              <a:solidFill>
+                <a:schemeClr val="bg1"/>
+              </a:solidFill>
+              <a:latin typeface="Consolas" panose="020B0609020204030204" pitchFamily="49" charset="0"/>
+              <a:sym typeface="Wingdings" panose="05000000000000000000" pitchFamily="2" charset="2"/>
+            </a:endParaRPr>
+          </a:p>
+          <a:p>
+            <a:pPr algn="ctr"/>
+            <a:endParaRPr lang="de-DE" sz="3200" dirty="0">
+              <a:solidFill>
+                <a:schemeClr val="bg1"/>
+              </a:solidFill>
+              <a:latin typeface="Consolas" panose="020B0609020204030204" pitchFamily="49" charset="0"/>
+              <a:sym typeface="Wingdings" panose="05000000000000000000" pitchFamily="2" charset="2"/>
+            </a:endParaRPr>
+          </a:p>
+          <a:p>
+            <a:pPr algn="ctr"/>
+            <a:endParaRPr lang="de-DE" sz="3200" dirty="0">
+              <a:solidFill>
+                <a:schemeClr val="bg1"/>
+              </a:solidFill>
+              <a:latin typeface="Consolas" panose="020B0609020204030204" pitchFamily="49" charset="0"/>
               <a:sym typeface="Wingdings" panose="05000000000000000000" pitchFamily="2" charset="2"/>
             </a:endParaRPr>
           </a:p>
@@ -5011,10 +4595,10 @@
       </p:sp>
       <p:pic>
         <p:nvPicPr>
-          <p:cNvPr id="3" name="Grafik 2" descr="Ein Bild, das Screenshot, PC-Spiel, 3D-Modellierung, Digitales Compositing enthält.&#10;&#10;Automatisch generierte Beschreibung">
-            <a:extLst>
-              <a:ext uri="{FF2B5EF4-FFF2-40B4-BE49-F238E27FC236}">
-                <a16:creationId xmlns:a16="http://schemas.microsoft.com/office/drawing/2014/main" id="{EF01BFD0-E993-D3AC-35AA-AF146519C3A5}"/>
+          <p:cNvPr id="3" name="Grafik 2">
+            <a:extLst>
+              <a:ext uri="{FF2B5EF4-FFF2-40B4-BE49-F238E27FC236}">
+                <a16:creationId xmlns:a16="http://schemas.microsoft.com/office/drawing/2014/main" id="{A468D54F-F106-90D4-8106-2A584454BA98}"/>
               </a:ext>
             </a:extLst>
           </p:cNvPr>
@@ -5037,18 +4621,139 @@
         </p:blipFill>
         <p:spPr>
           <a:xfrm>
-            <a:off x="4335314" y="3579136"/>
-            <a:ext cx="2401917" cy="1857458"/>
+            <a:off x="310551" y="2856734"/>
+            <a:ext cx="4722885" cy="2655546"/>
           </a:xfrm>
           <a:prstGeom prst="rect">
             <a:avLst/>
           </a:prstGeom>
         </p:spPr>
       </p:pic>
+      <p:pic>
+        <p:nvPicPr>
+          <p:cNvPr id="6" name="Grafik 5" descr="Ein Bild, das Screenshot, 3D-Modellierung, PC-Spiel, Digitales Compositing enthält.&#10;&#10;KI-generierte Inhalte können fehlerhaft sein.">
+            <a:extLst>
+              <a:ext uri="{FF2B5EF4-FFF2-40B4-BE49-F238E27FC236}">
+                <a16:creationId xmlns:a16="http://schemas.microsoft.com/office/drawing/2014/main" id="{8D237060-629B-6971-DF9B-0D56854D341A}"/>
+              </a:ext>
+            </a:extLst>
+          </p:cNvPr>
+          <p:cNvPicPr>
+            <a:picLocks noChangeAspect="1"/>
+          </p:cNvPicPr>
+          <p:nvPr/>
+        </p:nvPicPr>
+        <p:blipFill>
+          <a:blip r:embed="rId3" cstate="hqprint">
+            <a:extLst>
+              <a:ext uri="{28A0092B-C50C-407E-A947-70E740481C1C}">
+                <a14:useLocalDpi xmlns:a14="http://schemas.microsoft.com/office/drawing/2010/main" val="0"/>
+              </a:ext>
+            </a:extLst>
+          </a:blip>
+          <a:stretch>
+            <a:fillRect/>
+          </a:stretch>
+        </p:blipFill>
+        <p:spPr>
+          <a:xfrm>
+            <a:off x="6096000" y="2856733"/>
+            <a:ext cx="4722885" cy="2655547"/>
+          </a:xfrm>
+          <a:prstGeom prst="rect">
+            <a:avLst/>
+          </a:prstGeom>
+        </p:spPr>
+      </p:pic>
+      <p:cxnSp>
+        <p:nvCxnSpPr>
+          <p:cNvPr id="8" name="Gerade Verbindung mit Pfeil 7">
+            <a:extLst>
+              <a:ext uri="{FF2B5EF4-FFF2-40B4-BE49-F238E27FC236}">
+                <a16:creationId xmlns:a16="http://schemas.microsoft.com/office/drawing/2014/main" id="{2BD67D43-1959-89C5-EE47-58D7FB73A315}"/>
+              </a:ext>
+            </a:extLst>
+          </p:cNvPr>
+          <p:cNvCxnSpPr/>
+          <p:nvPr/>
+        </p:nvCxnSpPr>
+        <p:spPr>
+          <a:xfrm>
+            <a:off x="4675517" y="4184506"/>
+            <a:ext cx="1940943" cy="0"/>
+          </a:xfrm>
+          <a:prstGeom prst="straightConnector1">
+            <a:avLst/>
+          </a:prstGeom>
+          <a:ln w="63500" cap="flat" cmpd="sng" algn="ctr">
+            <a:solidFill>
+              <a:schemeClr val="bg1"/>
+            </a:solidFill>
+            <a:prstDash val="solid"/>
+            <a:round/>
+            <a:headEnd type="none" w="med" len="med"/>
+            <a:tailEnd type="arrow" w="med" len="med"/>
+          </a:ln>
+        </p:spPr>
+        <p:style>
+          <a:lnRef idx="0">
+            <a:scrgbClr r="0" g="0" b="0"/>
+          </a:lnRef>
+          <a:fillRef idx="0">
+            <a:scrgbClr r="0" g="0" b="0"/>
+          </a:fillRef>
+          <a:effectRef idx="0">
+            <a:scrgbClr r="0" g="0" b="0"/>
+          </a:effectRef>
+          <a:fontRef idx="minor">
+            <a:schemeClr val="tx1"/>
+          </a:fontRef>
+        </p:style>
+      </p:cxnSp>
+      <p:sp>
+        <p:nvSpPr>
+          <p:cNvPr id="9" name="Textfeld 8">
+            <a:extLst>
+              <a:ext uri="{FF2B5EF4-FFF2-40B4-BE49-F238E27FC236}">
+                <a16:creationId xmlns:a16="http://schemas.microsoft.com/office/drawing/2014/main" id="{DB8925E7-6E16-1110-AB21-EDA5E846D714}"/>
+              </a:ext>
+            </a:extLst>
+          </p:cNvPr>
+          <p:cNvSpPr txBox="1"/>
+          <p:nvPr/>
+        </p:nvSpPr>
+        <p:spPr>
+          <a:xfrm>
+            <a:off x="4831396" y="3705045"/>
+            <a:ext cx="1440611" cy="369332"/>
+          </a:xfrm>
+          <a:prstGeom prst="rect">
+            <a:avLst/>
+          </a:prstGeom>
+          <a:noFill/>
+        </p:spPr>
+        <p:txBody>
+          <a:bodyPr wrap="square" rtlCol="0">
+            <a:spAutoFit/>
+          </a:bodyPr>
+          <a:lstStyle/>
+          <a:p>
+            <a:r>
+              <a:rPr lang="de-DE" dirty="0">
+                <a:solidFill>
+                  <a:schemeClr val="bg1"/>
+                </a:solidFill>
+                <a:latin typeface="Consolas" panose="020B0609020204030204" pitchFamily="49" charset="0"/>
+              </a:rPr>
+              <a:t>1 Sekunde</a:t>
+            </a:r>
+          </a:p>
+        </p:txBody>
+      </p:sp>
     </p:spTree>
     <p:extLst>
       <p:ext uri="{BB962C8B-B14F-4D97-AF65-F5344CB8AC3E}">
-        <p14:creationId xmlns:p14="http://schemas.microsoft.com/office/powerpoint/2010/main" val="3027616250"/>
+        <p14:creationId xmlns:p14="http://schemas.microsoft.com/office/powerpoint/2010/main" val="2829578340"/>
       </p:ext>
     </p:extLst>
   </p:cSld>
@@ -5059,6 +4764,556 @@
 </file>
 
 <file path=ppt/slides/slide13.xml><?xml version="1.0" encoding="utf-8"?>
+<p:sld xmlns:a="http://schemas.openxmlformats.org/drawingml/2006/main" xmlns:r="http://schemas.openxmlformats.org/officeDocument/2006/relationships" xmlns:p="http://schemas.openxmlformats.org/presentationml/2006/main">
+  <p:cSld>
+    <p:bg>
+      <p:bgPr>
+        <a:solidFill>
+          <a:schemeClr val="tx1"/>
+        </a:solidFill>
+        <a:effectLst/>
+      </p:bgPr>
+    </p:bg>
+    <p:spTree>
+      <p:nvGrpSpPr>
+        <p:cNvPr id="1" name="">
+          <a:extLst>
+            <a:ext uri="{FF2B5EF4-FFF2-40B4-BE49-F238E27FC236}">
+              <a16:creationId xmlns:a16="http://schemas.microsoft.com/office/drawing/2014/main" id="{9AD8E6D5-7CF3-6179-FF2E-1BC7644BBB91}"/>
+            </a:ext>
+          </a:extLst>
+        </p:cNvPr>
+        <p:cNvGrpSpPr/>
+        <p:nvPr/>
+      </p:nvGrpSpPr>
+      <p:grpSpPr>
+        <a:xfrm>
+          <a:off x="0" y="0"/>
+          <a:ext cx="0" cy="0"/>
+          <a:chOff x="0" y="0"/>
+          <a:chExt cx="0" cy="0"/>
+        </a:xfrm>
+      </p:grpSpPr>
+      <p:sp>
+        <p:nvSpPr>
+          <p:cNvPr id="4" name="Textfeld 3">
+            <a:extLst>
+              <a:ext uri="{FF2B5EF4-FFF2-40B4-BE49-F238E27FC236}">
+                <a16:creationId xmlns:a16="http://schemas.microsoft.com/office/drawing/2014/main" id="{6D97F062-638C-5013-C6F9-92A62E48CE26}"/>
+              </a:ext>
+            </a:extLst>
+          </p:cNvPr>
+          <p:cNvSpPr txBox="1"/>
+          <p:nvPr/>
+        </p:nvSpPr>
+        <p:spPr>
+          <a:xfrm>
+            <a:off x="1574008" y="327932"/>
+            <a:ext cx="8143960" cy="6155531"/>
+          </a:xfrm>
+          <a:prstGeom prst="rect">
+            <a:avLst/>
+          </a:prstGeom>
+          <a:noFill/>
+        </p:spPr>
+        <p:txBody>
+          <a:bodyPr wrap="square" rtlCol="0">
+            <a:spAutoFit/>
+          </a:bodyPr>
+          <a:lstStyle/>
+          <a:p>
+            <a:pPr algn="ctr"/>
+            <a:r>
+              <a:rPr lang="de-DE" sz="2800" dirty="0">
+                <a:solidFill>
+                  <a:schemeClr val="bg1"/>
+                </a:solidFill>
+                <a:latin typeface="Consolas" panose="020B0609020204030204" pitchFamily="49" charset="0"/>
+                <a:sym typeface="Wingdings" panose="05000000000000000000" pitchFamily="2" charset="2"/>
+              </a:rPr>
+              <a:t>Nun steuern Sie mit den Tasten A und D Ihre Spielfigur seitlich auf Höhe des Ziels und schießen mit STRG darauf. </a:t>
+            </a:r>
+          </a:p>
+          <a:p>
+            <a:pPr algn="ctr"/>
+            <a:r>
+              <a:rPr lang="de-DE" sz="2800" u="sng" dirty="0">
+                <a:solidFill>
+                  <a:schemeClr val="bg1"/>
+                </a:solidFill>
+                <a:latin typeface="Consolas" panose="020B0609020204030204" pitchFamily="49" charset="0"/>
+                <a:sym typeface="Wingdings" panose="05000000000000000000" pitchFamily="2" charset="2"/>
+              </a:rPr>
+              <a:t>Achtung</a:t>
+            </a:r>
+            <a:r>
+              <a:rPr lang="de-DE" sz="2800" dirty="0">
+                <a:solidFill>
+                  <a:schemeClr val="bg1"/>
+                </a:solidFill>
+                <a:latin typeface="Consolas" panose="020B0609020204030204" pitchFamily="49" charset="0"/>
+                <a:sym typeface="Wingdings" panose="05000000000000000000" pitchFamily="2" charset="2"/>
+              </a:rPr>
+              <a:t>: Sie haben nach Erscheinen des Ziels nur </a:t>
+            </a:r>
+            <a:r>
+              <a:rPr lang="de-DE" sz="2800" dirty="0">
+                <a:solidFill>
+                  <a:srgbClr val="FFFF00"/>
+                </a:solidFill>
+                <a:latin typeface="Consolas" panose="020B0609020204030204" pitchFamily="49" charset="0"/>
+                <a:sym typeface="Wingdings" panose="05000000000000000000" pitchFamily="2" charset="2"/>
+              </a:rPr>
+              <a:t>3 Sekunden </a:t>
+            </a:r>
+            <a:r>
+              <a:rPr lang="de-DE" sz="2800" dirty="0">
+                <a:solidFill>
+                  <a:schemeClr val="bg1"/>
+                </a:solidFill>
+                <a:latin typeface="Consolas" panose="020B0609020204030204" pitchFamily="49" charset="0"/>
+                <a:sym typeface="Wingdings" panose="05000000000000000000" pitchFamily="2" charset="2"/>
+              </a:rPr>
+              <a:t>und nur </a:t>
+            </a:r>
+            <a:r>
+              <a:rPr lang="de-DE" sz="2800" dirty="0">
+                <a:solidFill>
+                  <a:srgbClr val="FFFF00"/>
+                </a:solidFill>
+                <a:latin typeface="Consolas" panose="020B0609020204030204" pitchFamily="49" charset="0"/>
+                <a:sym typeface="Wingdings" panose="05000000000000000000" pitchFamily="2" charset="2"/>
+              </a:rPr>
+              <a:t>einen Schuss!</a:t>
+            </a:r>
+          </a:p>
+          <a:p>
+            <a:pPr algn="ctr"/>
+            <a:endParaRPr lang="de-DE" sz="2800" dirty="0">
+              <a:solidFill>
+                <a:schemeClr val="bg1"/>
+              </a:solidFill>
+              <a:latin typeface="Consolas" panose="020B0609020204030204" pitchFamily="49" charset="0"/>
+              <a:sym typeface="Wingdings" panose="05000000000000000000" pitchFamily="2" charset="2"/>
+            </a:endParaRPr>
+          </a:p>
+          <a:p>
+            <a:pPr algn="ctr"/>
+            <a:endParaRPr lang="de-DE" sz="3200" dirty="0">
+              <a:solidFill>
+                <a:schemeClr val="bg1"/>
+              </a:solidFill>
+              <a:latin typeface="Consolas" panose="020B0609020204030204" pitchFamily="49" charset="0"/>
+              <a:sym typeface="Wingdings" panose="05000000000000000000" pitchFamily="2" charset="2"/>
+            </a:endParaRPr>
+          </a:p>
+          <a:p>
+            <a:pPr algn="ctr"/>
+            <a:endParaRPr lang="de-DE" sz="3200" dirty="0">
+              <a:solidFill>
+                <a:schemeClr val="bg1"/>
+              </a:solidFill>
+              <a:latin typeface="Consolas" panose="020B0609020204030204" pitchFamily="49" charset="0"/>
+              <a:sym typeface="Wingdings" panose="05000000000000000000" pitchFamily="2" charset="2"/>
+            </a:endParaRPr>
+          </a:p>
+          <a:p>
+            <a:pPr algn="ctr"/>
+            <a:endParaRPr lang="de-DE" sz="3200" dirty="0">
+              <a:solidFill>
+                <a:schemeClr val="bg1"/>
+              </a:solidFill>
+              <a:latin typeface="Consolas" panose="020B0609020204030204" pitchFamily="49" charset="0"/>
+              <a:sym typeface="Wingdings" panose="05000000000000000000" pitchFamily="2" charset="2"/>
+            </a:endParaRPr>
+          </a:p>
+          <a:p>
+            <a:pPr algn="ctr"/>
+            <a:endParaRPr lang="de-DE" sz="3200" dirty="0">
+              <a:solidFill>
+                <a:schemeClr val="bg1"/>
+              </a:solidFill>
+              <a:latin typeface="Consolas" panose="020B0609020204030204" pitchFamily="49" charset="0"/>
+              <a:sym typeface="Wingdings" panose="05000000000000000000" pitchFamily="2" charset="2"/>
+            </a:endParaRPr>
+          </a:p>
+          <a:p>
+            <a:pPr algn="ctr"/>
+            <a:endParaRPr lang="de-DE" sz="3200" dirty="0">
+              <a:solidFill>
+                <a:schemeClr val="bg1"/>
+              </a:solidFill>
+              <a:latin typeface="Consolas" panose="020B0609020204030204" pitchFamily="49" charset="0"/>
+              <a:sym typeface="Wingdings" panose="05000000000000000000" pitchFamily="2" charset="2"/>
+            </a:endParaRPr>
+          </a:p>
+          <a:p>
+            <a:pPr algn="ctr"/>
+            <a:endParaRPr lang="de-DE" dirty="0">
+              <a:solidFill>
+                <a:schemeClr val="bg1"/>
+              </a:solidFill>
+              <a:sym typeface="Wingdings" panose="05000000000000000000" pitchFamily="2" charset="2"/>
+            </a:endParaRPr>
+          </a:p>
+          <a:p>
+            <a:pPr algn="ctr"/>
+            <a:r>
+              <a:rPr lang="de-DE" sz="2000" dirty="0">
+                <a:solidFill>
+                  <a:schemeClr val="bg1"/>
+                </a:solidFill>
+                <a:sym typeface="Wingdings" panose="05000000000000000000" pitchFamily="2" charset="2"/>
+              </a:rPr>
+              <a:t>Bitte die </a:t>
+            </a:r>
+            <a:r>
+              <a:rPr lang="de-DE" sz="2000" b="1" dirty="0">
+                <a:solidFill>
+                  <a:schemeClr val="bg1"/>
+                </a:solidFill>
+                <a:sym typeface="Wingdings" panose="05000000000000000000" pitchFamily="2" charset="2"/>
+              </a:rPr>
+              <a:t>LEERTASTE</a:t>
+            </a:r>
+            <a:r>
+              <a:rPr lang="de-DE" sz="2000" dirty="0">
+                <a:solidFill>
+                  <a:schemeClr val="bg1"/>
+                </a:solidFill>
+                <a:sym typeface="Wingdings" panose="05000000000000000000" pitchFamily="2" charset="2"/>
+              </a:rPr>
+              <a:t> drücken, um fortzufahren</a:t>
+            </a:r>
+            <a:endParaRPr lang="de-DE" sz="2000" dirty="0">
+              <a:solidFill>
+                <a:schemeClr val="bg1"/>
+              </a:solidFill>
+            </a:endParaRPr>
+          </a:p>
+        </p:txBody>
+      </p:sp>
+      <p:pic>
+        <p:nvPicPr>
+          <p:cNvPr id="5" name="Grafik 4" descr="Ein Bild, das Screenshot, 3D-Modellierung, Digitales Compositing, PC-Spiel enthält.&#10;&#10;KI-generierte Inhalte können fehlerhaft sein.">
+            <a:extLst>
+              <a:ext uri="{FF2B5EF4-FFF2-40B4-BE49-F238E27FC236}">
+                <a16:creationId xmlns:a16="http://schemas.microsoft.com/office/drawing/2014/main" id="{64BDD12F-EA6E-7E0A-6569-CD9272823698}"/>
+              </a:ext>
+            </a:extLst>
+          </p:cNvPr>
+          <p:cNvPicPr>
+            <a:picLocks noChangeAspect="1"/>
+          </p:cNvPicPr>
+          <p:nvPr/>
+        </p:nvPicPr>
+        <p:blipFill>
+          <a:blip r:embed="rId2" cstate="hqprint">
+            <a:extLst>
+              <a:ext uri="{28A0092B-C50C-407E-A947-70E740481C1C}">
+                <a14:useLocalDpi xmlns:a14="http://schemas.microsoft.com/office/drawing/2010/main" val="0"/>
+              </a:ext>
+            </a:extLst>
+          </a:blip>
+          <a:stretch>
+            <a:fillRect/>
+          </a:stretch>
+        </p:blipFill>
+        <p:spPr>
+          <a:xfrm>
+            <a:off x="3061952" y="3089647"/>
+            <a:ext cx="4706058" cy="2646084"/>
+          </a:xfrm>
+          <a:prstGeom prst="rect">
+            <a:avLst/>
+          </a:prstGeom>
+        </p:spPr>
+      </p:pic>
+    </p:spTree>
+    <p:extLst>
+      <p:ext uri="{BB962C8B-B14F-4D97-AF65-F5344CB8AC3E}">
+        <p14:creationId xmlns:p14="http://schemas.microsoft.com/office/powerpoint/2010/main" val="2243523060"/>
+      </p:ext>
+    </p:extLst>
+  </p:cSld>
+  <p:clrMapOvr>
+    <a:masterClrMapping/>
+  </p:clrMapOvr>
+</p:sld>
+</file>
+
+<file path=ppt/slides/slide14.xml><?xml version="1.0" encoding="utf-8"?>
+<p:sld xmlns:a="http://schemas.openxmlformats.org/drawingml/2006/main" xmlns:r="http://schemas.openxmlformats.org/officeDocument/2006/relationships" xmlns:p="http://schemas.openxmlformats.org/presentationml/2006/main">
+  <p:cSld>
+    <p:bg>
+      <p:bgPr>
+        <a:solidFill>
+          <a:schemeClr val="tx1"/>
+        </a:solidFill>
+        <a:effectLst/>
+      </p:bgPr>
+    </p:bg>
+    <p:spTree>
+      <p:nvGrpSpPr>
+        <p:cNvPr id="1" name="">
+          <a:extLst>
+            <a:ext uri="{FF2B5EF4-FFF2-40B4-BE49-F238E27FC236}">
+              <a16:creationId xmlns:a16="http://schemas.microsoft.com/office/drawing/2014/main" id="{D30BD2E0-2FAC-BEB4-A6BF-797A463F9315}"/>
+            </a:ext>
+          </a:extLst>
+        </p:cNvPr>
+        <p:cNvGrpSpPr/>
+        <p:nvPr/>
+      </p:nvGrpSpPr>
+      <p:grpSpPr>
+        <a:xfrm>
+          <a:off x="0" y="0"/>
+          <a:ext cx="0" cy="0"/>
+          <a:chOff x="0" y="0"/>
+          <a:chExt cx="0" cy="0"/>
+        </a:xfrm>
+      </p:grpSpPr>
+      <p:sp>
+        <p:nvSpPr>
+          <p:cNvPr id="4" name="Textfeld 3">
+            <a:extLst>
+              <a:ext uri="{FF2B5EF4-FFF2-40B4-BE49-F238E27FC236}">
+                <a16:creationId xmlns:a16="http://schemas.microsoft.com/office/drawing/2014/main" id="{774B890F-5C01-B62C-9104-4CF5D9BD176B}"/>
+              </a:ext>
+            </a:extLst>
+          </p:cNvPr>
+          <p:cNvSpPr txBox="1"/>
+          <p:nvPr/>
+        </p:nvSpPr>
+        <p:spPr>
+          <a:xfrm>
+            <a:off x="1574008" y="327932"/>
+            <a:ext cx="8143960" cy="6217087"/>
+          </a:xfrm>
+          <a:prstGeom prst="rect">
+            <a:avLst/>
+          </a:prstGeom>
+          <a:noFill/>
+        </p:spPr>
+        <p:txBody>
+          <a:bodyPr wrap="square" rtlCol="0">
+            <a:spAutoFit/>
+          </a:bodyPr>
+          <a:lstStyle/>
+          <a:p>
+            <a:pPr algn="ctr"/>
+            <a:r>
+              <a:rPr lang="de-DE" sz="2000" dirty="0">
+                <a:solidFill>
+                  <a:schemeClr val="bg1"/>
+                </a:solidFill>
+                <a:latin typeface="Consolas" panose="020B0609020204030204" pitchFamily="49" charset="0"/>
+                <a:sym typeface="Wingdings" panose="05000000000000000000" pitchFamily="2" charset="2"/>
+              </a:rPr>
+              <a:t>Sobald das Ziel getroffen oder die maximale Zeit überschritten wird, endet der Spieldurchlauf. Anschließend werden die erreichten Punkte (abhängig von benötigter Zeit und Treffen des Ziels) für 1 Sekunde angezeigt. </a:t>
+            </a:r>
+            <a:r>
+              <a:rPr lang="de-DE" sz="2000" u="sng" dirty="0">
+                <a:solidFill>
+                  <a:schemeClr val="bg1"/>
+                </a:solidFill>
+                <a:latin typeface="Consolas" panose="020B0609020204030204" pitchFamily="49" charset="0"/>
+                <a:sym typeface="Wingdings" panose="05000000000000000000" pitchFamily="2" charset="2"/>
+              </a:rPr>
+              <a:t>Bitte drücken Sie ab diesem Zeitpunkt keine Taste mehr, bis im nächsten Durchlauf das Ziel erscheint</a:t>
+            </a:r>
+            <a:r>
+              <a:rPr lang="de-DE" sz="2000" dirty="0">
+                <a:solidFill>
+                  <a:schemeClr val="bg1"/>
+                </a:solidFill>
+                <a:latin typeface="Consolas" panose="020B0609020204030204" pitchFamily="49" charset="0"/>
+                <a:sym typeface="Wingdings" panose="05000000000000000000" pitchFamily="2" charset="2"/>
+              </a:rPr>
+              <a:t>.</a:t>
+            </a:r>
+          </a:p>
+          <a:p>
+            <a:pPr algn="ctr"/>
+            <a:endParaRPr lang="de-DE" sz="2000" dirty="0">
+              <a:solidFill>
+                <a:schemeClr val="bg1"/>
+              </a:solidFill>
+              <a:latin typeface="Consolas" panose="020B0609020204030204" pitchFamily="49" charset="0"/>
+              <a:sym typeface="Wingdings" panose="05000000000000000000" pitchFamily="2" charset="2"/>
+            </a:endParaRPr>
+          </a:p>
+          <a:p>
+            <a:pPr algn="ctr"/>
+            <a:endParaRPr lang="de-DE" sz="2000" dirty="0">
+              <a:solidFill>
+                <a:schemeClr val="bg1"/>
+              </a:solidFill>
+              <a:latin typeface="Consolas" panose="020B0609020204030204" pitchFamily="49" charset="0"/>
+              <a:sym typeface="Wingdings" panose="05000000000000000000" pitchFamily="2" charset="2"/>
+            </a:endParaRPr>
+          </a:p>
+          <a:p>
+            <a:pPr algn="ctr"/>
+            <a:endParaRPr lang="de-DE" sz="2000" dirty="0">
+              <a:solidFill>
+                <a:schemeClr val="bg1"/>
+              </a:solidFill>
+              <a:latin typeface="Consolas" panose="020B0609020204030204" pitchFamily="49" charset="0"/>
+              <a:sym typeface="Wingdings" panose="05000000000000000000" pitchFamily="2" charset="2"/>
+            </a:endParaRPr>
+          </a:p>
+          <a:p>
+            <a:pPr algn="ctr"/>
+            <a:endParaRPr lang="de-DE" sz="3200" dirty="0">
+              <a:solidFill>
+                <a:schemeClr val="bg1"/>
+              </a:solidFill>
+              <a:latin typeface="Consolas" panose="020B0609020204030204" pitchFamily="49" charset="0"/>
+              <a:sym typeface="Wingdings" panose="05000000000000000000" pitchFamily="2" charset="2"/>
+            </a:endParaRPr>
+          </a:p>
+          <a:p>
+            <a:pPr algn="ctr"/>
+            <a:endParaRPr lang="de-DE" sz="3200" dirty="0">
+              <a:solidFill>
+                <a:schemeClr val="bg1"/>
+              </a:solidFill>
+              <a:latin typeface="Consolas" panose="020B0609020204030204" pitchFamily="49" charset="0"/>
+              <a:sym typeface="Wingdings" panose="05000000000000000000" pitchFamily="2" charset="2"/>
+            </a:endParaRPr>
+          </a:p>
+          <a:p>
+            <a:pPr algn="ctr"/>
+            <a:endParaRPr lang="de-DE" sz="3200" dirty="0">
+              <a:solidFill>
+                <a:schemeClr val="bg1"/>
+              </a:solidFill>
+              <a:latin typeface="Consolas" panose="020B0609020204030204" pitchFamily="49" charset="0"/>
+              <a:sym typeface="Wingdings" panose="05000000000000000000" pitchFamily="2" charset="2"/>
+            </a:endParaRPr>
+          </a:p>
+          <a:p>
+            <a:pPr algn="ctr"/>
+            <a:endParaRPr lang="de-DE" sz="3200" dirty="0">
+              <a:solidFill>
+                <a:schemeClr val="bg1"/>
+              </a:solidFill>
+              <a:latin typeface="Consolas" panose="020B0609020204030204" pitchFamily="49" charset="0"/>
+              <a:sym typeface="Wingdings" panose="05000000000000000000" pitchFamily="2" charset="2"/>
+            </a:endParaRPr>
+          </a:p>
+          <a:p>
+            <a:pPr algn="ctr"/>
+            <a:endParaRPr lang="de-DE" sz="3200" dirty="0">
+              <a:solidFill>
+                <a:schemeClr val="bg1"/>
+              </a:solidFill>
+              <a:latin typeface="Consolas" panose="020B0609020204030204" pitchFamily="49" charset="0"/>
+              <a:sym typeface="Wingdings" panose="05000000000000000000" pitchFamily="2" charset="2"/>
+            </a:endParaRPr>
+          </a:p>
+          <a:p>
+            <a:pPr algn="ctr"/>
+            <a:endParaRPr lang="de-DE" dirty="0">
+              <a:solidFill>
+                <a:schemeClr val="bg1"/>
+              </a:solidFill>
+              <a:sym typeface="Wingdings" panose="05000000000000000000" pitchFamily="2" charset="2"/>
+            </a:endParaRPr>
+          </a:p>
+          <a:p>
+            <a:pPr algn="ctr"/>
+            <a:r>
+              <a:rPr lang="de-DE" sz="2000" dirty="0">
+                <a:solidFill>
+                  <a:schemeClr val="bg1"/>
+                </a:solidFill>
+                <a:sym typeface="Wingdings" panose="05000000000000000000" pitchFamily="2" charset="2"/>
+              </a:rPr>
+              <a:t>Bitte die </a:t>
+            </a:r>
+            <a:r>
+              <a:rPr lang="de-DE" sz="2000" b="1" dirty="0">
+                <a:solidFill>
+                  <a:schemeClr val="bg1"/>
+                </a:solidFill>
+                <a:sym typeface="Wingdings" panose="05000000000000000000" pitchFamily="2" charset="2"/>
+              </a:rPr>
+              <a:t>LEERTASTE</a:t>
+            </a:r>
+            <a:r>
+              <a:rPr lang="de-DE" sz="2000" dirty="0">
+                <a:solidFill>
+                  <a:schemeClr val="bg1"/>
+                </a:solidFill>
+                <a:sym typeface="Wingdings" panose="05000000000000000000" pitchFamily="2" charset="2"/>
+              </a:rPr>
+              <a:t> drücken, um fortzufahren</a:t>
+            </a:r>
+            <a:endParaRPr lang="de-DE" sz="2000" dirty="0">
+              <a:solidFill>
+                <a:schemeClr val="bg1"/>
+              </a:solidFill>
+            </a:endParaRPr>
+          </a:p>
+        </p:txBody>
+      </p:sp>
+      <p:pic>
+        <p:nvPicPr>
+          <p:cNvPr id="3" name="Grafik 2">
+            <a:extLst>
+              <a:ext uri="{FF2B5EF4-FFF2-40B4-BE49-F238E27FC236}">
+                <a16:creationId xmlns:a16="http://schemas.microsoft.com/office/drawing/2014/main" id="{F9A8BE98-0B63-911F-DE60-DD16EDE0081B}"/>
+              </a:ext>
+            </a:extLst>
+          </p:cNvPr>
+          <p:cNvPicPr>
+            <a:picLocks noChangeAspect="1"/>
+          </p:cNvPicPr>
+          <p:nvPr/>
+        </p:nvPicPr>
+        <p:blipFill>
+          <a:blip r:embed="rId2">
+            <a:extLst>
+              <a:ext uri="{28A0092B-C50C-407E-A947-70E740481C1C}">
+                <a14:useLocalDpi xmlns:a14="http://schemas.microsoft.com/office/drawing/2010/main" val="0"/>
+              </a:ext>
+            </a:extLst>
+          </a:blip>
+          <a:stretch>
+            <a:fillRect/>
+          </a:stretch>
+        </p:blipFill>
+        <p:spPr>
+          <a:xfrm>
+            <a:off x="2915727" y="2713222"/>
+            <a:ext cx="5460521" cy="3070298"/>
+          </a:xfrm>
+          <a:prstGeom prst="rect">
+            <a:avLst/>
+          </a:prstGeom>
+          <a:ln w="41275">
+            <a:solidFill>
+              <a:schemeClr val="bg1"/>
+            </a:solidFill>
+          </a:ln>
+        </p:spPr>
+      </p:pic>
+    </p:spTree>
+    <p:extLst>
+      <p:ext uri="{BB962C8B-B14F-4D97-AF65-F5344CB8AC3E}">
+        <p14:creationId xmlns:p14="http://schemas.microsoft.com/office/powerpoint/2010/main" val="3083321"/>
+      </p:ext>
+    </p:extLst>
+  </p:cSld>
+  <p:clrMapOvr>
+    <a:masterClrMapping/>
+  </p:clrMapOvr>
+</p:sld>
+</file>
+
+<file path=ppt/slides/slide15.xml><?xml version="1.0" encoding="utf-8"?>
 <p:sld xmlns:a="http://schemas.openxmlformats.org/drawingml/2006/main" xmlns:r="http://schemas.openxmlformats.org/officeDocument/2006/relationships" xmlns:p="http://schemas.openxmlformats.org/presentationml/2006/main">
   <p:cSld>
     <p:bg>
@@ -5548,7 +5803,7 @@
 </p:sld>
 </file>
 
-<file path=ppt/slides/slide14.xml><?xml version="1.0" encoding="utf-8"?>
+<file path=ppt/slides/slide16.xml><?xml version="1.0" encoding="utf-8"?>
 <p:sld xmlns:a="http://schemas.openxmlformats.org/drawingml/2006/main" xmlns:r="http://schemas.openxmlformats.org/officeDocument/2006/relationships" xmlns:p="http://schemas.openxmlformats.org/presentationml/2006/main">
   <p:cSld>
     <p:bg>
@@ -5594,7 +5849,7 @@
         <p:spPr>
           <a:xfrm>
             <a:off x="1707406" y="431449"/>
-            <a:ext cx="7682846" cy="5632311"/>
+            <a:ext cx="7682846" cy="5324535"/>
           </a:xfrm>
           <a:prstGeom prst="rect">
             <a:avLst/>
@@ -5705,10 +5960,20 @@
                 </a:solidFill>
                 <a:latin typeface="Consolas" panose="020B0609020204030204" pitchFamily="49" charset="0"/>
               </a:rPr>
-              <a:t>Die Wahrscheinlichkeiten für eine normale oder invertierte Steuerung unterscheiden sich. Das Verhältnis bleibt während des gesamten Experiments gleich.</a:t>
-            </a:r>
-          </a:p>
-          <a:p>
+              <a:t>Ob die Steuerung normal oder invertiert ist, unterliegt unterschiedlichen Wahrscheinlichkeiten.</a:t>
+            </a:r>
+          </a:p>
+          <a:p>
+            <a:pPr algn="ctr"/>
+            <a:r>
+              <a:rPr lang="de-DE" sz="2000" dirty="0">
+                <a:solidFill>
+                  <a:schemeClr val="bg1"/>
+                </a:solidFill>
+                <a:latin typeface="Consolas" panose="020B0609020204030204" pitchFamily="49" charset="0"/>
+              </a:rPr>
+              <a:t>Diese Wahrscheinlichkeiten ändern sich während des Spiels nicht.</a:t>
+            </a:r>
             <a:endParaRPr lang="de-DE" sz="2000" b="0" dirty="0">
               <a:solidFill>
                 <a:srgbClr val="CE9178"/>
@@ -5794,7 +6059,7 @@
 </p:sld>
 </file>
 
-<file path=ppt/slides/slide15.xml><?xml version="1.0" encoding="utf-8"?>
+<file path=ppt/slides/slide17.xml><?xml version="1.0" encoding="utf-8"?>
 <p:sld xmlns:a="http://schemas.openxmlformats.org/drawingml/2006/main" xmlns:r="http://schemas.openxmlformats.org/officeDocument/2006/relationships" xmlns:p="http://schemas.openxmlformats.org/presentationml/2006/main">
   <p:cSld>
     <p:bg>
@@ -5840,7 +6105,7 @@
         <p:spPr>
           <a:xfrm>
             <a:off x="1807089" y="181109"/>
-            <a:ext cx="7682846" cy="6247864"/>
+            <a:ext cx="7682846" cy="4708981"/>
           </a:xfrm>
           <a:prstGeom prst="rect">
             <a:avLst/>
@@ -5854,6 +6119,51 @@
           <a:lstStyle/>
           <a:p>
             <a:pPr algn="ctr"/>
+            <a:endParaRPr lang="de-DE" sz="2000" dirty="0">
+              <a:solidFill>
+                <a:schemeClr val="bg1"/>
+              </a:solidFill>
+              <a:latin typeface="Consolas" panose="020B0609020204030204" pitchFamily="49" charset="0"/>
+            </a:endParaRPr>
+          </a:p>
+          <a:p>
+            <a:pPr algn="ctr"/>
+            <a:endParaRPr lang="de-DE" sz="2000" dirty="0">
+              <a:solidFill>
+                <a:schemeClr val="bg1"/>
+              </a:solidFill>
+              <a:latin typeface="Consolas" panose="020B0609020204030204" pitchFamily="49" charset="0"/>
+            </a:endParaRPr>
+          </a:p>
+          <a:p>
+            <a:pPr algn="ctr"/>
+            <a:endParaRPr lang="de-DE" sz="2000" dirty="0">
+              <a:solidFill>
+                <a:schemeClr val="bg1"/>
+              </a:solidFill>
+              <a:latin typeface="Consolas" panose="020B0609020204030204" pitchFamily="49" charset="0"/>
+            </a:endParaRPr>
+          </a:p>
+          <a:p>
+            <a:pPr algn="ctr"/>
+            <a:endParaRPr lang="de-DE" sz="2000" dirty="0">
+              <a:solidFill>
+                <a:schemeClr val="bg1"/>
+              </a:solidFill>
+              <a:latin typeface="Consolas" panose="020B0609020204030204" pitchFamily="49" charset="0"/>
+            </a:endParaRPr>
+          </a:p>
+          <a:p>
+            <a:pPr algn="ctr"/>
+            <a:endParaRPr lang="de-DE" sz="2000" dirty="0">
+              <a:solidFill>
+                <a:schemeClr val="bg1"/>
+              </a:solidFill>
+              <a:latin typeface="Consolas" panose="020B0609020204030204" pitchFamily="49" charset="0"/>
+            </a:endParaRPr>
+          </a:p>
+          <a:p>
+            <a:pPr algn="ctr"/>
             <a:r>
               <a:rPr lang="de-DE" sz="2000" dirty="0">
                 <a:solidFill>
@@ -5861,110 +6171,7 @@
                 </a:solidFill>
                 <a:latin typeface="Consolas" panose="020B0609020204030204" pitchFamily="49" charset="0"/>
               </a:rPr>
-              <a:t>Zwe</a:t>
-            </a:r>
-            <a:r>
-              <a:rPr lang="de-DE" sz="2000" b="0" dirty="0">
-                <a:solidFill>
-                  <a:schemeClr val="bg1"/>
-                </a:solidFill>
-                <a:effectLst/>
-                <a:latin typeface="Consolas" panose="020B0609020204030204" pitchFamily="49" charset="0"/>
-              </a:rPr>
-              <a:t>i </a:t>
-            </a:r>
-            <a:r>
-              <a:rPr lang="de-DE" sz="2000" b="0" u="sng" dirty="0">
-                <a:solidFill>
-                  <a:schemeClr val="bg1"/>
-                </a:solidFill>
-                <a:effectLst/>
-                <a:latin typeface="Consolas" panose="020B0609020204030204" pitchFamily="49" charset="0"/>
-              </a:rPr>
-              <a:t>wichtige Hinweise</a:t>
-            </a:r>
-            <a:r>
-              <a:rPr lang="de-DE" sz="2000" b="0" dirty="0">
-                <a:solidFill>
-                  <a:schemeClr val="bg1"/>
-                </a:solidFill>
-                <a:effectLst/>
-                <a:latin typeface="Consolas" panose="020B0609020204030204" pitchFamily="49" charset="0"/>
-              </a:rPr>
-              <a:t> vor Beginn: </a:t>
-            </a:r>
-          </a:p>
-          <a:p>
-            <a:pPr algn="ctr"/>
-            <a:r>
-              <a:rPr lang="de-DE" sz="2000" dirty="0">
-                <a:solidFill>
-                  <a:schemeClr val="bg1"/>
-                </a:solidFill>
-                <a:latin typeface="Consolas" panose="020B0609020204030204" pitchFamily="49" charset="0"/>
-              </a:rPr>
-              <a:t>1.</a:t>
-            </a:r>
-            <a:r>
-              <a:rPr lang="de-DE" sz="2000" b="0" dirty="0">
-                <a:solidFill>
-                  <a:schemeClr val="bg1"/>
-                </a:solidFill>
-                <a:effectLst/>
-                <a:latin typeface="Consolas" panose="020B0609020204030204" pitchFamily="49" charset="0"/>
-              </a:rPr>
-              <a:t>Sobald Sie das Ziel getroffen haben, erscheint ein kurzer Zwischenbildschirm. Bitte achten Sie darauf, </a:t>
-            </a:r>
-            <a:r>
-              <a:rPr lang="de-DE" sz="2000" b="1" dirty="0">
-                <a:solidFill>
-                  <a:schemeClr val="bg1"/>
-                </a:solidFill>
-                <a:effectLst/>
-                <a:latin typeface="Consolas" panose="020B0609020204030204" pitchFamily="49" charset="0"/>
-              </a:rPr>
-              <a:t>keine Taste mehr zu drücken oder gedrückt zu halten </a:t>
-            </a:r>
-            <a:r>
-              <a:rPr lang="de-DE" sz="2000" b="0" dirty="0">
-                <a:solidFill>
-                  <a:schemeClr val="bg1"/>
-                </a:solidFill>
-                <a:effectLst/>
-                <a:latin typeface="Consolas" panose="020B0609020204030204" pitchFamily="49" charset="0"/>
-              </a:rPr>
-              <a:t>und drücken Sie </a:t>
-            </a:r>
-            <a:r>
-              <a:rPr lang="de-DE" sz="2000" b="1" dirty="0">
-                <a:solidFill>
-                  <a:schemeClr val="bg1"/>
-                </a:solidFill>
-                <a:effectLst/>
-                <a:latin typeface="Consolas" panose="020B0609020204030204" pitchFamily="49" charset="0"/>
-              </a:rPr>
-              <a:t>erst dann wieder eine Taste, wenn der nächste Durchgang beginnt.</a:t>
-            </a:r>
-          </a:p>
-          <a:p>
-            <a:pPr algn="ctr"/>
-            <a:r>
-              <a:rPr lang="de-DE" sz="2000" b="1" dirty="0">
-                <a:solidFill>
-                  <a:schemeClr val="bg1"/>
-                </a:solidFill>
-                <a:latin typeface="Consolas" panose="020B0609020204030204" pitchFamily="49" charset="0"/>
-              </a:rPr>
-              <a:t>2. </a:t>
-            </a:r>
-            <a:r>
-              <a:rPr lang="de-DE" sz="2000" dirty="0">
-                <a:solidFill>
-                  <a:schemeClr val="bg1"/>
-                </a:solidFill>
-                <a:latin typeface="Consolas" panose="020B0609020204030204" pitchFamily="49" charset="0"/>
-              </a:rPr>
-              <a:t>Es kann passieren, dass das Ziel nicht erscheint. Das ist ein Fehler des Spiels. Lassen Sie sich nicht verunsichern und warten Sie, nach wenigen Sekunden startet automatisch der nächste Durchlauf</a:t>
+              <a:t>Es kann passieren, dass das Ziel nicht erscheint. Das ist ein Fehler des Spiels. Lassen Sie sich nicht verunsichern und warten Sie, nach wenigen Sekunden startet automatisch der nächste Durchlauf.</a:t>
             </a:r>
             <a:endParaRPr lang="de-DE" sz="2000" dirty="0">
               <a:solidFill>
@@ -6004,26 +6211,6 @@
           </a:p>
           <a:p>
             <a:pPr algn="ctr"/>
-            <a:endParaRPr lang="de-DE" sz="2000" b="0" dirty="0">
-              <a:solidFill>
-                <a:schemeClr val="bg1"/>
-              </a:solidFill>
-              <a:effectLst/>
-              <a:latin typeface="Consolas" panose="020B0609020204030204" pitchFamily="49" charset="0"/>
-            </a:endParaRPr>
-          </a:p>
-          <a:p>
-            <a:pPr algn="ctr"/>
-            <a:endParaRPr lang="de-DE" sz="2000" b="0" dirty="0">
-              <a:solidFill>
-                <a:schemeClr val="bg1"/>
-              </a:solidFill>
-              <a:effectLst/>
-              <a:latin typeface="Consolas" panose="020B0609020204030204" pitchFamily="49" charset="0"/>
-            </a:endParaRPr>
-          </a:p>
-          <a:p>
-            <a:pPr algn="ctr"/>
             <a:endParaRPr lang="de-DE" sz="2000" dirty="0">
               <a:solidFill>
                 <a:schemeClr val="bg1"/>
@@ -6034,220 +6221,6 @@
           <a:p>
             <a:pPr algn="ctr"/>
             <a:endParaRPr lang="de-DE" sz="2000" dirty="0">
-              <a:solidFill>
-                <a:schemeClr val="bg1"/>
-              </a:solidFill>
-              <a:sym typeface="Wingdings" panose="05000000000000000000" pitchFamily="2" charset="2"/>
-            </a:endParaRPr>
-          </a:p>
-          <a:p>
-            <a:pPr algn="ctr"/>
-            <a:endParaRPr lang="de-DE" sz="2000" dirty="0">
-              <a:solidFill>
-                <a:schemeClr val="bg1"/>
-              </a:solidFill>
-              <a:sym typeface="Wingdings" panose="05000000000000000000" pitchFamily="2" charset="2"/>
-            </a:endParaRPr>
-          </a:p>
-          <a:p>
-            <a:pPr algn="ctr"/>
-            <a:endParaRPr lang="de-DE" sz="2000" dirty="0">
-              <a:solidFill>
-                <a:schemeClr val="bg1"/>
-              </a:solidFill>
-              <a:sym typeface="Wingdings" panose="05000000000000000000" pitchFamily="2" charset="2"/>
-            </a:endParaRPr>
-          </a:p>
-          <a:p>
-            <a:pPr algn="ctr"/>
-            <a:r>
-              <a:rPr lang="de-DE" sz="2000" dirty="0">
-                <a:solidFill>
-                  <a:schemeClr val="bg1"/>
-                </a:solidFill>
-                <a:sym typeface="Wingdings" panose="05000000000000000000" pitchFamily="2" charset="2"/>
-              </a:rPr>
-              <a:t>Bitte die </a:t>
-            </a:r>
-            <a:r>
-              <a:rPr lang="de-DE" sz="2000" b="1" dirty="0">
-                <a:solidFill>
-                  <a:schemeClr val="bg1"/>
-                </a:solidFill>
-                <a:sym typeface="Wingdings" panose="05000000000000000000" pitchFamily="2" charset="2"/>
-              </a:rPr>
-              <a:t>LEERTASTE</a:t>
-            </a:r>
-            <a:r>
-              <a:rPr lang="de-DE" sz="2000" dirty="0">
-                <a:solidFill>
-                  <a:schemeClr val="bg1"/>
-                </a:solidFill>
-                <a:sym typeface="Wingdings" panose="05000000000000000000" pitchFamily="2" charset="2"/>
-              </a:rPr>
-              <a:t> drücken, um fortzufahren</a:t>
-            </a:r>
-            <a:endParaRPr lang="de-DE" sz="2000" dirty="0">
-              <a:solidFill>
-                <a:schemeClr val="bg1"/>
-              </a:solidFill>
-            </a:endParaRPr>
-          </a:p>
-        </p:txBody>
-      </p:sp>
-      <p:pic>
-        <p:nvPicPr>
-          <p:cNvPr id="5" name="Grafik 4">
-            <a:extLst>
-              <a:ext uri="{FF2B5EF4-FFF2-40B4-BE49-F238E27FC236}">
-                <a16:creationId xmlns:a16="http://schemas.microsoft.com/office/drawing/2014/main" id="{20E39380-993B-FFA2-4166-B06BA205306B}"/>
-              </a:ext>
-            </a:extLst>
-          </p:cNvPr>
-          <p:cNvPicPr>
-            <a:picLocks noChangeAspect="1"/>
-          </p:cNvPicPr>
-          <p:nvPr/>
-        </p:nvPicPr>
-        <p:blipFill>
-          <a:blip r:embed="rId2" cstate="hqprint">
-            <a:extLst>
-              <a:ext uri="{28A0092B-C50C-407E-A947-70E740481C1C}">
-                <a14:useLocalDpi xmlns:a14="http://schemas.microsoft.com/office/drawing/2010/main" val="0"/>
-              </a:ext>
-            </a:extLst>
-          </a:blip>
-          <a:stretch>
-            <a:fillRect/>
-          </a:stretch>
-        </p:blipFill>
-        <p:spPr>
-          <a:xfrm>
-            <a:off x="3959709" y="3429000"/>
-            <a:ext cx="3105326" cy="2398481"/>
-          </a:xfrm>
-          <a:prstGeom prst="rect">
-            <a:avLst/>
-          </a:prstGeom>
-        </p:spPr>
-      </p:pic>
-    </p:spTree>
-    <p:extLst>
-      <p:ext uri="{BB962C8B-B14F-4D97-AF65-F5344CB8AC3E}">
-        <p14:creationId xmlns:p14="http://schemas.microsoft.com/office/powerpoint/2010/main" val="752187564"/>
-      </p:ext>
-    </p:extLst>
-  </p:cSld>
-  <p:clrMapOvr>
-    <a:masterClrMapping/>
-  </p:clrMapOvr>
-</p:sld>
-</file>
-
-<file path=ppt/slides/slide16.xml><?xml version="1.0" encoding="utf-8"?>
-<p:sld xmlns:a="http://schemas.openxmlformats.org/drawingml/2006/main" xmlns:r="http://schemas.openxmlformats.org/officeDocument/2006/relationships" xmlns:p="http://schemas.openxmlformats.org/presentationml/2006/main">
-  <p:cSld>
-    <p:bg>
-      <p:bgPr>
-        <a:solidFill>
-          <a:schemeClr val="tx1"/>
-        </a:solidFill>
-        <a:effectLst/>
-      </p:bgPr>
-    </p:bg>
-    <p:spTree>
-      <p:nvGrpSpPr>
-        <p:cNvPr id="1" name="">
-          <a:extLst>
-            <a:ext uri="{FF2B5EF4-FFF2-40B4-BE49-F238E27FC236}">
-              <a16:creationId xmlns:a16="http://schemas.microsoft.com/office/drawing/2014/main" id="{2F555E54-302D-FAF5-8B61-33E8328B6B4F}"/>
-            </a:ext>
-          </a:extLst>
-        </p:cNvPr>
-        <p:cNvGrpSpPr/>
-        <p:nvPr/>
-      </p:nvGrpSpPr>
-      <p:grpSpPr>
-        <a:xfrm>
-          <a:off x="0" y="0"/>
-          <a:ext cx="0" cy="0"/>
-          <a:chOff x="0" y="0"/>
-          <a:chExt cx="0" cy="0"/>
-        </a:xfrm>
-      </p:grpSpPr>
-      <p:sp>
-        <p:nvSpPr>
-          <p:cNvPr id="4" name="Textfeld 3">
-            <a:extLst>
-              <a:ext uri="{FF2B5EF4-FFF2-40B4-BE49-F238E27FC236}">
-                <a16:creationId xmlns:a16="http://schemas.microsoft.com/office/drawing/2014/main" id="{7BAA204B-745F-1A14-8016-08FF53D32972}"/>
-              </a:ext>
-            </a:extLst>
-          </p:cNvPr>
-          <p:cNvSpPr txBox="1"/>
-          <p:nvPr/>
-        </p:nvSpPr>
-        <p:spPr>
-          <a:xfrm>
-            <a:off x="1603889" y="1751291"/>
-            <a:ext cx="7682846" cy="2585323"/>
-          </a:xfrm>
-          <a:prstGeom prst="rect">
-            <a:avLst/>
-          </a:prstGeom>
-          <a:noFill/>
-        </p:spPr>
-        <p:txBody>
-          <a:bodyPr wrap="square" rtlCol="0">
-            <a:spAutoFit/>
-          </a:bodyPr>
-          <a:lstStyle/>
-          <a:p>
-            <a:pPr algn="ctr"/>
-            <a:r>
-              <a:rPr lang="de-DE" sz="4400" dirty="0">
-                <a:solidFill>
-                  <a:schemeClr val="bg1"/>
-                </a:solidFill>
-                <a:latin typeface="Consolas" panose="020B0609020204030204" pitchFamily="49" charset="0"/>
-              </a:rPr>
-              <a:t>Gut gemacht!</a:t>
-            </a:r>
-          </a:p>
-          <a:p>
-            <a:pPr algn="ctr"/>
-            <a:r>
-              <a:rPr lang="de-DE" sz="4400" b="0" dirty="0">
-                <a:solidFill>
-                  <a:schemeClr val="bg1"/>
-                </a:solidFill>
-                <a:effectLst/>
-                <a:latin typeface="Consolas" panose="020B0609020204030204" pitchFamily="49" charset="0"/>
-              </a:rPr>
-              <a:t>Das war das erste Spiel.</a:t>
-            </a:r>
-          </a:p>
-          <a:p>
-            <a:pPr algn="ctr"/>
-            <a:endParaRPr lang="de-DE" dirty="0">
-              <a:solidFill>
-                <a:schemeClr val="bg1"/>
-              </a:solidFill>
-              <a:sym typeface="Wingdings" panose="05000000000000000000" pitchFamily="2" charset="2"/>
-            </a:endParaRPr>
-          </a:p>
-          <a:p>
-            <a:pPr algn="ctr"/>
-            <a:endParaRPr lang="de-DE" dirty="0">
-              <a:solidFill>
-                <a:schemeClr val="bg1"/>
-              </a:solidFill>
-              <a:sym typeface="Wingdings" panose="05000000000000000000" pitchFamily="2" charset="2"/>
-            </a:endParaRPr>
-          </a:p>
-          <a:p>
-            <a:pPr algn="ctr"/>
-            <a:endParaRPr lang="de-DE" dirty="0">
               <a:solidFill>
                 <a:schemeClr val="bg1"/>
               </a:solidFill>
@@ -6294,155 +6267,7 @@
     </p:spTree>
     <p:extLst>
       <p:ext uri="{BB962C8B-B14F-4D97-AF65-F5344CB8AC3E}">
-        <p14:creationId xmlns:p14="http://schemas.microsoft.com/office/powerpoint/2010/main" val="1277864588"/>
-      </p:ext>
-    </p:extLst>
-  </p:cSld>
-  <p:clrMapOvr>
-    <a:masterClrMapping/>
-  </p:clrMapOvr>
-</p:sld>
-</file>
-
-<file path=ppt/slides/slide17.xml><?xml version="1.0" encoding="utf-8"?>
-<p:sld xmlns:a="http://schemas.openxmlformats.org/drawingml/2006/main" xmlns:r="http://schemas.openxmlformats.org/officeDocument/2006/relationships" xmlns:p="http://schemas.openxmlformats.org/presentationml/2006/main">
-  <p:cSld>
-    <p:bg>
-      <p:bgPr>
-        <a:solidFill>
-          <a:schemeClr val="tx1"/>
-        </a:solidFill>
-        <a:effectLst/>
-      </p:bgPr>
-    </p:bg>
-    <p:spTree>
-      <p:nvGrpSpPr>
-        <p:cNvPr id="1" name="">
-          <a:extLst>
-            <a:ext uri="{FF2B5EF4-FFF2-40B4-BE49-F238E27FC236}">
-              <a16:creationId xmlns:a16="http://schemas.microsoft.com/office/drawing/2014/main" id="{2F555E54-302D-FAF5-8B61-33E8328B6B4F}"/>
-            </a:ext>
-          </a:extLst>
-        </p:cNvPr>
-        <p:cNvGrpSpPr/>
-        <p:nvPr/>
-      </p:nvGrpSpPr>
-      <p:grpSpPr>
-        <a:xfrm>
-          <a:off x="0" y="0"/>
-          <a:ext cx="0" cy="0"/>
-          <a:chOff x="0" y="0"/>
-          <a:chExt cx="0" cy="0"/>
-        </a:xfrm>
-      </p:grpSpPr>
-      <p:sp>
-        <p:nvSpPr>
-          <p:cNvPr id="4" name="Textfeld 3">
-            <a:extLst>
-              <a:ext uri="{FF2B5EF4-FFF2-40B4-BE49-F238E27FC236}">
-                <a16:creationId xmlns:a16="http://schemas.microsoft.com/office/drawing/2014/main" id="{7BAA204B-745F-1A14-8016-08FF53D32972}"/>
-              </a:ext>
-            </a:extLst>
-          </p:cNvPr>
-          <p:cNvSpPr txBox="1"/>
-          <p:nvPr/>
-        </p:nvSpPr>
-        <p:spPr>
-          <a:xfrm>
-            <a:off x="1603888" y="1751291"/>
-            <a:ext cx="7954179" cy="3262432"/>
-          </a:xfrm>
-          <a:prstGeom prst="rect">
-            <a:avLst/>
-          </a:prstGeom>
-          <a:noFill/>
-        </p:spPr>
-        <p:txBody>
-          <a:bodyPr wrap="square" rtlCol="0">
-            <a:spAutoFit/>
-          </a:bodyPr>
-          <a:lstStyle/>
-          <a:p>
-            <a:pPr algn="ctr"/>
-            <a:r>
-              <a:rPr lang="de-DE" sz="4400" b="0" dirty="0">
-                <a:solidFill>
-                  <a:schemeClr val="bg1"/>
-                </a:solidFill>
-                <a:effectLst/>
-                <a:latin typeface="Consolas" panose="020B0609020204030204" pitchFamily="49" charset="0"/>
-              </a:rPr>
-              <a:t>Wenn Sie möchten, machen Sie eine kurze Pause und fahren dann fort.</a:t>
-            </a:r>
-          </a:p>
-          <a:p>
-            <a:pPr algn="ctr"/>
-            <a:endParaRPr lang="de-DE" dirty="0">
-              <a:solidFill>
-                <a:schemeClr val="bg1"/>
-              </a:solidFill>
-              <a:sym typeface="Wingdings" panose="05000000000000000000" pitchFamily="2" charset="2"/>
-            </a:endParaRPr>
-          </a:p>
-          <a:p>
-            <a:pPr algn="ctr"/>
-            <a:endParaRPr lang="de-DE" dirty="0">
-              <a:solidFill>
-                <a:schemeClr val="bg1"/>
-              </a:solidFill>
-              <a:sym typeface="Wingdings" panose="05000000000000000000" pitchFamily="2" charset="2"/>
-            </a:endParaRPr>
-          </a:p>
-          <a:p>
-            <a:pPr algn="ctr"/>
-            <a:endParaRPr lang="de-DE" dirty="0">
-              <a:solidFill>
-                <a:schemeClr val="bg1"/>
-              </a:solidFill>
-              <a:sym typeface="Wingdings" panose="05000000000000000000" pitchFamily="2" charset="2"/>
-            </a:endParaRPr>
-          </a:p>
-          <a:p>
-            <a:pPr algn="ctr"/>
-            <a:r>
-              <a:rPr lang="de-DE" sz="2000" dirty="0">
-                <a:solidFill>
-                  <a:schemeClr val="bg1"/>
-                </a:solidFill>
-                <a:sym typeface="Wingdings" panose="05000000000000000000" pitchFamily="2" charset="2"/>
-              </a:rPr>
-              <a:t>Bitte die </a:t>
-            </a:r>
-            <a:r>
-              <a:rPr lang="de-DE" sz="2000" b="1" dirty="0">
-                <a:solidFill>
-                  <a:schemeClr val="bg1"/>
-                </a:solidFill>
-                <a:sym typeface="Wingdings" panose="05000000000000000000" pitchFamily="2" charset="2"/>
-              </a:rPr>
-              <a:t>LEERTASTE</a:t>
-            </a:r>
-            <a:r>
-              <a:rPr lang="de-DE" sz="2000" dirty="0">
-                <a:solidFill>
-                  <a:schemeClr val="bg1"/>
-                </a:solidFill>
-                <a:sym typeface="Wingdings" panose="05000000000000000000" pitchFamily="2" charset="2"/>
-              </a:rPr>
-              <a:t> drücken, um fortzufahren</a:t>
-            </a:r>
-            <a:endParaRPr lang="de-DE" sz="2000" dirty="0">
-              <a:solidFill>
-                <a:schemeClr val="bg1"/>
-              </a:solidFill>
-            </a:endParaRPr>
-          </a:p>
-        </p:txBody>
-      </p:sp>
-    </p:spTree>
-    <p:extLst>
-      <p:ext uri="{BB962C8B-B14F-4D97-AF65-F5344CB8AC3E}">
-        <p14:creationId xmlns:p14="http://schemas.microsoft.com/office/powerpoint/2010/main" val="478037220"/>
+        <p14:creationId xmlns:p14="http://schemas.microsoft.com/office/powerpoint/2010/main" val="752187564"/>
       </p:ext>
     </p:extLst>
   </p:cSld>
@@ -6497,8 +6322,8 @@
         </p:nvSpPr>
         <p:spPr>
           <a:xfrm>
-            <a:off x="1603888" y="1751291"/>
-            <a:ext cx="8325115" cy="1908215"/>
+            <a:off x="1603889" y="1751291"/>
+            <a:ext cx="7682846" cy="2585323"/>
           </a:xfrm>
           <a:prstGeom prst="rect">
             <a:avLst/>
@@ -6519,15 +6344,21 @@
                 </a:solidFill>
                 <a:latin typeface="Consolas" panose="020B0609020204030204" pitchFamily="49" charset="0"/>
               </a:rPr>
-              <a:t>Weiter geht es zu Spiel 2!</a:t>
-            </a:r>
-            <a:endParaRPr lang="de-DE" sz="4400" b="0" dirty="0">
-              <a:solidFill>
-                <a:schemeClr val="bg1"/>
-              </a:solidFill>
-              <a:effectLst/>
-              <a:latin typeface="Consolas" panose="020B0609020204030204" pitchFamily="49" charset="0"/>
-            </a:endParaRPr>
+              <a:t>Gut gemacht!</a:t>
+            </a:r>
+          </a:p>
+          <a:p>
+            <a:pPr algn="ctr"/>
+            <a:r>
+              <a:rPr lang="de-DE" sz="4400" b="0" dirty="0">
+                <a:solidFill>
+                  <a:schemeClr val="bg1"/>
+                </a:solidFill>
+                <a:effectLst/>
+                <a:latin typeface="Consolas" panose="020B0609020204030204" pitchFamily="49" charset="0"/>
+              </a:rPr>
+              <a:t>Das war das erste Spiel.</a:t>
+            </a:r>
           </a:p>
           <a:p>
             <a:pPr algn="ctr"/>
@@ -6596,7 +6427,7 @@
     </p:spTree>
     <p:extLst>
       <p:ext uri="{BB962C8B-B14F-4D97-AF65-F5344CB8AC3E}">
-        <p14:creationId xmlns:p14="http://schemas.microsoft.com/office/powerpoint/2010/main" val="1007176671"/>
+        <p14:creationId xmlns:p14="http://schemas.microsoft.com/office/powerpoint/2010/main" val="1277864588"/>
       </p:ext>
     </p:extLst>
   </p:cSld>
@@ -6622,7 +6453,7 @@
         <p:cNvPr id="1" name="">
           <a:extLst>
             <a:ext uri="{FF2B5EF4-FFF2-40B4-BE49-F238E27FC236}">
-              <a16:creationId xmlns:a16="http://schemas.microsoft.com/office/drawing/2014/main" id="{B25867C5-31EE-2747-E375-9235E74EB9AD}"/>
+              <a16:creationId xmlns:a16="http://schemas.microsoft.com/office/drawing/2014/main" id="{2F555E54-302D-FAF5-8B61-33E8328B6B4F}"/>
             </a:ext>
           </a:extLst>
         </p:cNvPr>
@@ -6642,7 +6473,7 @@
           <p:cNvPr id="4" name="Textfeld 3">
             <a:extLst>
               <a:ext uri="{FF2B5EF4-FFF2-40B4-BE49-F238E27FC236}">
-                <a16:creationId xmlns:a16="http://schemas.microsoft.com/office/drawing/2014/main" id="{D191F11D-095D-DC95-90F9-C136253207C7}"/>
+                <a16:creationId xmlns:a16="http://schemas.microsoft.com/office/drawing/2014/main" id="{7BAA204B-745F-1A14-8016-08FF53D32972}"/>
               </a:ext>
             </a:extLst>
           </p:cNvPr>
@@ -6651,8 +6482,8 @@
         </p:nvSpPr>
         <p:spPr>
           <a:xfrm>
-            <a:off x="1807089" y="181109"/>
-            <a:ext cx="7682846" cy="6032421"/>
+            <a:off x="1603888" y="1751291"/>
+            <a:ext cx="7954179" cy="3262432"/>
           </a:xfrm>
           <a:prstGeom prst="rect">
             <a:avLst/>
@@ -6667,112 +6498,15 @@
           <a:p>
             <a:pPr algn="ctr"/>
             <a:r>
-              <a:rPr lang="de-DE" sz="2000" b="0" dirty="0">
-                <a:solidFill>
-                  <a:schemeClr val="bg1"/>
-                </a:solidFill>
-                <a:effectLst/>
-                <a:latin typeface="Consolas" panose="020B0609020204030204" pitchFamily="49" charset="0"/>
-              </a:rPr>
-              <a:t>Ihre Aufgabe ist es, so lange wie möglich zu überleben. Der Boden ist mit einer gefährlichen Flüssigkeit bedeckt, welche Ihnen permanent Schaden zufügt. Heilen können Sie sich über die </a:t>
-            </a:r>
-            <a:r>
-              <a:rPr lang="de-DE" sz="2000" b="0" dirty="0">
-                <a:solidFill>
-                  <a:srgbClr val="00B0F0"/>
-                </a:solidFill>
-                <a:effectLst/>
-                <a:latin typeface="Consolas" panose="020B0609020204030204" pitchFamily="49" charset="0"/>
-              </a:rPr>
-              <a:t>Medizinpakete</a:t>
-            </a:r>
-            <a:r>
-              <a:rPr lang="de-DE" sz="2000" b="0" dirty="0">
-                <a:solidFill>
-                  <a:schemeClr val="bg1"/>
-                </a:solidFill>
-                <a:effectLst/>
-                <a:latin typeface="Consolas" panose="020B0609020204030204" pitchFamily="49" charset="0"/>
-              </a:rPr>
-              <a:t>, aber Vorsicht vor den </a:t>
-            </a:r>
-            <a:r>
-              <a:rPr lang="de-DE" sz="2000" b="0" dirty="0">
-                <a:solidFill>
-                  <a:srgbClr val="FF0000"/>
-                </a:solidFill>
-                <a:effectLst/>
-                <a:latin typeface="Consolas" panose="020B0609020204030204" pitchFamily="49" charset="0"/>
-              </a:rPr>
-              <a:t>Giftflaschen</a:t>
-            </a:r>
-            <a:r>
-              <a:rPr lang="de-DE" sz="2000" b="0" dirty="0">
-                <a:solidFill>
-                  <a:schemeClr val="bg1"/>
-                </a:solidFill>
-                <a:effectLst/>
-                <a:latin typeface="Consolas" panose="020B0609020204030204" pitchFamily="49" charset="0"/>
-              </a:rPr>
-              <a:t>!</a:t>
-            </a:r>
-          </a:p>
-          <a:p>
-            <a:pPr algn="ctr"/>
-            <a:endParaRPr lang="de-DE" sz="3200" dirty="0">
-              <a:solidFill>
-                <a:schemeClr val="bg1"/>
-              </a:solidFill>
-              <a:latin typeface="Consolas" panose="020B0609020204030204" pitchFamily="49" charset="0"/>
-            </a:endParaRPr>
-          </a:p>
-          <a:p>
-            <a:pPr algn="ctr"/>
-            <a:endParaRPr lang="de-DE" sz="3200" b="0" dirty="0">
-              <a:solidFill>
-                <a:schemeClr val="bg1"/>
-              </a:solidFill>
-              <a:effectLst/>
-              <a:latin typeface="Consolas" panose="020B0609020204030204" pitchFamily="49" charset="0"/>
-            </a:endParaRPr>
-          </a:p>
-          <a:p>
-            <a:pPr algn="ctr"/>
-            <a:endParaRPr lang="de-DE" sz="3200" dirty="0">
-              <a:solidFill>
-                <a:schemeClr val="bg1"/>
-              </a:solidFill>
-              <a:latin typeface="Consolas" panose="020B0609020204030204" pitchFamily="49" charset="0"/>
-            </a:endParaRPr>
-          </a:p>
-          <a:p>
-            <a:pPr algn="ctr"/>
-            <a:endParaRPr lang="de-DE" sz="3200" dirty="0">
-              <a:solidFill>
-                <a:schemeClr val="bg1"/>
-              </a:solidFill>
-              <a:latin typeface="Consolas" panose="020B0609020204030204" pitchFamily="49" charset="0"/>
-            </a:endParaRPr>
-          </a:p>
-          <a:p>
-            <a:pPr algn="ctr"/>
-            <a:endParaRPr lang="de-DE" sz="3200" b="0" dirty="0">
-              <a:solidFill>
-                <a:schemeClr val="bg1"/>
-              </a:solidFill>
-              <a:effectLst/>
-              <a:latin typeface="Consolas" panose="020B0609020204030204" pitchFamily="49" charset="0"/>
-            </a:endParaRPr>
-          </a:p>
-          <a:p>
-            <a:pPr algn="ctr"/>
-            <a:endParaRPr lang="de-DE" sz="3200" b="0" dirty="0">
-              <a:solidFill>
-                <a:schemeClr val="bg1"/>
-              </a:solidFill>
-              <a:effectLst/>
-              <a:latin typeface="Consolas" panose="020B0609020204030204" pitchFamily="49" charset="0"/>
-            </a:endParaRPr>
+              <a:rPr lang="de-DE" sz="4400" b="0" dirty="0">
+                <a:solidFill>
+                  <a:schemeClr val="bg1"/>
+                </a:solidFill>
+                <a:effectLst/>
+                <a:latin typeface="Consolas" panose="020B0609020204030204" pitchFamily="49" charset="0"/>
+              </a:rPr>
+              <a:t>Wenn Sie möchten, machen Sie eine kurze Pause und fahren dann fort.</a:t>
+            </a:r>
           </a:p>
           <a:p>
             <a:pPr algn="ctr"/>
@@ -6803,194 +6537,45 @@
           </a:p>
           <a:p>
             <a:pPr algn="ctr"/>
+            <a:r>
+              <a:rPr lang="de-DE" sz="2000" dirty="0">
+                <a:solidFill>
+                  <a:schemeClr val="bg1"/>
+                </a:solidFill>
+                <a:sym typeface="Wingdings" panose="05000000000000000000" pitchFamily="2" charset="2"/>
+              </a:rPr>
+              <a:t>Bitte die </a:t>
+            </a:r>
+            <a:r>
+              <a:rPr lang="de-DE" sz="2000" b="1" dirty="0">
+                <a:solidFill>
+                  <a:schemeClr val="bg1"/>
+                </a:solidFill>
+                <a:sym typeface="Wingdings" panose="05000000000000000000" pitchFamily="2" charset="2"/>
+              </a:rPr>
+              <a:t>LEERTASTE</a:t>
+            </a:r>
+            <a:r>
+              <a:rPr lang="de-DE" sz="2000" dirty="0">
+                <a:solidFill>
+                  <a:schemeClr val="bg1"/>
+                </a:solidFill>
+                <a:sym typeface="Wingdings" panose="05000000000000000000" pitchFamily="2" charset="2"/>
+              </a:rPr>
+              <a:t> drücken, um fortzufahren</a:t>
+            </a:r>
             <a:endParaRPr lang="de-DE" sz="2000" dirty="0">
               <a:solidFill>
                 <a:schemeClr val="bg1"/>
               </a:solidFill>
-              <a:sym typeface="Wingdings" panose="05000000000000000000" pitchFamily="2" charset="2"/>
-            </a:endParaRPr>
-          </a:p>
-          <a:p>
-            <a:pPr algn="ctr"/>
-            <a:r>
-              <a:rPr lang="de-DE" sz="2000" dirty="0">
-                <a:solidFill>
-                  <a:schemeClr val="bg1"/>
-                </a:solidFill>
-                <a:sym typeface="Wingdings" panose="05000000000000000000" pitchFamily="2" charset="2"/>
-              </a:rPr>
-              <a:t>Bitte die </a:t>
-            </a:r>
-            <a:r>
-              <a:rPr lang="de-DE" sz="2000" b="1" dirty="0">
-                <a:solidFill>
-                  <a:schemeClr val="bg1"/>
-                </a:solidFill>
-                <a:sym typeface="Wingdings" panose="05000000000000000000" pitchFamily="2" charset="2"/>
-              </a:rPr>
-              <a:t>LEERTASTE</a:t>
-            </a:r>
-            <a:r>
-              <a:rPr lang="de-DE" sz="2000" dirty="0">
-                <a:solidFill>
-                  <a:schemeClr val="bg1"/>
-                </a:solidFill>
-                <a:sym typeface="Wingdings" panose="05000000000000000000" pitchFamily="2" charset="2"/>
-              </a:rPr>
-              <a:t> drücken, um fortzufahren</a:t>
-            </a:r>
-            <a:endParaRPr lang="de-DE" sz="2000" dirty="0">
-              <a:solidFill>
-                <a:schemeClr val="bg1"/>
-              </a:solidFill>
-            </a:endParaRPr>
-          </a:p>
-        </p:txBody>
-      </p:sp>
-      <p:pic>
-        <p:nvPicPr>
-          <p:cNvPr id="5" name="Grafik 4" descr="Ein Bild, das Screenshot, PC-Spiel, Spielesoftware, Digitales Compositing enthält.&#10;&#10;Automatisch generierte Beschreibung">
-            <a:extLst>
-              <a:ext uri="{FF2B5EF4-FFF2-40B4-BE49-F238E27FC236}">
-                <a16:creationId xmlns:a16="http://schemas.microsoft.com/office/drawing/2014/main" id="{C6AAD747-5145-5328-29E7-82748426F87B}"/>
-              </a:ext>
-            </a:extLst>
-          </p:cNvPr>
-          <p:cNvPicPr>
-            <a:picLocks noChangeAspect="1"/>
-          </p:cNvPicPr>
-          <p:nvPr/>
-        </p:nvPicPr>
-        <p:blipFill>
-          <a:blip r:embed="rId2">
-            <a:extLst>
-              <a:ext uri="{28A0092B-C50C-407E-A947-70E740481C1C}">
-                <a14:useLocalDpi xmlns:a14="http://schemas.microsoft.com/office/drawing/2010/main" val="0"/>
-              </a:ext>
-            </a:extLst>
-          </a:blip>
-          <a:stretch>
-            <a:fillRect/>
-          </a:stretch>
-        </p:blipFill>
-        <p:spPr>
-          <a:xfrm>
-            <a:off x="3143380" y="1837306"/>
-            <a:ext cx="5010264" cy="3856128"/>
-          </a:xfrm>
-          <a:prstGeom prst="rect">
-            <a:avLst/>
-          </a:prstGeom>
-        </p:spPr>
-      </p:pic>
-      <p:sp>
-        <p:nvSpPr>
-          <p:cNvPr id="7" name="Sechseck 6">
-            <a:extLst>
-              <a:ext uri="{FF2B5EF4-FFF2-40B4-BE49-F238E27FC236}">
-                <a16:creationId xmlns:a16="http://schemas.microsoft.com/office/drawing/2014/main" id="{C51D8EC3-2782-B40D-65B7-4C57DB70E106}"/>
-              </a:ext>
-            </a:extLst>
-          </p:cNvPr>
-          <p:cNvSpPr/>
-          <p:nvPr/>
-        </p:nvSpPr>
-        <p:spPr>
-          <a:xfrm>
-            <a:off x="4580626" y="4175185"/>
-            <a:ext cx="785004" cy="560717"/>
-          </a:xfrm>
-          <a:prstGeom prst="hexagon">
-            <a:avLst/>
-          </a:prstGeom>
-          <a:noFill/>
-          <a:ln w="38100">
-            <a:solidFill>
-              <a:srgbClr val="00B0F0"/>
-            </a:solidFill>
-          </a:ln>
-        </p:spPr>
-        <p:style>
-          <a:lnRef idx="2">
-            <a:schemeClr val="accent1">
-              <a:shade val="15000"/>
-            </a:schemeClr>
-          </a:lnRef>
-          <a:fillRef idx="1">
-            <a:schemeClr val="accent1"/>
-          </a:fillRef>
-          <a:effectRef idx="0">
-            <a:schemeClr val="accent1"/>
-          </a:effectRef>
-          <a:fontRef idx="minor">
-            <a:schemeClr val="lt1"/>
-          </a:fontRef>
-        </p:style>
-        <p:txBody>
-          <a:bodyPr rtlCol="0" anchor="ctr"/>
-          <a:lstStyle/>
-          <a:p>
-            <a:pPr algn="ctr"/>
-            <a:endParaRPr lang="de-DE"/>
-          </a:p>
-        </p:txBody>
-      </p:sp>
-      <p:sp>
-        <p:nvSpPr>
-          <p:cNvPr id="8" name="Ellipse 7">
-            <a:extLst>
-              <a:ext uri="{FF2B5EF4-FFF2-40B4-BE49-F238E27FC236}">
-                <a16:creationId xmlns:a16="http://schemas.microsoft.com/office/drawing/2014/main" id="{F7959DE2-49E8-7E42-9D36-33F26D4287B1}"/>
-              </a:ext>
-            </a:extLst>
-          </p:cNvPr>
-          <p:cNvSpPr/>
-          <p:nvPr/>
-        </p:nvSpPr>
-        <p:spPr>
-          <a:xfrm>
-            <a:off x="5814204" y="4175185"/>
-            <a:ext cx="854015" cy="802257"/>
-          </a:xfrm>
-          <a:prstGeom prst="ellipse">
-            <a:avLst/>
-          </a:prstGeom>
-          <a:noFill/>
-          <a:ln w="38100">
-            <a:solidFill>
-              <a:srgbClr val="FF0000"/>
-            </a:solidFill>
-          </a:ln>
-        </p:spPr>
-        <p:style>
-          <a:lnRef idx="2">
-            <a:schemeClr val="accent1">
-              <a:shade val="15000"/>
-            </a:schemeClr>
-          </a:lnRef>
-          <a:fillRef idx="1">
-            <a:schemeClr val="accent1"/>
-          </a:fillRef>
-          <a:effectRef idx="0">
-            <a:schemeClr val="accent1"/>
-          </a:effectRef>
-          <a:fontRef idx="minor">
-            <a:schemeClr val="lt1"/>
-          </a:fontRef>
-        </p:style>
-        <p:txBody>
-          <a:bodyPr rtlCol="0" anchor="ctr"/>
-          <a:lstStyle/>
-          <a:p>
-            <a:pPr algn="ctr"/>
-            <a:endParaRPr lang="de-DE"/>
+            </a:endParaRPr>
           </a:p>
         </p:txBody>
       </p:sp>
     </p:spTree>
     <p:extLst>
       <p:ext uri="{BB962C8B-B14F-4D97-AF65-F5344CB8AC3E}">
-        <p14:creationId xmlns:p14="http://schemas.microsoft.com/office/powerpoint/2010/main" val="3480489692"/>
+        <p14:creationId xmlns:p14="http://schemas.microsoft.com/office/powerpoint/2010/main" val="478037220"/>
       </p:ext>
     </p:extLst>
   </p:cSld>
@@ -7164,6 +6749,554 @@
         <p:cNvPr id="1" name="">
           <a:extLst>
             <a:ext uri="{FF2B5EF4-FFF2-40B4-BE49-F238E27FC236}">
+              <a16:creationId xmlns:a16="http://schemas.microsoft.com/office/drawing/2014/main" id="{2F555E54-302D-FAF5-8B61-33E8328B6B4F}"/>
+            </a:ext>
+          </a:extLst>
+        </p:cNvPr>
+        <p:cNvGrpSpPr/>
+        <p:nvPr/>
+      </p:nvGrpSpPr>
+      <p:grpSpPr>
+        <a:xfrm>
+          <a:off x="0" y="0"/>
+          <a:ext cx="0" cy="0"/>
+          <a:chOff x="0" y="0"/>
+          <a:chExt cx="0" cy="0"/>
+        </a:xfrm>
+      </p:grpSpPr>
+      <p:sp>
+        <p:nvSpPr>
+          <p:cNvPr id="4" name="Textfeld 3">
+            <a:extLst>
+              <a:ext uri="{FF2B5EF4-FFF2-40B4-BE49-F238E27FC236}">
+                <a16:creationId xmlns:a16="http://schemas.microsoft.com/office/drawing/2014/main" id="{7BAA204B-745F-1A14-8016-08FF53D32972}"/>
+              </a:ext>
+            </a:extLst>
+          </p:cNvPr>
+          <p:cNvSpPr txBox="1"/>
+          <p:nvPr/>
+        </p:nvSpPr>
+        <p:spPr>
+          <a:xfrm>
+            <a:off x="1603888" y="1751291"/>
+            <a:ext cx="8325115" cy="1908215"/>
+          </a:xfrm>
+          <a:prstGeom prst="rect">
+            <a:avLst/>
+          </a:prstGeom>
+          <a:noFill/>
+        </p:spPr>
+        <p:txBody>
+          <a:bodyPr wrap="square" rtlCol="0">
+            <a:spAutoFit/>
+          </a:bodyPr>
+          <a:lstStyle/>
+          <a:p>
+            <a:pPr algn="ctr"/>
+            <a:r>
+              <a:rPr lang="de-DE" sz="4400" dirty="0">
+                <a:solidFill>
+                  <a:schemeClr val="bg1"/>
+                </a:solidFill>
+                <a:latin typeface="Consolas" panose="020B0609020204030204" pitchFamily="49" charset="0"/>
+              </a:rPr>
+              <a:t>Weiter geht es zu Spiel 2!</a:t>
+            </a:r>
+            <a:endParaRPr lang="de-DE" sz="4400" b="0" dirty="0">
+              <a:solidFill>
+                <a:schemeClr val="bg1"/>
+              </a:solidFill>
+              <a:effectLst/>
+              <a:latin typeface="Consolas" panose="020B0609020204030204" pitchFamily="49" charset="0"/>
+            </a:endParaRPr>
+          </a:p>
+          <a:p>
+            <a:pPr algn="ctr"/>
+            <a:endParaRPr lang="de-DE" dirty="0">
+              <a:solidFill>
+                <a:schemeClr val="bg1"/>
+              </a:solidFill>
+              <a:sym typeface="Wingdings" panose="05000000000000000000" pitchFamily="2" charset="2"/>
+            </a:endParaRPr>
+          </a:p>
+          <a:p>
+            <a:pPr algn="ctr"/>
+            <a:endParaRPr lang="de-DE" dirty="0">
+              <a:solidFill>
+                <a:schemeClr val="bg1"/>
+              </a:solidFill>
+              <a:sym typeface="Wingdings" panose="05000000000000000000" pitchFamily="2" charset="2"/>
+            </a:endParaRPr>
+          </a:p>
+          <a:p>
+            <a:pPr algn="ctr"/>
+            <a:endParaRPr lang="de-DE" dirty="0">
+              <a:solidFill>
+                <a:schemeClr val="bg1"/>
+              </a:solidFill>
+              <a:sym typeface="Wingdings" panose="05000000000000000000" pitchFamily="2" charset="2"/>
+            </a:endParaRPr>
+          </a:p>
+          <a:p>
+            <a:pPr algn="ctr"/>
+            <a:r>
+              <a:rPr lang="de-DE" sz="2000" dirty="0">
+                <a:solidFill>
+                  <a:schemeClr val="bg1"/>
+                </a:solidFill>
+                <a:sym typeface="Wingdings" panose="05000000000000000000" pitchFamily="2" charset="2"/>
+              </a:rPr>
+              <a:t>Bitte die </a:t>
+            </a:r>
+            <a:r>
+              <a:rPr lang="de-DE" sz="2000" b="1" dirty="0">
+                <a:solidFill>
+                  <a:schemeClr val="bg1"/>
+                </a:solidFill>
+                <a:sym typeface="Wingdings" panose="05000000000000000000" pitchFamily="2" charset="2"/>
+              </a:rPr>
+              <a:t>LEERTASTE</a:t>
+            </a:r>
+            <a:r>
+              <a:rPr lang="de-DE" sz="2000" dirty="0">
+                <a:solidFill>
+                  <a:schemeClr val="bg1"/>
+                </a:solidFill>
+                <a:sym typeface="Wingdings" panose="05000000000000000000" pitchFamily="2" charset="2"/>
+              </a:rPr>
+              <a:t> drücken, um fortzufahren</a:t>
+            </a:r>
+            <a:endParaRPr lang="de-DE" sz="2000" dirty="0">
+              <a:solidFill>
+                <a:schemeClr val="bg1"/>
+              </a:solidFill>
+            </a:endParaRPr>
+          </a:p>
+        </p:txBody>
+      </p:sp>
+    </p:spTree>
+    <p:extLst>
+      <p:ext uri="{BB962C8B-B14F-4D97-AF65-F5344CB8AC3E}">
+        <p14:creationId xmlns:p14="http://schemas.microsoft.com/office/powerpoint/2010/main" val="1007176671"/>
+      </p:ext>
+    </p:extLst>
+  </p:cSld>
+  <p:clrMapOvr>
+    <a:masterClrMapping/>
+  </p:clrMapOvr>
+</p:sld>
+</file>
+
+<file path=ppt/slides/slide21.xml><?xml version="1.0" encoding="utf-8"?>
+<p:sld xmlns:a="http://schemas.openxmlformats.org/drawingml/2006/main" xmlns:r="http://schemas.openxmlformats.org/officeDocument/2006/relationships" xmlns:p="http://schemas.openxmlformats.org/presentationml/2006/main">
+  <p:cSld>
+    <p:bg>
+      <p:bgPr>
+        <a:solidFill>
+          <a:schemeClr val="tx1"/>
+        </a:solidFill>
+        <a:effectLst/>
+      </p:bgPr>
+    </p:bg>
+    <p:spTree>
+      <p:nvGrpSpPr>
+        <p:cNvPr id="1" name="">
+          <a:extLst>
+            <a:ext uri="{FF2B5EF4-FFF2-40B4-BE49-F238E27FC236}">
+              <a16:creationId xmlns:a16="http://schemas.microsoft.com/office/drawing/2014/main" id="{B25867C5-31EE-2747-E375-9235E74EB9AD}"/>
+            </a:ext>
+          </a:extLst>
+        </p:cNvPr>
+        <p:cNvGrpSpPr/>
+        <p:nvPr/>
+      </p:nvGrpSpPr>
+      <p:grpSpPr>
+        <a:xfrm>
+          <a:off x="0" y="0"/>
+          <a:ext cx="0" cy="0"/>
+          <a:chOff x="0" y="0"/>
+          <a:chExt cx="0" cy="0"/>
+        </a:xfrm>
+      </p:grpSpPr>
+      <p:sp>
+        <p:nvSpPr>
+          <p:cNvPr id="4" name="Textfeld 3">
+            <a:extLst>
+              <a:ext uri="{FF2B5EF4-FFF2-40B4-BE49-F238E27FC236}">
+                <a16:creationId xmlns:a16="http://schemas.microsoft.com/office/drawing/2014/main" id="{D191F11D-095D-DC95-90F9-C136253207C7}"/>
+              </a:ext>
+            </a:extLst>
+          </p:cNvPr>
+          <p:cNvSpPr txBox="1"/>
+          <p:nvPr/>
+        </p:nvSpPr>
+        <p:spPr>
+          <a:xfrm>
+            <a:off x="1807089" y="181109"/>
+            <a:ext cx="7682846" cy="6032421"/>
+          </a:xfrm>
+          <a:prstGeom prst="rect">
+            <a:avLst/>
+          </a:prstGeom>
+          <a:noFill/>
+        </p:spPr>
+        <p:txBody>
+          <a:bodyPr wrap="square" rtlCol="0">
+            <a:spAutoFit/>
+          </a:bodyPr>
+          <a:lstStyle/>
+          <a:p>
+            <a:pPr algn="ctr"/>
+            <a:r>
+              <a:rPr lang="de-DE" sz="2000" b="0" dirty="0">
+                <a:solidFill>
+                  <a:schemeClr val="bg1"/>
+                </a:solidFill>
+                <a:effectLst/>
+                <a:latin typeface="Consolas" panose="020B0609020204030204" pitchFamily="49" charset="0"/>
+              </a:rPr>
+              <a:t>Ihre Aufgabe ist es, so lange wie möglich zu überleben. Der Boden ist mit einer gefährlichen Flüssigkeit bedeckt, welche Ihnen permanent Schaden zufügt. Heilen können Sie sich über die </a:t>
+            </a:r>
+            <a:r>
+              <a:rPr lang="de-DE" sz="2000" b="0" dirty="0">
+                <a:solidFill>
+                  <a:srgbClr val="00B0F0"/>
+                </a:solidFill>
+                <a:effectLst/>
+                <a:latin typeface="Consolas" panose="020B0609020204030204" pitchFamily="49" charset="0"/>
+              </a:rPr>
+              <a:t>Medizinpakete</a:t>
+            </a:r>
+            <a:r>
+              <a:rPr lang="de-DE" sz="2000" b="0" dirty="0">
+                <a:solidFill>
+                  <a:schemeClr val="bg1"/>
+                </a:solidFill>
+                <a:effectLst/>
+                <a:latin typeface="Consolas" panose="020B0609020204030204" pitchFamily="49" charset="0"/>
+              </a:rPr>
+              <a:t>, aber Vorsicht vor den </a:t>
+            </a:r>
+            <a:r>
+              <a:rPr lang="de-DE" sz="2000" b="0" dirty="0">
+                <a:solidFill>
+                  <a:srgbClr val="FF0000"/>
+                </a:solidFill>
+                <a:effectLst/>
+                <a:latin typeface="Consolas" panose="020B0609020204030204" pitchFamily="49" charset="0"/>
+              </a:rPr>
+              <a:t>Giftflaschen</a:t>
+            </a:r>
+            <a:r>
+              <a:rPr lang="de-DE" sz="2000" b="0" dirty="0">
+                <a:solidFill>
+                  <a:schemeClr val="bg1"/>
+                </a:solidFill>
+                <a:effectLst/>
+                <a:latin typeface="Consolas" panose="020B0609020204030204" pitchFamily="49" charset="0"/>
+              </a:rPr>
+              <a:t>!</a:t>
+            </a:r>
+          </a:p>
+          <a:p>
+            <a:pPr algn="ctr"/>
+            <a:endParaRPr lang="de-DE" sz="3200" dirty="0">
+              <a:solidFill>
+                <a:schemeClr val="bg1"/>
+              </a:solidFill>
+              <a:latin typeface="Consolas" panose="020B0609020204030204" pitchFamily="49" charset="0"/>
+            </a:endParaRPr>
+          </a:p>
+          <a:p>
+            <a:pPr algn="ctr"/>
+            <a:endParaRPr lang="de-DE" sz="3200" b="0" dirty="0">
+              <a:solidFill>
+                <a:schemeClr val="bg1"/>
+              </a:solidFill>
+              <a:effectLst/>
+              <a:latin typeface="Consolas" panose="020B0609020204030204" pitchFamily="49" charset="0"/>
+            </a:endParaRPr>
+          </a:p>
+          <a:p>
+            <a:pPr algn="ctr"/>
+            <a:endParaRPr lang="de-DE" sz="3200" dirty="0">
+              <a:solidFill>
+                <a:schemeClr val="bg1"/>
+              </a:solidFill>
+              <a:latin typeface="Consolas" panose="020B0609020204030204" pitchFamily="49" charset="0"/>
+            </a:endParaRPr>
+          </a:p>
+          <a:p>
+            <a:pPr algn="ctr"/>
+            <a:endParaRPr lang="de-DE" sz="3200" dirty="0">
+              <a:solidFill>
+                <a:schemeClr val="bg1"/>
+              </a:solidFill>
+              <a:latin typeface="Consolas" panose="020B0609020204030204" pitchFamily="49" charset="0"/>
+            </a:endParaRPr>
+          </a:p>
+          <a:p>
+            <a:pPr algn="ctr"/>
+            <a:endParaRPr lang="de-DE" sz="3200" b="0" dirty="0">
+              <a:solidFill>
+                <a:schemeClr val="bg1"/>
+              </a:solidFill>
+              <a:effectLst/>
+              <a:latin typeface="Consolas" panose="020B0609020204030204" pitchFamily="49" charset="0"/>
+            </a:endParaRPr>
+          </a:p>
+          <a:p>
+            <a:pPr algn="ctr"/>
+            <a:endParaRPr lang="de-DE" sz="3200" b="0" dirty="0">
+              <a:solidFill>
+                <a:schemeClr val="bg1"/>
+              </a:solidFill>
+              <a:effectLst/>
+              <a:latin typeface="Consolas" panose="020B0609020204030204" pitchFamily="49" charset="0"/>
+            </a:endParaRPr>
+          </a:p>
+          <a:p>
+            <a:pPr algn="ctr"/>
+            <a:endParaRPr lang="de-DE" dirty="0">
+              <a:solidFill>
+                <a:schemeClr val="bg1"/>
+              </a:solidFill>
+              <a:sym typeface="Wingdings" panose="05000000000000000000" pitchFamily="2" charset="2"/>
+            </a:endParaRPr>
+          </a:p>
+          <a:p>
+            <a:pPr algn="ctr"/>
+            <a:endParaRPr lang="de-DE" dirty="0">
+              <a:solidFill>
+                <a:schemeClr val="bg1"/>
+              </a:solidFill>
+              <a:sym typeface="Wingdings" panose="05000000000000000000" pitchFamily="2" charset="2"/>
+            </a:endParaRPr>
+          </a:p>
+          <a:p>
+            <a:pPr algn="ctr"/>
+            <a:endParaRPr lang="de-DE" dirty="0">
+              <a:solidFill>
+                <a:schemeClr val="bg1"/>
+              </a:solidFill>
+              <a:sym typeface="Wingdings" panose="05000000000000000000" pitchFamily="2" charset="2"/>
+            </a:endParaRPr>
+          </a:p>
+          <a:p>
+            <a:pPr algn="ctr"/>
+            <a:endParaRPr lang="de-DE" sz="2000" dirty="0">
+              <a:solidFill>
+                <a:schemeClr val="bg1"/>
+              </a:solidFill>
+              <a:sym typeface="Wingdings" panose="05000000000000000000" pitchFamily="2" charset="2"/>
+            </a:endParaRPr>
+          </a:p>
+          <a:p>
+            <a:pPr algn="ctr"/>
+            <a:r>
+              <a:rPr lang="de-DE" sz="2000" dirty="0">
+                <a:solidFill>
+                  <a:schemeClr val="bg1"/>
+                </a:solidFill>
+                <a:sym typeface="Wingdings" panose="05000000000000000000" pitchFamily="2" charset="2"/>
+              </a:rPr>
+              <a:t>Bitte die </a:t>
+            </a:r>
+            <a:r>
+              <a:rPr lang="de-DE" sz="2000" b="1" dirty="0">
+                <a:solidFill>
+                  <a:schemeClr val="bg1"/>
+                </a:solidFill>
+                <a:sym typeface="Wingdings" panose="05000000000000000000" pitchFamily="2" charset="2"/>
+              </a:rPr>
+              <a:t>LEERTASTE</a:t>
+            </a:r>
+            <a:r>
+              <a:rPr lang="de-DE" sz="2000" dirty="0">
+                <a:solidFill>
+                  <a:schemeClr val="bg1"/>
+                </a:solidFill>
+                <a:sym typeface="Wingdings" panose="05000000000000000000" pitchFamily="2" charset="2"/>
+              </a:rPr>
+              <a:t> drücken, um fortzufahren</a:t>
+            </a:r>
+            <a:endParaRPr lang="de-DE" sz="2000" dirty="0">
+              <a:solidFill>
+                <a:schemeClr val="bg1"/>
+              </a:solidFill>
+            </a:endParaRPr>
+          </a:p>
+        </p:txBody>
+      </p:sp>
+      <p:pic>
+        <p:nvPicPr>
+          <p:cNvPr id="5" name="Grafik 4" descr="Ein Bild, das Screenshot, PC-Spiel, Spielesoftware, Digitales Compositing enthält.&#10;&#10;Automatisch generierte Beschreibung">
+            <a:extLst>
+              <a:ext uri="{FF2B5EF4-FFF2-40B4-BE49-F238E27FC236}">
+                <a16:creationId xmlns:a16="http://schemas.microsoft.com/office/drawing/2014/main" id="{C6AAD747-5145-5328-29E7-82748426F87B}"/>
+              </a:ext>
+            </a:extLst>
+          </p:cNvPr>
+          <p:cNvPicPr>
+            <a:picLocks noChangeAspect="1"/>
+          </p:cNvPicPr>
+          <p:nvPr/>
+        </p:nvPicPr>
+        <p:blipFill>
+          <a:blip r:embed="rId2">
+            <a:extLst>
+              <a:ext uri="{28A0092B-C50C-407E-A947-70E740481C1C}">
+                <a14:useLocalDpi xmlns:a14="http://schemas.microsoft.com/office/drawing/2010/main" val="0"/>
+              </a:ext>
+            </a:extLst>
+          </a:blip>
+          <a:stretch>
+            <a:fillRect/>
+          </a:stretch>
+        </p:blipFill>
+        <p:spPr>
+          <a:xfrm>
+            <a:off x="3143380" y="1837306"/>
+            <a:ext cx="5010264" cy="3856128"/>
+          </a:xfrm>
+          <a:prstGeom prst="rect">
+            <a:avLst/>
+          </a:prstGeom>
+        </p:spPr>
+      </p:pic>
+      <p:sp>
+        <p:nvSpPr>
+          <p:cNvPr id="7" name="Sechseck 6">
+            <a:extLst>
+              <a:ext uri="{FF2B5EF4-FFF2-40B4-BE49-F238E27FC236}">
+                <a16:creationId xmlns:a16="http://schemas.microsoft.com/office/drawing/2014/main" id="{C51D8EC3-2782-B40D-65B7-4C57DB70E106}"/>
+              </a:ext>
+            </a:extLst>
+          </p:cNvPr>
+          <p:cNvSpPr/>
+          <p:nvPr/>
+        </p:nvSpPr>
+        <p:spPr>
+          <a:xfrm>
+            <a:off x="4580626" y="4175185"/>
+            <a:ext cx="785004" cy="560717"/>
+          </a:xfrm>
+          <a:prstGeom prst="hexagon">
+            <a:avLst/>
+          </a:prstGeom>
+          <a:noFill/>
+          <a:ln w="38100">
+            <a:solidFill>
+              <a:srgbClr val="00B0F0"/>
+            </a:solidFill>
+          </a:ln>
+        </p:spPr>
+        <p:style>
+          <a:lnRef idx="2">
+            <a:schemeClr val="accent1">
+              <a:shade val="15000"/>
+            </a:schemeClr>
+          </a:lnRef>
+          <a:fillRef idx="1">
+            <a:schemeClr val="accent1"/>
+          </a:fillRef>
+          <a:effectRef idx="0">
+            <a:schemeClr val="accent1"/>
+          </a:effectRef>
+          <a:fontRef idx="minor">
+            <a:schemeClr val="lt1"/>
+          </a:fontRef>
+        </p:style>
+        <p:txBody>
+          <a:bodyPr rtlCol="0" anchor="ctr"/>
+          <a:lstStyle/>
+          <a:p>
+            <a:pPr algn="ctr"/>
+            <a:endParaRPr lang="de-DE"/>
+          </a:p>
+        </p:txBody>
+      </p:sp>
+      <p:sp>
+        <p:nvSpPr>
+          <p:cNvPr id="8" name="Ellipse 7">
+            <a:extLst>
+              <a:ext uri="{FF2B5EF4-FFF2-40B4-BE49-F238E27FC236}">
+                <a16:creationId xmlns:a16="http://schemas.microsoft.com/office/drawing/2014/main" id="{F7959DE2-49E8-7E42-9D36-33F26D4287B1}"/>
+              </a:ext>
+            </a:extLst>
+          </p:cNvPr>
+          <p:cNvSpPr/>
+          <p:nvPr/>
+        </p:nvSpPr>
+        <p:spPr>
+          <a:xfrm>
+            <a:off x="5814204" y="4175185"/>
+            <a:ext cx="854015" cy="802257"/>
+          </a:xfrm>
+          <a:prstGeom prst="ellipse">
+            <a:avLst/>
+          </a:prstGeom>
+          <a:noFill/>
+          <a:ln w="38100">
+            <a:solidFill>
+              <a:srgbClr val="FF0000"/>
+            </a:solidFill>
+          </a:ln>
+        </p:spPr>
+        <p:style>
+          <a:lnRef idx="2">
+            <a:schemeClr val="accent1">
+              <a:shade val="15000"/>
+            </a:schemeClr>
+          </a:lnRef>
+          <a:fillRef idx="1">
+            <a:schemeClr val="accent1"/>
+          </a:fillRef>
+          <a:effectRef idx="0">
+            <a:schemeClr val="accent1"/>
+          </a:effectRef>
+          <a:fontRef idx="minor">
+            <a:schemeClr val="lt1"/>
+          </a:fontRef>
+        </p:style>
+        <p:txBody>
+          <a:bodyPr rtlCol="0" anchor="ctr"/>
+          <a:lstStyle/>
+          <a:p>
+            <a:pPr algn="ctr"/>
+            <a:endParaRPr lang="de-DE"/>
+          </a:p>
+        </p:txBody>
+      </p:sp>
+    </p:spTree>
+    <p:extLst>
+      <p:ext uri="{BB962C8B-B14F-4D97-AF65-F5344CB8AC3E}">
+        <p14:creationId xmlns:p14="http://schemas.microsoft.com/office/powerpoint/2010/main" val="3480489692"/>
+      </p:ext>
+    </p:extLst>
+  </p:cSld>
+  <p:clrMapOvr>
+    <a:masterClrMapping/>
+  </p:clrMapOvr>
+</p:sld>
+</file>
+
+<file path=ppt/slides/slide22.xml><?xml version="1.0" encoding="utf-8"?>
+<p:sld xmlns:a="http://schemas.openxmlformats.org/drawingml/2006/main" xmlns:r="http://schemas.openxmlformats.org/officeDocument/2006/relationships" xmlns:p="http://schemas.openxmlformats.org/presentationml/2006/main">
+  <p:cSld>
+    <p:bg>
+      <p:bgPr>
+        <a:solidFill>
+          <a:schemeClr val="tx1"/>
+        </a:solidFill>
+        <a:effectLst/>
+      </p:bgPr>
+    </p:bg>
+    <p:spTree>
+      <p:nvGrpSpPr>
+        <p:cNvPr id="1" name="">
+          <a:extLst>
+            <a:ext uri="{FF2B5EF4-FFF2-40B4-BE49-F238E27FC236}">
               <a16:creationId xmlns:a16="http://schemas.microsoft.com/office/drawing/2014/main" id="{3EFE3318-6E5D-0A81-F427-A84F2C3E0696}"/>
             </a:ext>
           </a:extLst>
@@ -7852,314 +7985,6 @@
     <p:extLst>
       <p:ext uri="{BB962C8B-B14F-4D97-AF65-F5344CB8AC3E}">
         <p14:creationId xmlns:p14="http://schemas.microsoft.com/office/powerpoint/2010/main" val="3436921464"/>
-      </p:ext>
-    </p:extLst>
-  </p:cSld>
-  <p:clrMapOvr>
-    <a:masterClrMapping/>
-  </p:clrMapOvr>
-</p:sld>
-</file>
-
-<file path=ppt/slides/slide21.xml><?xml version="1.0" encoding="utf-8"?>
-<p:sld xmlns:a="http://schemas.openxmlformats.org/drawingml/2006/main" xmlns:r="http://schemas.openxmlformats.org/officeDocument/2006/relationships" xmlns:p="http://schemas.openxmlformats.org/presentationml/2006/main">
-  <p:cSld>
-    <p:bg>
-      <p:bgPr>
-        <a:solidFill>
-          <a:schemeClr val="tx1"/>
-        </a:solidFill>
-        <a:effectLst/>
-      </p:bgPr>
-    </p:bg>
-    <p:spTree>
-      <p:nvGrpSpPr>
-        <p:cNvPr id="1" name="">
-          <a:extLst>
-            <a:ext uri="{FF2B5EF4-FFF2-40B4-BE49-F238E27FC236}">
-              <a16:creationId xmlns:a16="http://schemas.microsoft.com/office/drawing/2014/main" id="{2F555E54-302D-FAF5-8B61-33E8328B6B4F}"/>
-            </a:ext>
-          </a:extLst>
-        </p:cNvPr>
-        <p:cNvGrpSpPr/>
-        <p:nvPr/>
-      </p:nvGrpSpPr>
-      <p:grpSpPr>
-        <a:xfrm>
-          <a:off x="0" y="0"/>
-          <a:ext cx="0" cy="0"/>
-          <a:chOff x="0" y="0"/>
-          <a:chExt cx="0" cy="0"/>
-        </a:xfrm>
-      </p:grpSpPr>
-      <p:sp>
-        <p:nvSpPr>
-          <p:cNvPr id="4" name="Textfeld 3">
-            <a:extLst>
-              <a:ext uri="{FF2B5EF4-FFF2-40B4-BE49-F238E27FC236}">
-                <a16:creationId xmlns:a16="http://schemas.microsoft.com/office/drawing/2014/main" id="{7BAA204B-745F-1A14-8016-08FF53D32972}"/>
-              </a:ext>
-            </a:extLst>
-          </p:cNvPr>
-          <p:cNvSpPr txBox="1"/>
-          <p:nvPr/>
-        </p:nvSpPr>
-        <p:spPr>
-          <a:xfrm>
-            <a:off x="1603888" y="1751291"/>
-            <a:ext cx="7954179" cy="2585323"/>
-          </a:xfrm>
-          <a:prstGeom prst="rect">
-            <a:avLst/>
-          </a:prstGeom>
-          <a:noFill/>
-        </p:spPr>
-        <p:txBody>
-          <a:bodyPr wrap="square" rtlCol="0">
-            <a:spAutoFit/>
-          </a:bodyPr>
-          <a:lstStyle/>
-          <a:p>
-            <a:pPr algn="ctr"/>
-            <a:r>
-              <a:rPr lang="de-DE" sz="4400" dirty="0">
-                <a:solidFill>
-                  <a:schemeClr val="bg1"/>
-                </a:solidFill>
-                <a:latin typeface="Consolas" panose="020B0609020204030204" pitchFamily="49" charset="0"/>
-              </a:rPr>
-              <a:t>Gut gemacht!</a:t>
-            </a:r>
-          </a:p>
-          <a:p>
-            <a:pPr algn="ctr"/>
-            <a:r>
-              <a:rPr lang="de-DE" sz="4400" b="0" dirty="0">
-                <a:solidFill>
-                  <a:schemeClr val="bg1"/>
-                </a:solidFill>
-                <a:effectLst/>
-                <a:latin typeface="Consolas" panose="020B0609020204030204" pitchFamily="49" charset="0"/>
-              </a:rPr>
-              <a:t>Das war das zweite Spiel.</a:t>
-            </a:r>
-          </a:p>
-          <a:p>
-            <a:pPr algn="ctr"/>
-            <a:endParaRPr lang="de-DE" dirty="0">
-              <a:solidFill>
-                <a:schemeClr val="bg1"/>
-              </a:solidFill>
-              <a:sym typeface="Wingdings" panose="05000000000000000000" pitchFamily="2" charset="2"/>
-            </a:endParaRPr>
-          </a:p>
-          <a:p>
-            <a:pPr algn="ctr"/>
-            <a:endParaRPr lang="de-DE" dirty="0">
-              <a:solidFill>
-                <a:schemeClr val="bg1"/>
-              </a:solidFill>
-              <a:sym typeface="Wingdings" panose="05000000000000000000" pitchFamily="2" charset="2"/>
-            </a:endParaRPr>
-          </a:p>
-          <a:p>
-            <a:pPr algn="ctr"/>
-            <a:endParaRPr lang="de-DE" dirty="0">
-              <a:solidFill>
-                <a:schemeClr val="bg1"/>
-              </a:solidFill>
-              <a:sym typeface="Wingdings" panose="05000000000000000000" pitchFamily="2" charset="2"/>
-            </a:endParaRPr>
-          </a:p>
-          <a:p>
-            <a:pPr algn="ctr"/>
-            <a:r>
-              <a:rPr lang="de-DE" sz="2000" dirty="0">
-                <a:solidFill>
-                  <a:schemeClr val="bg1"/>
-                </a:solidFill>
-                <a:sym typeface="Wingdings" panose="05000000000000000000" pitchFamily="2" charset="2"/>
-              </a:rPr>
-              <a:t>Bitte die </a:t>
-            </a:r>
-            <a:r>
-              <a:rPr lang="de-DE" sz="2000" b="1" dirty="0">
-                <a:solidFill>
-                  <a:schemeClr val="bg1"/>
-                </a:solidFill>
-                <a:sym typeface="Wingdings" panose="05000000000000000000" pitchFamily="2" charset="2"/>
-              </a:rPr>
-              <a:t>LEERTASTE</a:t>
-            </a:r>
-            <a:r>
-              <a:rPr lang="de-DE" sz="2000" dirty="0">
-                <a:solidFill>
-                  <a:schemeClr val="bg1"/>
-                </a:solidFill>
-                <a:sym typeface="Wingdings" panose="05000000000000000000" pitchFamily="2" charset="2"/>
-              </a:rPr>
-              <a:t> drücken, um fortzufahren</a:t>
-            </a:r>
-            <a:endParaRPr lang="de-DE" sz="2000" dirty="0">
-              <a:solidFill>
-                <a:schemeClr val="bg1"/>
-              </a:solidFill>
-            </a:endParaRPr>
-          </a:p>
-        </p:txBody>
-      </p:sp>
-    </p:spTree>
-    <p:extLst>
-      <p:ext uri="{BB962C8B-B14F-4D97-AF65-F5344CB8AC3E}">
-        <p14:creationId xmlns:p14="http://schemas.microsoft.com/office/powerpoint/2010/main" val="177166413"/>
-      </p:ext>
-    </p:extLst>
-  </p:cSld>
-  <p:clrMapOvr>
-    <a:masterClrMapping/>
-  </p:clrMapOvr>
-</p:sld>
-</file>
-
-<file path=ppt/slides/slide22.xml><?xml version="1.0" encoding="utf-8"?>
-<p:sld xmlns:a="http://schemas.openxmlformats.org/drawingml/2006/main" xmlns:r="http://schemas.openxmlformats.org/officeDocument/2006/relationships" xmlns:p="http://schemas.openxmlformats.org/presentationml/2006/main">
-  <p:cSld>
-    <p:bg>
-      <p:bgPr>
-        <a:solidFill>
-          <a:schemeClr val="tx1"/>
-        </a:solidFill>
-        <a:effectLst/>
-      </p:bgPr>
-    </p:bg>
-    <p:spTree>
-      <p:nvGrpSpPr>
-        <p:cNvPr id="1" name="">
-          <a:extLst>
-            <a:ext uri="{FF2B5EF4-FFF2-40B4-BE49-F238E27FC236}">
-              <a16:creationId xmlns:a16="http://schemas.microsoft.com/office/drawing/2014/main" id="{2F555E54-302D-FAF5-8B61-33E8328B6B4F}"/>
-            </a:ext>
-          </a:extLst>
-        </p:cNvPr>
-        <p:cNvGrpSpPr/>
-        <p:nvPr/>
-      </p:nvGrpSpPr>
-      <p:grpSpPr>
-        <a:xfrm>
-          <a:off x="0" y="0"/>
-          <a:ext cx="0" cy="0"/>
-          <a:chOff x="0" y="0"/>
-          <a:chExt cx="0" cy="0"/>
-        </a:xfrm>
-      </p:grpSpPr>
-      <p:sp>
-        <p:nvSpPr>
-          <p:cNvPr id="4" name="Textfeld 3">
-            <a:extLst>
-              <a:ext uri="{FF2B5EF4-FFF2-40B4-BE49-F238E27FC236}">
-                <a16:creationId xmlns:a16="http://schemas.microsoft.com/office/drawing/2014/main" id="{7BAA204B-745F-1A14-8016-08FF53D32972}"/>
-              </a:ext>
-            </a:extLst>
-          </p:cNvPr>
-          <p:cNvSpPr txBox="1"/>
-          <p:nvPr/>
-        </p:nvSpPr>
-        <p:spPr>
-          <a:xfrm>
-            <a:off x="1603888" y="1751291"/>
-            <a:ext cx="7954179" cy="3262432"/>
-          </a:xfrm>
-          <a:prstGeom prst="rect">
-            <a:avLst/>
-          </a:prstGeom>
-          <a:noFill/>
-        </p:spPr>
-        <p:txBody>
-          <a:bodyPr wrap="square" rtlCol="0">
-            <a:spAutoFit/>
-          </a:bodyPr>
-          <a:lstStyle/>
-          <a:p>
-            <a:pPr algn="ctr"/>
-            <a:r>
-              <a:rPr lang="de-DE" sz="4400" b="0" dirty="0">
-                <a:solidFill>
-                  <a:schemeClr val="bg1"/>
-                </a:solidFill>
-                <a:effectLst/>
-                <a:latin typeface="Consolas" panose="020B0609020204030204" pitchFamily="49" charset="0"/>
-              </a:rPr>
-              <a:t>Wenn Sie möchten, machen Sie eine kurze Pause und fahren dann fort.</a:t>
-            </a:r>
-          </a:p>
-          <a:p>
-            <a:pPr algn="ctr"/>
-            <a:endParaRPr lang="de-DE" dirty="0">
-              <a:solidFill>
-                <a:schemeClr val="bg1"/>
-              </a:solidFill>
-              <a:sym typeface="Wingdings" panose="05000000000000000000" pitchFamily="2" charset="2"/>
-            </a:endParaRPr>
-          </a:p>
-          <a:p>
-            <a:pPr algn="ctr"/>
-            <a:endParaRPr lang="de-DE" dirty="0">
-              <a:solidFill>
-                <a:schemeClr val="bg1"/>
-              </a:solidFill>
-              <a:sym typeface="Wingdings" panose="05000000000000000000" pitchFamily="2" charset="2"/>
-            </a:endParaRPr>
-          </a:p>
-          <a:p>
-            <a:pPr algn="ctr"/>
-            <a:endParaRPr lang="de-DE" dirty="0">
-              <a:solidFill>
-                <a:schemeClr val="bg1"/>
-              </a:solidFill>
-              <a:sym typeface="Wingdings" panose="05000000000000000000" pitchFamily="2" charset="2"/>
-            </a:endParaRPr>
-          </a:p>
-          <a:p>
-            <a:pPr algn="ctr"/>
-            <a:r>
-              <a:rPr lang="de-DE" sz="2000" dirty="0">
-                <a:solidFill>
-                  <a:schemeClr val="bg1"/>
-                </a:solidFill>
-                <a:sym typeface="Wingdings" panose="05000000000000000000" pitchFamily="2" charset="2"/>
-              </a:rPr>
-              <a:t>Bitte die </a:t>
-            </a:r>
-            <a:r>
-              <a:rPr lang="de-DE" sz="2000" b="1" dirty="0">
-                <a:solidFill>
-                  <a:schemeClr val="bg1"/>
-                </a:solidFill>
-                <a:sym typeface="Wingdings" panose="05000000000000000000" pitchFamily="2" charset="2"/>
-              </a:rPr>
-              <a:t>LEERTASTE</a:t>
-            </a:r>
-            <a:r>
-              <a:rPr lang="de-DE" sz="2000" dirty="0">
-                <a:solidFill>
-                  <a:schemeClr val="bg1"/>
-                </a:solidFill>
-                <a:sym typeface="Wingdings" panose="05000000000000000000" pitchFamily="2" charset="2"/>
-              </a:rPr>
-              <a:t> drücken, um fortzufahren</a:t>
-            </a:r>
-            <a:endParaRPr lang="de-DE" sz="2000" dirty="0">
-              <a:solidFill>
-                <a:schemeClr val="bg1"/>
-              </a:solidFill>
-            </a:endParaRPr>
-          </a:p>
-        </p:txBody>
-      </p:sp>
-    </p:spTree>
-    <p:extLst>
-      <p:ext uri="{BB962C8B-B14F-4D97-AF65-F5344CB8AC3E}">
-        <p14:creationId xmlns:p14="http://schemas.microsoft.com/office/powerpoint/2010/main" val="2279804044"/>
       </p:ext>
     </p:extLst>
   </p:cSld>
@@ -8215,6 +8040,314 @@
         <p:spPr>
           <a:xfrm>
             <a:off x="1603888" y="1751291"/>
+            <a:ext cx="7954179" cy="2585323"/>
+          </a:xfrm>
+          <a:prstGeom prst="rect">
+            <a:avLst/>
+          </a:prstGeom>
+          <a:noFill/>
+        </p:spPr>
+        <p:txBody>
+          <a:bodyPr wrap="square" rtlCol="0">
+            <a:spAutoFit/>
+          </a:bodyPr>
+          <a:lstStyle/>
+          <a:p>
+            <a:pPr algn="ctr"/>
+            <a:r>
+              <a:rPr lang="de-DE" sz="4400" dirty="0">
+                <a:solidFill>
+                  <a:schemeClr val="bg1"/>
+                </a:solidFill>
+                <a:latin typeface="Consolas" panose="020B0609020204030204" pitchFamily="49" charset="0"/>
+              </a:rPr>
+              <a:t>Gut gemacht!</a:t>
+            </a:r>
+          </a:p>
+          <a:p>
+            <a:pPr algn="ctr"/>
+            <a:r>
+              <a:rPr lang="de-DE" sz="4400" b="0" dirty="0">
+                <a:solidFill>
+                  <a:schemeClr val="bg1"/>
+                </a:solidFill>
+                <a:effectLst/>
+                <a:latin typeface="Consolas" panose="020B0609020204030204" pitchFamily="49" charset="0"/>
+              </a:rPr>
+              <a:t>Das war das zweite Spiel.</a:t>
+            </a:r>
+          </a:p>
+          <a:p>
+            <a:pPr algn="ctr"/>
+            <a:endParaRPr lang="de-DE" dirty="0">
+              <a:solidFill>
+                <a:schemeClr val="bg1"/>
+              </a:solidFill>
+              <a:sym typeface="Wingdings" panose="05000000000000000000" pitchFamily="2" charset="2"/>
+            </a:endParaRPr>
+          </a:p>
+          <a:p>
+            <a:pPr algn="ctr"/>
+            <a:endParaRPr lang="de-DE" dirty="0">
+              <a:solidFill>
+                <a:schemeClr val="bg1"/>
+              </a:solidFill>
+              <a:sym typeface="Wingdings" panose="05000000000000000000" pitchFamily="2" charset="2"/>
+            </a:endParaRPr>
+          </a:p>
+          <a:p>
+            <a:pPr algn="ctr"/>
+            <a:endParaRPr lang="de-DE" dirty="0">
+              <a:solidFill>
+                <a:schemeClr val="bg1"/>
+              </a:solidFill>
+              <a:sym typeface="Wingdings" panose="05000000000000000000" pitchFamily="2" charset="2"/>
+            </a:endParaRPr>
+          </a:p>
+          <a:p>
+            <a:pPr algn="ctr"/>
+            <a:r>
+              <a:rPr lang="de-DE" sz="2000" dirty="0">
+                <a:solidFill>
+                  <a:schemeClr val="bg1"/>
+                </a:solidFill>
+                <a:sym typeface="Wingdings" panose="05000000000000000000" pitchFamily="2" charset="2"/>
+              </a:rPr>
+              <a:t>Bitte die </a:t>
+            </a:r>
+            <a:r>
+              <a:rPr lang="de-DE" sz="2000" b="1" dirty="0">
+                <a:solidFill>
+                  <a:schemeClr val="bg1"/>
+                </a:solidFill>
+                <a:sym typeface="Wingdings" panose="05000000000000000000" pitchFamily="2" charset="2"/>
+              </a:rPr>
+              <a:t>LEERTASTE</a:t>
+            </a:r>
+            <a:r>
+              <a:rPr lang="de-DE" sz="2000" dirty="0">
+                <a:solidFill>
+                  <a:schemeClr val="bg1"/>
+                </a:solidFill>
+                <a:sym typeface="Wingdings" panose="05000000000000000000" pitchFamily="2" charset="2"/>
+              </a:rPr>
+              <a:t> drücken, um fortzufahren</a:t>
+            </a:r>
+            <a:endParaRPr lang="de-DE" sz="2000" dirty="0">
+              <a:solidFill>
+                <a:schemeClr val="bg1"/>
+              </a:solidFill>
+            </a:endParaRPr>
+          </a:p>
+        </p:txBody>
+      </p:sp>
+    </p:spTree>
+    <p:extLst>
+      <p:ext uri="{BB962C8B-B14F-4D97-AF65-F5344CB8AC3E}">
+        <p14:creationId xmlns:p14="http://schemas.microsoft.com/office/powerpoint/2010/main" val="177166413"/>
+      </p:ext>
+    </p:extLst>
+  </p:cSld>
+  <p:clrMapOvr>
+    <a:masterClrMapping/>
+  </p:clrMapOvr>
+</p:sld>
+</file>
+
+<file path=ppt/slides/slide24.xml><?xml version="1.0" encoding="utf-8"?>
+<p:sld xmlns:a="http://schemas.openxmlformats.org/drawingml/2006/main" xmlns:r="http://schemas.openxmlformats.org/officeDocument/2006/relationships" xmlns:p="http://schemas.openxmlformats.org/presentationml/2006/main">
+  <p:cSld>
+    <p:bg>
+      <p:bgPr>
+        <a:solidFill>
+          <a:schemeClr val="tx1"/>
+        </a:solidFill>
+        <a:effectLst/>
+      </p:bgPr>
+    </p:bg>
+    <p:spTree>
+      <p:nvGrpSpPr>
+        <p:cNvPr id="1" name="">
+          <a:extLst>
+            <a:ext uri="{FF2B5EF4-FFF2-40B4-BE49-F238E27FC236}">
+              <a16:creationId xmlns:a16="http://schemas.microsoft.com/office/drawing/2014/main" id="{2F555E54-302D-FAF5-8B61-33E8328B6B4F}"/>
+            </a:ext>
+          </a:extLst>
+        </p:cNvPr>
+        <p:cNvGrpSpPr/>
+        <p:nvPr/>
+      </p:nvGrpSpPr>
+      <p:grpSpPr>
+        <a:xfrm>
+          <a:off x="0" y="0"/>
+          <a:ext cx="0" cy="0"/>
+          <a:chOff x="0" y="0"/>
+          <a:chExt cx="0" cy="0"/>
+        </a:xfrm>
+      </p:grpSpPr>
+      <p:sp>
+        <p:nvSpPr>
+          <p:cNvPr id="4" name="Textfeld 3">
+            <a:extLst>
+              <a:ext uri="{FF2B5EF4-FFF2-40B4-BE49-F238E27FC236}">
+                <a16:creationId xmlns:a16="http://schemas.microsoft.com/office/drawing/2014/main" id="{7BAA204B-745F-1A14-8016-08FF53D32972}"/>
+              </a:ext>
+            </a:extLst>
+          </p:cNvPr>
+          <p:cNvSpPr txBox="1"/>
+          <p:nvPr/>
+        </p:nvSpPr>
+        <p:spPr>
+          <a:xfrm>
+            <a:off x="1603888" y="1751291"/>
+            <a:ext cx="7954179" cy="3262432"/>
+          </a:xfrm>
+          <a:prstGeom prst="rect">
+            <a:avLst/>
+          </a:prstGeom>
+          <a:noFill/>
+        </p:spPr>
+        <p:txBody>
+          <a:bodyPr wrap="square" rtlCol="0">
+            <a:spAutoFit/>
+          </a:bodyPr>
+          <a:lstStyle/>
+          <a:p>
+            <a:pPr algn="ctr"/>
+            <a:r>
+              <a:rPr lang="de-DE" sz="4400" b="0" dirty="0">
+                <a:solidFill>
+                  <a:schemeClr val="bg1"/>
+                </a:solidFill>
+                <a:effectLst/>
+                <a:latin typeface="Consolas" panose="020B0609020204030204" pitchFamily="49" charset="0"/>
+              </a:rPr>
+              <a:t>Wenn Sie möchten, machen Sie eine kurze Pause und fahren dann fort.</a:t>
+            </a:r>
+          </a:p>
+          <a:p>
+            <a:pPr algn="ctr"/>
+            <a:endParaRPr lang="de-DE" dirty="0">
+              <a:solidFill>
+                <a:schemeClr val="bg1"/>
+              </a:solidFill>
+              <a:sym typeface="Wingdings" panose="05000000000000000000" pitchFamily="2" charset="2"/>
+            </a:endParaRPr>
+          </a:p>
+          <a:p>
+            <a:pPr algn="ctr"/>
+            <a:endParaRPr lang="de-DE" dirty="0">
+              <a:solidFill>
+                <a:schemeClr val="bg1"/>
+              </a:solidFill>
+              <a:sym typeface="Wingdings" panose="05000000000000000000" pitchFamily="2" charset="2"/>
+            </a:endParaRPr>
+          </a:p>
+          <a:p>
+            <a:pPr algn="ctr"/>
+            <a:endParaRPr lang="de-DE" dirty="0">
+              <a:solidFill>
+                <a:schemeClr val="bg1"/>
+              </a:solidFill>
+              <a:sym typeface="Wingdings" panose="05000000000000000000" pitchFamily="2" charset="2"/>
+            </a:endParaRPr>
+          </a:p>
+          <a:p>
+            <a:pPr algn="ctr"/>
+            <a:r>
+              <a:rPr lang="de-DE" sz="2000" dirty="0">
+                <a:solidFill>
+                  <a:schemeClr val="bg1"/>
+                </a:solidFill>
+                <a:sym typeface="Wingdings" panose="05000000000000000000" pitchFamily="2" charset="2"/>
+              </a:rPr>
+              <a:t>Bitte die </a:t>
+            </a:r>
+            <a:r>
+              <a:rPr lang="de-DE" sz="2000" b="1" dirty="0">
+                <a:solidFill>
+                  <a:schemeClr val="bg1"/>
+                </a:solidFill>
+                <a:sym typeface="Wingdings" panose="05000000000000000000" pitchFamily="2" charset="2"/>
+              </a:rPr>
+              <a:t>LEERTASTE</a:t>
+            </a:r>
+            <a:r>
+              <a:rPr lang="de-DE" sz="2000" dirty="0">
+                <a:solidFill>
+                  <a:schemeClr val="bg1"/>
+                </a:solidFill>
+                <a:sym typeface="Wingdings" panose="05000000000000000000" pitchFamily="2" charset="2"/>
+              </a:rPr>
+              <a:t> drücken, um fortzufahren</a:t>
+            </a:r>
+            <a:endParaRPr lang="de-DE" sz="2000" dirty="0">
+              <a:solidFill>
+                <a:schemeClr val="bg1"/>
+              </a:solidFill>
+            </a:endParaRPr>
+          </a:p>
+        </p:txBody>
+      </p:sp>
+    </p:spTree>
+    <p:extLst>
+      <p:ext uri="{BB962C8B-B14F-4D97-AF65-F5344CB8AC3E}">
+        <p14:creationId xmlns:p14="http://schemas.microsoft.com/office/powerpoint/2010/main" val="2279804044"/>
+      </p:ext>
+    </p:extLst>
+  </p:cSld>
+  <p:clrMapOvr>
+    <a:masterClrMapping/>
+  </p:clrMapOvr>
+</p:sld>
+</file>
+
+<file path=ppt/slides/slide25.xml><?xml version="1.0" encoding="utf-8"?>
+<p:sld xmlns:a="http://schemas.openxmlformats.org/drawingml/2006/main" xmlns:r="http://schemas.openxmlformats.org/officeDocument/2006/relationships" xmlns:p="http://schemas.openxmlformats.org/presentationml/2006/main">
+  <p:cSld>
+    <p:bg>
+      <p:bgPr>
+        <a:solidFill>
+          <a:schemeClr val="tx1"/>
+        </a:solidFill>
+        <a:effectLst/>
+      </p:bgPr>
+    </p:bg>
+    <p:spTree>
+      <p:nvGrpSpPr>
+        <p:cNvPr id="1" name="">
+          <a:extLst>
+            <a:ext uri="{FF2B5EF4-FFF2-40B4-BE49-F238E27FC236}">
+              <a16:creationId xmlns:a16="http://schemas.microsoft.com/office/drawing/2014/main" id="{2F555E54-302D-FAF5-8B61-33E8328B6B4F}"/>
+            </a:ext>
+          </a:extLst>
+        </p:cNvPr>
+        <p:cNvGrpSpPr/>
+        <p:nvPr/>
+      </p:nvGrpSpPr>
+      <p:grpSpPr>
+        <a:xfrm>
+          <a:off x="0" y="0"/>
+          <a:ext cx="0" cy="0"/>
+          <a:chOff x="0" y="0"/>
+          <a:chExt cx="0" cy="0"/>
+        </a:xfrm>
+      </p:grpSpPr>
+      <p:sp>
+        <p:nvSpPr>
+          <p:cNvPr id="4" name="Textfeld 3">
+            <a:extLst>
+              <a:ext uri="{FF2B5EF4-FFF2-40B4-BE49-F238E27FC236}">
+                <a16:creationId xmlns:a16="http://schemas.microsoft.com/office/drawing/2014/main" id="{7BAA204B-745F-1A14-8016-08FF53D32972}"/>
+              </a:ext>
+            </a:extLst>
+          </p:cNvPr>
+          <p:cNvSpPr txBox="1"/>
+          <p:nvPr/>
+        </p:nvSpPr>
+        <p:spPr>
+          <a:xfrm>
+            <a:off x="1603888" y="1751291"/>
             <a:ext cx="8325115" cy="1908215"/>
           </a:xfrm>
           <a:prstGeom prst="rect">
@@ -8323,7 +8456,7 @@
 </p:sld>
 </file>
 
-<file path=ppt/slides/slide24.xml><?xml version="1.0" encoding="utf-8"?>
+<file path=ppt/slides/slide26.xml><?xml version="1.0" encoding="utf-8"?>
 <p:sld xmlns:a="http://schemas.openxmlformats.org/drawingml/2006/main" xmlns:r="http://schemas.openxmlformats.org/officeDocument/2006/relationships" xmlns:p="http://schemas.openxmlformats.org/presentationml/2006/main">
   <p:cSld>
     <p:bg>
@@ -8654,7 +8787,7 @@
 </p:sld>
 </file>
 
-<file path=ppt/slides/slide25.xml><?xml version="1.0" encoding="utf-8"?>
+<file path=ppt/slides/slide27.xml><?xml version="1.0" encoding="utf-8"?>
 <p:sld xmlns:a="http://schemas.openxmlformats.org/drawingml/2006/main" xmlns:r="http://schemas.openxmlformats.org/officeDocument/2006/relationships" xmlns:p="http://schemas.openxmlformats.org/presentationml/2006/main">
   <p:cSld>
     <p:bg>
@@ -9358,314 +9491,6 @@
     <p:extLst>
       <p:ext uri="{BB962C8B-B14F-4D97-AF65-F5344CB8AC3E}">
         <p14:creationId xmlns:p14="http://schemas.microsoft.com/office/powerpoint/2010/main" val="3664070061"/>
-      </p:ext>
-    </p:extLst>
-  </p:cSld>
-  <p:clrMapOvr>
-    <a:masterClrMapping/>
-  </p:clrMapOvr>
-</p:sld>
-</file>
-
-<file path=ppt/slides/slide26.xml><?xml version="1.0" encoding="utf-8"?>
-<p:sld xmlns:a="http://schemas.openxmlformats.org/drawingml/2006/main" xmlns:r="http://schemas.openxmlformats.org/officeDocument/2006/relationships" xmlns:p="http://schemas.openxmlformats.org/presentationml/2006/main">
-  <p:cSld>
-    <p:bg>
-      <p:bgPr>
-        <a:solidFill>
-          <a:schemeClr val="tx1"/>
-        </a:solidFill>
-        <a:effectLst/>
-      </p:bgPr>
-    </p:bg>
-    <p:spTree>
-      <p:nvGrpSpPr>
-        <p:cNvPr id="1" name="">
-          <a:extLst>
-            <a:ext uri="{FF2B5EF4-FFF2-40B4-BE49-F238E27FC236}">
-              <a16:creationId xmlns:a16="http://schemas.microsoft.com/office/drawing/2014/main" id="{2F555E54-302D-FAF5-8B61-33E8328B6B4F}"/>
-            </a:ext>
-          </a:extLst>
-        </p:cNvPr>
-        <p:cNvGrpSpPr/>
-        <p:nvPr/>
-      </p:nvGrpSpPr>
-      <p:grpSpPr>
-        <a:xfrm>
-          <a:off x="0" y="0"/>
-          <a:ext cx="0" cy="0"/>
-          <a:chOff x="0" y="0"/>
-          <a:chExt cx="0" cy="0"/>
-        </a:xfrm>
-      </p:grpSpPr>
-      <p:sp>
-        <p:nvSpPr>
-          <p:cNvPr id="4" name="Textfeld 3">
-            <a:extLst>
-              <a:ext uri="{FF2B5EF4-FFF2-40B4-BE49-F238E27FC236}">
-                <a16:creationId xmlns:a16="http://schemas.microsoft.com/office/drawing/2014/main" id="{7BAA204B-745F-1A14-8016-08FF53D32972}"/>
-              </a:ext>
-            </a:extLst>
-          </p:cNvPr>
-          <p:cNvSpPr txBox="1"/>
-          <p:nvPr/>
-        </p:nvSpPr>
-        <p:spPr>
-          <a:xfrm>
-            <a:off x="1603888" y="1751291"/>
-            <a:ext cx="7954179" cy="2585323"/>
-          </a:xfrm>
-          <a:prstGeom prst="rect">
-            <a:avLst/>
-          </a:prstGeom>
-          <a:noFill/>
-        </p:spPr>
-        <p:txBody>
-          <a:bodyPr wrap="square" rtlCol="0">
-            <a:spAutoFit/>
-          </a:bodyPr>
-          <a:lstStyle/>
-          <a:p>
-            <a:pPr algn="ctr"/>
-            <a:r>
-              <a:rPr lang="de-DE" sz="4400" dirty="0">
-                <a:solidFill>
-                  <a:schemeClr val="bg1"/>
-                </a:solidFill>
-                <a:latin typeface="Consolas" panose="020B0609020204030204" pitchFamily="49" charset="0"/>
-              </a:rPr>
-              <a:t>Gut gemacht!</a:t>
-            </a:r>
-          </a:p>
-          <a:p>
-            <a:pPr algn="ctr"/>
-            <a:r>
-              <a:rPr lang="de-DE" sz="4400" b="0" dirty="0">
-                <a:solidFill>
-                  <a:schemeClr val="bg1"/>
-                </a:solidFill>
-                <a:effectLst/>
-                <a:latin typeface="Consolas" panose="020B0609020204030204" pitchFamily="49" charset="0"/>
-              </a:rPr>
-              <a:t>Das war das dritte Spiel.</a:t>
-            </a:r>
-          </a:p>
-          <a:p>
-            <a:pPr algn="ctr"/>
-            <a:endParaRPr lang="de-DE" dirty="0">
-              <a:solidFill>
-                <a:schemeClr val="bg1"/>
-              </a:solidFill>
-              <a:sym typeface="Wingdings" panose="05000000000000000000" pitchFamily="2" charset="2"/>
-            </a:endParaRPr>
-          </a:p>
-          <a:p>
-            <a:pPr algn="ctr"/>
-            <a:endParaRPr lang="de-DE" dirty="0">
-              <a:solidFill>
-                <a:schemeClr val="bg1"/>
-              </a:solidFill>
-              <a:sym typeface="Wingdings" panose="05000000000000000000" pitchFamily="2" charset="2"/>
-            </a:endParaRPr>
-          </a:p>
-          <a:p>
-            <a:pPr algn="ctr"/>
-            <a:endParaRPr lang="de-DE" dirty="0">
-              <a:solidFill>
-                <a:schemeClr val="bg1"/>
-              </a:solidFill>
-              <a:sym typeface="Wingdings" panose="05000000000000000000" pitchFamily="2" charset="2"/>
-            </a:endParaRPr>
-          </a:p>
-          <a:p>
-            <a:pPr algn="ctr"/>
-            <a:r>
-              <a:rPr lang="de-DE" sz="2000" dirty="0">
-                <a:solidFill>
-                  <a:schemeClr val="bg1"/>
-                </a:solidFill>
-                <a:sym typeface="Wingdings" panose="05000000000000000000" pitchFamily="2" charset="2"/>
-              </a:rPr>
-              <a:t>Bitte die </a:t>
-            </a:r>
-            <a:r>
-              <a:rPr lang="de-DE" sz="2000" b="1" dirty="0">
-                <a:solidFill>
-                  <a:schemeClr val="bg1"/>
-                </a:solidFill>
-                <a:sym typeface="Wingdings" panose="05000000000000000000" pitchFamily="2" charset="2"/>
-              </a:rPr>
-              <a:t>LEERTASTE</a:t>
-            </a:r>
-            <a:r>
-              <a:rPr lang="de-DE" sz="2000" dirty="0">
-                <a:solidFill>
-                  <a:schemeClr val="bg1"/>
-                </a:solidFill>
-                <a:sym typeface="Wingdings" panose="05000000000000000000" pitchFamily="2" charset="2"/>
-              </a:rPr>
-              <a:t> drücken, um fortzufahren</a:t>
-            </a:r>
-            <a:endParaRPr lang="de-DE" sz="2000" dirty="0">
-              <a:solidFill>
-                <a:schemeClr val="bg1"/>
-              </a:solidFill>
-            </a:endParaRPr>
-          </a:p>
-        </p:txBody>
-      </p:sp>
-    </p:spTree>
-    <p:extLst>
-      <p:ext uri="{BB962C8B-B14F-4D97-AF65-F5344CB8AC3E}">
-        <p14:creationId xmlns:p14="http://schemas.microsoft.com/office/powerpoint/2010/main" val="1472450068"/>
-      </p:ext>
-    </p:extLst>
-  </p:cSld>
-  <p:clrMapOvr>
-    <a:masterClrMapping/>
-  </p:clrMapOvr>
-</p:sld>
-</file>
-
-<file path=ppt/slides/slide27.xml><?xml version="1.0" encoding="utf-8"?>
-<p:sld xmlns:a="http://schemas.openxmlformats.org/drawingml/2006/main" xmlns:r="http://schemas.openxmlformats.org/officeDocument/2006/relationships" xmlns:p="http://schemas.openxmlformats.org/presentationml/2006/main">
-  <p:cSld>
-    <p:bg>
-      <p:bgPr>
-        <a:solidFill>
-          <a:schemeClr val="tx1"/>
-        </a:solidFill>
-        <a:effectLst/>
-      </p:bgPr>
-    </p:bg>
-    <p:spTree>
-      <p:nvGrpSpPr>
-        <p:cNvPr id="1" name="">
-          <a:extLst>
-            <a:ext uri="{FF2B5EF4-FFF2-40B4-BE49-F238E27FC236}">
-              <a16:creationId xmlns:a16="http://schemas.microsoft.com/office/drawing/2014/main" id="{2F555E54-302D-FAF5-8B61-33E8328B6B4F}"/>
-            </a:ext>
-          </a:extLst>
-        </p:cNvPr>
-        <p:cNvGrpSpPr/>
-        <p:nvPr/>
-      </p:nvGrpSpPr>
-      <p:grpSpPr>
-        <a:xfrm>
-          <a:off x="0" y="0"/>
-          <a:ext cx="0" cy="0"/>
-          <a:chOff x="0" y="0"/>
-          <a:chExt cx="0" cy="0"/>
-        </a:xfrm>
-      </p:grpSpPr>
-      <p:sp>
-        <p:nvSpPr>
-          <p:cNvPr id="4" name="Textfeld 3">
-            <a:extLst>
-              <a:ext uri="{FF2B5EF4-FFF2-40B4-BE49-F238E27FC236}">
-                <a16:creationId xmlns:a16="http://schemas.microsoft.com/office/drawing/2014/main" id="{7BAA204B-745F-1A14-8016-08FF53D32972}"/>
-              </a:ext>
-            </a:extLst>
-          </p:cNvPr>
-          <p:cNvSpPr txBox="1"/>
-          <p:nvPr/>
-        </p:nvSpPr>
-        <p:spPr>
-          <a:xfrm>
-            <a:off x="1603888" y="1751291"/>
-            <a:ext cx="7954179" cy="3262432"/>
-          </a:xfrm>
-          <a:prstGeom prst="rect">
-            <a:avLst/>
-          </a:prstGeom>
-          <a:noFill/>
-        </p:spPr>
-        <p:txBody>
-          <a:bodyPr wrap="square" rtlCol="0">
-            <a:spAutoFit/>
-          </a:bodyPr>
-          <a:lstStyle/>
-          <a:p>
-            <a:pPr algn="ctr"/>
-            <a:r>
-              <a:rPr lang="de-DE" sz="4400" b="0" dirty="0">
-                <a:solidFill>
-                  <a:schemeClr val="bg1"/>
-                </a:solidFill>
-                <a:effectLst/>
-                <a:latin typeface="Consolas" panose="020B0609020204030204" pitchFamily="49" charset="0"/>
-              </a:rPr>
-              <a:t>Wenn Sie möchten, machen Sie eine kurze Pause und fahren dann fort.</a:t>
-            </a:r>
-          </a:p>
-          <a:p>
-            <a:pPr algn="ctr"/>
-            <a:endParaRPr lang="de-DE" dirty="0">
-              <a:solidFill>
-                <a:schemeClr val="bg1"/>
-              </a:solidFill>
-              <a:sym typeface="Wingdings" panose="05000000000000000000" pitchFamily="2" charset="2"/>
-            </a:endParaRPr>
-          </a:p>
-          <a:p>
-            <a:pPr algn="ctr"/>
-            <a:endParaRPr lang="de-DE" dirty="0">
-              <a:solidFill>
-                <a:schemeClr val="bg1"/>
-              </a:solidFill>
-              <a:sym typeface="Wingdings" panose="05000000000000000000" pitchFamily="2" charset="2"/>
-            </a:endParaRPr>
-          </a:p>
-          <a:p>
-            <a:pPr algn="ctr"/>
-            <a:endParaRPr lang="de-DE" dirty="0">
-              <a:solidFill>
-                <a:schemeClr val="bg1"/>
-              </a:solidFill>
-              <a:sym typeface="Wingdings" panose="05000000000000000000" pitchFamily="2" charset="2"/>
-            </a:endParaRPr>
-          </a:p>
-          <a:p>
-            <a:pPr algn="ctr"/>
-            <a:r>
-              <a:rPr lang="de-DE" sz="2000" dirty="0">
-                <a:solidFill>
-                  <a:schemeClr val="bg1"/>
-                </a:solidFill>
-                <a:sym typeface="Wingdings" panose="05000000000000000000" pitchFamily="2" charset="2"/>
-              </a:rPr>
-              <a:t>Bitte die </a:t>
-            </a:r>
-            <a:r>
-              <a:rPr lang="de-DE" sz="2000" b="1" dirty="0">
-                <a:solidFill>
-                  <a:schemeClr val="bg1"/>
-                </a:solidFill>
-                <a:sym typeface="Wingdings" panose="05000000000000000000" pitchFamily="2" charset="2"/>
-              </a:rPr>
-              <a:t>LEERTASTE</a:t>
-            </a:r>
-            <a:r>
-              <a:rPr lang="de-DE" sz="2000" dirty="0">
-                <a:solidFill>
-                  <a:schemeClr val="bg1"/>
-                </a:solidFill>
-                <a:sym typeface="Wingdings" panose="05000000000000000000" pitchFamily="2" charset="2"/>
-              </a:rPr>
-              <a:t> drücken, um fortzufahren</a:t>
-            </a:r>
-            <a:endParaRPr lang="de-DE" sz="2000" dirty="0">
-              <a:solidFill>
-                <a:schemeClr val="bg1"/>
-              </a:solidFill>
-            </a:endParaRPr>
-          </a:p>
-        </p:txBody>
-      </p:sp>
-    </p:spTree>
-    <p:extLst>
-      <p:ext uri="{BB962C8B-B14F-4D97-AF65-F5344CB8AC3E}">
-        <p14:creationId xmlns:p14="http://schemas.microsoft.com/office/powerpoint/2010/main" val="2621821630"/>
       </p:ext>
     </p:extLst>
   </p:cSld>
@@ -9721,7 +9546,7 @@
         <p:spPr>
           <a:xfrm>
             <a:off x="1603888" y="1751291"/>
-            <a:ext cx="8325115" cy="1908215"/>
+            <a:ext cx="7954179" cy="2585323"/>
           </a:xfrm>
           <a:prstGeom prst="rect">
             <a:avLst/>
@@ -9742,15 +9567,21 @@
                 </a:solidFill>
                 <a:latin typeface="Consolas" panose="020B0609020204030204" pitchFamily="49" charset="0"/>
               </a:rPr>
-              <a:t>Weiter geht es zu Spiel 4!</a:t>
-            </a:r>
-            <a:endParaRPr lang="de-DE" sz="4400" b="0" dirty="0">
-              <a:solidFill>
-                <a:schemeClr val="bg1"/>
-              </a:solidFill>
-              <a:effectLst/>
-              <a:latin typeface="Consolas" panose="020B0609020204030204" pitchFamily="49" charset="0"/>
-            </a:endParaRPr>
+              <a:t>Gut gemacht!</a:t>
+            </a:r>
+          </a:p>
+          <a:p>
+            <a:pPr algn="ctr"/>
+            <a:r>
+              <a:rPr lang="de-DE" sz="4400" b="0" dirty="0">
+                <a:solidFill>
+                  <a:schemeClr val="bg1"/>
+                </a:solidFill>
+                <a:effectLst/>
+                <a:latin typeface="Consolas" panose="020B0609020204030204" pitchFamily="49" charset="0"/>
+              </a:rPr>
+              <a:t>Das war das dritte Spiel.</a:t>
+            </a:r>
           </a:p>
           <a:p>
             <a:pPr algn="ctr"/>
@@ -9819,7 +9650,7 @@
     </p:spTree>
     <p:extLst>
       <p:ext uri="{BB962C8B-B14F-4D97-AF65-F5344CB8AC3E}">
-        <p14:creationId xmlns:p14="http://schemas.microsoft.com/office/powerpoint/2010/main" val="2413988690"/>
+        <p14:creationId xmlns:p14="http://schemas.microsoft.com/office/powerpoint/2010/main" val="1472450068"/>
       </p:ext>
     </p:extLst>
   </p:cSld>
@@ -9845,7 +9676,7 @@
         <p:cNvPr id="1" name="">
           <a:extLst>
             <a:ext uri="{FF2B5EF4-FFF2-40B4-BE49-F238E27FC236}">
-              <a16:creationId xmlns:a16="http://schemas.microsoft.com/office/drawing/2014/main" id="{B25867C5-31EE-2747-E375-9235E74EB9AD}"/>
+              <a16:creationId xmlns:a16="http://schemas.microsoft.com/office/drawing/2014/main" id="{2F555E54-302D-FAF5-8B61-33E8328B6B4F}"/>
             </a:ext>
           </a:extLst>
         </p:cNvPr>
@@ -9865,7 +9696,7 @@
           <p:cNvPr id="4" name="Textfeld 3">
             <a:extLst>
               <a:ext uri="{FF2B5EF4-FFF2-40B4-BE49-F238E27FC236}">
-                <a16:creationId xmlns:a16="http://schemas.microsoft.com/office/drawing/2014/main" id="{D191F11D-095D-DC95-90F9-C136253207C7}"/>
+                <a16:creationId xmlns:a16="http://schemas.microsoft.com/office/drawing/2014/main" id="{7BAA204B-745F-1A14-8016-08FF53D32972}"/>
               </a:ext>
             </a:extLst>
           </p:cNvPr>
@@ -9874,8 +9705,8 @@
         </p:nvSpPr>
         <p:spPr>
           <a:xfrm>
-            <a:off x="1807089" y="181109"/>
-            <a:ext cx="7682846" cy="6155531"/>
+            <a:off x="1603888" y="1751291"/>
+            <a:ext cx="7954179" cy="3262432"/>
           </a:xfrm>
           <a:prstGeom prst="rect">
             <a:avLst/>
@@ -9890,386 +9721,84 @@
           <a:p>
             <a:pPr algn="ctr"/>
             <a:r>
-              <a:rPr lang="de-DE" sz="2000" b="0" dirty="0">
-                <a:solidFill>
-                  <a:schemeClr val="bg1"/>
-                </a:solidFill>
-                <a:effectLst/>
-                <a:latin typeface="Consolas" panose="020B0609020204030204" pitchFamily="49" charset="0"/>
-              </a:rPr>
-              <a:t>Ihre Aufgabe ist es, den </a:t>
-            </a:r>
-            <a:r>
-              <a:rPr lang="de-DE" sz="2000" b="0" dirty="0">
-                <a:solidFill>
-                  <a:srgbClr val="FF0000"/>
-                </a:solidFill>
-                <a:effectLst/>
-                <a:latin typeface="Consolas" panose="020B0609020204030204" pitchFamily="49" charset="0"/>
-              </a:rPr>
-              <a:t>Feuerbällen</a:t>
-            </a:r>
-            <a:r>
-              <a:rPr lang="de-DE" sz="2000" b="0" dirty="0">
-                <a:solidFill>
-                  <a:schemeClr val="bg1"/>
-                </a:solidFill>
-                <a:effectLst/>
-                <a:latin typeface="Consolas" panose="020B0609020204030204" pitchFamily="49" charset="0"/>
-              </a:rPr>
-              <a:t> so lange wie möglich auszuweichen. Zu viele Treffer auf Sie und das Spiel ist zu Ende. </a:t>
-            </a:r>
-            <a:r>
-              <a:rPr lang="de-DE" sz="2000" b="0" u="sng" dirty="0">
-                <a:solidFill>
-                  <a:schemeClr val="bg1"/>
-                </a:solidFill>
-                <a:effectLst/>
-                <a:latin typeface="Consolas" panose="020B0609020204030204" pitchFamily="49" charset="0"/>
-              </a:rPr>
-              <a:t>Achtung</a:t>
-            </a:r>
-            <a:r>
-              <a:rPr lang="de-DE" sz="2000" b="0" dirty="0">
-                <a:solidFill>
-                  <a:schemeClr val="bg1"/>
-                </a:solidFill>
-                <a:effectLst/>
-                <a:latin typeface="Consolas" panose="020B0609020204030204" pitchFamily="49" charset="0"/>
-              </a:rPr>
-              <a:t>: Es werden mit der Zeit </a:t>
+              <a:rPr lang="de-DE" sz="4400" b="0" dirty="0">
+                <a:solidFill>
+                  <a:schemeClr val="bg1"/>
+                </a:solidFill>
+                <a:effectLst/>
+                <a:latin typeface="Consolas" panose="020B0609020204030204" pitchFamily="49" charset="0"/>
+              </a:rPr>
+              <a:t>Wenn Sie möchten, machen Sie eine kurze Pause und fahren dann fort.</a:t>
+            </a:r>
+          </a:p>
+          <a:p>
+            <a:pPr algn="ctr"/>
+            <a:endParaRPr lang="de-DE" dirty="0">
+              <a:solidFill>
+                <a:schemeClr val="bg1"/>
+              </a:solidFill>
+              <a:sym typeface="Wingdings" panose="05000000000000000000" pitchFamily="2" charset="2"/>
+            </a:endParaRPr>
+          </a:p>
+          <a:p>
+            <a:pPr algn="ctr"/>
+            <a:endParaRPr lang="de-DE" dirty="0">
+              <a:solidFill>
+                <a:schemeClr val="bg1"/>
+              </a:solidFill>
+              <a:sym typeface="Wingdings" panose="05000000000000000000" pitchFamily="2" charset="2"/>
+            </a:endParaRPr>
+          </a:p>
+          <a:p>
+            <a:pPr algn="ctr"/>
+            <a:endParaRPr lang="de-DE" dirty="0">
+              <a:solidFill>
+                <a:schemeClr val="bg1"/>
+              </a:solidFill>
+              <a:sym typeface="Wingdings" panose="05000000000000000000" pitchFamily="2" charset="2"/>
+            </a:endParaRPr>
+          </a:p>
+          <a:p>
+            <a:pPr algn="ctr"/>
+            <a:r>
+              <a:rPr lang="de-DE" sz="2000" dirty="0">
+                <a:solidFill>
+                  <a:schemeClr val="bg1"/>
+                </a:solidFill>
+                <a:sym typeface="Wingdings" panose="05000000000000000000" pitchFamily="2" charset="2"/>
+              </a:rPr>
+              <a:t>Bitte die </a:t>
             </a:r>
             <a:r>
               <a:rPr lang="de-DE" sz="2000" b="1" dirty="0">
                 <a:solidFill>
                   <a:schemeClr val="bg1"/>
                 </a:solidFill>
-                <a:effectLst/>
-                <a:latin typeface="Consolas" panose="020B0609020204030204" pitchFamily="49" charset="0"/>
-              </a:rPr>
-              <a:t>imme</a:t>
-            </a:r>
-            <a:r>
-              <a:rPr lang="de-DE" sz="2000" b="1" dirty="0">
-                <a:solidFill>
-                  <a:schemeClr val="bg1"/>
-                </a:solidFill>
-                <a:latin typeface="Consolas" panose="020B0609020204030204" pitchFamily="49" charset="0"/>
-              </a:rPr>
-              <a:t>r mehr</a:t>
+                <a:sym typeface="Wingdings" panose="05000000000000000000" pitchFamily="2" charset="2"/>
+              </a:rPr>
+              <a:t>LEERTASTE</a:t>
             </a:r>
             <a:r>
               <a:rPr lang="de-DE" sz="2000" dirty="0">
                 <a:solidFill>
                   <a:schemeClr val="bg1"/>
                 </a:solidFill>
-                <a:latin typeface="Consolas" panose="020B0609020204030204" pitchFamily="49" charset="0"/>
-              </a:rPr>
-              <a:t> Kreaturen und damit auch </a:t>
-            </a:r>
-            <a:r>
-              <a:rPr lang="de-DE" sz="2000" b="1" dirty="0">
-                <a:solidFill>
-                  <a:schemeClr val="bg1"/>
-                </a:solidFill>
-                <a:latin typeface="Consolas" panose="020B0609020204030204" pitchFamily="49" charset="0"/>
-              </a:rPr>
-              <a:t>immer mehr Feuerbälle</a:t>
-            </a:r>
-            <a:r>
-              <a:rPr lang="de-DE" sz="2000" dirty="0">
-                <a:solidFill>
-                  <a:schemeClr val="bg1"/>
-                </a:solidFill>
-                <a:latin typeface="Consolas" panose="020B0609020204030204" pitchFamily="49" charset="0"/>
-              </a:rPr>
-              <a:t>.</a:t>
-            </a:r>
-          </a:p>
-          <a:p>
-            <a:pPr algn="ctr"/>
-            <a:endParaRPr lang="de-DE" sz="2000" b="0" dirty="0">
-              <a:solidFill>
-                <a:schemeClr val="bg1"/>
-              </a:solidFill>
-              <a:effectLst/>
-              <a:latin typeface="Consolas" panose="020B0609020204030204" pitchFamily="49" charset="0"/>
-            </a:endParaRPr>
-          </a:p>
-          <a:p>
-            <a:pPr algn="ctr"/>
+                <a:sym typeface="Wingdings" panose="05000000000000000000" pitchFamily="2" charset="2"/>
+              </a:rPr>
+              <a:t> drücken, um fortzufahren</a:t>
+            </a:r>
             <a:endParaRPr lang="de-DE" sz="2000" dirty="0">
               <a:solidFill>
                 <a:schemeClr val="bg1"/>
               </a:solidFill>
-              <a:latin typeface="Consolas" panose="020B0609020204030204" pitchFamily="49" charset="0"/>
-            </a:endParaRPr>
-          </a:p>
-          <a:p>
-            <a:pPr algn="ctr"/>
-            <a:endParaRPr lang="de-DE" sz="3200" b="0" dirty="0">
-              <a:solidFill>
-                <a:schemeClr val="bg1"/>
-              </a:solidFill>
-              <a:effectLst/>
-              <a:latin typeface="Consolas" panose="020B0609020204030204" pitchFamily="49" charset="0"/>
-            </a:endParaRPr>
-          </a:p>
-          <a:p>
-            <a:pPr algn="ctr"/>
-            <a:endParaRPr lang="de-DE" sz="3200" dirty="0">
-              <a:solidFill>
-                <a:schemeClr val="bg1"/>
-              </a:solidFill>
-              <a:latin typeface="Consolas" panose="020B0609020204030204" pitchFamily="49" charset="0"/>
-            </a:endParaRPr>
-          </a:p>
-          <a:p>
-            <a:pPr algn="ctr"/>
-            <a:endParaRPr lang="de-DE" sz="3200" dirty="0">
-              <a:solidFill>
-                <a:schemeClr val="bg1"/>
-              </a:solidFill>
-              <a:latin typeface="Consolas" panose="020B0609020204030204" pitchFamily="49" charset="0"/>
-            </a:endParaRPr>
-          </a:p>
-          <a:p>
-            <a:pPr algn="ctr"/>
-            <a:endParaRPr lang="de-DE" sz="3200" b="0" dirty="0">
-              <a:solidFill>
-                <a:schemeClr val="bg1"/>
-              </a:solidFill>
-              <a:effectLst/>
-              <a:latin typeface="Consolas" panose="020B0609020204030204" pitchFamily="49" charset="0"/>
-            </a:endParaRPr>
-          </a:p>
-          <a:p>
-            <a:pPr algn="ctr"/>
-            <a:endParaRPr lang="de-DE" sz="3200" b="0" dirty="0">
-              <a:solidFill>
-                <a:schemeClr val="bg1"/>
-              </a:solidFill>
-              <a:effectLst/>
-              <a:latin typeface="Consolas" panose="020B0609020204030204" pitchFamily="49" charset="0"/>
-            </a:endParaRPr>
-          </a:p>
-          <a:p>
-            <a:pPr algn="ctr"/>
-            <a:endParaRPr lang="de-DE" dirty="0">
-              <a:solidFill>
-                <a:schemeClr val="bg1"/>
-              </a:solidFill>
-              <a:sym typeface="Wingdings" panose="05000000000000000000" pitchFamily="2" charset="2"/>
-            </a:endParaRPr>
-          </a:p>
-          <a:p>
-            <a:pPr algn="ctr"/>
-            <a:endParaRPr lang="de-DE" dirty="0">
-              <a:solidFill>
-                <a:schemeClr val="bg1"/>
-              </a:solidFill>
-              <a:sym typeface="Wingdings" panose="05000000000000000000" pitchFamily="2" charset="2"/>
-            </a:endParaRPr>
-          </a:p>
-          <a:p>
-            <a:pPr algn="ctr"/>
-            <a:endParaRPr lang="de-DE" dirty="0">
-              <a:solidFill>
-                <a:schemeClr val="bg1"/>
-              </a:solidFill>
-              <a:sym typeface="Wingdings" panose="05000000000000000000" pitchFamily="2" charset="2"/>
-            </a:endParaRPr>
-          </a:p>
-          <a:p>
-            <a:pPr algn="ctr"/>
-            <a:endParaRPr lang="de-DE" sz="2000" dirty="0">
-              <a:solidFill>
-                <a:schemeClr val="bg1"/>
-              </a:solidFill>
-              <a:sym typeface="Wingdings" panose="05000000000000000000" pitchFamily="2" charset="2"/>
-            </a:endParaRPr>
-          </a:p>
-          <a:p>
-            <a:pPr algn="ctr"/>
-            <a:r>
-              <a:rPr lang="de-DE" sz="2000" dirty="0">
-                <a:solidFill>
-                  <a:schemeClr val="bg1"/>
-                </a:solidFill>
-                <a:sym typeface="Wingdings" panose="05000000000000000000" pitchFamily="2" charset="2"/>
-              </a:rPr>
-              <a:t>Bitte die </a:t>
-            </a:r>
-            <a:r>
-              <a:rPr lang="de-DE" sz="2000" b="1" dirty="0">
-                <a:solidFill>
-                  <a:schemeClr val="bg1"/>
-                </a:solidFill>
-                <a:sym typeface="Wingdings" panose="05000000000000000000" pitchFamily="2" charset="2"/>
-              </a:rPr>
-              <a:t>LEERTASTE</a:t>
-            </a:r>
-            <a:r>
-              <a:rPr lang="de-DE" sz="2000" dirty="0">
-                <a:solidFill>
-                  <a:schemeClr val="bg1"/>
-                </a:solidFill>
-                <a:sym typeface="Wingdings" panose="05000000000000000000" pitchFamily="2" charset="2"/>
-              </a:rPr>
-              <a:t> drücken, um fortzufahren</a:t>
-            </a:r>
-            <a:endParaRPr lang="de-DE" sz="2000" dirty="0">
-              <a:solidFill>
-                <a:schemeClr val="bg1"/>
-              </a:solidFill>
-            </a:endParaRPr>
-          </a:p>
-        </p:txBody>
-      </p:sp>
-      <p:pic>
-        <p:nvPicPr>
-          <p:cNvPr id="3" name="Grafik 2" descr="Ein Bild, das Screenshot, PC-Spiel, Spielesoftware, Kugel enthält.&#10;&#10;Automatisch generierte Beschreibung">
-            <a:extLst>
-              <a:ext uri="{FF2B5EF4-FFF2-40B4-BE49-F238E27FC236}">
-                <a16:creationId xmlns:a16="http://schemas.microsoft.com/office/drawing/2014/main" id="{B1104E6B-BA67-5763-B5DF-F545A38F5291}"/>
-              </a:ext>
-            </a:extLst>
-          </p:cNvPr>
-          <p:cNvPicPr>
-            <a:picLocks noChangeAspect="1"/>
-          </p:cNvPicPr>
-          <p:nvPr/>
-        </p:nvPicPr>
-        <p:blipFill>
-          <a:blip r:embed="rId2">
-            <a:extLst>
-              <a:ext uri="{28A0092B-C50C-407E-A947-70E740481C1C}">
-                <a14:useLocalDpi xmlns:a14="http://schemas.microsoft.com/office/drawing/2010/main" val="0"/>
-              </a:ext>
-            </a:extLst>
-          </a:blip>
-          <a:stretch>
-            <a:fillRect/>
-          </a:stretch>
-        </p:blipFill>
-        <p:spPr>
-          <a:xfrm>
-            <a:off x="2941607" y="1789294"/>
-            <a:ext cx="5231052" cy="4033535"/>
-          </a:xfrm>
-          <a:prstGeom prst="rect">
-            <a:avLst/>
-          </a:prstGeom>
-        </p:spPr>
-      </p:pic>
-      <p:sp>
-        <p:nvSpPr>
-          <p:cNvPr id="5" name="Ellipse 4">
-            <a:extLst>
-              <a:ext uri="{FF2B5EF4-FFF2-40B4-BE49-F238E27FC236}">
-                <a16:creationId xmlns:a16="http://schemas.microsoft.com/office/drawing/2014/main" id="{C8BE9D28-2E2C-2FCB-1F97-057682E6CFB2}"/>
-              </a:ext>
-            </a:extLst>
-          </p:cNvPr>
-          <p:cNvSpPr/>
-          <p:nvPr/>
-        </p:nvSpPr>
-        <p:spPr>
-          <a:xfrm>
-            <a:off x="3485072" y="3873260"/>
-            <a:ext cx="1190445" cy="1069676"/>
-          </a:xfrm>
-          <a:prstGeom prst="ellipse">
-            <a:avLst/>
-          </a:prstGeom>
-          <a:noFill/>
-          <a:ln w="38100">
-            <a:solidFill>
-              <a:srgbClr val="FF0000"/>
-            </a:solidFill>
-          </a:ln>
-        </p:spPr>
-        <p:style>
-          <a:lnRef idx="2">
-            <a:schemeClr val="accent1">
-              <a:shade val="15000"/>
-            </a:schemeClr>
-          </a:lnRef>
-          <a:fillRef idx="1">
-            <a:schemeClr val="accent1"/>
-          </a:fillRef>
-          <a:effectRef idx="0">
-            <a:schemeClr val="accent1"/>
-          </a:effectRef>
-          <a:fontRef idx="minor">
-            <a:schemeClr val="lt1"/>
-          </a:fontRef>
-        </p:style>
-        <p:txBody>
-          <a:bodyPr rtlCol="0" anchor="ctr"/>
-          <a:lstStyle/>
-          <a:p>
-            <a:pPr algn="ctr"/>
-            <a:endParaRPr lang="de-DE"/>
-          </a:p>
-        </p:txBody>
-      </p:sp>
-      <p:sp>
-        <p:nvSpPr>
-          <p:cNvPr id="6" name="Ellipse 5">
-            <a:extLst>
-              <a:ext uri="{FF2B5EF4-FFF2-40B4-BE49-F238E27FC236}">
-                <a16:creationId xmlns:a16="http://schemas.microsoft.com/office/drawing/2014/main" id="{9406CBDF-1924-331B-E910-D349FA470AE6}"/>
-              </a:ext>
-            </a:extLst>
-          </p:cNvPr>
-          <p:cNvSpPr/>
-          <p:nvPr/>
-        </p:nvSpPr>
-        <p:spPr>
-          <a:xfrm>
-            <a:off x="7382775" y="3806061"/>
-            <a:ext cx="267419" cy="258793"/>
-          </a:xfrm>
-          <a:prstGeom prst="ellipse">
-            <a:avLst/>
-          </a:prstGeom>
-          <a:noFill/>
-          <a:ln w="28575">
-            <a:solidFill>
-              <a:srgbClr val="FF0000"/>
-            </a:solidFill>
-          </a:ln>
-        </p:spPr>
-        <p:style>
-          <a:lnRef idx="2">
-            <a:schemeClr val="accent1">
-              <a:shade val="15000"/>
-            </a:schemeClr>
-          </a:lnRef>
-          <a:fillRef idx="1">
-            <a:schemeClr val="accent1"/>
-          </a:fillRef>
-          <a:effectRef idx="0">
-            <a:schemeClr val="accent1"/>
-          </a:effectRef>
-          <a:fontRef idx="minor">
-            <a:schemeClr val="lt1"/>
-          </a:fontRef>
-        </p:style>
-        <p:txBody>
-          <a:bodyPr rtlCol="0" anchor="ctr"/>
-          <a:lstStyle/>
-          <a:p>
-            <a:pPr algn="ctr"/>
-            <a:endParaRPr lang="de-DE"/>
+            </a:endParaRPr>
           </a:p>
         </p:txBody>
       </p:sp>
     </p:spTree>
     <p:extLst>
       <p:ext uri="{BB962C8B-B14F-4D97-AF65-F5344CB8AC3E}">
-        <p14:creationId xmlns:p14="http://schemas.microsoft.com/office/powerpoint/2010/main" val="213496071"/>
+        <p14:creationId xmlns:p14="http://schemas.microsoft.com/office/powerpoint/2010/main" val="2621821630"/>
       </p:ext>
     </p:extLst>
   </p:cSld>
@@ -10443,6 +9972,610 @@
         <p:cNvPr id="1" name="">
           <a:extLst>
             <a:ext uri="{FF2B5EF4-FFF2-40B4-BE49-F238E27FC236}">
+              <a16:creationId xmlns:a16="http://schemas.microsoft.com/office/drawing/2014/main" id="{2F555E54-302D-FAF5-8B61-33E8328B6B4F}"/>
+            </a:ext>
+          </a:extLst>
+        </p:cNvPr>
+        <p:cNvGrpSpPr/>
+        <p:nvPr/>
+      </p:nvGrpSpPr>
+      <p:grpSpPr>
+        <a:xfrm>
+          <a:off x="0" y="0"/>
+          <a:ext cx="0" cy="0"/>
+          <a:chOff x="0" y="0"/>
+          <a:chExt cx="0" cy="0"/>
+        </a:xfrm>
+      </p:grpSpPr>
+      <p:sp>
+        <p:nvSpPr>
+          <p:cNvPr id="4" name="Textfeld 3">
+            <a:extLst>
+              <a:ext uri="{FF2B5EF4-FFF2-40B4-BE49-F238E27FC236}">
+                <a16:creationId xmlns:a16="http://schemas.microsoft.com/office/drawing/2014/main" id="{7BAA204B-745F-1A14-8016-08FF53D32972}"/>
+              </a:ext>
+            </a:extLst>
+          </p:cNvPr>
+          <p:cNvSpPr txBox="1"/>
+          <p:nvPr/>
+        </p:nvSpPr>
+        <p:spPr>
+          <a:xfrm>
+            <a:off x="1603888" y="1751291"/>
+            <a:ext cx="8325115" cy="1908215"/>
+          </a:xfrm>
+          <a:prstGeom prst="rect">
+            <a:avLst/>
+          </a:prstGeom>
+          <a:noFill/>
+        </p:spPr>
+        <p:txBody>
+          <a:bodyPr wrap="square" rtlCol="0">
+            <a:spAutoFit/>
+          </a:bodyPr>
+          <a:lstStyle/>
+          <a:p>
+            <a:pPr algn="ctr"/>
+            <a:r>
+              <a:rPr lang="de-DE" sz="4400" dirty="0">
+                <a:solidFill>
+                  <a:schemeClr val="bg1"/>
+                </a:solidFill>
+                <a:latin typeface="Consolas" panose="020B0609020204030204" pitchFamily="49" charset="0"/>
+              </a:rPr>
+              <a:t>Weiter geht es zu Spiel 4!</a:t>
+            </a:r>
+            <a:endParaRPr lang="de-DE" sz="4400" b="0" dirty="0">
+              <a:solidFill>
+                <a:schemeClr val="bg1"/>
+              </a:solidFill>
+              <a:effectLst/>
+              <a:latin typeface="Consolas" panose="020B0609020204030204" pitchFamily="49" charset="0"/>
+            </a:endParaRPr>
+          </a:p>
+          <a:p>
+            <a:pPr algn="ctr"/>
+            <a:endParaRPr lang="de-DE" dirty="0">
+              <a:solidFill>
+                <a:schemeClr val="bg1"/>
+              </a:solidFill>
+              <a:sym typeface="Wingdings" panose="05000000000000000000" pitchFamily="2" charset="2"/>
+            </a:endParaRPr>
+          </a:p>
+          <a:p>
+            <a:pPr algn="ctr"/>
+            <a:endParaRPr lang="de-DE" dirty="0">
+              <a:solidFill>
+                <a:schemeClr val="bg1"/>
+              </a:solidFill>
+              <a:sym typeface="Wingdings" panose="05000000000000000000" pitchFamily="2" charset="2"/>
+            </a:endParaRPr>
+          </a:p>
+          <a:p>
+            <a:pPr algn="ctr"/>
+            <a:endParaRPr lang="de-DE" dirty="0">
+              <a:solidFill>
+                <a:schemeClr val="bg1"/>
+              </a:solidFill>
+              <a:sym typeface="Wingdings" panose="05000000000000000000" pitchFamily="2" charset="2"/>
+            </a:endParaRPr>
+          </a:p>
+          <a:p>
+            <a:pPr algn="ctr"/>
+            <a:r>
+              <a:rPr lang="de-DE" sz="2000" dirty="0">
+                <a:solidFill>
+                  <a:schemeClr val="bg1"/>
+                </a:solidFill>
+                <a:sym typeface="Wingdings" panose="05000000000000000000" pitchFamily="2" charset="2"/>
+              </a:rPr>
+              <a:t>Bitte die </a:t>
+            </a:r>
+            <a:r>
+              <a:rPr lang="de-DE" sz="2000" b="1" dirty="0">
+                <a:solidFill>
+                  <a:schemeClr val="bg1"/>
+                </a:solidFill>
+                <a:sym typeface="Wingdings" panose="05000000000000000000" pitchFamily="2" charset="2"/>
+              </a:rPr>
+              <a:t>LEERTASTE</a:t>
+            </a:r>
+            <a:r>
+              <a:rPr lang="de-DE" sz="2000" dirty="0">
+                <a:solidFill>
+                  <a:schemeClr val="bg1"/>
+                </a:solidFill>
+                <a:sym typeface="Wingdings" panose="05000000000000000000" pitchFamily="2" charset="2"/>
+              </a:rPr>
+              <a:t> drücken, um fortzufahren</a:t>
+            </a:r>
+            <a:endParaRPr lang="de-DE" sz="2000" dirty="0">
+              <a:solidFill>
+                <a:schemeClr val="bg1"/>
+              </a:solidFill>
+            </a:endParaRPr>
+          </a:p>
+        </p:txBody>
+      </p:sp>
+    </p:spTree>
+    <p:extLst>
+      <p:ext uri="{BB962C8B-B14F-4D97-AF65-F5344CB8AC3E}">
+        <p14:creationId xmlns:p14="http://schemas.microsoft.com/office/powerpoint/2010/main" val="2413988690"/>
+      </p:ext>
+    </p:extLst>
+  </p:cSld>
+  <p:clrMapOvr>
+    <a:masterClrMapping/>
+  </p:clrMapOvr>
+</p:sld>
+</file>
+
+<file path=ppt/slides/slide31.xml><?xml version="1.0" encoding="utf-8"?>
+<p:sld xmlns:a="http://schemas.openxmlformats.org/drawingml/2006/main" xmlns:r="http://schemas.openxmlformats.org/officeDocument/2006/relationships" xmlns:p="http://schemas.openxmlformats.org/presentationml/2006/main">
+  <p:cSld>
+    <p:bg>
+      <p:bgPr>
+        <a:solidFill>
+          <a:schemeClr val="tx1"/>
+        </a:solidFill>
+        <a:effectLst/>
+      </p:bgPr>
+    </p:bg>
+    <p:spTree>
+      <p:nvGrpSpPr>
+        <p:cNvPr id="1" name="">
+          <a:extLst>
+            <a:ext uri="{FF2B5EF4-FFF2-40B4-BE49-F238E27FC236}">
+              <a16:creationId xmlns:a16="http://schemas.microsoft.com/office/drawing/2014/main" id="{B25867C5-31EE-2747-E375-9235E74EB9AD}"/>
+            </a:ext>
+          </a:extLst>
+        </p:cNvPr>
+        <p:cNvGrpSpPr/>
+        <p:nvPr/>
+      </p:nvGrpSpPr>
+      <p:grpSpPr>
+        <a:xfrm>
+          <a:off x="0" y="0"/>
+          <a:ext cx="0" cy="0"/>
+          <a:chOff x="0" y="0"/>
+          <a:chExt cx="0" cy="0"/>
+        </a:xfrm>
+      </p:grpSpPr>
+      <p:sp>
+        <p:nvSpPr>
+          <p:cNvPr id="4" name="Textfeld 3">
+            <a:extLst>
+              <a:ext uri="{FF2B5EF4-FFF2-40B4-BE49-F238E27FC236}">
+                <a16:creationId xmlns:a16="http://schemas.microsoft.com/office/drawing/2014/main" id="{D191F11D-095D-DC95-90F9-C136253207C7}"/>
+              </a:ext>
+            </a:extLst>
+          </p:cNvPr>
+          <p:cNvSpPr txBox="1"/>
+          <p:nvPr/>
+        </p:nvSpPr>
+        <p:spPr>
+          <a:xfrm>
+            <a:off x="1807089" y="181109"/>
+            <a:ext cx="7682846" cy="6155531"/>
+          </a:xfrm>
+          <a:prstGeom prst="rect">
+            <a:avLst/>
+          </a:prstGeom>
+          <a:noFill/>
+        </p:spPr>
+        <p:txBody>
+          <a:bodyPr wrap="square" rtlCol="0">
+            <a:spAutoFit/>
+          </a:bodyPr>
+          <a:lstStyle/>
+          <a:p>
+            <a:pPr algn="ctr"/>
+            <a:r>
+              <a:rPr lang="de-DE" sz="2000" b="0" dirty="0">
+                <a:solidFill>
+                  <a:schemeClr val="bg1"/>
+                </a:solidFill>
+                <a:effectLst/>
+                <a:latin typeface="Consolas" panose="020B0609020204030204" pitchFamily="49" charset="0"/>
+              </a:rPr>
+              <a:t>Ihre Aufgabe ist es, den </a:t>
+            </a:r>
+            <a:r>
+              <a:rPr lang="de-DE" sz="2000" b="0" dirty="0">
+                <a:solidFill>
+                  <a:srgbClr val="FF0000"/>
+                </a:solidFill>
+                <a:effectLst/>
+                <a:latin typeface="Consolas" panose="020B0609020204030204" pitchFamily="49" charset="0"/>
+              </a:rPr>
+              <a:t>Feuerbällen</a:t>
+            </a:r>
+            <a:r>
+              <a:rPr lang="de-DE" sz="2000" b="0" dirty="0">
+                <a:solidFill>
+                  <a:schemeClr val="bg1"/>
+                </a:solidFill>
+                <a:effectLst/>
+                <a:latin typeface="Consolas" panose="020B0609020204030204" pitchFamily="49" charset="0"/>
+              </a:rPr>
+              <a:t> so lange wie möglich auszuweichen. Zu viele Treffer auf Sie und das Spiel ist zu Ende. </a:t>
+            </a:r>
+            <a:r>
+              <a:rPr lang="de-DE" sz="2000" b="0" u="sng" dirty="0">
+                <a:solidFill>
+                  <a:schemeClr val="bg1"/>
+                </a:solidFill>
+                <a:effectLst/>
+                <a:latin typeface="Consolas" panose="020B0609020204030204" pitchFamily="49" charset="0"/>
+              </a:rPr>
+              <a:t>Achtung</a:t>
+            </a:r>
+            <a:r>
+              <a:rPr lang="de-DE" sz="2000" b="0" dirty="0">
+                <a:solidFill>
+                  <a:schemeClr val="bg1"/>
+                </a:solidFill>
+                <a:effectLst/>
+                <a:latin typeface="Consolas" panose="020B0609020204030204" pitchFamily="49" charset="0"/>
+              </a:rPr>
+              <a:t>: Es werden mit der Zeit </a:t>
+            </a:r>
+            <a:r>
+              <a:rPr lang="de-DE" sz="2000" b="1" dirty="0">
+                <a:solidFill>
+                  <a:schemeClr val="bg1"/>
+                </a:solidFill>
+                <a:effectLst/>
+                <a:latin typeface="Consolas" panose="020B0609020204030204" pitchFamily="49" charset="0"/>
+              </a:rPr>
+              <a:t>imme</a:t>
+            </a:r>
+            <a:r>
+              <a:rPr lang="de-DE" sz="2000" b="1" dirty="0">
+                <a:solidFill>
+                  <a:schemeClr val="bg1"/>
+                </a:solidFill>
+                <a:latin typeface="Consolas" panose="020B0609020204030204" pitchFamily="49" charset="0"/>
+              </a:rPr>
+              <a:t>r mehr</a:t>
+            </a:r>
+            <a:r>
+              <a:rPr lang="de-DE" sz="2000" dirty="0">
+                <a:solidFill>
+                  <a:schemeClr val="bg1"/>
+                </a:solidFill>
+                <a:latin typeface="Consolas" panose="020B0609020204030204" pitchFamily="49" charset="0"/>
+              </a:rPr>
+              <a:t> Kreaturen und damit auch </a:t>
+            </a:r>
+            <a:r>
+              <a:rPr lang="de-DE" sz="2000" b="1" dirty="0">
+                <a:solidFill>
+                  <a:schemeClr val="bg1"/>
+                </a:solidFill>
+                <a:latin typeface="Consolas" panose="020B0609020204030204" pitchFamily="49" charset="0"/>
+              </a:rPr>
+              <a:t>immer mehr Feuerbälle</a:t>
+            </a:r>
+            <a:r>
+              <a:rPr lang="de-DE" sz="2000" dirty="0">
+                <a:solidFill>
+                  <a:schemeClr val="bg1"/>
+                </a:solidFill>
+                <a:latin typeface="Consolas" panose="020B0609020204030204" pitchFamily="49" charset="0"/>
+              </a:rPr>
+              <a:t>.</a:t>
+            </a:r>
+          </a:p>
+          <a:p>
+            <a:pPr algn="ctr"/>
+            <a:endParaRPr lang="de-DE" sz="2000" b="0" dirty="0">
+              <a:solidFill>
+                <a:schemeClr val="bg1"/>
+              </a:solidFill>
+              <a:effectLst/>
+              <a:latin typeface="Consolas" panose="020B0609020204030204" pitchFamily="49" charset="0"/>
+            </a:endParaRPr>
+          </a:p>
+          <a:p>
+            <a:pPr algn="ctr"/>
+            <a:endParaRPr lang="de-DE" sz="2000" dirty="0">
+              <a:solidFill>
+                <a:schemeClr val="bg1"/>
+              </a:solidFill>
+              <a:latin typeface="Consolas" panose="020B0609020204030204" pitchFamily="49" charset="0"/>
+            </a:endParaRPr>
+          </a:p>
+          <a:p>
+            <a:pPr algn="ctr"/>
+            <a:endParaRPr lang="de-DE" sz="3200" b="0" dirty="0">
+              <a:solidFill>
+                <a:schemeClr val="bg1"/>
+              </a:solidFill>
+              <a:effectLst/>
+              <a:latin typeface="Consolas" panose="020B0609020204030204" pitchFamily="49" charset="0"/>
+            </a:endParaRPr>
+          </a:p>
+          <a:p>
+            <a:pPr algn="ctr"/>
+            <a:endParaRPr lang="de-DE" sz="3200" dirty="0">
+              <a:solidFill>
+                <a:schemeClr val="bg1"/>
+              </a:solidFill>
+              <a:latin typeface="Consolas" panose="020B0609020204030204" pitchFamily="49" charset="0"/>
+            </a:endParaRPr>
+          </a:p>
+          <a:p>
+            <a:pPr algn="ctr"/>
+            <a:endParaRPr lang="de-DE" sz="3200" dirty="0">
+              <a:solidFill>
+                <a:schemeClr val="bg1"/>
+              </a:solidFill>
+              <a:latin typeface="Consolas" panose="020B0609020204030204" pitchFamily="49" charset="0"/>
+            </a:endParaRPr>
+          </a:p>
+          <a:p>
+            <a:pPr algn="ctr"/>
+            <a:endParaRPr lang="de-DE" sz="3200" b="0" dirty="0">
+              <a:solidFill>
+                <a:schemeClr val="bg1"/>
+              </a:solidFill>
+              <a:effectLst/>
+              <a:latin typeface="Consolas" panose="020B0609020204030204" pitchFamily="49" charset="0"/>
+            </a:endParaRPr>
+          </a:p>
+          <a:p>
+            <a:pPr algn="ctr"/>
+            <a:endParaRPr lang="de-DE" sz="3200" b="0" dirty="0">
+              <a:solidFill>
+                <a:schemeClr val="bg1"/>
+              </a:solidFill>
+              <a:effectLst/>
+              <a:latin typeface="Consolas" panose="020B0609020204030204" pitchFamily="49" charset="0"/>
+            </a:endParaRPr>
+          </a:p>
+          <a:p>
+            <a:pPr algn="ctr"/>
+            <a:endParaRPr lang="de-DE" dirty="0">
+              <a:solidFill>
+                <a:schemeClr val="bg1"/>
+              </a:solidFill>
+              <a:sym typeface="Wingdings" panose="05000000000000000000" pitchFamily="2" charset="2"/>
+            </a:endParaRPr>
+          </a:p>
+          <a:p>
+            <a:pPr algn="ctr"/>
+            <a:endParaRPr lang="de-DE" dirty="0">
+              <a:solidFill>
+                <a:schemeClr val="bg1"/>
+              </a:solidFill>
+              <a:sym typeface="Wingdings" panose="05000000000000000000" pitchFamily="2" charset="2"/>
+            </a:endParaRPr>
+          </a:p>
+          <a:p>
+            <a:pPr algn="ctr"/>
+            <a:endParaRPr lang="de-DE" dirty="0">
+              <a:solidFill>
+                <a:schemeClr val="bg1"/>
+              </a:solidFill>
+              <a:sym typeface="Wingdings" panose="05000000000000000000" pitchFamily="2" charset="2"/>
+            </a:endParaRPr>
+          </a:p>
+          <a:p>
+            <a:pPr algn="ctr"/>
+            <a:endParaRPr lang="de-DE" sz="2000" dirty="0">
+              <a:solidFill>
+                <a:schemeClr val="bg1"/>
+              </a:solidFill>
+              <a:sym typeface="Wingdings" panose="05000000000000000000" pitchFamily="2" charset="2"/>
+            </a:endParaRPr>
+          </a:p>
+          <a:p>
+            <a:pPr algn="ctr"/>
+            <a:r>
+              <a:rPr lang="de-DE" sz="2000" dirty="0">
+                <a:solidFill>
+                  <a:schemeClr val="bg1"/>
+                </a:solidFill>
+                <a:sym typeface="Wingdings" panose="05000000000000000000" pitchFamily="2" charset="2"/>
+              </a:rPr>
+              <a:t>Bitte die </a:t>
+            </a:r>
+            <a:r>
+              <a:rPr lang="de-DE" sz="2000" b="1" dirty="0">
+                <a:solidFill>
+                  <a:schemeClr val="bg1"/>
+                </a:solidFill>
+                <a:sym typeface="Wingdings" panose="05000000000000000000" pitchFamily="2" charset="2"/>
+              </a:rPr>
+              <a:t>LEERTASTE</a:t>
+            </a:r>
+            <a:r>
+              <a:rPr lang="de-DE" sz="2000" dirty="0">
+                <a:solidFill>
+                  <a:schemeClr val="bg1"/>
+                </a:solidFill>
+                <a:sym typeface="Wingdings" panose="05000000000000000000" pitchFamily="2" charset="2"/>
+              </a:rPr>
+              <a:t> drücken, um fortzufahren</a:t>
+            </a:r>
+            <a:endParaRPr lang="de-DE" sz="2000" dirty="0">
+              <a:solidFill>
+                <a:schemeClr val="bg1"/>
+              </a:solidFill>
+            </a:endParaRPr>
+          </a:p>
+        </p:txBody>
+      </p:sp>
+      <p:pic>
+        <p:nvPicPr>
+          <p:cNvPr id="3" name="Grafik 2" descr="Ein Bild, das Screenshot, PC-Spiel, Spielesoftware, Kugel enthält.&#10;&#10;Automatisch generierte Beschreibung">
+            <a:extLst>
+              <a:ext uri="{FF2B5EF4-FFF2-40B4-BE49-F238E27FC236}">
+                <a16:creationId xmlns:a16="http://schemas.microsoft.com/office/drawing/2014/main" id="{B1104E6B-BA67-5763-B5DF-F545A38F5291}"/>
+              </a:ext>
+            </a:extLst>
+          </p:cNvPr>
+          <p:cNvPicPr>
+            <a:picLocks noChangeAspect="1"/>
+          </p:cNvPicPr>
+          <p:nvPr/>
+        </p:nvPicPr>
+        <p:blipFill>
+          <a:blip r:embed="rId2">
+            <a:extLst>
+              <a:ext uri="{28A0092B-C50C-407E-A947-70E740481C1C}">
+                <a14:useLocalDpi xmlns:a14="http://schemas.microsoft.com/office/drawing/2010/main" val="0"/>
+              </a:ext>
+            </a:extLst>
+          </a:blip>
+          <a:stretch>
+            <a:fillRect/>
+          </a:stretch>
+        </p:blipFill>
+        <p:spPr>
+          <a:xfrm>
+            <a:off x="2941607" y="1789294"/>
+            <a:ext cx="5231052" cy="4033535"/>
+          </a:xfrm>
+          <a:prstGeom prst="rect">
+            <a:avLst/>
+          </a:prstGeom>
+        </p:spPr>
+      </p:pic>
+      <p:sp>
+        <p:nvSpPr>
+          <p:cNvPr id="5" name="Ellipse 4">
+            <a:extLst>
+              <a:ext uri="{FF2B5EF4-FFF2-40B4-BE49-F238E27FC236}">
+                <a16:creationId xmlns:a16="http://schemas.microsoft.com/office/drawing/2014/main" id="{C8BE9D28-2E2C-2FCB-1F97-057682E6CFB2}"/>
+              </a:ext>
+            </a:extLst>
+          </p:cNvPr>
+          <p:cNvSpPr/>
+          <p:nvPr/>
+        </p:nvSpPr>
+        <p:spPr>
+          <a:xfrm>
+            <a:off x="3485072" y="3873260"/>
+            <a:ext cx="1190445" cy="1069676"/>
+          </a:xfrm>
+          <a:prstGeom prst="ellipse">
+            <a:avLst/>
+          </a:prstGeom>
+          <a:noFill/>
+          <a:ln w="38100">
+            <a:solidFill>
+              <a:srgbClr val="FF0000"/>
+            </a:solidFill>
+          </a:ln>
+        </p:spPr>
+        <p:style>
+          <a:lnRef idx="2">
+            <a:schemeClr val="accent1">
+              <a:shade val="15000"/>
+            </a:schemeClr>
+          </a:lnRef>
+          <a:fillRef idx="1">
+            <a:schemeClr val="accent1"/>
+          </a:fillRef>
+          <a:effectRef idx="0">
+            <a:schemeClr val="accent1"/>
+          </a:effectRef>
+          <a:fontRef idx="minor">
+            <a:schemeClr val="lt1"/>
+          </a:fontRef>
+        </p:style>
+        <p:txBody>
+          <a:bodyPr rtlCol="0" anchor="ctr"/>
+          <a:lstStyle/>
+          <a:p>
+            <a:pPr algn="ctr"/>
+            <a:endParaRPr lang="de-DE"/>
+          </a:p>
+        </p:txBody>
+      </p:sp>
+      <p:sp>
+        <p:nvSpPr>
+          <p:cNvPr id="6" name="Ellipse 5">
+            <a:extLst>
+              <a:ext uri="{FF2B5EF4-FFF2-40B4-BE49-F238E27FC236}">
+                <a16:creationId xmlns:a16="http://schemas.microsoft.com/office/drawing/2014/main" id="{9406CBDF-1924-331B-E910-D349FA470AE6}"/>
+              </a:ext>
+            </a:extLst>
+          </p:cNvPr>
+          <p:cNvSpPr/>
+          <p:nvPr/>
+        </p:nvSpPr>
+        <p:spPr>
+          <a:xfrm>
+            <a:off x="7382775" y="3806061"/>
+            <a:ext cx="267419" cy="258793"/>
+          </a:xfrm>
+          <a:prstGeom prst="ellipse">
+            <a:avLst/>
+          </a:prstGeom>
+          <a:noFill/>
+          <a:ln w="28575">
+            <a:solidFill>
+              <a:srgbClr val="FF0000"/>
+            </a:solidFill>
+          </a:ln>
+        </p:spPr>
+        <p:style>
+          <a:lnRef idx="2">
+            <a:schemeClr val="accent1">
+              <a:shade val="15000"/>
+            </a:schemeClr>
+          </a:lnRef>
+          <a:fillRef idx="1">
+            <a:schemeClr val="accent1"/>
+          </a:fillRef>
+          <a:effectRef idx="0">
+            <a:schemeClr val="accent1"/>
+          </a:effectRef>
+          <a:fontRef idx="minor">
+            <a:schemeClr val="lt1"/>
+          </a:fontRef>
+        </p:style>
+        <p:txBody>
+          <a:bodyPr rtlCol="0" anchor="ctr"/>
+          <a:lstStyle/>
+          <a:p>
+            <a:pPr algn="ctr"/>
+            <a:endParaRPr lang="de-DE"/>
+          </a:p>
+        </p:txBody>
+      </p:sp>
+    </p:spTree>
+    <p:extLst>
+      <p:ext uri="{BB962C8B-B14F-4D97-AF65-F5344CB8AC3E}">
+        <p14:creationId xmlns:p14="http://schemas.microsoft.com/office/powerpoint/2010/main" val="213496071"/>
+      </p:ext>
+    </p:extLst>
+  </p:cSld>
+  <p:clrMapOvr>
+    <a:masterClrMapping/>
+  </p:clrMapOvr>
+</p:sld>
+</file>
+
+<file path=ppt/slides/slide32.xml><?xml version="1.0" encoding="utf-8"?>
+<p:sld xmlns:a="http://schemas.openxmlformats.org/drawingml/2006/main" xmlns:r="http://schemas.openxmlformats.org/officeDocument/2006/relationships" xmlns:p="http://schemas.openxmlformats.org/presentationml/2006/main">
+  <p:cSld>
+    <p:bg>
+      <p:bgPr>
+        <a:solidFill>
+          <a:schemeClr val="tx1"/>
+        </a:solidFill>
+        <a:effectLst/>
+      </p:bgPr>
+    </p:bg>
+    <p:spTree>
+      <p:nvGrpSpPr>
+        <p:cNvPr id="1" name="">
+          <a:extLst>
+            <a:ext uri="{FF2B5EF4-FFF2-40B4-BE49-F238E27FC236}">
               <a16:creationId xmlns:a16="http://schemas.microsoft.com/office/drawing/2014/main" id="{3EFE3318-6E5D-0A81-F427-A84F2C3E0696}"/>
             </a:ext>
           </a:extLst>
@@ -11072,7 +11205,7 @@
 </p:sld>
 </file>
 
-<file path=ppt/slides/slide31.xml><?xml version="1.0" encoding="utf-8"?>
+<file path=ppt/slides/slide33.xml><?xml version="1.0" encoding="utf-8"?>
 <p:sld xmlns:a="http://schemas.openxmlformats.org/drawingml/2006/main" xmlns:r="http://schemas.openxmlformats.org/officeDocument/2006/relationships" xmlns:p="http://schemas.openxmlformats.org/presentationml/2006/main">
   <p:cSld>
     <p:bg>
@@ -11300,7 +11433,7 @@
                 <a:effectLst/>
                 <a:latin typeface="Consolas" panose="020B0609020204030204" pitchFamily="49" charset="0"/>
               </a:rPr>
-              <a:t>Sie dürfen heute ein Spiel in mehreren Blöcken Spielen</a:t>
+              <a:t>Sie spielen heute ein Computerspiel in mehreren Blöcken.</a:t>
             </a:r>
           </a:p>
           <a:p>
@@ -12032,7 +12165,7 @@
         <p:cNvPr id="1" name="">
           <a:extLst>
             <a:ext uri="{FF2B5EF4-FFF2-40B4-BE49-F238E27FC236}">
-              <a16:creationId xmlns:a16="http://schemas.microsoft.com/office/drawing/2014/main" id="{B25867C5-31EE-2747-E375-9235E74EB9AD}"/>
+              <a16:creationId xmlns:a16="http://schemas.microsoft.com/office/drawing/2014/main" id="{9CDF492C-E7B5-33D0-875F-C210E2FC9007}"/>
             </a:ext>
           </a:extLst>
         </p:cNvPr>
@@ -12047,12 +12180,42 @@
           <a:chExt cx="0" cy="0"/>
         </a:xfrm>
       </p:grpSpPr>
+      <p:pic>
+        <p:nvPicPr>
+          <p:cNvPr id="6" name="Grafik 5">
+            <a:extLst>
+              <a:ext uri="{FF2B5EF4-FFF2-40B4-BE49-F238E27FC236}">
+                <a16:creationId xmlns:a16="http://schemas.microsoft.com/office/drawing/2014/main" id="{CD5B1770-3348-31E7-34F4-2E03906641AC}"/>
+              </a:ext>
+            </a:extLst>
+          </p:cNvPr>
+          <p:cNvPicPr>
+            <a:picLocks noChangeAspect="1"/>
+          </p:cNvPicPr>
+          <p:nvPr/>
+        </p:nvPicPr>
+        <p:blipFill>
+          <a:blip r:embed="rId2"/>
+          <a:stretch>
+            <a:fillRect/>
+          </a:stretch>
+        </p:blipFill>
+        <p:spPr>
+          <a:xfrm>
+            <a:off x="3233937" y="2167585"/>
+            <a:ext cx="4598848" cy="3411352"/>
+          </a:xfrm>
+          <a:prstGeom prst="rect">
+            <a:avLst/>
+          </a:prstGeom>
+        </p:spPr>
+      </p:pic>
       <p:sp>
         <p:nvSpPr>
           <p:cNvPr id="4" name="Textfeld 3">
             <a:extLst>
               <a:ext uri="{FF2B5EF4-FFF2-40B4-BE49-F238E27FC236}">
-                <a16:creationId xmlns:a16="http://schemas.microsoft.com/office/drawing/2014/main" id="{D191F11D-095D-DC95-90F9-C136253207C7}"/>
+                <a16:creationId xmlns:a16="http://schemas.microsoft.com/office/drawing/2014/main" id="{14F964C2-C383-11D3-840D-72EDD71AF7B7}"/>
               </a:ext>
             </a:extLst>
           </p:cNvPr>
@@ -12094,17 +12257,17 @@
                 <a:effectLst/>
                 <a:latin typeface="Consolas" panose="020B0609020204030204" pitchFamily="49" charset="0"/>
               </a:rPr>
-              <a:t>nach links oder rechts zu steuern, um die an einer zufälligen Stelle erscheinende </a:t>
+              <a:t>nach links oder rechts zu steuern, um auf das an einer zufälligen Stelle erscheinende</a:t>
             </a:r>
             <a:r>
               <a:rPr lang="de-DE" sz="3000" b="0" dirty="0">
                 <a:solidFill>
-                  <a:srgbClr val="FF0000"/>
-                </a:solidFill>
-                <a:effectLst/>
-                <a:latin typeface="Consolas" panose="020B0609020204030204" pitchFamily="49" charset="0"/>
-              </a:rPr>
-              <a:t>Kreatur</a:t>
+                  <a:srgbClr val="FFFF00"/>
+                </a:solidFill>
+                <a:effectLst/>
+                <a:latin typeface="Consolas" panose="020B0609020204030204" pitchFamily="49" charset="0"/>
+              </a:rPr>
+              <a:t> Ziel </a:t>
             </a:r>
             <a:r>
               <a:rPr lang="de-DE" sz="3000" b="0" dirty="0">
@@ -12114,7 +12277,7 @@
                 <a:effectLst/>
                 <a:latin typeface="Consolas" panose="020B0609020204030204" pitchFamily="49" charset="0"/>
               </a:rPr>
-              <a:t> zu erschießen.</a:t>
+              <a:t>zu schießen.</a:t>
             </a:r>
           </a:p>
           <a:p>
@@ -12159,7 +12322,7 @@
             <a:pPr algn="ctr"/>
             <a:endParaRPr lang="de-DE" sz="3200" b="0" dirty="0">
               <a:solidFill>
-                <a:schemeClr val="bg1"/>
+                <a:srgbClr val="7030A0"/>
               </a:solidFill>
               <a:effectLst/>
               <a:latin typeface="Consolas" panose="020B0609020204030204" pitchFamily="49" charset="0"/>
@@ -12238,48 +12401,12 @@
           </a:p>
         </p:txBody>
       </p:sp>
-      <p:pic>
-        <p:nvPicPr>
-          <p:cNvPr id="3" name="Grafik 2" descr="Ein Bild, das Screenshot, PC-Spiel, 3D-Modellierung, Digitales Compositing enthält.&#10;&#10;Automatisch generierte Beschreibung">
-            <a:extLst>
-              <a:ext uri="{FF2B5EF4-FFF2-40B4-BE49-F238E27FC236}">
-                <a16:creationId xmlns:a16="http://schemas.microsoft.com/office/drawing/2014/main" id="{0ED68A27-946B-E001-7E1E-A64DC3BC62F9}"/>
-              </a:ext>
-            </a:extLst>
-          </p:cNvPr>
-          <p:cNvPicPr>
-            <a:picLocks noChangeAspect="1"/>
-          </p:cNvPicPr>
-          <p:nvPr/>
-        </p:nvPicPr>
-        <p:blipFill>
-          <a:blip r:embed="rId2">
-            <a:extLst>
-              <a:ext uri="{28A0092B-C50C-407E-A947-70E740481C1C}">
-                <a14:useLocalDpi xmlns:a14="http://schemas.microsoft.com/office/drawing/2010/main" val="0"/>
-              </a:ext>
-            </a:extLst>
-          </a:blip>
-          <a:stretch>
-            <a:fillRect/>
-          </a:stretch>
-        </p:blipFill>
-        <p:spPr>
-          <a:xfrm>
-            <a:off x="3287490" y="2124363"/>
-            <a:ext cx="4496815" cy="3477490"/>
-          </a:xfrm>
-          <a:prstGeom prst="rect">
-            <a:avLst/>
-          </a:prstGeom>
-        </p:spPr>
-      </p:pic>
       <p:sp>
         <p:nvSpPr>
           <p:cNvPr id="2" name="Ellipse 1">
             <a:extLst>
               <a:ext uri="{FF2B5EF4-FFF2-40B4-BE49-F238E27FC236}">
-                <a16:creationId xmlns:a16="http://schemas.microsoft.com/office/drawing/2014/main" id="{DF804A5F-831E-DA75-E0A9-14FAAD7C1A09}"/>
+                <a16:creationId xmlns:a16="http://schemas.microsoft.com/office/drawing/2014/main" id="{A1E4ACF7-48D4-E779-E682-F1F4C4DDBCC2}"/>
               </a:ext>
             </a:extLst>
           </p:cNvPr>
@@ -12288,8 +12415,8 @@
         </p:nvSpPr>
         <p:spPr>
           <a:xfrm>
-            <a:off x="6096000" y="3700732"/>
-            <a:ext cx="632604" cy="595223"/>
+            <a:off x="6592165" y="3683480"/>
+            <a:ext cx="481495" cy="526210"/>
           </a:xfrm>
           <a:prstGeom prst="ellipse">
             <a:avLst/>
@@ -12297,7 +12424,7 @@
           <a:noFill/>
           <a:ln w="38100">
             <a:solidFill>
-              <a:srgbClr val="FF0000"/>
+              <a:srgbClr val="FFFF00"/>
             </a:solidFill>
           </a:ln>
         </p:spPr>
@@ -12329,7 +12456,7 @@
     </p:spTree>
     <p:extLst>
       <p:ext uri="{BB962C8B-B14F-4D97-AF65-F5344CB8AC3E}">
-        <p14:creationId xmlns:p14="http://schemas.microsoft.com/office/powerpoint/2010/main" val="2376988713"/>
+        <p14:creationId xmlns:p14="http://schemas.microsoft.com/office/powerpoint/2010/main" val="790045012"/>
       </p:ext>
     </p:extLst>
   </p:cSld>

--- a/exp_img/instructions.pptx
+++ b/exp_img/instructions.pptx
@@ -291,7 +291,7 @@
           <a:p>
             <a:fld id="{9583AF26-4D68-42D5-A917-CD55DA578274}" type="datetimeFigureOut">
               <a:rPr lang="de-DE" smtClean="0"/>
-              <a:t>12.02.2025</a:t>
+              <a:t>17.03.2025</a:t>
             </a:fld>
             <a:endParaRPr lang="de-DE"/>
           </a:p>
@@ -489,7 +489,7 @@
           <a:p>
             <a:fld id="{9583AF26-4D68-42D5-A917-CD55DA578274}" type="datetimeFigureOut">
               <a:rPr lang="de-DE" smtClean="0"/>
-              <a:t>12.02.2025</a:t>
+              <a:t>17.03.2025</a:t>
             </a:fld>
             <a:endParaRPr lang="de-DE"/>
           </a:p>
@@ -697,7 +697,7 @@
           <a:p>
             <a:fld id="{9583AF26-4D68-42D5-A917-CD55DA578274}" type="datetimeFigureOut">
               <a:rPr lang="de-DE" smtClean="0"/>
-              <a:t>12.02.2025</a:t>
+              <a:t>17.03.2025</a:t>
             </a:fld>
             <a:endParaRPr lang="de-DE"/>
           </a:p>
@@ -895,7 +895,7 @@
           <a:p>
             <a:fld id="{9583AF26-4D68-42D5-A917-CD55DA578274}" type="datetimeFigureOut">
               <a:rPr lang="de-DE" smtClean="0"/>
-              <a:t>12.02.2025</a:t>
+              <a:t>17.03.2025</a:t>
             </a:fld>
             <a:endParaRPr lang="de-DE"/>
           </a:p>
@@ -1170,7 +1170,7 @@
           <a:p>
             <a:fld id="{9583AF26-4D68-42D5-A917-CD55DA578274}" type="datetimeFigureOut">
               <a:rPr lang="de-DE" smtClean="0"/>
-              <a:t>12.02.2025</a:t>
+              <a:t>17.03.2025</a:t>
             </a:fld>
             <a:endParaRPr lang="de-DE"/>
           </a:p>
@@ -1435,7 +1435,7 @@
           <a:p>
             <a:fld id="{9583AF26-4D68-42D5-A917-CD55DA578274}" type="datetimeFigureOut">
               <a:rPr lang="de-DE" smtClean="0"/>
-              <a:t>12.02.2025</a:t>
+              <a:t>17.03.2025</a:t>
             </a:fld>
             <a:endParaRPr lang="de-DE"/>
           </a:p>
@@ -1847,7 +1847,7 @@
           <a:p>
             <a:fld id="{9583AF26-4D68-42D5-A917-CD55DA578274}" type="datetimeFigureOut">
               <a:rPr lang="de-DE" smtClean="0"/>
-              <a:t>12.02.2025</a:t>
+              <a:t>17.03.2025</a:t>
             </a:fld>
             <a:endParaRPr lang="de-DE"/>
           </a:p>
@@ -1988,7 +1988,7 @@
           <a:p>
             <a:fld id="{9583AF26-4D68-42D5-A917-CD55DA578274}" type="datetimeFigureOut">
               <a:rPr lang="de-DE" smtClean="0"/>
-              <a:t>12.02.2025</a:t>
+              <a:t>17.03.2025</a:t>
             </a:fld>
             <a:endParaRPr lang="de-DE"/>
           </a:p>
@@ -2101,7 +2101,7 @@
           <a:p>
             <a:fld id="{9583AF26-4D68-42D5-A917-CD55DA578274}" type="datetimeFigureOut">
               <a:rPr lang="de-DE" smtClean="0"/>
-              <a:t>12.02.2025</a:t>
+              <a:t>17.03.2025</a:t>
             </a:fld>
             <a:endParaRPr lang="de-DE"/>
           </a:p>
@@ -2412,7 +2412,7 @@
           <a:p>
             <a:fld id="{9583AF26-4D68-42D5-A917-CD55DA578274}" type="datetimeFigureOut">
               <a:rPr lang="de-DE" smtClean="0"/>
-              <a:t>12.02.2025</a:t>
+              <a:t>17.03.2025</a:t>
             </a:fld>
             <a:endParaRPr lang="de-DE"/>
           </a:p>
@@ -2700,7 +2700,7 @@
           <a:p>
             <a:fld id="{9583AF26-4D68-42D5-A917-CD55DA578274}" type="datetimeFigureOut">
               <a:rPr lang="de-DE" smtClean="0"/>
-              <a:t>12.02.2025</a:t>
+              <a:t>17.03.2025</a:t>
             </a:fld>
             <a:endParaRPr lang="de-DE"/>
           </a:p>
@@ -2941,7 +2941,7 @@
           <a:p>
             <a:fld id="{9583AF26-4D68-42D5-A917-CD55DA578274}" type="datetimeFigureOut">
               <a:rPr lang="de-DE" smtClean="0"/>
-              <a:t>12.02.2025</a:t>
+              <a:t>17.03.2025</a:t>
             </a:fld>
             <a:endParaRPr lang="de-DE"/>
           </a:p>
@@ -3400,6 +3400,9 @@
                 <a:solidFill>
                   <a:schemeClr val="bg1"/>
                 </a:solidFill>
+                <a:latin typeface="Noto Sans" panose="020B0502040504020204" pitchFamily="34"/>
+                <a:ea typeface="Noto Sans" panose="020B0502040504020204" pitchFamily="34"/>
+                <a:cs typeface="Noto Sans" panose="020B0502040504020204" pitchFamily="34"/>
               </a:rPr>
               <a:t>Hallo  </a:t>
             </a:r>
@@ -3408,6 +3411,9 @@
                 <a:solidFill>
                   <a:schemeClr val="bg1"/>
                 </a:solidFill>
+                <a:latin typeface="Noto Sans" panose="020B0502040504020204" pitchFamily="34"/>
+                <a:ea typeface="Noto Sans" panose="020B0502040504020204" pitchFamily="34"/>
+                <a:cs typeface="Noto Sans" panose="020B0502040504020204" pitchFamily="34"/>
                 <a:sym typeface="Wingdings" panose="05000000000000000000" pitchFamily="2" charset="2"/>
               </a:rPr>
               <a:t> </a:t>
@@ -3437,6 +3443,9 @@
               <a:solidFill>
                 <a:schemeClr val="bg1"/>
               </a:solidFill>
+              <a:latin typeface="Noto Sans" panose="020B0502040504020204" pitchFamily="34"/>
+              <a:ea typeface="Noto Sans" panose="020B0502040504020204" pitchFamily="34"/>
+              <a:cs typeface="Noto Sans" panose="020B0502040504020204" pitchFamily="34"/>
               <a:sym typeface="Wingdings" panose="05000000000000000000" pitchFamily="2" charset="2"/>
             </a:endParaRPr>
           </a:p>
@@ -3447,6 +3456,9 @@
                 <a:solidFill>
                   <a:schemeClr val="bg1"/>
                 </a:solidFill>
+                <a:latin typeface="Noto Sans" panose="020B0502040504020204" pitchFamily="34"/>
+                <a:ea typeface="Noto Sans" panose="020B0502040504020204" pitchFamily="34"/>
+                <a:cs typeface="Noto Sans" panose="020B0502040504020204" pitchFamily="34"/>
                 <a:sym typeface="Wingdings" panose="05000000000000000000" pitchFamily="2" charset="2"/>
               </a:rPr>
               <a:t>Bitte die </a:t>
@@ -3456,6 +3468,9 @@
                 <a:solidFill>
                   <a:schemeClr val="bg1"/>
                 </a:solidFill>
+                <a:latin typeface="Noto Sans" panose="020B0502040504020204" pitchFamily="34"/>
+                <a:ea typeface="Noto Sans" panose="020B0502040504020204" pitchFamily="34"/>
+                <a:cs typeface="Noto Sans" panose="020B0502040504020204" pitchFamily="34"/>
                 <a:sym typeface="Wingdings" panose="05000000000000000000" pitchFamily="2" charset="2"/>
               </a:rPr>
               <a:t>LEERTASTE</a:t>
@@ -3465,6 +3480,9 @@
                 <a:solidFill>
                   <a:schemeClr val="bg1"/>
                 </a:solidFill>
+                <a:latin typeface="Noto Sans" panose="020B0502040504020204" pitchFamily="34"/>
+                <a:ea typeface="Noto Sans" panose="020B0502040504020204" pitchFamily="34"/>
+                <a:cs typeface="Noto Sans" panose="020B0502040504020204" pitchFamily="34"/>
                 <a:sym typeface="Wingdings" panose="05000000000000000000" pitchFamily="2" charset="2"/>
               </a:rPr>
               <a:t> drücken, um fortzufahren</a:t>
@@ -3473,6 +3491,9 @@
               <a:solidFill>
                 <a:schemeClr val="bg1"/>
               </a:solidFill>
+              <a:latin typeface="Noto Sans" panose="020B0502040504020204" pitchFamily="34"/>
+              <a:ea typeface="Noto Sans" panose="020B0502040504020204" pitchFamily="34"/>
+              <a:cs typeface="Noto Sans" panose="020B0502040504020204" pitchFamily="34"/>
             </a:endParaRPr>
           </a:p>
         </p:txBody>
@@ -3536,7 +3557,7 @@
         <p:spPr>
           <a:xfrm>
             <a:off x="1240672" y="461250"/>
-            <a:ext cx="9710656" cy="5847755"/>
+            <a:ext cx="9533720" cy="5539978"/>
           </a:xfrm>
           <a:prstGeom prst="rect">
             <a:avLst/>
@@ -3556,7 +3577,9 @@
                   <a:schemeClr val="bg1"/>
                 </a:solidFill>
                 <a:effectLst/>
-                <a:latin typeface="Consolas" panose="020B0609020204030204" pitchFamily="49" charset="0"/>
+                <a:latin typeface="Noto Sans" panose="020B0502040504020204" pitchFamily="34"/>
+                <a:ea typeface="Noto Sans" panose="020B0502040504020204" pitchFamily="34"/>
+                <a:cs typeface="Noto Sans" panose="020B0502040504020204" pitchFamily="34"/>
               </a:rPr>
               <a:t>Sie bewegen sich mit den Tasten </a:t>
             </a:r>
@@ -3566,7 +3589,9 @@
                   <a:schemeClr val="bg1"/>
                 </a:solidFill>
                 <a:effectLst/>
-                <a:latin typeface="Consolas" panose="020B0609020204030204" pitchFamily="49" charset="0"/>
+                <a:latin typeface="Noto Sans" panose="020B0502040504020204" pitchFamily="34"/>
+                <a:ea typeface="Noto Sans" panose="020B0502040504020204" pitchFamily="34"/>
+                <a:cs typeface="Noto Sans" panose="020B0502040504020204" pitchFamily="34"/>
               </a:rPr>
               <a:t>A</a:t>
             </a:r>
@@ -3576,7 +3601,9 @@
                   <a:schemeClr val="bg1"/>
                 </a:solidFill>
                 <a:effectLst/>
-                <a:latin typeface="Consolas" panose="020B0609020204030204" pitchFamily="49" charset="0"/>
+                <a:latin typeface="Noto Sans" panose="020B0502040504020204" pitchFamily="34"/>
+                <a:ea typeface="Noto Sans" panose="020B0502040504020204" pitchFamily="34"/>
+                <a:cs typeface="Noto Sans" panose="020B0502040504020204" pitchFamily="34"/>
               </a:rPr>
               <a:t> und </a:t>
             </a:r>
@@ -3586,7 +3613,9 @@
                   <a:schemeClr val="bg1"/>
                 </a:solidFill>
                 <a:effectLst/>
-                <a:latin typeface="Consolas" panose="020B0609020204030204" pitchFamily="49" charset="0"/>
+                <a:latin typeface="Noto Sans" panose="020B0502040504020204" pitchFamily="34"/>
+                <a:ea typeface="Noto Sans" panose="020B0502040504020204" pitchFamily="34"/>
+                <a:cs typeface="Noto Sans" panose="020B0502040504020204" pitchFamily="34"/>
               </a:rPr>
               <a:t>D </a:t>
             </a:r>
@@ -3596,7 +3625,9 @@
                   <a:schemeClr val="bg1"/>
                 </a:solidFill>
                 <a:effectLst/>
-                <a:latin typeface="Consolas" panose="020B0609020204030204" pitchFamily="49" charset="0"/>
+                <a:latin typeface="Noto Sans" panose="020B0502040504020204" pitchFamily="34"/>
+                <a:ea typeface="Noto Sans" panose="020B0502040504020204" pitchFamily="34"/>
+                <a:cs typeface="Noto Sans" panose="020B0502040504020204" pitchFamily="34"/>
               </a:rPr>
               <a:t>nach links und rechts</a:t>
             </a:r>
@@ -3606,7 +3637,9 @@
                   <a:schemeClr val="bg1"/>
                 </a:solidFill>
                 <a:effectLst/>
-                <a:latin typeface="Consolas" panose="020B0609020204030204" pitchFamily="49" charset="0"/>
+                <a:latin typeface="Noto Sans" panose="020B0502040504020204" pitchFamily="34"/>
+                <a:ea typeface="Noto Sans" panose="020B0502040504020204" pitchFamily="34"/>
+                <a:cs typeface="Noto Sans" panose="020B0502040504020204" pitchFamily="34"/>
               </a:rPr>
               <a:t>, Sie schießen mit der STRG-Taste. </a:t>
             </a:r>
@@ -3618,7 +3651,9 @@
                 <a:schemeClr val="bg1"/>
               </a:solidFill>
               <a:effectLst/>
-              <a:latin typeface="Consolas" panose="020B0609020204030204" pitchFamily="49" charset="0"/>
+              <a:latin typeface="Noto Sans" panose="020B0502040504020204" pitchFamily="34"/>
+              <a:ea typeface="Noto Sans" panose="020B0502040504020204" pitchFamily="34"/>
+              <a:cs typeface="Noto Sans" panose="020B0502040504020204" pitchFamily="34"/>
             </a:endParaRPr>
           </a:p>
           <a:p>
@@ -3629,7 +3664,9 @@
                   <a:schemeClr val="bg1"/>
                 </a:solidFill>
                 <a:effectLst/>
-                <a:latin typeface="Consolas" panose="020B0609020204030204" pitchFamily="49" charset="0"/>
+                <a:latin typeface="Noto Sans" panose="020B0502040504020204" pitchFamily="34"/>
+                <a:ea typeface="Noto Sans" panose="020B0502040504020204" pitchFamily="34"/>
+                <a:cs typeface="Noto Sans" panose="020B0502040504020204" pitchFamily="34"/>
               </a:rPr>
               <a:t>Legen Sie nun bitte </a:t>
             </a:r>
@@ -3639,7 +3676,9 @@
                   <a:srgbClr val="FFFF00"/>
                 </a:solidFill>
                 <a:effectLst/>
-                <a:latin typeface="Consolas" panose="020B0609020204030204" pitchFamily="49" charset="0"/>
+                <a:latin typeface="Noto Sans" panose="020B0502040504020204" pitchFamily="34"/>
+                <a:ea typeface="Noto Sans" panose="020B0502040504020204" pitchFamily="34"/>
+                <a:cs typeface="Noto Sans" panose="020B0502040504020204" pitchFamily="34"/>
               </a:rPr>
               <a:t>Zeige</a:t>
             </a:r>
@@ -3649,7 +3688,9 @@
                   <a:schemeClr val="bg1"/>
                 </a:solidFill>
                 <a:effectLst/>
-                <a:latin typeface="Consolas" panose="020B0609020204030204" pitchFamily="49" charset="0"/>
+                <a:latin typeface="Noto Sans" panose="020B0502040504020204" pitchFamily="34"/>
+                <a:ea typeface="Noto Sans" panose="020B0502040504020204" pitchFamily="34"/>
+                <a:cs typeface="Noto Sans" panose="020B0502040504020204" pitchFamily="34"/>
               </a:rPr>
               <a:t>- und </a:t>
             </a:r>
@@ -3659,7 +3700,9 @@
                   <a:srgbClr val="FF0000"/>
                 </a:solidFill>
                 <a:effectLst/>
-                <a:latin typeface="Consolas" panose="020B0609020204030204" pitchFamily="49" charset="0"/>
+                <a:latin typeface="Noto Sans" panose="020B0502040504020204" pitchFamily="34"/>
+                <a:ea typeface="Noto Sans" panose="020B0502040504020204" pitchFamily="34"/>
+                <a:cs typeface="Noto Sans" panose="020B0502040504020204" pitchFamily="34"/>
               </a:rPr>
               <a:t>Ring</a:t>
             </a:r>
@@ -3669,7 +3712,9 @@
                   <a:schemeClr val="bg1"/>
                 </a:solidFill>
                 <a:effectLst/>
-                <a:latin typeface="Consolas" panose="020B0609020204030204" pitchFamily="49" charset="0"/>
+                <a:latin typeface="Noto Sans" panose="020B0502040504020204" pitchFamily="34"/>
+                <a:ea typeface="Noto Sans" panose="020B0502040504020204" pitchFamily="34"/>
+                <a:cs typeface="Noto Sans" panose="020B0502040504020204" pitchFamily="34"/>
               </a:rPr>
               <a:t>finger der </a:t>
             </a:r>
@@ -3679,7 +3724,9 @@
                   <a:schemeClr val="bg1"/>
                 </a:solidFill>
                 <a:effectLst/>
-                <a:latin typeface="Consolas" panose="020B0609020204030204" pitchFamily="49" charset="0"/>
+                <a:latin typeface="Noto Sans" panose="020B0502040504020204" pitchFamily="34"/>
+                <a:ea typeface="Noto Sans" panose="020B0502040504020204" pitchFamily="34"/>
+                <a:cs typeface="Noto Sans" panose="020B0502040504020204" pitchFamily="34"/>
               </a:rPr>
               <a:t>linken</a:t>
             </a:r>
@@ -3689,7 +3736,9 @@
                   <a:schemeClr val="bg1"/>
                 </a:solidFill>
                 <a:effectLst/>
-                <a:latin typeface="Consolas" panose="020B0609020204030204" pitchFamily="49" charset="0"/>
+                <a:latin typeface="Noto Sans" panose="020B0502040504020204" pitchFamily="34"/>
+                <a:ea typeface="Noto Sans" panose="020B0502040504020204" pitchFamily="34"/>
+                <a:cs typeface="Noto Sans" panose="020B0502040504020204" pitchFamily="34"/>
               </a:rPr>
               <a:t> Hand auf die Tasten </a:t>
             </a:r>
@@ -3699,7 +3748,9 @@
                   <a:srgbClr val="FF0000"/>
                 </a:solidFill>
                 <a:effectLst/>
-                <a:latin typeface="Consolas" panose="020B0609020204030204" pitchFamily="49" charset="0"/>
+                <a:latin typeface="Noto Sans" panose="020B0502040504020204" pitchFamily="34"/>
+                <a:ea typeface="Noto Sans" panose="020B0502040504020204" pitchFamily="34"/>
+                <a:cs typeface="Noto Sans" panose="020B0502040504020204" pitchFamily="34"/>
               </a:rPr>
               <a:t>A</a:t>
             </a:r>
@@ -3709,7 +3760,9 @@
                   <a:schemeClr val="bg1"/>
                 </a:solidFill>
                 <a:effectLst/>
-                <a:latin typeface="Consolas" panose="020B0609020204030204" pitchFamily="49" charset="0"/>
+                <a:latin typeface="Noto Sans" panose="020B0502040504020204" pitchFamily="34"/>
+                <a:ea typeface="Noto Sans" panose="020B0502040504020204" pitchFamily="34"/>
+                <a:cs typeface="Noto Sans" panose="020B0502040504020204" pitchFamily="34"/>
               </a:rPr>
               <a:t> und </a:t>
             </a:r>
@@ -3719,7 +3772,9 @@
                   <a:srgbClr val="FFFF00"/>
                 </a:solidFill>
                 <a:effectLst/>
-                <a:latin typeface="Consolas" panose="020B0609020204030204" pitchFamily="49" charset="0"/>
+                <a:latin typeface="Noto Sans" panose="020B0502040504020204" pitchFamily="34"/>
+                <a:ea typeface="Noto Sans" panose="020B0502040504020204" pitchFamily="34"/>
+                <a:cs typeface="Noto Sans" panose="020B0502040504020204" pitchFamily="34"/>
               </a:rPr>
               <a:t>D</a:t>
             </a:r>
@@ -3729,7 +3784,9 @@
                   <a:schemeClr val="bg1"/>
                 </a:solidFill>
                 <a:effectLst/>
-                <a:latin typeface="Consolas" panose="020B0609020204030204" pitchFamily="49" charset="0"/>
+                <a:latin typeface="Noto Sans" panose="020B0502040504020204" pitchFamily="34"/>
+                <a:ea typeface="Noto Sans" panose="020B0502040504020204" pitchFamily="34"/>
+                <a:cs typeface="Noto Sans" panose="020B0502040504020204" pitchFamily="34"/>
               </a:rPr>
               <a:t>, den </a:t>
             </a:r>
@@ -3739,7 +3796,9 @@
                   <a:srgbClr val="00B0F0"/>
                 </a:solidFill>
                 <a:effectLst/>
-                <a:latin typeface="Consolas" panose="020B0609020204030204" pitchFamily="49" charset="0"/>
+                <a:latin typeface="Noto Sans" panose="020B0502040504020204" pitchFamily="34"/>
+                <a:ea typeface="Noto Sans" panose="020B0502040504020204" pitchFamily="34"/>
+                <a:cs typeface="Noto Sans" panose="020B0502040504020204" pitchFamily="34"/>
               </a:rPr>
               <a:t>Daumen</a:t>
             </a:r>
@@ -3749,7 +3808,9 @@
                   <a:schemeClr val="bg1"/>
                 </a:solidFill>
                 <a:effectLst/>
-                <a:latin typeface="Consolas" panose="020B0609020204030204" pitchFamily="49" charset="0"/>
+                <a:latin typeface="Noto Sans" panose="020B0502040504020204" pitchFamily="34"/>
+                <a:ea typeface="Noto Sans" panose="020B0502040504020204" pitchFamily="34"/>
+                <a:cs typeface="Noto Sans" panose="020B0502040504020204" pitchFamily="34"/>
               </a:rPr>
               <a:t> der </a:t>
             </a:r>
@@ -3759,7 +3820,9 @@
                   <a:schemeClr val="bg1"/>
                 </a:solidFill>
                 <a:effectLst/>
-                <a:latin typeface="Consolas" panose="020B0609020204030204" pitchFamily="49" charset="0"/>
+                <a:latin typeface="Noto Sans" panose="020B0502040504020204" pitchFamily="34"/>
+                <a:ea typeface="Noto Sans" panose="020B0502040504020204" pitchFamily="34"/>
+                <a:cs typeface="Noto Sans" panose="020B0502040504020204" pitchFamily="34"/>
               </a:rPr>
               <a:t>linken</a:t>
             </a:r>
@@ -3769,7 +3832,9 @@
                   <a:schemeClr val="bg1"/>
                 </a:solidFill>
                 <a:effectLst/>
-                <a:latin typeface="Consolas" panose="020B0609020204030204" pitchFamily="49" charset="0"/>
+                <a:latin typeface="Noto Sans" panose="020B0502040504020204" pitchFamily="34"/>
+                <a:ea typeface="Noto Sans" panose="020B0502040504020204" pitchFamily="34"/>
+                <a:cs typeface="Noto Sans" panose="020B0502040504020204" pitchFamily="34"/>
               </a:rPr>
               <a:t> Hand auf die </a:t>
             </a:r>
@@ -3779,7 +3844,9 @@
                   <a:srgbClr val="00B0F0"/>
                 </a:solidFill>
                 <a:effectLst/>
-                <a:latin typeface="Consolas" panose="020B0609020204030204" pitchFamily="49" charset="0"/>
+                <a:latin typeface="Noto Sans" panose="020B0502040504020204" pitchFamily="34"/>
+                <a:ea typeface="Noto Sans" panose="020B0502040504020204" pitchFamily="34"/>
+                <a:cs typeface="Noto Sans" panose="020B0502040504020204" pitchFamily="34"/>
               </a:rPr>
               <a:t>Leertaste</a:t>
             </a:r>
@@ -3789,7 +3856,9 @@
                   <a:schemeClr val="bg1"/>
                 </a:solidFill>
                 <a:effectLst/>
-                <a:latin typeface="Consolas" panose="020B0609020204030204" pitchFamily="49" charset="0"/>
+                <a:latin typeface="Noto Sans" panose="020B0502040504020204" pitchFamily="34"/>
+                <a:ea typeface="Noto Sans" panose="020B0502040504020204" pitchFamily="34"/>
+                <a:cs typeface="Noto Sans" panose="020B0502040504020204" pitchFamily="34"/>
               </a:rPr>
               <a:t> und einen oder zwei </a:t>
             </a:r>
@@ -3799,7 +3868,9 @@
                   <a:srgbClr val="CC0066"/>
                 </a:solidFill>
                 <a:effectLst/>
-                <a:latin typeface="Consolas" panose="020B0609020204030204" pitchFamily="49" charset="0"/>
+                <a:latin typeface="Noto Sans" panose="020B0502040504020204" pitchFamily="34"/>
+                <a:ea typeface="Noto Sans" panose="020B0502040504020204" pitchFamily="34"/>
+                <a:cs typeface="Noto Sans" panose="020B0502040504020204" pitchFamily="34"/>
               </a:rPr>
               <a:t>Finger</a:t>
             </a:r>
@@ -3809,7 +3880,9 @@
                   <a:schemeClr val="bg1"/>
                 </a:solidFill>
                 <a:effectLst/>
-                <a:latin typeface="Consolas" panose="020B0609020204030204" pitchFamily="49" charset="0"/>
+                <a:latin typeface="Noto Sans" panose="020B0502040504020204" pitchFamily="34"/>
+                <a:ea typeface="Noto Sans" panose="020B0502040504020204" pitchFamily="34"/>
+                <a:cs typeface="Noto Sans" panose="020B0502040504020204" pitchFamily="34"/>
               </a:rPr>
               <a:t> der </a:t>
             </a:r>
@@ -3819,7 +3892,9 @@
                   <a:srgbClr val="CC0066"/>
                 </a:solidFill>
                 <a:effectLst/>
-                <a:latin typeface="Consolas" panose="020B0609020204030204" pitchFamily="49" charset="0"/>
+                <a:latin typeface="Noto Sans" panose="020B0502040504020204" pitchFamily="34"/>
+                <a:ea typeface="Noto Sans" panose="020B0502040504020204" pitchFamily="34"/>
+                <a:cs typeface="Noto Sans" panose="020B0502040504020204" pitchFamily="34"/>
               </a:rPr>
               <a:t>rechten</a:t>
             </a:r>
@@ -3829,7 +3904,9 @@
                   <a:schemeClr val="bg1"/>
                 </a:solidFill>
                 <a:effectLst/>
-                <a:latin typeface="Consolas" panose="020B0609020204030204" pitchFamily="49" charset="0"/>
+                <a:latin typeface="Noto Sans" panose="020B0502040504020204" pitchFamily="34"/>
+                <a:ea typeface="Noto Sans" panose="020B0502040504020204" pitchFamily="34"/>
+                <a:cs typeface="Noto Sans" panose="020B0502040504020204" pitchFamily="34"/>
               </a:rPr>
               <a:t> Hand auf die </a:t>
             </a:r>
@@ -3839,7 +3916,9 @@
                   <a:srgbClr val="CC0066"/>
                 </a:solidFill>
                 <a:effectLst/>
-                <a:latin typeface="Consolas" panose="020B0609020204030204" pitchFamily="49" charset="0"/>
+                <a:latin typeface="Noto Sans" panose="020B0502040504020204" pitchFamily="34"/>
+                <a:ea typeface="Noto Sans" panose="020B0502040504020204" pitchFamily="34"/>
+                <a:cs typeface="Noto Sans" panose="020B0502040504020204" pitchFamily="34"/>
               </a:rPr>
               <a:t>STRG</a:t>
             </a:r>
@@ -3849,7 +3928,9 @@
                   <a:schemeClr val="bg1"/>
                 </a:solidFill>
                 <a:effectLst/>
-                <a:latin typeface="Consolas" panose="020B0609020204030204" pitchFamily="49" charset="0"/>
+                <a:latin typeface="Noto Sans" panose="020B0502040504020204" pitchFamily="34"/>
+                <a:ea typeface="Noto Sans" panose="020B0502040504020204" pitchFamily="34"/>
+                <a:cs typeface="Noto Sans" panose="020B0502040504020204" pitchFamily="34"/>
               </a:rPr>
               <a:t>-Taste rechts unten auf der Tastatur.</a:t>
             </a:r>
@@ -3960,6 +4041,9 @@
                 <a:solidFill>
                   <a:schemeClr val="bg1"/>
                 </a:solidFill>
+                <a:latin typeface="Noto Sans" panose="020B0502040504020204" pitchFamily="34"/>
+                <a:ea typeface="Noto Sans" panose="020B0502040504020204" pitchFamily="34"/>
+                <a:cs typeface="Noto Sans" panose="020B0502040504020204" pitchFamily="34"/>
                 <a:sym typeface="Wingdings" panose="05000000000000000000" pitchFamily="2" charset="2"/>
               </a:rPr>
               <a:t>Bitte die </a:t>
@@ -3969,6 +4053,9 @@
                 <a:solidFill>
                   <a:schemeClr val="bg1"/>
                 </a:solidFill>
+                <a:latin typeface="Noto Sans" panose="020B0502040504020204" pitchFamily="34"/>
+                <a:ea typeface="Noto Sans" panose="020B0502040504020204" pitchFamily="34"/>
+                <a:cs typeface="Noto Sans" panose="020B0502040504020204" pitchFamily="34"/>
                 <a:sym typeface="Wingdings" panose="05000000000000000000" pitchFamily="2" charset="2"/>
               </a:rPr>
               <a:t>LEERTASTE</a:t>
@@ -3978,6 +4065,9 @@
                 <a:solidFill>
                   <a:schemeClr val="bg1"/>
                 </a:solidFill>
+                <a:latin typeface="Noto Sans" panose="020B0502040504020204" pitchFamily="34"/>
+                <a:ea typeface="Noto Sans" panose="020B0502040504020204" pitchFamily="34"/>
+                <a:cs typeface="Noto Sans" panose="020B0502040504020204" pitchFamily="34"/>
                 <a:sym typeface="Wingdings" panose="05000000000000000000" pitchFamily="2" charset="2"/>
               </a:rPr>
               <a:t> drücken, um fortzufahren</a:t>
@@ -3986,6 +4076,9 @@
               <a:solidFill>
                 <a:schemeClr val="bg1"/>
               </a:solidFill>
+              <a:latin typeface="Noto Sans" panose="020B0502040504020204" pitchFamily="34"/>
+              <a:ea typeface="Noto Sans" panose="020B0502040504020204" pitchFamily="34"/>
+              <a:cs typeface="Noto Sans" panose="020B0502040504020204" pitchFamily="34"/>
             </a:endParaRPr>
           </a:p>
         </p:txBody>
@@ -4331,7 +4424,9 @@
                 <a:solidFill>
                   <a:schemeClr val="bg1"/>
                 </a:solidFill>
-                <a:latin typeface="Consolas" panose="020B0609020204030204" pitchFamily="49" charset="0"/>
+                <a:latin typeface="Noto Sans" panose="020B0502040504020204" pitchFamily="34"/>
+                <a:ea typeface="Noto Sans" panose="020B0502040504020204" pitchFamily="34"/>
+                <a:cs typeface="Noto Sans" panose="020B0502040504020204" pitchFamily="34"/>
                 <a:sym typeface="Wingdings" panose="05000000000000000000" pitchFamily="2" charset="2"/>
               </a:rPr>
               <a:t>Jeder Spieldurchlauf besteht aus Start, Erscheinen des Ziels, Bewegung zum und schießen auf das Ziel und der Punkteanzeige:</a:t>
@@ -4363,6 +4458,9 @@
               <a:solidFill>
                 <a:schemeClr val="bg1"/>
               </a:solidFill>
+              <a:latin typeface="Noto Sans" panose="020B0502040504020204" pitchFamily="34"/>
+              <a:ea typeface="Noto Sans" panose="020B0502040504020204" pitchFamily="34"/>
+              <a:cs typeface="Noto Sans" panose="020B0502040504020204" pitchFamily="34"/>
               <a:sym typeface="Wingdings" panose="05000000000000000000" pitchFamily="2" charset="2"/>
             </a:endParaRPr>
           </a:p>
@@ -4373,6 +4471,9 @@
                 <a:solidFill>
                   <a:schemeClr val="bg1"/>
                 </a:solidFill>
+                <a:latin typeface="Noto Sans" panose="020B0502040504020204" pitchFamily="34"/>
+                <a:ea typeface="Noto Sans" panose="020B0502040504020204" pitchFamily="34"/>
+                <a:cs typeface="Noto Sans" panose="020B0502040504020204" pitchFamily="34"/>
                 <a:sym typeface="Wingdings" panose="05000000000000000000" pitchFamily="2" charset="2"/>
               </a:rPr>
               <a:t>Bitte die </a:t>
@@ -4382,6 +4483,9 @@
                 <a:solidFill>
                   <a:schemeClr val="bg1"/>
                 </a:solidFill>
+                <a:latin typeface="Noto Sans" panose="020B0502040504020204" pitchFamily="34"/>
+                <a:ea typeface="Noto Sans" panose="020B0502040504020204" pitchFamily="34"/>
+                <a:cs typeface="Noto Sans" panose="020B0502040504020204" pitchFamily="34"/>
                 <a:sym typeface="Wingdings" panose="05000000000000000000" pitchFamily="2" charset="2"/>
               </a:rPr>
               <a:t>LEERTASTE</a:t>
@@ -4391,6 +4495,9 @@
                 <a:solidFill>
                   <a:schemeClr val="bg1"/>
                 </a:solidFill>
+                <a:latin typeface="Noto Sans" panose="020B0502040504020204" pitchFamily="34"/>
+                <a:ea typeface="Noto Sans" panose="020B0502040504020204" pitchFamily="34"/>
+                <a:cs typeface="Noto Sans" panose="020B0502040504020204" pitchFamily="34"/>
                 <a:sym typeface="Wingdings" panose="05000000000000000000" pitchFamily="2" charset="2"/>
               </a:rPr>
               <a:t> drücken, um fortzufahren</a:t>
@@ -4399,6 +4506,9 @@
               <a:solidFill>
                 <a:schemeClr val="bg1"/>
               </a:solidFill>
+              <a:latin typeface="Noto Sans" panose="020B0502040504020204" pitchFamily="34"/>
+              <a:ea typeface="Noto Sans" panose="020B0502040504020204" pitchFamily="34"/>
+              <a:cs typeface="Noto Sans" panose="020B0502040504020204" pitchFamily="34"/>
             </a:endParaRPr>
           </a:p>
         </p:txBody>
@@ -4461,8 +4571,8 @@
         </p:nvSpPr>
         <p:spPr>
           <a:xfrm>
-            <a:off x="1638394" y="647110"/>
-            <a:ext cx="8143960" cy="5601533"/>
+            <a:off x="931027" y="1069804"/>
+            <a:ext cx="9032481" cy="5109091"/>
           </a:xfrm>
           <a:prstGeom prst="rect">
             <a:avLst/>
@@ -4481,7 +4591,9 @@
                 <a:solidFill>
                   <a:schemeClr val="bg1"/>
                 </a:solidFill>
-                <a:latin typeface="Consolas" panose="020B0609020204030204" pitchFamily="49" charset="0"/>
+                <a:latin typeface="Noto Sans" panose="020B0502040504020204" pitchFamily="34"/>
+                <a:ea typeface="Noto Sans" panose="020B0502040504020204" pitchFamily="34"/>
+                <a:cs typeface="Noto Sans" panose="020B0502040504020204" pitchFamily="34"/>
                 <a:sym typeface="Wingdings" panose="05000000000000000000" pitchFamily="2" charset="2"/>
               </a:rPr>
               <a:t>Zum Start sehen Sie die Hand Ihrer Spielfigur, die eine Pistole hält, nach 1 Sekunde erscheint dann links oder rechts eine Zielscheibe</a:t>
@@ -4563,6 +4675,9 @@
                 <a:solidFill>
                   <a:schemeClr val="bg1"/>
                 </a:solidFill>
+                <a:latin typeface="Noto Sans" panose="020B0502040504020204" pitchFamily="34"/>
+                <a:ea typeface="Noto Sans" panose="020B0502040504020204" pitchFamily="34"/>
+                <a:cs typeface="Noto Sans" panose="020B0502040504020204" pitchFamily="34"/>
                 <a:sym typeface="Wingdings" panose="05000000000000000000" pitchFamily="2" charset="2"/>
               </a:rPr>
               <a:t>Bitte die </a:t>
@@ -4572,6 +4687,9 @@
                 <a:solidFill>
                   <a:schemeClr val="bg1"/>
                 </a:solidFill>
+                <a:latin typeface="Noto Sans" panose="020B0502040504020204" pitchFamily="34"/>
+                <a:ea typeface="Noto Sans" panose="020B0502040504020204" pitchFamily="34"/>
+                <a:cs typeface="Noto Sans" panose="020B0502040504020204" pitchFamily="34"/>
                 <a:sym typeface="Wingdings" panose="05000000000000000000" pitchFamily="2" charset="2"/>
               </a:rPr>
               <a:t>LEERTASTE</a:t>
@@ -4581,6 +4699,9 @@
                 <a:solidFill>
                   <a:schemeClr val="bg1"/>
                 </a:solidFill>
+                <a:latin typeface="Noto Sans" panose="020B0502040504020204" pitchFamily="34"/>
+                <a:ea typeface="Noto Sans" panose="020B0502040504020204" pitchFamily="34"/>
+                <a:cs typeface="Noto Sans" panose="020B0502040504020204" pitchFamily="34"/>
                 <a:sym typeface="Wingdings" panose="05000000000000000000" pitchFamily="2" charset="2"/>
               </a:rPr>
               <a:t> drücken, um fortzufahren</a:t>
@@ -4589,6 +4710,9 @@
               <a:solidFill>
                 <a:schemeClr val="bg1"/>
               </a:solidFill>
+              <a:latin typeface="Noto Sans" panose="020B0502040504020204" pitchFamily="34"/>
+              <a:ea typeface="Noto Sans" panose="020B0502040504020204" pitchFamily="34"/>
+              <a:cs typeface="Noto Sans" panose="020B0502040504020204" pitchFamily="34"/>
             </a:endParaRPr>
           </a:p>
         </p:txBody>
@@ -4743,7 +4867,9 @@
                 <a:solidFill>
                   <a:schemeClr val="bg1"/>
                 </a:solidFill>
-                <a:latin typeface="Consolas" panose="020B0609020204030204" pitchFamily="49" charset="0"/>
+                <a:latin typeface="Noto Sans" panose="020B0502040504020204" pitchFamily="34"/>
+                <a:ea typeface="Noto Sans" panose="020B0502040504020204" pitchFamily="34"/>
+                <a:cs typeface="Noto Sans" panose="020B0502040504020204" pitchFamily="34"/>
               </a:rPr>
               <a:t>1 Sekunde</a:t>
             </a:r>
@@ -4809,7 +4935,7 @@
         <p:spPr>
           <a:xfrm>
             <a:off x="1574008" y="327932"/>
-            <a:ext cx="8143960" cy="6155531"/>
+            <a:ext cx="8143960" cy="5724644"/>
           </a:xfrm>
           <a:prstGeom prst="rect">
             <a:avLst/>
@@ -4828,7 +4954,9 @@
                 <a:solidFill>
                   <a:schemeClr val="bg1"/>
                 </a:solidFill>
-                <a:latin typeface="Consolas" panose="020B0609020204030204" pitchFamily="49" charset="0"/>
+                <a:latin typeface="Noto Sans" panose="020B0502040504020204" pitchFamily="34"/>
+                <a:ea typeface="Noto Sans" panose="020B0502040504020204" pitchFamily="34"/>
+                <a:cs typeface="Noto Sans" panose="020B0502040504020204" pitchFamily="34"/>
                 <a:sym typeface="Wingdings" panose="05000000000000000000" pitchFamily="2" charset="2"/>
               </a:rPr>
               <a:t>Nun steuern Sie mit den Tasten A und D Ihre Spielfigur seitlich auf Höhe des Ziels und schießen mit STRG darauf. </a:t>
@@ -4841,7 +4969,9 @@
                 <a:solidFill>
                   <a:schemeClr val="bg1"/>
                 </a:solidFill>
-                <a:latin typeface="Consolas" panose="020B0609020204030204" pitchFamily="49" charset="0"/>
+                <a:latin typeface="Noto Sans" panose="020B0502040504020204" pitchFamily="34"/>
+                <a:ea typeface="Noto Sans" panose="020B0502040504020204" pitchFamily="34"/>
+                <a:cs typeface="Noto Sans" panose="020B0502040504020204" pitchFamily="34"/>
                 <a:sym typeface="Wingdings" panose="05000000000000000000" pitchFamily="2" charset="2"/>
               </a:rPr>
               <a:t>Achtung</a:t>
@@ -4851,7 +4981,9 @@
                 <a:solidFill>
                   <a:schemeClr val="bg1"/>
                 </a:solidFill>
-                <a:latin typeface="Consolas" panose="020B0609020204030204" pitchFamily="49" charset="0"/>
+                <a:latin typeface="Noto Sans" panose="020B0502040504020204" pitchFamily="34"/>
+                <a:ea typeface="Noto Sans" panose="020B0502040504020204" pitchFamily="34"/>
+                <a:cs typeface="Noto Sans" panose="020B0502040504020204" pitchFamily="34"/>
                 <a:sym typeface="Wingdings" panose="05000000000000000000" pitchFamily="2" charset="2"/>
               </a:rPr>
               <a:t>: Sie haben nach Erscheinen des Ziels nur </a:t>
@@ -4861,17 +4993,21 @@
                 <a:solidFill>
                   <a:srgbClr val="FFFF00"/>
                 </a:solidFill>
-                <a:latin typeface="Consolas" panose="020B0609020204030204" pitchFamily="49" charset="0"/>
+                <a:latin typeface="Noto Sans" panose="020B0502040504020204" pitchFamily="34"/>
+                <a:ea typeface="Noto Sans" panose="020B0502040504020204" pitchFamily="34"/>
+                <a:cs typeface="Noto Sans" panose="020B0502040504020204" pitchFamily="34"/>
                 <a:sym typeface="Wingdings" panose="05000000000000000000" pitchFamily="2" charset="2"/>
               </a:rPr>
-              <a:t>3 Sekunden </a:t>
+              <a:t>5 Sekunden </a:t>
             </a:r>
             <a:r>
               <a:rPr lang="de-DE" sz="2800" dirty="0">
                 <a:solidFill>
                   <a:schemeClr val="bg1"/>
                 </a:solidFill>
-                <a:latin typeface="Consolas" panose="020B0609020204030204" pitchFamily="49" charset="0"/>
+                <a:latin typeface="Noto Sans" panose="020B0502040504020204" pitchFamily="34"/>
+                <a:ea typeface="Noto Sans" panose="020B0502040504020204" pitchFamily="34"/>
+                <a:cs typeface="Noto Sans" panose="020B0502040504020204" pitchFamily="34"/>
                 <a:sym typeface="Wingdings" panose="05000000000000000000" pitchFamily="2" charset="2"/>
               </a:rPr>
               <a:t>und nur </a:t>
@@ -4881,7 +5017,9 @@
                 <a:solidFill>
                   <a:srgbClr val="FFFF00"/>
                 </a:solidFill>
-                <a:latin typeface="Consolas" panose="020B0609020204030204" pitchFamily="49" charset="0"/>
+                <a:latin typeface="Noto Sans" panose="020B0502040504020204" pitchFamily="34"/>
+                <a:ea typeface="Noto Sans" panose="020B0502040504020204" pitchFamily="34"/>
+                <a:cs typeface="Noto Sans" panose="020B0502040504020204" pitchFamily="34"/>
                 <a:sym typeface="Wingdings" panose="05000000000000000000" pitchFamily="2" charset="2"/>
               </a:rPr>
               <a:t>einen Schuss!</a:t>
@@ -4953,6 +5091,9 @@
               <a:solidFill>
                 <a:schemeClr val="bg1"/>
               </a:solidFill>
+              <a:latin typeface="Noto Sans" panose="020B0502040504020204" pitchFamily="34"/>
+              <a:ea typeface="Noto Sans" panose="020B0502040504020204" pitchFamily="34"/>
+              <a:cs typeface="Noto Sans" panose="020B0502040504020204" pitchFamily="34"/>
               <a:sym typeface="Wingdings" panose="05000000000000000000" pitchFamily="2" charset="2"/>
             </a:endParaRPr>
           </a:p>
@@ -4963,6 +5104,9 @@
                 <a:solidFill>
                   <a:schemeClr val="bg1"/>
                 </a:solidFill>
+                <a:latin typeface="Noto Sans" panose="020B0502040504020204" pitchFamily="34"/>
+                <a:ea typeface="Noto Sans" panose="020B0502040504020204" pitchFamily="34"/>
+                <a:cs typeface="Noto Sans" panose="020B0502040504020204" pitchFamily="34"/>
                 <a:sym typeface="Wingdings" panose="05000000000000000000" pitchFamily="2" charset="2"/>
               </a:rPr>
               <a:t>Bitte die </a:t>
@@ -4972,6 +5116,9 @@
                 <a:solidFill>
                   <a:schemeClr val="bg1"/>
                 </a:solidFill>
+                <a:latin typeface="Noto Sans" panose="020B0502040504020204" pitchFamily="34"/>
+                <a:ea typeface="Noto Sans" panose="020B0502040504020204" pitchFamily="34"/>
+                <a:cs typeface="Noto Sans" panose="020B0502040504020204" pitchFamily="34"/>
                 <a:sym typeface="Wingdings" panose="05000000000000000000" pitchFamily="2" charset="2"/>
               </a:rPr>
               <a:t>LEERTASTE</a:t>
@@ -4981,6 +5128,9 @@
                 <a:solidFill>
                   <a:schemeClr val="bg1"/>
                 </a:solidFill>
+                <a:latin typeface="Noto Sans" panose="020B0502040504020204" pitchFamily="34"/>
+                <a:ea typeface="Noto Sans" panose="020B0502040504020204" pitchFamily="34"/>
+                <a:cs typeface="Noto Sans" panose="020B0502040504020204" pitchFamily="34"/>
                 <a:sym typeface="Wingdings" panose="05000000000000000000" pitchFamily="2" charset="2"/>
               </a:rPr>
               <a:t> drücken, um fortzufahren</a:t>
@@ -4989,6 +5139,9 @@
               <a:solidFill>
                 <a:schemeClr val="bg1"/>
               </a:solidFill>
+              <a:latin typeface="Noto Sans" panose="020B0502040504020204" pitchFamily="34"/>
+              <a:ea typeface="Noto Sans" panose="020B0502040504020204" pitchFamily="34"/>
+              <a:cs typeface="Noto Sans" panose="020B0502040504020204" pitchFamily="34"/>
             </a:endParaRPr>
           </a:p>
         </p:txBody>
@@ -5021,7 +5174,7 @@
         </p:blipFill>
         <p:spPr>
           <a:xfrm>
-            <a:off x="3061952" y="3089647"/>
+            <a:off x="3087832" y="2796349"/>
             <a:ext cx="4706058" cy="2646084"/>
           </a:xfrm>
           <a:prstGeom prst="rect">
@@ -5868,7 +6021,9 @@
                 <a:schemeClr val="bg1"/>
               </a:solidFill>
               <a:effectLst/>
-              <a:latin typeface="Consolas" panose="020B0609020204030204" pitchFamily="49" charset="0"/>
+              <a:latin typeface="Noto Sans" panose="020B0502040504020204" pitchFamily="34"/>
+              <a:ea typeface="Noto Sans" panose="020B0502040504020204" pitchFamily="34"/>
+              <a:cs typeface="Noto Sans" panose="020B0502040504020204" pitchFamily="34"/>
             </a:endParaRPr>
           </a:p>
           <a:p>
@@ -5877,7 +6032,9 @@
               <a:solidFill>
                 <a:schemeClr val="bg1"/>
               </a:solidFill>
-              <a:latin typeface="Consolas" panose="020B0609020204030204" pitchFamily="49" charset="0"/>
+              <a:latin typeface="Noto Sans" panose="020B0502040504020204" pitchFamily="34"/>
+              <a:ea typeface="Noto Sans" panose="020B0502040504020204" pitchFamily="34"/>
+              <a:cs typeface="Noto Sans" panose="020B0502040504020204" pitchFamily="34"/>
             </a:endParaRPr>
           </a:p>
           <a:p>
@@ -5888,7 +6045,9 @@
                   <a:schemeClr val="bg1"/>
                 </a:solidFill>
                 <a:effectLst/>
-                <a:latin typeface="Consolas" panose="020B0609020204030204" pitchFamily="49" charset="0"/>
+                <a:latin typeface="Noto Sans" panose="020B0502040504020204" pitchFamily="34"/>
+                <a:ea typeface="Noto Sans" panose="020B0502040504020204" pitchFamily="34"/>
+                <a:cs typeface="Noto Sans" panose="020B0502040504020204" pitchFamily="34"/>
               </a:rPr>
               <a:t>Es gibt in diesem Spiel eine Besonderheit: Die Steuerung zur seitlichen Bewegung kann </a:t>
             </a:r>
@@ -5898,7 +6057,9 @@
                   <a:schemeClr val="bg1"/>
                 </a:solidFill>
                 <a:effectLst/>
-                <a:latin typeface="Consolas" panose="020B0609020204030204" pitchFamily="49" charset="0"/>
+                <a:latin typeface="Noto Sans" panose="020B0502040504020204" pitchFamily="34"/>
+                <a:ea typeface="Noto Sans" panose="020B0502040504020204" pitchFamily="34"/>
+                <a:cs typeface="Noto Sans" panose="020B0502040504020204" pitchFamily="34"/>
               </a:rPr>
               <a:t>normal</a:t>
             </a:r>
@@ -5908,7 +6069,9 @@
                   <a:schemeClr val="bg1"/>
                 </a:solidFill>
                 <a:effectLst/>
-                <a:latin typeface="Consolas" panose="020B0609020204030204" pitchFamily="49" charset="0"/>
+                <a:latin typeface="Noto Sans" panose="020B0502040504020204" pitchFamily="34"/>
+                <a:ea typeface="Noto Sans" panose="020B0502040504020204" pitchFamily="34"/>
+                <a:cs typeface="Noto Sans" panose="020B0502040504020204" pitchFamily="34"/>
               </a:rPr>
               <a:t> oder </a:t>
             </a:r>
@@ -5918,7 +6081,9 @@
                   <a:schemeClr val="bg1"/>
                 </a:solidFill>
                 <a:effectLst/>
-                <a:latin typeface="Consolas" panose="020B0609020204030204" pitchFamily="49" charset="0"/>
+                <a:latin typeface="Noto Sans" panose="020B0502040504020204" pitchFamily="34"/>
+                <a:ea typeface="Noto Sans" panose="020B0502040504020204" pitchFamily="34"/>
+                <a:cs typeface="Noto Sans" panose="020B0502040504020204" pitchFamily="34"/>
               </a:rPr>
               <a:t>invertiert</a:t>
             </a:r>
@@ -5928,7 +6093,9 @@
                   <a:schemeClr val="bg1"/>
                 </a:solidFill>
                 <a:effectLst/>
-                <a:latin typeface="Consolas" panose="020B0609020204030204" pitchFamily="49" charset="0"/>
+                <a:latin typeface="Noto Sans" panose="020B0502040504020204" pitchFamily="34"/>
+                <a:ea typeface="Noto Sans" panose="020B0502040504020204" pitchFamily="34"/>
+                <a:cs typeface="Noto Sans" panose="020B0502040504020204" pitchFamily="34"/>
               </a:rPr>
               <a:t> sein. </a:t>
             </a:r>
@@ -5939,7 +6106,9 @@
               <a:solidFill>
                 <a:schemeClr val="bg1"/>
               </a:solidFill>
-              <a:latin typeface="Consolas" panose="020B0609020204030204" pitchFamily="49" charset="0"/>
+              <a:latin typeface="Noto Sans" panose="020B0502040504020204" pitchFamily="34"/>
+              <a:ea typeface="Noto Sans" panose="020B0502040504020204" pitchFamily="34"/>
+              <a:cs typeface="Noto Sans" panose="020B0502040504020204" pitchFamily="34"/>
             </a:endParaRPr>
           </a:p>
           <a:p>
@@ -5948,7 +6117,9 @@
               <a:solidFill>
                 <a:schemeClr val="bg1"/>
               </a:solidFill>
-              <a:latin typeface="Consolas" panose="020B0609020204030204" pitchFamily="49" charset="0"/>
+              <a:latin typeface="Noto Sans" panose="020B0502040504020204" pitchFamily="34"/>
+              <a:ea typeface="Noto Sans" panose="020B0502040504020204" pitchFamily="34"/>
+              <a:cs typeface="Noto Sans" panose="020B0502040504020204" pitchFamily="34"/>
             </a:endParaRPr>
           </a:p>
           <a:p>
@@ -5958,7 +6129,9 @@
                 <a:solidFill>
                   <a:schemeClr val="bg1"/>
                 </a:solidFill>
-                <a:latin typeface="Consolas" panose="020B0609020204030204" pitchFamily="49" charset="0"/>
+                <a:latin typeface="Noto Sans" panose="020B0502040504020204" pitchFamily="34"/>
+                <a:ea typeface="Noto Sans" panose="020B0502040504020204" pitchFamily="34"/>
+                <a:cs typeface="Noto Sans" panose="020B0502040504020204" pitchFamily="34"/>
               </a:rPr>
               <a:t>Ob die Steuerung normal oder invertiert ist, unterliegt unterschiedlichen Wahrscheinlichkeiten.</a:t>
             </a:r>
@@ -5970,16 +6143,34 @@
                 <a:solidFill>
                   <a:schemeClr val="bg1"/>
                 </a:solidFill>
-                <a:latin typeface="Consolas" panose="020B0609020204030204" pitchFamily="49" charset="0"/>
-              </a:rPr>
-              <a:t>Diese Wahrscheinlichkeiten ändern sich während des Spiels nicht.</a:t>
+                <a:latin typeface="Noto Sans" panose="020B0502040504020204" pitchFamily="34"/>
+                <a:ea typeface="Noto Sans" panose="020B0502040504020204" pitchFamily="34"/>
+                <a:cs typeface="Noto Sans" panose="020B0502040504020204" pitchFamily="34"/>
+              </a:rPr>
+              <a:t>Diese Wahrscheinlichkeiten hängen von der Seite ab, auf der das Ziel erscheint.</a:t>
+            </a:r>
+          </a:p>
+          <a:p>
+            <a:pPr algn="ctr"/>
+            <a:r>
+              <a:rPr lang="de-DE" sz="2000" dirty="0">
+                <a:solidFill>
+                  <a:schemeClr val="bg1"/>
+                </a:solidFill>
+                <a:latin typeface="Noto Sans" panose="020B0502040504020204" pitchFamily="34"/>
+                <a:ea typeface="Noto Sans" panose="020B0502040504020204" pitchFamily="34"/>
+                <a:cs typeface="Noto Sans" panose="020B0502040504020204" pitchFamily="34"/>
+              </a:rPr>
+              <a:t>Sie ändern sich während eines Blockes nicht.</a:t>
             </a:r>
             <a:endParaRPr lang="de-DE" sz="2000" b="0" dirty="0">
               <a:solidFill>
                 <a:srgbClr val="CE9178"/>
               </a:solidFill>
               <a:effectLst/>
-              <a:latin typeface="Consolas" panose="020B0609020204030204" pitchFamily="49" charset="0"/>
+              <a:latin typeface="Noto Sans" panose="020B0502040504020204" pitchFamily="34"/>
+              <a:ea typeface="Noto Sans" panose="020B0502040504020204" pitchFamily="34"/>
+              <a:cs typeface="Noto Sans" panose="020B0502040504020204" pitchFamily="34"/>
             </a:endParaRPr>
           </a:p>
           <a:p>
@@ -5988,7 +6179,9 @@
                 <a:srgbClr val="CCCCCC"/>
               </a:solidFill>
               <a:effectLst/>
-              <a:latin typeface="Consolas" panose="020B0609020204030204" pitchFamily="49" charset="0"/>
+              <a:latin typeface="Noto Sans" panose="020B0502040504020204" pitchFamily="34"/>
+              <a:ea typeface="Noto Sans" panose="020B0502040504020204" pitchFamily="34"/>
+              <a:cs typeface="Noto Sans" panose="020B0502040504020204" pitchFamily="34"/>
             </a:endParaRPr>
           </a:p>
           <a:p>
@@ -5998,6 +6191,9 @@
                 <a:solidFill>
                   <a:schemeClr val="bg1"/>
                 </a:solidFill>
+                <a:latin typeface="Noto Sans" panose="020B0502040504020204" pitchFamily="34"/>
+                <a:ea typeface="Noto Sans" panose="020B0502040504020204" pitchFamily="34"/>
+                <a:cs typeface="Noto Sans" panose="020B0502040504020204" pitchFamily="34"/>
                 <a:sym typeface="Wingdings" panose="05000000000000000000" pitchFamily="2" charset="2"/>
               </a:rPr>
               <a:t>                  </a:t>
@@ -6006,6 +6202,9 @@
               <a:solidFill>
                 <a:schemeClr val="bg1"/>
               </a:solidFill>
+              <a:latin typeface="Noto Sans" panose="020B0502040504020204" pitchFamily="34"/>
+              <a:ea typeface="Noto Sans" panose="020B0502040504020204" pitchFamily="34"/>
+              <a:cs typeface="Noto Sans" panose="020B0502040504020204" pitchFamily="34"/>
               <a:sym typeface="Wingdings" panose="05000000000000000000" pitchFamily="2" charset="2"/>
             </a:endParaRPr>
           </a:p>
@@ -6016,6 +6215,9 @@
                 <a:solidFill>
                   <a:schemeClr val="bg1"/>
                 </a:solidFill>
+                <a:latin typeface="Noto Sans" panose="020B0502040504020204" pitchFamily="34"/>
+                <a:ea typeface="Noto Sans" panose="020B0502040504020204" pitchFamily="34"/>
+                <a:cs typeface="Noto Sans" panose="020B0502040504020204" pitchFamily="34"/>
                 <a:sym typeface="Wingdings" panose="05000000000000000000" pitchFamily="2" charset="2"/>
               </a:rPr>
               <a:t>Bitte die </a:t>
@@ -6025,6 +6227,9 @@
                 <a:solidFill>
                   <a:schemeClr val="bg1"/>
                 </a:solidFill>
+                <a:latin typeface="Noto Sans" panose="020B0502040504020204" pitchFamily="34"/>
+                <a:ea typeface="Noto Sans" panose="020B0502040504020204" pitchFamily="34"/>
+                <a:cs typeface="Noto Sans" panose="020B0502040504020204" pitchFamily="34"/>
                 <a:sym typeface="Wingdings" panose="05000000000000000000" pitchFamily="2" charset="2"/>
               </a:rPr>
               <a:t>LEERTASTE</a:t>
@@ -6034,6 +6239,9 @@
                 <a:solidFill>
                   <a:schemeClr val="bg1"/>
                 </a:solidFill>
+                <a:latin typeface="Noto Sans" panose="020B0502040504020204" pitchFamily="34"/>
+                <a:ea typeface="Noto Sans" panose="020B0502040504020204" pitchFamily="34"/>
+                <a:cs typeface="Noto Sans" panose="020B0502040504020204" pitchFamily="34"/>
                 <a:sym typeface="Wingdings" panose="05000000000000000000" pitchFamily="2" charset="2"/>
               </a:rPr>
               <a:t> drücken, um fortzufahren</a:t>
@@ -6042,6 +6250,9 @@
               <a:solidFill>
                 <a:schemeClr val="bg1"/>
               </a:solidFill>
+              <a:latin typeface="Noto Sans" panose="020B0502040504020204" pitchFamily="34"/>
+              <a:ea typeface="Noto Sans" panose="020B0502040504020204" pitchFamily="34"/>
+              <a:cs typeface="Noto Sans" panose="020B0502040504020204" pitchFamily="34"/>
             </a:endParaRPr>
           </a:p>
         </p:txBody>
@@ -6123,7 +6334,9 @@
               <a:solidFill>
                 <a:schemeClr val="bg1"/>
               </a:solidFill>
-              <a:latin typeface="Consolas" panose="020B0609020204030204" pitchFamily="49" charset="0"/>
+              <a:latin typeface="Noto Sans" panose="020B0502040504020204" pitchFamily="34"/>
+              <a:ea typeface="Noto Sans" panose="020B0502040504020204" pitchFamily="34"/>
+              <a:cs typeface="Noto Sans" panose="020B0502040504020204" pitchFamily="34"/>
             </a:endParaRPr>
           </a:p>
           <a:p>
@@ -6132,7 +6345,9 @@
               <a:solidFill>
                 <a:schemeClr val="bg1"/>
               </a:solidFill>
-              <a:latin typeface="Consolas" panose="020B0609020204030204" pitchFamily="49" charset="0"/>
+              <a:latin typeface="Noto Sans" panose="020B0502040504020204" pitchFamily="34"/>
+              <a:ea typeface="Noto Sans" panose="020B0502040504020204" pitchFamily="34"/>
+              <a:cs typeface="Noto Sans" panose="020B0502040504020204" pitchFamily="34"/>
             </a:endParaRPr>
           </a:p>
           <a:p>
@@ -6141,7 +6356,9 @@
               <a:solidFill>
                 <a:schemeClr val="bg1"/>
               </a:solidFill>
-              <a:latin typeface="Consolas" panose="020B0609020204030204" pitchFamily="49" charset="0"/>
+              <a:latin typeface="Noto Sans" panose="020B0502040504020204" pitchFamily="34"/>
+              <a:ea typeface="Noto Sans" panose="020B0502040504020204" pitchFamily="34"/>
+              <a:cs typeface="Noto Sans" panose="020B0502040504020204" pitchFamily="34"/>
             </a:endParaRPr>
           </a:p>
           <a:p>
@@ -6150,7 +6367,9 @@
               <a:solidFill>
                 <a:schemeClr val="bg1"/>
               </a:solidFill>
-              <a:latin typeface="Consolas" panose="020B0609020204030204" pitchFamily="49" charset="0"/>
+              <a:latin typeface="Noto Sans" panose="020B0502040504020204" pitchFamily="34"/>
+              <a:ea typeface="Noto Sans" panose="020B0502040504020204" pitchFamily="34"/>
+              <a:cs typeface="Noto Sans" panose="020B0502040504020204" pitchFamily="34"/>
             </a:endParaRPr>
           </a:p>
           <a:p>
@@ -6159,7 +6378,9 @@
               <a:solidFill>
                 <a:schemeClr val="bg1"/>
               </a:solidFill>
-              <a:latin typeface="Consolas" panose="020B0609020204030204" pitchFamily="49" charset="0"/>
+              <a:latin typeface="Noto Sans" panose="020B0502040504020204" pitchFamily="34"/>
+              <a:ea typeface="Noto Sans" panose="020B0502040504020204" pitchFamily="34"/>
+              <a:cs typeface="Noto Sans" panose="020B0502040504020204" pitchFamily="34"/>
             </a:endParaRPr>
           </a:p>
           <a:p>
@@ -6169,7 +6390,9 @@
                 <a:solidFill>
                   <a:schemeClr val="bg1"/>
                 </a:solidFill>
-                <a:latin typeface="Consolas" panose="020B0609020204030204" pitchFamily="49" charset="0"/>
+                <a:latin typeface="Noto Sans" panose="020B0502040504020204" pitchFamily="34"/>
+                <a:ea typeface="Noto Sans" panose="020B0502040504020204" pitchFamily="34"/>
+                <a:cs typeface="Noto Sans" panose="020B0502040504020204" pitchFamily="34"/>
               </a:rPr>
               <a:t>Es kann passieren, dass das Ziel nicht erscheint. Das ist ein Fehler des Spiels. Lassen Sie sich nicht verunsichern und warten Sie, nach wenigen Sekunden startet automatisch der nächste Durchlauf.</a:t>
             </a:r>
@@ -6178,7 +6401,9 @@
                 <a:schemeClr val="bg1"/>
               </a:solidFill>
               <a:effectLst/>
-              <a:latin typeface="Consolas" panose="020B0609020204030204" pitchFamily="49" charset="0"/>
+              <a:latin typeface="Noto Sans" panose="020B0502040504020204" pitchFamily="34"/>
+              <a:ea typeface="Noto Sans" panose="020B0502040504020204" pitchFamily="34"/>
+              <a:cs typeface="Noto Sans" panose="020B0502040504020204" pitchFamily="34"/>
             </a:endParaRPr>
           </a:p>
           <a:p>
@@ -6187,7 +6412,9 @@
               <a:solidFill>
                 <a:schemeClr val="bg1"/>
               </a:solidFill>
-              <a:latin typeface="Consolas" panose="020B0609020204030204" pitchFamily="49" charset="0"/>
+              <a:latin typeface="Noto Sans" panose="020B0502040504020204" pitchFamily="34"/>
+              <a:ea typeface="Noto Sans" panose="020B0502040504020204" pitchFamily="34"/>
+              <a:cs typeface="Noto Sans" panose="020B0502040504020204" pitchFamily="34"/>
             </a:endParaRPr>
           </a:p>
           <a:p>
@@ -6197,7 +6424,9 @@
                 <a:schemeClr val="bg1"/>
               </a:solidFill>
               <a:effectLst/>
-              <a:latin typeface="Consolas" panose="020B0609020204030204" pitchFamily="49" charset="0"/>
+              <a:latin typeface="Noto Sans" panose="020B0502040504020204" pitchFamily="34"/>
+              <a:ea typeface="Noto Sans" panose="020B0502040504020204" pitchFamily="34"/>
+              <a:cs typeface="Noto Sans" panose="020B0502040504020204" pitchFamily="34"/>
             </a:endParaRPr>
           </a:p>
           <a:p>
@@ -6206,7 +6435,9 @@
               <a:solidFill>
                 <a:schemeClr val="bg1"/>
               </a:solidFill>
-              <a:latin typeface="Consolas" panose="020B0609020204030204" pitchFamily="49" charset="0"/>
+              <a:latin typeface="Noto Sans" panose="020B0502040504020204" pitchFamily="34"/>
+              <a:ea typeface="Noto Sans" panose="020B0502040504020204" pitchFamily="34"/>
+              <a:cs typeface="Noto Sans" panose="020B0502040504020204" pitchFamily="34"/>
             </a:endParaRPr>
           </a:p>
           <a:p>
@@ -6215,6 +6446,9 @@
               <a:solidFill>
                 <a:schemeClr val="bg1"/>
               </a:solidFill>
+              <a:latin typeface="Noto Sans" panose="020B0502040504020204" pitchFamily="34"/>
+              <a:ea typeface="Noto Sans" panose="020B0502040504020204" pitchFamily="34"/>
+              <a:cs typeface="Noto Sans" panose="020B0502040504020204" pitchFamily="34"/>
               <a:sym typeface="Wingdings" panose="05000000000000000000" pitchFamily="2" charset="2"/>
             </a:endParaRPr>
           </a:p>
@@ -6224,6 +6458,9 @@
               <a:solidFill>
                 <a:schemeClr val="bg1"/>
               </a:solidFill>
+              <a:latin typeface="Noto Sans" panose="020B0502040504020204" pitchFamily="34"/>
+              <a:ea typeface="Noto Sans" panose="020B0502040504020204" pitchFamily="34"/>
+              <a:cs typeface="Noto Sans" panose="020B0502040504020204" pitchFamily="34"/>
               <a:sym typeface="Wingdings" panose="05000000000000000000" pitchFamily="2" charset="2"/>
             </a:endParaRPr>
           </a:p>
@@ -6234,6 +6471,9 @@
                 <a:solidFill>
                   <a:schemeClr val="bg1"/>
                 </a:solidFill>
+                <a:latin typeface="Noto Sans" panose="020B0502040504020204" pitchFamily="34"/>
+                <a:ea typeface="Noto Sans" panose="020B0502040504020204" pitchFamily="34"/>
+                <a:cs typeface="Noto Sans" panose="020B0502040504020204" pitchFamily="34"/>
                 <a:sym typeface="Wingdings" panose="05000000000000000000" pitchFamily="2" charset="2"/>
               </a:rPr>
               <a:t>Bitte die </a:t>
@@ -6243,6 +6483,9 @@
                 <a:solidFill>
                   <a:schemeClr val="bg1"/>
                 </a:solidFill>
+                <a:latin typeface="Noto Sans" panose="020B0502040504020204" pitchFamily="34"/>
+                <a:ea typeface="Noto Sans" panose="020B0502040504020204" pitchFamily="34"/>
+                <a:cs typeface="Noto Sans" panose="020B0502040504020204" pitchFamily="34"/>
                 <a:sym typeface="Wingdings" panose="05000000000000000000" pitchFamily="2" charset="2"/>
               </a:rPr>
               <a:t>LEERTASTE</a:t>
@@ -6252,6 +6495,9 @@
                 <a:solidFill>
                   <a:schemeClr val="bg1"/>
                 </a:solidFill>
+                <a:latin typeface="Noto Sans" panose="020B0502040504020204" pitchFamily="34"/>
+                <a:ea typeface="Noto Sans" panose="020B0502040504020204" pitchFamily="34"/>
+                <a:cs typeface="Noto Sans" panose="020B0502040504020204" pitchFamily="34"/>
                 <a:sym typeface="Wingdings" panose="05000000000000000000" pitchFamily="2" charset="2"/>
               </a:rPr>
               <a:t> drücken, um fortzufahren</a:t>
@@ -6260,6 +6506,9 @@
               <a:solidFill>
                 <a:schemeClr val="bg1"/>
               </a:solidFill>
+              <a:latin typeface="Noto Sans" panose="020B0502040504020204" pitchFamily="34"/>
+              <a:ea typeface="Noto Sans" panose="020B0502040504020204" pitchFamily="34"/>
+              <a:cs typeface="Noto Sans" panose="020B0502040504020204" pitchFamily="34"/>
             </a:endParaRPr>
           </a:p>
         </p:txBody>
@@ -6651,7 +6900,9 @@
                   <a:schemeClr val="bg1"/>
                 </a:solidFill>
                 <a:effectLst/>
-                <a:latin typeface="Consolas" panose="020B0609020204030204" pitchFamily="49" charset="0"/>
+                <a:latin typeface="Noto Sans" panose="020B0502040504020204" pitchFamily="34"/>
+                <a:ea typeface="Noto Sans" panose="020B0502040504020204" pitchFamily="34"/>
+                <a:cs typeface="Noto Sans" panose="020B0502040504020204" pitchFamily="34"/>
               </a:rPr>
               <a:t>Herzlich willkommen und vielen Dank für die Teilnahme am Experiment</a:t>
             </a:r>
@@ -6690,6 +6941,9 @@
                 <a:solidFill>
                   <a:schemeClr val="bg1"/>
                 </a:solidFill>
+                <a:latin typeface="Noto Sans" panose="020B0502040504020204" pitchFamily="34"/>
+                <a:ea typeface="Noto Sans" panose="020B0502040504020204" pitchFamily="34"/>
+                <a:cs typeface="Noto Sans" panose="020B0502040504020204" pitchFamily="34"/>
                 <a:sym typeface="Wingdings" panose="05000000000000000000" pitchFamily="2" charset="2"/>
               </a:rPr>
               <a:t>Bitte die </a:t>
@@ -6699,6 +6953,9 @@
                 <a:solidFill>
                   <a:schemeClr val="bg1"/>
                 </a:solidFill>
+                <a:latin typeface="Noto Sans" panose="020B0502040504020204" pitchFamily="34"/>
+                <a:ea typeface="Noto Sans" panose="020B0502040504020204" pitchFamily="34"/>
+                <a:cs typeface="Noto Sans" panose="020B0502040504020204" pitchFamily="34"/>
                 <a:sym typeface="Wingdings" panose="05000000000000000000" pitchFamily="2" charset="2"/>
               </a:rPr>
               <a:t>LEERTASTE</a:t>
@@ -6708,6 +6965,9 @@
                 <a:solidFill>
                   <a:schemeClr val="bg1"/>
                 </a:solidFill>
+                <a:latin typeface="Noto Sans" panose="020B0502040504020204" pitchFamily="34"/>
+                <a:ea typeface="Noto Sans" panose="020B0502040504020204" pitchFamily="34"/>
+                <a:cs typeface="Noto Sans" panose="020B0502040504020204" pitchFamily="34"/>
                 <a:sym typeface="Wingdings" panose="05000000000000000000" pitchFamily="2" charset="2"/>
               </a:rPr>
               <a:t> drücken, um fortzufahren</a:t>
@@ -6716,6 +6976,9 @@
               <a:solidFill>
                 <a:schemeClr val="bg1"/>
               </a:solidFill>
+              <a:latin typeface="Noto Sans" panose="020B0502040504020204" pitchFamily="34"/>
+              <a:ea typeface="Noto Sans" panose="020B0502040504020204" pitchFamily="34"/>
+              <a:cs typeface="Noto Sans" panose="020B0502040504020204" pitchFamily="34"/>
             </a:endParaRPr>
           </a:p>
         </p:txBody>
@@ -11431,7 +11694,9 @@
                   <a:schemeClr val="bg1"/>
                 </a:solidFill>
                 <a:effectLst/>
-                <a:latin typeface="Consolas" panose="020B0609020204030204" pitchFamily="49" charset="0"/>
+                <a:latin typeface="Noto Sans" panose="020B0502040504020204" pitchFamily="34"/>
+                <a:ea typeface="Noto Sans" panose="020B0502040504020204" pitchFamily="34"/>
+                <a:cs typeface="Noto Sans" panose="020B0502040504020204" pitchFamily="34"/>
               </a:rPr>
               <a:t>Sie spielen heute ein Computerspiel in mehreren Blöcken.</a:t>
             </a:r>
@@ -11470,6 +11735,9 @@
                 <a:solidFill>
                   <a:schemeClr val="bg1"/>
                 </a:solidFill>
+                <a:latin typeface="Noto Sans" panose="020B0502040504020204" pitchFamily="34"/>
+                <a:ea typeface="Noto Sans" panose="020B0502040504020204" pitchFamily="34"/>
+                <a:cs typeface="Noto Sans" panose="020B0502040504020204" pitchFamily="34"/>
                 <a:sym typeface="Wingdings" panose="05000000000000000000" pitchFamily="2" charset="2"/>
               </a:rPr>
               <a:t>Bitte die </a:t>
@@ -11479,6 +11747,9 @@
                 <a:solidFill>
                   <a:schemeClr val="bg1"/>
                 </a:solidFill>
+                <a:latin typeface="Noto Sans" panose="020B0502040504020204" pitchFamily="34"/>
+                <a:ea typeface="Noto Sans" panose="020B0502040504020204" pitchFamily="34"/>
+                <a:cs typeface="Noto Sans" panose="020B0502040504020204" pitchFamily="34"/>
                 <a:sym typeface="Wingdings" panose="05000000000000000000" pitchFamily="2" charset="2"/>
               </a:rPr>
               <a:t>LEERTASTE</a:t>
@@ -11488,6 +11759,9 @@
                 <a:solidFill>
                   <a:schemeClr val="bg1"/>
                 </a:solidFill>
+                <a:latin typeface="Noto Sans" panose="020B0502040504020204" pitchFamily="34"/>
+                <a:ea typeface="Noto Sans" panose="020B0502040504020204" pitchFamily="34"/>
+                <a:cs typeface="Noto Sans" panose="020B0502040504020204" pitchFamily="34"/>
                 <a:sym typeface="Wingdings" panose="05000000000000000000" pitchFamily="2" charset="2"/>
               </a:rPr>
               <a:t> drücken, um fortzufahren</a:t>
@@ -11496,6 +11770,9 @@
               <a:solidFill>
                 <a:schemeClr val="bg1"/>
               </a:solidFill>
+              <a:latin typeface="Noto Sans" panose="020B0502040504020204" pitchFamily="34"/>
+              <a:ea typeface="Noto Sans" panose="020B0502040504020204" pitchFamily="34"/>
+              <a:cs typeface="Noto Sans" panose="020B0502040504020204" pitchFamily="34"/>
             </a:endParaRPr>
           </a:p>
         </p:txBody>
@@ -12067,7 +12344,9 @@
                   <a:schemeClr val="bg1"/>
                 </a:solidFill>
                 <a:effectLst/>
-                <a:latin typeface="Consolas" panose="020B0609020204030204" pitchFamily="49" charset="0"/>
+                <a:latin typeface="Noto Sans" panose="020B0502040504020204" pitchFamily="34"/>
+                <a:ea typeface="Noto Sans" panose="020B0502040504020204" pitchFamily="34"/>
+                <a:cs typeface="Noto Sans" panose="020B0502040504020204" pitchFamily="34"/>
               </a:rPr>
               <a:t>Beginnen wir mit den Instruktionen!</a:t>
             </a:r>
@@ -12096,6 +12375,9 @@
               <a:solidFill>
                 <a:schemeClr val="bg1"/>
               </a:solidFill>
+              <a:latin typeface="Noto Sans" panose="020B0502040504020204" pitchFamily="34"/>
+              <a:ea typeface="Noto Sans" panose="020B0502040504020204" pitchFamily="34"/>
+              <a:cs typeface="Noto Sans" panose="020B0502040504020204" pitchFamily="34"/>
               <a:sym typeface="Wingdings" panose="05000000000000000000" pitchFamily="2" charset="2"/>
             </a:endParaRPr>
           </a:p>
@@ -12106,6 +12388,9 @@
                 <a:solidFill>
                   <a:schemeClr val="bg1"/>
                 </a:solidFill>
+                <a:latin typeface="Noto Sans" panose="020B0502040504020204" pitchFamily="34"/>
+                <a:ea typeface="Noto Sans" panose="020B0502040504020204" pitchFamily="34"/>
+                <a:cs typeface="Noto Sans" panose="020B0502040504020204" pitchFamily="34"/>
                 <a:sym typeface="Wingdings" panose="05000000000000000000" pitchFamily="2" charset="2"/>
               </a:rPr>
               <a:t>Bitte die </a:t>
@@ -12115,6 +12400,9 @@
                 <a:solidFill>
                   <a:schemeClr val="bg1"/>
                 </a:solidFill>
+                <a:latin typeface="Noto Sans" panose="020B0502040504020204" pitchFamily="34"/>
+                <a:ea typeface="Noto Sans" panose="020B0502040504020204" pitchFamily="34"/>
+                <a:cs typeface="Noto Sans" panose="020B0502040504020204" pitchFamily="34"/>
                 <a:sym typeface="Wingdings" panose="05000000000000000000" pitchFamily="2" charset="2"/>
               </a:rPr>
               <a:t>LEERTASTE</a:t>
@@ -12124,6 +12412,9 @@
                 <a:solidFill>
                   <a:schemeClr val="bg1"/>
                 </a:solidFill>
+                <a:latin typeface="Noto Sans" panose="020B0502040504020204" pitchFamily="34"/>
+                <a:ea typeface="Noto Sans" panose="020B0502040504020204" pitchFamily="34"/>
+                <a:cs typeface="Noto Sans" panose="020B0502040504020204" pitchFamily="34"/>
                 <a:sym typeface="Wingdings" panose="05000000000000000000" pitchFamily="2" charset="2"/>
               </a:rPr>
               <a:t> drücken, um fortzufahren</a:t>
@@ -12132,6 +12423,9 @@
               <a:solidFill>
                 <a:schemeClr val="bg1"/>
               </a:solidFill>
+              <a:latin typeface="Noto Sans" panose="020B0502040504020204" pitchFamily="34"/>
+              <a:ea typeface="Noto Sans" panose="020B0502040504020204" pitchFamily="34"/>
+              <a:cs typeface="Noto Sans" panose="020B0502040504020204" pitchFamily="34"/>
             </a:endParaRPr>
           </a:p>
         </p:txBody>
@@ -12245,7 +12539,9 @@
                   <a:schemeClr val="bg1"/>
                 </a:solidFill>
                 <a:effectLst/>
-                <a:latin typeface="Consolas" panose="020B0609020204030204" pitchFamily="49" charset="0"/>
+                <a:latin typeface="Noto Sans" panose="020B0502040504020204" pitchFamily="34"/>
+                <a:ea typeface="Noto Sans" panose="020B0502040504020204" pitchFamily="34"/>
+                <a:cs typeface="Noto Sans" panose="020B0502040504020204" pitchFamily="34"/>
               </a:rPr>
               <a:t>Ihre Aufgabe ist es, </a:t>
             </a:r>
@@ -12255,7 +12551,9 @@
                   <a:schemeClr val="bg1"/>
                 </a:solidFill>
                 <a:effectLst/>
-                <a:latin typeface="Consolas" panose="020B0609020204030204" pitchFamily="49" charset="0"/>
+                <a:latin typeface="Noto Sans" panose="020B0502040504020204" pitchFamily="34"/>
+                <a:ea typeface="Noto Sans" panose="020B0502040504020204" pitchFamily="34"/>
+                <a:cs typeface="Noto Sans" panose="020B0502040504020204" pitchFamily="34"/>
               </a:rPr>
               <a:t>nach links oder rechts zu steuern, um auf das an einer zufälligen Stelle erscheinende</a:t>
             </a:r>
@@ -12265,7 +12563,9 @@
                   <a:srgbClr val="FFFF00"/>
                 </a:solidFill>
                 <a:effectLst/>
-                <a:latin typeface="Consolas" panose="020B0609020204030204" pitchFamily="49" charset="0"/>
+                <a:latin typeface="Noto Sans" panose="020B0502040504020204" pitchFamily="34"/>
+                <a:ea typeface="Noto Sans" panose="020B0502040504020204" pitchFamily="34"/>
+                <a:cs typeface="Noto Sans" panose="020B0502040504020204" pitchFamily="34"/>
               </a:rPr>
               <a:t> Ziel </a:t>
             </a:r>
@@ -12275,7 +12575,9 @@
                   <a:schemeClr val="bg1"/>
                 </a:solidFill>
                 <a:effectLst/>
-                <a:latin typeface="Consolas" panose="020B0609020204030204" pitchFamily="49" charset="0"/>
+                <a:latin typeface="Noto Sans" panose="020B0502040504020204" pitchFamily="34"/>
+                <a:ea typeface="Noto Sans" panose="020B0502040504020204" pitchFamily="34"/>
+                <a:cs typeface="Noto Sans" panose="020B0502040504020204" pitchFamily="34"/>
               </a:rPr>
               <a:t>zu schießen.</a:t>
             </a:r>
@@ -12371,6 +12673,9 @@
                 <a:solidFill>
                   <a:schemeClr val="bg1"/>
                 </a:solidFill>
+                <a:latin typeface="Noto Sans" panose="020B0502040504020204" pitchFamily="34"/>
+                <a:ea typeface="Noto Sans" panose="020B0502040504020204" pitchFamily="34"/>
+                <a:cs typeface="Noto Sans" panose="020B0502040504020204" pitchFamily="34"/>
                 <a:sym typeface="Wingdings" panose="05000000000000000000" pitchFamily="2" charset="2"/>
               </a:rPr>
               <a:t>Bitte die </a:t>
@@ -12380,6 +12685,9 @@
                 <a:solidFill>
                   <a:schemeClr val="bg1"/>
                 </a:solidFill>
+                <a:latin typeface="Noto Sans" panose="020B0502040504020204" pitchFamily="34"/>
+                <a:ea typeface="Noto Sans" panose="020B0502040504020204" pitchFamily="34"/>
+                <a:cs typeface="Noto Sans" panose="020B0502040504020204" pitchFamily="34"/>
                 <a:sym typeface="Wingdings" panose="05000000000000000000" pitchFamily="2" charset="2"/>
               </a:rPr>
               <a:t>LEERTASTE</a:t>
@@ -12389,6 +12697,9 @@
                 <a:solidFill>
                   <a:schemeClr val="bg1"/>
                 </a:solidFill>
+                <a:latin typeface="Noto Sans" panose="020B0502040504020204" pitchFamily="34"/>
+                <a:ea typeface="Noto Sans" panose="020B0502040504020204" pitchFamily="34"/>
+                <a:cs typeface="Noto Sans" panose="020B0502040504020204" pitchFamily="34"/>
                 <a:sym typeface="Wingdings" panose="05000000000000000000" pitchFamily="2" charset="2"/>
               </a:rPr>
               <a:t> drücken, um fortzufahren</a:t>
@@ -12397,6 +12708,9 @@
               <a:solidFill>
                 <a:schemeClr val="bg1"/>
               </a:solidFill>
+              <a:latin typeface="Noto Sans" panose="020B0502040504020204" pitchFamily="34"/>
+              <a:ea typeface="Noto Sans" panose="020B0502040504020204" pitchFamily="34"/>
+              <a:cs typeface="Noto Sans" panose="020B0502040504020204" pitchFamily="34"/>
             </a:endParaRPr>
           </a:p>
         </p:txBody>

--- a/exp_img/instructions.pptx
+++ b/exp_img/instructions.pptx
@@ -291,7 +291,7 @@
           <a:p>
             <a:fld id="{9583AF26-4D68-42D5-A917-CD55DA578274}" type="datetimeFigureOut">
               <a:rPr lang="de-DE" smtClean="0"/>
-              <a:t>17.03.2025</a:t>
+              <a:t>19.03.2025</a:t>
             </a:fld>
             <a:endParaRPr lang="de-DE"/>
           </a:p>
@@ -489,7 +489,7 @@
           <a:p>
             <a:fld id="{9583AF26-4D68-42D5-A917-CD55DA578274}" type="datetimeFigureOut">
               <a:rPr lang="de-DE" smtClean="0"/>
-              <a:t>17.03.2025</a:t>
+              <a:t>19.03.2025</a:t>
             </a:fld>
             <a:endParaRPr lang="de-DE"/>
           </a:p>
@@ -697,7 +697,7 @@
           <a:p>
             <a:fld id="{9583AF26-4D68-42D5-A917-CD55DA578274}" type="datetimeFigureOut">
               <a:rPr lang="de-DE" smtClean="0"/>
-              <a:t>17.03.2025</a:t>
+              <a:t>19.03.2025</a:t>
             </a:fld>
             <a:endParaRPr lang="de-DE"/>
           </a:p>
@@ -895,7 +895,7 @@
           <a:p>
             <a:fld id="{9583AF26-4D68-42D5-A917-CD55DA578274}" type="datetimeFigureOut">
               <a:rPr lang="de-DE" smtClean="0"/>
-              <a:t>17.03.2025</a:t>
+              <a:t>19.03.2025</a:t>
             </a:fld>
             <a:endParaRPr lang="de-DE"/>
           </a:p>
@@ -1170,7 +1170,7 @@
           <a:p>
             <a:fld id="{9583AF26-4D68-42D5-A917-CD55DA578274}" type="datetimeFigureOut">
               <a:rPr lang="de-DE" smtClean="0"/>
-              <a:t>17.03.2025</a:t>
+              <a:t>19.03.2025</a:t>
             </a:fld>
             <a:endParaRPr lang="de-DE"/>
           </a:p>
@@ -1435,7 +1435,7 @@
           <a:p>
             <a:fld id="{9583AF26-4D68-42D5-A917-CD55DA578274}" type="datetimeFigureOut">
               <a:rPr lang="de-DE" smtClean="0"/>
-              <a:t>17.03.2025</a:t>
+              <a:t>19.03.2025</a:t>
             </a:fld>
             <a:endParaRPr lang="de-DE"/>
           </a:p>
@@ -1847,7 +1847,7 @@
           <a:p>
             <a:fld id="{9583AF26-4D68-42D5-A917-CD55DA578274}" type="datetimeFigureOut">
               <a:rPr lang="de-DE" smtClean="0"/>
-              <a:t>17.03.2025</a:t>
+              <a:t>19.03.2025</a:t>
             </a:fld>
             <a:endParaRPr lang="de-DE"/>
           </a:p>
@@ -1988,7 +1988,7 @@
           <a:p>
             <a:fld id="{9583AF26-4D68-42D5-A917-CD55DA578274}" type="datetimeFigureOut">
               <a:rPr lang="de-DE" smtClean="0"/>
-              <a:t>17.03.2025</a:t>
+              <a:t>19.03.2025</a:t>
             </a:fld>
             <a:endParaRPr lang="de-DE"/>
           </a:p>
@@ -2101,7 +2101,7 @@
           <a:p>
             <a:fld id="{9583AF26-4D68-42D5-A917-CD55DA578274}" type="datetimeFigureOut">
               <a:rPr lang="de-DE" smtClean="0"/>
-              <a:t>17.03.2025</a:t>
+              <a:t>19.03.2025</a:t>
             </a:fld>
             <a:endParaRPr lang="de-DE"/>
           </a:p>
@@ -2412,7 +2412,7 @@
           <a:p>
             <a:fld id="{9583AF26-4D68-42D5-A917-CD55DA578274}" type="datetimeFigureOut">
               <a:rPr lang="de-DE" smtClean="0"/>
-              <a:t>17.03.2025</a:t>
+              <a:t>19.03.2025</a:t>
             </a:fld>
             <a:endParaRPr lang="de-DE"/>
           </a:p>
@@ -2700,7 +2700,7 @@
           <a:p>
             <a:fld id="{9583AF26-4D68-42D5-A917-CD55DA578274}" type="datetimeFigureOut">
               <a:rPr lang="de-DE" smtClean="0"/>
-              <a:t>17.03.2025</a:t>
+              <a:t>19.03.2025</a:t>
             </a:fld>
             <a:endParaRPr lang="de-DE"/>
           </a:p>
@@ -2941,7 +2941,7 @@
           <a:p>
             <a:fld id="{9583AF26-4D68-42D5-A917-CD55DA578274}" type="datetimeFigureOut">
               <a:rPr lang="de-DE" smtClean="0"/>
-              <a:t>17.03.2025</a:t>
+              <a:t>19.03.2025</a:t>
             </a:fld>
             <a:endParaRPr lang="de-DE"/>
           </a:p>
@@ -4429,7 +4429,7 @@
                 <a:cs typeface="Noto Sans" panose="020B0502040504020204" pitchFamily="34"/>
                 <a:sym typeface="Wingdings" panose="05000000000000000000" pitchFamily="2" charset="2"/>
               </a:rPr>
-              <a:t>Jeder Spieldurchlauf besteht aus Start, Erscheinen des Ziels, Bewegung zum und schießen auf das Ziel und der Punkteanzeige:</a:t>
+              <a:t>Jeder Spieldurchlauf besteht aus Start, Erscheinen des Ziels, Bewegung zum und Schießen auf das Ziel und der Punkteanzeige:</a:t>
             </a:r>
           </a:p>
           <a:p>
@@ -4935,7 +4935,7 @@
         <p:spPr>
           <a:xfrm>
             <a:off x="1574008" y="327932"/>
-            <a:ext cx="8143960" cy="5724644"/>
+            <a:ext cx="8143960" cy="6309420"/>
           </a:xfrm>
           <a:prstGeom prst="rect">
             <a:avLst/>
@@ -4959,7 +4959,7 @@
                 <a:cs typeface="Noto Sans" panose="020B0502040504020204" pitchFamily="34"/>
                 <a:sym typeface="Wingdings" panose="05000000000000000000" pitchFamily="2" charset="2"/>
               </a:rPr>
-              <a:t>Nun steuern Sie mit den Tasten A und D Ihre Spielfigur seitlich auf Höhe des Ziels und schießen mit STRG darauf. </a:t>
+              <a:t>Nun steuern Sie mit den Tasten A und D Ihre Spielfigur seitlich auf Höhe des Ziels und schießen mit STRG darauf. Sollten Sie sich über das Ziel hinaus bewegen, können Sie ihre Bewegung korrigieren </a:t>
             </a:r>
           </a:p>
           <a:p>
@@ -5082,18 +5082,6 @@
                 <a:schemeClr val="bg1"/>
               </a:solidFill>
               <a:latin typeface="Consolas" panose="020B0609020204030204" pitchFamily="49" charset="0"/>
-              <a:sym typeface="Wingdings" panose="05000000000000000000" pitchFamily="2" charset="2"/>
-            </a:endParaRPr>
-          </a:p>
-          <a:p>
-            <a:pPr algn="ctr"/>
-            <a:endParaRPr lang="de-DE" dirty="0">
-              <a:solidFill>
-                <a:schemeClr val="bg1"/>
-              </a:solidFill>
-              <a:latin typeface="Noto Sans" panose="020B0502040504020204" pitchFamily="34"/>
-              <a:ea typeface="Noto Sans" panose="020B0502040504020204" pitchFamily="34"/>
-              <a:cs typeface="Noto Sans" panose="020B0502040504020204" pitchFamily="34"/>
               <a:sym typeface="Wingdings" panose="05000000000000000000" pitchFamily="2" charset="2"/>
             </a:endParaRPr>
           </a:p>
@@ -5174,7 +5162,7 @@
         </p:blipFill>
         <p:spPr>
           <a:xfrm>
-            <a:off x="3087832" y="2796349"/>
+            <a:off x="3087833" y="3331186"/>
             <a:ext cx="4706058" cy="2646084"/>
           </a:xfrm>
           <a:prstGeom prst="rect">
@@ -5241,7 +5229,7 @@
         <p:spPr>
           <a:xfrm>
             <a:off x="1574008" y="327932"/>
-            <a:ext cx="8143960" cy="6217087"/>
+            <a:ext cx="8143960" cy="6247864"/>
           </a:xfrm>
           <a:prstGeom prst="rect">
             <a:avLst/>
@@ -5263,7 +5251,7 @@
                 <a:latin typeface="Consolas" panose="020B0609020204030204" pitchFamily="49" charset="0"/>
                 <a:sym typeface="Wingdings" panose="05000000000000000000" pitchFamily="2" charset="2"/>
               </a:rPr>
-              <a:t>Sobald das Ziel getroffen oder die maximale Zeit überschritten wird, endet der Spieldurchlauf. Anschließend werden die erreichten Punkte (abhängig von benötigter Zeit und Treffen des Ziels) für 1 Sekunde angezeigt. </a:t>
+              <a:t>Sobald das Ziel getroffen oder die maximale Zeit überschritten wird, endet der Spieldurchlauf. Für einen Treffer gibt es 1 Punkt, ansonsten 0. Anschließend werden die erreichten Punkte für den aktuellen Durchlauf und die Gesamtpunktzahl für den Block für 1 Sekunde angezeigt. </a:t>
             </a:r>
             <a:r>
               <a:rPr lang="de-DE" sz="2000" u="sng" dirty="0">
@@ -5363,15 +5351,6 @@
                 <a:schemeClr val="bg1"/>
               </a:solidFill>
               <a:latin typeface="Consolas" panose="020B0609020204030204" pitchFamily="49" charset="0"/>
-              <a:sym typeface="Wingdings" panose="05000000000000000000" pitchFamily="2" charset="2"/>
-            </a:endParaRPr>
-          </a:p>
-          <a:p>
-            <a:pPr algn="ctr"/>
-            <a:endParaRPr lang="de-DE" dirty="0">
-              <a:solidFill>
-                <a:schemeClr val="bg1"/>
-              </a:solidFill>
               <a:sym typeface="Wingdings" panose="05000000000000000000" pitchFamily="2" charset="2"/>
             </a:endParaRPr>
           </a:p>
@@ -5440,7 +5419,7 @@
         </p:blipFill>
         <p:spPr>
           <a:xfrm>
-            <a:off x="2915727" y="2713222"/>
+            <a:off x="2846715" y="2954762"/>
             <a:ext cx="5460521" cy="3070298"/>
           </a:xfrm>
           <a:prstGeom prst="rect">
